--- a/folded_gilbert/20230703/進捗報告 ギルバートセルの設計.pptx
+++ b/folded_gilbert/20230703/進捗報告 ギルバートセルの設計.pptx
@@ -9,7 +9,7 @@
     <p:sldId id="259" r:id="rId3"/>
     <p:sldId id="260" r:id="rId4"/>
     <p:sldId id="257" r:id="rId5"/>
-    <p:sldId id="258" r:id="rId6"/>
+    <p:sldId id="261" r:id="rId6"/>
   </p:sldIdLst>
   <p:sldSz cx="12192000" cy="6858000"/>
   <p:notesSz cx="6858000" cy="9144000"/>
@@ -4116,6 +4116,7 @@
                 <a:endParaRPr kumimoji="1" lang="en-US" altLang="ja-JP" sz="2400" b="0" dirty="0"/>
               </a:p>
               <a:p>
+                <a:pPr/>
                 <a14:m>
                   <m:oMathPara xmlns:m="http://schemas.openxmlformats.org/officeDocument/2006/math">
                     <m:oMathParaPr>
@@ -4857,8 +4858,8 @@
           </a:p>
         </p:txBody>
       </p:sp>
-      <mc:AlternateContent xmlns:mc="http://schemas.openxmlformats.org/markup-compatibility/2006">
-        <mc:Choice xmlns:a14="http://schemas.microsoft.com/office/drawing/2010/main" Requires="a14">
+      <mc:AlternateContent xmlns:mc="http://schemas.openxmlformats.org/markup-compatibility/2006" xmlns:a14="http://schemas.microsoft.com/office/drawing/2010/main">
+        <mc:Choice Requires="a14">
           <p:sp>
             <p:nvSpPr>
               <p:cNvPr id="4" name="テキスト ボックス 3">
@@ -7168,7 +7169,7 @@
             </p:txBody>
           </p:sp>
         </mc:Choice>
-        <mc:Fallback>
+        <mc:Fallback xmlns="">
           <p:sp>
             <p:nvSpPr>
               <p:cNvPr id="4" name="テキスト ボックス 3">
@@ -7287,8 +7288,8 @@
             </p:nvSpPr>
             <p:spPr>
               <a:xfrm>
-                <a:off x="6007511" y="1880696"/>
-                <a:ext cx="6184490" cy="3539430"/>
+                <a:off x="6096000" y="1634964"/>
+                <a:ext cx="6184490" cy="5016758"/>
               </a:xfrm>
               <a:prstGeom prst="rect">
                 <a:avLst/>
@@ -8206,7 +8207,363 @@
               </a:p>
               <a:p>
                 <a:pPr algn="l"/>
-                <a:endParaRPr kumimoji="1" lang="en-US" altLang="ja-JP" sz="2400"/>
+                <a:endParaRPr kumimoji="1" lang="en-US" altLang="ja-JP" sz="2400" dirty="0"/>
+              </a:p>
+              <a:p>
+                <a:pPr algn="l"/>
+                <a14:m>
+                  <m:oMath xmlns:m="http://schemas.openxmlformats.org/officeDocument/2006/math">
+                    <m:sSub>
+                      <m:sSubPr>
+                        <m:ctrlPr>
+                          <a:rPr lang="en-US" altLang="ja-JP" sz="2400" b="0" i="1" smtClean="0">
+                            <a:latin typeface="Cambria Math" panose="02040503050406030204" pitchFamily="18" charset="0"/>
+                          </a:rPr>
+                        </m:ctrlPr>
+                      </m:sSubPr>
+                      <m:e>
+                        <m:r>
+                          <a:rPr lang="en-US" altLang="ja-JP" sz="2400" b="0" i="1" smtClean="0">
+                            <a:latin typeface="Cambria Math" panose="02040503050406030204" pitchFamily="18" charset="0"/>
+                          </a:rPr>
+                          <m:t>𝑀</m:t>
+                        </m:r>
+                      </m:e>
+                      <m:sub>
+                        <m:r>
+                          <a:rPr lang="en-US" altLang="ja-JP" sz="2400" b="0" i="1" smtClean="0">
+                            <a:latin typeface="Cambria Math" panose="02040503050406030204" pitchFamily="18" charset="0"/>
+                          </a:rPr>
+                          <m:t>𝐴</m:t>
+                        </m:r>
+                      </m:sub>
+                    </m:sSub>
+                  </m:oMath>
+                </a14:m>
+                <a:r>
+                  <a:rPr kumimoji="1" lang="ja-JP" altLang="en-US" sz="2400" dirty="0"/>
+                  <a:t>と</a:t>
+                </a:r>
+                <a14:m>
+                  <m:oMath xmlns:m="http://schemas.openxmlformats.org/officeDocument/2006/math">
+                    <m:sSub>
+                      <m:sSubPr>
+                        <m:ctrlPr>
+                          <a:rPr kumimoji="1" lang="en-US" altLang="ja-JP" sz="2400" b="0" i="1" dirty="0" smtClean="0">
+                            <a:latin typeface="Cambria Math" panose="02040503050406030204" pitchFamily="18" charset="0"/>
+                          </a:rPr>
+                        </m:ctrlPr>
+                      </m:sSubPr>
+                      <m:e>
+                        <m:r>
+                          <a:rPr kumimoji="1" lang="en-US" altLang="ja-JP" sz="2400" b="0" i="1" dirty="0" smtClean="0">
+                            <a:latin typeface="Cambria Math" panose="02040503050406030204" pitchFamily="18" charset="0"/>
+                          </a:rPr>
+                          <m:t>𝑀</m:t>
+                        </m:r>
+                      </m:e>
+                      <m:sub>
+                        <m:r>
+                          <a:rPr kumimoji="1" lang="en-US" altLang="ja-JP" sz="2400" b="0" i="1" dirty="0" smtClean="0">
+                            <a:latin typeface="Cambria Math" panose="02040503050406030204" pitchFamily="18" charset="0"/>
+                          </a:rPr>
+                          <m:t>𝐵</m:t>
+                        </m:r>
+                      </m:sub>
+                    </m:sSub>
+                  </m:oMath>
+                </a14:m>
+                <a:r>
+                  <a:rPr kumimoji="1" lang="ja-JP" altLang="en-US" sz="2400" dirty="0"/>
+                  <a:t>のゲートソース間電圧をそろえると</a:t>
+                </a:r>
+                <a:endParaRPr kumimoji="1" lang="en-US" altLang="ja-JP" sz="2400" dirty="0"/>
+              </a:p>
+              <a:p>
+                <a:pPr algn="ctr"/>
+                <a14:m>
+                  <m:oMathPara xmlns:m="http://schemas.openxmlformats.org/officeDocument/2006/math">
+                    <m:oMathParaPr>
+                      <m:jc m:val="centerGroup"/>
+                    </m:oMathParaPr>
+                    <m:oMath xmlns:m="http://schemas.openxmlformats.org/officeDocument/2006/math">
+                      <m:sSub>
+                        <m:sSubPr>
+                          <m:ctrlPr>
+                            <a:rPr kumimoji="1" lang="en-US" altLang="ja-JP" sz="2400" b="0" i="1" smtClean="0">
+                              <a:latin typeface="Cambria Math" panose="02040503050406030204" pitchFamily="18" charset="0"/>
+                            </a:rPr>
+                          </m:ctrlPr>
+                        </m:sSubPr>
+                        <m:e>
+                          <m:r>
+                            <a:rPr kumimoji="1" lang="en-US" altLang="ja-JP" sz="2400" b="0" i="1" smtClean="0">
+                              <a:latin typeface="Cambria Math" panose="02040503050406030204" pitchFamily="18" charset="0"/>
+                            </a:rPr>
+                            <m:t>𝑉</m:t>
+                          </m:r>
+                        </m:e>
+                        <m:sub>
+                          <m:r>
+                            <a:rPr kumimoji="1" lang="en-US" altLang="ja-JP" sz="2400" b="0" i="1" smtClean="0">
+                              <a:latin typeface="Cambria Math" panose="02040503050406030204" pitchFamily="18" charset="0"/>
+                            </a:rPr>
+                            <m:t>𝐴</m:t>
+                          </m:r>
+                        </m:sub>
+                      </m:sSub>
+                      <m:r>
+                        <a:rPr kumimoji="1" lang="en-US" altLang="ja-JP" sz="2400" b="0" i="1" smtClean="0">
+                          <a:latin typeface="Cambria Math" panose="02040503050406030204" pitchFamily="18" charset="0"/>
+                        </a:rPr>
+                        <m:t>−</m:t>
+                      </m:r>
+                      <m:sSub>
+                        <m:sSubPr>
+                          <m:ctrlPr>
+                            <a:rPr kumimoji="1" lang="en-US" altLang="ja-JP" sz="2400" b="0" i="1" smtClean="0">
+                              <a:latin typeface="Cambria Math" panose="02040503050406030204" pitchFamily="18" charset="0"/>
+                            </a:rPr>
+                          </m:ctrlPr>
+                        </m:sSubPr>
+                        <m:e>
+                          <m:r>
+                            <a:rPr kumimoji="1" lang="en-US" altLang="ja-JP" sz="2400" b="0" i="1" smtClean="0">
+                              <a:latin typeface="Cambria Math" panose="02040503050406030204" pitchFamily="18" charset="0"/>
+                            </a:rPr>
+                            <m:t>𝑉</m:t>
+                          </m:r>
+                        </m:e>
+                        <m:sub>
+                          <m:r>
+                            <a:rPr kumimoji="1" lang="en-US" altLang="ja-JP" sz="2400" b="0" i="1" smtClean="0">
+                              <a:latin typeface="Cambria Math" panose="02040503050406030204" pitchFamily="18" charset="0"/>
+                            </a:rPr>
+                            <m:t>𝐴𝐵</m:t>
+                          </m:r>
+                        </m:sub>
+                      </m:sSub>
+                      <m:r>
+                        <a:rPr kumimoji="1" lang="en-US" altLang="ja-JP" sz="2400" b="0" i="1" smtClean="0">
+                          <a:latin typeface="Cambria Math" panose="02040503050406030204" pitchFamily="18" charset="0"/>
+                        </a:rPr>
+                        <m:t>=</m:t>
+                      </m:r>
+                      <m:sSub>
+                        <m:sSubPr>
+                          <m:ctrlPr>
+                            <a:rPr kumimoji="1" lang="en-US" altLang="ja-JP" sz="2400" b="0" i="1" smtClean="0">
+                              <a:latin typeface="Cambria Math" panose="02040503050406030204" pitchFamily="18" charset="0"/>
+                            </a:rPr>
+                          </m:ctrlPr>
+                        </m:sSubPr>
+                        <m:e>
+                          <m:r>
+                            <a:rPr kumimoji="1" lang="en-US" altLang="ja-JP" sz="2400" b="0" i="1" smtClean="0">
+                              <a:latin typeface="Cambria Math" panose="02040503050406030204" pitchFamily="18" charset="0"/>
+                            </a:rPr>
+                            <m:t>𝑉</m:t>
+                          </m:r>
+                        </m:e>
+                        <m:sub>
+                          <m:r>
+                            <a:rPr kumimoji="1" lang="en-US" altLang="ja-JP" sz="2400" b="0" i="1" smtClean="0">
+                              <a:latin typeface="Cambria Math" panose="02040503050406030204" pitchFamily="18" charset="0"/>
+                            </a:rPr>
+                            <m:t>𝐵</m:t>
+                          </m:r>
+                        </m:sub>
+                      </m:sSub>
+                      <m:r>
+                        <a:rPr kumimoji="1" lang="en-US" altLang="ja-JP" sz="2400" b="0" i="1" smtClean="0">
+                          <a:latin typeface="Cambria Math" panose="02040503050406030204" pitchFamily="18" charset="0"/>
+                        </a:rPr>
+                        <m:t>−</m:t>
+                      </m:r>
+                      <m:sSub>
+                        <m:sSubPr>
+                          <m:ctrlPr>
+                            <a:rPr kumimoji="1" lang="en-US" altLang="ja-JP" sz="2400" b="0" i="1" smtClean="0">
+                              <a:latin typeface="Cambria Math" panose="02040503050406030204" pitchFamily="18" charset="0"/>
+                            </a:rPr>
+                          </m:ctrlPr>
+                        </m:sSubPr>
+                        <m:e>
+                          <m:r>
+                            <a:rPr kumimoji="1" lang="en-US" altLang="ja-JP" sz="2400" b="0" i="1" smtClean="0">
+                              <a:latin typeface="Cambria Math" panose="02040503050406030204" pitchFamily="18" charset="0"/>
+                            </a:rPr>
+                            <m:t>𝑉</m:t>
+                          </m:r>
+                        </m:e>
+                        <m:sub>
+                          <m:r>
+                            <a:rPr kumimoji="1" lang="en-US" altLang="ja-JP" sz="2400" b="0" i="1" smtClean="0">
+                              <a:latin typeface="Cambria Math" panose="02040503050406030204" pitchFamily="18" charset="0"/>
+                            </a:rPr>
+                            <m:t>𝑆</m:t>
+                          </m:r>
+                        </m:sub>
+                      </m:sSub>
+                    </m:oMath>
+                  </m:oMathPara>
+                </a14:m>
+                <a:endParaRPr kumimoji="1" lang="en-US" altLang="ja-JP" sz="2400" b="0" dirty="0"/>
+              </a:p>
+              <a:p>
+                <a:pPr algn="ctr"/>
+                <a14:m>
+                  <m:oMath xmlns:m="http://schemas.openxmlformats.org/officeDocument/2006/math">
+                    <m:sSub>
+                      <m:sSubPr>
+                        <m:ctrlPr>
+                          <a:rPr kumimoji="1" lang="en-US" altLang="ja-JP" sz="2400" b="0" i="1" smtClean="0">
+                            <a:latin typeface="Cambria Math" panose="02040503050406030204" pitchFamily="18" charset="0"/>
+                          </a:rPr>
+                        </m:ctrlPr>
+                      </m:sSubPr>
+                      <m:e>
+                        <m:r>
+                          <a:rPr kumimoji="1" lang="en-US" altLang="ja-JP" sz="2400" b="0" i="1" smtClean="0">
+                            <a:latin typeface="Cambria Math" panose="02040503050406030204" pitchFamily="18" charset="0"/>
+                          </a:rPr>
+                          <m:t>𝑉</m:t>
+                        </m:r>
+                      </m:e>
+                      <m:sub>
+                        <m:r>
+                          <a:rPr kumimoji="1" lang="en-US" altLang="ja-JP" sz="2400" b="0" i="1" smtClean="0">
+                            <a:latin typeface="Cambria Math" panose="02040503050406030204" pitchFamily="18" charset="0"/>
+                          </a:rPr>
+                          <m:t>𝐴</m:t>
+                        </m:r>
+                      </m:sub>
+                    </m:sSub>
+                    <m:r>
+                      <a:rPr kumimoji="1" lang="en-US" altLang="ja-JP" sz="2400" b="0" i="1" smtClean="0">
+                        <a:latin typeface="Cambria Math" panose="02040503050406030204" pitchFamily="18" charset="0"/>
+                      </a:rPr>
+                      <m:t>=</m:t>
+                    </m:r>
+                    <m:sSub>
+                      <m:sSubPr>
+                        <m:ctrlPr>
+                          <a:rPr kumimoji="1" lang="en-US" altLang="ja-JP" sz="2400" b="0" i="1" smtClean="0">
+                            <a:latin typeface="Cambria Math" panose="02040503050406030204" pitchFamily="18" charset="0"/>
+                          </a:rPr>
+                        </m:ctrlPr>
+                      </m:sSubPr>
+                      <m:e>
+                        <m:r>
+                          <a:rPr kumimoji="1" lang="en-US" altLang="ja-JP" sz="2400" b="0" i="1" smtClean="0">
+                            <a:latin typeface="Cambria Math" panose="02040503050406030204" pitchFamily="18" charset="0"/>
+                          </a:rPr>
+                          <m:t>𝑉</m:t>
+                        </m:r>
+                      </m:e>
+                      <m:sub>
+                        <m:r>
+                          <a:rPr kumimoji="1" lang="en-US" altLang="ja-JP" sz="2400" b="0" i="1" smtClean="0">
+                            <a:latin typeface="Cambria Math" panose="02040503050406030204" pitchFamily="18" charset="0"/>
+                          </a:rPr>
+                          <m:t>𝐴𝐵</m:t>
+                        </m:r>
+                      </m:sub>
+                    </m:sSub>
+                    <m:r>
+                      <a:rPr kumimoji="1" lang="en-US" altLang="ja-JP" sz="2400" b="0" i="1" smtClean="0">
+                        <a:latin typeface="Cambria Math" panose="02040503050406030204" pitchFamily="18" charset="0"/>
+                      </a:rPr>
+                      <m:t>+</m:t>
+                    </m:r>
+                    <m:sSub>
+                      <m:sSubPr>
+                        <m:ctrlPr>
+                          <a:rPr kumimoji="1" lang="en-US" altLang="ja-JP" sz="2400" b="0" i="1" smtClean="0">
+                            <a:latin typeface="Cambria Math" panose="02040503050406030204" pitchFamily="18" charset="0"/>
+                          </a:rPr>
+                        </m:ctrlPr>
+                      </m:sSubPr>
+                      <m:e>
+                        <m:r>
+                          <a:rPr kumimoji="1" lang="en-US" altLang="ja-JP" sz="2400" b="0" i="1" smtClean="0">
+                            <a:latin typeface="Cambria Math" panose="02040503050406030204" pitchFamily="18" charset="0"/>
+                          </a:rPr>
+                          <m:t>𝑉</m:t>
+                        </m:r>
+                      </m:e>
+                      <m:sub>
+                        <m:r>
+                          <a:rPr kumimoji="1" lang="en-US" altLang="ja-JP" sz="2400" b="0" i="1" smtClean="0">
+                            <a:latin typeface="Cambria Math" panose="02040503050406030204" pitchFamily="18" charset="0"/>
+                          </a:rPr>
+                          <m:t>𝐵</m:t>
+                        </m:r>
+                      </m:sub>
+                    </m:sSub>
+                    <m:r>
+                      <a:rPr kumimoji="1" lang="en-US" altLang="ja-JP" sz="2400" b="0" i="1" smtClean="0">
+                        <a:latin typeface="Cambria Math" panose="02040503050406030204" pitchFamily="18" charset="0"/>
+                      </a:rPr>
+                      <m:t>−</m:t>
+                    </m:r>
+                    <m:sSub>
+                      <m:sSubPr>
+                        <m:ctrlPr>
+                          <a:rPr kumimoji="1" lang="en-US" altLang="ja-JP" sz="2400" b="0" i="1" smtClean="0">
+                            <a:latin typeface="Cambria Math" panose="02040503050406030204" pitchFamily="18" charset="0"/>
+                          </a:rPr>
+                        </m:ctrlPr>
+                      </m:sSubPr>
+                      <m:e>
+                        <m:r>
+                          <a:rPr kumimoji="1" lang="en-US" altLang="ja-JP" sz="2400" b="0" i="1" smtClean="0">
+                            <a:latin typeface="Cambria Math" panose="02040503050406030204" pitchFamily="18" charset="0"/>
+                          </a:rPr>
+                          <m:t>𝑉</m:t>
+                        </m:r>
+                      </m:e>
+                      <m:sub>
+                        <m:r>
+                          <a:rPr kumimoji="1" lang="en-US" altLang="ja-JP" sz="2400" b="0" i="1" smtClean="0">
+                            <a:latin typeface="Cambria Math" panose="02040503050406030204" pitchFamily="18" charset="0"/>
+                          </a:rPr>
+                          <m:t>𝑆</m:t>
+                        </m:r>
+                      </m:sub>
+                    </m:sSub>
+                  </m:oMath>
+                </a14:m>
+                <a:r>
+                  <a:rPr kumimoji="1" lang="en-US" altLang="ja-JP" sz="2400" dirty="0"/>
+                  <a:t>	</a:t>
+                </a:r>
+                <a14:m>
+                  <m:oMath xmlns:m="http://schemas.openxmlformats.org/officeDocument/2006/math">
+                    <m:d>
+                      <m:dPr>
+                        <m:ctrlPr>
+                          <a:rPr kumimoji="1" lang="en-US" altLang="ja-JP" sz="2400" b="0" i="1" smtClean="0">
+                            <a:latin typeface="Cambria Math" panose="02040503050406030204" pitchFamily="18" charset="0"/>
+                          </a:rPr>
+                        </m:ctrlPr>
+                      </m:dPr>
+                      <m:e>
+                        <m:r>
+                          <a:rPr kumimoji="1" lang="en-US" altLang="ja-JP" sz="2400" b="0" i="1" smtClean="0">
+                            <a:latin typeface="Cambria Math" panose="02040503050406030204" pitchFamily="18" charset="0"/>
+                          </a:rPr>
+                          <m:t>7</m:t>
+                        </m:r>
+                      </m:e>
+                    </m:d>
+                  </m:oMath>
+                </a14:m>
+                <a:endParaRPr kumimoji="1" lang="en-US" altLang="ja-JP" sz="2400" dirty="0"/>
+              </a:p>
+              <a:p>
+                <a:pPr algn="ctr"/>
+                <a:endParaRPr kumimoji="1" lang="en-US" altLang="ja-JP" sz="2400" dirty="0"/>
               </a:p>
               <a:p>
                 <a:pPr algn="l"/>
@@ -8232,8 +8589,8 @@
             </p:nvSpPr>
             <p:spPr>
               <a:xfrm>
-                <a:off x="6007511" y="1880696"/>
-                <a:ext cx="6184490" cy="3539430"/>
+                <a:off x="6096000" y="1634964"/>
+                <a:ext cx="6184490" cy="5016758"/>
               </a:xfrm>
               <a:prstGeom prst="rect">
                 <a:avLst/>
@@ -8241,7 +8598,7 @@
               <a:blipFill>
                 <a:blip r:embed="rId2"/>
                 <a:stretch>
-                  <a:fillRect l="-1478" t="-1379"/>
+                  <a:fillRect l="-1478" t="-972" r="-1084"/>
                 </a:stretch>
               </a:blipFill>
             </p:spPr>
@@ -8260,6 +8617,58 @@
           </p:sp>
         </mc:Fallback>
       </mc:AlternateContent>
+      <p:sp>
+        <p:nvSpPr>
+          <p:cNvPr id="3" name="正方形/長方形 2">
+            <a:extLst>
+              <a:ext uri="{FF2B5EF4-FFF2-40B4-BE49-F238E27FC236}">
+                <a16:creationId xmlns:a16="http://schemas.microsoft.com/office/drawing/2014/main" id="{DDF09E45-8093-B405-D2EF-82FD945781CB}"/>
+              </a:ext>
+            </a:extLst>
+          </p:cNvPr>
+          <p:cNvSpPr/>
+          <p:nvPr/>
+        </p:nvSpPr>
+        <p:spPr>
+          <a:xfrm>
+            <a:off x="6096000" y="3036163"/>
+            <a:ext cx="6096000" cy="1464816"/>
+          </a:xfrm>
+          <a:prstGeom prst="rect">
+            <a:avLst/>
+          </a:prstGeom>
+          <a:noFill/>
+          <a:ln w="28575">
+            <a:solidFill>
+              <a:srgbClr val="FF0000"/>
+            </a:solidFill>
+          </a:ln>
+        </p:spPr>
+        <p:style>
+          <a:lnRef idx="2">
+            <a:schemeClr val="accent1">
+              <a:shade val="15000"/>
+            </a:schemeClr>
+          </a:lnRef>
+          <a:fillRef idx="1">
+            <a:schemeClr val="accent1"/>
+          </a:fillRef>
+          <a:effectRef idx="0">
+            <a:schemeClr val="accent1"/>
+          </a:effectRef>
+          <a:fontRef idx="minor">
+            <a:schemeClr val="lt1"/>
+          </a:fontRef>
+        </p:style>
+        <p:txBody>
+          <a:bodyPr rtlCol="0" anchor="ctr"/>
+          <a:lstStyle/>
+          <a:p>
+            <a:pPr algn="ctr"/>
+            <a:endParaRPr kumimoji="1" lang="ja-JP" altLang="en-US"/>
+          </a:p>
+        </p:txBody>
+      </p:sp>
       <p:pic>
         <p:nvPicPr>
           <p:cNvPr id="4" name="図 3" descr="アプリケーション が含まれている画像&#10;&#10;自動的に生成された説明">
@@ -8326,1131 +8735,96 @@
           <a:chExt cx="0" cy="0"/>
         </a:xfrm>
       </p:grpSpPr>
-      <p:sp>
-        <p:nvSpPr>
-          <p:cNvPr id="5" name="タイトル 1">
-            <a:extLst>
-              <a:ext uri="{FF2B5EF4-FFF2-40B4-BE49-F238E27FC236}">
-                <a16:creationId xmlns:a16="http://schemas.microsoft.com/office/drawing/2014/main" id="{BBF8B466-12EA-DCCC-BEB8-4D1C7478F32B}"/>
-              </a:ext>
-            </a:extLst>
-          </p:cNvPr>
-          <p:cNvSpPr>
-            <a:spLocks noGrp="1"/>
-          </p:cNvSpPr>
-          <p:nvPr>
-            <p:ph type="title"/>
-          </p:nvPr>
-        </p:nvSpPr>
-        <p:spPr>
-          <a:xfrm>
-            <a:off x="838200" y="365125"/>
-            <a:ext cx="10515600" cy="1325563"/>
-          </a:xfrm>
-        </p:spPr>
-        <p:txBody>
-          <a:bodyPr/>
-          <a:lstStyle/>
-          <a:p>
-            <a:r>
-              <a:rPr kumimoji="1" lang="ja-JP" altLang="en-US" dirty="0"/>
-              <a:t>直流設計</a:t>
-            </a:r>
-          </a:p>
-        </p:txBody>
-      </p:sp>
-      <mc:AlternateContent xmlns:mc="http://schemas.openxmlformats.org/markup-compatibility/2006" xmlns:a14="http://schemas.microsoft.com/office/drawing/2010/main">
-        <mc:Choice Requires="a14">
+      <mc:AlternateContent xmlns:mc="http://schemas.openxmlformats.org/markup-compatibility/2006">
+        <mc:Choice xmlns:a14="http://schemas.microsoft.com/office/drawing/2010/main" Requires="a14">
           <p:sp>
             <p:nvSpPr>
-              <p:cNvPr id="8" name="テキスト ボックス 7">
+              <p:cNvPr id="2" name="タイトル 1">
                 <a:extLst>
                   <a:ext uri="{FF2B5EF4-FFF2-40B4-BE49-F238E27FC236}">
-                    <a16:creationId xmlns:a16="http://schemas.microsoft.com/office/drawing/2014/main" id="{26D659D9-8D34-75CA-46CB-616B891D47E0}"/>
+                    <a16:creationId xmlns:a16="http://schemas.microsoft.com/office/drawing/2014/main" id="{31A7171B-9D81-79F9-118A-29FBABD3349A}"/>
                   </a:ext>
                 </a:extLst>
               </p:cNvPr>
-              <p:cNvSpPr txBox="1"/>
-              <p:nvPr/>
+              <p:cNvSpPr>
+                <a:spLocks noGrp="1"/>
+              </p:cNvSpPr>
+              <p:nvPr>
+                <p:ph type="title"/>
+              </p:nvPr>
             </p:nvSpPr>
-            <p:spPr>
-              <a:xfrm>
-                <a:off x="6650757" y="797510"/>
-                <a:ext cx="5392927" cy="5262979"/>
-              </a:xfrm>
-              <a:prstGeom prst="rect">
-                <a:avLst/>
-              </a:prstGeom>
-              <a:noFill/>
-            </p:spPr>
+            <p:spPr/>
             <p:txBody>
-              <a:bodyPr wrap="square" rtlCol="0">
-                <a:spAutoFit/>
-              </a:bodyPr>
+              <a:bodyPr/>
               <a:lstStyle/>
               <a:p>
-                <a:pPr algn="l"/>
-                <a14:m>
-                  <m:oMath xmlns:m="http://schemas.openxmlformats.org/officeDocument/2006/math">
-                    <m:sSub>
-                      <m:sSubPr>
-                        <m:ctrlPr>
-                          <a:rPr kumimoji="1" lang="en-US" altLang="ja-JP" sz="2400" b="0" i="1" smtClean="0">
-                            <a:latin typeface="Cambria Math" panose="02040503050406030204" pitchFamily="18" charset="0"/>
-                          </a:rPr>
-                        </m:ctrlPr>
-                      </m:sSubPr>
-                      <m:e>
-                        <m:r>
-                          <a:rPr kumimoji="1" lang="en-US" altLang="ja-JP" sz="2400" b="0" i="1" smtClean="0">
-                            <a:latin typeface="Cambria Math" panose="02040503050406030204" pitchFamily="18" charset="0"/>
-                          </a:rPr>
-                          <m:t>𝑣</m:t>
-                        </m:r>
-                      </m:e>
-                      <m:sub>
-                        <m:r>
-                          <a:rPr kumimoji="1" lang="en-US" altLang="ja-JP" sz="2400" b="0" i="1" smtClean="0">
-                            <a:latin typeface="Cambria Math" panose="02040503050406030204" pitchFamily="18" charset="0"/>
-                          </a:rPr>
-                          <m:t>𝑖𝑛</m:t>
-                        </m:r>
-                      </m:sub>
-                    </m:sSub>
-                    <m:r>
-                      <a:rPr kumimoji="1" lang="en-US" altLang="ja-JP" sz="2400" b="0" i="1" smtClean="0">
-                        <a:latin typeface="Cambria Math" panose="02040503050406030204" pitchFamily="18" charset="0"/>
-                      </a:rPr>
-                      <m:t>=±0.2 </m:t>
-                    </m:r>
-                    <m:r>
-                      <m:rPr>
-                        <m:sty m:val="p"/>
-                      </m:rPr>
-                      <a:rPr kumimoji="1" lang="en-US" altLang="ja-JP" sz="2400" b="0" i="0" smtClean="0">
-                        <a:latin typeface="Cambria Math" panose="02040503050406030204" pitchFamily="18" charset="0"/>
-                      </a:rPr>
-                      <m:t>V</m:t>
-                    </m:r>
-                  </m:oMath>
-                </a14:m>
                 <a:r>
-                  <a:rPr kumimoji="1" lang="ja-JP" altLang="en-US" sz="2400" dirty="0"/>
-                  <a:t>、</a:t>
+                  <a:rPr kumimoji="1" lang="ja-JP" altLang="en-US" dirty="0"/>
+                  <a:t>直流設計 </a:t>
+                </a:r>
+                <a:r>
+                  <a:rPr kumimoji="1" lang="en-US" altLang="ja-JP" dirty="0"/>
+                  <a:t>- </a:t>
                 </a:r>
                 <a14:m>
                   <m:oMath xmlns:m="http://schemas.openxmlformats.org/officeDocument/2006/math">
                     <m:sSub>
                       <m:sSubPr>
                         <m:ctrlPr>
-                          <a:rPr kumimoji="1" lang="en-US" altLang="ja-JP" sz="2400" b="0" i="1" dirty="0" smtClean="0">
+                          <a:rPr kumimoji="1" lang="en-US" altLang="ja-JP" b="0" i="1" smtClean="0">
                             <a:latin typeface="Cambria Math" panose="02040503050406030204" pitchFamily="18" charset="0"/>
                           </a:rPr>
                         </m:ctrlPr>
                       </m:sSubPr>
                       <m:e>
                         <m:r>
-                          <m:rPr>
-                            <m:sty m:val="p"/>
-                          </m:rPr>
-                          <a:rPr kumimoji="1" lang="en-US" altLang="ja-JP" sz="2400" b="0" i="0" dirty="0" smtClean="0">
-                            <a:latin typeface="Cambria Math" panose="02040503050406030204" pitchFamily="18" charset="0"/>
-                          </a:rPr>
-                          <m:t>V</m:t>
+                          <a:rPr kumimoji="1" lang="en-US" altLang="ja-JP" b="0" i="1" smtClean="0">
+                            <a:latin typeface="Cambria Math" panose="02040503050406030204" pitchFamily="18" charset="0"/>
+                          </a:rPr>
+                          <m:t>𝑉</m:t>
                         </m:r>
                       </m:e>
                       <m:sub>
                         <m:r>
-                          <m:rPr>
-                            <m:sty m:val="p"/>
-                          </m:rPr>
-                          <a:rPr kumimoji="1" lang="en-US" altLang="ja-JP" sz="2400" b="0" i="0" dirty="0" smtClean="0">
-                            <a:latin typeface="Cambria Math" panose="02040503050406030204" pitchFamily="18" charset="0"/>
-                          </a:rPr>
-                          <m:t>th</m:t>
-                        </m:r>
-                      </m:sub>
-                    </m:sSub>
-                    <m:r>
-                      <a:rPr kumimoji="1" lang="en-US" altLang="ja-JP" sz="2400" b="0" i="0" dirty="0" smtClean="0">
-                        <a:latin typeface="Cambria Math" panose="02040503050406030204" pitchFamily="18" charset="0"/>
-                      </a:rPr>
-                      <m:t>&lt;</m:t>
-                    </m:r>
-                    <m:sSub>
-                      <m:sSubPr>
-                        <m:ctrlPr>
-                          <a:rPr kumimoji="1" lang="en-US" altLang="ja-JP" sz="2400" b="0" i="1" dirty="0" smtClean="0">
-                            <a:latin typeface="Cambria Math" panose="02040503050406030204" pitchFamily="18" charset="0"/>
-                          </a:rPr>
-                        </m:ctrlPr>
-                      </m:sSubPr>
-                      <m:e>
-                        <m:r>
-                          <a:rPr kumimoji="1" lang="en-US" altLang="ja-JP" sz="2400" b="0" i="1" dirty="0" smtClean="0">
-                            <a:latin typeface="Cambria Math" panose="02040503050406030204" pitchFamily="18" charset="0"/>
-                          </a:rPr>
-                          <m:t>𝑉</m:t>
-                        </m:r>
-                      </m:e>
-                      <m:sub>
-                        <m:r>
-                          <a:rPr kumimoji="1" lang="en-US" altLang="ja-JP" sz="2400" b="0" i="1" dirty="0" smtClean="0">
-                            <a:latin typeface="Cambria Math" panose="02040503050406030204" pitchFamily="18" charset="0"/>
-                          </a:rPr>
-                          <m:t>𝐺𝑆</m:t>
+                          <a:rPr kumimoji="1" lang="en-US" altLang="ja-JP" b="0" i="1" smtClean="0">
+                            <a:latin typeface="Cambria Math" panose="02040503050406030204" pitchFamily="18" charset="0"/>
+                          </a:rPr>
+                          <m:t>𝑆</m:t>
                         </m:r>
                       </m:sub>
                     </m:sSub>
                   </m:oMath>
                 </a14:m>
                 <a:r>
-                  <a:rPr kumimoji="1" lang="ja-JP" altLang="en-US" sz="2400" dirty="0"/>
-                  <a:t>より、</a:t>
+                  <a:rPr kumimoji="1" lang="ja-JP" altLang="en-US" dirty="0"/>
+                  <a:t>の値</a:t>
                 </a:r>
-                <a:endParaRPr kumimoji="1" lang="en-US" altLang="ja-JP" sz="2400" dirty="0"/>
-              </a:p>
-              <a:p>
-                <a:pPr algn="l"/>
-                <a14:m>
-                  <m:oMathPara xmlns:m="http://schemas.openxmlformats.org/officeDocument/2006/math">
-                    <m:oMathParaPr>
-                      <m:jc m:val="centerGroup"/>
-                    </m:oMathParaPr>
-                    <m:oMath xmlns:m="http://schemas.openxmlformats.org/officeDocument/2006/math">
-                      <m:r>
-                        <a:rPr kumimoji="1" lang="en-US" altLang="ja-JP" sz="2400" b="0" i="1" smtClean="0">
-                          <a:latin typeface="Cambria Math" panose="02040503050406030204" pitchFamily="18" charset="0"/>
-                        </a:rPr>
-                        <m:t>0.5&lt;</m:t>
-                      </m:r>
-                      <m:sSub>
-                        <m:sSubPr>
-                          <m:ctrlPr>
-                            <a:rPr kumimoji="1" lang="en-US" altLang="ja-JP" sz="2400" b="0" i="1" smtClean="0">
-                              <a:latin typeface="Cambria Math" panose="02040503050406030204" pitchFamily="18" charset="0"/>
-                            </a:rPr>
-                          </m:ctrlPr>
-                        </m:sSubPr>
-                        <m:e>
-                          <m:r>
-                            <a:rPr kumimoji="1" lang="en-US" altLang="ja-JP" sz="2400" b="0" i="1" smtClean="0">
-                              <a:latin typeface="Cambria Math" panose="02040503050406030204" pitchFamily="18" charset="0"/>
-                            </a:rPr>
-                            <m:t>𝑉</m:t>
-                          </m:r>
-                        </m:e>
-                        <m:sub>
-                          <m:r>
-                            <a:rPr kumimoji="1" lang="en-US" altLang="ja-JP" sz="2400" b="0" i="1" smtClean="0">
-                              <a:latin typeface="Cambria Math" panose="02040503050406030204" pitchFamily="18" charset="0"/>
-                            </a:rPr>
-                            <m:t>𝐵</m:t>
-                          </m:r>
-                        </m:sub>
-                      </m:sSub>
-                      <m:r>
-                        <a:rPr kumimoji="1" lang="en-US" altLang="ja-JP" sz="2400" b="0" i="1" smtClean="0">
-                          <a:latin typeface="Cambria Math" panose="02040503050406030204" pitchFamily="18" charset="0"/>
-                        </a:rPr>
-                        <m:t>−0.2−0.3</m:t>
-                      </m:r>
-                    </m:oMath>
-                  </m:oMathPara>
-                </a14:m>
-                <a:endParaRPr kumimoji="1" lang="en-US" altLang="ja-JP" sz="2400" b="0" dirty="0"/>
-              </a:p>
-              <a:p>
-                <a:pPr algn="l"/>
-                <a14:m>
-                  <m:oMathPara xmlns:m="http://schemas.openxmlformats.org/officeDocument/2006/math">
-                    <m:oMathParaPr>
-                      <m:jc m:val="centerGroup"/>
-                    </m:oMathParaPr>
-                    <m:oMath xmlns:m="http://schemas.openxmlformats.org/officeDocument/2006/math">
-                      <m:r>
-                        <a:rPr kumimoji="1" lang="en-US" altLang="ja-JP" sz="2400" b="0" i="1" smtClean="0">
-                          <a:latin typeface="Cambria Math" panose="02040503050406030204" pitchFamily="18" charset="0"/>
-                        </a:rPr>
-                        <m:t>1&lt;</m:t>
-                      </m:r>
-                      <m:sSub>
-                        <m:sSubPr>
-                          <m:ctrlPr>
-                            <a:rPr kumimoji="1" lang="en-US" altLang="ja-JP" sz="2400" b="0" i="1" smtClean="0">
-                              <a:latin typeface="Cambria Math" panose="02040503050406030204" pitchFamily="18" charset="0"/>
-                            </a:rPr>
-                          </m:ctrlPr>
-                        </m:sSubPr>
-                        <m:e>
-                          <m:r>
-                            <a:rPr kumimoji="1" lang="en-US" altLang="ja-JP" sz="2400" b="0" i="1" smtClean="0">
-                              <a:latin typeface="Cambria Math" panose="02040503050406030204" pitchFamily="18" charset="0"/>
-                            </a:rPr>
-                            <m:t>𝑉</m:t>
-                          </m:r>
-                        </m:e>
-                        <m:sub>
-                          <m:r>
-                            <a:rPr kumimoji="1" lang="en-US" altLang="ja-JP" sz="2400" b="0" i="1" smtClean="0">
-                              <a:latin typeface="Cambria Math" panose="02040503050406030204" pitchFamily="18" charset="0"/>
-                            </a:rPr>
-                            <m:t>𝐵</m:t>
-                          </m:r>
-                        </m:sub>
-                      </m:sSub>
-                    </m:oMath>
-                  </m:oMathPara>
-                </a14:m>
-                <a:endParaRPr kumimoji="1" lang="en-US" altLang="ja-JP" sz="2400" dirty="0"/>
-              </a:p>
-              <a:p>
-                <a:r>
-                  <a:rPr lang="ja-JP" altLang="en-US" sz="2400" dirty="0"/>
-                  <a:t>である。また、</a:t>
-                </a:r>
-                <a14:m>
-                  <m:oMath xmlns:m="http://schemas.openxmlformats.org/officeDocument/2006/math">
-                    <m:sSub>
-                      <m:sSubPr>
-                        <m:ctrlPr>
-                          <a:rPr lang="en-US" altLang="ja-JP" sz="2400" i="1">
-                            <a:latin typeface="Cambria Math" panose="02040503050406030204" pitchFamily="18" charset="0"/>
-                          </a:rPr>
-                        </m:ctrlPr>
-                      </m:sSubPr>
-                      <m:e>
-                        <m:r>
-                          <a:rPr lang="en-US" altLang="ja-JP" sz="2400" i="1">
-                            <a:latin typeface="Cambria Math" panose="02040503050406030204" pitchFamily="18" charset="0"/>
-                          </a:rPr>
-                          <m:t>𝑉</m:t>
-                        </m:r>
-                      </m:e>
-                      <m:sub>
-                        <m:r>
-                          <a:rPr lang="en-US" altLang="ja-JP" sz="2400" i="1">
-                            <a:latin typeface="Cambria Math" panose="02040503050406030204" pitchFamily="18" charset="0"/>
-                          </a:rPr>
-                          <m:t>𝐷𝑆</m:t>
-                        </m:r>
-                      </m:sub>
-                    </m:sSub>
-                    <m:r>
-                      <a:rPr lang="en-US" altLang="ja-JP" sz="2400" i="1">
-                        <a:latin typeface="Cambria Math" panose="02040503050406030204" pitchFamily="18" charset="0"/>
-                      </a:rPr>
-                      <m:t>&gt;</m:t>
-                    </m:r>
-                    <m:sSub>
-                      <m:sSubPr>
-                        <m:ctrlPr>
-                          <a:rPr lang="en-US" altLang="ja-JP" sz="2400" i="1">
-                            <a:latin typeface="Cambria Math" panose="02040503050406030204" pitchFamily="18" charset="0"/>
-                          </a:rPr>
-                        </m:ctrlPr>
-                      </m:sSubPr>
-                      <m:e>
-                        <m:r>
-                          <a:rPr lang="en-US" altLang="ja-JP" sz="2400" i="1">
-                            <a:latin typeface="Cambria Math" panose="02040503050406030204" pitchFamily="18" charset="0"/>
-                          </a:rPr>
-                          <m:t>𝑉</m:t>
-                        </m:r>
-                      </m:e>
-                      <m:sub>
-                        <m:r>
-                          <a:rPr lang="en-US" altLang="ja-JP" sz="2400" i="1">
-                            <a:latin typeface="Cambria Math" panose="02040503050406030204" pitchFamily="18" charset="0"/>
-                          </a:rPr>
-                          <m:t>𝐺𝑆</m:t>
-                        </m:r>
-                      </m:sub>
-                    </m:sSub>
-                    <m:r>
-                      <a:rPr lang="en-US" altLang="ja-JP" sz="2400" i="1">
-                        <a:latin typeface="Cambria Math" panose="02040503050406030204" pitchFamily="18" charset="0"/>
-                      </a:rPr>
-                      <m:t>−</m:t>
-                    </m:r>
-                    <m:sSub>
-                      <m:sSubPr>
-                        <m:ctrlPr>
-                          <a:rPr lang="en-US" altLang="ja-JP" sz="2400" i="1">
-                            <a:latin typeface="Cambria Math" panose="02040503050406030204" pitchFamily="18" charset="0"/>
-                          </a:rPr>
-                        </m:ctrlPr>
-                      </m:sSubPr>
-                      <m:e>
-                        <m:r>
-                          <a:rPr lang="en-US" altLang="ja-JP" sz="2400" i="1">
-                            <a:latin typeface="Cambria Math" panose="02040503050406030204" pitchFamily="18" charset="0"/>
-                          </a:rPr>
-                          <m:t>𝑉</m:t>
-                        </m:r>
-                      </m:e>
-                      <m:sub>
-                        <m:r>
-                          <a:rPr lang="en-US" altLang="ja-JP" sz="2400" i="1">
-                            <a:latin typeface="Cambria Math" panose="02040503050406030204" pitchFamily="18" charset="0"/>
-                          </a:rPr>
-                          <m:t>𝑡h</m:t>
-                        </m:r>
-                      </m:sub>
-                    </m:sSub>
-                  </m:oMath>
-                </a14:m>
-                <a:r>
-                  <a:rPr lang="ja-JP" altLang="en-US" sz="2400" dirty="0"/>
-                  <a:t>より</a:t>
-                </a:r>
-                <a:endParaRPr lang="en-US" altLang="ja-JP" sz="2400" dirty="0"/>
-              </a:p>
-              <a:p>
-                <a:pPr algn="l"/>
-                <a14:m>
-                  <m:oMathPara xmlns:m="http://schemas.openxmlformats.org/officeDocument/2006/math">
-                    <m:oMathParaPr>
-                      <m:jc m:val="centerGroup"/>
-                    </m:oMathParaPr>
-                    <m:oMath xmlns:m="http://schemas.openxmlformats.org/officeDocument/2006/math">
-                      <m:sSub>
-                        <m:sSubPr>
-                          <m:ctrlPr>
-                            <a:rPr kumimoji="1" lang="en-US" altLang="ja-JP" sz="2400" b="0" i="1" smtClean="0">
-                              <a:latin typeface="Cambria Math" panose="02040503050406030204" pitchFamily="18" charset="0"/>
-                            </a:rPr>
-                          </m:ctrlPr>
-                        </m:sSubPr>
-                        <m:e>
-                          <m:r>
-                            <a:rPr kumimoji="1" lang="en-US" altLang="ja-JP" sz="2400" b="0" i="1" smtClean="0">
-                              <a:latin typeface="Cambria Math" panose="02040503050406030204" pitchFamily="18" charset="0"/>
-                            </a:rPr>
-                            <m:t>𝑉</m:t>
-                          </m:r>
-                        </m:e>
-                        <m:sub>
-                          <m:r>
-                            <a:rPr kumimoji="1" lang="en-US" altLang="ja-JP" sz="2400" b="0" i="1" smtClean="0">
-                              <a:latin typeface="Cambria Math" panose="02040503050406030204" pitchFamily="18" charset="0"/>
-                            </a:rPr>
-                            <m:t>𝐴𝐵</m:t>
-                          </m:r>
-                        </m:sub>
-                      </m:sSub>
-                      <m:r>
-                        <a:rPr kumimoji="1" lang="en-US" altLang="ja-JP" sz="2400" b="0" i="1" smtClean="0">
-                          <a:latin typeface="Cambria Math" panose="02040503050406030204" pitchFamily="18" charset="0"/>
-                        </a:rPr>
-                        <m:t>−0.3&gt;</m:t>
-                      </m:r>
-                      <m:sSub>
-                        <m:sSubPr>
-                          <m:ctrlPr>
-                            <a:rPr kumimoji="1" lang="en-US" altLang="ja-JP" sz="2400" b="0" i="1" smtClean="0">
-                              <a:latin typeface="Cambria Math" panose="02040503050406030204" pitchFamily="18" charset="0"/>
-                            </a:rPr>
-                          </m:ctrlPr>
-                        </m:sSubPr>
-                        <m:e>
-                          <m:r>
-                            <a:rPr kumimoji="1" lang="en-US" altLang="ja-JP" sz="2400" b="0" i="1" smtClean="0">
-                              <a:latin typeface="Cambria Math" panose="02040503050406030204" pitchFamily="18" charset="0"/>
-                            </a:rPr>
-                            <m:t>𝑉</m:t>
-                          </m:r>
-                        </m:e>
-                        <m:sub>
-                          <m:r>
-                            <a:rPr kumimoji="1" lang="en-US" altLang="ja-JP" sz="2400" b="0" i="1" smtClean="0">
-                              <a:latin typeface="Cambria Math" panose="02040503050406030204" pitchFamily="18" charset="0"/>
-                            </a:rPr>
-                            <m:t>𝐵</m:t>
-                          </m:r>
-                        </m:sub>
-                      </m:sSub>
-                      <m:r>
-                        <a:rPr kumimoji="1" lang="en-US" altLang="ja-JP" sz="2400" b="0" i="1" smtClean="0">
-                          <a:latin typeface="Cambria Math" panose="02040503050406030204" pitchFamily="18" charset="0"/>
-                        </a:rPr>
-                        <m:t>+0.2−0.3−0.5</m:t>
-                      </m:r>
-                    </m:oMath>
-                  </m:oMathPara>
-                </a14:m>
-                <a:endParaRPr kumimoji="1" lang="en-US" altLang="ja-JP" sz="2400" b="0" dirty="0"/>
-              </a:p>
-              <a:p>
-                <a:pPr algn="l"/>
-                <a14:m>
-                  <m:oMathPara xmlns:m="http://schemas.openxmlformats.org/officeDocument/2006/math">
-                    <m:oMathParaPr>
-                      <m:jc m:val="centerGroup"/>
-                    </m:oMathParaPr>
-                    <m:oMath xmlns:m="http://schemas.openxmlformats.org/officeDocument/2006/math">
-                      <m:sSub>
-                        <m:sSubPr>
-                          <m:ctrlPr>
-                            <a:rPr kumimoji="1" lang="en-US" altLang="ja-JP" sz="2400" b="0" i="1" smtClean="0">
-                              <a:latin typeface="Cambria Math" panose="02040503050406030204" pitchFamily="18" charset="0"/>
-                            </a:rPr>
-                          </m:ctrlPr>
-                        </m:sSubPr>
-                        <m:e>
-                          <m:r>
-                            <a:rPr kumimoji="1" lang="en-US" altLang="ja-JP" sz="2400" b="0" i="1" smtClean="0">
-                              <a:latin typeface="Cambria Math" panose="02040503050406030204" pitchFamily="18" charset="0"/>
-                            </a:rPr>
-                            <m:t>𝑉</m:t>
-                          </m:r>
-                        </m:e>
-                        <m:sub>
-                          <m:r>
-                            <a:rPr kumimoji="1" lang="en-US" altLang="ja-JP" sz="2400" b="0" i="1" smtClean="0">
-                              <a:latin typeface="Cambria Math" panose="02040503050406030204" pitchFamily="18" charset="0"/>
-                            </a:rPr>
-                            <m:t>𝐴𝐵</m:t>
-                          </m:r>
-                        </m:sub>
-                      </m:sSub>
-                      <m:r>
-                        <a:rPr kumimoji="1" lang="en-US" altLang="ja-JP" sz="2400" b="0" i="1" smtClean="0">
-                          <a:latin typeface="Cambria Math" panose="02040503050406030204" pitchFamily="18" charset="0"/>
-                        </a:rPr>
-                        <m:t>&gt;</m:t>
-                      </m:r>
-                      <m:sSub>
-                        <m:sSubPr>
-                          <m:ctrlPr>
-                            <a:rPr kumimoji="1" lang="en-US" altLang="ja-JP" sz="2400" b="0" i="1" smtClean="0">
-                              <a:latin typeface="Cambria Math" panose="02040503050406030204" pitchFamily="18" charset="0"/>
-                            </a:rPr>
-                          </m:ctrlPr>
-                        </m:sSubPr>
-                        <m:e>
-                          <m:r>
-                            <a:rPr kumimoji="1" lang="en-US" altLang="ja-JP" sz="2400" b="0" i="1" smtClean="0">
-                              <a:latin typeface="Cambria Math" panose="02040503050406030204" pitchFamily="18" charset="0"/>
-                            </a:rPr>
-                            <m:t>𝑉</m:t>
-                          </m:r>
-                        </m:e>
-                        <m:sub>
-                          <m:r>
-                            <a:rPr kumimoji="1" lang="en-US" altLang="ja-JP" sz="2400" b="0" i="1" smtClean="0">
-                              <a:latin typeface="Cambria Math" panose="02040503050406030204" pitchFamily="18" charset="0"/>
-                            </a:rPr>
-                            <m:t>𝐵</m:t>
-                          </m:r>
-                        </m:sub>
-                      </m:sSub>
-                      <m:r>
-                        <a:rPr kumimoji="1" lang="en-US" altLang="ja-JP" sz="2400" b="0" i="1" smtClean="0">
-                          <a:latin typeface="Cambria Math" panose="02040503050406030204" pitchFamily="18" charset="0"/>
-                        </a:rPr>
-                        <m:t>−0.3</m:t>
-                      </m:r>
-                    </m:oMath>
-                  </m:oMathPara>
-                </a14:m>
-                <a:endParaRPr kumimoji="1" lang="en-US" altLang="ja-JP" sz="2400" b="0" dirty="0"/>
-              </a:p>
-              <a:p>
-                <a:pPr algn="l"/>
-                <a:r>
-                  <a:rPr kumimoji="1" lang="ja-JP" altLang="en-US" sz="2400" dirty="0"/>
-                  <a:t>したがって</a:t>
-                </a:r>
-                <a:endParaRPr kumimoji="1" lang="en-US" altLang="ja-JP" sz="2400" dirty="0"/>
-              </a:p>
-              <a:p>
-                <a:pPr algn="l"/>
-                <a14:m>
-                  <m:oMathPara xmlns:m="http://schemas.openxmlformats.org/officeDocument/2006/math">
-                    <m:oMathParaPr>
-                      <m:jc m:val="centerGroup"/>
-                    </m:oMathParaPr>
-                    <m:oMath xmlns:m="http://schemas.openxmlformats.org/officeDocument/2006/math">
-                      <m:r>
-                        <a:rPr kumimoji="1" lang="en-US" altLang="ja-JP" sz="2400" b="0" i="1" smtClean="0">
-                          <a:latin typeface="Cambria Math" panose="02040503050406030204" pitchFamily="18" charset="0"/>
-                        </a:rPr>
-                        <m:t>1&lt;</m:t>
-                      </m:r>
-                      <m:sSub>
-                        <m:sSubPr>
-                          <m:ctrlPr>
-                            <a:rPr kumimoji="1" lang="en-US" altLang="ja-JP" sz="2400" b="0" i="1" smtClean="0">
-                              <a:latin typeface="Cambria Math" panose="02040503050406030204" pitchFamily="18" charset="0"/>
-                            </a:rPr>
-                          </m:ctrlPr>
-                        </m:sSubPr>
-                        <m:e>
-                          <m:r>
-                            <a:rPr kumimoji="1" lang="en-US" altLang="ja-JP" sz="2400" b="0" i="1" smtClean="0">
-                              <a:latin typeface="Cambria Math" panose="02040503050406030204" pitchFamily="18" charset="0"/>
-                            </a:rPr>
-                            <m:t>𝑉</m:t>
-                          </m:r>
-                        </m:e>
-                        <m:sub>
-                          <m:r>
-                            <a:rPr kumimoji="1" lang="en-US" altLang="ja-JP" sz="2400" b="0" i="1" smtClean="0">
-                              <a:latin typeface="Cambria Math" panose="02040503050406030204" pitchFamily="18" charset="0"/>
-                            </a:rPr>
-                            <m:t>𝐵</m:t>
-                          </m:r>
-                        </m:sub>
-                      </m:sSub>
-                      <m:r>
-                        <a:rPr kumimoji="1" lang="en-US" altLang="ja-JP" sz="2400" b="0" i="1" smtClean="0">
-                          <a:latin typeface="Cambria Math" panose="02040503050406030204" pitchFamily="18" charset="0"/>
-                        </a:rPr>
-                        <m:t>&lt;</m:t>
-                      </m:r>
-                      <m:sSub>
-                        <m:sSubPr>
-                          <m:ctrlPr>
-                            <a:rPr kumimoji="1" lang="en-US" altLang="ja-JP" sz="2400" b="0" i="1" smtClean="0">
-                              <a:latin typeface="Cambria Math" panose="02040503050406030204" pitchFamily="18" charset="0"/>
-                            </a:rPr>
-                          </m:ctrlPr>
-                        </m:sSubPr>
-                        <m:e>
-                          <m:r>
-                            <a:rPr kumimoji="1" lang="en-US" altLang="ja-JP" sz="2400" b="0" i="1" smtClean="0">
-                              <a:latin typeface="Cambria Math" panose="02040503050406030204" pitchFamily="18" charset="0"/>
-                            </a:rPr>
-                            <m:t>𝑉</m:t>
-                          </m:r>
-                        </m:e>
-                        <m:sub>
-                          <m:r>
-                            <a:rPr kumimoji="1" lang="en-US" altLang="ja-JP" sz="2400" b="0" i="1" smtClean="0">
-                              <a:latin typeface="Cambria Math" panose="02040503050406030204" pitchFamily="18" charset="0"/>
-                            </a:rPr>
-                            <m:t>𝐴𝐵</m:t>
-                          </m:r>
-                        </m:sub>
-                      </m:sSub>
-                      <m:r>
-                        <a:rPr kumimoji="1" lang="en-US" altLang="ja-JP" sz="2400" b="0" i="1" smtClean="0">
-                          <a:latin typeface="Cambria Math" panose="02040503050406030204" pitchFamily="18" charset="0"/>
-                        </a:rPr>
-                        <m:t>+0.3</m:t>
-                      </m:r>
-                      <m:r>
-                        <a:rPr kumimoji="1" lang="en-US" altLang="ja-JP" sz="2400" b="0" i="0" smtClean="0">
-                          <a:latin typeface="Cambria Math" panose="02040503050406030204" pitchFamily="18" charset="0"/>
-                        </a:rPr>
-                        <m:t> , 0.7&lt;</m:t>
-                      </m:r>
-                      <m:sSub>
-                        <m:sSubPr>
-                          <m:ctrlPr>
-                            <a:rPr kumimoji="1" lang="en-US" altLang="ja-JP" sz="2400" b="0" i="1" smtClean="0">
-                              <a:latin typeface="Cambria Math" panose="02040503050406030204" pitchFamily="18" charset="0"/>
-                            </a:rPr>
-                          </m:ctrlPr>
-                        </m:sSubPr>
-                        <m:e>
-                          <m:r>
-                            <m:rPr>
-                              <m:sty m:val="p"/>
-                            </m:rPr>
-                            <a:rPr kumimoji="1" lang="en-US" altLang="ja-JP" sz="2400" b="0" i="0" smtClean="0">
-                              <a:latin typeface="Cambria Math" panose="02040503050406030204" pitchFamily="18" charset="0"/>
-                            </a:rPr>
-                            <m:t>V</m:t>
-                          </m:r>
-                        </m:e>
-                        <m:sub>
-                          <m:r>
-                            <m:rPr>
-                              <m:sty m:val="p"/>
-                            </m:rPr>
-                            <a:rPr kumimoji="1" lang="en-US" altLang="ja-JP" sz="2400" b="0" i="0" smtClean="0">
-                              <a:latin typeface="Cambria Math" panose="02040503050406030204" pitchFamily="18" charset="0"/>
-                            </a:rPr>
-                            <m:t>AB</m:t>
-                          </m:r>
-                        </m:sub>
-                      </m:sSub>
-                    </m:oMath>
-                  </m:oMathPara>
-                </a14:m>
-                <a:endParaRPr lang="en-US" altLang="ja-JP" sz="2400" dirty="0"/>
-              </a:p>
-              <a:p>
-                <a:pPr algn="l"/>
-                <a:r>
-                  <a:rPr lang="ja-JP" altLang="en-US" sz="2400" dirty="0"/>
-                  <a:t>同様にして</a:t>
-                </a:r>
-                <a:endParaRPr lang="en-US" altLang="ja-JP" sz="2400" dirty="0"/>
-              </a:p>
-              <a:p>
-                <a:pPr algn="l"/>
-                <a14:m>
-                  <m:oMathPara xmlns:m="http://schemas.openxmlformats.org/officeDocument/2006/math">
-                    <m:oMathParaPr>
-                      <m:jc m:val="centerGroup"/>
-                    </m:oMathParaPr>
-                    <m:oMath xmlns:m="http://schemas.openxmlformats.org/officeDocument/2006/math">
-                      <m:r>
-                        <a:rPr kumimoji="1" lang="en-US" altLang="ja-JP" sz="2400" b="0" i="1" smtClean="0">
-                          <a:latin typeface="Cambria Math" panose="02040503050406030204" pitchFamily="18" charset="0"/>
-                        </a:rPr>
-                        <m:t>0.5&lt;</m:t>
-                      </m:r>
-                      <m:sSub>
-                        <m:sSubPr>
-                          <m:ctrlPr>
-                            <a:rPr kumimoji="1" lang="en-US" altLang="ja-JP" sz="2400" b="0" i="1" smtClean="0">
-                              <a:latin typeface="Cambria Math" panose="02040503050406030204" pitchFamily="18" charset="0"/>
-                            </a:rPr>
-                          </m:ctrlPr>
-                        </m:sSubPr>
-                        <m:e>
-                          <m:r>
-                            <a:rPr kumimoji="1" lang="en-US" altLang="ja-JP" sz="2400" b="0" i="1" smtClean="0">
-                              <a:latin typeface="Cambria Math" panose="02040503050406030204" pitchFamily="18" charset="0"/>
-                            </a:rPr>
-                            <m:t>𝑉</m:t>
-                          </m:r>
-                        </m:e>
-                        <m:sub>
-                          <m:r>
-                            <a:rPr kumimoji="1" lang="en-US" altLang="ja-JP" sz="2400" b="0" i="1" smtClean="0">
-                              <a:latin typeface="Cambria Math" panose="02040503050406030204" pitchFamily="18" charset="0"/>
-                            </a:rPr>
-                            <m:t>𝐴</m:t>
-                          </m:r>
-                        </m:sub>
-                      </m:sSub>
-                      <m:r>
-                        <a:rPr kumimoji="1" lang="en-US" altLang="ja-JP" sz="2400" b="0" i="1" smtClean="0">
-                          <a:latin typeface="Cambria Math" panose="02040503050406030204" pitchFamily="18" charset="0"/>
-                        </a:rPr>
-                        <m:t>−0.2−</m:t>
-                      </m:r>
-                      <m:sSub>
-                        <m:sSubPr>
-                          <m:ctrlPr>
-                            <a:rPr kumimoji="1" lang="en-US" altLang="ja-JP" sz="2400" b="0" i="1" smtClean="0">
-                              <a:latin typeface="Cambria Math" panose="02040503050406030204" pitchFamily="18" charset="0"/>
-                            </a:rPr>
-                          </m:ctrlPr>
-                        </m:sSubPr>
-                        <m:e>
-                          <m:r>
-                            <a:rPr kumimoji="1" lang="en-US" altLang="ja-JP" sz="2400" b="0" i="1" smtClean="0">
-                              <a:latin typeface="Cambria Math" panose="02040503050406030204" pitchFamily="18" charset="0"/>
-                            </a:rPr>
-                            <m:t>𝑉</m:t>
-                          </m:r>
-                        </m:e>
-                        <m:sub>
-                          <m:r>
-                            <a:rPr kumimoji="1" lang="en-US" altLang="ja-JP" sz="2400" b="0" i="1" smtClean="0">
-                              <a:latin typeface="Cambria Math" panose="02040503050406030204" pitchFamily="18" charset="0"/>
-                            </a:rPr>
-                            <m:t>𝐴𝐵</m:t>
-                          </m:r>
-                        </m:sub>
-                      </m:sSub>
-                    </m:oMath>
-                  </m:oMathPara>
-                </a14:m>
-                <a:endParaRPr kumimoji="1" lang="en-US" altLang="ja-JP" sz="2400" b="0" dirty="0"/>
-              </a:p>
-              <a:p>
-                <a:pPr algn="l"/>
-                <a14:m>
-                  <m:oMathPara xmlns:m="http://schemas.openxmlformats.org/officeDocument/2006/math">
-                    <m:oMathParaPr>
-                      <m:jc m:val="centerGroup"/>
-                    </m:oMathParaPr>
-                    <m:oMath xmlns:m="http://schemas.openxmlformats.org/officeDocument/2006/math">
-                      <m:sSub>
-                        <m:sSubPr>
-                          <m:ctrlPr>
-                            <a:rPr kumimoji="1" lang="en-US" altLang="ja-JP" sz="2400" b="0" i="1" smtClean="0">
-                              <a:latin typeface="Cambria Math" panose="02040503050406030204" pitchFamily="18" charset="0"/>
-                            </a:rPr>
-                          </m:ctrlPr>
-                        </m:sSubPr>
-                        <m:e>
-                          <m:r>
-                            <a:rPr kumimoji="1" lang="en-US" altLang="ja-JP" sz="2400" b="0" i="1" smtClean="0">
-                              <a:latin typeface="Cambria Math" panose="02040503050406030204" pitchFamily="18" charset="0"/>
-                            </a:rPr>
-                            <m:t>𝑉</m:t>
-                          </m:r>
-                        </m:e>
-                        <m:sub>
-                          <m:r>
-                            <a:rPr kumimoji="1" lang="en-US" altLang="ja-JP" sz="2400" b="0" i="1" smtClean="0">
-                              <a:latin typeface="Cambria Math" panose="02040503050406030204" pitchFamily="18" charset="0"/>
-                            </a:rPr>
-                            <m:t>𝐴𝐵</m:t>
-                          </m:r>
-                        </m:sub>
-                      </m:sSub>
-                      <m:r>
-                        <a:rPr kumimoji="1" lang="en-US" altLang="ja-JP" sz="2400" b="0" i="1" smtClean="0">
-                          <a:latin typeface="Cambria Math" panose="02040503050406030204" pitchFamily="18" charset="0"/>
-                        </a:rPr>
-                        <m:t>+0.7&lt;</m:t>
-                      </m:r>
-                      <m:sSub>
-                        <m:sSubPr>
-                          <m:ctrlPr>
-                            <a:rPr kumimoji="1" lang="en-US" altLang="ja-JP" sz="2400" b="0" i="1" smtClean="0">
-                              <a:latin typeface="Cambria Math" panose="02040503050406030204" pitchFamily="18" charset="0"/>
-                            </a:rPr>
-                          </m:ctrlPr>
-                        </m:sSubPr>
-                        <m:e>
-                          <m:r>
-                            <a:rPr kumimoji="1" lang="en-US" altLang="ja-JP" sz="2400" b="0" i="1" smtClean="0">
-                              <a:latin typeface="Cambria Math" panose="02040503050406030204" pitchFamily="18" charset="0"/>
-                            </a:rPr>
-                            <m:t>𝑉</m:t>
-                          </m:r>
-                        </m:e>
-                        <m:sub>
-                          <m:r>
-                            <a:rPr kumimoji="1" lang="en-US" altLang="ja-JP" sz="2400" b="0" i="1" smtClean="0">
-                              <a:latin typeface="Cambria Math" panose="02040503050406030204" pitchFamily="18" charset="0"/>
-                            </a:rPr>
-                            <m:t>𝐴</m:t>
-                          </m:r>
-                        </m:sub>
-                      </m:sSub>
-                    </m:oMath>
-                  </m:oMathPara>
-                </a14:m>
-                <a:endParaRPr kumimoji="1" lang="en-US" altLang="ja-JP" sz="2400" b="0" dirty="0"/>
-              </a:p>
-              <a:p>
-                <a:pPr algn="l"/>
-                <a14:m>
-                  <m:oMathPara xmlns:m="http://schemas.openxmlformats.org/officeDocument/2006/math">
-                    <m:oMathParaPr>
-                      <m:jc m:val="centerGroup"/>
-                    </m:oMathParaPr>
-                    <m:oMath xmlns:m="http://schemas.openxmlformats.org/officeDocument/2006/math">
-                      <m:sSub>
-                        <m:sSubPr>
-                          <m:ctrlPr>
-                            <a:rPr kumimoji="1" lang="en-US" altLang="ja-JP" sz="2400" b="0" i="1" smtClean="0">
-                              <a:latin typeface="Cambria Math" panose="02040503050406030204" pitchFamily="18" charset="0"/>
-                            </a:rPr>
-                          </m:ctrlPr>
-                        </m:sSubPr>
-                        <m:e>
-                          <m:r>
-                            <a:rPr kumimoji="1" lang="en-US" altLang="ja-JP" sz="2400" b="0" i="1" smtClean="0">
-                              <a:latin typeface="Cambria Math" panose="02040503050406030204" pitchFamily="18" charset="0"/>
-                            </a:rPr>
-                            <m:t>𝑉</m:t>
-                          </m:r>
-                        </m:e>
-                        <m:sub>
-                          <m:r>
-                            <a:rPr kumimoji="1" lang="en-US" altLang="ja-JP" sz="2400" b="0" i="1" smtClean="0">
-                              <a:latin typeface="Cambria Math" panose="02040503050406030204" pitchFamily="18" charset="0"/>
-                            </a:rPr>
-                            <m:t>𝑜𝑢𝑡</m:t>
-                          </m:r>
-                        </m:sub>
-                      </m:sSub>
-                      <m:r>
-                        <a:rPr kumimoji="1" lang="en-US" altLang="ja-JP" sz="2400" b="0" i="1" smtClean="0">
-                          <a:latin typeface="Cambria Math" panose="02040503050406030204" pitchFamily="18" charset="0"/>
-                        </a:rPr>
-                        <m:t>−</m:t>
-                      </m:r>
-                      <m:sSub>
-                        <m:sSubPr>
-                          <m:ctrlPr>
-                            <a:rPr kumimoji="1" lang="en-US" altLang="ja-JP" sz="2400" b="0" i="1" smtClean="0">
-                              <a:latin typeface="Cambria Math" panose="02040503050406030204" pitchFamily="18" charset="0"/>
-                            </a:rPr>
-                          </m:ctrlPr>
-                        </m:sSubPr>
-                        <m:e>
-                          <m:r>
-                            <a:rPr kumimoji="1" lang="en-US" altLang="ja-JP" sz="2400" b="0" i="1" smtClean="0">
-                              <a:latin typeface="Cambria Math" panose="02040503050406030204" pitchFamily="18" charset="0"/>
-                            </a:rPr>
-                            <m:t>𝑉</m:t>
-                          </m:r>
-                        </m:e>
-                        <m:sub>
-                          <m:r>
-                            <a:rPr kumimoji="1" lang="en-US" altLang="ja-JP" sz="2400" b="0" i="1" smtClean="0">
-                              <a:latin typeface="Cambria Math" panose="02040503050406030204" pitchFamily="18" charset="0"/>
-                            </a:rPr>
-                            <m:t>𝐴𝐵</m:t>
-                          </m:r>
-                        </m:sub>
-                      </m:sSub>
-                      <m:r>
-                        <a:rPr kumimoji="1" lang="en-US" altLang="ja-JP" sz="2400" b="0" i="1" smtClean="0">
-                          <a:latin typeface="Cambria Math" panose="02040503050406030204" pitchFamily="18" charset="0"/>
-                        </a:rPr>
-                        <m:t>&gt;</m:t>
-                      </m:r>
-                      <m:sSub>
-                        <m:sSubPr>
-                          <m:ctrlPr>
-                            <a:rPr kumimoji="1" lang="en-US" altLang="ja-JP" sz="2400" b="0" i="1" smtClean="0">
-                              <a:latin typeface="Cambria Math" panose="02040503050406030204" pitchFamily="18" charset="0"/>
-                            </a:rPr>
-                          </m:ctrlPr>
-                        </m:sSubPr>
-                        <m:e>
-                          <m:r>
-                            <a:rPr kumimoji="1" lang="en-US" altLang="ja-JP" sz="2400" b="0" i="1" smtClean="0">
-                              <a:latin typeface="Cambria Math" panose="02040503050406030204" pitchFamily="18" charset="0"/>
-                            </a:rPr>
-                            <m:t>𝑉</m:t>
-                          </m:r>
-                        </m:e>
-                        <m:sub>
-                          <m:r>
-                            <a:rPr kumimoji="1" lang="en-US" altLang="ja-JP" sz="2400" b="0" i="1" smtClean="0">
-                              <a:latin typeface="Cambria Math" panose="02040503050406030204" pitchFamily="18" charset="0"/>
-                            </a:rPr>
-                            <m:t>𝐴</m:t>
-                          </m:r>
-                        </m:sub>
-                      </m:sSub>
-                      <m:r>
-                        <a:rPr kumimoji="1" lang="en-US" altLang="ja-JP" sz="2400" b="0" i="1" smtClean="0">
-                          <a:latin typeface="Cambria Math" panose="02040503050406030204" pitchFamily="18" charset="0"/>
-                        </a:rPr>
-                        <m:t>−</m:t>
-                      </m:r>
-                      <m:sSub>
-                        <m:sSubPr>
-                          <m:ctrlPr>
-                            <a:rPr kumimoji="1" lang="en-US" altLang="ja-JP" sz="2400" b="0" i="1" smtClean="0">
-                              <a:latin typeface="Cambria Math" panose="02040503050406030204" pitchFamily="18" charset="0"/>
-                            </a:rPr>
-                          </m:ctrlPr>
-                        </m:sSubPr>
-                        <m:e>
-                          <m:r>
-                            <a:rPr kumimoji="1" lang="en-US" altLang="ja-JP" sz="2400" b="0" i="1" smtClean="0">
-                              <a:latin typeface="Cambria Math" panose="02040503050406030204" pitchFamily="18" charset="0"/>
-                            </a:rPr>
-                            <m:t>𝑉</m:t>
-                          </m:r>
-                        </m:e>
-                        <m:sub>
-                          <m:r>
-                            <a:rPr kumimoji="1" lang="en-US" altLang="ja-JP" sz="2400" b="0" i="1" smtClean="0">
-                              <a:latin typeface="Cambria Math" panose="02040503050406030204" pitchFamily="18" charset="0"/>
-                            </a:rPr>
-                            <m:t>𝐴𝐵</m:t>
-                          </m:r>
-                        </m:sub>
-                      </m:sSub>
-                      <m:r>
-                        <a:rPr kumimoji="1" lang="en-US" altLang="ja-JP" sz="2400" b="0" i="1" smtClean="0">
-                          <a:latin typeface="Cambria Math" panose="02040503050406030204" pitchFamily="18" charset="0"/>
-                        </a:rPr>
-                        <m:t>−0.5</m:t>
-                      </m:r>
-                    </m:oMath>
-                  </m:oMathPara>
-                </a14:m>
-                <a:endParaRPr lang="en-US" altLang="ja-JP" sz="2400" b="0" dirty="0"/>
-              </a:p>
-              <a:p>
-                <a:pPr algn="l"/>
-                <a14:m>
-                  <m:oMathPara xmlns:m="http://schemas.openxmlformats.org/officeDocument/2006/math">
-                    <m:oMathParaPr>
-                      <m:jc m:val="centerGroup"/>
-                    </m:oMathParaPr>
-                    <m:oMath xmlns:m="http://schemas.openxmlformats.org/officeDocument/2006/math">
-                      <m:sSub>
-                        <m:sSubPr>
-                          <m:ctrlPr>
-                            <a:rPr kumimoji="1" lang="en-US" altLang="ja-JP" sz="2400" b="0" i="1" smtClean="0">
-                              <a:latin typeface="Cambria Math" panose="02040503050406030204" pitchFamily="18" charset="0"/>
-                            </a:rPr>
-                          </m:ctrlPr>
-                        </m:sSubPr>
-                        <m:e>
-                          <m:r>
-                            <a:rPr kumimoji="1" lang="en-US" altLang="ja-JP" sz="2400" b="0" i="1" smtClean="0">
-                              <a:latin typeface="Cambria Math" panose="02040503050406030204" pitchFamily="18" charset="0"/>
-                            </a:rPr>
-                            <m:t>𝑉</m:t>
-                          </m:r>
-                        </m:e>
-                        <m:sub>
-                          <m:r>
-                            <a:rPr kumimoji="1" lang="en-US" altLang="ja-JP" sz="2400" b="0" i="1" smtClean="0">
-                              <a:latin typeface="Cambria Math" panose="02040503050406030204" pitchFamily="18" charset="0"/>
-                            </a:rPr>
-                            <m:t>𝑜𝑢𝑡</m:t>
-                          </m:r>
-                        </m:sub>
-                      </m:sSub>
-                      <m:r>
-                        <a:rPr kumimoji="1" lang="en-US" altLang="ja-JP" sz="2400" b="0" i="1" smtClean="0">
-                          <a:latin typeface="Cambria Math" panose="02040503050406030204" pitchFamily="18" charset="0"/>
-                        </a:rPr>
-                        <m:t>&gt;</m:t>
-                      </m:r>
-                      <m:sSub>
-                        <m:sSubPr>
-                          <m:ctrlPr>
-                            <a:rPr kumimoji="1" lang="en-US" altLang="ja-JP" sz="2400" b="0" i="1" smtClean="0">
-                              <a:latin typeface="Cambria Math" panose="02040503050406030204" pitchFamily="18" charset="0"/>
-                            </a:rPr>
-                          </m:ctrlPr>
-                        </m:sSubPr>
-                        <m:e>
-                          <m:r>
-                            <a:rPr kumimoji="1" lang="en-US" altLang="ja-JP" sz="2400" b="0" i="1" smtClean="0">
-                              <a:latin typeface="Cambria Math" panose="02040503050406030204" pitchFamily="18" charset="0"/>
-                            </a:rPr>
-                            <m:t>𝑉</m:t>
-                          </m:r>
-                        </m:e>
-                        <m:sub>
-                          <m:r>
-                            <a:rPr kumimoji="1" lang="en-US" altLang="ja-JP" sz="2400" b="0" i="1" smtClean="0">
-                              <a:latin typeface="Cambria Math" panose="02040503050406030204" pitchFamily="18" charset="0"/>
-                            </a:rPr>
-                            <m:t>𝐴</m:t>
-                          </m:r>
-                        </m:sub>
-                      </m:sSub>
-                      <m:r>
-                        <a:rPr kumimoji="1" lang="en-US" altLang="ja-JP" sz="2400" b="0" i="1" smtClean="0">
-                          <a:latin typeface="Cambria Math" panose="02040503050406030204" pitchFamily="18" charset="0"/>
-                        </a:rPr>
-                        <m:t>−0.5</m:t>
-                      </m:r>
-                    </m:oMath>
-                  </m:oMathPara>
-                </a14:m>
-                <a:endParaRPr kumimoji="1" lang="en-US" altLang="ja-JP" sz="2400" b="0" dirty="0"/>
-              </a:p>
-              <a:p>
-                <a:pPr algn="l"/>
-                <a14:m>
-                  <m:oMathPara xmlns:m="http://schemas.openxmlformats.org/officeDocument/2006/math">
-                    <m:oMathParaPr>
-                      <m:jc m:val="centerGroup"/>
-                    </m:oMathParaPr>
-                    <m:oMath xmlns:m="http://schemas.openxmlformats.org/officeDocument/2006/math">
-                      <m:r>
-                        <a:rPr kumimoji="1" lang="en-US" altLang="ja-JP" sz="2400" b="0" i="1" smtClean="0">
-                          <a:latin typeface="Cambria Math" panose="02040503050406030204" pitchFamily="18" charset="0"/>
-                        </a:rPr>
-                        <m:t>1.4&lt;</m:t>
-                      </m:r>
-                      <m:sSub>
-                        <m:sSubPr>
-                          <m:ctrlPr>
-                            <a:rPr kumimoji="1" lang="en-US" altLang="ja-JP" sz="2400" b="0" i="1" smtClean="0">
-                              <a:latin typeface="Cambria Math" panose="02040503050406030204" pitchFamily="18" charset="0"/>
-                            </a:rPr>
-                          </m:ctrlPr>
-                        </m:sSubPr>
-                        <m:e>
-                          <m:r>
-                            <a:rPr kumimoji="1" lang="en-US" altLang="ja-JP" sz="2400" b="0" i="1" smtClean="0">
-                              <a:latin typeface="Cambria Math" panose="02040503050406030204" pitchFamily="18" charset="0"/>
-                            </a:rPr>
-                            <m:t>𝑉</m:t>
-                          </m:r>
-                        </m:e>
-                        <m:sub>
-                          <m:r>
-                            <a:rPr kumimoji="1" lang="en-US" altLang="ja-JP" sz="2400" b="0" i="1" smtClean="0">
-                              <a:latin typeface="Cambria Math" panose="02040503050406030204" pitchFamily="18" charset="0"/>
-                            </a:rPr>
-                            <m:t>𝐴</m:t>
-                          </m:r>
-                        </m:sub>
-                      </m:sSub>
-                      <m:r>
-                        <a:rPr kumimoji="1" lang="en-US" altLang="ja-JP" sz="2400" b="0" i="1" smtClean="0">
-                          <a:latin typeface="Cambria Math" panose="02040503050406030204" pitchFamily="18" charset="0"/>
-                        </a:rPr>
-                        <m:t> , 0.9&lt;</m:t>
-                      </m:r>
-                      <m:sSub>
-                        <m:sSubPr>
-                          <m:ctrlPr>
-                            <a:rPr kumimoji="1" lang="en-US" altLang="ja-JP" sz="2400" b="0" i="1" smtClean="0">
-                              <a:latin typeface="Cambria Math" panose="02040503050406030204" pitchFamily="18" charset="0"/>
-                            </a:rPr>
-                          </m:ctrlPr>
-                        </m:sSubPr>
-                        <m:e>
-                          <m:r>
-                            <a:rPr kumimoji="1" lang="en-US" altLang="ja-JP" sz="2400" b="0" i="1" smtClean="0">
-                              <a:latin typeface="Cambria Math" panose="02040503050406030204" pitchFamily="18" charset="0"/>
-                            </a:rPr>
-                            <m:t>𝑉</m:t>
-                          </m:r>
-                        </m:e>
-                        <m:sub>
-                          <m:r>
-                            <a:rPr kumimoji="1" lang="en-US" altLang="ja-JP" sz="2400" b="0" i="1" smtClean="0">
-                              <a:latin typeface="Cambria Math" panose="02040503050406030204" pitchFamily="18" charset="0"/>
-                            </a:rPr>
-                            <m:t>𝑜𝑢𝑡</m:t>
-                          </m:r>
-                        </m:sub>
-                      </m:sSub>
-                    </m:oMath>
-                  </m:oMathPara>
-                </a14:m>
-                <a:endParaRPr kumimoji="1" lang="en-US" altLang="ja-JP" sz="2400" b="0" dirty="0"/>
               </a:p>
             </p:txBody>
           </p:sp>
         </mc:Choice>
-        <mc:Fallback xmlns="">
+        <mc:Fallback>
           <p:sp>
             <p:nvSpPr>
-              <p:cNvPr id="8" name="テキスト ボックス 7">
+              <p:cNvPr id="2" name="タイトル 1">
                 <a:extLst>
                   <a:ext uri="{FF2B5EF4-FFF2-40B4-BE49-F238E27FC236}">
-                    <a16:creationId xmlns:a16="http://schemas.microsoft.com/office/drawing/2014/main" id="{26D659D9-8D34-75CA-46CB-616B891D47E0}"/>
+                    <a16:creationId xmlns:a16="http://schemas.microsoft.com/office/drawing/2014/main" id="{31A7171B-9D81-79F9-118A-29FBABD3349A}"/>
                   </a:ext>
                 </a:extLst>
               </p:cNvPr>
-              <p:cNvSpPr txBox="1">
-                <a:spLocks noRot="1" noChangeAspect="1" noMove="1" noResize="1" noEditPoints="1" noAdjustHandles="1" noChangeArrowheads="1" noChangeShapeType="1" noTextEdit="1"/>
+              <p:cNvSpPr>
+                <a:spLocks noGrp="1" noRot="1" noChangeAspect="1" noMove="1" noResize="1" noEditPoints="1" noAdjustHandles="1" noChangeArrowheads="1" noChangeShapeType="1" noTextEdit="1"/>
               </p:cNvSpPr>
-              <p:nvPr/>
+              <p:nvPr>
+                <p:ph type="title"/>
+              </p:nvPr>
             </p:nvSpPr>
             <p:spPr>
-              <a:xfrm>
-                <a:off x="6650757" y="797510"/>
-                <a:ext cx="5392927" cy="5262979"/>
-              </a:xfrm>
-              <a:prstGeom prst="rect">
-                <a:avLst/>
-              </a:prstGeom>
               <a:blipFill>
-                <a:blip r:embed="rId3"/>
+                <a:blip r:embed="rId2"/>
                 <a:stretch>
-                  <a:fillRect l="-1695" t="-927"/>
+                  <a:fillRect l="-2377"/>
                 </a:stretch>
               </a:blipFill>
             </p:spPr>
@@ -9469,10 +8843,46 @@
           </p:sp>
         </mc:Fallback>
       </mc:AlternateContent>
+      <p:pic>
+        <p:nvPicPr>
+          <p:cNvPr id="4" name="図 3" descr="グラフ&#10;&#10;自動的に生成された説明">
+            <a:extLst>
+              <a:ext uri="{FF2B5EF4-FFF2-40B4-BE49-F238E27FC236}">
+                <a16:creationId xmlns:a16="http://schemas.microsoft.com/office/drawing/2014/main" id="{E21C7A39-E18F-F52F-1820-D30281761CF2}"/>
+              </a:ext>
+            </a:extLst>
+          </p:cNvPr>
+          <p:cNvPicPr>
+            <a:picLocks noChangeAspect="1"/>
+          </p:cNvPicPr>
+          <p:nvPr/>
+        </p:nvPicPr>
+        <p:blipFill>
+          <a:blip r:embed="rId3">
+            <a:extLst>
+              <a:ext uri="{28A0092B-C50C-407E-A947-70E740481C1C}">
+                <a14:useLocalDpi xmlns:a14="http://schemas.microsoft.com/office/drawing/2010/main" val="0"/>
+              </a:ext>
+            </a:extLst>
+          </a:blip>
+          <a:stretch>
+            <a:fillRect/>
+          </a:stretch>
+        </p:blipFill>
+        <p:spPr>
+          <a:xfrm>
+            <a:off x="0" y="1762159"/>
+            <a:ext cx="6950031" cy="4865022"/>
+          </a:xfrm>
+          <a:prstGeom prst="rect">
+            <a:avLst/>
+          </a:prstGeom>
+        </p:spPr>
+      </p:pic>
     </p:spTree>
     <p:extLst>
       <p:ext uri="{BB962C8B-B14F-4D97-AF65-F5344CB8AC3E}">
-        <p14:creationId xmlns:p14="http://schemas.microsoft.com/office/powerpoint/2010/main" val="3141466251"/>
+        <p14:creationId xmlns:p14="http://schemas.microsoft.com/office/powerpoint/2010/main" val="1003883478"/>
       </p:ext>
     </p:extLst>
   </p:cSld>

--- a/folded_gilbert/20230703/進捗報告 ギルバートセルの設計.pptx
+++ b/folded_gilbert/20230703/進捗報告 ギルバートセルの設計.pptx
@@ -4,12 +4,18 @@
   <p:sldMasterIdLst>
     <p:sldMasterId id="2147483648" r:id="rId1"/>
   </p:sldMasterIdLst>
+  <p:notesMasterIdLst>
+    <p:notesMasterId r:id="rId10"/>
+  </p:notesMasterIdLst>
   <p:sldIdLst>
     <p:sldId id="256" r:id="rId2"/>
     <p:sldId id="259" r:id="rId3"/>
     <p:sldId id="260" r:id="rId4"/>
     <p:sldId id="257" r:id="rId5"/>
-    <p:sldId id="261" r:id="rId6"/>
+    <p:sldId id="263" r:id="rId6"/>
+    <p:sldId id="264" r:id="rId7"/>
+    <p:sldId id="265" r:id="rId8"/>
+    <p:sldId id="266" r:id="rId9"/>
   </p:sldIdLst>
   <p:sldSz cx="12192000" cy="6858000"/>
   <p:notesSz cx="6858000" cy="9144000"/>
@@ -116,6 +122,387 @@
 </p:presentation>
 </file>
 
+<file path=ppt/notesMasters/notesMaster1.xml><?xml version="1.0" encoding="utf-8"?>
+<p:notesMaster xmlns:a="http://schemas.openxmlformats.org/drawingml/2006/main" xmlns:r="http://schemas.openxmlformats.org/officeDocument/2006/relationships" xmlns:p="http://schemas.openxmlformats.org/presentationml/2006/main">
+  <p:cSld>
+    <p:bg>
+      <p:bgRef idx="1001">
+        <a:schemeClr val="bg1"/>
+      </p:bgRef>
+    </p:bg>
+    <p:spTree>
+      <p:nvGrpSpPr>
+        <p:cNvPr id="1" name=""/>
+        <p:cNvGrpSpPr/>
+        <p:nvPr/>
+      </p:nvGrpSpPr>
+      <p:grpSpPr>
+        <a:xfrm>
+          <a:off x="0" y="0"/>
+          <a:ext cx="0" cy="0"/>
+          <a:chOff x="0" y="0"/>
+          <a:chExt cx="0" cy="0"/>
+        </a:xfrm>
+      </p:grpSpPr>
+      <p:sp>
+        <p:nvSpPr>
+          <p:cNvPr id="2" name="ヘッダー プレースホルダー 1"/>
+          <p:cNvSpPr>
+            <a:spLocks noGrp="1"/>
+          </p:cNvSpPr>
+          <p:nvPr>
+            <p:ph type="hdr" sz="quarter"/>
+          </p:nvPr>
+        </p:nvSpPr>
+        <p:spPr>
+          <a:xfrm>
+            <a:off x="0" y="0"/>
+            <a:ext cx="2971800" cy="458788"/>
+          </a:xfrm>
+          <a:prstGeom prst="rect">
+            <a:avLst/>
+          </a:prstGeom>
+        </p:spPr>
+        <p:txBody>
+          <a:bodyPr vert="horz" lIns="91440" tIns="45720" rIns="91440" bIns="45720" rtlCol="0"/>
+          <a:lstStyle>
+            <a:lvl1pPr algn="l">
+              <a:defRPr sz="1200"/>
+            </a:lvl1pPr>
+          </a:lstStyle>
+          <a:p>
+            <a:endParaRPr kumimoji="1" lang="ja-JP" altLang="en-US"/>
+          </a:p>
+        </p:txBody>
+      </p:sp>
+      <p:sp>
+        <p:nvSpPr>
+          <p:cNvPr id="3" name="日付プレースホルダー 2"/>
+          <p:cNvSpPr>
+            <a:spLocks noGrp="1"/>
+          </p:cNvSpPr>
+          <p:nvPr>
+            <p:ph type="dt" idx="1"/>
+          </p:nvPr>
+        </p:nvSpPr>
+        <p:spPr>
+          <a:xfrm>
+            <a:off x="3884613" y="0"/>
+            <a:ext cx="2971800" cy="458788"/>
+          </a:xfrm>
+          <a:prstGeom prst="rect">
+            <a:avLst/>
+          </a:prstGeom>
+        </p:spPr>
+        <p:txBody>
+          <a:bodyPr vert="horz" lIns="91440" tIns="45720" rIns="91440" bIns="45720" rtlCol="0"/>
+          <a:lstStyle>
+            <a:lvl1pPr algn="r">
+              <a:defRPr sz="1200"/>
+            </a:lvl1pPr>
+          </a:lstStyle>
+          <a:p>
+            <a:fld id="{549807DF-6D6B-4FBB-BCC0-A02F811705A5}" type="datetimeFigureOut">
+              <a:rPr kumimoji="1" lang="ja-JP" altLang="en-US" smtClean="0"/>
+              <a:t>2023/6/30</a:t>
+            </a:fld>
+            <a:endParaRPr kumimoji="1" lang="ja-JP" altLang="en-US"/>
+          </a:p>
+        </p:txBody>
+      </p:sp>
+      <p:sp>
+        <p:nvSpPr>
+          <p:cNvPr id="4" name="スライド イメージ プレースホルダー 3"/>
+          <p:cNvSpPr>
+            <a:spLocks noGrp="1" noRot="1" noChangeAspect="1"/>
+          </p:cNvSpPr>
+          <p:nvPr>
+            <p:ph type="sldImg" idx="2"/>
+          </p:nvPr>
+        </p:nvSpPr>
+        <p:spPr>
+          <a:xfrm>
+            <a:off x="685800" y="1143000"/>
+            <a:ext cx="5486400" cy="3086100"/>
+          </a:xfrm>
+          <a:prstGeom prst="rect">
+            <a:avLst/>
+          </a:prstGeom>
+          <a:noFill/>
+          <a:ln w="12700">
+            <a:solidFill>
+              <a:prstClr val="black"/>
+            </a:solidFill>
+          </a:ln>
+        </p:spPr>
+        <p:txBody>
+          <a:bodyPr vert="horz" lIns="91440" tIns="45720" rIns="91440" bIns="45720" rtlCol="0" anchor="ctr"/>
+          <a:lstStyle/>
+          <a:p>
+            <a:endParaRPr lang="ja-JP" altLang="en-US"/>
+          </a:p>
+        </p:txBody>
+      </p:sp>
+      <p:sp>
+        <p:nvSpPr>
+          <p:cNvPr id="5" name="ノート プレースホルダー 4"/>
+          <p:cNvSpPr>
+            <a:spLocks noGrp="1"/>
+          </p:cNvSpPr>
+          <p:nvPr>
+            <p:ph type="body" sz="quarter" idx="3"/>
+          </p:nvPr>
+        </p:nvSpPr>
+        <p:spPr>
+          <a:xfrm>
+            <a:off x="685800" y="4400550"/>
+            <a:ext cx="5486400" cy="3600450"/>
+          </a:xfrm>
+          <a:prstGeom prst="rect">
+            <a:avLst/>
+          </a:prstGeom>
+        </p:spPr>
+        <p:txBody>
+          <a:bodyPr vert="horz" lIns="91440" tIns="45720" rIns="91440" bIns="45720" rtlCol="0"/>
+          <a:lstStyle/>
+          <a:p>
+            <a:pPr lvl="0"/>
+            <a:r>
+              <a:rPr kumimoji="1" lang="ja-JP" altLang="en-US"/>
+              <a:t>マスター テキストの書式設定</a:t>
+            </a:r>
+          </a:p>
+          <a:p>
+            <a:pPr lvl="1"/>
+            <a:r>
+              <a:rPr kumimoji="1" lang="ja-JP" altLang="en-US"/>
+              <a:t>第 </a:t>
+            </a:r>
+            <a:r>
+              <a:rPr kumimoji="1" lang="en-US" altLang="ja-JP"/>
+              <a:t>2 </a:t>
+            </a:r>
+            <a:r>
+              <a:rPr kumimoji="1" lang="ja-JP" altLang="en-US"/>
+              <a:t>レベル</a:t>
+            </a:r>
+          </a:p>
+          <a:p>
+            <a:pPr lvl="2"/>
+            <a:r>
+              <a:rPr kumimoji="1" lang="ja-JP" altLang="en-US"/>
+              <a:t>第 </a:t>
+            </a:r>
+            <a:r>
+              <a:rPr kumimoji="1" lang="en-US" altLang="ja-JP"/>
+              <a:t>3 </a:t>
+            </a:r>
+            <a:r>
+              <a:rPr kumimoji="1" lang="ja-JP" altLang="en-US"/>
+              <a:t>レベル</a:t>
+            </a:r>
+          </a:p>
+          <a:p>
+            <a:pPr lvl="3"/>
+            <a:r>
+              <a:rPr kumimoji="1" lang="ja-JP" altLang="en-US"/>
+              <a:t>第 </a:t>
+            </a:r>
+            <a:r>
+              <a:rPr kumimoji="1" lang="en-US" altLang="ja-JP"/>
+              <a:t>4 </a:t>
+            </a:r>
+            <a:r>
+              <a:rPr kumimoji="1" lang="ja-JP" altLang="en-US"/>
+              <a:t>レベル</a:t>
+            </a:r>
+          </a:p>
+          <a:p>
+            <a:pPr lvl="4"/>
+            <a:r>
+              <a:rPr kumimoji="1" lang="ja-JP" altLang="en-US"/>
+              <a:t>第 </a:t>
+            </a:r>
+            <a:r>
+              <a:rPr kumimoji="1" lang="en-US" altLang="ja-JP"/>
+              <a:t>5 </a:t>
+            </a:r>
+            <a:r>
+              <a:rPr kumimoji="1" lang="ja-JP" altLang="en-US"/>
+              <a:t>レベル</a:t>
+            </a:r>
+          </a:p>
+        </p:txBody>
+      </p:sp>
+      <p:sp>
+        <p:nvSpPr>
+          <p:cNvPr id="6" name="フッター プレースホルダー 5"/>
+          <p:cNvSpPr>
+            <a:spLocks noGrp="1"/>
+          </p:cNvSpPr>
+          <p:nvPr>
+            <p:ph type="ftr" sz="quarter" idx="4"/>
+          </p:nvPr>
+        </p:nvSpPr>
+        <p:spPr>
+          <a:xfrm>
+            <a:off x="0" y="8685213"/>
+            <a:ext cx="2971800" cy="458787"/>
+          </a:xfrm>
+          <a:prstGeom prst="rect">
+            <a:avLst/>
+          </a:prstGeom>
+        </p:spPr>
+        <p:txBody>
+          <a:bodyPr vert="horz" lIns="91440" tIns="45720" rIns="91440" bIns="45720" rtlCol="0" anchor="b"/>
+          <a:lstStyle>
+            <a:lvl1pPr algn="l">
+              <a:defRPr sz="1200"/>
+            </a:lvl1pPr>
+          </a:lstStyle>
+          <a:p>
+            <a:endParaRPr kumimoji="1" lang="ja-JP" altLang="en-US"/>
+          </a:p>
+        </p:txBody>
+      </p:sp>
+      <p:sp>
+        <p:nvSpPr>
+          <p:cNvPr id="7" name="スライド番号プレースホルダー 6"/>
+          <p:cNvSpPr>
+            <a:spLocks noGrp="1"/>
+          </p:cNvSpPr>
+          <p:nvPr>
+            <p:ph type="sldNum" sz="quarter" idx="5"/>
+          </p:nvPr>
+        </p:nvSpPr>
+        <p:spPr>
+          <a:xfrm>
+            <a:off x="3884613" y="8685213"/>
+            <a:ext cx="2971800" cy="458787"/>
+          </a:xfrm>
+          <a:prstGeom prst="rect">
+            <a:avLst/>
+          </a:prstGeom>
+        </p:spPr>
+        <p:txBody>
+          <a:bodyPr vert="horz" lIns="91440" tIns="45720" rIns="91440" bIns="45720" rtlCol="0" anchor="b"/>
+          <a:lstStyle>
+            <a:lvl1pPr algn="r">
+              <a:defRPr sz="1200"/>
+            </a:lvl1pPr>
+          </a:lstStyle>
+          <a:p>
+            <a:fld id="{E76CE91C-0327-48DE-84F2-3453F9CC8E8D}" type="slidenum">
+              <a:rPr kumimoji="1" lang="ja-JP" altLang="en-US" smtClean="0"/>
+              <a:t>‹#›</a:t>
+            </a:fld>
+            <a:endParaRPr kumimoji="1" lang="ja-JP" altLang="en-US"/>
+          </a:p>
+        </p:txBody>
+      </p:sp>
+    </p:spTree>
+    <p:extLst>
+      <p:ext uri="{BB962C8B-B14F-4D97-AF65-F5344CB8AC3E}">
+        <p14:creationId xmlns:p14="http://schemas.microsoft.com/office/powerpoint/2010/main" val="3158830421"/>
+      </p:ext>
+    </p:extLst>
+  </p:cSld>
+  <p:clrMap bg1="lt1" tx1="dk1" bg2="lt2" tx2="dk2" accent1="accent1" accent2="accent2" accent3="accent3" accent4="accent4" accent5="accent5" accent6="accent6" hlink="hlink" folHlink="folHlink"/>
+  <p:notesStyle>
+    <a:lvl1pPr marL="0" algn="l" defTabSz="914400" rtl="0" eaLnBrk="1" latinLnBrk="0" hangingPunct="1">
+      <a:defRPr kumimoji="1" sz="1200" kern="1200">
+        <a:solidFill>
+          <a:schemeClr val="tx1"/>
+        </a:solidFill>
+        <a:latin typeface="+mn-lt"/>
+        <a:ea typeface="+mn-ea"/>
+        <a:cs typeface="+mn-cs"/>
+      </a:defRPr>
+    </a:lvl1pPr>
+    <a:lvl2pPr marL="457200" algn="l" defTabSz="914400" rtl="0" eaLnBrk="1" latinLnBrk="0" hangingPunct="1">
+      <a:defRPr kumimoji="1" sz="1200" kern="1200">
+        <a:solidFill>
+          <a:schemeClr val="tx1"/>
+        </a:solidFill>
+        <a:latin typeface="+mn-lt"/>
+        <a:ea typeface="+mn-ea"/>
+        <a:cs typeface="+mn-cs"/>
+      </a:defRPr>
+    </a:lvl2pPr>
+    <a:lvl3pPr marL="914400" algn="l" defTabSz="914400" rtl="0" eaLnBrk="1" latinLnBrk="0" hangingPunct="1">
+      <a:defRPr kumimoji="1" sz="1200" kern="1200">
+        <a:solidFill>
+          <a:schemeClr val="tx1"/>
+        </a:solidFill>
+        <a:latin typeface="+mn-lt"/>
+        <a:ea typeface="+mn-ea"/>
+        <a:cs typeface="+mn-cs"/>
+      </a:defRPr>
+    </a:lvl3pPr>
+    <a:lvl4pPr marL="1371600" algn="l" defTabSz="914400" rtl="0" eaLnBrk="1" latinLnBrk="0" hangingPunct="1">
+      <a:defRPr kumimoji="1" sz="1200" kern="1200">
+        <a:solidFill>
+          <a:schemeClr val="tx1"/>
+        </a:solidFill>
+        <a:latin typeface="+mn-lt"/>
+        <a:ea typeface="+mn-ea"/>
+        <a:cs typeface="+mn-cs"/>
+      </a:defRPr>
+    </a:lvl4pPr>
+    <a:lvl5pPr marL="1828800" algn="l" defTabSz="914400" rtl="0" eaLnBrk="1" latinLnBrk="0" hangingPunct="1">
+      <a:defRPr kumimoji="1" sz="1200" kern="1200">
+        <a:solidFill>
+          <a:schemeClr val="tx1"/>
+        </a:solidFill>
+        <a:latin typeface="+mn-lt"/>
+        <a:ea typeface="+mn-ea"/>
+        <a:cs typeface="+mn-cs"/>
+      </a:defRPr>
+    </a:lvl5pPr>
+    <a:lvl6pPr marL="2286000" algn="l" defTabSz="914400" rtl="0" eaLnBrk="1" latinLnBrk="0" hangingPunct="1">
+      <a:defRPr kumimoji="1" sz="1200" kern="1200">
+        <a:solidFill>
+          <a:schemeClr val="tx1"/>
+        </a:solidFill>
+        <a:latin typeface="+mn-lt"/>
+        <a:ea typeface="+mn-ea"/>
+        <a:cs typeface="+mn-cs"/>
+      </a:defRPr>
+    </a:lvl6pPr>
+    <a:lvl7pPr marL="2743200" algn="l" defTabSz="914400" rtl="0" eaLnBrk="1" latinLnBrk="0" hangingPunct="1">
+      <a:defRPr kumimoji="1" sz="1200" kern="1200">
+        <a:solidFill>
+          <a:schemeClr val="tx1"/>
+        </a:solidFill>
+        <a:latin typeface="+mn-lt"/>
+        <a:ea typeface="+mn-ea"/>
+        <a:cs typeface="+mn-cs"/>
+      </a:defRPr>
+    </a:lvl7pPr>
+    <a:lvl8pPr marL="3200400" algn="l" defTabSz="914400" rtl="0" eaLnBrk="1" latinLnBrk="0" hangingPunct="1">
+      <a:defRPr kumimoji="1" sz="1200" kern="1200">
+        <a:solidFill>
+          <a:schemeClr val="tx1"/>
+        </a:solidFill>
+        <a:latin typeface="+mn-lt"/>
+        <a:ea typeface="+mn-ea"/>
+        <a:cs typeface="+mn-cs"/>
+      </a:defRPr>
+    </a:lvl8pPr>
+    <a:lvl9pPr marL="3657600" algn="l" defTabSz="914400" rtl="0" eaLnBrk="1" latinLnBrk="0" hangingPunct="1">
+      <a:defRPr kumimoji="1" sz="1200" kern="1200">
+        <a:solidFill>
+          <a:schemeClr val="tx1"/>
+        </a:solidFill>
+        <a:latin typeface="+mn-lt"/>
+        <a:ea typeface="+mn-ea"/>
+        <a:cs typeface="+mn-cs"/>
+      </a:defRPr>
+    </a:lvl9pPr>
+  </p:notesStyle>
+</p:notesMaster>
+</file>
+
 <file path=ppt/slideLayouts/slideLayout1.xml><?xml version="1.0" encoding="utf-8"?>
 <p:sldLayout xmlns:a="http://schemas.openxmlformats.org/drawingml/2006/main" xmlns:r="http://schemas.openxmlformats.org/officeDocument/2006/relationships" xmlns:p="http://schemas.openxmlformats.org/presentationml/2006/main" type="title" preserve="1">
   <p:cSld name="タイトル スライド">
@@ -261,7 +648,7 @@
           <a:bodyPr/>
           <a:lstStyle/>
           <a:p>
-            <a:fld id="{A8FD5ACA-4A7B-4568-B47C-5CEDF993206E}" type="datetimeFigureOut">
+            <a:fld id="{60A54C10-CBFD-4E35-B4EB-B0193AB6CB57}" type="datetime1">
               <a:rPr kumimoji="1" lang="ja-JP" altLang="en-US" smtClean="0"/>
               <a:t>2023/6/30</a:t>
             </a:fld>
@@ -491,7 +878,7 @@
           <a:bodyPr/>
           <a:lstStyle/>
           <a:p>
-            <a:fld id="{A8FD5ACA-4A7B-4568-B47C-5CEDF993206E}" type="datetimeFigureOut">
+            <a:fld id="{F4BA7B89-9BB0-41B5-AC4C-45D3785AA4DD}" type="datetime1">
               <a:rPr kumimoji="1" lang="ja-JP" altLang="en-US" smtClean="0"/>
               <a:t>2023/6/30</a:t>
             </a:fld>
@@ -731,7 +1118,7 @@
           <a:bodyPr/>
           <a:lstStyle/>
           <a:p>
-            <a:fld id="{A8FD5ACA-4A7B-4568-B47C-5CEDF993206E}" type="datetimeFigureOut">
+            <a:fld id="{C221166A-4E1E-4742-BF44-64DF0ACE26D3}" type="datetime1">
               <a:rPr kumimoji="1" lang="ja-JP" altLang="en-US" smtClean="0"/>
               <a:t>2023/6/30</a:t>
             </a:fld>
@@ -961,7 +1348,7 @@
           <a:bodyPr/>
           <a:lstStyle/>
           <a:p>
-            <a:fld id="{A8FD5ACA-4A7B-4568-B47C-5CEDF993206E}" type="datetimeFigureOut">
+            <a:fld id="{E6642667-7995-4F90-8DE1-F95B66B6815A}" type="datetime1">
               <a:rPr kumimoji="1" lang="ja-JP" altLang="en-US" smtClean="0"/>
               <a:t>2023/6/30</a:t>
             </a:fld>
@@ -1236,7 +1623,7 @@
           <a:bodyPr/>
           <a:lstStyle/>
           <a:p>
-            <a:fld id="{A8FD5ACA-4A7B-4568-B47C-5CEDF993206E}" type="datetimeFigureOut">
+            <a:fld id="{F59E1B56-6A81-4DDE-9157-49C87FB4AB2E}" type="datetime1">
               <a:rPr kumimoji="1" lang="ja-JP" altLang="en-US" smtClean="0"/>
               <a:t>2023/6/30</a:t>
             </a:fld>
@@ -1565,7 +1952,7 @@
           <a:bodyPr/>
           <a:lstStyle/>
           <a:p>
-            <a:fld id="{A8FD5ACA-4A7B-4568-B47C-5CEDF993206E}" type="datetimeFigureOut">
+            <a:fld id="{3DF7C465-4206-412B-8A2E-12EFD38C787C}" type="datetime1">
               <a:rPr kumimoji="1" lang="ja-JP" altLang="en-US" smtClean="0"/>
               <a:t>2023/6/30</a:t>
             </a:fld>
@@ -2041,7 +2428,7 @@
           <a:bodyPr/>
           <a:lstStyle/>
           <a:p>
-            <a:fld id="{A8FD5ACA-4A7B-4568-B47C-5CEDF993206E}" type="datetimeFigureOut">
+            <a:fld id="{23AE4571-AB7E-416B-A85F-9EF4309F6F2D}" type="datetime1">
               <a:rPr kumimoji="1" lang="ja-JP" altLang="en-US" smtClean="0"/>
               <a:t>2023/6/30</a:t>
             </a:fld>
@@ -2182,7 +2569,7 @@
           <a:bodyPr/>
           <a:lstStyle/>
           <a:p>
-            <a:fld id="{A8FD5ACA-4A7B-4568-B47C-5CEDF993206E}" type="datetimeFigureOut">
+            <a:fld id="{5459F62E-E864-4737-BE9B-33263A3B3110}" type="datetime1">
               <a:rPr kumimoji="1" lang="ja-JP" altLang="en-US" smtClean="0"/>
               <a:t>2023/6/30</a:t>
             </a:fld>
@@ -2295,7 +2682,7 @@
           <a:bodyPr/>
           <a:lstStyle/>
           <a:p>
-            <a:fld id="{A8FD5ACA-4A7B-4568-B47C-5CEDF993206E}" type="datetimeFigureOut">
+            <a:fld id="{76F1A348-4091-4F0A-98E5-EF5430A56439}" type="datetime1">
               <a:rPr kumimoji="1" lang="ja-JP" altLang="en-US" smtClean="0"/>
               <a:t>2023/6/30</a:t>
             </a:fld>
@@ -2638,7 +3025,7 @@
           <a:bodyPr/>
           <a:lstStyle/>
           <a:p>
-            <a:fld id="{A8FD5ACA-4A7B-4568-B47C-5CEDF993206E}" type="datetimeFigureOut">
+            <a:fld id="{5E9D62C4-A752-4BD5-9785-6C0169035F55}" type="datetime1">
               <a:rPr kumimoji="1" lang="ja-JP" altLang="en-US" smtClean="0"/>
               <a:t>2023/6/30</a:t>
             </a:fld>
@@ -2926,7 +3313,7 @@
           <a:bodyPr/>
           <a:lstStyle/>
           <a:p>
-            <a:fld id="{A8FD5ACA-4A7B-4568-B47C-5CEDF993206E}" type="datetimeFigureOut">
+            <a:fld id="{76D4538D-E277-4A45-AC68-072B6C08A6B8}" type="datetime1">
               <a:rPr kumimoji="1" lang="ja-JP" altLang="en-US" smtClean="0"/>
               <a:t>2023/6/30</a:t>
             </a:fld>
@@ -3199,7 +3586,7 @@
             </a:lvl1pPr>
           </a:lstStyle>
           <a:p>
-            <a:fld id="{A8FD5ACA-4A7B-4568-B47C-5CEDF993206E}" type="datetimeFigureOut">
+            <a:fld id="{AFF092D2-E1EF-4E13-8843-11675777E9C2}" type="datetime1">
               <a:rPr kumimoji="1" lang="ja-JP" altLang="en-US" smtClean="0"/>
               <a:t>2023/6/30</a:t>
             </a:fld>
@@ -3318,6 +3705,7 @@
     <p:sldLayoutId id="2147483658" r:id="rId10"/>
     <p:sldLayoutId id="2147483659" r:id="rId11"/>
   </p:sldLayoutIdLst>
+  <p:hf hdr="0" ftr="0" dt="0"/>
   <p:txStyles>
     <p:titleStyle>
       <a:lvl1pPr algn="l" defTabSz="914400" rtl="0" eaLnBrk="1" latinLnBrk="0" hangingPunct="1">
@@ -3686,6 +4074,35 @@
           </a:p>
         </p:txBody>
       </p:sp>
+      <p:sp>
+        <p:nvSpPr>
+          <p:cNvPr id="4" name="スライド番号プレースホルダー 3">
+            <a:extLst>
+              <a:ext uri="{FF2B5EF4-FFF2-40B4-BE49-F238E27FC236}">
+                <a16:creationId xmlns:a16="http://schemas.microsoft.com/office/drawing/2014/main" id="{11844E57-7382-D022-DB85-A1845D537BAC}"/>
+              </a:ext>
+            </a:extLst>
+          </p:cNvPr>
+          <p:cNvSpPr>
+            <a:spLocks noGrp="1"/>
+          </p:cNvSpPr>
+          <p:nvPr>
+            <p:ph type="sldNum" sz="quarter" idx="12"/>
+          </p:nvPr>
+        </p:nvSpPr>
+        <p:spPr/>
+        <p:txBody>
+          <a:bodyPr/>
+          <a:lstStyle/>
+          <a:p>
+            <a:fld id="{BAC09C9C-7DB0-444B-A568-405A39CC84C0}" type="slidenum">
+              <a:rPr kumimoji="1" lang="ja-JP" altLang="en-US" smtClean="0"/>
+              <a:t>1</a:t>
+            </a:fld>
+            <a:endParaRPr kumimoji="1" lang="ja-JP" altLang="en-US"/>
+          </a:p>
+        </p:txBody>
+      </p:sp>
     </p:spTree>
     <p:extLst>
       <p:ext uri="{BB962C8B-B14F-4D97-AF65-F5344CB8AC3E}">
@@ -3744,44 +4161,8 @@
           </a:p>
         </p:txBody>
       </p:sp>
-      <p:pic>
-        <p:nvPicPr>
-          <p:cNvPr id="3" name="図 2" descr="アプリケーション が含まれている画像&#10;&#10;自動的に生成された説明">
-            <a:extLst>
-              <a:ext uri="{FF2B5EF4-FFF2-40B4-BE49-F238E27FC236}">
-                <a16:creationId xmlns:a16="http://schemas.microsoft.com/office/drawing/2014/main" id="{3568A9A1-85B2-92E4-652B-5A9BA80A17D4}"/>
-              </a:ext>
-            </a:extLst>
-          </p:cNvPr>
-          <p:cNvPicPr>
-            <a:picLocks noChangeAspect="1"/>
-          </p:cNvPicPr>
-          <p:nvPr/>
-        </p:nvPicPr>
-        <p:blipFill>
-          <a:blip r:embed="rId2">
-            <a:extLst>
-              <a:ext uri="{28A0092B-C50C-407E-A947-70E740481C1C}">
-                <a14:useLocalDpi xmlns:a14="http://schemas.microsoft.com/office/drawing/2010/main" val="0"/>
-              </a:ext>
-            </a:extLst>
-          </a:blip>
-          <a:stretch>
-            <a:fillRect/>
-          </a:stretch>
-        </p:blipFill>
-        <p:spPr>
-          <a:xfrm>
-            <a:off x="-288393" y="1346091"/>
-            <a:ext cx="6934999" cy="5305631"/>
-          </a:xfrm>
-          <a:prstGeom prst="rect">
-            <a:avLst/>
-          </a:prstGeom>
-        </p:spPr>
-      </p:pic>
-      <mc:AlternateContent xmlns:mc="http://schemas.openxmlformats.org/markup-compatibility/2006">
-        <mc:Choice xmlns:a14="http://schemas.microsoft.com/office/drawing/2010/main" Requires="a14">
+      <mc:AlternateContent xmlns:mc="http://schemas.openxmlformats.org/markup-compatibility/2006" xmlns:a14="http://schemas.microsoft.com/office/drawing/2010/main">
+        <mc:Choice Requires="a14">
           <p:sp>
             <p:nvSpPr>
               <p:cNvPr id="4" name="テキスト ボックス 3">
@@ -4730,7 +5111,7 @@
             </p:txBody>
           </p:sp>
         </mc:Choice>
-        <mc:Fallback>
+        <mc:Fallback xmlns="">
           <p:sp>
             <p:nvSpPr>
               <p:cNvPr id="4" name="テキスト ボックス 3">
@@ -4775,6 +5156,71 @@
           </p:sp>
         </mc:Fallback>
       </mc:AlternateContent>
+      <p:sp>
+        <p:nvSpPr>
+          <p:cNvPr id="5" name="スライド番号プレースホルダー 4">
+            <a:extLst>
+              <a:ext uri="{FF2B5EF4-FFF2-40B4-BE49-F238E27FC236}">
+                <a16:creationId xmlns:a16="http://schemas.microsoft.com/office/drawing/2014/main" id="{40A482D9-15FC-6102-D077-226E7A1200BC}"/>
+              </a:ext>
+            </a:extLst>
+          </p:cNvPr>
+          <p:cNvSpPr>
+            <a:spLocks noGrp="1"/>
+          </p:cNvSpPr>
+          <p:nvPr>
+            <p:ph type="sldNum" sz="quarter" idx="12"/>
+          </p:nvPr>
+        </p:nvSpPr>
+        <p:spPr/>
+        <p:txBody>
+          <a:bodyPr/>
+          <a:lstStyle/>
+          <a:p>
+            <a:fld id="{BAC09C9C-7DB0-444B-A568-405A39CC84C0}" type="slidenum">
+              <a:rPr kumimoji="1" lang="ja-JP" altLang="en-US" smtClean="0"/>
+              <a:t>2</a:t>
+            </a:fld>
+            <a:endParaRPr kumimoji="1" lang="ja-JP" altLang="en-US"/>
+          </a:p>
+        </p:txBody>
+      </p:sp>
+      <p:pic>
+        <p:nvPicPr>
+          <p:cNvPr id="8" name="図 7" descr="星のマーク&#10;&#10;中程度の精度で自動的に生成された説明">
+            <a:extLst>
+              <a:ext uri="{FF2B5EF4-FFF2-40B4-BE49-F238E27FC236}">
+                <a16:creationId xmlns:a16="http://schemas.microsoft.com/office/drawing/2014/main" id="{C7B05FEC-21A0-E48B-41B0-1B02458400B3}"/>
+              </a:ext>
+            </a:extLst>
+          </p:cNvPr>
+          <p:cNvPicPr>
+            <a:picLocks noChangeAspect="1"/>
+          </p:cNvPicPr>
+          <p:nvPr/>
+        </p:nvPicPr>
+        <p:blipFill>
+          <a:blip r:embed="rId4">
+            <a:extLst>
+              <a:ext uri="{28A0092B-C50C-407E-A947-70E740481C1C}">
+                <a14:useLocalDpi xmlns:a14="http://schemas.microsoft.com/office/drawing/2010/main" val="0"/>
+              </a:ext>
+            </a:extLst>
+          </a:blip>
+          <a:stretch>
+            <a:fillRect/>
+          </a:stretch>
+        </p:blipFill>
+        <p:spPr>
+          <a:xfrm>
+            <a:off x="-380172" y="1192271"/>
+            <a:ext cx="7288621" cy="5576170"/>
+          </a:xfrm>
+          <a:prstGeom prst="rect">
+            <a:avLst/>
+          </a:prstGeom>
+        </p:spPr>
+      </p:pic>
     </p:spTree>
     <p:extLst>
       <p:ext uri="{BB962C8B-B14F-4D97-AF65-F5344CB8AC3E}">
@@ -7214,6 +7660,35 @@
           </p:sp>
         </mc:Fallback>
       </mc:AlternateContent>
+      <p:sp>
+        <p:nvSpPr>
+          <p:cNvPr id="3" name="スライド番号プレースホルダー 2">
+            <a:extLst>
+              <a:ext uri="{FF2B5EF4-FFF2-40B4-BE49-F238E27FC236}">
+                <a16:creationId xmlns:a16="http://schemas.microsoft.com/office/drawing/2014/main" id="{A7918111-F720-35E6-D02F-46FC7B3CE8B0}"/>
+              </a:ext>
+            </a:extLst>
+          </p:cNvPr>
+          <p:cNvSpPr>
+            <a:spLocks noGrp="1"/>
+          </p:cNvSpPr>
+          <p:nvPr>
+            <p:ph type="sldNum" sz="quarter" idx="12"/>
+          </p:nvPr>
+        </p:nvSpPr>
+        <p:spPr/>
+        <p:txBody>
+          <a:bodyPr/>
+          <a:lstStyle/>
+          <a:p>
+            <a:fld id="{BAC09C9C-7DB0-444B-A568-405A39CC84C0}" type="slidenum">
+              <a:rPr kumimoji="1" lang="ja-JP" altLang="en-US" smtClean="0"/>
+              <a:t>3</a:t>
+            </a:fld>
+            <a:endParaRPr kumimoji="1" lang="ja-JP" altLang="en-US"/>
+          </a:p>
+        </p:txBody>
+      </p:sp>
     </p:spTree>
     <p:extLst>
       <p:ext uri="{BB962C8B-B14F-4D97-AF65-F5344CB8AC3E}">
@@ -7289,7 +7764,7 @@
             <p:spPr>
               <a:xfrm>
                 <a:off x="6096000" y="1634964"/>
-                <a:ext cx="6184490" cy="5016758"/>
+                <a:ext cx="6184490" cy="4278094"/>
               </a:xfrm>
               <a:prstGeom prst="rect">
                 <a:avLst/>
@@ -8206,81 +8681,61 @@
                 <a:endParaRPr kumimoji="1" lang="en-US" altLang="ja-JP" sz="2400" dirty="0"/>
               </a:p>
               <a:p>
-                <a:pPr algn="l"/>
-                <a:endParaRPr kumimoji="1" lang="en-US" altLang="ja-JP" sz="2400" dirty="0"/>
+                <a:pPr algn="ctr"/>
+                <a:endParaRPr lang="en-US" altLang="ja-JP" sz="2400" dirty="0"/>
               </a:p>
               <a:p>
                 <a:pPr algn="l"/>
                 <a14:m>
                   <m:oMath xmlns:m="http://schemas.openxmlformats.org/officeDocument/2006/math">
-                    <m:sSub>
-                      <m:sSubPr>
-                        <m:ctrlPr>
-                          <a:rPr lang="en-US" altLang="ja-JP" sz="2400" b="0" i="1" smtClean="0">
-                            <a:latin typeface="Cambria Math" panose="02040503050406030204" pitchFamily="18" charset="0"/>
-                          </a:rPr>
-                        </m:ctrlPr>
-                      </m:sSubPr>
-                      <m:e>
-                        <m:r>
-                          <a:rPr lang="en-US" altLang="ja-JP" sz="2400" b="0" i="1" smtClean="0">
-                            <a:latin typeface="Cambria Math" panose="02040503050406030204" pitchFamily="18" charset="0"/>
-                          </a:rPr>
-                          <m:t>𝑀</m:t>
-                        </m:r>
-                      </m:e>
-                      <m:sub>
-                        <m:r>
-                          <a:rPr lang="en-US" altLang="ja-JP" sz="2400" b="0" i="1" smtClean="0">
-                            <a:latin typeface="Cambria Math" panose="02040503050406030204" pitchFamily="18" charset="0"/>
-                          </a:rPr>
-                          <m:t>𝐴</m:t>
-                        </m:r>
-                      </m:sub>
-                    </m:sSub>
+                    <m:r>
+                      <m:rPr>
+                        <m:sty m:val="p"/>
+                      </m:rPr>
+                      <a:rPr kumimoji="1" lang="en-US" altLang="ja-JP" sz="2400" b="0" i="0" smtClean="0">
+                        <a:latin typeface="Cambria Math" panose="02040503050406030204" pitchFamily="18" charset="0"/>
+                      </a:rPr>
+                      <m:t>Δ</m:t>
+                    </m:r>
+                    <m:r>
+                      <a:rPr kumimoji="1" lang="en-US" altLang="ja-JP" sz="2400" b="0" i="1" smtClean="0">
+                        <a:latin typeface="Cambria Math" panose="02040503050406030204" pitchFamily="18" charset="0"/>
+                      </a:rPr>
+                      <m:t>𝑣</m:t>
+                    </m:r>
+                    <m:r>
+                      <a:rPr kumimoji="1" lang="en-US" altLang="ja-JP" sz="2400" b="0" i="1" smtClean="0">
+                        <a:latin typeface="Cambria Math" panose="02040503050406030204" pitchFamily="18" charset="0"/>
+                      </a:rPr>
+                      <m:t>=±300 </m:t>
+                    </m:r>
+                    <m:r>
+                      <m:rPr>
+                        <m:sty m:val="p"/>
+                      </m:rPr>
+                      <a:rPr kumimoji="1" lang="en-US" altLang="ja-JP" sz="2400" b="0" i="0" smtClean="0">
+                        <a:latin typeface="Cambria Math" panose="02040503050406030204" pitchFamily="18" charset="0"/>
+                      </a:rPr>
+                      <m:t>mV</m:t>
+                    </m:r>
+                    <m:r>
+                      <a:rPr lang="ja-JP" altLang="en-US" sz="2400" i="1">
+                        <a:latin typeface="Cambria Math" panose="02040503050406030204" pitchFamily="18" charset="0"/>
+                      </a:rPr>
+                      <m:t>と</m:t>
+                    </m:r>
                   </m:oMath>
                 </a14:m>
                 <a:r>
                   <a:rPr kumimoji="1" lang="ja-JP" altLang="en-US" sz="2400" dirty="0"/>
-                  <a:t>と</a:t>
+                  <a:t>すると</a:t>
                 </a:r>
-                <a14:m>
-                  <m:oMath xmlns:m="http://schemas.openxmlformats.org/officeDocument/2006/math">
-                    <m:sSub>
-                      <m:sSubPr>
-                        <m:ctrlPr>
-                          <a:rPr kumimoji="1" lang="en-US" altLang="ja-JP" sz="2400" b="0" i="1" dirty="0" smtClean="0">
-                            <a:latin typeface="Cambria Math" panose="02040503050406030204" pitchFamily="18" charset="0"/>
-                          </a:rPr>
-                        </m:ctrlPr>
-                      </m:sSubPr>
-                      <m:e>
-                        <m:r>
-                          <a:rPr kumimoji="1" lang="en-US" altLang="ja-JP" sz="2400" b="0" i="1" dirty="0" smtClean="0">
-                            <a:latin typeface="Cambria Math" panose="02040503050406030204" pitchFamily="18" charset="0"/>
-                          </a:rPr>
-                          <m:t>𝑀</m:t>
-                        </m:r>
-                      </m:e>
-                      <m:sub>
-                        <m:r>
-                          <a:rPr kumimoji="1" lang="en-US" altLang="ja-JP" sz="2400" b="0" i="1" dirty="0" smtClean="0">
-                            <a:latin typeface="Cambria Math" panose="02040503050406030204" pitchFamily="18" charset="0"/>
-                          </a:rPr>
-                          <m:t>𝐵</m:t>
-                        </m:r>
-                      </m:sub>
-                    </m:sSub>
-                  </m:oMath>
-                </a14:m>
-                <a:r>
-                  <a:rPr kumimoji="1" lang="ja-JP" altLang="en-US" sz="2400" dirty="0"/>
-                  <a:t>のゲートソース間電圧をそろえると</a:t>
-                </a:r>
-                <a:endParaRPr kumimoji="1" lang="en-US" altLang="ja-JP" sz="2400" dirty="0"/>
+                <a:endParaRPr kumimoji="1" lang="en-US" altLang="ja-JP" sz="2400" b="0" i="1" dirty="0">
+                  <a:latin typeface="Cambria Math" panose="02040503050406030204" pitchFamily="18" charset="0"/>
+                </a:endParaRPr>
               </a:p>
               <a:p>
-                <a:pPr algn="ctr"/>
+                <a:pPr algn="l"/>
                 <a14:m>
                   <m:oMathPara xmlns:m="http://schemas.openxmlformats.org/officeDocument/2006/math">
                     <m:oMathParaPr>
@@ -8308,38 +8763,7 @@
                             <a:rPr kumimoji="1" lang="en-US" altLang="ja-JP" sz="2400" b="0" i="1" smtClean="0">
                               <a:latin typeface="Cambria Math" panose="02040503050406030204" pitchFamily="18" charset="0"/>
                             </a:rPr>
-                            <m:t>𝐴</m:t>
-                          </m:r>
-                        </m:sub>
-                      </m:sSub>
-                      <m:r>
-                        <a:rPr kumimoji="1" lang="en-US" altLang="ja-JP" sz="2400" b="0" i="1" smtClean="0">
-                          <a:latin typeface="Cambria Math" panose="02040503050406030204" pitchFamily="18" charset="0"/>
-                        </a:rPr>
-                        <m:t>−</m:t>
-                      </m:r>
-                      <m:sSub>
-                        <m:sSubPr>
-                          <m:ctrlPr>
-                            <a:rPr kumimoji="1" lang="en-US" altLang="ja-JP" sz="2400" b="0" i="1" smtClean="0">
-                              <a:latin typeface="Cambria Math" panose="02040503050406030204" pitchFamily="18" charset="0"/>
-                            </a:rPr>
-                          </m:ctrlPr>
-                        </m:sSubPr>
-                        <m:e>
-                          <m:r>
-                            <a:rPr kumimoji="1" lang="en-US" altLang="ja-JP" sz="2400" b="0" i="1" smtClean="0">
-                              <a:latin typeface="Cambria Math" panose="02040503050406030204" pitchFamily="18" charset="0"/>
-                            </a:rPr>
-                            <m:t>𝑉</m:t>
-                          </m:r>
-                        </m:e>
-                        <m:sub>
-                          <m:r>
-                            <a:rPr kumimoji="1" lang="en-US" altLang="ja-JP" sz="2400" b="0" i="1" smtClean="0">
-                              <a:latin typeface="Cambria Math" panose="02040503050406030204" pitchFamily="18" charset="0"/>
-                            </a:rPr>
-                            <m:t>𝐴𝐵</m:t>
+                            <m:t>𝑜𝑢𝑡</m:t>
                           </m:r>
                         </m:sub>
                       </m:sSub>
@@ -8370,7 +8794,7 @@
                             <a:rPr kumimoji="1" lang="en-US" altLang="ja-JP" sz="2400" b="0" i="1" smtClean="0">
                               <a:latin typeface="Cambria Math" panose="02040503050406030204" pitchFamily="18" charset="0"/>
                             </a:rPr>
-                            <m:t>𝐵</m:t>
+                            <m:t>𝑑𝑑</m:t>
                           </m:r>
                         </m:sub>
                       </m:sSub>
@@ -8380,193 +8804,47 @@
                         </a:rPr>
                         <m:t>−</m:t>
                       </m:r>
-                      <m:sSub>
-                        <m:sSubPr>
-                          <m:ctrlPr>
-                            <a:rPr kumimoji="1" lang="en-US" altLang="ja-JP" sz="2400" b="0" i="1" smtClean="0">
-                              <a:latin typeface="Cambria Math" panose="02040503050406030204" pitchFamily="18" charset="0"/>
-                            </a:rPr>
-                          </m:ctrlPr>
-                        </m:sSubPr>
-                        <m:e>
-                          <m:r>
-                            <a:rPr kumimoji="1" lang="en-US" altLang="ja-JP" sz="2400" b="0" i="1" smtClean="0">
-                              <a:latin typeface="Cambria Math" panose="02040503050406030204" pitchFamily="18" charset="0"/>
-                            </a:rPr>
-                            <m:t>𝑉</m:t>
-                          </m:r>
-                        </m:e>
-                        <m:sub>
-                          <m:r>
-                            <a:rPr kumimoji="1" lang="en-US" altLang="ja-JP" sz="2400" b="0" i="1" smtClean="0">
-                              <a:latin typeface="Cambria Math" panose="02040503050406030204" pitchFamily="18" charset="0"/>
-                            </a:rPr>
-                            <m:t>𝑆</m:t>
-                          </m:r>
-                        </m:sub>
-                      </m:sSub>
+                      <m:r>
+                        <m:rPr>
+                          <m:sty m:val="p"/>
+                        </m:rPr>
+                        <a:rPr kumimoji="1" lang="en-US" altLang="ja-JP" sz="2400" b="0" i="0" smtClean="0">
+                          <a:latin typeface="Cambria Math" panose="02040503050406030204" pitchFamily="18" charset="0"/>
+                        </a:rPr>
+                        <m:t>Δ</m:t>
+                      </m:r>
+                      <m:r>
+                        <a:rPr kumimoji="1" lang="en-US" altLang="ja-JP" sz="2400" b="0" i="1" smtClean="0">
+                          <a:latin typeface="Cambria Math" panose="02040503050406030204" pitchFamily="18" charset="0"/>
+                        </a:rPr>
+                        <m:t>𝑣</m:t>
+                      </m:r>
+                      <m:r>
+                        <a:rPr kumimoji="1" lang="en-US" altLang="ja-JP" sz="2400" b="0" i="1" smtClean="0">
+                          <a:latin typeface="Cambria Math" panose="02040503050406030204" pitchFamily="18" charset="0"/>
+                        </a:rPr>
+                        <m:t>⋅2=1.2 </m:t>
+                      </m:r>
+                      <m:r>
+                        <m:rPr>
+                          <m:sty m:val="p"/>
+                        </m:rPr>
+                        <a:rPr kumimoji="1" lang="en-US" altLang="ja-JP" sz="2400" b="0" i="0" smtClean="0">
+                          <a:latin typeface="Cambria Math" panose="02040503050406030204" pitchFamily="18" charset="0"/>
+                        </a:rPr>
+                        <m:t>V</m:t>
+                      </m:r>
                     </m:oMath>
                   </m:oMathPara>
-                </a14:m>
-                <a:endParaRPr kumimoji="1" lang="en-US" altLang="ja-JP" sz="2400" b="0" dirty="0"/>
-              </a:p>
-              <a:p>
-                <a:pPr algn="ctr"/>
-                <a14:m>
-                  <m:oMath xmlns:m="http://schemas.openxmlformats.org/officeDocument/2006/math">
-                    <m:sSub>
-                      <m:sSubPr>
-                        <m:ctrlPr>
-                          <a:rPr kumimoji="1" lang="en-US" altLang="ja-JP" sz="2400" b="0" i="1" smtClean="0">
-                            <a:latin typeface="Cambria Math" panose="02040503050406030204" pitchFamily="18" charset="0"/>
-                          </a:rPr>
-                        </m:ctrlPr>
-                      </m:sSubPr>
-                      <m:e>
-                        <m:r>
-                          <a:rPr kumimoji="1" lang="en-US" altLang="ja-JP" sz="2400" b="0" i="1" smtClean="0">
-                            <a:latin typeface="Cambria Math" panose="02040503050406030204" pitchFamily="18" charset="0"/>
-                          </a:rPr>
-                          <m:t>𝑉</m:t>
-                        </m:r>
-                      </m:e>
-                      <m:sub>
-                        <m:r>
-                          <a:rPr kumimoji="1" lang="en-US" altLang="ja-JP" sz="2400" b="0" i="1" smtClean="0">
-                            <a:latin typeface="Cambria Math" panose="02040503050406030204" pitchFamily="18" charset="0"/>
-                          </a:rPr>
-                          <m:t>𝐴</m:t>
-                        </m:r>
-                      </m:sub>
-                    </m:sSub>
-                    <m:r>
-                      <a:rPr kumimoji="1" lang="en-US" altLang="ja-JP" sz="2400" b="0" i="1" smtClean="0">
-                        <a:latin typeface="Cambria Math" panose="02040503050406030204" pitchFamily="18" charset="0"/>
-                      </a:rPr>
-                      <m:t>=</m:t>
-                    </m:r>
-                    <m:sSub>
-                      <m:sSubPr>
-                        <m:ctrlPr>
-                          <a:rPr kumimoji="1" lang="en-US" altLang="ja-JP" sz="2400" b="0" i="1" smtClean="0">
-                            <a:latin typeface="Cambria Math" panose="02040503050406030204" pitchFamily="18" charset="0"/>
-                          </a:rPr>
-                        </m:ctrlPr>
-                      </m:sSubPr>
-                      <m:e>
-                        <m:r>
-                          <a:rPr kumimoji="1" lang="en-US" altLang="ja-JP" sz="2400" b="0" i="1" smtClean="0">
-                            <a:latin typeface="Cambria Math" panose="02040503050406030204" pitchFamily="18" charset="0"/>
-                          </a:rPr>
-                          <m:t>𝑉</m:t>
-                        </m:r>
-                      </m:e>
-                      <m:sub>
-                        <m:r>
-                          <a:rPr kumimoji="1" lang="en-US" altLang="ja-JP" sz="2400" b="0" i="1" smtClean="0">
-                            <a:latin typeface="Cambria Math" panose="02040503050406030204" pitchFamily="18" charset="0"/>
-                          </a:rPr>
-                          <m:t>𝐴𝐵</m:t>
-                        </m:r>
-                      </m:sub>
-                    </m:sSub>
-                    <m:r>
-                      <a:rPr kumimoji="1" lang="en-US" altLang="ja-JP" sz="2400" b="0" i="1" smtClean="0">
-                        <a:latin typeface="Cambria Math" panose="02040503050406030204" pitchFamily="18" charset="0"/>
-                      </a:rPr>
-                      <m:t>+</m:t>
-                    </m:r>
-                    <m:sSub>
-                      <m:sSubPr>
-                        <m:ctrlPr>
-                          <a:rPr kumimoji="1" lang="en-US" altLang="ja-JP" sz="2400" b="0" i="1" smtClean="0">
-                            <a:latin typeface="Cambria Math" panose="02040503050406030204" pitchFamily="18" charset="0"/>
-                          </a:rPr>
-                        </m:ctrlPr>
-                      </m:sSubPr>
-                      <m:e>
-                        <m:r>
-                          <a:rPr kumimoji="1" lang="en-US" altLang="ja-JP" sz="2400" b="0" i="1" smtClean="0">
-                            <a:latin typeface="Cambria Math" panose="02040503050406030204" pitchFamily="18" charset="0"/>
-                          </a:rPr>
-                          <m:t>𝑉</m:t>
-                        </m:r>
-                      </m:e>
-                      <m:sub>
-                        <m:r>
-                          <a:rPr kumimoji="1" lang="en-US" altLang="ja-JP" sz="2400" b="0" i="1" smtClean="0">
-                            <a:latin typeface="Cambria Math" panose="02040503050406030204" pitchFamily="18" charset="0"/>
-                          </a:rPr>
-                          <m:t>𝐵</m:t>
-                        </m:r>
-                      </m:sub>
-                    </m:sSub>
-                    <m:r>
-                      <a:rPr kumimoji="1" lang="en-US" altLang="ja-JP" sz="2400" b="0" i="1" smtClean="0">
-                        <a:latin typeface="Cambria Math" panose="02040503050406030204" pitchFamily="18" charset="0"/>
-                      </a:rPr>
-                      <m:t>−</m:t>
-                    </m:r>
-                    <m:sSub>
-                      <m:sSubPr>
-                        <m:ctrlPr>
-                          <a:rPr kumimoji="1" lang="en-US" altLang="ja-JP" sz="2400" b="0" i="1" smtClean="0">
-                            <a:latin typeface="Cambria Math" panose="02040503050406030204" pitchFamily="18" charset="0"/>
-                          </a:rPr>
-                        </m:ctrlPr>
-                      </m:sSubPr>
-                      <m:e>
-                        <m:r>
-                          <a:rPr kumimoji="1" lang="en-US" altLang="ja-JP" sz="2400" b="0" i="1" smtClean="0">
-                            <a:latin typeface="Cambria Math" panose="02040503050406030204" pitchFamily="18" charset="0"/>
-                          </a:rPr>
-                          <m:t>𝑉</m:t>
-                        </m:r>
-                      </m:e>
-                      <m:sub>
-                        <m:r>
-                          <a:rPr kumimoji="1" lang="en-US" altLang="ja-JP" sz="2400" b="0" i="1" smtClean="0">
-                            <a:latin typeface="Cambria Math" panose="02040503050406030204" pitchFamily="18" charset="0"/>
-                          </a:rPr>
-                          <m:t>𝑆</m:t>
-                        </m:r>
-                      </m:sub>
-                    </m:sSub>
-                  </m:oMath>
-                </a14:m>
-                <a:r>
-                  <a:rPr kumimoji="1" lang="en-US" altLang="ja-JP" sz="2400" dirty="0"/>
-                  <a:t>	</a:t>
-                </a:r>
-                <a14:m>
-                  <m:oMath xmlns:m="http://schemas.openxmlformats.org/officeDocument/2006/math">
-                    <m:d>
-                      <m:dPr>
-                        <m:ctrlPr>
-                          <a:rPr kumimoji="1" lang="en-US" altLang="ja-JP" sz="2400" b="0" i="1" smtClean="0">
-                            <a:latin typeface="Cambria Math" panose="02040503050406030204" pitchFamily="18" charset="0"/>
-                          </a:rPr>
-                        </m:ctrlPr>
-                      </m:dPr>
-                      <m:e>
-                        <m:r>
-                          <a:rPr kumimoji="1" lang="en-US" altLang="ja-JP" sz="2400" b="0" i="1" smtClean="0">
-                            <a:latin typeface="Cambria Math" panose="02040503050406030204" pitchFamily="18" charset="0"/>
-                          </a:rPr>
-                          <m:t>7</m:t>
-                        </m:r>
-                      </m:e>
-                    </m:d>
-                  </m:oMath>
                 </a14:m>
                 <a:endParaRPr kumimoji="1" lang="en-US" altLang="ja-JP" sz="2400" dirty="0"/>
               </a:p>
               <a:p>
-                <a:pPr algn="ctr"/>
-                <a:endParaRPr kumimoji="1" lang="en-US" altLang="ja-JP" sz="2400" dirty="0"/>
-              </a:p>
-              <a:p>
                 <a:pPr algn="l"/>
+                <a:r>
+                  <a:rPr lang="ja-JP" altLang="en-US" sz="2400" dirty="0"/>
+                  <a:t>と決められる。</a:t>
+                </a:r>
                 <a:endParaRPr kumimoji="1" lang="en-US" altLang="ja-JP" sz="2400" dirty="0"/>
               </a:p>
             </p:txBody>
@@ -8590,7 +8868,7 @@
             <p:spPr>
               <a:xfrm>
                 <a:off x="6096000" y="1634964"/>
-                <a:ext cx="6184490" cy="5016758"/>
+                <a:ext cx="6184490" cy="4278094"/>
               </a:xfrm>
               <a:prstGeom prst="rect">
                 <a:avLst/>
@@ -8598,7 +8876,7 @@
               <a:blipFill>
                 <a:blip r:embed="rId2"/>
                 <a:stretch>
-                  <a:fillRect l="-1478" t="-972" r="-1084"/>
+                  <a:fillRect l="-1478" t="-1140" b="-2279"/>
                 </a:stretch>
               </a:blipFill>
             </p:spPr>
@@ -8669,12 +8947,41 @@
           </a:p>
         </p:txBody>
       </p:sp>
+      <p:sp>
+        <p:nvSpPr>
+          <p:cNvPr id="5" name="スライド番号プレースホルダー 4">
+            <a:extLst>
+              <a:ext uri="{FF2B5EF4-FFF2-40B4-BE49-F238E27FC236}">
+                <a16:creationId xmlns:a16="http://schemas.microsoft.com/office/drawing/2014/main" id="{8C33FF2E-74B8-BDBA-3921-CFCA6B0E114B}"/>
+              </a:ext>
+            </a:extLst>
+          </p:cNvPr>
+          <p:cNvSpPr>
+            <a:spLocks noGrp="1"/>
+          </p:cNvSpPr>
+          <p:nvPr>
+            <p:ph type="sldNum" sz="quarter" idx="12"/>
+          </p:nvPr>
+        </p:nvSpPr>
+        <p:spPr/>
+        <p:txBody>
+          <a:bodyPr/>
+          <a:lstStyle/>
+          <a:p>
+            <a:fld id="{BAC09C9C-7DB0-444B-A568-405A39CC84C0}" type="slidenum">
+              <a:rPr kumimoji="1" lang="ja-JP" altLang="en-US" smtClean="0"/>
+              <a:t>4</a:t>
+            </a:fld>
+            <a:endParaRPr kumimoji="1" lang="ja-JP" altLang="en-US"/>
+          </a:p>
+        </p:txBody>
+      </p:sp>
       <p:pic>
         <p:nvPicPr>
-          <p:cNvPr id="4" name="図 3" descr="アプリケーション が含まれている画像&#10;&#10;自動的に生成された説明">
+          <p:cNvPr id="6" name="図 5" descr="星のマーク&#10;&#10;中程度の精度で自動的に生成された説明">
             <a:extLst>
               <a:ext uri="{FF2B5EF4-FFF2-40B4-BE49-F238E27FC236}">
-                <a16:creationId xmlns:a16="http://schemas.microsoft.com/office/drawing/2014/main" id="{47F0D6FE-7159-BB77-D77B-8901C9D632F0}"/>
+                <a16:creationId xmlns:a16="http://schemas.microsoft.com/office/drawing/2014/main" id="{CC677CEC-8C44-A68B-7774-22AB706A2042}"/>
               </a:ext>
             </a:extLst>
           </p:cNvPr>
@@ -8697,8 +9004,8 @@
         </p:blipFill>
         <p:spPr>
           <a:xfrm>
-            <a:off x="-288393" y="1346091"/>
-            <a:ext cx="6934999" cy="5305631"/>
+            <a:off x="-380172" y="1192271"/>
+            <a:ext cx="7288621" cy="5576170"/>
           </a:xfrm>
           <a:prstGeom prst="rect">
             <a:avLst/>
@@ -8735,50 +9042,137 @@
           <a:chExt cx="0" cy="0"/>
         </a:xfrm>
       </p:grpSpPr>
+      <p:sp>
+        <p:nvSpPr>
+          <p:cNvPr id="2" name="スライド番号プレースホルダー 1">
+            <a:extLst>
+              <a:ext uri="{FF2B5EF4-FFF2-40B4-BE49-F238E27FC236}">
+                <a16:creationId xmlns:a16="http://schemas.microsoft.com/office/drawing/2014/main" id="{467FD32D-0817-01F3-5393-46042A5A5443}"/>
+              </a:ext>
+            </a:extLst>
+          </p:cNvPr>
+          <p:cNvSpPr>
+            <a:spLocks noGrp="1"/>
+          </p:cNvSpPr>
+          <p:nvPr>
+            <p:ph type="sldNum" sz="quarter" idx="12"/>
+          </p:nvPr>
+        </p:nvSpPr>
+        <p:spPr/>
+        <p:txBody>
+          <a:bodyPr/>
+          <a:lstStyle/>
+          <a:p>
+            <a:fld id="{BAC09C9C-7DB0-444B-A568-405A39CC84C0}" type="slidenum">
+              <a:rPr kumimoji="1" lang="ja-JP" altLang="en-US" smtClean="0"/>
+              <a:t>5</a:t>
+            </a:fld>
+            <a:endParaRPr kumimoji="1" lang="ja-JP" altLang="en-US"/>
+          </a:p>
+        </p:txBody>
+      </p:sp>
+      <p:sp>
+        <p:nvSpPr>
+          <p:cNvPr id="3" name="タイトル 1">
+            <a:extLst>
+              <a:ext uri="{FF2B5EF4-FFF2-40B4-BE49-F238E27FC236}">
+                <a16:creationId xmlns:a16="http://schemas.microsoft.com/office/drawing/2014/main" id="{818A041E-2DDD-A5A4-75A6-1FD08F9DD81A}"/>
+              </a:ext>
+            </a:extLst>
+          </p:cNvPr>
+          <p:cNvSpPr txBox="1">
+            <a:spLocks/>
+          </p:cNvSpPr>
+          <p:nvPr/>
+        </p:nvSpPr>
+        <p:spPr>
+          <a:xfrm>
+            <a:off x="838200" y="365125"/>
+            <a:ext cx="10515600" cy="1325563"/>
+          </a:xfrm>
+          <a:prstGeom prst="rect">
+            <a:avLst/>
+          </a:prstGeom>
+        </p:spPr>
+        <p:txBody>
+          <a:bodyPr/>
+          <a:lstStyle>
+            <a:lvl1pPr algn="l" defTabSz="914400" rtl="0" eaLnBrk="1" latinLnBrk="0" hangingPunct="1">
+              <a:lnSpc>
+                <a:spcPct val="90000"/>
+              </a:lnSpc>
+              <a:spcBef>
+                <a:spcPct val="0"/>
+              </a:spcBef>
+              <a:buNone/>
+              <a:defRPr kumimoji="1" sz="4400" kern="1200">
+                <a:solidFill>
+                  <a:schemeClr val="tx1"/>
+                </a:solidFill>
+                <a:latin typeface="+mj-lt"/>
+                <a:ea typeface="+mj-ea"/>
+                <a:cs typeface="+mj-cs"/>
+              </a:defRPr>
+            </a:lvl1pPr>
+          </a:lstStyle>
+          <a:p>
+            <a:r>
+              <a:rPr lang="ja-JP" altLang="en-US" dirty="0"/>
+              <a:t>直流設計</a:t>
+            </a:r>
+          </a:p>
+        </p:txBody>
+      </p:sp>
       <mc:AlternateContent xmlns:mc="http://schemas.openxmlformats.org/markup-compatibility/2006">
         <mc:Choice xmlns:a14="http://schemas.microsoft.com/office/drawing/2010/main" Requires="a14">
           <p:sp>
             <p:nvSpPr>
-              <p:cNvPr id="2" name="タイトル 1">
+              <p:cNvPr id="5" name="テキスト ボックス 4">
                 <a:extLst>
                   <a:ext uri="{FF2B5EF4-FFF2-40B4-BE49-F238E27FC236}">
-                    <a16:creationId xmlns:a16="http://schemas.microsoft.com/office/drawing/2014/main" id="{31A7171B-9D81-79F9-118A-29FBABD3349A}"/>
+                    <a16:creationId xmlns:a16="http://schemas.microsoft.com/office/drawing/2014/main" id="{36A086C2-A5A9-62C9-D035-CC282E3ABA57}"/>
                   </a:ext>
                 </a:extLst>
               </p:cNvPr>
-              <p:cNvSpPr>
-                <a:spLocks noGrp="1"/>
-              </p:cNvSpPr>
-              <p:nvPr>
-                <p:ph type="title"/>
-              </p:nvPr>
+              <p:cNvSpPr txBox="1"/>
+              <p:nvPr/>
             </p:nvSpPr>
-            <p:spPr/>
+            <p:spPr>
+              <a:xfrm>
+                <a:off x="501445" y="1258529"/>
+                <a:ext cx="11189110" cy="4893647"/>
+              </a:xfrm>
+              <a:prstGeom prst="rect">
+                <a:avLst/>
+              </a:prstGeom>
+              <a:noFill/>
+            </p:spPr>
             <p:txBody>
-              <a:bodyPr/>
+              <a:bodyPr wrap="square" rtlCol="0">
+                <a:spAutoFit/>
+              </a:bodyPr>
               <a:lstStyle/>
               <a:p>
+                <a:pPr algn="l"/>
                 <a:r>
-                  <a:rPr kumimoji="1" lang="ja-JP" altLang="en-US" dirty="0"/>
-                  <a:t>直流設計 </a:t>
-                </a:r>
-                <a:r>
-                  <a:rPr kumimoji="1" lang="en-US" altLang="ja-JP" dirty="0"/>
-                  <a:t>- </a:t>
+                  <a:rPr lang="ja-JP" altLang="en-US" sz="2400" dirty="0">
+                    <a:latin typeface="Cambria Math" panose="02040503050406030204" pitchFamily="18" charset="0"/>
+                  </a:rPr>
+                  <a:t>今回はしきい電圧を</a:t>
                 </a:r>
                 <a14:m>
                   <m:oMath xmlns:m="http://schemas.openxmlformats.org/officeDocument/2006/math">
                     <m:sSub>
                       <m:sSubPr>
                         <m:ctrlPr>
-                          <a:rPr kumimoji="1" lang="en-US" altLang="ja-JP" b="0" i="1" smtClean="0">
+                          <a:rPr lang="en-US" altLang="ja-JP" sz="2400" b="0" i="1" smtClean="0">
                             <a:latin typeface="Cambria Math" panose="02040503050406030204" pitchFamily="18" charset="0"/>
                           </a:rPr>
                         </m:ctrlPr>
                       </m:sSubPr>
                       <m:e>
                         <m:r>
-                          <a:rPr kumimoji="1" lang="en-US" altLang="ja-JP" b="0" i="1" smtClean="0">
+                          <a:rPr lang="en-US" altLang="ja-JP" sz="2400" b="0" i="1" smtClean="0">
                             <a:latin typeface="Cambria Math" panose="02040503050406030204" pitchFamily="18" charset="0"/>
                           </a:rPr>
                           <m:t>𝑉</m:t>
@@ -8786,19 +9180,940 @@
                       </m:e>
                       <m:sub>
                         <m:r>
-                          <a:rPr kumimoji="1" lang="en-US" altLang="ja-JP" b="0" i="1" smtClean="0">
-                            <a:latin typeface="Cambria Math" panose="02040503050406030204" pitchFamily="18" charset="0"/>
-                          </a:rPr>
-                          <m:t>𝑆</m:t>
+                          <a:rPr lang="en-US" altLang="ja-JP" sz="2400" b="0" i="1" smtClean="0">
+                            <a:latin typeface="Cambria Math" panose="02040503050406030204" pitchFamily="18" charset="0"/>
+                          </a:rPr>
+                          <m:t>𝑡h</m:t>
                         </m:r>
                       </m:sub>
                     </m:sSub>
+                    <m:r>
+                      <a:rPr lang="en-US" altLang="ja-JP" sz="2400" b="0" i="1" smtClean="0">
+                        <a:latin typeface="Cambria Math" panose="02040503050406030204" pitchFamily="18" charset="0"/>
+                      </a:rPr>
+                      <m:t>=0.5 </m:t>
+                    </m:r>
+                    <m:r>
+                      <m:rPr>
+                        <m:sty m:val="p"/>
+                      </m:rPr>
+                      <a:rPr lang="en-US" altLang="ja-JP" sz="2400" b="0" i="0" smtClean="0">
+                        <a:latin typeface="Cambria Math" panose="02040503050406030204" pitchFamily="18" charset="0"/>
+                      </a:rPr>
+                      <m:t>V</m:t>
+                    </m:r>
                   </m:oMath>
                 </a14:m>
                 <a:r>
-                  <a:rPr kumimoji="1" lang="ja-JP" altLang="en-US" dirty="0"/>
-                  <a:t>の値</a:t>
+                  <a:rPr kumimoji="1" lang="ja-JP" altLang="en-US" sz="2400" b="0" dirty="0">
+                    <a:latin typeface="Cambria Math" panose="02040503050406030204" pitchFamily="18" charset="0"/>
+                  </a:rPr>
+                  <a:t>と一定値として計算する。</a:t>
                 </a:r>
+                <a:endParaRPr kumimoji="1" lang="en-US" altLang="ja-JP" sz="2400" b="0" dirty="0">
+                  <a:latin typeface="Cambria Math" panose="02040503050406030204" pitchFamily="18" charset="0"/>
+                </a:endParaRPr>
+              </a:p>
+              <a:p>
+                <a:pPr algn="l"/>
+                <a:endParaRPr kumimoji="1" lang="en-US" altLang="ja-JP" sz="2400" b="0" i="1" dirty="0">
+                  <a:latin typeface="Cambria Math" panose="02040503050406030204" pitchFamily="18" charset="0"/>
+                </a:endParaRPr>
+              </a:p>
+              <a:p>
+                <a:pPr algn="l"/>
+                <a14:m>
+                  <m:oMath xmlns:m="http://schemas.openxmlformats.org/officeDocument/2006/math">
+                    <m:d>
+                      <m:dPr>
+                        <m:ctrlPr>
+                          <a:rPr kumimoji="1" lang="en-US" altLang="ja-JP" sz="2400" b="0" i="1" smtClean="0">
+                            <a:latin typeface="Cambria Math" panose="02040503050406030204" pitchFamily="18" charset="0"/>
+                          </a:rPr>
+                        </m:ctrlPr>
+                      </m:dPr>
+                      <m:e>
+                        <m:r>
+                          <a:rPr kumimoji="1" lang="en-US" altLang="ja-JP" sz="2400" b="0" i="1" smtClean="0">
+                            <a:latin typeface="Cambria Math" panose="02040503050406030204" pitchFamily="18" charset="0"/>
+                          </a:rPr>
+                          <m:t>6</m:t>
+                        </m:r>
+                      </m:e>
+                    </m:d>
+                  </m:oMath>
+                </a14:m>
+                <a:r>
+                  <a:rPr kumimoji="1" lang="ja-JP" altLang="en-US" sz="2400" dirty="0"/>
+                  <a:t>式より</a:t>
+                </a:r>
+                <a:endParaRPr kumimoji="1" lang="en-US" altLang="ja-JP" sz="2400" dirty="0"/>
+              </a:p>
+              <a:p>
+                <a14:m>
+                  <m:oMathPara xmlns:m="http://schemas.openxmlformats.org/officeDocument/2006/math">
+                    <m:oMathParaPr>
+                      <m:jc m:val="centerGroup"/>
+                    </m:oMathParaPr>
+                    <m:oMath xmlns:m="http://schemas.openxmlformats.org/officeDocument/2006/math">
+                      <m:sSub>
+                        <m:sSubPr>
+                          <m:ctrlPr>
+                            <a:rPr kumimoji="1" lang="en-US" altLang="ja-JP" sz="2400" b="0" i="1" smtClean="0">
+                              <a:latin typeface="Cambria Math" panose="02040503050406030204" pitchFamily="18" charset="0"/>
+                            </a:rPr>
+                          </m:ctrlPr>
+                        </m:sSubPr>
+                        <m:e>
+                          <m:r>
+                            <a:rPr kumimoji="1" lang="en-US" altLang="ja-JP" sz="2400" b="0" i="1" smtClean="0">
+                              <a:latin typeface="Cambria Math" panose="02040503050406030204" pitchFamily="18" charset="0"/>
+                            </a:rPr>
+                            <m:t>𝑉</m:t>
+                          </m:r>
+                        </m:e>
+                        <m:sub>
+                          <m:r>
+                            <a:rPr kumimoji="1" lang="en-US" altLang="ja-JP" sz="2400" b="0" i="1" smtClean="0">
+                              <a:latin typeface="Cambria Math" panose="02040503050406030204" pitchFamily="18" charset="0"/>
+                            </a:rPr>
+                            <m:t>𝑜𝑢𝑡</m:t>
+                          </m:r>
+                        </m:sub>
+                      </m:sSub>
+                      <m:r>
+                        <a:rPr kumimoji="1" lang="en-US" altLang="ja-JP" sz="2400" b="0" i="1" smtClean="0">
+                          <a:latin typeface="Cambria Math" panose="02040503050406030204" pitchFamily="18" charset="0"/>
+                        </a:rPr>
+                        <m:t>=1.2&gt;</m:t>
+                      </m:r>
+                      <m:sSub>
+                        <m:sSubPr>
+                          <m:ctrlPr>
+                            <a:rPr lang="en-US" altLang="ja-JP" sz="2400" i="1">
+                              <a:latin typeface="Cambria Math" panose="02040503050406030204" pitchFamily="18" charset="0"/>
+                            </a:rPr>
+                          </m:ctrlPr>
+                        </m:sSubPr>
+                        <m:e>
+                          <m:r>
+                            <a:rPr lang="en-US" altLang="ja-JP" sz="2400" i="1">
+                              <a:latin typeface="Cambria Math" panose="02040503050406030204" pitchFamily="18" charset="0"/>
+                            </a:rPr>
+                            <m:t>𝑉</m:t>
+                          </m:r>
+                        </m:e>
+                        <m:sub>
+                          <m:r>
+                            <a:rPr lang="en-US" altLang="ja-JP" sz="2400" i="1">
+                              <a:latin typeface="Cambria Math" panose="02040503050406030204" pitchFamily="18" charset="0"/>
+                            </a:rPr>
+                            <m:t>𝐴</m:t>
+                          </m:r>
+                        </m:sub>
+                      </m:sSub>
+                      <m:r>
+                        <a:rPr lang="en-US" altLang="ja-JP" sz="2400" i="1">
+                          <a:latin typeface="Cambria Math" panose="02040503050406030204" pitchFamily="18" charset="0"/>
+                        </a:rPr>
+                        <m:t>+</m:t>
+                      </m:r>
+                      <m:sSub>
+                        <m:sSubPr>
+                          <m:ctrlPr>
+                            <a:rPr lang="en-US" altLang="ja-JP" sz="2400" i="1">
+                              <a:latin typeface="Cambria Math" panose="02040503050406030204" pitchFamily="18" charset="0"/>
+                            </a:rPr>
+                          </m:ctrlPr>
+                        </m:sSubPr>
+                        <m:e>
+                          <m:r>
+                            <a:rPr lang="en-US" altLang="ja-JP" sz="2400" i="1">
+                              <a:latin typeface="Cambria Math" panose="02040503050406030204" pitchFamily="18" charset="0"/>
+                            </a:rPr>
+                            <m:t>𝑉</m:t>
+                          </m:r>
+                        </m:e>
+                        <m:sub>
+                          <m:r>
+                            <a:rPr lang="en-US" altLang="ja-JP" sz="2400" i="1">
+                              <a:latin typeface="Cambria Math" panose="02040503050406030204" pitchFamily="18" charset="0"/>
+                            </a:rPr>
+                            <m:t>𝐶𝑇𝑅𝐿</m:t>
+                          </m:r>
+                        </m:sub>
+                      </m:sSub>
+                      <m:r>
+                        <a:rPr lang="en-US" altLang="ja-JP" sz="2400" i="1">
+                          <a:latin typeface="Cambria Math" panose="02040503050406030204" pitchFamily="18" charset="0"/>
+                        </a:rPr>
+                        <m:t>−</m:t>
+                      </m:r>
+                      <m:sSub>
+                        <m:sSubPr>
+                          <m:ctrlPr>
+                            <a:rPr lang="en-US" altLang="ja-JP" sz="2400" i="1">
+                              <a:latin typeface="Cambria Math" panose="02040503050406030204" pitchFamily="18" charset="0"/>
+                            </a:rPr>
+                          </m:ctrlPr>
+                        </m:sSubPr>
+                        <m:e>
+                          <m:r>
+                            <a:rPr lang="en-US" altLang="ja-JP" sz="2400" i="1">
+                              <a:latin typeface="Cambria Math" panose="02040503050406030204" pitchFamily="18" charset="0"/>
+                            </a:rPr>
+                            <m:t>𝑉</m:t>
+                          </m:r>
+                        </m:e>
+                        <m:sub>
+                          <m:r>
+                            <a:rPr lang="en-US" altLang="ja-JP" sz="2400" i="1">
+                              <a:latin typeface="Cambria Math" panose="02040503050406030204" pitchFamily="18" charset="0"/>
+                            </a:rPr>
+                            <m:t>𝑡h</m:t>
+                          </m:r>
+                        </m:sub>
+                      </m:sSub>
+                    </m:oMath>
+                  </m:oMathPara>
+                </a14:m>
+                <a:endParaRPr lang="en-US" altLang="ja-JP" sz="2400" dirty="0"/>
+              </a:p>
+              <a:p>
+                <a14:m>
+                  <m:oMathPara xmlns:m="http://schemas.openxmlformats.org/officeDocument/2006/math">
+                    <m:oMathParaPr>
+                      <m:jc m:val="centerGroup"/>
+                    </m:oMathParaPr>
+                    <m:oMath xmlns:m="http://schemas.openxmlformats.org/officeDocument/2006/math">
+                      <m:r>
+                        <a:rPr kumimoji="1" lang="en-US" altLang="ja-JP" sz="2400" b="0" i="1" smtClean="0">
+                          <a:latin typeface="Cambria Math" panose="02040503050406030204" pitchFamily="18" charset="0"/>
+                        </a:rPr>
+                        <m:t>1.2&gt;</m:t>
+                      </m:r>
+                      <m:sSub>
+                        <m:sSubPr>
+                          <m:ctrlPr>
+                            <a:rPr kumimoji="1" lang="en-US" altLang="ja-JP" sz="2400" b="0" i="1" smtClean="0">
+                              <a:latin typeface="Cambria Math" panose="02040503050406030204" pitchFamily="18" charset="0"/>
+                            </a:rPr>
+                          </m:ctrlPr>
+                        </m:sSubPr>
+                        <m:e>
+                          <m:r>
+                            <a:rPr kumimoji="1" lang="en-US" altLang="ja-JP" sz="2400" b="0" i="1" smtClean="0">
+                              <a:latin typeface="Cambria Math" panose="02040503050406030204" pitchFamily="18" charset="0"/>
+                            </a:rPr>
+                            <m:t>𝑉</m:t>
+                          </m:r>
+                        </m:e>
+                        <m:sub>
+                          <m:r>
+                            <a:rPr kumimoji="1" lang="en-US" altLang="ja-JP" sz="2400" b="0" i="1" smtClean="0">
+                              <a:latin typeface="Cambria Math" panose="02040503050406030204" pitchFamily="18" charset="0"/>
+                            </a:rPr>
+                            <m:t>𝐴</m:t>
+                          </m:r>
+                        </m:sub>
+                      </m:sSub>
+                      <m:r>
+                        <a:rPr kumimoji="1" lang="en-US" altLang="ja-JP" sz="2400" b="0" i="1" smtClean="0">
+                          <a:latin typeface="Cambria Math" panose="02040503050406030204" pitchFamily="18" charset="0"/>
+                        </a:rPr>
+                        <m:t>+0.2−0.5</m:t>
+                      </m:r>
+                    </m:oMath>
+                  </m:oMathPara>
+                </a14:m>
+                <a:endParaRPr kumimoji="1" lang="en-US" altLang="ja-JP" sz="2400" b="0" dirty="0"/>
+              </a:p>
+              <a:p>
+                <a14:m>
+                  <m:oMathPara xmlns:m="http://schemas.openxmlformats.org/officeDocument/2006/math">
+                    <m:oMathParaPr>
+                      <m:jc m:val="centerGroup"/>
+                    </m:oMathParaPr>
+                    <m:oMath xmlns:m="http://schemas.openxmlformats.org/officeDocument/2006/math">
+                      <m:r>
+                        <a:rPr kumimoji="1" lang="en-US" altLang="ja-JP" sz="2400" b="0" i="1" smtClean="0">
+                          <a:latin typeface="Cambria Math" panose="02040503050406030204" pitchFamily="18" charset="0"/>
+                        </a:rPr>
+                        <m:t>1.6&gt;</m:t>
+                      </m:r>
+                      <m:sSub>
+                        <m:sSubPr>
+                          <m:ctrlPr>
+                            <a:rPr kumimoji="1" lang="en-US" altLang="ja-JP" sz="2400" b="0" i="1" smtClean="0">
+                              <a:latin typeface="Cambria Math" panose="02040503050406030204" pitchFamily="18" charset="0"/>
+                            </a:rPr>
+                          </m:ctrlPr>
+                        </m:sSubPr>
+                        <m:e>
+                          <m:r>
+                            <a:rPr kumimoji="1" lang="en-US" altLang="ja-JP" sz="2400" b="0" i="1" smtClean="0">
+                              <a:latin typeface="Cambria Math" panose="02040503050406030204" pitchFamily="18" charset="0"/>
+                            </a:rPr>
+                            <m:t>𝑉</m:t>
+                          </m:r>
+                        </m:e>
+                        <m:sub>
+                          <m:r>
+                            <a:rPr kumimoji="1" lang="en-US" altLang="ja-JP" sz="2400" b="0" i="1" smtClean="0">
+                              <a:latin typeface="Cambria Math" panose="02040503050406030204" pitchFamily="18" charset="0"/>
+                            </a:rPr>
+                            <m:t>𝐴</m:t>
+                          </m:r>
+                        </m:sub>
+                      </m:sSub>
+                    </m:oMath>
+                  </m:oMathPara>
+                </a14:m>
+                <a:endParaRPr kumimoji="1" lang="en-US" altLang="ja-JP" sz="2400" dirty="0"/>
+              </a:p>
+              <a:p>
+                <a14:m>
+                  <m:oMath xmlns:m="http://schemas.openxmlformats.org/officeDocument/2006/math">
+                    <m:d>
+                      <m:dPr>
+                        <m:ctrlPr>
+                          <a:rPr kumimoji="1" lang="en-US" altLang="ja-JP" sz="2400" b="0" i="1" smtClean="0">
+                            <a:latin typeface="Cambria Math" panose="02040503050406030204" pitchFamily="18" charset="0"/>
+                          </a:rPr>
+                        </m:ctrlPr>
+                      </m:dPr>
+                      <m:e>
+                        <m:r>
+                          <a:rPr kumimoji="1" lang="en-US" altLang="ja-JP" sz="2400" b="0" i="1" smtClean="0">
+                            <a:latin typeface="Cambria Math" panose="02040503050406030204" pitchFamily="18" charset="0"/>
+                          </a:rPr>
+                          <m:t>5</m:t>
+                        </m:r>
+                      </m:e>
+                    </m:d>
+                  </m:oMath>
+                </a14:m>
+                <a:r>
+                  <a:rPr kumimoji="1" lang="ja-JP" altLang="en-US" sz="2400" dirty="0"/>
+                  <a:t>式より</a:t>
+                </a:r>
+                <a:endParaRPr kumimoji="1" lang="en-US" altLang="ja-JP" sz="2400" dirty="0"/>
+              </a:p>
+              <a:p>
+                <a14:m>
+                  <m:oMathPara xmlns:m="http://schemas.openxmlformats.org/officeDocument/2006/math">
+                    <m:oMathParaPr>
+                      <m:jc m:val="centerGroup"/>
+                    </m:oMathParaPr>
+                    <m:oMath xmlns:m="http://schemas.openxmlformats.org/officeDocument/2006/math">
+                      <m:sSub>
+                        <m:sSubPr>
+                          <m:ctrlPr>
+                            <a:rPr lang="en-US" altLang="ja-JP" sz="2400" i="1">
+                              <a:latin typeface="Cambria Math" panose="02040503050406030204" pitchFamily="18" charset="0"/>
+                            </a:rPr>
+                          </m:ctrlPr>
+                        </m:sSubPr>
+                        <m:e>
+                          <m:r>
+                            <a:rPr lang="en-US" altLang="ja-JP" sz="2400" i="1">
+                              <a:latin typeface="Cambria Math" panose="02040503050406030204" pitchFamily="18" charset="0"/>
+                            </a:rPr>
+                            <m:t>𝑉</m:t>
+                          </m:r>
+                        </m:e>
+                        <m:sub>
+                          <m:r>
+                            <a:rPr lang="en-US" altLang="ja-JP" sz="2400" i="1">
+                              <a:latin typeface="Cambria Math" panose="02040503050406030204" pitchFamily="18" charset="0"/>
+                            </a:rPr>
+                            <m:t>𝑡h</m:t>
+                          </m:r>
+                        </m:sub>
+                      </m:sSub>
+                      <m:r>
+                        <a:rPr lang="en-US" altLang="ja-JP" sz="2400" i="1">
+                          <a:latin typeface="Cambria Math" panose="02040503050406030204" pitchFamily="18" charset="0"/>
+                        </a:rPr>
+                        <m:t>+</m:t>
+                      </m:r>
+                      <m:sSub>
+                        <m:sSubPr>
+                          <m:ctrlPr>
+                            <a:rPr lang="en-US" altLang="ja-JP" sz="2400" i="1">
+                              <a:latin typeface="Cambria Math" panose="02040503050406030204" pitchFamily="18" charset="0"/>
+                            </a:rPr>
+                          </m:ctrlPr>
+                        </m:sSubPr>
+                        <m:e>
+                          <m:r>
+                            <a:rPr lang="en-US" altLang="ja-JP" sz="2400" i="1">
+                              <a:latin typeface="Cambria Math" panose="02040503050406030204" pitchFamily="18" charset="0"/>
+                            </a:rPr>
+                            <m:t>𝑉</m:t>
+                          </m:r>
+                        </m:e>
+                        <m:sub>
+                          <m:r>
+                            <a:rPr lang="en-US" altLang="ja-JP" sz="2400" i="1">
+                              <a:latin typeface="Cambria Math" panose="02040503050406030204" pitchFamily="18" charset="0"/>
+                            </a:rPr>
+                            <m:t>𝐴𝐵</m:t>
+                          </m:r>
+                        </m:sub>
+                      </m:sSub>
+                      <m:r>
+                        <a:rPr lang="en-US" altLang="ja-JP" sz="2400" i="1">
+                          <a:latin typeface="Cambria Math" panose="02040503050406030204" pitchFamily="18" charset="0"/>
+                        </a:rPr>
+                        <m:t>+</m:t>
+                      </m:r>
+                      <m:sSub>
+                        <m:sSubPr>
+                          <m:ctrlPr>
+                            <a:rPr lang="en-US" altLang="ja-JP" sz="2400" i="1">
+                              <a:latin typeface="Cambria Math" panose="02040503050406030204" pitchFamily="18" charset="0"/>
+                            </a:rPr>
+                          </m:ctrlPr>
+                        </m:sSubPr>
+                        <m:e>
+                          <m:r>
+                            <a:rPr lang="en-US" altLang="ja-JP" sz="2400" i="1">
+                              <a:latin typeface="Cambria Math" panose="02040503050406030204" pitchFamily="18" charset="0"/>
+                            </a:rPr>
+                            <m:t>𝑉</m:t>
+                          </m:r>
+                        </m:e>
+                        <m:sub>
+                          <m:r>
+                            <a:rPr lang="en-US" altLang="ja-JP" sz="2400" i="1">
+                              <a:latin typeface="Cambria Math" panose="02040503050406030204" pitchFamily="18" charset="0"/>
+                            </a:rPr>
+                            <m:t>𝐶𝑇𝑅𝐿</m:t>
+                          </m:r>
+                        </m:sub>
+                      </m:sSub>
+                      <m:r>
+                        <a:rPr lang="en-US" altLang="ja-JP" sz="2400" i="1">
+                          <a:latin typeface="Cambria Math" panose="02040503050406030204" pitchFamily="18" charset="0"/>
+                        </a:rPr>
+                        <m:t>&lt;</m:t>
+                      </m:r>
+                      <m:sSub>
+                        <m:sSubPr>
+                          <m:ctrlPr>
+                            <a:rPr lang="en-US" altLang="ja-JP" sz="2400" i="1">
+                              <a:latin typeface="Cambria Math" panose="02040503050406030204" pitchFamily="18" charset="0"/>
+                            </a:rPr>
+                          </m:ctrlPr>
+                        </m:sSubPr>
+                        <m:e>
+                          <m:r>
+                            <a:rPr lang="en-US" altLang="ja-JP" sz="2400" i="1">
+                              <a:latin typeface="Cambria Math" panose="02040503050406030204" pitchFamily="18" charset="0"/>
+                            </a:rPr>
+                            <m:t>𝑉</m:t>
+                          </m:r>
+                        </m:e>
+                        <m:sub>
+                          <m:r>
+                            <a:rPr lang="en-US" altLang="ja-JP" sz="2400" i="1">
+                              <a:latin typeface="Cambria Math" panose="02040503050406030204" pitchFamily="18" charset="0"/>
+                            </a:rPr>
+                            <m:t>𝐴</m:t>
+                          </m:r>
+                        </m:sub>
+                      </m:sSub>
+                      <m:r>
+                        <a:rPr lang="en-US" altLang="ja-JP" sz="2400" i="1">
+                          <a:latin typeface="Cambria Math" panose="02040503050406030204" pitchFamily="18" charset="0"/>
+                        </a:rPr>
+                        <m:t>&lt;</m:t>
+                      </m:r>
+                      <m:sSub>
+                        <m:sSubPr>
+                          <m:ctrlPr>
+                            <a:rPr lang="en-US" altLang="ja-JP" sz="2400" i="1">
+                              <a:latin typeface="Cambria Math" panose="02040503050406030204" pitchFamily="18" charset="0"/>
+                            </a:rPr>
+                          </m:ctrlPr>
+                        </m:sSubPr>
+                        <m:e>
+                          <m:r>
+                            <a:rPr lang="en-US" altLang="ja-JP" sz="2400" i="1">
+                              <a:latin typeface="Cambria Math" panose="02040503050406030204" pitchFamily="18" charset="0"/>
+                            </a:rPr>
+                            <m:t>𝑉</m:t>
+                          </m:r>
+                        </m:e>
+                        <m:sub>
+                          <m:r>
+                            <a:rPr lang="en-US" altLang="ja-JP" sz="2400" i="1">
+                              <a:latin typeface="Cambria Math" panose="02040503050406030204" pitchFamily="18" charset="0"/>
+                            </a:rPr>
+                            <m:t>𝑜𝑢𝑡</m:t>
+                          </m:r>
+                        </m:sub>
+                      </m:sSub>
+                      <m:r>
+                        <a:rPr lang="en-US" altLang="ja-JP" sz="2400" i="1">
+                          <a:latin typeface="Cambria Math" panose="02040503050406030204" pitchFamily="18" charset="0"/>
+                        </a:rPr>
+                        <m:t>+</m:t>
+                      </m:r>
+                      <m:sSub>
+                        <m:sSubPr>
+                          <m:ctrlPr>
+                            <a:rPr lang="en-US" altLang="ja-JP" sz="2400" i="1">
+                              <a:latin typeface="Cambria Math" panose="02040503050406030204" pitchFamily="18" charset="0"/>
+                            </a:rPr>
+                          </m:ctrlPr>
+                        </m:sSubPr>
+                        <m:e>
+                          <m:r>
+                            <a:rPr lang="en-US" altLang="ja-JP" sz="2400" i="1">
+                              <a:latin typeface="Cambria Math" panose="02040503050406030204" pitchFamily="18" charset="0"/>
+                            </a:rPr>
+                            <m:t>𝑉</m:t>
+                          </m:r>
+                        </m:e>
+                        <m:sub>
+                          <m:r>
+                            <a:rPr lang="en-US" altLang="ja-JP" sz="2400" i="1">
+                              <a:latin typeface="Cambria Math" panose="02040503050406030204" pitchFamily="18" charset="0"/>
+                            </a:rPr>
+                            <m:t>𝐴𝐵</m:t>
+                          </m:r>
+                        </m:sub>
+                      </m:sSub>
+                      <m:r>
+                        <a:rPr lang="en-US" altLang="ja-JP" sz="2400" i="1">
+                          <a:latin typeface="Cambria Math" panose="02040503050406030204" pitchFamily="18" charset="0"/>
+                        </a:rPr>
+                        <m:t>−</m:t>
+                      </m:r>
+                      <m:sSub>
+                        <m:sSubPr>
+                          <m:ctrlPr>
+                            <a:rPr lang="en-US" altLang="ja-JP" sz="2400" i="1">
+                              <a:latin typeface="Cambria Math" panose="02040503050406030204" pitchFamily="18" charset="0"/>
+                            </a:rPr>
+                          </m:ctrlPr>
+                        </m:sSubPr>
+                        <m:e>
+                          <m:r>
+                            <a:rPr lang="en-US" altLang="ja-JP" sz="2400" i="1">
+                              <a:latin typeface="Cambria Math" panose="02040503050406030204" pitchFamily="18" charset="0"/>
+                            </a:rPr>
+                            <m:t>𝑉</m:t>
+                          </m:r>
+                        </m:e>
+                        <m:sub>
+                          <m:r>
+                            <a:rPr lang="en-US" altLang="ja-JP" sz="2400" i="1">
+                              <a:latin typeface="Cambria Math" panose="02040503050406030204" pitchFamily="18" charset="0"/>
+                            </a:rPr>
+                            <m:t>𝐶𝑇𝑅𝐿</m:t>
+                          </m:r>
+                        </m:sub>
+                      </m:sSub>
+                    </m:oMath>
+                  </m:oMathPara>
+                </a14:m>
+                <a:endParaRPr kumimoji="1" lang="en-US" altLang="ja-JP" sz="2400" dirty="0"/>
+              </a:p>
+              <a:p>
+                <a14:m>
+                  <m:oMathPara xmlns:m="http://schemas.openxmlformats.org/officeDocument/2006/math">
+                    <m:oMathParaPr>
+                      <m:jc m:val="centerGroup"/>
+                    </m:oMathParaPr>
+                    <m:oMath xmlns:m="http://schemas.openxmlformats.org/officeDocument/2006/math">
+                      <m:r>
+                        <a:rPr kumimoji="1" lang="en-US" altLang="ja-JP" sz="2400" b="0" i="1" smtClean="0">
+                          <a:latin typeface="Cambria Math" panose="02040503050406030204" pitchFamily="18" charset="0"/>
+                        </a:rPr>
+                        <m:t>0.5+</m:t>
+                      </m:r>
+                      <m:sSub>
+                        <m:sSubPr>
+                          <m:ctrlPr>
+                            <a:rPr kumimoji="1" lang="en-US" altLang="ja-JP" sz="2400" b="0" i="1" smtClean="0">
+                              <a:latin typeface="Cambria Math" panose="02040503050406030204" pitchFamily="18" charset="0"/>
+                            </a:rPr>
+                          </m:ctrlPr>
+                        </m:sSubPr>
+                        <m:e>
+                          <m:r>
+                            <a:rPr kumimoji="1" lang="en-US" altLang="ja-JP" sz="2400" b="0" i="1" smtClean="0">
+                              <a:latin typeface="Cambria Math" panose="02040503050406030204" pitchFamily="18" charset="0"/>
+                            </a:rPr>
+                            <m:t>𝑉</m:t>
+                          </m:r>
+                        </m:e>
+                        <m:sub>
+                          <m:r>
+                            <a:rPr kumimoji="1" lang="en-US" altLang="ja-JP" sz="2400" b="0" i="1" smtClean="0">
+                              <a:latin typeface="Cambria Math" panose="02040503050406030204" pitchFamily="18" charset="0"/>
+                            </a:rPr>
+                            <m:t>𝐴𝐵</m:t>
+                          </m:r>
+                        </m:sub>
+                      </m:sSub>
+                      <m:r>
+                        <a:rPr kumimoji="1" lang="en-US" altLang="ja-JP" sz="2400" b="0" i="1" smtClean="0">
+                          <a:latin typeface="Cambria Math" panose="02040503050406030204" pitchFamily="18" charset="0"/>
+                        </a:rPr>
+                        <m:t>+0.2&lt;1.6&lt;1.2+</m:t>
+                      </m:r>
+                      <m:sSub>
+                        <m:sSubPr>
+                          <m:ctrlPr>
+                            <a:rPr kumimoji="1" lang="en-US" altLang="ja-JP" sz="2400" b="0" i="1" smtClean="0">
+                              <a:latin typeface="Cambria Math" panose="02040503050406030204" pitchFamily="18" charset="0"/>
+                            </a:rPr>
+                          </m:ctrlPr>
+                        </m:sSubPr>
+                        <m:e>
+                          <m:r>
+                            <a:rPr kumimoji="1" lang="en-US" altLang="ja-JP" sz="2400" b="0" i="1" smtClean="0">
+                              <a:latin typeface="Cambria Math" panose="02040503050406030204" pitchFamily="18" charset="0"/>
+                            </a:rPr>
+                            <m:t>𝑉</m:t>
+                          </m:r>
+                        </m:e>
+                        <m:sub>
+                          <m:r>
+                            <a:rPr kumimoji="1" lang="en-US" altLang="ja-JP" sz="2400" b="0" i="1" smtClean="0">
+                              <a:latin typeface="Cambria Math" panose="02040503050406030204" pitchFamily="18" charset="0"/>
+                            </a:rPr>
+                            <m:t>𝐴𝐵</m:t>
+                          </m:r>
+                        </m:sub>
+                      </m:sSub>
+                      <m:r>
+                        <a:rPr kumimoji="1" lang="en-US" altLang="ja-JP" sz="2400" b="0" i="1" smtClean="0">
+                          <a:latin typeface="Cambria Math" panose="02040503050406030204" pitchFamily="18" charset="0"/>
+                        </a:rPr>
+                        <m:t>−0.2</m:t>
+                      </m:r>
+                    </m:oMath>
+                  </m:oMathPara>
+                </a14:m>
+                <a:endParaRPr kumimoji="1" lang="en-US" altLang="ja-JP" sz="2400" b="0" dirty="0"/>
+              </a:p>
+              <a:p>
+                <a:pPr algn="ctr"/>
+                <a14:m>
+                  <m:oMath xmlns:m="http://schemas.openxmlformats.org/officeDocument/2006/math">
+                    <m:r>
+                      <a:rPr kumimoji="1" lang="en-US" altLang="ja-JP" sz="2400" b="0" i="1" smtClean="0">
+                        <a:latin typeface="Cambria Math" panose="02040503050406030204" pitchFamily="18" charset="0"/>
+                      </a:rPr>
+                      <m:t>0.6&lt;</m:t>
+                    </m:r>
+                    <m:sSub>
+                      <m:sSubPr>
+                        <m:ctrlPr>
+                          <a:rPr kumimoji="1" lang="en-US" altLang="ja-JP" sz="2400" b="0" i="1" smtClean="0">
+                            <a:latin typeface="Cambria Math" panose="02040503050406030204" pitchFamily="18" charset="0"/>
+                          </a:rPr>
+                        </m:ctrlPr>
+                      </m:sSubPr>
+                      <m:e>
+                        <m:r>
+                          <a:rPr kumimoji="1" lang="en-US" altLang="ja-JP" sz="2400" b="0" i="1" smtClean="0">
+                            <a:latin typeface="Cambria Math" panose="02040503050406030204" pitchFamily="18" charset="0"/>
+                          </a:rPr>
+                          <m:t>𝑉</m:t>
+                        </m:r>
+                      </m:e>
+                      <m:sub>
+                        <m:r>
+                          <a:rPr kumimoji="1" lang="en-US" altLang="ja-JP" sz="2400" b="0" i="1" smtClean="0">
+                            <a:latin typeface="Cambria Math" panose="02040503050406030204" pitchFamily="18" charset="0"/>
+                          </a:rPr>
+                          <m:t>𝐴𝐵</m:t>
+                        </m:r>
+                      </m:sub>
+                    </m:sSub>
+                    <m:r>
+                      <a:rPr kumimoji="1" lang="en-US" altLang="ja-JP" sz="2400" b="0" i="1" smtClean="0">
+                        <a:latin typeface="Cambria Math" panose="02040503050406030204" pitchFamily="18" charset="0"/>
+                      </a:rPr>
+                      <m:t>&lt;1.1</m:t>
+                    </m:r>
+                  </m:oMath>
+                </a14:m>
+                <a:r>
+                  <a:rPr kumimoji="1" lang="en-US" altLang="ja-JP" sz="2400" dirty="0"/>
+                  <a:t>	</a:t>
+                </a:r>
+                <a14:m>
+                  <m:oMath xmlns:m="http://schemas.openxmlformats.org/officeDocument/2006/math">
+                    <m:d>
+                      <m:dPr>
+                        <m:ctrlPr>
+                          <a:rPr kumimoji="1" lang="en-US" altLang="ja-JP" sz="2400" b="0" i="1" smtClean="0">
+                            <a:latin typeface="Cambria Math" panose="02040503050406030204" pitchFamily="18" charset="0"/>
+                          </a:rPr>
+                        </m:ctrlPr>
+                      </m:dPr>
+                      <m:e>
+                        <m:r>
+                          <a:rPr kumimoji="1" lang="en-US" altLang="ja-JP" sz="2400" b="0" i="1" smtClean="0">
+                            <a:latin typeface="Cambria Math" panose="02040503050406030204" pitchFamily="18" charset="0"/>
+                          </a:rPr>
+                          <m:t>7</m:t>
+                        </m:r>
+                      </m:e>
+                    </m:d>
+                  </m:oMath>
+                </a14:m>
+                <a:endParaRPr kumimoji="1" lang="en-US" altLang="ja-JP" sz="2400" dirty="0"/>
+              </a:p>
+              <a:p>
+                <a14:m>
+                  <m:oMathPara xmlns:m="http://schemas.openxmlformats.org/officeDocument/2006/math">
+                    <m:oMathParaPr>
+                      <m:jc m:val="centerGroup"/>
+                    </m:oMathParaPr>
+                    <m:oMath xmlns:m="http://schemas.openxmlformats.org/officeDocument/2006/math">
+                      <m:sSub>
+                        <m:sSubPr>
+                          <m:ctrlPr>
+                            <a:rPr kumimoji="1" lang="en-US" altLang="ja-JP" sz="2400" b="0" i="1" smtClean="0">
+                              <a:latin typeface="Cambria Math" panose="02040503050406030204" pitchFamily="18" charset="0"/>
+                            </a:rPr>
+                          </m:ctrlPr>
+                        </m:sSubPr>
+                        <m:e>
+                          <m:r>
+                            <a:rPr kumimoji="1" lang="en-US" altLang="ja-JP" sz="2400" b="0" i="1" smtClean="0">
+                              <a:latin typeface="Cambria Math" panose="02040503050406030204" pitchFamily="18" charset="0"/>
+                            </a:rPr>
+                            <m:t>𝑉</m:t>
+                          </m:r>
+                        </m:e>
+                        <m:sub>
+                          <m:r>
+                            <a:rPr kumimoji="1" lang="en-US" altLang="ja-JP" sz="2400" b="0" i="1" smtClean="0">
+                              <a:latin typeface="Cambria Math" panose="02040503050406030204" pitchFamily="18" charset="0"/>
+                            </a:rPr>
+                            <m:t>𝑡h</m:t>
+                          </m:r>
+                        </m:sub>
+                      </m:sSub>
+                      <m:r>
+                        <a:rPr kumimoji="1" lang="en-US" altLang="ja-JP" sz="2400" b="0" i="1" smtClean="0">
+                          <a:latin typeface="Cambria Math" panose="02040503050406030204" pitchFamily="18" charset="0"/>
+                        </a:rPr>
+                        <m:t>+</m:t>
+                      </m:r>
+                      <m:sSub>
+                        <m:sSubPr>
+                          <m:ctrlPr>
+                            <a:rPr kumimoji="1" lang="en-US" altLang="ja-JP" sz="2400" b="0" i="1" smtClean="0">
+                              <a:latin typeface="Cambria Math" panose="02040503050406030204" pitchFamily="18" charset="0"/>
+                            </a:rPr>
+                          </m:ctrlPr>
+                        </m:sSubPr>
+                        <m:e>
+                          <m:r>
+                            <a:rPr kumimoji="1" lang="en-US" altLang="ja-JP" sz="2400" b="0" i="1" smtClean="0">
+                              <a:latin typeface="Cambria Math" panose="02040503050406030204" pitchFamily="18" charset="0"/>
+                            </a:rPr>
+                            <m:t>𝑉</m:t>
+                          </m:r>
+                        </m:e>
+                        <m:sub>
+                          <m:r>
+                            <a:rPr kumimoji="1" lang="en-US" altLang="ja-JP" sz="2400" b="0" i="1" smtClean="0">
+                              <a:latin typeface="Cambria Math" panose="02040503050406030204" pitchFamily="18" charset="0"/>
+                            </a:rPr>
+                            <m:t>𝐴𝐵</m:t>
+                          </m:r>
+                        </m:sub>
+                      </m:sSub>
+                      <m:r>
+                        <a:rPr kumimoji="1" lang="en-US" altLang="ja-JP" sz="2400" b="0" i="1" smtClean="0">
+                          <a:latin typeface="Cambria Math" panose="02040503050406030204" pitchFamily="18" charset="0"/>
+                        </a:rPr>
+                        <m:t>+</m:t>
+                      </m:r>
+                      <m:sSub>
+                        <m:sSubPr>
+                          <m:ctrlPr>
+                            <a:rPr kumimoji="1" lang="en-US" altLang="ja-JP" sz="2400" b="0" i="1" smtClean="0">
+                              <a:latin typeface="Cambria Math" panose="02040503050406030204" pitchFamily="18" charset="0"/>
+                            </a:rPr>
+                          </m:ctrlPr>
+                        </m:sSubPr>
+                        <m:e>
+                          <m:r>
+                            <a:rPr kumimoji="1" lang="en-US" altLang="ja-JP" sz="2400" b="0" i="1" smtClean="0">
+                              <a:latin typeface="Cambria Math" panose="02040503050406030204" pitchFamily="18" charset="0"/>
+                            </a:rPr>
+                            <m:t>𝑉</m:t>
+                          </m:r>
+                        </m:e>
+                        <m:sub>
+                          <m:r>
+                            <a:rPr kumimoji="1" lang="en-US" altLang="ja-JP" sz="2400" b="0" i="1" smtClean="0">
+                              <a:latin typeface="Cambria Math" panose="02040503050406030204" pitchFamily="18" charset="0"/>
+                            </a:rPr>
+                            <m:t>𝐶𝑇𝑅𝐿</m:t>
+                          </m:r>
+                        </m:sub>
+                      </m:sSub>
+                      <m:r>
+                        <a:rPr kumimoji="1" lang="en-US" altLang="ja-JP" sz="2400" b="0" i="1" smtClean="0">
+                          <a:latin typeface="Cambria Math" panose="02040503050406030204" pitchFamily="18" charset="0"/>
+                        </a:rPr>
+                        <m:t>&lt;</m:t>
+                      </m:r>
+                      <m:sSub>
+                        <m:sSubPr>
+                          <m:ctrlPr>
+                            <a:rPr kumimoji="1" lang="en-US" altLang="ja-JP" sz="2400" b="0" i="1" smtClean="0">
+                              <a:latin typeface="Cambria Math" panose="02040503050406030204" pitchFamily="18" charset="0"/>
+                            </a:rPr>
+                          </m:ctrlPr>
+                        </m:sSubPr>
+                        <m:e>
+                          <m:r>
+                            <a:rPr kumimoji="1" lang="en-US" altLang="ja-JP" sz="2400" b="0" i="1" smtClean="0">
+                              <a:latin typeface="Cambria Math" panose="02040503050406030204" pitchFamily="18" charset="0"/>
+                            </a:rPr>
+                            <m:t>𝑉</m:t>
+                          </m:r>
+                        </m:e>
+                        <m:sub>
+                          <m:r>
+                            <a:rPr kumimoji="1" lang="en-US" altLang="ja-JP" sz="2400" b="0" i="1" smtClean="0">
+                              <a:latin typeface="Cambria Math" panose="02040503050406030204" pitchFamily="18" charset="0"/>
+                            </a:rPr>
+                            <m:t>𝐴</m:t>
+                          </m:r>
+                        </m:sub>
+                      </m:sSub>
+                    </m:oMath>
+                  </m:oMathPara>
+                </a14:m>
+                <a:endParaRPr kumimoji="1" lang="en-US" altLang="ja-JP" sz="2400" dirty="0"/>
+              </a:p>
+              <a:p>
+                <a14:m>
+                  <m:oMathPara xmlns:m="http://schemas.openxmlformats.org/officeDocument/2006/math">
+                    <m:oMathParaPr>
+                      <m:jc m:val="centerGroup"/>
+                    </m:oMathParaPr>
+                    <m:oMath xmlns:m="http://schemas.openxmlformats.org/officeDocument/2006/math">
+                      <m:r>
+                        <a:rPr kumimoji="1" lang="en-US" altLang="ja-JP" sz="2400" b="0" i="1" smtClean="0">
+                          <a:latin typeface="Cambria Math" panose="02040503050406030204" pitchFamily="18" charset="0"/>
+                        </a:rPr>
+                        <m:t>0.5+0.6+0.2&lt;</m:t>
+                      </m:r>
+                      <m:sSub>
+                        <m:sSubPr>
+                          <m:ctrlPr>
+                            <a:rPr kumimoji="1" lang="en-US" altLang="ja-JP" sz="2400" b="0" i="1" smtClean="0">
+                              <a:latin typeface="Cambria Math" panose="02040503050406030204" pitchFamily="18" charset="0"/>
+                            </a:rPr>
+                          </m:ctrlPr>
+                        </m:sSubPr>
+                        <m:e>
+                          <m:r>
+                            <a:rPr kumimoji="1" lang="en-US" altLang="ja-JP" sz="2400" b="0" i="1" smtClean="0">
+                              <a:latin typeface="Cambria Math" panose="02040503050406030204" pitchFamily="18" charset="0"/>
+                            </a:rPr>
+                            <m:t>𝑉</m:t>
+                          </m:r>
+                        </m:e>
+                        <m:sub>
+                          <m:r>
+                            <a:rPr kumimoji="1" lang="en-US" altLang="ja-JP" sz="2400" b="0" i="1" smtClean="0">
+                              <a:latin typeface="Cambria Math" panose="02040503050406030204" pitchFamily="18" charset="0"/>
+                            </a:rPr>
+                            <m:t>𝐴</m:t>
+                          </m:r>
+                        </m:sub>
+                      </m:sSub>
+                    </m:oMath>
+                  </m:oMathPara>
+                </a14:m>
+                <a:endParaRPr kumimoji="1" lang="en-US" altLang="ja-JP" sz="2400" b="0" dirty="0"/>
+              </a:p>
+              <a:p>
+                <a:pPr algn="ctr"/>
+                <a14:m>
+                  <m:oMath xmlns:m="http://schemas.openxmlformats.org/officeDocument/2006/math">
+                    <m:r>
+                      <a:rPr kumimoji="1" lang="en-US" altLang="ja-JP" sz="2400" b="0" i="1" smtClean="0">
+                        <a:latin typeface="Cambria Math" panose="02040503050406030204" pitchFamily="18" charset="0"/>
+                      </a:rPr>
+                      <m:t>1.3&lt;</m:t>
+                    </m:r>
+                    <m:sSub>
+                      <m:sSubPr>
+                        <m:ctrlPr>
+                          <a:rPr kumimoji="1" lang="en-US" altLang="ja-JP" sz="2400" b="0" i="1" smtClean="0">
+                            <a:latin typeface="Cambria Math" panose="02040503050406030204" pitchFamily="18" charset="0"/>
+                          </a:rPr>
+                        </m:ctrlPr>
+                      </m:sSubPr>
+                      <m:e>
+                        <m:r>
+                          <a:rPr kumimoji="1" lang="en-US" altLang="ja-JP" sz="2400" b="0" i="1" smtClean="0">
+                            <a:latin typeface="Cambria Math" panose="02040503050406030204" pitchFamily="18" charset="0"/>
+                          </a:rPr>
+                          <m:t>𝑉</m:t>
+                        </m:r>
+                      </m:e>
+                      <m:sub>
+                        <m:r>
+                          <a:rPr kumimoji="1" lang="en-US" altLang="ja-JP" sz="2400" b="0" i="1" smtClean="0">
+                            <a:latin typeface="Cambria Math" panose="02040503050406030204" pitchFamily="18" charset="0"/>
+                          </a:rPr>
+                          <m:t>𝐴</m:t>
+                        </m:r>
+                      </m:sub>
+                    </m:sSub>
+                    <m:r>
+                      <a:rPr kumimoji="1" lang="en-US" altLang="ja-JP" sz="2400" b="0" i="1" smtClean="0">
+                        <a:latin typeface="Cambria Math" panose="02040503050406030204" pitchFamily="18" charset="0"/>
+                      </a:rPr>
+                      <m:t>&lt;1.6</m:t>
+                    </m:r>
+                  </m:oMath>
+                </a14:m>
+                <a:r>
+                  <a:rPr kumimoji="1" lang="en-US" altLang="ja-JP" sz="2400" dirty="0"/>
+                  <a:t>	</a:t>
+                </a:r>
+                <a14:m>
+                  <m:oMath xmlns:m="http://schemas.openxmlformats.org/officeDocument/2006/math">
+                    <m:d>
+                      <m:dPr>
+                        <m:ctrlPr>
+                          <a:rPr kumimoji="1" lang="en-US" altLang="ja-JP" sz="2400" b="0" i="1" smtClean="0">
+                            <a:latin typeface="Cambria Math" panose="02040503050406030204" pitchFamily="18" charset="0"/>
+                          </a:rPr>
+                        </m:ctrlPr>
+                      </m:dPr>
+                      <m:e>
+                        <m:r>
+                          <a:rPr kumimoji="1" lang="en-US" altLang="ja-JP" sz="2400" b="0" i="1" smtClean="0">
+                            <a:latin typeface="Cambria Math" panose="02040503050406030204" pitchFamily="18" charset="0"/>
+                          </a:rPr>
+                          <m:t>8</m:t>
+                        </m:r>
+                      </m:e>
+                    </m:d>
+                  </m:oMath>
+                </a14:m>
+                <a:endParaRPr kumimoji="1" lang="ja-JP" altLang="en-US" sz="2400" dirty="0"/>
               </a:p>
             </p:txBody>
           </p:sp>
@@ -8806,25 +10121,30 @@
         <mc:Fallback>
           <p:sp>
             <p:nvSpPr>
-              <p:cNvPr id="2" name="タイトル 1">
+              <p:cNvPr id="5" name="テキスト ボックス 4">
                 <a:extLst>
                   <a:ext uri="{FF2B5EF4-FFF2-40B4-BE49-F238E27FC236}">
-                    <a16:creationId xmlns:a16="http://schemas.microsoft.com/office/drawing/2014/main" id="{31A7171B-9D81-79F9-118A-29FBABD3349A}"/>
+                    <a16:creationId xmlns:a16="http://schemas.microsoft.com/office/drawing/2014/main" id="{36A086C2-A5A9-62C9-D035-CC282E3ABA57}"/>
                   </a:ext>
                 </a:extLst>
               </p:cNvPr>
-              <p:cNvSpPr>
-                <a:spLocks noGrp="1" noRot="1" noChangeAspect="1" noMove="1" noResize="1" noEditPoints="1" noAdjustHandles="1" noChangeArrowheads="1" noChangeShapeType="1" noTextEdit="1"/>
+              <p:cNvSpPr txBox="1">
+                <a:spLocks noRot="1" noChangeAspect="1" noMove="1" noResize="1" noEditPoints="1" noAdjustHandles="1" noChangeArrowheads="1" noChangeShapeType="1" noTextEdit="1"/>
               </p:cNvSpPr>
-              <p:nvPr>
-                <p:ph type="title"/>
-              </p:nvPr>
+              <p:nvPr/>
             </p:nvSpPr>
             <p:spPr>
+              <a:xfrm>
+                <a:off x="501445" y="1258529"/>
+                <a:ext cx="11189110" cy="4893647"/>
+              </a:xfrm>
+              <a:prstGeom prst="rect">
+                <a:avLst/>
+              </a:prstGeom>
               <a:blipFill>
                 <a:blip r:embed="rId2"/>
                 <a:stretch>
-                  <a:fillRect l="-2377"/>
+                  <a:fillRect l="-817" t="-872"/>
                 </a:stretch>
               </a:blipFill>
             </p:spPr>
@@ -8843,12 +10163,2095 @@
           </p:sp>
         </mc:Fallback>
       </mc:AlternateContent>
+    </p:spTree>
+    <p:extLst>
+      <p:ext uri="{BB962C8B-B14F-4D97-AF65-F5344CB8AC3E}">
+        <p14:creationId xmlns:p14="http://schemas.microsoft.com/office/powerpoint/2010/main" val="2309653789"/>
+      </p:ext>
+    </p:extLst>
+  </p:cSld>
+  <p:clrMapOvr>
+    <a:masterClrMapping/>
+  </p:clrMapOvr>
+</p:sld>
+</file>
+
+<file path=ppt/slides/slide6.xml><?xml version="1.0" encoding="utf-8"?>
+<p:sld xmlns:a="http://schemas.openxmlformats.org/drawingml/2006/main" xmlns:r="http://schemas.openxmlformats.org/officeDocument/2006/relationships" xmlns:p="http://schemas.openxmlformats.org/presentationml/2006/main">
+  <p:cSld>
+    <p:spTree>
+      <p:nvGrpSpPr>
+        <p:cNvPr id="1" name=""/>
+        <p:cNvGrpSpPr/>
+        <p:nvPr/>
+      </p:nvGrpSpPr>
+      <p:grpSpPr>
+        <a:xfrm>
+          <a:off x="0" y="0"/>
+          <a:ext cx="0" cy="0"/>
+          <a:chOff x="0" y="0"/>
+          <a:chExt cx="0" cy="0"/>
+        </a:xfrm>
+      </p:grpSpPr>
+      <p:sp>
+        <p:nvSpPr>
+          <p:cNvPr id="2" name="スライド番号プレースホルダー 1">
+            <a:extLst>
+              <a:ext uri="{FF2B5EF4-FFF2-40B4-BE49-F238E27FC236}">
+                <a16:creationId xmlns:a16="http://schemas.microsoft.com/office/drawing/2014/main" id="{F2B5F8A4-F835-95C0-8A00-BACF786F3855}"/>
+              </a:ext>
+            </a:extLst>
+          </p:cNvPr>
+          <p:cNvSpPr>
+            <a:spLocks noGrp="1"/>
+          </p:cNvSpPr>
+          <p:nvPr>
+            <p:ph type="sldNum" sz="quarter" idx="12"/>
+          </p:nvPr>
+        </p:nvSpPr>
+        <p:spPr/>
+        <p:txBody>
+          <a:bodyPr/>
+          <a:lstStyle/>
+          <a:p>
+            <a:fld id="{BAC09C9C-7DB0-444B-A568-405A39CC84C0}" type="slidenum">
+              <a:rPr kumimoji="1" lang="ja-JP" altLang="en-US" smtClean="0"/>
+              <a:t>6</a:t>
+            </a:fld>
+            <a:endParaRPr kumimoji="1" lang="ja-JP" altLang="en-US"/>
+          </a:p>
+        </p:txBody>
+      </p:sp>
+      <p:sp>
+        <p:nvSpPr>
+          <p:cNvPr id="3" name="タイトル 1">
+            <a:extLst>
+              <a:ext uri="{FF2B5EF4-FFF2-40B4-BE49-F238E27FC236}">
+                <a16:creationId xmlns:a16="http://schemas.microsoft.com/office/drawing/2014/main" id="{88701DC8-5263-8EB9-CEED-DAF7A5D7A8BE}"/>
+              </a:ext>
+            </a:extLst>
+          </p:cNvPr>
+          <p:cNvSpPr txBox="1">
+            <a:spLocks/>
+          </p:cNvSpPr>
+          <p:nvPr/>
+        </p:nvSpPr>
+        <p:spPr>
+          <a:xfrm>
+            <a:off x="838200" y="365125"/>
+            <a:ext cx="10515600" cy="1325563"/>
+          </a:xfrm>
+          <a:prstGeom prst="rect">
+            <a:avLst/>
+          </a:prstGeom>
+        </p:spPr>
+        <p:txBody>
+          <a:bodyPr/>
+          <a:lstStyle>
+            <a:lvl1pPr algn="l" defTabSz="914400" rtl="0" eaLnBrk="1" latinLnBrk="0" hangingPunct="1">
+              <a:lnSpc>
+                <a:spcPct val="90000"/>
+              </a:lnSpc>
+              <a:spcBef>
+                <a:spcPct val="0"/>
+              </a:spcBef>
+              <a:buNone/>
+              <a:defRPr kumimoji="1" sz="4400" kern="1200">
+                <a:solidFill>
+                  <a:schemeClr val="tx1"/>
+                </a:solidFill>
+                <a:latin typeface="+mj-lt"/>
+                <a:ea typeface="+mj-ea"/>
+                <a:cs typeface="+mj-cs"/>
+              </a:defRPr>
+            </a:lvl1pPr>
+          </a:lstStyle>
+          <a:p>
+            <a:r>
+              <a:rPr lang="ja-JP" altLang="en-US" dirty="0"/>
+              <a:t>直流設計</a:t>
+            </a:r>
+          </a:p>
+        </p:txBody>
+      </p:sp>
+      <mc:AlternateContent xmlns:mc="http://schemas.openxmlformats.org/markup-compatibility/2006">
+        <mc:Choice xmlns:a14="http://schemas.microsoft.com/office/drawing/2010/main" Requires="a14">
+          <p:sp>
+            <p:nvSpPr>
+              <p:cNvPr id="5" name="テキスト ボックス 4">
+                <a:extLst>
+                  <a:ext uri="{FF2B5EF4-FFF2-40B4-BE49-F238E27FC236}">
+                    <a16:creationId xmlns:a16="http://schemas.microsoft.com/office/drawing/2014/main" id="{777DF0F3-E4B3-C6C4-0689-E543146C3788}"/>
+                  </a:ext>
+                </a:extLst>
+              </p:cNvPr>
+              <p:cNvSpPr txBox="1"/>
+              <p:nvPr/>
+            </p:nvSpPr>
+            <p:spPr>
+              <a:xfrm>
+                <a:off x="334297" y="1793684"/>
+                <a:ext cx="11523406" cy="4154984"/>
+              </a:xfrm>
+              <a:prstGeom prst="rect">
+                <a:avLst/>
+              </a:prstGeom>
+              <a:noFill/>
+            </p:spPr>
+            <p:txBody>
+              <a:bodyPr wrap="square" rtlCol="0">
+                <a:spAutoFit/>
+              </a:bodyPr>
+              <a:lstStyle/>
+              <a:p>
+                <a:pPr algn="l"/>
+                <a14:m>
+                  <m:oMath xmlns:m="http://schemas.openxmlformats.org/officeDocument/2006/math">
+                    <m:d>
+                      <m:dPr>
+                        <m:ctrlPr>
+                          <a:rPr kumimoji="1" lang="en-US" altLang="ja-JP" sz="2400" b="0" i="1" smtClean="0">
+                            <a:latin typeface="Cambria Math" panose="02040503050406030204" pitchFamily="18" charset="0"/>
+                          </a:rPr>
+                        </m:ctrlPr>
+                      </m:dPr>
+                      <m:e>
+                        <m:r>
+                          <a:rPr kumimoji="1" lang="en-US" altLang="ja-JP" sz="2400" b="0" i="1" smtClean="0">
+                            <a:latin typeface="Cambria Math" panose="02040503050406030204" pitchFamily="18" charset="0"/>
+                          </a:rPr>
+                          <m:t>4</m:t>
+                        </m:r>
+                      </m:e>
+                    </m:d>
+                  </m:oMath>
+                </a14:m>
+                <a:r>
+                  <a:rPr kumimoji="1" lang="ja-JP" altLang="en-US" sz="2400" dirty="0"/>
+                  <a:t>式より</a:t>
+                </a:r>
+                <a:endParaRPr kumimoji="1" lang="en-US" altLang="ja-JP" sz="2400" dirty="0"/>
+              </a:p>
+              <a:p>
+                <a:pPr algn="l"/>
+                <a14:m>
+                  <m:oMathPara xmlns:m="http://schemas.openxmlformats.org/officeDocument/2006/math">
+                    <m:oMathParaPr>
+                      <m:jc m:val="centerGroup"/>
+                    </m:oMathParaPr>
+                    <m:oMath xmlns:m="http://schemas.openxmlformats.org/officeDocument/2006/math">
+                      <m:sSub>
+                        <m:sSubPr>
+                          <m:ctrlPr>
+                            <a:rPr lang="en-US" altLang="ja-JP" sz="2400" b="0" i="1" smtClean="0">
+                              <a:latin typeface="Cambria Math" panose="02040503050406030204" pitchFamily="18" charset="0"/>
+                            </a:rPr>
+                          </m:ctrlPr>
+                        </m:sSubPr>
+                        <m:e>
+                          <m:r>
+                            <a:rPr lang="en-US" altLang="ja-JP" sz="2400" b="0" i="1" smtClean="0">
+                              <a:latin typeface="Cambria Math" panose="02040503050406030204" pitchFamily="18" charset="0"/>
+                            </a:rPr>
+                            <m:t>𝑉</m:t>
+                          </m:r>
+                        </m:e>
+                        <m:sub>
+                          <m:r>
+                            <a:rPr lang="en-US" altLang="ja-JP" sz="2400" b="0" i="1" smtClean="0">
+                              <a:latin typeface="Cambria Math" panose="02040503050406030204" pitchFamily="18" charset="0"/>
+                            </a:rPr>
+                            <m:t>𝐵</m:t>
+                          </m:r>
+                        </m:sub>
+                      </m:sSub>
+                      <m:r>
+                        <a:rPr lang="en-US" altLang="ja-JP" sz="2400" b="0" i="1" smtClean="0">
+                          <a:latin typeface="Cambria Math" panose="02040503050406030204" pitchFamily="18" charset="0"/>
+                        </a:rPr>
+                        <m:t>+</m:t>
+                      </m:r>
+                      <m:sSub>
+                        <m:sSubPr>
+                          <m:ctrlPr>
+                            <a:rPr lang="en-US" altLang="ja-JP" sz="2400" b="0" i="1" smtClean="0">
+                              <a:latin typeface="Cambria Math" panose="02040503050406030204" pitchFamily="18" charset="0"/>
+                            </a:rPr>
+                          </m:ctrlPr>
+                        </m:sSubPr>
+                        <m:e>
+                          <m:r>
+                            <a:rPr lang="en-US" altLang="ja-JP" sz="2400" b="0" i="1" smtClean="0">
+                              <a:latin typeface="Cambria Math" panose="02040503050406030204" pitchFamily="18" charset="0"/>
+                            </a:rPr>
+                            <m:t>𝑣</m:t>
+                          </m:r>
+                        </m:e>
+                        <m:sub>
+                          <m:r>
+                            <a:rPr lang="en-US" altLang="ja-JP" sz="2400" b="0" i="1" smtClean="0">
+                              <a:latin typeface="Cambria Math" panose="02040503050406030204" pitchFamily="18" charset="0"/>
+                            </a:rPr>
+                            <m:t>𝑖𝑛</m:t>
+                          </m:r>
+                        </m:sub>
+                      </m:sSub>
+                      <m:r>
+                        <a:rPr lang="en-US" altLang="ja-JP" sz="2400" b="0" i="1" smtClean="0">
+                          <a:latin typeface="Cambria Math" panose="02040503050406030204" pitchFamily="18" charset="0"/>
+                        </a:rPr>
+                        <m:t>−</m:t>
+                      </m:r>
+                      <m:sSub>
+                        <m:sSubPr>
+                          <m:ctrlPr>
+                            <a:rPr lang="en-US" altLang="ja-JP" sz="2400" b="0" i="1" smtClean="0">
+                              <a:latin typeface="Cambria Math" panose="02040503050406030204" pitchFamily="18" charset="0"/>
+                            </a:rPr>
+                          </m:ctrlPr>
+                        </m:sSubPr>
+                        <m:e>
+                          <m:r>
+                            <a:rPr lang="en-US" altLang="ja-JP" sz="2400" b="0" i="1" smtClean="0">
+                              <a:latin typeface="Cambria Math" panose="02040503050406030204" pitchFamily="18" charset="0"/>
+                            </a:rPr>
+                            <m:t>𝑉</m:t>
+                          </m:r>
+                        </m:e>
+                        <m:sub>
+                          <m:r>
+                            <a:rPr lang="en-US" altLang="ja-JP" sz="2400" b="0" i="1" smtClean="0">
+                              <a:latin typeface="Cambria Math" panose="02040503050406030204" pitchFamily="18" charset="0"/>
+                            </a:rPr>
+                            <m:t>𝑡h</m:t>
+                          </m:r>
+                        </m:sub>
+                      </m:sSub>
+                      <m:r>
+                        <a:rPr lang="en-US" altLang="ja-JP" sz="2400" b="0" i="1" smtClean="0">
+                          <a:latin typeface="Cambria Math" panose="02040503050406030204" pitchFamily="18" charset="0"/>
+                        </a:rPr>
+                        <m:t>&lt;</m:t>
+                      </m:r>
+                      <m:sSub>
+                        <m:sSubPr>
+                          <m:ctrlPr>
+                            <a:rPr lang="en-US" altLang="ja-JP" sz="2400" b="0" i="1" smtClean="0">
+                              <a:latin typeface="Cambria Math" panose="02040503050406030204" pitchFamily="18" charset="0"/>
+                            </a:rPr>
+                          </m:ctrlPr>
+                        </m:sSubPr>
+                        <m:e>
+                          <m:r>
+                            <a:rPr lang="en-US" altLang="ja-JP" sz="2400" b="0" i="1" smtClean="0">
+                              <a:latin typeface="Cambria Math" panose="02040503050406030204" pitchFamily="18" charset="0"/>
+                            </a:rPr>
+                            <m:t>𝑉</m:t>
+                          </m:r>
+                        </m:e>
+                        <m:sub>
+                          <m:r>
+                            <a:rPr lang="en-US" altLang="ja-JP" sz="2400" b="0" i="1" smtClean="0">
+                              <a:latin typeface="Cambria Math" panose="02040503050406030204" pitchFamily="18" charset="0"/>
+                            </a:rPr>
+                            <m:t>𝐴𝐵</m:t>
+                          </m:r>
+                        </m:sub>
+                      </m:sSub>
+                    </m:oMath>
+                  </m:oMathPara>
+                </a14:m>
+                <a:endParaRPr kumimoji="1" lang="en-US" altLang="ja-JP" sz="2400" dirty="0"/>
+              </a:p>
+              <a:p>
+                <a:pPr algn="l"/>
+                <a14:m>
+                  <m:oMathPara xmlns:m="http://schemas.openxmlformats.org/officeDocument/2006/math">
+                    <m:oMathParaPr>
+                      <m:jc m:val="centerGroup"/>
+                    </m:oMathParaPr>
+                    <m:oMath xmlns:m="http://schemas.openxmlformats.org/officeDocument/2006/math">
+                      <m:sSub>
+                        <m:sSubPr>
+                          <m:ctrlPr>
+                            <a:rPr kumimoji="1" lang="en-US" altLang="ja-JP" sz="2400" b="0" i="1" smtClean="0">
+                              <a:latin typeface="Cambria Math" panose="02040503050406030204" pitchFamily="18" charset="0"/>
+                            </a:rPr>
+                          </m:ctrlPr>
+                        </m:sSubPr>
+                        <m:e>
+                          <m:r>
+                            <a:rPr kumimoji="1" lang="en-US" altLang="ja-JP" sz="2400" b="0" i="1" smtClean="0">
+                              <a:latin typeface="Cambria Math" panose="02040503050406030204" pitchFamily="18" charset="0"/>
+                            </a:rPr>
+                            <m:t>𝑉</m:t>
+                          </m:r>
+                        </m:e>
+                        <m:sub>
+                          <m:r>
+                            <a:rPr kumimoji="1" lang="en-US" altLang="ja-JP" sz="2400" b="0" i="1" smtClean="0">
+                              <a:latin typeface="Cambria Math" panose="02040503050406030204" pitchFamily="18" charset="0"/>
+                            </a:rPr>
+                            <m:t>𝐵</m:t>
+                          </m:r>
+                        </m:sub>
+                      </m:sSub>
+                      <m:r>
+                        <a:rPr kumimoji="1" lang="en-US" altLang="ja-JP" sz="2400" b="0" i="1" smtClean="0">
+                          <a:latin typeface="Cambria Math" panose="02040503050406030204" pitchFamily="18" charset="0"/>
+                        </a:rPr>
+                        <m:t>+0.2−0.5&lt;0.6</m:t>
+                      </m:r>
+                    </m:oMath>
+                  </m:oMathPara>
+                </a14:m>
+                <a:endParaRPr kumimoji="1" lang="en-US" altLang="ja-JP" sz="2400" b="0" dirty="0"/>
+              </a:p>
+              <a:p>
+                <a:pPr algn="l"/>
+                <a14:m>
+                  <m:oMathPara xmlns:m="http://schemas.openxmlformats.org/officeDocument/2006/math">
+                    <m:oMathParaPr>
+                      <m:jc m:val="centerGroup"/>
+                    </m:oMathParaPr>
+                    <m:oMath xmlns:m="http://schemas.openxmlformats.org/officeDocument/2006/math">
+                      <m:sSub>
+                        <m:sSubPr>
+                          <m:ctrlPr>
+                            <a:rPr kumimoji="1" lang="en-US" altLang="ja-JP" sz="2400" b="0" i="1" smtClean="0">
+                              <a:latin typeface="Cambria Math" panose="02040503050406030204" pitchFamily="18" charset="0"/>
+                            </a:rPr>
+                          </m:ctrlPr>
+                        </m:sSubPr>
+                        <m:e>
+                          <m:r>
+                            <a:rPr kumimoji="1" lang="en-US" altLang="ja-JP" sz="2400" b="0" i="1" smtClean="0">
+                              <a:latin typeface="Cambria Math" panose="02040503050406030204" pitchFamily="18" charset="0"/>
+                            </a:rPr>
+                            <m:t>𝑉</m:t>
+                          </m:r>
+                        </m:e>
+                        <m:sub>
+                          <m:r>
+                            <a:rPr kumimoji="1" lang="en-US" altLang="ja-JP" sz="2400" b="0" i="1" smtClean="0">
+                              <a:latin typeface="Cambria Math" panose="02040503050406030204" pitchFamily="18" charset="0"/>
+                            </a:rPr>
+                            <m:t>𝐵</m:t>
+                          </m:r>
+                        </m:sub>
+                      </m:sSub>
+                      <m:r>
+                        <a:rPr kumimoji="1" lang="en-US" altLang="ja-JP" sz="2400" b="0" i="1" smtClean="0">
+                          <a:latin typeface="Cambria Math" panose="02040503050406030204" pitchFamily="18" charset="0"/>
+                        </a:rPr>
+                        <m:t>&lt;0.9</m:t>
+                      </m:r>
+                    </m:oMath>
+                  </m:oMathPara>
+                </a14:m>
+                <a:endParaRPr kumimoji="1" lang="en-US" altLang="ja-JP" sz="2400" dirty="0"/>
+              </a:p>
+              <a:p>
+                <a:pPr algn="l"/>
+                <a14:m>
+                  <m:oMath xmlns:m="http://schemas.openxmlformats.org/officeDocument/2006/math">
+                    <m:d>
+                      <m:dPr>
+                        <m:ctrlPr>
+                          <a:rPr lang="en-US" altLang="ja-JP" sz="2400" b="0" i="1" smtClean="0">
+                            <a:latin typeface="Cambria Math" panose="02040503050406030204" pitchFamily="18" charset="0"/>
+                          </a:rPr>
+                        </m:ctrlPr>
+                      </m:dPr>
+                      <m:e>
+                        <m:r>
+                          <a:rPr lang="en-US" altLang="ja-JP" sz="2400" b="0" i="1" smtClean="0">
+                            <a:latin typeface="Cambria Math" panose="02040503050406030204" pitchFamily="18" charset="0"/>
+                          </a:rPr>
+                          <m:t>3</m:t>
+                        </m:r>
+                      </m:e>
+                    </m:d>
+                  </m:oMath>
+                </a14:m>
+                <a:r>
+                  <a:rPr lang="ja-JP" altLang="en-US" sz="2400" dirty="0"/>
+                  <a:t>式より</a:t>
+                </a:r>
+                <a:endParaRPr lang="en-US" altLang="ja-JP" sz="2400" dirty="0"/>
+              </a:p>
+              <a:p>
+                <a14:m>
+                  <m:oMathPara xmlns:m="http://schemas.openxmlformats.org/officeDocument/2006/math">
+                    <m:oMathParaPr>
+                      <m:jc m:val="centerGroup"/>
+                    </m:oMathParaPr>
+                    <m:oMath xmlns:m="http://schemas.openxmlformats.org/officeDocument/2006/math">
+                      <m:sSub>
+                        <m:sSubPr>
+                          <m:ctrlPr>
+                            <a:rPr lang="en-US" altLang="ja-JP" sz="2400" i="1">
+                              <a:latin typeface="Cambria Math" panose="02040503050406030204" pitchFamily="18" charset="0"/>
+                            </a:rPr>
+                          </m:ctrlPr>
+                        </m:sSubPr>
+                        <m:e>
+                          <m:r>
+                            <a:rPr lang="en-US" altLang="ja-JP" sz="2400" i="1">
+                              <a:latin typeface="Cambria Math" panose="02040503050406030204" pitchFamily="18" charset="0"/>
+                            </a:rPr>
+                            <m:t>𝑉</m:t>
+                          </m:r>
+                        </m:e>
+                        <m:sub>
+                          <m:r>
+                            <a:rPr lang="en-US" altLang="ja-JP" sz="2400" i="1">
+                              <a:latin typeface="Cambria Math" panose="02040503050406030204" pitchFamily="18" charset="0"/>
+                            </a:rPr>
+                            <m:t>𝑡h</m:t>
+                          </m:r>
+                        </m:sub>
+                      </m:sSub>
+                      <m:r>
+                        <a:rPr lang="en-US" altLang="ja-JP" sz="2400" i="1">
+                          <a:latin typeface="Cambria Math" panose="02040503050406030204" pitchFamily="18" charset="0"/>
+                        </a:rPr>
+                        <m:t>+</m:t>
+                      </m:r>
+                      <m:sSub>
+                        <m:sSubPr>
+                          <m:ctrlPr>
+                            <a:rPr lang="en-US" altLang="ja-JP" sz="2400" i="1">
+                              <a:latin typeface="Cambria Math" panose="02040503050406030204" pitchFamily="18" charset="0"/>
+                            </a:rPr>
+                          </m:ctrlPr>
+                        </m:sSubPr>
+                        <m:e>
+                          <m:r>
+                            <a:rPr lang="en-US" altLang="ja-JP" sz="2400" i="1">
+                              <a:latin typeface="Cambria Math" panose="02040503050406030204" pitchFamily="18" charset="0"/>
+                            </a:rPr>
+                            <m:t>𝑉</m:t>
+                          </m:r>
+                        </m:e>
+                        <m:sub>
+                          <m:r>
+                            <a:rPr lang="en-US" altLang="ja-JP" sz="2400" i="1">
+                              <a:latin typeface="Cambria Math" panose="02040503050406030204" pitchFamily="18" charset="0"/>
+                            </a:rPr>
+                            <m:t>𝑆</m:t>
+                          </m:r>
+                        </m:sub>
+                      </m:sSub>
+                      <m:r>
+                        <a:rPr lang="en-US" altLang="ja-JP" sz="2400" i="1">
+                          <a:latin typeface="Cambria Math" panose="02040503050406030204" pitchFamily="18" charset="0"/>
+                        </a:rPr>
+                        <m:t>+</m:t>
+                      </m:r>
+                      <m:sSub>
+                        <m:sSubPr>
+                          <m:ctrlPr>
+                            <a:rPr lang="en-US" altLang="ja-JP" sz="2400" i="1">
+                              <a:latin typeface="Cambria Math" panose="02040503050406030204" pitchFamily="18" charset="0"/>
+                            </a:rPr>
+                          </m:ctrlPr>
+                        </m:sSubPr>
+                        <m:e>
+                          <m:r>
+                            <a:rPr lang="en-US" altLang="ja-JP" sz="2400" i="1">
+                              <a:latin typeface="Cambria Math" panose="02040503050406030204" pitchFamily="18" charset="0"/>
+                            </a:rPr>
+                            <m:t>𝑣</m:t>
+                          </m:r>
+                        </m:e>
+                        <m:sub>
+                          <m:r>
+                            <a:rPr lang="en-US" altLang="ja-JP" sz="2400" i="1">
+                              <a:latin typeface="Cambria Math" panose="02040503050406030204" pitchFamily="18" charset="0"/>
+                            </a:rPr>
+                            <m:t>𝑖𝑛</m:t>
+                          </m:r>
+                        </m:sub>
+                      </m:sSub>
+                      <m:r>
+                        <a:rPr lang="en-US" altLang="ja-JP" sz="2400" i="1">
+                          <a:latin typeface="Cambria Math" panose="02040503050406030204" pitchFamily="18" charset="0"/>
+                        </a:rPr>
+                        <m:t>&lt;</m:t>
+                      </m:r>
+                      <m:sSub>
+                        <m:sSubPr>
+                          <m:ctrlPr>
+                            <a:rPr lang="en-US" altLang="ja-JP" sz="2400" i="1">
+                              <a:latin typeface="Cambria Math" panose="02040503050406030204" pitchFamily="18" charset="0"/>
+                            </a:rPr>
+                          </m:ctrlPr>
+                        </m:sSubPr>
+                        <m:e>
+                          <m:r>
+                            <a:rPr lang="en-US" altLang="ja-JP" sz="2400" i="1">
+                              <a:latin typeface="Cambria Math" panose="02040503050406030204" pitchFamily="18" charset="0"/>
+                            </a:rPr>
+                            <m:t>𝑉</m:t>
+                          </m:r>
+                        </m:e>
+                        <m:sub>
+                          <m:r>
+                            <a:rPr lang="en-US" altLang="ja-JP" sz="2400" i="1">
+                              <a:latin typeface="Cambria Math" panose="02040503050406030204" pitchFamily="18" charset="0"/>
+                            </a:rPr>
+                            <m:t>𝐵</m:t>
+                          </m:r>
+                        </m:sub>
+                      </m:sSub>
+                      <m:r>
+                        <a:rPr lang="en-US" altLang="ja-JP" sz="2400" i="1">
+                          <a:latin typeface="Cambria Math" panose="02040503050406030204" pitchFamily="18" charset="0"/>
+                        </a:rPr>
+                        <m:t>&lt;</m:t>
+                      </m:r>
+                      <m:sSub>
+                        <m:sSubPr>
+                          <m:ctrlPr>
+                            <a:rPr lang="en-US" altLang="ja-JP" sz="2400" i="1">
+                              <a:latin typeface="Cambria Math" panose="02040503050406030204" pitchFamily="18" charset="0"/>
+                            </a:rPr>
+                          </m:ctrlPr>
+                        </m:sSubPr>
+                        <m:e>
+                          <m:r>
+                            <a:rPr lang="en-US" altLang="ja-JP" sz="2400" i="1">
+                              <a:latin typeface="Cambria Math" panose="02040503050406030204" pitchFamily="18" charset="0"/>
+                            </a:rPr>
+                            <m:t>𝑉</m:t>
+                          </m:r>
+                        </m:e>
+                        <m:sub>
+                          <m:r>
+                            <a:rPr lang="en-US" altLang="ja-JP" sz="2400" i="1">
+                              <a:latin typeface="Cambria Math" panose="02040503050406030204" pitchFamily="18" charset="0"/>
+                            </a:rPr>
+                            <m:t>𝐴𝐵</m:t>
+                          </m:r>
+                        </m:sub>
+                      </m:sSub>
+                      <m:r>
+                        <a:rPr lang="en-US" altLang="ja-JP" sz="2400" i="1">
+                          <a:latin typeface="Cambria Math" panose="02040503050406030204" pitchFamily="18" charset="0"/>
+                        </a:rPr>
+                        <m:t>+</m:t>
+                      </m:r>
+                      <m:sSub>
+                        <m:sSubPr>
+                          <m:ctrlPr>
+                            <a:rPr lang="en-US" altLang="ja-JP" sz="2400" i="1">
+                              <a:latin typeface="Cambria Math" panose="02040503050406030204" pitchFamily="18" charset="0"/>
+                            </a:rPr>
+                          </m:ctrlPr>
+                        </m:sSubPr>
+                        <m:e>
+                          <m:r>
+                            <a:rPr lang="en-US" altLang="ja-JP" sz="2400" i="1">
+                              <a:latin typeface="Cambria Math" panose="02040503050406030204" pitchFamily="18" charset="0"/>
+                            </a:rPr>
+                            <m:t>𝑉</m:t>
+                          </m:r>
+                        </m:e>
+                        <m:sub>
+                          <m:r>
+                            <a:rPr lang="en-US" altLang="ja-JP" sz="2400" i="1">
+                              <a:latin typeface="Cambria Math" panose="02040503050406030204" pitchFamily="18" charset="0"/>
+                            </a:rPr>
+                            <m:t>𝑡h</m:t>
+                          </m:r>
+                        </m:sub>
+                      </m:sSub>
+                      <m:r>
+                        <a:rPr lang="en-US" altLang="ja-JP" sz="2400" i="1">
+                          <a:latin typeface="Cambria Math" panose="02040503050406030204" pitchFamily="18" charset="0"/>
+                        </a:rPr>
+                        <m:t>−</m:t>
+                      </m:r>
+                      <m:sSub>
+                        <m:sSubPr>
+                          <m:ctrlPr>
+                            <a:rPr lang="en-US" altLang="ja-JP" sz="2400" i="1">
+                              <a:latin typeface="Cambria Math" panose="02040503050406030204" pitchFamily="18" charset="0"/>
+                            </a:rPr>
+                          </m:ctrlPr>
+                        </m:sSubPr>
+                        <m:e>
+                          <m:r>
+                            <a:rPr lang="en-US" altLang="ja-JP" sz="2400" i="1">
+                              <a:latin typeface="Cambria Math" panose="02040503050406030204" pitchFamily="18" charset="0"/>
+                            </a:rPr>
+                            <m:t>𝑣</m:t>
+                          </m:r>
+                        </m:e>
+                        <m:sub>
+                          <m:r>
+                            <a:rPr lang="en-US" altLang="ja-JP" sz="2400" i="1">
+                              <a:latin typeface="Cambria Math" panose="02040503050406030204" pitchFamily="18" charset="0"/>
+                            </a:rPr>
+                            <m:t>𝑖𝑛</m:t>
+                          </m:r>
+                        </m:sub>
+                      </m:sSub>
+                    </m:oMath>
+                  </m:oMathPara>
+                </a14:m>
+                <a:endParaRPr lang="en-US" altLang="ja-JP" sz="2400" dirty="0"/>
+              </a:p>
+              <a:p>
+                <a14:m>
+                  <m:oMathPara xmlns:m="http://schemas.openxmlformats.org/officeDocument/2006/math">
+                    <m:oMathParaPr>
+                      <m:jc m:val="centerGroup"/>
+                    </m:oMathParaPr>
+                    <m:oMath xmlns:m="http://schemas.openxmlformats.org/officeDocument/2006/math">
+                      <m:r>
+                        <a:rPr lang="en-US" altLang="ja-JP" sz="2400" b="0" i="1" smtClean="0">
+                          <a:latin typeface="Cambria Math" panose="02040503050406030204" pitchFamily="18" charset="0"/>
+                        </a:rPr>
+                        <m:t>0.5+</m:t>
+                      </m:r>
+                      <m:sSub>
+                        <m:sSubPr>
+                          <m:ctrlPr>
+                            <a:rPr lang="en-US" altLang="ja-JP" sz="2400" b="0" i="1" smtClean="0">
+                              <a:latin typeface="Cambria Math" panose="02040503050406030204" pitchFamily="18" charset="0"/>
+                            </a:rPr>
+                          </m:ctrlPr>
+                        </m:sSubPr>
+                        <m:e>
+                          <m:r>
+                            <a:rPr lang="en-US" altLang="ja-JP" sz="2400" b="0" i="1" smtClean="0">
+                              <a:latin typeface="Cambria Math" panose="02040503050406030204" pitchFamily="18" charset="0"/>
+                            </a:rPr>
+                            <m:t>𝑉</m:t>
+                          </m:r>
+                        </m:e>
+                        <m:sub>
+                          <m:r>
+                            <a:rPr lang="en-US" altLang="ja-JP" sz="2400" b="0" i="1" smtClean="0">
+                              <a:latin typeface="Cambria Math" panose="02040503050406030204" pitchFamily="18" charset="0"/>
+                            </a:rPr>
+                            <m:t>𝑆</m:t>
+                          </m:r>
+                        </m:sub>
+                      </m:sSub>
+                      <m:r>
+                        <a:rPr lang="en-US" altLang="ja-JP" sz="2400" b="0" i="1" smtClean="0">
+                          <a:latin typeface="Cambria Math" panose="02040503050406030204" pitchFamily="18" charset="0"/>
+                        </a:rPr>
+                        <m:t>+0.2&lt;</m:t>
+                      </m:r>
+                      <m:sSub>
+                        <m:sSubPr>
+                          <m:ctrlPr>
+                            <a:rPr lang="en-US" altLang="ja-JP" sz="2400" b="0" i="1" smtClean="0">
+                              <a:latin typeface="Cambria Math" panose="02040503050406030204" pitchFamily="18" charset="0"/>
+                            </a:rPr>
+                          </m:ctrlPr>
+                        </m:sSubPr>
+                        <m:e>
+                          <m:r>
+                            <a:rPr lang="en-US" altLang="ja-JP" sz="2400" b="0" i="1" smtClean="0">
+                              <a:latin typeface="Cambria Math" panose="02040503050406030204" pitchFamily="18" charset="0"/>
+                            </a:rPr>
+                            <m:t>𝑉</m:t>
+                          </m:r>
+                        </m:e>
+                        <m:sub>
+                          <m:r>
+                            <a:rPr lang="en-US" altLang="ja-JP" sz="2400" b="0" i="1" smtClean="0">
+                              <a:latin typeface="Cambria Math" panose="02040503050406030204" pitchFamily="18" charset="0"/>
+                            </a:rPr>
+                            <m:t>𝐵</m:t>
+                          </m:r>
+                        </m:sub>
+                      </m:sSub>
+                    </m:oMath>
+                  </m:oMathPara>
+                </a14:m>
+                <a:endParaRPr lang="en-US" altLang="ja-JP" sz="2400" b="0" dirty="0"/>
+              </a:p>
+              <a:p>
+                <a:pPr algn="ctr"/>
+                <a14:m>
+                  <m:oMath xmlns:m="http://schemas.openxmlformats.org/officeDocument/2006/math">
+                    <m:sSub>
+                      <m:sSubPr>
+                        <m:ctrlPr>
+                          <a:rPr lang="en-US" altLang="ja-JP" sz="2400" b="0" i="1" smtClean="0">
+                            <a:latin typeface="Cambria Math" panose="02040503050406030204" pitchFamily="18" charset="0"/>
+                          </a:rPr>
+                        </m:ctrlPr>
+                      </m:sSubPr>
+                      <m:e>
+                        <m:r>
+                          <a:rPr lang="en-US" altLang="ja-JP" sz="2400" b="0" i="1" smtClean="0">
+                            <a:latin typeface="Cambria Math" panose="02040503050406030204" pitchFamily="18" charset="0"/>
+                          </a:rPr>
+                          <m:t>𝑉</m:t>
+                        </m:r>
+                      </m:e>
+                      <m:sub>
+                        <m:r>
+                          <a:rPr lang="en-US" altLang="ja-JP" sz="2400" b="0" i="1" smtClean="0">
+                            <a:latin typeface="Cambria Math" panose="02040503050406030204" pitchFamily="18" charset="0"/>
+                          </a:rPr>
+                          <m:t>𝑆</m:t>
+                        </m:r>
+                      </m:sub>
+                    </m:sSub>
+                    <m:r>
+                      <a:rPr lang="en-US" altLang="ja-JP" sz="2400" b="0" i="1" smtClean="0">
+                        <a:latin typeface="Cambria Math" panose="02040503050406030204" pitchFamily="18" charset="0"/>
+                      </a:rPr>
+                      <m:t>+0.7&lt;</m:t>
+                    </m:r>
+                    <m:sSub>
+                      <m:sSubPr>
+                        <m:ctrlPr>
+                          <a:rPr lang="en-US" altLang="ja-JP" sz="2400" b="0" i="1" smtClean="0">
+                            <a:latin typeface="Cambria Math" panose="02040503050406030204" pitchFamily="18" charset="0"/>
+                          </a:rPr>
+                        </m:ctrlPr>
+                      </m:sSubPr>
+                      <m:e>
+                        <m:r>
+                          <a:rPr lang="en-US" altLang="ja-JP" sz="2400" b="0" i="1" smtClean="0">
+                            <a:latin typeface="Cambria Math" panose="02040503050406030204" pitchFamily="18" charset="0"/>
+                          </a:rPr>
+                          <m:t>𝑉</m:t>
+                        </m:r>
+                      </m:e>
+                      <m:sub>
+                        <m:r>
+                          <a:rPr lang="en-US" altLang="ja-JP" sz="2400" b="0" i="1" smtClean="0">
+                            <a:latin typeface="Cambria Math" panose="02040503050406030204" pitchFamily="18" charset="0"/>
+                          </a:rPr>
+                          <m:t>𝐵</m:t>
+                        </m:r>
+                      </m:sub>
+                    </m:sSub>
+                    <m:r>
+                      <a:rPr lang="en-US" altLang="ja-JP" sz="2400" b="0" i="1" smtClean="0">
+                        <a:latin typeface="Cambria Math" panose="02040503050406030204" pitchFamily="18" charset="0"/>
+                      </a:rPr>
+                      <m:t>&lt;0.9</m:t>
+                    </m:r>
+                  </m:oMath>
+                </a14:m>
+                <a:r>
+                  <a:rPr lang="en-US" altLang="ja-JP" sz="2400" dirty="0"/>
+                  <a:t>		</a:t>
+                </a:r>
+                <a14:m>
+                  <m:oMath xmlns:m="http://schemas.openxmlformats.org/officeDocument/2006/math">
+                    <m:d>
+                      <m:dPr>
+                        <m:ctrlPr>
+                          <a:rPr lang="en-US" altLang="ja-JP" sz="2400" b="0" i="1" smtClean="0">
+                            <a:latin typeface="Cambria Math" panose="02040503050406030204" pitchFamily="18" charset="0"/>
+                          </a:rPr>
+                        </m:ctrlPr>
+                      </m:dPr>
+                      <m:e>
+                        <m:r>
+                          <a:rPr lang="en-US" altLang="ja-JP" sz="2400" b="0" i="1" smtClean="0">
+                            <a:latin typeface="Cambria Math" panose="02040503050406030204" pitchFamily="18" charset="0"/>
+                          </a:rPr>
+                          <m:t>9</m:t>
+                        </m:r>
+                      </m:e>
+                    </m:d>
+                  </m:oMath>
+                </a14:m>
+                <a:endParaRPr lang="en-US" altLang="ja-JP" sz="2400" dirty="0"/>
+              </a:p>
+              <a:p>
+                <a:pPr algn="l"/>
+                <a:r>
+                  <a:rPr kumimoji="1" lang="ja-JP" altLang="en-US" sz="2400" dirty="0"/>
+                  <a:t>と各電位の上限、下限が求められた。</a:t>
+                </a:r>
+                <a:endParaRPr kumimoji="1" lang="en-US" altLang="ja-JP" sz="2400" dirty="0"/>
+              </a:p>
+              <a:p>
+                <a:pPr algn="l"/>
+                <a:endParaRPr lang="en-US" altLang="ja-JP" sz="2400" dirty="0"/>
+              </a:p>
+              <a:p>
+                <a:pPr algn="l"/>
+                <a:endParaRPr kumimoji="1" lang="ja-JP" altLang="en-US" sz="2400" dirty="0"/>
+              </a:p>
+            </p:txBody>
+          </p:sp>
+        </mc:Choice>
+        <mc:Fallback>
+          <p:sp>
+            <p:nvSpPr>
+              <p:cNvPr id="5" name="テキスト ボックス 4">
+                <a:extLst>
+                  <a:ext uri="{FF2B5EF4-FFF2-40B4-BE49-F238E27FC236}">
+                    <a16:creationId xmlns:a16="http://schemas.microsoft.com/office/drawing/2014/main" id="{777DF0F3-E4B3-C6C4-0689-E543146C3788}"/>
+                  </a:ext>
+                </a:extLst>
+              </p:cNvPr>
+              <p:cNvSpPr txBox="1">
+                <a:spLocks noRot="1" noChangeAspect="1" noMove="1" noResize="1" noEditPoints="1" noAdjustHandles="1" noChangeArrowheads="1" noChangeShapeType="1" noTextEdit="1"/>
+              </p:cNvSpPr>
+              <p:nvPr/>
+            </p:nvSpPr>
+            <p:spPr>
+              <a:xfrm>
+                <a:off x="334297" y="1793684"/>
+                <a:ext cx="11523406" cy="4154984"/>
+              </a:xfrm>
+              <a:prstGeom prst="rect">
+                <a:avLst/>
+              </a:prstGeom>
+              <a:blipFill>
+                <a:blip r:embed="rId2"/>
+                <a:stretch>
+                  <a:fillRect l="-847" t="-1173"/>
+                </a:stretch>
+              </a:blipFill>
+            </p:spPr>
+            <p:txBody>
+              <a:bodyPr/>
+              <a:lstStyle/>
+              <a:p>
+                <a:r>
+                  <a:rPr lang="ja-JP" altLang="en-US">
+                    <a:noFill/>
+                  </a:rPr>
+                  <a:t> </a:t>
+                </a:r>
+              </a:p>
+            </p:txBody>
+          </p:sp>
+        </mc:Fallback>
+      </mc:AlternateContent>
+    </p:spTree>
+    <p:extLst>
+      <p:ext uri="{BB962C8B-B14F-4D97-AF65-F5344CB8AC3E}">
+        <p14:creationId xmlns:p14="http://schemas.microsoft.com/office/powerpoint/2010/main" val="2232352582"/>
+      </p:ext>
+    </p:extLst>
+  </p:cSld>
+  <p:clrMapOvr>
+    <a:masterClrMapping/>
+  </p:clrMapOvr>
+</p:sld>
+</file>
+
+<file path=ppt/slides/slide7.xml><?xml version="1.0" encoding="utf-8"?>
+<p:sld xmlns:a="http://schemas.openxmlformats.org/drawingml/2006/main" xmlns:r="http://schemas.openxmlformats.org/officeDocument/2006/relationships" xmlns:p="http://schemas.openxmlformats.org/presentationml/2006/main">
+  <p:cSld>
+    <p:spTree>
+      <p:nvGrpSpPr>
+        <p:cNvPr id="1" name=""/>
+        <p:cNvGrpSpPr/>
+        <p:nvPr/>
+      </p:nvGrpSpPr>
+      <p:grpSpPr>
+        <a:xfrm>
+          <a:off x="0" y="0"/>
+          <a:ext cx="0" cy="0"/>
+          <a:chOff x="0" y="0"/>
+          <a:chExt cx="0" cy="0"/>
+        </a:xfrm>
+      </p:grpSpPr>
+      <p:sp>
+        <p:nvSpPr>
+          <p:cNvPr id="2" name="スライド番号プレースホルダー 1">
+            <a:extLst>
+              <a:ext uri="{FF2B5EF4-FFF2-40B4-BE49-F238E27FC236}">
+                <a16:creationId xmlns:a16="http://schemas.microsoft.com/office/drawing/2014/main" id="{995E2874-9223-4EBC-7EB9-6A73D60EEC92}"/>
+              </a:ext>
+            </a:extLst>
+          </p:cNvPr>
+          <p:cNvSpPr>
+            <a:spLocks noGrp="1"/>
+          </p:cNvSpPr>
+          <p:nvPr>
+            <p:ph type="sldNum" sz="quarter" idx="12"/>
+          </p:nvPr>
+        </p:nvSpPr>
+        <p:spPr/>
+        <p:txBody>
+          <a:bodyPr/>
+          <a:lstStyle/>
+          <a:p>
+            <a:fld id="{BAC09C9C-7DB0-444B-A568-405A39CC84C0}" type="slidenum">
+              <a:rPr kumimoji="1" lang="ja-JP" altLang="en-US" smtClean="0"/>
+              <a:t>7</a:t>
+            </a:fld>
+            <a:endParaRPr kumimoji="1" lang="ja-JP" altLang="en-US"/>
+          </a:p>
+        </p:txBody>
+      </p:sp>
+      <mc:AlternateContent xmlns:mc="http://schemas.openxmlformats.org/markup-compatibility/2006">
+        <mc:Choice xmlns:a14="http://schemas.microsoft.com/office/drawing/2010/main" Requires="a14">
+          <p:sp>
+            <p:nvSpPr>
+              <p:cNvPr id="3" name="テキスト ボックス 2">
+                <a:extLst>
+                  <a:ext uri="{FF2B5EF4-FFF2-40B4-BE49-F238E27FC236}">
+                    <a16:creationId xmlns:a16="http://schemas.microsoft.com/office/drawing/2014/main" id="{26007400-3C2B-6289-98BB-D0E44B993CD7}"/>
+                  </a:ext>
+                </a:extLst>
+              </p:cNvPr>
+              <p:cNvSpPr txBox="1"/>
+              <p:nvPr/>
+            </p:nvSpPr>
+            <p:spPr>
+              <a:xfrm>
+                <a:off x="6577779" y="627359"/>
+                <a:ext cx="5702711" cy="5865516"/>
+              </a:xfrm>
+              <a:prstGeom prst="rect">
+                <a:avLst/>
+              </a:prstGeom>
+              <a:noFill/>
+            </p:spPr>
+            <p:txBody>
+              <a:bodyPr wrap="square" rtlCol="0">
+                <a:spAutoFit/>
+              </a:bodyPr>
+              <a:lstStyle/>
+              <a:p>
+                <a:pPr algn="ctr"/>
+                <a14:m>
+                  <m:oMath xmlns:m="http://schemas.openxmlformats.org/officeDocument/2006/math">
+                    <m:r>
+                      <a:rPr kumimoji="1" lang="en-US" altLang="ja-JP" sz="2400" b="0" i="1" smtClean="0">
+                        <a:latin typeface="Cambria Math" panose="02040503050406030204" pitchFamily="18" charset="0"/>
+                      </a:rPr>
+                      <m:t>0.6&lt;</m:t>
+                    </m:r>
+                    <m:sSub>
+                      <m:sSubPr>
+                        <m:ctrlPr>
+                          <a:rPr kumimoji="1" lang="en-US" altLang="ja-JP" sz="2400" b="0" i="1" smtClean="0">
+                            <a:latin typeface="Cambria Math" panose="02040503050406030204" pitchFamily="18" charset="0"/>
+                          </a:rPr>
+                        </m:ctrlPr>
+                      </m:sSubPr>
+                      <m:e>
+                        <m:r>
+                          <a:rPr kumimoji="1" lang="en-US" altLang="ja-JP" sz="2400" b="0" i="1" smtClean="0">
+                            <a:latin typeface="Cambria Math" panose="02040503050406030204" pitchFamily="18" charset="0"/>
+                          </a:rPr>
+                          <m:t>𝑉</m:t>
+                        </m:r>
+                      </m:e>
+                      <m:sub>
+                        <m:r>
+                          <a:rPr kumimoji="1" lang="en-US" altLang="ja-JP" sz="2400" b="0" i="1" smtClean="0">
+                            <a:latin typeface="Cambria Math" panose="02040503050406030204" pitchFamily="18" charset="0"/>
+                          </a:rPr>
+                          <m:t>𝐴𝐵</m:t>
+                        </m:r>
+                      </m:sub>
+                    </m:sSub>
+                    <m:r>
+                      <a:rPr kumimoji="1" lang="en-US" altLang="ja-JP" sz="2400" b="0" i="1" smtClean="0">
+                        <a:latin typeface="Cambria Math" panose="02040503050406030204" pitchFamily="18" charset="0"/>
+                      </a:rPr>
+                      <m:t>&lt;1.1</m:t>
+                    </m:r>
+                  </m:oMath>
+                </a14:m>
+                <a:r>
+                  <a:rPr kumimoji="1" lang="en-US" altLang="ja-JP" sz="2400" dirty="0"/>
+                  <a:t>	</a:t>
+                </a:r>
+                <a14:m>
+                  <m:oMath xmlns:m="http://schemas.openxmlformats.org/officeDocument/2006/math">
+                    <m:d>
+                      <m:dPr>
+                        <m:ctrlPr>
+                          <a:rPr kumimoji="1" lang="en-US" altLang="ja-JP" sz="2400" b="0" i="1" smtClean="0">
+                            <a:latin typeface="Cambria Math" panose="02040503050406030204" pitchFamily="18" charset="0"/>
+                          </a:rPr>
+                        </m:ctrlPr>
+                      </m:dPr>
+                      <m:e>
+                        <m:r>
+                          <a:rPr kumimoji="1" lang="en-US" altLang="ja-JP" sz="2400" b="0" i="1" smtClean="0">
+                            <a:latin typeface="Cambria Math" panose="02040503050406030204" pitchFamily="18" charset="0"/>
+                          </a:rPr>
+                          <m:t>7</m:t>
+                        </m:r>
+                      </m:e>
+                    </m:d>
+                  </m:oMath>
+                </a14:m>
+                <a:endParaRPr kumimoji="1" lang="en-US" altLang="ja-JP" sz="2400" dirty="0"/>
+              </a:p>
+              <a:p>
+                <a:pPr algn="ctr"/>
+                <a14:m>
+                  <m:oMath xmlns:m="http://schemas.openxmlformats.org/officeDocument/2006/math">
+                    <m:r>
+                      <a:rPr kumimoji="1" lang="en-US" altLang="ja-JP" sz="2400" b="0" i="1" smtClean="0">
+                        <a:latin typeface="Cambria Math" panose="02040503050406030204" pitchFamily="18" charset="0"/>
+                      </a:rPr>
+                      <m:t>1.3&lt;</m:t>
+                    </m:r>
+                    <m:sSub>
+                      <m:sSubPr>
+                        <m:ctrlPr>
+                          <a:rPr kumimoji="1" lang="en-US" altLang="ja-JP" sz="2400" b="0" i="1" smtClean="0">
+                            <a:latin typeface="Cambria Math" panose="02040503050406030204" pitchFamily="18" charset="0"/>
+                          </a:rPr>
+                        </m:ctrlPr>
+                      </m:sSubPr>
+                      <m:e>
+                        <m:r>
+                          <a:rPr kumimoji="1" lang="en-US" altLang="ja-JP" sz="2400" b="0" i="1" smtClean="0">
+                            <a:latin typeface="Cambria Math" panose="02040503050406030204" pitchFamily="18" charset="0"/>
+                          </a:rPr>
+                          <m:t>𝑉</m:t>
+                        </m:r>
+                      </m:e>
+                      <m:sub>
+                        <m:r>
+                          <a:rPr kumimoji="1" lang="en-US" altLang="ja-JP" sz="2400" b="0" i="1" smtClean="0">
+                            <a:latin typeface="Cambria Math" panose="02040503050406030204" pitchFamily="18" charset="0"/>
+                          </a:rPr>
+                          <m:t>𝐴</m:t>
+                        </m:r>
+                      </m:sub>
+                    </m:sSub>
+                    <m:r>
+                      <a:rPr kumimoji="1" lang="en-US" altLang="ja-JP" sz="2400" b="0" i="1" smtClean="0">
+                        <a:latin typeface="Cambria Math" panose="02040503050406030204" pitchFamily="18" charset="0"/>
+                      </a:rPr>
+                      <m:t>&lt;1.6</m:t>
+                    </m:r>
+                  </m:oMath>
+                </a14:m>
+                <a:r>
+                  <a:rPr kumimoji="1" lang="en-US" altLang="ja-JP" sz="2400" dirty="0"/>
+                  <a:t>	</a:t>
+                </a:r>
+                <a14:m>
+                  <m:oMath xmlns:m="http://schemas.openxmlformats.org/officeDocument/2006/math">
+                    <m:d>
+                      <m:dPr>
+                        <m:ctrlPr>
+                          <a:rPr kumimoji="1" lang="en-US" altLang="ja-JP" sz="2400" b="0" i="1" smtClean="0">
+                            <a:latin typeface="Cambria Math" panose="02040503050406030204" pitchFamily="18" charset="0"/>
+                          </a:rPr>
+                        </m:ctrlPr>
+                      </m:dPr>
+                      <m:e>
+                        <m:r>
+                          <a:rPr kumimoji="1" lang="en-US" altLang="ja-JP" sz="2400" b="0" i="1" smtClean="0">
+                            <a:latin typeface="Cambria Math" panose="02040503050406030204" pitchFamily="18" charset="0"/>
+                          </a:rPr>
+                          <m:t>8</m:t>
+                        </m:r>
+                      </m:e>
+                    </m:d>
+                  </m:oMath>
+                </a14:m>
+                <a:endParaRPr kumimoji="1" lang="ja-JP" altLang="en-US" sz="2400" dirty="0"/>
+              </a:p>
+              <a:p>
+                <a:pPr algn="ctr"/>
+                <a14:m>
+                  <m:oMath xmlns:m="http://schemas.openxmlformats.org/officeDocument/2006/math">
+                    <m:sSub>
+                      <m:sSubPr>
+                        <m:ctrlPr>
+                          <a:rPr lang="en-US" altLang="ja-JP" sz="2400" b="0" i="1" smtClean="0">
+                            <a:latin typeface="Cambria Math" panose="02040503050406030204" pitchFamily="18" charset="0"/>
+                          </a:rPr>
+                        </m:ctrlPr>
+                      </m:sSubPr>
+                      <m:e>
+                        <m:r>
+                          <a:rPr lang="en-US" altLang="ja-JP" sz="2400" b="0" i="1" smtClean="0">
+                            <a:latin typeface="Cambria Math" panose="02040503050406030204" pitchFamily="18" charset="0"/>
+                          </a:rPr>
+                          <m:t>𝑉</m:t>
+                        </m:r>
+                      </m:e>
+                      <m:sub>
+                        <m:r>
+                          <a:rPr lang="en-US" altLang="ja-JP" sz="2400" b="0" i="1" smtClean="0">
+                            <a:latin typeface="Cambria Math" panose="02040503050406030204" pitchFamily="18" charset="0"/>
+                          </a:rPr>
+                          <m:t>𝑆</m:t>
+                        </m:r>
+                      </m:sub>
+                    </m:sSub>
+                    <m:r>
+                      <a:rPr lang="en-US" altLang="ja-JP" sz="2400" b="0" i="1" smtClean="0">
+                        <a:latin typeface="Cambria Math" panose="02040503050406030204" pitchFamily="18" charset="0"/>
+                      </a:rPr>
+                      <m:t>+0.7&lt;</m:t>
+                    </m:r>
+                    <m:sSub>
+                      <m:sSubPr>
+                        <m:ctrlPr>
+                          <a:rPr lang="en-US" altLang="ja-JP" sz="2400" b="0" i="1" smtClean="0">
+                            <a:latin typeface="Cambria Math" panose="02040503050406030204" pitchFamily="18" charset="0"/>
+                          </a:rPr>
+                        </m:ctrlPr>
+                      </m:sSubPr>
+                      <m:e>
+                        <m:r>
+                          <a:rPr lang="en-US" altLang="ja-JP" sz="2400" b="0" i="1" smtClean="0">
+                            <a:latin typeface="Cambria Math" panose="02040503050406030204" pitchFamily="18" charset="0"/>
+                          </a:rPr>
+                          <m:t>𝑉</m:t>
+                        </m:r>
+                      </m:e>
+                      <m:sub>
+                        <m:r>
+                          <a:rPr lang="en-US" altLang="ja-JP" sz="2400" b="0" i="1" smtClean="0">
+                            <a:latin typeface="Cambria Math" panose="02040503050406030204" pitchFamily="18" charset="0"/>
+                          </a:rPr>
+                          <m:t>𝐵</m:t>
+                        </m:r>
+                      </m:sub>
+                    </m:sSub>
+                    <m:r>
+                      <a:rPr lang="en-US" altLang="ja-JP" sz="2400" b="0" i="1" smtClean="0">
+                        <a:latin typeface="Cambria Math" panose="02040503050406030204" pitchFamily="18" charset="0"/>
+                      </a:rPr>
+                      <m:t>&lt;0.9</m:t>
+                    </m:r>
+                  </m:oMath>
+                </a14:m>
+                <a:r>
+                  <a:rPr lang="en-US" altLang="ja-JP" sz="2400" dirty="0"/>
+                  <a:t>		</a:t>
+                </a:r>
+                <a14:m>
+                  <m:oMath xmlns:m="http://schemas.openxmlformats.org/officeDocument/2006/math">
+                    <m:d>
+                      <m:dPr>
+                        <m:ctrlPr>
+                          <a:rPr lang="en-US" altLang="ja-JP" sz="2400" b="0" i="1" smtClean="0">
+                            <a:latin typeface="Cambria Math" panose="02040503050406030204" pitchFamily="18" charset="0"/>
+                          </a:rPr>
+                        </m:ctrlPr>
+                      </m:dPr>
+                      <m:e>
+                        <m:r>
+                          <a:rPr lang="en-US" altLang="ja-JP" sz="2400" b="0" i="1" smtClean="0">
+                            <a:latin typeface="Cambria Math" panose="02040503050406030204" pitchFamily="18" charset="0"/>
+                          </a:rPr>
+                          <m:t>9</m:t>
+                        </m:r>
+                      </m:e>
+                    </m:d>
+                  </m:oMath>
+                </a14:m>
+                <a:endParaRPr kumimoji="1" lang="en-US" altLang="ja-JP" sz="2400" dirty="0"/>
+              </a:p>
+              <a:p>
+                <a:endParaRPr kumimoji="1" lang="en-US" altLang="ja-JP" sz="2400" dirty="0"/>
+              </a:p>
+              <a:p>
+                <a:r>
+                  <a:rPr kumimoji="1" lang="ja-JP" altLang="en-US" sz="2400" dirty="0"/>
+                  <a:t>ギルバート乗算回路の利得について、</a:t>
+                </a:r>
+                <a:endParaRPr kumimoji="1" lang="en-US" altLang="ja-JP" sz="2400" dirty="0"/>
+              </a:p>
+              <a:p>
+                <a14:m>
+                  <m:oMathPara xmlns:m="http://schemas.openxmlformats.org/officeDocument/2006/math">
+                    <m:oMathParaPr>
+                      <m:jc m:val="centerGroup"/>
+                    </m:oMathParaPr>
+                    <m:oMath xmlns:m="http://schemas.openxmlformats.org/officeDocument/2006/math">
+                      <m:sSub>
+                        <m:sSubPr>
+                          <m:ctrlPr>
+                            <a:rPr kumimoji="1" lang="en-US" altLang="ja-JP" sz="2400" b="0" i="1" smtClean="0">
+                              <a:latin typeface="Cambria Math" panose="02040503050406030204" pitchFamily="18" charset="0"/>
+                            </a:rPr>
+                          </m:ctrlPr>
+                        </m:sSubPr>
+                        <m:e>
+                          <m:r>
+                            <a:rPr kumimoji="1" lang="en-US" altLang="ja-JP" sz="2400" b="0" i="1" smtClean="0">
+                              <a:latin typeface="Cambria Math" panose="02040503050406030204" pitchFamily="18" charset="0"/>
+                            </a:rPr>
+                            <m:t>𝑣</m:t>
+                          </m:r>
+                        </m:e>
+                        <m:sub>
+                          <m:r>
+                            <a:rPr kumimoji="1" lang="en-US" altLang="ja-JP" sz="2400" b="0" i="1" smtClean="0">
+                              <a:latin typeface="Cambria Math" panose="02040503050406030204" pitchFamily="18" charset="0"/>
+                            </a:rPr>
+                            <m:t>𝑜𝑢𝑡</m:t>
+                          </m:r>
+                        </m:sub>
+                      </m:sSub>
+                      <m:r>
+                        <a:rPr kumimoji="1" lang="en-US" altLang="ja-JP" sz="2400" b="0" i="1" smtClean="0">
+                          <a:latin typeface="Cambria Math" panose="02040503050406030204" pitchFamily="18" charset="0"/>
+                        </a:rPr>
+                        <m:t>≡</m:t>
+                      </m:r>
+                      <m:r>
+                        <m:rPr>
+                          <m:sty m:val="p"/>
+                        </m:rPr>
+                        <a:rPr kumimoji="1" lang="en-US" altLang="ja-JP" sz="2400" b="0" i="0" smtClean="0">
+                          <a:latin typeface="Cambria Math" panose="02040503050406030204" pitchFamily="18" charset="0"/>
+                        </a:rPr>
+                        <m:t>Δ</m:t>
+                      </m:r>
+                      <m:r>
+                        <a:rPr kumimoji="1" lang="en-US" altLang="ja-JP" sz="2400" b="0" i="1" smtClean="0">
+                          <a:latin typeface="Cambria Math" panose="02040503050406030204" pitchFamily="18" charset="0"/>
+                        </a:rPr>
+                        <m:t>𝑣</m:t>
+                      </m:r>
+                      <m:r>
+                        <a:rPr kumimoji="1" lang="en-US" altLang="ja-JP" sz="2400" b="0" i="1" smtClean="0">
+                          <a:latin typeface="Cambria Math" panose="02040503050406030204" pitchFamily="18" charset="0"/>
+                        </a:rPr>
+                        <m:t>−</m:t>
+                      </m:r>
+                      <m:d>
+                        <m:dPr>
+                          <m:ctrlPr>
+                            <a:rPr kumimoji="1" lang="en-US" altLang="ja-JP" sz="2400" b="0" i="1" smtClean="0">
+                              <a:latin typeface="Cambria Math" panose="02040503050406030204" pitchFamily="18" charset="0"/>
+                            </a:rPr>
+                          </m:ctrlPr>
+                        </m:dPr>
+                        <m:e>
+                          <m:r>
+                            <a:rPr kumimoji="1" lang="en-US" altLang="ja-JP" sz="2400" b="0" i="1" smtClean="0">
+                              <a:latin typeface="Cambria Math" panose="02040503050406030204" pitchFamily="18" charset="0"/>
+                            </a:rPr>
+                            <m:t>−</m:t>
+                          </m:r>
+                          <m:r>
+                            <m:rPr>
+                              <m:sty m:val="p"/>
+                            </m:rPr>
+                            <a:rPr kumimoji="1" lang="en-US" altLang="ja-JP" sz="2400" b="0" i="0" smtClean="0">
+                              <a:latin typeface="Cambria Math" panose="02040503050406030204" pitchFamily="18" charset="0"/>
+                            </a:rPr>
+                            <m:t>Δ</m:t>
+                          </m:r>
+                          <m:r>
+                            <a:rPr kumimoji="1" lang="en-US" altLang="ja-JP" sz="2400" b="0" i="1" smtClean="0">
+                              <a:latin typeface="Cambria Math" panose="02040503050406030204" pitchFamily="18" charset="0"/>
+                            </a:rPr>
+                            <m:t>𝑣</m:t>
+                          </m:r>
+                        </m:e>
+                      </m:d>
+                      <m:r>
+                        <a:rPr kumimoji="1" lang="en-US" altLang="ja-JP" sz="2400" b="0" i="1" smtClean="0">
+                          <a:latin typeface="Cambria Math" panose="02040503050406030204" pitchFamily="18" charset="0"/>
+                        </a:rPr>
+                        <m:t>=2</m:t>
+                      </m:r>
+                      <m:r>
+                        <m:rPr>
+                          <m:sty m:val="p"/>
+                        </m:rPr>
+                        <a:rPr kumimoji="1" lang="en-US" altLang="ja-JP" sz="2400" b="0" i="0" smtClean="0">
+                          <a:latin typeface="Cambria Math" panose="02040503050406030204" pitchFamily="18" charset="0"/>
+                        </a:rPr>
+                        <m:t>Δ</m:t>
+                      </m:r>
+                      <m:r>
+                        <a:rPr kumimoji="1" lang="en-US" altLang="ja-JP" sz="2400" b="0" i="1" smtClean="0">
+                          <a:latin typeface="Cambria Math" panose="02040503050406030204" pitchFamily="18" charset="0"/>
+                        </a:rPr>
+                        <m:t>𝑣</m:t>
+                      </m:r>
+                    </m:oMath>
+                  </m:oMathPara>
+                </a14:m>
+                <a:endParaRPr kumimoji="1" lang="en-US" altLang="ja-JP" sz="2400" b="0" dirty="0"/>
+              </a:p>
+              <a:p>
+                <a14:m>
+                  <m:oMathPara xmlns:m="http://schemas.openxmlformats.org/officeDocument/2006/math">
+                    <m:oMathParaPr>
+                      <m:jc m:val="centerGroup"/>
+                    </m:oMathParaPr>
+                    <m:oMath xmlns:m="http://schemas.openxmlformats.org/officeDocument/2006/math">
+                      <m:r>
+                        <a:rPr kumimoji="1" lang="en-US" altLang="ja-JP" sz="2400" b="0" i="1" smtClean="0">
+                          <a:latin typeface="Cambria Math" panose="02040503050406030204" pitchFamily="18" charset="0"/>
+                        </a:rPr>
+                        <m:t>=4</m:t>
+                      </m:r>
+                      <m:rad>
+                        <m:radPr>
+                          <m:degHide m:val="on"/>
+                          <m:ctrlPr>
+                            <a:rPr kumimoji="1" lang="en-US" altLang="ja-JP" sz="2400" b="0" i="1" smtClean="0">
+                              <a:latin typeface="Cambria Math" panose="02040503050406030204" pitchFamily="18" charset="0"/>
+                            </a:rPr>
+                          </m:ctrlPr>
+                        </m:radPr>
+                        <m:deg/>
+                        <m:e>
+                          <m:r>
+                            <a:rPr kumimoji="1" lang="en-US" altLang="ja-JP" sz="2400" b="0" i="1" smtClean="0">
+                              <a:latin typeface="Cambria Math" panose="02040503050406030204" pitchFamily="18" charset="0"/>
+                            </a:rPr>
+                            <m:t>2</m:t>
+                          </m:r>
+                          <m:sSub>
+                            <m:sSubPr>
+                              <m:ctrlPr>
+                                <a:rPr kumimoji="1" lang="en-US" altLang="ja-JP" sz="2400" b="0" i="1" smtClean="0">
+                                  <a:latin typeface="Cambria Math" panose="02040503050406030204" pitchFamily="18" charset="0"/>
+                                </a:rPr>
+                              </m:ctrlPr>
+                            </m:sSubPr>
+                            <m:e>
+                              <m:r>
+                                <a:rPr kumimoji="1" lang="en-US" altLang="ja-JP" sz="2400" b="0" i="1" smtClean="0">
+                                  <a:latin typeface="Cambria Math" panose="02040503050406030204" pitchFamily="18" charset="0"/>
+                                </a:rPr>
+                                <m:t>𝐾</m:t>
+                              </m:r>
+                            </m:e>
+                            <m:sub>
+                              <m:r>
+                                <a:rPr kumimoji="1" lang="en-US" altLang="ja-JP" sz="2400" b="0" i="1" smtClean="0">
+                                  <a:latin typeface="Cambria Math" panose="02040503050406030204" pitchFamily="18" charset="0"/>
+                                </a:rPr>
+                                <m:t>𝐴</m:t>
+                              </m:r>
+                            </m:sub>
+                          </m:sSub>
+                          <m:sSub>
+                            <m:sSubPr>
+                              <m:ctrlPr>
+                                <a:rPr kumimoji="1" lang="en-US" altLang="ja-JP" sz="2400" b="0" i="1" smtClean="0">
+                                  <a:latin typeface="Cambria Math" panose="02040503050406030204" pitchFamily="18" charset="0"/>
+                                </a:rPr>
+                              </m:ctrlPr>
+                            </m:sSubPr>
+                            <m:e>
+                              <m:r>
+                                <a:rPr kumimoji="1" lang="en-US" altLang="ja-JP" sz="2400" b="0" i="1" smtClean="0">
+                                  <a:latin typeface="Cambria Math" panose="02040503050406030204" pitchFamily="18" charset="0"/>
+                                </a:rPr>
+                                <m:t>𝐾</m:t>
+                              </m:r>
+                            </m:e>
+                            <m:sub>
+                              <m:r>
+                                <a:rPr kumimoji="1" lang="en-US" altLang="ja-JP" sz="2400" b="0" i="1" smtClean="0">
+                                  <a:latin typeface="Cambria Math" panose="02040503050406030204" pitchFamily="18" charset="0"/>
+                                </a:rPr>
+                                <m:t>𝐵</m:t>
+                              </m:r>
+                            </m:sub>
+                          </m:sSub>
+                        </m:e>
+                      </m:rad>
+                      <m:r>
+                        <a:rPr kumimoji="1" lang="en-US" altLang="ja-JP" sz="2400" b="0" i="1" smtClean="0">
+                          <a:latin typeface="Cambria Math" panose="02040503050406030204" pitchFamily="18" charset="0"/>
+                        </a:rPr>
+                        <m:t>⋅</m:t>
+                      </m:r>
+                      <m:sSub>
+                        <m:sSubPr>
+                          <m:ctrlPr>
+                            <a:rPr kumimoji="1" lang="en-US" altLang="ja-JP" sz="2400" b="0" i="1" smtClean="0">
+                              <a:latin typeface="Cambria Math" panose="02040503050406030204" pitchFamily="18" charset="0"/>
+                            </a:rPr>
+                          </m:ctrlPr>
+                        </m:sSubPr>
+                        <m:e>
+                          <m:r>
+                            <a:rPr kumimoji="1" lang="en-US" altLang="ja-JP" sz="2400" b="0" i="1" smtClean="0">
+                              <a:latin typeface="Cambria Math" panose="02040503050406030204" pitchFamily="18" charset="0"/>
+                            </a:rPr>
+                            <m:t>𝑉</m:t>
+                          </m:r>
+                        </m:e>
+                        <m:sub>
+                          <m:r>
+                            <a:rPr kumimoji="1" lang="en-US" altLang="ja-JP" sz="2400" b="0" i="1" smtClean="0">
+                              <a:latin typeface="Cambria Math" panose="02040503050406030204" pitchFamily="18" charset="0"/>
+                            </a:rPr>
+                            <m:t>𝐶𝑇𝑅𝐿</m:t>
+                          </m:r>
+                        </m:sub>
+                      </m:sSub>
+                      <m:r>
+                        <a:rPr kumimoji="1" lang="en-US" altLang="ja-JP" sz="2400" b="0" i="1" smtClean="0">
+                          <a:latin typeface="Cambria Math" panose="02040503050406030204" pitchFamily="18" charset="0"/>
+                        </a:rPr>
+                        <m:t>⋅</m:t>
+                      </m:r>
+                      <m:sSub>
+                        <m:sSubPr>
+                          <m:ctrlPr>
+                            <a:rPr kumimoji="1" lang="en-US" altLang="ja-JP" sz="2400" b="0" i="1" smtClean="0">
+                              <a:latin typeface="Cambria Math" panose="02040503050406030204" pitchFamily="18" charset="0"/>
+                            </a:rPr>
+                          </m:ctrlPr>
+                        </m:sSubPr>
+                        <m:e>
+                          <m:r>
+                            <a:rPr kumimoji="1" lang="en-US" altLang="ja-JP" sz="2400" b="0" i="1" smtClean="0">
+                              <a:latin typeface="Cambria Math" panose="02040503050406030204" pitchFamily="18" charset="0"/>
+                            </a:rPr>
+                            <m:t>𝑣</m:t>
+                          </m:r>
+                        </m:e>
+                        <m:sub>
+                          <m:r>
+                            <a:rPr kumimoji="1" lang="en-US" altLang="ja-JP" sz="2400" b="0" i="1" smtClean="0">
+                              <a:latin typeface="Cambria Math" panose="02040503050406030204" pitchFamily="18" charset="0"/>
+                            </a:rPr>
+                            <m:t>𝑖𝑛</m:t>
+                          </m:r>
+                        </m:sub>
+                      </m:sSub>
+                    </m:oMath>
+                  </m:oMathPara>
+                </a14:m>
+                <a:endParaRPr kumimoji="1" lang="en-US" altLang="ja-JP" sz="2400" dirty="0"/>
+              </a:p>
+              <a:p>
+                <a:r>
+                  <a:rPr lang="ja-JP" altLang="en-US" sz="2400" dirty="0"/>
+                  <a:t>で計算できる。ただし、</a:t>
+                </a:r>
+                <a14:m>
+                  <m:oMath xmlns:m="http://schemas.openxmlformats.org/officeDocument/2006/math">
+                    <m:sSub>
+                      <m:sSubPr>
+                        <m:ctrlPr>
+                          <a:rPr lang="en-US" altLang="ja-JP" sz="2400" i="1">
+                            <a:latin typeface="Cambria Math" panose="02040503050406030204" pitchFamily="18" charset="0"/>
+                          </a:rPr>
+                        </m:ctrlPr>
+                      </m:sSubPr>
+                      <m:e>
+                        <m:r>
+                          <a:rPr lang="en-US" altLang="ja-JP" sz="2400" i="1">
+                            <a:latin typeface="Cambria Math" panose="02040503050406030204" pitchFamily="18" charset="0"/>
+                          </a:rPr>
+                          <m:t>𝐾</m:t>
+                        </m:r>
+                      </m:e>
+                      <m:sub>
+                        <m:r>
+                          <a:rPr lang="en-US" altLang="ja-JP" sz="2400" i="1">
+                            <a:latin typeface="Cambria Math" panose="02040503050406030204" pitchFamily="18" charset="0"/>
+                          </a:rPr>
+                          <m:t>𝐴</m:t>
+                        </m:r>
+                      </m:sub>
+                    </m:sSub>
+                    <m:r>
+                      <a:rPr lang="en-US" altLang="ja-JP" sz="2400" b="0" i="1" smtClean="0">
+                        <a:latin typeface="Cambria Math" panose="02040503050406030204" pitchFamily="18" charset="0"/>
+                      </a:rPr>
+                      <m:t>,</m:t>
+                    </m:r>
+                    <m:sSub>
+                      <m:sSubPr>
+                        <m:ctrlPr>
+                          <a:rPr lang="en-US" altLang="ja-JP" sz="2400" i="1">
+                            <a:latin typeface="Cambria Math" panose="02040503050406030204" pitchFamily="18" charset="0"/>
+                          </a:rPr>
+                        </m:ctrlPr>
+                      </m:sSubPr>
+                      <m:e>
+                        <m:r>
+                          <a:rPr lang="en-US" altLang="ja-JP" sz="2400" i="1">
+                            <a:latin typeface="Cambria Math" panose="02040503050406030204" pitchFamily="18" charset="0"/>
+                          </a:rPr>
+                          <m:t>𝐾</m:t>
+                        </m:r>
+                      </m:e>
+                      <m:sub>
+                        <m:r>
+                          <a:rPr lang="en-US" altLang="ja-JP" sz="2400" i="1">
+                            <a:latin typeface="Cambria Math" panose="02040503050406030204" pitchFamily="18" charset="0"/>
+                          </a:rPr>
+                          <m:t>𝐵</m:t>
+                        </m:r>
+                      </m:sub>
+                    </m:sSub>
+                  </m:oMath>
+                </a14:m>
+                <a:r>
+                  <a:rPr kumimoji="1" lang="ja-JP" altLang="en-US" sz="2400" dirty="0"/>
+                  <a:t>はそれぞれ</a:t>
+                </a:r>
+                <a14:m>
+                  <m:oMath xmlns:m="http://schemas.openxmlformats.org/officeDocument/2006/math">
+                    <m:sSub>
+                      <m:sSubPr>
+                        <m:ctrlPr>
+                          <a:rPr kumimoji="1" lang="en-US" altLang="ja-JP" sz="2400" b="0" i="1" smtClean="0">
+                            <a:latin typeface="Cambria Math" panose="02040503050406030204" pitchFamily="18" charset="0"/>
+                          </a:rPr>
+                        </m:ctrlPr>
+                      </m:sSubPr>
+                      <m:e>
+                        <m:r>
+                          <a:rPr kumimoji="1" lang="en-US" altLang="ja-JP" sz="2400" b="0" i="1" smtClean="0">
+                            <a:latin typeface="Cambria Math" panose="02040503050406030204" pitchFamily="18" charset="0"/>
+                          </a:rPr>
+                          <m:t>𝑀</m:t>
+                        </m:r>
+                      </m:e>
+                      <m:sub>
+                        <m:r>
+                          <a:rPr kumimoji="1" lang="en-US" altLang="ja-JP" sz="2400" b="0" i="1" smtClean="0">
+                            <a:latin typeface="Cambria Math" panose="02040503050406030204" pitchFamily="18" charset="0"/>
+                          </a:rPr>
+                          <m:t>𝐴</m:t>
+                        </m:r>
+                      </m:sub>
+                    </m:sSub>
+                    <m:r>
+                      <a:rPr kumimoji="1" lang="en-US" altLang="ja-JP" sz="2400" b="0" i="1" smtClean="0">
+                        <a:latin typeface="Cambria Math" panose="02040503050406030204" pitchFamily="18" charset="0"/>
+                      </a:rPr>
+                      <m:t>,</m:t>
+                    </m:r>
+                    <m:sSub>
+                      <m:sSubPr>
+                        <m:ctrlPr>
+                          <a:rPr kumimoji="1" lang="en-US" altLang="ja-JP" sz="2400" b="0" i="1" smtClean="0">
+                            <a:latin typeface="Cambria Math" panose="02040503050406030204" pitchFamily="18" charset="0"/>
+                          </a:rPr>
+                        </m:ctrlPr>
+                      </m:sSubPr>
+                      <m:e>
+                        <m:r>
+                          <a:rPr kumimoji="1" lang="en-US" altLang="ja-JP" sz="2400" b="0" i="1" smtClean="0">
+                            <a:latin typeface="Cambria Math" panose="02040503050406030204" pitchFamily="18" charset="0"/>
+                          </a:rPr>
+                          <m:t>𝑀</m:t>
+                        </m:r>
+                      </m:e>
+                      <m:sub>
+                        <m:r>
+                          <a:rPr kumimoji="1" lang="en-US" altLang="ja-JP" sz="2400" b="0" i="1" smtClean="0">
+                            <a:latin typeface="Cambria Math" panose="02040503050406030204" pitchFamily="18" charset="0"/>
+                          </a:rPr>
+                          <m:t>𝐵</m:t>
+                        </m:r>
+                      </m:sub>
+                    </m:sSub>
+                  </m:oMath>
+                </a14:m>
+                <a:r>
+                  <a:rPr kumimoji="1" lang="ja-JP" altLang="en-US" sz="2400" dirty="0"/>
+                  <a:t>の</a:t>
+                </a:r>
+                <a14:m>
+                  <m:oMath xmlns:m="http://schemas.openxmlformats.org/officeDocument/2006/math">
+                    <m:f>
+                      <m:fPr>
+                        <m:ctrlPr>
+                          <a:rPr kumimoji="1" lang="en-US" altLang="ja-JP" sz="2400" b="0" i="1" dirty="0" smtClean="0">
+                            <a:latin typeface="Cambria Math" panose="02040503050406030204" pitchFamily="18" charset="0"/>
+                          </a:rPr>
+                        </m:ctrlPr>
+                      </m:fPr>
+                      <m:num>
+                        <m:r>
+                          <a:rPr kumimoji="1" lang="en-US" altLang="ja-JP" sz="2400" b="0" i="1" dirty="0" smtClean="0">
+                            <a:latin typeface="Cambria Math" panose="02040503050406030204" pitchFamily="18" charset="0"/>
+                          </a:rPr>
+                          <m:t>𝜇</m:t>
+                        </m:r>
+                        <m:sSub>
+                          <m:sSubPr>
+                            <m:ctrlPr>
+                              <a:rPr kumimoji="1" lang="en-US" altLang="ja-JP" sz="2400" b="0" i="1" dirty="0" smtClean="0">
+                                <a:latin typeface="Cambria Math" panose="02040503050406030204" pitchFamily="18" charset="0"/>
+                              </a:rPr>
+                            </m:ctrlPr>
+                          </m:sSubPr>
+                          <m:e>
+                            <m:r>
+                              <a:rPr kumimoji="1" lang="en-US" altLang="ja-JP" sz="2400" b="0" i="1" dirty="0" smtClean="0">
+                                <a:latin typeface="Cambria Math" panose="02040503050406030204" pitchFamily="18" charset="0"/>
+                              </a:rPr>
+                              <m:t>𝐶</m:t>
+                            </m:r>
+                          </m:e>
+                          <m:sub>
+                            <m:r>
+                              <a:rPr kumimoji="1" lang="en-US" altLang="ja-JP" sz="2400" b="0" i="1" dirty="0" smtClean="0">
+                                <a:latin typeface="Cambria Math" panose="02040503050406030204" pitchFamily="18" charset="0"/>
+                              </a:rPr>
+                              <m:t>𝑜𝑥</m:t>
+                            </m:r>
+                          </m:sub>
+                        </m:sSub>
+                      </m:num>
+                      <m:den>
+                        <m:r>
+                          <a:rPr kumimoji="1" lang="en-US" altLang="ja-JP" sz="2400" b="0" i="1" dirty="0" smtClean="0">
+                            <a:latin typeface="Cambria Math" panose="02040503050406030204" pitchFamily="18" charset="0"/>
+                          </a:rPr>
+                          <m:t>2</m:t>
+                        </m:r>
+                      </m:den>
+                    </m:f>
+                    <m:r>
+                      <a:rPr kumimoji="1" lang="en-US" altLang="ja-JP" sz="2400" b="0" i="1" dirty="0" smtClean="0">
+                        <a:latin typeface="Cambria Math" panose="02040503050406030204" pitchFamily="18" charset="0"/>
+                      </a:rPr>
+                      <m:t>⋅</m:t>
+                    </m:r>
+                    <m:f>
+                      <m:fPr>
+                        <m:ctrlPr>
+                          <a:rPr kumimoji="1" lang="en-US" altLang="ja-JP" sz="2400" b="0" i="1" dirty="0" smtClean="0">
+                            <a:latin typeface="Cambria Math" panose="02040503050406030204" pitchFamily="18" charset="0"/>
+                          </a:rPr>
+                        </m:ctrlPr>
+                      </m:fPr>
+                      <m:num>
+                        <m:r>
+                          <a:rPr kumimoji="1" lang="en-US" altLang="ja-JP" sz="2400" b="0" i="1" dirty="0" smtClean="0">
+                            <a:latin typeface="Cambria Math" panose="02040503050406030204" pitchFamily="18" charset="0"/>
+                          </a:rPr>
+                          <m:t>𝑊</m:t>
+                        </m:r>
+                      </m:num>
+                      <m:den>
+                        <m:r>
+                          <a:rPr kumimoji="1" lang="en-US" altLang="ja-JP" sz="2400" b="0" i="1" dirty="0" smtClean="0">
+                            <a:latin typeface="Cambria Math" panose="02040503050406030204" pitchFamily="18" charset="0"/>
+                          </a:rPr>
+                          <m:t>𝐿</m:t>
+                        </m:r>
+                      </m:den>
+                    </m:f>
+                  </m:oMath>
+                </a14:m>
+                <a:r>
+                  <a:rPr kumimoji="1" lang="ja-JP" altLang="en-US" sz="2400" dirty="0"/>
+                  <a:t>である。</a:t>
+                </a:r>
+                <a:endParaRPr kumimoji="1" lang="en-US" altLang="ja-JP" sz="2400" dirty="0"/>
+              </a:p>
+              <a:p>
+                <a14:m>
+                  <m:oMath xmlns:m="http://schemas.openxmlformats.org/officeDocument/2006/math">
+                    <m:sSub>
+                      <m:sSubPr>
+                        <m:ctrlPr>
+                          <a:rPr kumimoji="1" lang="en-US" altLang="ja-JP" sz="2400" b="0" i="1" smtClean="0">
+                            <a:latin typeface="Cambria Math" panose="02040503050406030204" pitchFamily="18" charset="0"/>
+                          </a:rPr>
+                        </m:ctrlPr>
+                      </m:sSubPr>
+                      <m:e>
+                        <m:r>
+                          <a:rPr kumimoji="1" lang="en-US" altLang="ja-JP" sz="2400" b="0" i="1" smtClean="0">
+                            <a:latin typeface="Cambria Math" panose="02040503050406030204" pitchFamily="18" charset="0"/>
+                          </a:rPr>
+                          <m:t>𝑀</m:t>
+                        </m:r>
+                      </m:e>
+                      <m:sub>
+                        <m:r>
+                          <a:rPr kumimoji="1" lang="en-US" altLang="ja-JP" sz="2400" b="0" i="1" smtClean="0">
+                            <a:latin typeface="Cambria Math" panose="02040503050406030204" pitchFamily="18" charset="0"/>
+                          </a:rPr>
+                          <m:t>𝐴</m:t>
+                        </m:r>
+                      </m:sub>
+                    </m:sSub>
+                    <m:r>
+                      <a:rPr kumimoji="1" lang="en-US" altLang="ja-JP" sz="2400" b="0" i="1" smtClean="0">
+                        <a:latin typeface="Cambria Math" panose="02040503050406030204" pitchFamily="18" charset="0"/>
+                      </a:rPr>
+                      <m:t>,</m:t>
+                    </m:r>
+                    <m:sSub>
+                      <m:sSubPr>
+                        <m:ctrlPr>
+                          <a:rPr kumimoji="1" lang="en-US" altLang="ja-JP" sz="2400" b="0" i="1" smtClean="0">
+                            <a:latin typeface="Cambria Math" panose="02040503050406030204" pitchFamily="18" charset="0"/>
+                          </a:rPr>
+                        </m:ctrlPr>
+                      </m:sSubPr>
+                      <m:e>
+                        <m:r>
+                          <a:rPr kumimoji="1" lang="en-US" altLang="ja-JP" sz="2400" b="0" i="1" smtClean="0">
+                            <a:latin typeface="Cambria Math" panose="02040503050406030204" pitchFamily="18" charset="0"/>
+                          </a:rPr>
+                          <m:t>𝑀</m:t>
+                        </m:r>
+                      </m:e>
+                      <m:sub>
+                        <m:r>
+                          <a:rPr kumimoji="1" lang="en-US" altLang="ja-JP" sz="2400" b="0" i="1" smtClean="0">
+                            <a:latin typeface="Cambria Math" panose="02040503050406030204" pitchFamily="18" charset="0"/>
+                          </a:rPr>
+                          <m:t>𝐵</m:t>
+                        </m:r>
+                      </m:sub>
+                    </m:sSub>
+                  </m:oMath>
+                </a14:m>
+                <a:r>
+                  <a:rPr kumimoji="1" lang="ja-JP" altLang="en-US" sz="2400" dirty="0"/>
+                  <a:t>の</a:t>
+                </a:r>
+                <a14:m>
+                  <m:oMath xmlns:m="http://schemas.openxmlformats.org/officeDocument/2006/math">
+                    <m:sSub>
+                      <m:sSubPr>
+                        <m:ctrlPr>
+                          <a:rPr kumimoji="1" lang="en-US" altLang="ja-JP" sz="2400" b="0" i="1" dirty="0" smtClean="0">
+                            <a:latin typeface="Cambria Math" panose="02040503050406030204" pitchFamily="18" charset="0"/>
+                          </a:rPr>
+                        </m:ctrlPr>
+                      </m:sSubPr>
+                      <m:e>
+                        <m:r>
+                          <a:rPr kumimoji="1" lang="en-US" altLang="ja-JP" sz="2400" b="0" i="1" dirty="0" smtClean="0">
+                            <a:latin typeface="Cambria Math" panose="02040503050406030204" pitchFamily="18" charset="0"/>
+                          </a:rPr>
+                          <m:t>𝑉</m:t>
+                        </m:r>
+                      </m:e>
+                      <m:sub>
+                        <m:r>
+                          <a:rPr kumimoji="1" lang="en-US" altLang="ja-JP" sz="2400" b="0" i="1" dirty="0" smtClean="0">
+                            <a:latin typeface="Cambria Math" panose="02040503050406030204" pitchFamily="18" charset="0"/>
+                          </a:rPr>
+                          <m:t>𝐺𝑆</m:t>
+                        </m:r>
+                      </m:sub>
+                    </m:sSub>
+                  </m:oMath>
+                </a14:m>
+                <a:r>
+                  <a:rPr kumimoji="1" lang="ja-JP" altLang="en-US" sz="2400" dirty="0"/>
+                  <a:t>がそれぞれ等しいとき、電流の比から</a:t>
+                </a:r>
+                <a:endParaRPr kumimoji="1" lang="en-US" altLang="ja-JP" sz="2400" dirty="0"/>
+              </a:p>
+              <a:p>
+                <a14:m>
+                  <m:oMathPara xmlns:m="http://schemas.openxmlformats.org/officeDocument/2006/math">
+                    <m:oMathParaPr>
+                      <m:jc m:val="centerGroup"/>
+                    </m:oMathParaPr>
+                    <m:oMath xmlns:m="http://schemas.openxmlformats.org/officeDocument/2006/math">
+                      <m:sSub>
+                        <m:sSubPr>
+                          <m:ctrlPr>
+                            <a:rPr kumimoji="1" lang="en-US" altLang="ja-JP" sz="2400" b="0" i="1" smtClean="0">
+                              <a:latin typeface="Cambria Math" panose="02040503050406030204" pitchFamily="18" charset="0"/>
+                            </a:rPr>
+                          </m:ctrlPr>
+                        </m:sSubPr>
+                        <m:e>
+                          <m:r>
+                            <a:rPr kumimoji="1" lang="en-US" altLang="ja-JP" sz="2400" b="0" i="1" smtClean="0">
+                              <a:latin typeface="Cambria Math" panose="02040503050406030204" pitchFamily="18" charset="0"/>
+                            </a:rPr>
+                            <m:t>𝐾</m:t>
+                          </m:r>
+                        </m:e>
+                        <m:sub>
+                          <m:r>
+                            <a:rPr kumimoji="1" lang="en-US" altLang="ja-JP" sz="2400" b="0" i="1" smtClean="0">
+                              <a:latin typeface="Cambria Math" panose="02040503050406030204" pitchFamily="18" charset="0"/>
+                            </a:rPr>
+                            <m:t>𝐵</m:t>
+                          </m:r>
+                        </m:sub>
+                      </m:sSub>
+                      <m:r>
+                        <a:rPr kumimoji="1" lang="en-US" altLang="ja-JP" sz="2400" b="0" i="1" smtClean="0">
+                          <a:latin typeface="Cambria Math" panose="02040503050406030204" pitchFamily="18" charset="0"/>
+                        </a:rPr>
+                        <m:t>=2</m:t>
+                      </m:r>
+                      <m:sSub>
+                        <m:sSubPr>
+                          <m:ctrlPr>
+                            <a:rPr kumimoji="1" lang="en-US" altLang="ja-JP" sz="2400" b="0" i="1" smtClean="0">
+                              <a:latin typeface="Cambria Math" panose="02040503050406030204" pitchFamily="18" charset="0"/>
+                            </a:rPr>
+                          </m:ctrlPr>
+                        </m:sSubPr>
+                        <m:e>
+                          <m:r>
+                            <a:rPr kumimoji="1" lang="en-US" altLang="ja-JP" sz="2400" b="0" i="1" smtClean="0">
+                              <a:latin typeface="Cambria Math" panose="02040503050406030204" pitchFamily="18" charset="0"/>
+                            </a:rPr>
+                            <m:t>𝐾</m:t>
+                          </m:r>
+                        </m:e>
+                        <m:sub>
+                          <m:r>
+                            <a:rPr kumimoji="1" lang="en-US" altLang="ja-JP" sz="2400" b="0" i="1" smtClean="0">
+                              <a:latin typeface="Cambria Math" panose="02040503050406030204" pitchFamily="18" charset="0"/>
+                            </a:rPr>
+                            <m:t>𝐴</m:t>
+                          </m:r>
+                        </m:sub>
+                      </m:sSub>
+                    </m:oMath>
+                  </m:oMathPara>
+                </a14:m>
+                <a:endParaRPr kumimoji="1" lang="en-US" altLang="ja-JP" sz="2400" dirty="0"/>
+              </a:p>
+              <a:p>
+                <a:r>
+                  <a:rPr lang="ja-JP" altLang="en-US" sz="2400" dirty="0"/>
+                  <a:t>である。したがって</a:t>
+                </a:r>
+                <a:endParaRPr lang="en-US" altLang="ja-JP" sz="2400" dirty="0"/>
+              </a:p>
+              <a:p>
+                <a14:m>
+                  <m:oMathPara xmlns:m="http://schemas.openxmlformats.org/officeDocument/2006/math">
+                    <m:oMathParaPr>
+                      <m:jc m:val="centerGroup"/>
+                    </m:oMathParaPr>
+                    <m:oMath xmlns:m="http://schemas.openxmlformats.org/officeDocument/2006/math">
+                      <m:r>
+                        <a:rPr kumimoji="1" lang="en-US" altLang="ja-JP" sz="2400" b="0" i="1" smtClean="0">
+                          <a:latin typeface="Cambria Math" panose="02040503050406030204" pitchFamily="18" charset="0"/>
+                        </a:rPr>
+                        <m:t>8</m:t>
+                      </m:r>
+                      <m:sSub>
+                        <m:sSubPr>
+                          <m:ctrlPr>
+                            <a:rPr kumimoji="1" lang="en-US" altLang="ja-JP" sz="2400" b="0" i="1" smtClean="0">
+                              <a:latin typeface="Cambria Math" panose="02040503050406030204" pitchFamily="18" charset="0"/>
+                            </a:rPr>
+                          </m:ctrlPr>
+                        </m:sSubPr>
+                        <m:e>
+                          <m:r>
+                            <a:rPr kumimoji="1" lang="en-US" altLang="ja-JP" sz="2400" b="0" i="1" smtClean="0">
+                              <a:latin typeface="Cambria Math" panose="02040503050406030204" pitchFamily="18" charset="0"/>
+                            </a:rPr>
+                            <m:t>𝐾</m:t>
+                          </m:r>
+                        </m:e>
+                        <m:sub>
+                          <m:r>
+                            <a:rPr kumimoji="1" lang="en-US" altLang="ja-JP" sz="2400" b="0" i="1" smtClean="0">
+                              <a:latin typeface="Cambria Math" panose="02040503050406030204" pitchFamily="18" charset="0"/>
+                            </a:rPr>
+                            <m:t>𝐴</m:t>
+                          </m:r>
+                        </m:sub>
+                      </m:sSub>
+                      <m:r>
+                        <a:rPr kumimoji="1" lang="en-US" altLang="ja-JP" sz="2400" b="0" i="1" smtClean="0">
+                          <a:latin typeface="Cambria Math" panose="02040503050406030204" pitchFamily="18" charset="0"/>
+                        </a:rPr>
+                        <m:t>⋅</m:t>
+                      </m:r>
+                      <m:sSub>
+                        <m:sSubPr>
+                          <m:ctrlPr>
+                            <a:rPr kumimoji="1" lang="en-US" altLang="ja-JP" sz="2400" b="0" i="1" smtClean="0">
+                              <a:latin typeface="Cambria Math" panose="02040503050406030204" pitchFamily="18" charset="0"/>
+                            </a:rPr>
+                          </m:ctrlPr>
+                        </m:sSubPr>
+                        <m:e>
+                          <m:r>
+                            <a:rPr kumimoji="1" lang="en-US" altLang="ja-JP" sz="2400" b="0" i="1" smtClean="0">
+                              <a:latin typeface="Cambria Math" panose="02040503050406030204" pitchFamily="18" charset="0"/>
+                            </a:rPr>
+                            <m:t>𝑉</m:t>
+                          </m:r>
+                        </m:e>
+                        <m:sub>
+                          <m:r>
+                            <a:rPr kumimoji="1" lang="en-US" altLang="ja-JP" sz="2400" b="0" i="1" smtClean="0">
+                              <a:latin typeface="Cambria Math" panose="02040503050406030204" pitchFamily="18" charset="0"/>
+                            </a:rPr>
+                            <m:t>𝐶𝑇𝑅𝐿</m:t>
+                          </m:r>
+                        </m:sub>
+                      </m:sSub>
+                      <m:r>
+                        <a:rPr kumimoji="1" lang="en-US" altLang="ja-JP" sz="2400" b="0" i="1" smtClean="0">
+                          <a:latin typeface="Cambria Math" panose="02040503050406030204" pitchFamily="18" charset="0"/>
+                        </a:rPr>
+                        <m:t>⋅</m:t>
+                      </m:r>
+                      <m:sSub>
+                        <m:sSubPr>
+                          <m:ctrlPr>
+                            <a:rPr kumimoji="1" lang="en-US" altLang="ja-JP" sz="2400" b="0" i="1" smtClean="0">
+                              <a:latin typeface="Cambria Math" panose="02040503050406030204" pitchFamily="18" charset="0"/>
+                            </a:rPr>
+                          </m:ctrlPr>
+                        </m:sSubPr>
+                        <m:e>
+                          <m:r>
+                            <a:rPr kumimoji="1" lang="en-US" altLang="ja-JP" sz="2400" b="0" i="1" smtClean="0">
+                              <a:latin typeface="Cambria Math" panose="02040503050406030204" pitchFamily="18" charset="0"/>
+                            </a:rPr>
+                            <m:t>𝑣</m:t>
+                          </m:r>
+                        </m:e>
+                        <m:sub>
+                          <m:r>
+                            <a:rPr kumimoji="1" lang="en-US" altLang="ja-JP" sz="2400" b="0" i="1" smtClean="0">
+                              <a:latin typeface="Cambria Math" panose="02040503050406030204" pitchFamily="18" charset="0"/>
+                            </a:rPr>
+                            <m:t>𝑖𝑛</m:t>
+                          </m:r>
+                        </m:sub>
+                      </m:sSub>
+                    </m:oMath>
+                  </m:oMathPara>
+                </a14:m>
+                <a:endParaRPr kumimoji="1" lang="en-US" altLang="ja-JP" sz="2400" dirty="0"/>
+              </a:p>
+              <a:p>
+                <a:r>
+                  <a:rPr lang="ja-JP" altLang="en-US" sz="2400" dirty="0"/>
+                  <a:t>である。</a:t>
+                </a:r>
+                <a:endParaRPr kumimoji="1" lang="en-US" altLang="ja-JP" sz="2400" dirty="0"/>
+              </a:p>
+            </p:txBody>
+          </p:sp>
+        </mc:Choice>
+        <mc:Fallback>
+          <p:sp>
+            <p:nvSpPr>
+              <p:cNvPr id="3" name="テキスト ボックス 2">
+                <a:extLst>
+                  <a:ext uri="{FF2B5EF4-FFF2-40B4-BE49-F238E27FC236}">
+                    <a16:creationId xmlns:a16="http://schemas.microsoft.com/office/drawing/2014/main" id="{26007400-3C2B-6289-98BB-D0E44B993CD7}"/>
+                  </a:ext>
+                </a:extLst>
+              </p:cNvPr>
+              <p:cNvSpPr txBox="1">
+                <a:spLocks noRot="1" noChangeAspect="1" noMove="1" noResize="1" noEditPoints="1" noAdjustHandles="1" noChangeArrowheads="1" noChangeShapeType="1" noTextEdit="1"/>
+              </p:cNvSpPr>
+              <p:nvPr/>
+            </p:nvSpPr>
+            <p:spPr>
+              <a:xfrm>
+                <a:off x="6577779" y="627359"/>
+                <a:ext cx="5702711" cy="5865516"/>
+              </a:xfrm>
+              <a:prstGeom prst="rect">
+                <a:avLst/>
+              </a:prstGeom>
+              <a:blipFill>
+                <a:blip r:embed="rId2"/>
+                <a:stretch>
+                  <a:fillRect l="-1603" b="-1455"/>
+                </a:stretch>
+              </a:blipFill>
+            </p:spPr>
+            <p:txBody>
+              <a:bodyPr/>
+              <a:lstStyle/>
+              <a:p>
+                <a:r>
+                  <a:rPr lang="ja-JP" altLang="en-US">
+                    <a:noFill/>
+                  </a:rPr>
+                  <a:t> </a:t>
+                </a:r>
+              </a:p>
+            </p:txBody>
+          </p:sp>
+        </mc:Fallback>
+      </mc:AlternateContent>
+      <p:sp>
+        <p:nvSpPr>
+          <p:cNvPr id="4" name="タイトル 1">
+            <a:extLst>
+              <a:ext uri="{FF2B5EF4-FFF2-40B4-BE49-F238E27FC236}">
+                <a16:creationId xmlns:a16="http://schemas.microsoft.com/office/drawing/2014/main" id="{B46D1E0B-128E-7BC3-8FA0-ED9F8ED2776A}"/>
+              </a:ext>
+            </a:extLst>
+          </p:cNvPr>
+          <p:cNvSpPr txBox="1">
+            <a:spLocks/>
+          </p:cNvSpPr>
+          <p:nvPr/>
+        </p:nvSpPr>
+        <p:spPr>
+          <a:xfrm>
+            <a:off x="838200" y="365125"/>
+            <a:ext cx="10515600" cy="1325563"/>
+          </a:xfrm>
+          <a:prstGeom prst="rect">
+            <a:avLst/>
+          </a:prstGeom>
+        </p:spPr>
+        <p:txBody>
+          <a:bodyPr/>
+          <a:lstStyle>
+            <a:lvl1pPr algn="l" defTabSz="914400" rtl="0" eaLnBrk="1" latinLnBrk="0" hangingPunct="1">
+              <a:lnSpc>
+                <a:spcPct val="90000"/>
+              </a:lnSpc>
+              <a:spcBef>
+                <a:spcPct val="0"/>
+              </a:spcBef>
+              <a:buNone/>
+              <a:defRPr kumimoji="1" sz="4400" kern="1200">
+                <a:solidFill>
+                  <a:schemeClr val="tx1"/>
+                </a:solidFill>
+                <a:latin typeface="+mj-lt"/>
+                <a:ea typeface="+mj-ea"/>
+                <a:cs typeface="+mj-cs"/>
+              </a:defRPr>
+            </a:lvl1pPr>
+          </a:lstStyle>
+          <a:p>
+            <a:r>
+              <a:rPr lang="ja-JP" altLang="en-US" dirty="0"/>
+              <a:t>直流設計</a:t>
+            </a:r>
+          </a:p>
+        </p:txBody>
+      </p:sp>
       <p:pic>
         <p:nvPicPr>
-          <p:cNvPr id="4" name="図 3" descr="グラフ&#10;&#10;自動的に生成された説明">
+          <p:cNvPr id="6" name="図 5" descr="星のマーク&#10;&#10;中程度の精度で自動的に生成された説明">
             <a:extLst>
               <a:ext uri="{FF2B5EF4-FFF2-40B4-BE49-F238E27FC236}">
-                <a16:creationId xmlns:a16="http://schemas.microsoft.com/office/drawing/2014/main" id="{E21C7A39-E18F-F52F-1820-D30281761CF2}"/>
+                <a16:creationId xmlns:a16="http://schemas.microsoft.com/office/drawing/2014/main" id="{48490E50-0077-F646-F028-3E3462F8918A}"/>
               </a:ext>
             </a:extLst>
           </p:cNvPr>
@@ -8871,8 +12274,8 @@
         </p:blipFill>
         <p:spPr>
           <a:xfrm>
-            <a:off x="0" y="1762159"/>
-            <a:ext cx="6950031" cy="4865022"/>
+            <a:off x="-380172" y="1192271"/>
+            <a:ext cx="7288621" cy="5576170"/>
           </a:xfrm>
           <a:prstGeom prst="rect">
             <a:avLst/>
@@ -8882,7 +12285,1049 @@
     </p:spTree>
     <p:extLst>
       <p:ext uri="{BB962C8B-B14F-4D97-AF65-F5344CB8AC3E}">
-        <p14:creationId xmlns:p14="http://schemas.microsoft.com/office/powerpoint/2010/main" val="1003883478"/>
+        <p14:creationId xmlns:p14="http://schemas.microsoft.com/office/powerpoint/2010/main" val="1242736359"/>
+      </p:ext>
+    </p:extLst>
+  </p:cSld>
+  <p:clrMapOvr>
+    <a:masterClrMapping/>
+  </p:clrMapOvr>
+</p:sld>
+</file>
+
+<file path=ppt/slides/slide8.xml><?xml version="1.0" encoding="utf-8"?>
+<p:sld xmlns:a="http://schemas.openxmlformats.org/drawingml/2006/main" xmlns:r="http://schemas.openxmlformats.org/officeDocument/2006/relationships" xmlns:p="http://schemas.openxmlformats.org/presentationml/2006/main">
+  <p:cSld>
+    <p:spTree>
+      <p:nvGrpSpPr>
+        <p:cNvPr id="1" name=""/>
+        <p:cNvGrpSpPr/>
+        <p:nvPr/>
+      </p:nvGrpSpPr>
+      <p:grpSpPr>
+        <a:xfrm>
+          <a:off x="0" y="0"/>
+          <a:ext cx="0" cy="0"/>
+          <a:chOff x="0" y="0"/>
+          <a:chExt cx="0" cy="0"/>
+        </a:xfrm>
+      </p:grpSpPr>
+      <p:sp>
+        <p:nvSpPr>
+          <p:cNvPr id="2" name="スライド番号プレースホルダー 1">
+            <a:extLst>
+              <a:ext uri="{FF2B5EF4-FFF2-40B4-BE49-F238E27FC236}">
+                <a16:creationId xmlns:a16="http://schemas.microsoft.com/office/drawing/2014/main" id="{62BAEA6B-7ACD-FE1B-655A-EC9CA1B639B6}"/>
+              </a:ext>
+            </a:extLst>
+          </p:cNvPr>
+          <p:cNvSpPr>
+            <a:spLocks noGrp="1"/>
+          </p:cNvSpPr>
+          <p:nvPr>
+            <p:ph type="sldNum" sz="quarter" idx="12"/>
+          </p:nvPr>
+        </p:nvSpPr>
+        <p:spPr/>
+        <p:txBody>
+          <a:bodyPr/>
+          <a:lstStyle/>
+          <a:p>
+            <a:fld id="{BAC09C9C-7DB0-444B-A568-405A39CC84C0}" type="slidenum">
+              <a:rPr kumimoji="1" lang="ja-JP" altLang="en-US" smtClean="0"/>
+              <a:t>8</a:t>
+            </a:fld>
+            <a:endParaRPr kumimoji="1" lang="ja-JP" altLang="en-US"/>
+          </a:p>
+        </p:txBody>
+      </p:sp>
+      <p:sp>
+        <p:nvSpPr>
+          <p:cNvPr id="3" name="タイトル 1">
+            <a:extLst>
+              <a:ext uri="{FF2B5EF4-FFF2-40B4-BE49-F238E27FC236}">
+                <a16:creationId xmlns:a16="http://schemas.microsoft.com/office/drawing/2014/main" id="{2A49E6AD-59C2-7B71-DF11-E8911EFBAA9B}"/>
+              </a:ext>
+            </a:extLst>
+          </p:cNvPr>
+          <p:cNvSpPr txBox="1">
+            <a:spLocks/>
+          </p:cNvSpPr>
+          <p:nvPr/>
+        </p:nvSpPr>
+        <p:spPr>
+          <a:xfrm>
+            <a:off x="838200" y="365125"/>
+            <a:ext cx="10515600" cy="775417"/>
+          </a:xfrm>
+          <a:prstGeom prst="rect">
+            <a:avLst/>
+          </a:prstGeom>
+        </p:spPr>
+        <p:txBody>
+          <a:bodyPr/>
+          <a:lstStyle>
+            <a:lvl1pPr algn="l" defTabSz="914400" rtl="0" eaLnBrk="1" latinLnBrk="0" hangingPunct="1">
+              <a:lnSpc>
+                <a:spcPct val="90000"/>
+              </a:lnSpc>
+              <a:spcBef>
+                <a:spcPct val="0"/>
+              </a:spcBef>
+              <a:buNone/>
+              <a:defRPr kumimoji="1" sz="4400" kern="1200">
+                <a:solidFill>
+                  <a:schemeClr val="tx1"/>
+                </a:solidFill>
+                <a:latin typeface="+mj-lt"/>
+                <a:ea typeface="+mj-ea"/>
+                <a:cs typeface="+mj-cs"/>
+              </a:defRPr>
+            </a:lvl1pPr>
+          </a:lstStyle>
+          <a:p>
+            <a:r>
+              <a:rPr lang="ja-JP" altLang="en-US" dirty="0"/>
+              <a:t>直流設計</a:t>
+            </a:r>
+          </a:p>
+        </p:txBody>
+      </p:sp>
+      <mc:AlternateContent xmlns:mc="http://schemas.openxmlformats.org/markup-compatibility/2006">
+        <mc:Choice xmlns:a14="http://schemas.microsoft.com/office/drawing/2010/main" Requires="a14">
+          <p:sp>
+            <p:nvSpPr>
+              <p:cNvPr id="4" name="テキスト ボックス 3">
+                <a:extLst>
+                  <a:ext uri="{FF2B5EF4-FFF2-40B4-BE49-F238E27FC236}">
+                    <a16:creationId xmlns:a16="http://schemas.microsoft.com/office/drawing/2014/main" id="{80B620C0-4D16-6EDC-6D5B-4C79B6884FA8}"/>
+                  </a:ext>
+                </a:extLst>
+              </p:cNvPr>
+              <p:cNvSpPr txBox="1"/>
+              <p:nvPr/>
+            </p:nvSpPr>
+            <p:spPr>
+              <a:xfrm>
+                <a:off x="1027469" y="1229032"/>
+                <a:ext cx="10515599" cy="3416320"/>
+              </a:xfrm>
+              <a:prstGeom prst="rect">
+                <a:avLst/>
+              </a:prstGeom>
+              <a:noFill/>
+            </p:spPr>
+            <p:txBody>
+              <a:bodyPr wrap="square" rtlCol="0">
+                <a:spAutoFit/>
+              </a:bodyPr>
+              <a:lstStyle/>
+              <a:p>
+                <a:pPr algn="l"/>
+                <a14:m>
+                  <m:oMath xmlns:m="http://schemas.openxmlformats.org/officeDocument/2006/math">
+                    <m:d>
+                      <m:dPr>
+                        <m:ctrlPr>
+                          <a:rPr kumimoji="1" lang="en-US" altLang="ja-JP" sz="2400" b="0" i="1" smtClean="0">
+                            <a:latin typeface="Cambria Math" panose="02040503050406030204" pitchFamily="18" charset="0"/>
+                          </a:rPr>
+                        </m:ctrlPr>
+                      </m:dPr>
+                      <m:e>
+                        <m:r>
+                          <a:rPr kumimoji="1" lang="en-US" altLang="ja-JP" sz="2400" b="0" i="1" smtClean="0">
+                            <a:latin typeface="Cambria Math" panose="02040503050406030204" pitchFamily="18" charset="0"/>
+                          </a:rPr>
+                          <m:t>9</m:t>
+                        </m:r>
+                      </m:e>
+                    </m:d>
+                  </m:oMath>
+                </a14:m>
+                <a:r>
+                  <a:rPr kumimoji="1" lang="ja-JP" altLang="en-US" sz="2400" dirty="0"/>
+                  <a:t>式より</a:t>
+                </a:r>
+                <a14:m>
+                  <m:oMath xmlns:m="http://schemas.openxmlformats.org/officeDocument/2006/math">
+                    <m:r>
+                      <a:rPr kumimoji="1" lang="en-US" altLang="ja-JP" sz="2400" b="0" i="1" smtClean="0">
+                        <a:latin typeface="Cambria Math" panose="02040503050406030204" pitchFamily="18" charset="0"/>
+                      </a:rPr>
+                      <m:t>0&lt;</m:t>
+                    </m:r>
+                    <m:sSub>
+                      <m:sSubPr>
+                        <m:ctrlPr>
+                          <a:rPr kumimoji="1" lang="en-US" altLang="ja-JP" sz="2400" b="0" i="1" smtClean="0">
+                            <a:latin typeface="Cambria Math" panose="02040503050406030204" pitchFamily="18" charset="0"/>
+                          </a:rPr>
+                        </m:ctrlPr>
+                      </m:sSubPr>
+                      <m:e>
+                        <m:r>
+                          <a:rPr kumimoji="1" lang="en-US" altLang="ja-JP" sz="2400" b="0" i="1" smtClean="0">
+                            <a:latin typeface="Cambria Math" panose="02040503050406030204" pitchFamily="18" charset="0"/>
+                          </a:rPr>
+                          <m:t>𝑉</m:t>
+                        </m:r>
+                      </m:e>
+                      <m:sub>
+                        <m:r>
+                          <a:rPr kumimoji="1" lang="en-US" altLang="ja-JP" sz="2400" b="0" i="1" smtClean="0">
+                            <a:latin typeface="Cambria Math" panose="02040503050406030204" pitchFamily="18" charset="0"/>
+                          </a:rPr>
+                          <m:t>𝑆</m:t>
+                        </m:r>
+                      </m:sub>
+                    </m:sSub>
+                    <m:r>
+                      <a:rPr kumimoji="1" lang="en-US" altLang="ja-JP" sz="2400" b="0" i="1" smtClean="0">
+                        <a:latin typeface="Cambria Math" panose="02040503050406030204" pitchFamily="18" charset="0"/>
+                      </a:rPr>
+                      <m:t>&lt;0.2</m:t>
+                    </m:r>
+                  </m:oMath>
+                </a14:m>
+                <a:r>
+                  <a:rPr kumimoji="1" lang="ja-JP" altLang="en-US" sz="2400" b="0" dirty="0"/>
+                  <a:t>なので、</a:t>
+                </a:r>
+                <a14:m>
+                  <m:oMath xmlns:m="http://schemas.openxmlformats.org/officeDocument/2006/math">
+                    <m:sSub>
+                      <m:sSubPr>
+                        <m:ctrlPr>
+                          <a:rPr kumimoji="1" lang="en-US" altLang="ja-JP" sz="2400" b="0" i="1" smtClean="0">
+                            <a:latin typeface="Cambria Math" panose="02040503050406030204" pitchFamily="18" charset="0"/>
+                          </a:rPr>
+                        </m:ctrlPr>
+                      </m:sSubPr>
+                      <m:e>
+                        <m:r>
+                          <a:rPr kumimoji="1" lang="en-US" altLang="ja-JP" sz="2400" b="0" i="1" smtClean="0">
+                            <a:latin typeface="Cambria Math" panose="02040503050406030204" pitchFamily="18" charset="0"/>
+                          </a:rPr>
+                          <m:t>𝑉</m:t>
+                        </m:r>
+                      </m:e>
+                      <m:sub>
+                        <m:r>
+                          <a:rPr kumimoji="1" lang="en-US" altLang="ja-JP" sz="2400" b="0" i="1" smtClean="0">
+                            <a:latin typeface="Cambria Math" panose="02040503050406030204" pitchFamily="18" charset="0"/>
+                          </a:rPr>
+                          <m:t>𝑆</m:t>
+                        </m:r>
+                      </m:sub>
+                    </m:sSub>
+                    <m:r>
+                      <a:rPr kumimoji="1" lang="en-US" altLang="ja-JP" sz="2400" b="0" i="1" smtClean="0">
+                        <a:latin typeface="Cambria Math" panose="02040503050406030204" pitchFamily="18" charset="0"/>
+                      </a:rPr>
+                      <m:t>=0.2 </m:t>
+                    </m:r>
+                    <m:r>
+                      <m:rPr>
+                        <m:sty m:val="p"/>
+                      </m:rPr>
+                      <a:rPr kumimoji="1" lang="en-US" altLang="ja-JP" sz="2400" b="0" i="0" smtClean="0">
+                        <a:latin typeface="Cambria Math" panose="02040503050406030204" pitchFamily="18" charset="0"/>
+                      </a:rPr>
+                      <m:t>V</m:t>
+                    </m:r>
+                  </m:oMath>
+                </a14:m>
+                <a:r>
+                  <a:rPr kumimoji="1" lang="ja-JP" altLang="en-US" sz="2400" b="0" dirty="0"/>
+                  <a:t>とする</a:t>
+                </a:r>
+                <a14:m>
+                  <m:oMath xmlns:m="http://schemas.openxmlformats.org/officeDocument/2006/math">
+                    <m:r>
+                      <a:rPr kumimoji="1" lang="ja-JP" altLang="en-US" sz="2400" b="0" i="1" smtClean="0">
+                        <a:latin typeface="Cambria Math" panose="02040503050406030204" pitchFamily="18" charset="0"/>
+                      </a:rPr>
+                      <m:t>と</m:t>
+                    </m:r>
+                    <m:sSub>
+                      <m:sSubPr>
+                        <m:ctrlPr>
+                          <a:rPr kumimoji="1" lang="en-US" altLang="ja-JP" sz="2400" b="0" i="1" smtClean="0">
+                            <a:latin typeface="Cambria Math" panose="02040503050406030204" pitchFamily="18" charset="0"/>
+                          </a:rPr>
+                        </m:ctrlPr>
+                      </m:sSubPr>
+                      <m:e>
+                        <m:r>
+                          <a:rPr kumimoji="1" lang="en-US" altLang="ja-JP" sz="2400" b="0" i="1" smtClean="0">
+                            <a:latin typeface="Cambria Math" panose="02040503050406030204" pitchFamily="18" charset="0"/>
+                          </a:rPr>
+                          <m:t>𝑉</m:t>
+                        </m:r>
+                      </m:e>
+                      <m:sub>
+                        <m:r>
+                          <a:rPr kumimoji="1" lang="en-US" altLang="ja-JP" sz="2400" b="0" i="1" smtClean="0">
+                            <a:latin typeface="Cambria Math" panose="02040503050406030204" pitchFamily="18" charset="0"/>
+                          </a:rPr>
+                          <m:t>𝐺𝑆</m:t>
+                        </m:r>
+                      </m:sub>
+                    </m:sSub>
+                    <m:r>
+                      <a:rPr kumimoji="1" lang="en-US" altLang="ja-JP" sz="2400" b="0" i="1" smtClean="0">
+                        <a:latin typeface="Cambria Math" panose="02040503050406030204" pitchFamily="18" charset="0"/>
+                      </a:rPr>
+                      <m:t>−</m:t>
+                    </m:r>
+                    <m:r>
+                      <a:rPr kumimoji="1" lang="en-US" altLang="ja-JP" sz="2400" b="0" i="1" smtClean="0">
+                        <a:latin typeface="Cambria Math" panose="02040503050406030204" pitchFamily="18" charset="0"/>
+                      </a:rPr>
+                      <m:t>𝑉𝑡h</m:t>
+                    </m:r>
+                    <m:r>
+                      <a:rPr kumimoji="1" lang="en-US" altLang="ja-JP" sz="2400" b="0" i="1" smtClean="0">
+                        <a:latin typeface="Cambria Math" panose="02040503050406030204" pitchFamily="18" charset="0"/>
+                      </a:rPr>
+                      <m:t>&lt;</m:t>
+                    </m:r>
+                    <m:sSub>
+                      <m:sSubPr>
+                        <m:ctrlPr>
+                          <a:rPr kumimoji="1" lang="en-US" altLang="ja-JP" sz="2400" b="0" i="1" smtClean="0">
+                            <a:latin typeface="Cambria Math" panose="02040503050406030204" pitchFamily="18" charset="0"/>
+                          </a:rPr>
+                        </m:ctrlPr>
+                      </m:sSubPr>
+                      <m:e>
+                        <m:r>
+                          <a:rPr kumimoji="1" lang="en-US" altLang="ja-JP" sz="2400" b="0" i="1" smtClean="0">
+                            <a:latin typeface="Cambria Math" panose="02040503050406030204" pitchFamily="18" charset="0"/>
+                          </a:rPr>
+                          <m:t>𝑉</m:t>
+                        </m:r>
+                      </m:e>
+                      <m:sub>
+                        <m:r>
+                          <a:rPr kumimoji="1" lang="en-US" altLang="ja-JP" sz="2400" b="0" i="1" smtClean="0">
+                            <a:latin typeface="Cambria Math" panose="02040503050406030204" pitchFamily="18" charset="0"/>
+                          </a:rPr>
+                          <m:t>𝐷𝑆</m:t>
+                        </m:r>
+                      </m:sub>
+                    </m:sSub>
+                  </m:oMath>
+                </a14:m>
+                <a:r>
+                  <a:rPr kumimoji="1" lang="ja-JP" altLang="en-US" sz="2400" dirty="0"/>
+                  <a:t>より</a:t>
+                </a:r>
+                <a:endParaRPr kumimoji="1" lang="en-US" altLang="ja-JP" sz="2400" dirty="0"/>
+              </a:p>
+              <a:p>
+                <a:pPr algn="l"/>
+                <a14:m>
+                  <m:oMathPara xmlns:m="http://schemas.openxmlformats.org/officeDocument/2006/math">
+                    <m:oMathParaPr>
+                      <m:jc m:val="centerGroup"/>
+                    </m:oMathParaPr>
+                    <m:oMath xmlns:m="http://schemas.openxmlformats.org/officeDocument/2006/math">
+                      <m:sSub>
+                        <m:sSubPr>
+                          <m:ctrlPr>
+                            <a:rPr kumimoji="1" lang="en-US" altLang="ja-JP" sz="2400" b="0" i="1" smtClean="0">
+                              <a:latin typeface="Cambria Math" panose="02040503050406030204" pitchFamily="18" charset="0"/>
+                            </a:rPr>
+                          </m:ctrlPr>
+                        </m:sSubPr>
+                        <m:e>
+                          <m:r>
+                            <a:rPr kumimoji="1" lang="en-US" altLang="ja-JP" sz="2400" b="0" i="1" smtClean="0">
+                              <a:latin typeface="Cambria Math" panose="02040503050406030204" pitchFamily="18" charset="0"/>
+                            </a:rPr>
+                            <m:t>𝑉</m:t>
+                          </m:r>
+                        </m:e>
+                        <m:sub>
+                          <m:r>
+                            <a:rPr kumimoji="1" lang="en-US" altLang="ja-JP" sz="2400" b="0" i="1" smtClean="0">
+                              <a:latin typeface="Cambria Math" panose="02040503050406030204" pitchFamily="18" charset="0"/>
+                            </a:rPr>
+                            <m:t>𝐺𝑆</m:t>
+                          </m:r>
+                        </m:sub>
+                      </m:sSub>
+                      <m:r>
+                        <a:rPr kumimoji="1" lang="en-US" altLang="ja-JP" sz="2400" b="0" i="1" smtClean="0">
+                          <a:latin typeface="Cambria Math" panose="02040503050406030204" pitchFamily="18" charset="0"/>
+                        </a:rPr>
+                        <m:t>=</m:t>
+                      </m:r>
+                      <m:sSub>
+                        <m:sSubPr>
+                          <m:ctrlPr>
+                            <a:rPr kumimoji="1" lang="en-US" altLang="ja-JP" sz="2400" b="0" i="1" smtClean="0">
+                              <a:latin typeface="Cambria Math" panose="02040503050406030204" pitchFamily="18" charset="0"/>
+                            </a:rPr>
+                          </m:ctrlPr>
+                        </m:sSubPr>
+                        <m:e>
+                          <m:r>
+                            <a:rPr kumimoji="1" lang="en-US" altLang="ja-JP" sz="2400" b="0" i="1" smtClean="0">
+                              <a:latin typeface="Cambria Math" panose="02040503050406030204" pitchFamily="18" charset="0"/>
+                            </a:rPr>
+                            <m:t>𝑉</m:t>
+                          </m:r>
+                        </m:e>
+                        <m:sub>
+                          <m:r>
+                            <a:rPr kumimoji="1" lang="en-US" altLang="ja-JP" sz="2400" b="0" i="1" smtClean="0">
+                              <a:latin typeface="Cambria Math" panose="02040503050406030204" pitchFamily="18" charset="0"/>
+                            </a:rPr>
+                            <m:t>𝐶</m:t>
+                          </m:r>
+                        </m:sub>
+                      </m:sSub>
+                      <m:r>
+                        <a:rPr kumimoji="1" lang="en-US" altLang="ja-JP" sz="2400" b="0" i="1" smtClean="0">
+                          <a:latin typeface="Cambria Math" panose="02040503050406030204" pitchFamily="18" charset="0"/>
+                        </a:rPr>
+                        <m:t>&lt;</m:t>
+                      </m:r>
+                      <m:sSub>
+                        <m:sSubPr>
+                          <m:ctrlPr>
+                            <a:rPr kumimoji="1" lang="en-US" altLang="ja-JP" sz="2400" b="0" i="1" smtClean="0">
+                              <a:latin typeface="Cambria Math" panose="02040503050406030204" pitchFamily="18" charset="0"/>
+                            </a:rPr>
+                          </m:ctrlPr>
+                        </m:sSubPr>
+                        <m:e>
+                          <m:r>
+                            <a:rPr kumimoji="1" lang="en-US" altLang="ja-JP" sz="2400" b="0" i="1" smtClean="0">
+                              <a:latin typeface="Cambria Math" panose="02040503050406030204" pitchFamily="18" charset="0"/>
+                            </a:rPr>
+                            <m:t>𝑉</m:t>
+                          </m:r>
+                        </m:e>
+                        <m:sub>
+                          <m:r>
+                            <a:rPr kumimoji="1" lang="en-US" altLang="ja-JP" sz="2400" b="0" i="1" smtClean="0">
+                              <a:latin typeface="Cambria Math" panose="02040503050406030204" pitchFamily="18" charset="0"/>
+                            </a:rPr>
+                            <m:t>𝑡h</m:t>
+                          </m:r>
+                        </m:sub>
+                      </m:sSub>
+                      <m:r>
+                        <a:rPr kumimoji="1" lang="en-US" altLang="ja-JP" sz="2400" b="0" i="1" smtClean="0">
+                          <a:latin typeface="Cambria Math" panose="02040503050406030204" pitchFamily="18" charset="0"/>
+                        </a:rPr>
+                        <m:t>+</m:t>
+                      </m:r>
+                      <m:sSub>
+                        <m:sSubPr>
+                          <m:ctrlPr>
+                            <a:rPr kumimoji="1" lang="en-US" altLang="ja-JP" sz="2400" b="0" i="1" smtClean="0">
+                              <a:latin typeface="Cambria Math" panose="02040503050406030204" pitchFamily="18" charset="0"/>
+                            </a:rPr>
+                          </m:ctrlPr>
+                        </m:sSubPr>
+                        <m:e>
+                          <m:r>
+                            <a:rPr kumimoji="1" lang="en-US" altLang="ja-JP" sz="2400" b="0" i="1" smtClean="0">
+                              <a:latin typeface="Cambria Math" panose="02040503050406030204" pitchFamily="18" charset="0"/>
+                            </a:rPr>
+                            <m:t>𝑉</m:t>
+                          </m:r>
+                        </m:e>
+                        <m:sub>
+                          <m:r>
+                            <a:rPr kumimoji="1" lang="en-US" altLang="ja-JP" sz="2400" b="0" i="1" smtClean="0">
+                              <a:latin typeface="Cambria Math" panose="02040503050406030204" pitchFamily="18" charset="0"/>
+                            </a:rPr>
+                            <m:t>𝐷𝑆</m:t>
+                          </m:r>
+                        </m:sub>
+                      </m:sSub>
+                      <m:r>
+                        <a:rPr kumimoji="1" lang="en-US" altLang="ja-JP" sz="2400" b="0" i="1" smtClean="0">
+                          <a:latin typeface="Cambria Math" panose="02040503050406030204" pitchFamily="18" charset="0"/>
+                        </a:rPr>
+                        <m:t>=0.5+0.2=0.7 </m:t>
+                      </m:r>
+                      <m:r>
+                        <m:rPr>
+                          <m:sty m:val="p"/>
+                        </m:rPr>
+                        <a:rPr kumimoji="1" lang="en-US" altLang="ja-JP" sz="2400" b="0" i="0" smtClean="0">
+                          <a:latin typeface="Cambria Math" panose="02040503050406030204" pitchFamily="18" charset="0"/>
+                        </a:rPr>
+                        <m:t>V</m:t>
+                      </m:r>
+                    </m:oMath>
+                  </m:oMathPara>
+                </a14:m>
+                <a:endParaRPr kumimoji="1" lang="en-US" altLang="ja-JP" sz="2400" dirty="0"/>
+              </a:p>
+              <a:p>
+                <a:pPr algn="l"/>
+                <a14:m>
+                  <m:oMathPara xmlns:m="http://schemas.openxmlformats.org/officeDocument/2006/math">
+                    <m:oMathParaPr>
+                      <m:jc m:val="centerGroup"/>
+                    </m:oMathParaPr>
+                    <m:oMath xmlns:m="http://schemas.openxmlformats.org/officeDocument/2006/math">
+                      <m:sSub>
+                        <m:sSubPr>
+                          <m:ctrlPr>
+                            <a:rPr kumimoji="1" lang="en-US" altLang="ja-JP" sz="2400" b="0" i="1" smtClean="0">
+                              <a:latin typeface="Cambria Math" panose="02040503050406030204" pitchFamily="18" charset="0"/>
+                            </a:rPr>
+                          </m:ctrlPr>
+                        </m:sSubPr>
+                        <m:e>
+                          <m:r>
+                            <a:rPr kumimoji="1" lang="en-US" altLang="ja-JP" sz="2400" b="0" i="1" smtClean="0">
+                              <a:latin typeface="Cambria Math" panose="02040503050406030204" pitchFamily="18" charset="0"/>
+                            </a:rPr>
+                            <m:t>𝑉</m:t>
+                          </m:r>
+                        </m:e>
+                        <m:sub>
+                          <m:r>
+                            <a:rPr kumimoji="1" lang="en-US" altLang="ja-JP" sz="2400" b="0" i="1" smtClean="0">
+                              <a:latin typeface="Cambria Math" panose="02040503050406030204" pitchFamily="18" charset="0"/>
+                            </a:rPr>
+                            <m:t>𝐶</m:t>
+                          </m:r>
+                        </m:sub>
+                      </m:sSub>
+                      <m:r>
+                        <a:rPr kumimoji="1" lang="en-US" altLang="ja-JP" sz="2400" b="0" i="1" smtClean="0">
+                          <a:latin typeface="Cambria Math" panose="02040503050406030204" pitchFamily="18" charset="0"/>
+                        </a:rPr>
+                        <m:t>=0.7 </m:t>
+                      </m:r>
+                      <m:r>
+                        <m:rPr>
+                          <m:sty m:val="p"/>
+                        </m:rPr>
+                        <a:rPr kumimoji="1" lang="en-US" altLang="ja-JP" sz="2400" b="0" i="0" smtClean="0">
+                          <a:latin typeface="Cambria Math" panose="02040503050406030204" pitchFamily="18" charset="0"/>
+                        </a:rPr>
+                        <m:t>V</m:t>
+                      </m:r>
+                    </m:oMath>
+                  </m:oMathPara>
+                </a14:m>
+                <a:endParaRPr kumimoji="1" lang="en-US" altLang="ja-JP" sz="2400" dirty="0"/>
+              </a:p>
+              <a:p>
+                <a:pPr algn="l"/>
+                <a:endParaRPr kumimoji="1" lang="en-US" altLang="ja-JP" sz="2400" dirty="0"/>
+              </a:p>
+              <a:p>
+                <a:pPr algn="l"/>
+                <a14:m>
+                  <m:oMath xmlns:m="http://schemas.openxmlformats.org/officeDocument/2006/math">
+                    <m:sSub>
+                      <m:sSubPr>
+                        <m:ctrlPr>
+                          <a:rPr kumimoji="1" lang="en-US" altLang="ja-JP" sz="2400" b="0" i="1" smtClean="0">
+                            <a:latin typeface="Cambria Math" panose="02040503050406030204" pitchFamily="18" charset="0"/>
+                          </a:rPr>
+                        </m:ctrlPr>
+                      </m:sSubPr>
+                      <m:e>
+                        <m:r>
+                          <a:rPr kumimoji="1" lang="en-US" altLang="ja-JP" sz="2400" b="0" i="1" smtClean="0">
+                            <a:latin typeface="Cambria Math" panose="02040503050406030204" pitchFamily="18" charset="0"/>
+                          </a:rPr>
+                          <m:t>𝑀</m:t>
+                        </m:r>
+                      </m:e>
+                      <m:sub>
+                        <m:r>
+                          <a:rPr kumimoji="1" lang="en-US" altLang="ja-JP" sz="2400" b="0" i="1" smtClean="0">
+                            <a:latin typeface="Cambria Math" panose="02040503050406030204" pitchFamily="18" charset="0"/>
+                          </a:rPr>
+                          <m:t>𝐴</m:t>
+                        </m:r>
+                      </m:sub>
+                    </m:sSub>
+                    <m:r>
+                      <a:rPr kumimoji="1" lang="en-US" altLang="ja-JP" sz="2400" b="0" i="1" smtClean="0">
+                        <a:latin typeface="Cambria Math" panose="02040503050406030204" pitchFamily="18" charset="0"/>
+                      </a:rPr>
+                      <m:t>,</m:t>
+                    </m:r>
+                    <m:sSub>
+                      <m:sSubPr>
+                        <m:ctrlPr>
+                          <a:rPr kumimoji="1" lang="en-US" altLang="ja-JP" sz="2400" b="0" i="1" smtClean="0">
+                            <a:latin typeface="Cambria Math" panose="02040503050406030204" pitchFamily="18" charset="0"/>
+                          </a:rPr>
+                        </m:ctrlPr>
+                      </m:sSubPr>
+                      <m:e>
+                        <m:r>
+                          <a:rPr kumimoji="1" lang="en-US" altLang="ja-JP" sz="2400" b="0" i="1" smtClean="0">
+                            <a:latin typeface="Cambria Math" panose="02040503050406030204" pitchFamily="18" charset="0"/>
+                          </a:rPr>
+                          <m:t>𝑀</m:t>
+                        </m:r>
+                      </m:e>
+                      <m:sub>
+                        <m:r>
+                          <a:rPr kumimoji="1" lang="en-US" altLang="ja-JP" sz="2400" b="0" i="1" smtClean="0">
+                            <a:latin typeface="Cambria Math" panose="02040503050406030204" pitchFamily="18" charset="0"/>
+                          </a:rPr>
+                          <m:t>𝐵</m:t>
+                        </m:r>
+                      </m:sub>
+                    </m:sSub>
+                  </m:oMath>
+                </a14:m>
+                <a:r>
+                  <a:rPr kumimoji="1" lang="ja-JP" altLang="en-US" sz="2400" dirty="0"/>
+                  <a:t>の</a:t>
+                </a:r>
+                <a14:m>
+                  <m:oMath xmlns:m="http://schemas.openxmlformats.org/officeDocument/2006/math">
+                    <m:sSub>
+                      <m:sSubPr>
+                        <m:ctrlPr>
+                          <a:rPr kumimoji="1" lang="en-US" altLang="ja-JP" sz="2400" b="0" i="1" dirty="0" smtClean="0">
+                            <a:latin typeface="Cambria Math" panose="02040503050406030204" pitchFamily="18" charset="0"/>
+                          </a:rPr>
+                        </m:ctrlPr>
+                      </m:sSubPr>
+                      <m:e>
+                        <m:r>
+                          <a:rPr kumimoji="1" lang="en-US" altLang="ja-JP" sz="2400" b="0" i="1" dirty="0" smtClean="0">
+                            <a:latin typeface="Cambria Math" panose="02040503050406030204" pitchFamily="18" charset="0"/>
+                          </a:rPr>
+                          <m:t>𝑉</m:t>
+                        </m:r>
+                      </m:e>
+                      <m:sub>
+                        <m:r>
+                          <a:rPr kumimoji="1" lang="en-US" altLang="ja-JP" sz="2400" b="0" i="1" dirty="0" smtClean="0">
+                            <a:latin typeface="Cambria Math" panose="02040503050406030204" pitchFamily="18" charset="0"/>
+                          </a:rPr>
+                          <m:t>𝐺𝑆</m:t>
+                        </m:r>
+                      </m:sub>
+                    </m:sSub>
+                  </m:oMath>
+                </a14:m>
+                <a:r>
+                  <a:rPr kumimoji="1" lang="ja-JP" altLang="en-US" sz="2400" dirty="0"/>
+                  <a:t>がそれぞれ等しい</a:t>
+                </a:r>
+                <a:r>
+                  <a:rPr lang="ja-JP" altLang="en-US" sz="2400" dirty="0"/>
+                  <a:t>という仮定より</a:t>
+                </a:r>
+                <a:endParaRPr lang="en-US" altLang="ja-JP" sz="2400" dirty="0"/>
+              </a:p>
+              <a:p>
+                <a:pPr algn="l"/>
+                <a14:m>
+                  <m:oMathPara xmlns:m="http://schemas.openxmlformats.org/officeDocument/2006/math">
+                    <m:oMathParaPr>
+                      <m:jc m:val="centerGroup"/>
+                    </m:oMathParaPr>
+                    <m:oMath xmlns:m="http://schemas.openxmlformats.org/officeDocument/2006/math">
+                      <m:sSub>
+                        <m:sSubPr>
+                          <m:ctrlPr>
+                            <a:rPr kumimoji="1" lang="en-US" altLang="ja-JP" sz="2400" b="0" i="1" smtClean="0">
+                              <a:latin typeface="Cambria Math" panose="02040503050406030204" pitchFamily="18" charset="0"/>
+                            </a:rPr>
+                          </m:ctrlPr>
+                        </m:sSubPr>
+                        <m:e>
+                          <m:r>
+                            <a:rPr kumimoji="1" lang="en-US" altLang="ja-JP" sz="2400" b="0" i="1" smtClean="0">
+                              <a:latin typeface="Cambria Math" panose="02040503050406030204" pitchFamily="18" charset="0"/>
+                            </a:rPr>
+                            <m:t>𝑉</m:t>
+                          </m:r>
+                        </m:e>
+                        <m:sub>
+                          <m:r>
+                            <a:rPr kumimoji="1" lang="en-US" altLang="ja-JP" sz="2400" b="0" i="1" smtClean="0">
+                              <a:latin typeface="Cambria Math" panose="02040503050406030204" pitchFamily="18" charset="0"/>
+                            </a:rPr>
+                            <m:t>𝐴</m:t>
+                          </m:r>
+                        </m:sub>
+                      </m:sSub>
+                      <m:r>
+                        <a:rPr kumimoji="1" lang="en-US" altLang="ja-JP" sz="2400" b="0" i="1" smtClean="0">
+                          <a:latin typeface="Cambria Math" panose="02040503050406030204" pitchFamily="18" charset="0"/>
+                        </a:rPr>
+                        <m:t>−</m:t>
+                      </m:r>
+                      <m:sSub>
+                        <m:sSubPr>
+                          <m:ctrlPr>
+                            <a:rPr kumimoji="1" lang="en-US" altLang="ja-JP" sz="2400" b="0" i="1" smtClean="0">
+                              <a:latin typeface="Cambria Math" panose="02040503050406030204" pitchFamily="18" charset="0"/>
+                            </a:rPr>
+                          </m:ctrlPr>
+                        </m:sSubPr>
+                        <m:e>
+                          <m:r>
+                            <a:rPr kumimoji="1" lang="en-US" altLang="ja-JP" sz="2400" b="0" i="1" smtClean="0">
+                              <a:latin typeface="Cambria Math" panose="02040503050406030204" pitchFamily="18" charset="0"/>
+                            </a:rPr>
+                            <m:t>𝑉</m:t>
+                          </m:r>
+                        </m:e>
+                        <m:sub>
+                          <m:r>
+                            <a:rPr kumimoji="1" lang="en-US" altLang="ja-JP" sz="2400" b="0" i="1" smtClean="0">
+                              <a:latin typeface="Cambria Math" panose="02040503050406030204" pitchFamily="18" charset="0"/>
+                            </a:rPr>
+                            <m:t>𝐴𝐵</m:t>
+                          </m:r>
+                        </m:sub>
+                      </m:sSub>
+                      <m:r>
+                        <a:rPr kumimoji="1" lang="en-US" altLang="ja-JP" sz="2400" b="0" i="1" smtClean="0">
+                          <a:latin typeface="Cambria Math" panose="02040503050406030204" pitchFamily="18" charset="0"/>
+                        </a:rPr>
+                        <m:t>=</m:t>
+                      </m:r>
+                      <m:sSub>
+                        <m:sSubPr>
+                          <m:ctrlPr>
+                            <a:rPr kumimoji="1" lang="en-US" altLang="ja-JP" sz="2400" b="0" i="1" smtClean="0">
+                              <a:latin typeface="Cambria Math" panose="02040503050406030204" pitchFamily="18" charset="0"/>
+                            </a:rPr>
+                          </m:ctrlPr>
+                        </m:sSubPr>
+                        <m:e>
+                          <m:r>
+                            <a:rPr kumimoji="1" lang="en-US" altLang="ja-JP" sz="2400" b="0" i="1" smtClean="0">
+                              <a:latin typeface="Cambria Math" panose="02040503050406030204" pitchFamily="18" charset="0"/>
+                            </a:rPr>
+                            <m:t>𝑉</m:t>
+                          </m:r>
+                        </m:e>
+                        <m:sub>
+                          <m:r>
+                            <a:rPr kumimoji="1" lang="en-US" altLang="ja-JP" sz="2400" b="0" i="1" smtClean="0">
+                              <a:latin typeface="Cambria Math" panose="02040503050406030204" pitchFamily="18" charset="0"/>
+                            </a:rPr>
+                            <m:t>𝐵</m:t>
+                          </m:r>
+                        </m:sub>
+                      </m:sSub>
+                      <m:r>
+                        <a:rPr kumimoji="1" lang="en-US" altLang="ja-JP" sz="2400" b="0" i="1" smtClean="0">
+                          <a:latin typeface="Cambria Math" panose="02040503050406030204" pitchFamily="18" charset="0"/>
+                        </a:rPr>
+                        <m:t>−</m:t>
+                      </m:r>
+                      <m:sSub>
+                        <m:sSubPr>
+                          <m:ctrlPr>
+                            <a:rPr kumimoji="1" lang="en-US" altLang="ja-JP" sz="2400" b="0" i="1" smtClean="0">
+                              <a:latin typeface="Cambria Math" panose="02040503050406030204" pitchFamily="18" charset="0"/>
+                            </a:rPr>
+                          </m:ctrlPr>
+                        </m:sSubPr>
+                        <m:e>
+                          <m:r>
+                            <a:rPr kumimoji="1" lang="en-US" altLang="ja-JP" sz="2400" b="0" i="1" smtClean="0">
+                              <a:latin typeface="Cambria Math" panose="02040503050406030204" pitchFamily="18" charset="0"/>
+                            </a:rPr>
+                            <m:t>𝑉</m:t>
+                          </m:r>
+                        </m:e>
+                        <m:sub>
+                          <m:r>
+                            <a:rPr kumimoji="1" lang="en-US" altLang="ja-JP" sz="2400" b="0" i="1" smtClean="0">
+                              <a:latin typeface="Cambria Math" panose="02040503050406030204" pitchFamily="18" charset="0"/>
+                            </a:rPr>
+                            <m:t>𝑆</m:t>
+                          </m:r>
+                        </m:sub>
+                      </m:sSub>
+                    </m:oMath>
+                  </m:oMathPara>
+                </a14:m>
+                <a:endParaRPr kumimoji="1" lang="en-US" altLang="ja-JP" sz="2400" b="0" dirty="0"/>
+              </a:p>
+              <a:p>
+                <a:pPr algn="l"/>
+                <a14:m>
+                  <m:oMath xmlns:m="http://schemas.openxmlformats.org/officeDocument/2006/math">
+                    <m:d>
+                      <m:dPr>
+                        <m:ctrlPr>
+                          <a:rPr kumimoji="1" lang="en-US" altLang="ja-JP" sz="2400" b="0" i="1" smtClean="0">
+                            <a:latin typeface="Cambria Math" panose="02040503050406030204" pitchFamily="18" charset="0"/>
+                          </a:rPr>
+                        </m:ctrlPr>
+                      </m:dPr>
+                      <m:e>
+                        <m:r>
+                          <a:rPr kumimoji="1" lang="en-US" altLang="ja-JP" sz="2400" b="0" i="1" smtClean="0">
+                            <a:latin typeface="Cambria Math" panose="02040503050406030204" pitchFamily="18" charset="0"/>
+                          </a:rPr>
+                          <m:t>9</m:t>
+                        </m:r>
+                      </m:e>
+                    </m:d>
+                  </m:oMath>
+                </a14:m>
+                <a:r>
+                  <a:rPr kumimoji="1" lang="ja-JP" altLang="en-US" sz="2400" dirty="0"/>
+                  <a:t>式</a:t>
+                </a:r>
+                <a:r>
+                  <a:rPr lang="ja-JP" altLang="en-US" sz="2400" dirty="0"/>
+                  <a:t>、</a:t>
+                </a:r>
+                <a14:m>
+                  <m:oMath xmlns:m="http://schemas.openxmlformats.org/officeDocument/2006/math">
+                    <m:sSub>
+                      <m:sSubPr>
+                        <m:ctrlPr>
+                          <a:rPr lang="en-US" altLang="ja-JP" sz="2400" b="0" i="1" smtClean="0">
+                            <a:latin typeface="Cambria Math" panose="02040503050406030204" pitchFamily="18" charset="0"/>
+                          </a:rPr>
+                        </m:ctrlPr>
+                      </m:sSubPr>
+                      <m:e>
+                        <m:r>
+                          <a:rPr lang="en-US" altLang="ja-JP" sz="2400" b="0" i="1" smtClean="0">
+                            <a:latin typeface="Cambria Math" panose="02040503050406030204" pitchFamily="18" charset="0"/>
+                          </a:rPr>
+                          <m:t>𝑉</m:t>
+                        </m:r>
+                      </m:e>
+                      <m:sub>
+                        <m:r>
+                          <a:rPr lang="en-US" altLang="ja-JP" sz="2400" b="0" i="1" smtClean="0">
+                            <a:latin typeface="Cambria Math" panose="02040503050406030204" pitchFamily="18" charset="0"/>
+                          </a:rPr>
+                          <m:t>𝑆</m:t>
+                        </m:r>
+                      </m:sub>
+                    </m:sSub>
+                    <m:r>
+                      <a:rPr lang="en-US" altLang="ja-JP" sz="2400" b="0" i="1" smtClean="0">
+                        <a:latin typeface="Cambria Math" panose="02040503050406030204" pitchFamily="18" charset="0"/>
+                      </a:rPr>
+                      <m:t>=0.2 </m:t>
+                    </m:r>
+                    <m:r>
+                      <m:rPr>
+                        <m:sty m:val="p"/>
+                      </m:rPr>
+                      <a:rPr lang="en-US" altLang="ja-JP" sz="2400" b="0" i="0" smtClean="0">
+                        <a:latin typeface="Cambria Math" panose="02040503050406030204" pitchFamily="18" charset="0"/>
+                      </a:rPr>
+                      <m:t>V</m:t>
+                    </m:r>
+                  </m:oMath>
+                </a14:m>
+                <a:r>
+                  <a:rPr kumimoji="1" lang="ja-JP" altLang="en-US" sz="2400" dirty="0"/>
+                  <a:t>より</a:t>
+                </a:r>
+                <a14:m>
+                  <m:oMath xmlns:m="http://schemas.openxmlformats.org/officeDocument/2006/math">
+                    <m:sSub>
+                      <m:sSubPr>
+                        <m:ctrlPr>
+                          <a:rPr kumimoji="1" lang="en-US" altLang="ja-JP" sz="2400" b="0" i="1" dirty="0" smtClean="0">
+                            <a:latin typeface="Cambria Math" panose="02040503050406030204" pitchFamily="18" charset="0"/>
+                          </a:rPr>
+                        </m:ctrlPr>
+                      </m:sSubPr>
+                      <m:e>
+                        <m:r>
+                          <a:rPr kumimoji="1" lang="en-US" altLang="ja-JP" sz="2400" b="0" i="1" dirty="0" smtClean="0">
+                            <a:latin typeface="Cambria Math" panose="02040503050406030204" pitchFamily="18" charset="0"/>
+                          </a:rPr>
+                          <m:t>𝑉</m:t>
+                        </m:r>
+                      </m:e>
+                      <m:sub>
+                        <m:r>
+                          <a:rPr kumimoji="1" lang="en-US" altLang="ja-JP" sz="2400" b="0" i="1" dirty="0" smtClean="0">
+                            <a:latin typeface="Cambria Math" panose="02040503050406030204" pitchFamily="18" charset="0"/>
+                          </a:rPr>
+                          <m:t>𝐵</m:t>
+                        </m:r>
+                      </m:sub>
+                    </m:sSub>
+                    <m:r>
+                      <a:rPr kumimoji="1" lang="en-US" altLang="ja-JP" sz="2400" b="0" i="1" dirty="0" smtClean="0">
+                        <a:latin typeface="Cambria Math" panose="02040503050406030204" pitchFamily="18" charset="0"/>
+                      </a:rPr>
+                      <m:t>=0.9 </m:t>
+                    </m:r>
+                    <m:r>
+                      <a:rPr kumimoji="1" lang="en-US" altLang="ja-JP" sz="2400" b="0" i="1" dirty="0" smtClean="0">
+                        <a:latin typeface="Cambria Math" panose="02040503050406030204" pitchFamily="18" charset="0"/>
+                      </a:rPr>
+                      <m:t>𝑉</m:t>
+                    </m:r>
+                  </m:oMath>
+                </a14:m>
+                <a:endParaRPr kumimoji="1" lang="en-US" altLang="ja-JP" sz="2400" dirty="0"/>
+              </a:p>
+              <a:p>
+                <a:pPr algn="l"/>
+                <a:r>
+                  <a:rPr kumimoji="1" lang="ja-JP" altLang="en-US" sz="2400" dirty="0"/>
+                  <a:t>したがって</a:t>
+                </a:r>
+                <a:endParaRPr kumimoji="1" lang="en-US" altLang="ja-JP" sz="2400" dirty="0"/>
+              </a:p>
+              <a:p>
+                <a:pPr algn="l"/>
+                <a14:m>
+                  <m:oMathPara xmlns:m="http://schemas.openxmlformats.org/officeDocument/2006/math">
+                    <m:oMathParaPr>
+                      <m:jc m:val="centerGroup"/>
+                    </m:oMathParaPr>
+                    <m:oMath xmlns:m="http://schemas.openxmlformats.org/officeDocument/2006/math">
+                      <m:sSub>
+                        <m:sSubPr>
+                          <m:ctrlPr>
+                            <a:rPr kumimoji="1" lang="en-US" altLang="ja-JP" sz="2400" b="0" i="1" smtClean="0">
+                              <a:latin typeface="Cambria Math" panose="02040503050406030204" pitchFamily="18" charset="0"/>
+                            </a:rPr>
+                          </m:ctrlPr>
+                        </m:sSubPr>
+                        <m:e>
+                          <m:r>
+                            <a:rPr kumimoji="1" lang="en-US" altLang="ja-JP" sz="2400" b="0" i="1" smtClean="0">
+                              <a:latin typeface="Cambria Math" panose="02040503050406030204" pitchFamily="18" charset="0"/>
+                            </a:rPr>
+                            <m:t>𝑉</m:t>
+                          </m:r>
+                        </m:e>
+                        <m:sub>
+                          <m:r>
+                            <a:rPr kumimoji="1" lang="en-US" altLang="ja-JP" sz="2400" b="0" i="1" smtClean="0">
+                              <a:latin typeface="Cambria Math" panose="02040503050406030204" pitchFamily="18" charset="0"/>
+                            </a:rPr>
+                            <m:t>𝐴</m:t>
+                          </m:r>
+                        </m:sub>
+                      </m:sSub>
+                      <m:r>
+                        <a:rPr kumimoji="1" lang="en-US" altLang="ja-JP" sz="2400" b="0" i="1" smtClean="0">
+                          <a:latin typeface="Cambria Math" panose="02040503050406030204" pitchFamily="18" charset="0"/>
+                        </a:rPr>
+                        <m:t>−</m:t>
+                      </m:r>
+                      <m:sSub>
+                        <m:sSubPr>
+                          <m:ctrlPr>
+                            <a:rPr kumimoji="1" lang="en-US" altLang="ja-JP" sz="2400" b="0" i="1" smtClean="0">
+                              <a:latin typeface="Cambria Math" panose="02040503050406030204" pitchFamily="18" charset="0"/>
+                            </a:rPr>
+                          </m:ctrlPr>
+                        </m:sSubPr>
+                        <m:e>
+                          <m:r>
+                            <a:rPr kumimoji="1" lang="en-US" altLang="ja-JP" sz="2400" b="0" i="1" smtClean="0">
+                              <a:latin typeface="Cambria Math" panose="02040503050406030204" pitchFamily="18" charset="0"/>
+                            </a:rPr>
+                            <m:t>𝑉</m:t>
+                          </m:r>
+                        </m:e>
+                        <m:sub>
+                          <m:r>
+                            <a:rPr kumimoji="1" lang="en-US" altLang="ja-JP" sz="2400" b="0" i="1" smtClean="0">
+                              <a:latin typeface="Cambria Math" panose="02040503050406030204" pitchFamily="18" charset="0"/>
+                            </a:rPr>
+                            <m:t>𝐴𝐵</m:t>
+                          </m:r>
+                        </m:sub>
+                      </m:sSub>
+                      <m:r>
+                        <a:rPr kumimoji="1" lang="en-US" altLang="ja-JP" sz="2400" b="0" i="1" smtClean="0">
+                          <a:latin typeface="Cambria Math" panose="02040503050406030204" pitchFamily="18" charset="0"/>
+                        </a:rPr>
+                        <m:t>=0.7 </m:t>
+                      </m:r>
+                      <m:r>
+                        <a:rPr kumimoji="1" lang="en-US" altLang="ja-JP" sz="2400" b="0" i="1" smtClean="0">
+                          <a:latin typeface="Cambria Math" panose="02040503050406030204" pitchFamily="18" charset="0"/>
+                        </a:rPr>
+                        <m:t>𝑉</m:t>
+                      </m:r>
+                    </m:oMath>
+                  </m:oMathPara>
+                </a14:m>
+                <a:endParaRPr kumimoji="1" lang="en-US" altLang="ja-JP" sz="2400" dirty="0"/>
+              </a:p>
+            </p:txBody>
+          </p:sp>
+        </mc:Choice>
+        <mc:Fallback>
+          <p:sp>
+            <p:nvSpPr>
+              <p:cNvPr id="4" name="テキスト ボックス 3">
+                <a:extLst>
+                  <a:ext uri="{FF2B5EF4-FFF2-40B4-BE49-F238E27FC236}">
+                    <a16:creationId xmlns:a16="http://schemas.microsoft.com/office/drawing/2014/main" id="{80B620C0-4D16-6EDC-6D5B-4C79B6884FA8}"/>
+                  </a:ext>
+                </a:extLst>
+              </p:cNvPr>
+              <p:cNvSpPr txBox="1">
+                <a:spLocks noRot="1" noChangeAspect="1" noMove="1" noResize="1" noEditPoints="1" noAdjustHandles="1" noChangeArrowheads="1" noChangeShapeType="1" noTextEdit="1"/>
+              </p:cNvSpPr>
+              <p:nvPr/>
+            </p:nvSpPr>
+            <p:spPr>
+              <a:xfrm>
+                <a:off x="1027469" y="1229032"/>
+                <a:ext cx="10515599" cy="3416320"/>
+              </a:xfrm>
+              <a:prstGeom prst="rect">
+                <a:avLst/>
+              </a:prstGeom>
+              <a:blipFill>
+                <a:blip r:embed="rId2"/>
+                <a:stretch>
+                  <a:fillRect l="-928" t="-1429"/>
+                </a:stretch>
+              </a:blipFill>
+            </p:spPr>
+            <p:txBody>
+              <a:bodyPr/>
+              <a:lstStyle/>
+              <a:p>
+                <a:r>
+                  <a:rPr lang="ja-JP" altLang="en-US">
+                    <a:noFill/>
+                  </a:rPr>
+                  <a:t> </a:t>
+                </a:r>
+              </a:p>
+            </p:txBody>
+          </p:sp>
+        </mc:Fallback>
+      </mc:AlternateContent>
+    </p:spTree>
+    <p:extLst>
+      <p:ext uri="{BB962C8B-B14F-4D97-AF65-F5344CB8AC3E}">
+        <p14:creationId xmlns:p14="http://schemas.microsoft.com/office/powerpoint/2010/main" val="1754570413"/>
       </p:ext>
     </p:extLst>
   </p:cSld>
@@ -9199,4 +13644,299 @@
     </a:ext>
   </a:extLst>
 </a:theme>
+</file>
+
+<file path=ppt/theme/theme2.xml><?xml version="1.0" encoding="utf-8"?>
+<a:theme xmlns:a="http://schemas.openxmlformats.org/drawingml/2006/main" name="Office テーマ">
+  <a:themeElements>
+    <a:clrScheme name="Office">
+      <a:dk1>
+        <a:sysClr val="windowText" lastClr="000000"/>
+      </a:dk1>
+      <a:lt1>
+        <a:sysClr val="window" lastClr="FFFFFF"/>
+      </a:lt1>
+      <a:dk2>
+        <a:srgbClr val="44546A"/>
+      </a:dk2>
+      <a:lt2>
+        <a:srgbClr val="E7E6E6"/>
+      </a:lt2>
+      <a:accent1>
+        <a:srgbClr val="4472C4"/>
+      </a:accent1>
+      <a:accent2>
+        <a:srgbClr val="ED7D31"/>
+      </a:accent2>
+      <a:accent3>
+        <a:srgbClr val="A5A5A5"/>
+      </a:accent3>
+      <a:accent4>
+        <a:srgbClr val="FFC000"/>
+      </a:accent4>
+      <a:accent5>
+        <a:srgbClr val="5B9BD5"/>
+      </a:accent5>
+      <a:accent6>
+        <a:srgbClr val="70AD47"/>
+      </a:accent6>
+      <a:hlink>
+        <a:srgbClr val="0563C1"/>
+      </a:hlink>
+      <a:folHlink>
+        <a:srgbClr val="954F72"/>
+      </a:folHlink>
+    </a:clrScheme>
+    <a:fontScheme name="Office">
+      <a:majorFont>
+        <a:latin typeface="游ゴシック Light" panose="020F0302020204030204"/>
+        <a:ea typeface=""/>
+        <a:cs typeface=""/>
+        <a:font script="Jpan" typeface="游ゴシック Light"/>
+        <a:font script="Hang" typeface="맑은 고딕"/>
+        <a:font script="Hans" typeface="等线 Light"/>
+        <a:font script="Hant" typeface="新細明體"/>
+        <a:font script="Arab" typeface="Times New Roman"/>
+        <a:font script="Hebr" typeface="Times New Roman"/>
+        <a:font script="Thai" typeface="Angsana New"/>
+        <a:font script="Ethi" typeface="Nyala"/>
+        <a:font script="Beng" typeface="Vrinda"/>
+        <a:font script="Gujr" typeface="Shruti"/>
+        <a:font script="Khmr" typeface="MoolBoran"/>
+        <a:font script="Knda" typeface="Tunga"/>
+        <a:font script="Guru" typeface="Raavi"/>
+        <a:font script="Cans" typeface="Euphemia"/>
+        <a:font script="Cher" typeface="Plantagenet Cherokee"/>
+        <a:font script="Yiii" typeface="Microsoft Yi Baiti"/>
+        <a:font script="Tibt" typeface="Microsoft Himalaya"/>
+        <a:font script="Thaa" typeface="MV Boli"/>
+        <a:font script="Deva" typeface="Mangal"/>
+        <a:font script="Telu" typeface="Gautami"/>
+        <a:font script="Taml" typeface="Latha"/>
+        <a:font script="Syrc" typeface="Estrangelo Edessa"/>
+        <a:font script="Orya" typeface="Kalinga"/>
+        <a:font script="Mlym" typeface="Kartika"/>
+        <a:font script="Laoo" typeface="DokChampa"/>
+        <a:font script="Sinh" typeface="Iskoola Pota"/>
+        <a:font script="Mong" typeface="Mongolian Baiti"/>
+        <a:font script="Viet" typeface="Times New Roman"/>
+        <a:font script="Uigh" typeface="Microsoft Uighur"/>
+        <a:font script="Geor" typeface="Sylfaen"/>
+        <a:font script="Armn" typeface="Arial"/>
+        <a:font script="Bugi" typeface="Leelawadee UI"/>
+        <a:font script="Bopo" typeface="Microsoft JhengHei"/>
+        <a:font script="Java" typeface="Javanese Text"/>
+        <a:font script="Lisu" typeface="Segoe UI"/>
+        <a:font script="Mymr" typeface="Myanmar Text"/>
+        <a:font script="Nkoo" typeface="Ebrima"/>
+        <a:font script="Olck" typeface="Nirmala UI"/>
+        <a:font script="Osma" typeface="Ebrima"/>
+        <a:font script="Phag" typeface="Phagspa"/>
+        <a:font script="Syrn" typeface="Estrangelo Edessa"/>
+        <a:font script="Syrj" typeface="Estrangelo Edessa"/>
+        <a:font script="Syre" typeface="Estrangelo Edessa"/>
+        <a:font script="Sora" typeface="Nirmala UI"/>
+        <a:font script="Tale" typeface="Microsoft Tai Le"/>
+        <a:font script="Talu" typeface="Microsoft New Tai Lue"/>
+        <a:font script="Tfng" typeface="Ebrima"/>
+      </a:majorFont>
+      <a:minorFont>
+        <a:latin typeface="游ゴシック" panose="020F0502020204030204"/>
+        <a:ea typeface=""/>
+        <a:cs typeface=""/>
+        <a:font script="Jpan" typeface="游ゴシック"/>
+        <a:font script="Hang" typeface="맑은 고딕"/>
+        <a:font script="Hans" typeface="等线"/>
+        <a:font script="Hant" typeface="新細明體"/>
+        <a:font script="Arab" typeface="Arial"/>
+        <a:font script="Hebr" typeface="Arial"/>
+        <a:font script="Thai" typeface="Cordia New"/>
+        <a:font script="Ethi" typeface="Nyala"/>
+        <a:font script="Beng" typeface="Vrinda"/>
+        <a:font script="Gujr" typeface="Shruti"/>
+        <a:font script="Khmr" typeface="DaunPenh"/>
+        <a:font script="Knda" typeface="Tunga"/>
+        <a:font script="Guru" typeface="Raavi"/>
+        <a:font script="Cans" typeface="Euphemia"/>
+        <a:font script="Cher" typeface="Plantagenet Cherokee"/>
+        <a:font script="Yiii" typeface="Microsoft Yi Baiti"/>
+        <a:font script="Tibt" typeface="Microsoft Himalaya"/>
+        <a:font script="Thaa" typeface="MV Boli"/>
+        <a:font script="Deva" typeface="Mangal"/>
+        <a:font script="Telu" typeface="Gautami"/>
+        <a:font script="Taml" typeface="Latha"/>
+        <a:font script="Syrc" typeface="Estrangelo Edessa"/>
+        <a:font script="Orya" typeface="Kalinga"/>
+        <a:font script="Mlym" typeface="Kartika"/>
+        <a:font script="Laoo" typeface="DokChampa"/>
+        <a:font script="Sinh" typeface="Iskoola Pota"/>
+        <a:font script="Mong" typeface="Mongolian Baiti"/>
+        <a:font script="Viet" typeface="Arial"/>
+        <a:font script="Uigh" typeface="Microsoft Uighur"/>
+        <a:font script="Geor" typeface="Sylfaen"/>
+        <a:font script="Armn" typeface="Arial"/>
+        <a:font script="Bugi" typeface="Leelawadee UI"/>
+        <a:font script="Bopo" typeface="Microsoft JhengHei"/>
+        <a:font script="Java" typeface="Javanese Text"/>
+        <a:font script="Lisu" typeface="Segoe UI"/>
+        <a:font script="Mymr" typeface="Myanmar Text"/>
+        <a:font script="Nkoo" typeface="Ebrima"/>
+        <a:font script="Olck" typeface="Nirmala UI"/>
+        <a:font script="Osma" typeface="Ebrima"/>
+        <a:font script="Phag" typeface="Phagspa"/>
+        <a:font script="Syrn" typeface="Estrangelo Edessa"/>
+        <a:font script="Syrj" typeface="Estrangelo Edessa"/>
+        <a:font script="Syre" typeface="Estrangelo Edessa"/>
+        <a:font script="Sora" typeface="Nirmala UI"/>
+        <a:font script="Tale" typeface="Microsoft Tai Le"/>
+        <a:font script="Talu" typeface="Microsoft New Tai Lue"/>
+        <a:font script="Tfng" typeface="Ebrima"/>
+      </a:minorFont>
+    </a:fontScheme>
+    <a:fmtScheme name="Office">
+      <a:fillStyleLst>
+        <a:solidFill>
+          <a:schemeClr val="phClr"/>
+        </a:solidFill>
+        <a:gradFill rotWithShape="1">
+          <a:gsLst>
+            <a:gs pos="0">
+              <a:schemeClr val="phClr">
+                <a:lumMod val="110000"/>
+                <a:satMod val="105000"/>
+                <a:tint val="67000"/>
+              </a:schemeClr>
+            </a:gs>
+            <a:gs pos="50000">
+              <a:schemeClr val="phClr">
+                <a:lumMod val="105000"/>
+                <a:satMod val="103000"/>
+                <a:tint val="73000"/>
+              </a:schemeClr>
+            </a:gs>
+            <a:gs pos="100000">
+              <a:schemeClr val="phClr">
+                <a:lumMod val="105000"/>
+                <a:satMod val="109000"/>
+                <a:tint val="81000"/>
+              </a:schemeClr>
+            </a:gs>
+          </a:gsLst>
+          <a:lin ang="5400000" scaled="0"/>
+        </a:gradFill>
+        <a:gradFill rotWithShape="1">
+          <a:gsLst>
+            <a:gs pos="0">
+              <a:schemeClr val="phClr">
+                <a:satMod val="103000"/>
+                <a:lumMod val="102000"/>
+                <a:tint val="94000"/>
+              </a:schemeClr>
+            </a:gs>
+            <a:gs pos="50000">
+              <a:schemeClr val="phClr">
+                <a:satMod val="110000"/>
+                <a:lumMod val="100000"/>
+                <a:shade val="100000"/>
+              </a:schemeClr>
+            </a:gs>
+            <a:gs pos="100000">
+              <a:schemeClr val="phClr">
+                <a:lumMod val="99000"/>
+                <a:satMod val="120000"/>
+                <a:shade val="78000"/>
+              </a:schemeClr>
+            </a:gs>
+          </a:gsLst>
+          <a:lin ang="5400000" scaled="0"/>
+        </a:gradFill>
+      </a:fillStyleLst>
+      <a:lnStyleLst>
+        <a:ln w="6350" cap="flat" cmpd="sng" algn="ctr">
+          <a:solidFill>
+            <a:schemeClr val="phClr"/>
+          </a:solidFill>
+          <a:prstDash val="solid"/>
+          <a:miter lim="800000"/>
+        </a:ln>
+        <a:ln w="12700" cap="flat" cmpd="sng" algn="ctr">
+          <a:solidFill>
+            <a:schemeClr val="phClr"/>
+          </a:solidFill>
+          <a:prstDash val="solid"/>
+          <a:miter lim="800000"/>
+        </a:ln>
+        <a:ln w="19050" cap="flat" cmpd="sng" algn="ctr">
+          <a:solidFill>
+            <a:schemeClr val="phClr"/>
+          </a:solidFill>
+          <a:prstDash val="solid"/>
+          <a:miter lim="800000"/>
+        </a:ln>
+      </a:lnStyleLst>
+      <a:effectStyleLst>
+        <a:effectStyle>
+          <a:effectLst/>
+        </a:effectStyle>
+        <a:effectStyle>
+          <a:effectLst/>
+        </a:effectStyle>
+        <a:effectStyle>
+          <a:effectLst>
+            <a:outerShdw blurRad="57150" dist="19050" dir="5400000" algn="ctr" rotWithShape="0">
+              <a:srgbClr val="000000">
+                <a:alpha val="63000"/>
+              </a:srgbClr>
+            </a:outerShdw>
+          </a:effectLst>
+        </a:effectStyle>
+      </a:effectStyleLst>
+      <a:bgFillStyleLst>
+        <a:solidFill>
+          <a:schemeClr val="phClr"/>
+        </a:solidFill>
+        <a:solidFill>
+          <a:schemeClr val="phClr">
+            <a:tint val="95000"/>
+            <a:satMod val="170000"/>
+          </a:schemeClr>
+        </a:solidFill>
+        <a:gradFill rotWithShape="1">
+          <a:gsLst>
+            <a:gs pos="0">
+              <a:schemeClr val="phClr">
+                <a:tint val="93000"/>
+                <a:satMod val="150000"/>
+                <a:shade val="98000"/>
+                <a:lumMod val="102000"/>
+              </a:schemeClr>
+            </a:gs>
+            <a:gs pos="50000">
+              <a:schemeClr val="phClr">
+                <a:tint val="98000"/>
+                <a:satMod val="130000"/>
+                <a:shade val="90000"/>
+                <a:lumMod val="103000"/>
+              </a:schemeClr>
+            </a:gs>
+            <a:gs pos="100000">
+              <a:schemeClr val="phClr">
+                <a:shade val="63000"/>
+                <a:satMod val="120000"/>
+              </a:schemeClr>
+            </a:gs>
+          </a:gsLst>
+          <a:lin ang="5400000" scaled="0"/>
+        </a:gradFill>
+      </a:bgFillStyleLst>
+    </a:fmtScheme>
+  </a:themeElements>
+  <a:objectDefaults/>
+  <a:extraClrSchemeLst/>
+  <a:extLst>
+    <a:ext uri="{05A4C25C-085E-4340-85A3-A5531E510DB2}">
+      <thm15:themeFamily xmlns:thm15="http://schemas.microsoft.com/office/thememl/2012/main" name="Office Theme" id="{62F939B6-93AF-4DB8-9C6B-D6C7DFDC589F}" vid="{4A3C46E8-61CC-4603-A589-7422A47A8E4A}"/>
+    </a:ext>
+  </a:extLst>
+</a:theme>
 </file>
--- a/folded_gilbert/20230703/進捗報告 ギルバートセルの設計.pptx
+++ b/folded_gilbert/20230703/進捗報告 ギルバートセルの設計.pptx
@@ -5,7 +5,7 @@
     <p:sldMasterId id="2147483648" r:id="rId1"/>
   </p:sldMasterIdLst>
   <p:notesMasterIdLst>
-    <p:notesMasterId r:id="rId10"/>
+    <p:notesMasterId r:id="rId13"/>
   </p:notesMasterIdLst>
   <p:sldIdLst>
     <p:sldId id="256" r:id="rId2"/>
@@ -16,6 +16,9 @@
     <p:sldId id="264" r:id="rId7"/>
     <p:sldId id="265" r:id="rId8"/>
     <p:sldId id="266" r:id="rId9"/>
+    <p:sldId id="267" r:id="rId10"/>
+    <p:sldId id="268" r:id="rId11"/>
+    <p:sldId id="269" r:id="rId12"/>
   </p:sldIdLst>
   <p:sldSz cx="12192000" cy="6858000"/>
   <p:notesSz cx="6858000" cy="9144000"/>
@@ -501,6 +504,90 @@
     </a:lvl9pPr>
   </p:notesStyle>
 </p:notesMaster>
+</file>
+
+<file path=ppt/notesSlides/notesSlide1.xml><?xml version="1.0" encoding="utf-8"?>
+<p:notes xmlns:a="http://schemas.openxmlformats.org/drawingml/2006/main" xmlns:r="http://schemas.openxmlformats.org/officeDocument/2006/relationships" xmlns:p="http://schemas.openxmlformats.org/presentationml/2006/main">
+  <p:cSld>
+    <p:spTree>
+      <p:nvGrpSpPr>
+        <p:cNvPr id="1" name=""/>
+        <p:cNvGrpSpPr/>
+        <p:nvPr/>
+      </p:nvGrpSpPr>
+      <p:grpSpPr>
+        <a:xfrm>
+          <a:off x="0" y="0"/>
+          <a:ext cx="0" cy="0"/>
+          <a:chOff x="0" y="0"/>
+          <a:chExt cx="0" cy="0"/>
+        </a:xfrm>
+      </p:grpSpPr>
+      <p:sp>
+        <p:nvSpPr>
+          <p:cNvPr id="2" name="スライド イメージ プレースホルダー 1"/>
+          <p:cNvSpPr>
+            <a:spLocks noGrp="1" noRot="1" noChangeAspect="1"/>
+          </p:cNvSpPr>
+          <p:nvPr>
+            <p:ph type="sldImg"/>
+          </p:nvPr>
+        </p:nvSpPr>
+        <p:spPr/>
+      </p:sp>
+      <p:sp>
+        <p:nvSpPr>
+          <p:cNvPr id="3" name="ノート プレースホルダー 2"/>
+          <p:cNvSpPr>
+            <a:spLocks noGrp="1"/>
+          </p:cNvSpPr>
+          <p:nvPr>
+            <p:ph type="body" idx="1"/>
+          </p:nvPr>
+        </p:nvSpPr>
+        <p:spPr/>
+        <p:txBody>
+          <a:bodyPr/>
+          <a:lstStyle/>
+          <a:p>
+            <a:endParaRPr kumimoji="1" lang="ja-JP" altLang="en-US"/>
+          </a:p>
+        </p:txBody>
+      </p:sp>
+      <p:sp>
+        <p:nvSpPr>
+          <p:cNvPr id="4" name="スライド番号プレースホルダー 3"/>
+          <p:cNvSpPr>
+            <a:spLocks noGrp="1"/>
+          </p:cNvSpPr>
+          <p:nvPr>
+            <p:ph type="sldNum" sz="quarter" idx="5"/>
+          </p:nvPr>
+        </p:nvSpPr>
+        <p:spPr/>
+        <p:txBody>
+          <a:bodyPr/>
+          <a:lstStyle/>
+          <a:p>
+            <a:fld id="{E76CE91C-0327-48DE-84F2-3453F9CC8E8D}" type="slidenum">
+              <a:rPr kumimoji="1" lang="ja-JP" altLang="en-US" smtClean="0"/>
+              <a:t>11</a:t>
+            </a:fld>
+            <a:endParaRPr kumimoji="1" lang="ja-JP" altLang="en-US"/>
+          </a:p>
+        </p:txBody>
+      </p:sp>
+    </p:spTree>
+    <p:extLst>
+      <p:ext uri="{BB962C8B-B14F-4D97-AF65-F5344CB8AC3E}">
+        <p14:creationId xmlns:p14="http://schemas.microsoft.com/office/powerpoint/2010/main" val="2301233580"/>
+      </p:ext>
+    </p:extLst>
+  </p:cSld>
+  <p:clrMapOvr>
+    <a:masterClrMapping/>
+  </p:clrMapOvr>
+</p:notes>
 </file>
 
 <file path=ppt/slideLayouts/slideLayout1.xml><?xml version="1.0" encoding="utf-8"?>
@@ -4116,6 +4203,4254 @@
 </p:sld>
 </file>
 
+<file path=ppt/slides/slide10.xml><?xml version="1.0" encoding="utf-8"?>
+<p:sld xmlns:a="http://schemas.openxmlformats.org/drawingml/2006/main" xmlns:r="http://schemas.openxmlformats.org/officeDocument/2006/relationships" xmlns:p="http://schemas.openxmlformats.org/presentationml/2006/main">
+  <p:cSld>
+    <p:spTree>
+      <p:nvGrpSpPr>
+        <p:cNvPr id="1" name=""/>
+        <p:cNvGrpSpPr/>
+        <p:nvPr/>
+      </p:nvGrpSpPr>
+      <p:grpSpPr>
+        <a:xfrm>
+          <a:off x="0" y="0"/>
+          <a:ext cx="0" cy="0"/>
+          <a:chOff x="0" y="0"/>
+          <a:chExt cx="0" cy="0"/>
+        </a:xfrm>
+      </p:grpSpPr>
+      <p:sp>
+        <p:nvSpPr>
+          <p:cNvPr id="2" name="タイトル 1">
+            <a:extLst>
+              <a:ext uri="{FF2B5EF4-FFF2-40B4-BE49-F238E27FC236}">
+                <a16:creationId xmlns:a16="http://schemas.microsoft.com/office/drawing/2014/main" id="{0D7CAA67-65CF-2324-F2F2-10EBD796D63D}"/>
+              </a:ext>
+            </a:extLst>
+          </p:cNvPr>
+          <p:cNvSpPr>
+            <a:spLocks noGrp="1"/>
+          </p:cNvSpPr>
+          <p:nvPr>
+            <p:ph type="title"/>
+          </p:nvPr>
+        </p:nvSpPr>
+        <p:spPr/>
+        <p:txBody>
+          <a:bodyPr/>
+          <a:lstStyle/>
+          <a:p>
+            <a:r>
+              <a:rPr lang="ja-JP" altLang="en-US" dirty="0"/>
+              <a:t>直流設計</a:t>
+            </a:r>
+            <a:endParaRPr kumimoji="1" lang="ja-JP" altLang="en-US" dirty="0"/>
+          </a:p>
+        </p:txBody>
+      </p:sp>
+      <p:sp>
+        <p:nvSpPr>
+          <p:cNvPr id="3" name="スライド番号プレースホルダー 2">
+            <a:extLst>
+              <a:ext uri="{FF2B5EF4-FFF2-40B4-BE49-F238E27FC236}">
+                <a16:creationId xmlns:a16="http://schemas.microsoft.com/office/drawing/2014/main" id="{AB69D6F4-FFB6-F52F-A89C-3F176091793D}"/>
+              </a:ext>
+            </a:extLst>
+          </p:cNvPr>
+          <p:cNvSpPr>
+            <a:spLocks noGrp="1"/>
+          </p:cNvSpPr>
+          <p:nvPr>
+            <p:ph type="sldNum" sz="quarter" idx="12"/>
+          </p:nvPr>
+        </p:nvSpPr>
+        <p:spPr/>
+        <p:txBody>
+          <a:bodyPr/>
+          <a:lstStyle/>
+          <a:p>
+            <a:fld id="{BAC09C9C-7DB0-444B-A568-405A39CC84C0}" type="slidenum">
+              <a:rPr kumimoji="1" lang="ja-JP" altLang="en-US" smtClean="0"/>
+              <a:t>10</a:t>
+            </a:fld>
+            <a:endParaRPr kumimoji="1" lang="ja-JP" altLang="en-US"/>
+          </a:p>
+        </p:txBody>
+      </p:sp>
+      <mc:AlternateContent xmlns:mc="http://schemas.openxmlformats.org/markup-compatibility/2006">
+        <mc:Choice xmlns:a14="http://schemas.microsoft.com/office/drawing/2010/main" Requires="a14">
+          <p:sp>
+            <p:nvSpPr>
+              <p:cNvPr id="4" name="テキスト ボックス 3">
+                <a:extLst>
+                  <a:ext uri="{FF2B5EF4-FFF2-40B4-BE49-F238E27FC236}">
+                    <a16:creationId xmlns:a16="http://schemas.microsoft.com/office/drawing/2014/main" id="{663778A5-7B4F-83C8-B897-B573A8C71708}"/>
+                  </a:ext>
+                </a:extLst>
+              </p:cNvPr>
+              <p:cNvSpPr txBox="1"/>
+              <p:nvPr/>
+            </p:nvSpPr>
+            <p:spPr>
+              <a:xfrm>
+                <a:off x="1000588" y="1246804"/>
+                <a:ext cx="10190824" cy="5687519"/>
+              </a:xfrm>
+              <a:prstGeom prst="rect">
+                <a:avLst/>
+              </a:prstGeom>
+              <a:noFill/>
+            </p:spPr>
+            <p:txBody>
+              <a:bodyPr wrap="square" rtlCol="0">
+                <a:spAutoFit/>
+              </a:bodyPr>
+              <a:lstStyle/>
+              <a:p>
+                <a:pPr algn="l"/>
+                <a14:m>
+                  <m:oMath xmlns:m="http://schemas.openxmlformats.org/officeDocument/2006/math">
+                    <m:sSub>
+                      <m:sSubPr>
+                        <m:ctrlPr>
+                          <a:rPr lang="en-US" altLang="ja-JP" sz="2400" b="0" i="1" smtClean="0">
+                            <a:latin typeface="Cambria Math" panose="02040503050406030204" pitchFamily="18" charset="0"/>
+                          </a:rPr>
+                        </m:ctrlPr>
+                      </m:sSubPr>
+                      <m:e>
+                        <m:r>
+                          <a:rPr lang="en-US" altLang="ja-JP" sz="2400" b="0" i="1" smtClean="0">
+                            <a:latin typeface="Cambria Math" panose="02040503050406030204" pitchFamily="18" charset="0"/>
+                          </a:rPr>
+                          <m:t>𝐼</m:t>
+                        </m:r>
+                      </m:e>
+                      <m:sub>
+                        <m:r>
+                          <a:rPr lang="en-US" altLang="ja-JP" sz="2400" b="0" i="1" smtClean="0">
+                            <a:latin typeface="Cambria Math" panose="02040503050406030204" pitchFamily="18" charset="0"/>
+                          </a:rPr>
+                          <m:t>𝑆</m:t>
+                        </m:r>
+                      </m:sub>
+                    </m:sSub>
+                  </m:oMath>
+                </a14:m>
+                <a:r>
+                  <a:rPr lang="ja-JP" altLang="en-US" sz="2400" b="0" dirty="0"/>
+                  <a:t>は</a:t>
+                </a:r>
+                <a:r>
+                  <a:rPr lang="en-US" altLang="ja-JP" sz="2400" b="0" dirty="0"/>
+                  <a:t>2</a:t>
+                </a:r>
+                <a:r>
+                  <a:rPr lang="ja-JP" altLang="en-US" sz="2400" b="0" dirty="0"/>
+                  <a:t>乗則より</a:t>
+                </a:r>
+                <a:endParaRPr lang="en-US" altLang="ja-JP" sz="2400" b="0" dirty="0"/>
+              </a:p>
+              <a:p>
+                <a:pPr algn="l"/>
+                <a14:m>
+                  <m:oMathPara xmlns:m="http://schemas.openxmlformats.org/officeDocument/2006/math">
+                    <m:oMathParaPr>
+                      <m:jc m:val="centerGroup"/>
+                    </m:oMathParaPr>
+                    <m:oMath xmlns:m="http://schemas.openxmlformats.org/officeDocument/2006/math">
+                      <m:sSub>
+                        <m:sSubPr>
+                          <m:ctrlPr>
+                            <a:rPr kumimoji="1" lang="en-US" altLang="ja-JP" sz="2400" b="0" i="1" smtClean="0">
+                              <a:latin typeface="Cambria Math" panose="02040503050406030204" pitchFamily="18" charset="0"/>
+                            </a:rPr>
+                          </m:ctrlPr>
+                        </m:sSubPr>
+                        <m:e>
+                          <m:r>
+                            <a:rPr kumimoji="1" lang="en-US" altLang="ja-JP" sz="2400" b="0" i="1" smtClean="0">
+                              <a:latin typeface="Cambria Math" panose="02040503050406030204" pitchFamily="18" charset="0"/>
+                            </a:rPr>
+                            <m:t>𝐼</m:t>
+                          </m:r>
+                        </m:e>
+                        <m:sub>
+                          <m:r>
+                            <a:rPr kumimoji="1" lang="en-US" altLang="ja-JP" sz="2400" b="0" i="1" smtClean="0">
+                              <a:latin typeface="Cambria Math" panose="02040503050406030204" pitchFamily="18" charset="0"/>
+                            </a:rPr>
+                            <m:t>𝑆</m:t>
+                          </m:r>
+                        </m:sub>
+                      </m:sSub>
+                      <m:r>
+                        <a:rPr kumimoji="1" lang="en-US" altLang="ja-JP" sz="2400" b="0" i="1" smtClean="0">
+                          <a:latin typeface="Cambria Math" panose="02040503050406030204" pitchFamily="18" charset="0"/>
+                        </a:rPr>
+                        <m:t>=</m:t>
+                      </m:r>
+                      <m:f>
+                        <m:fPr>
+                          <m:ctrlPr>
+                            <a:rPr kumimoji="1" lang="en-US" altLang="ja-JP" sz="2400" b="0" i="1" smtClean="0">
+                              <a:latin typeface="Cambria Math" panose="02040503050406030204" pitchFamily="18" charset="0"/>
+                            </a:rPr>
+                          </m:ctrlPr>
+                        </m:fPr>
+                        <m:num>
+                          <m:sSub>
+                            <m:sSubPr>
+                              <m:ctrlPr>
+                                <a:rPr kumimoji="1" lang="en-US" altLang="ja-JP" sz="2400" b="0" i="1" smtClean="0">
+                                  <a:latin typeface="Cambria Math" panose="02040503050406030204" pitchFamily="18" charset="0"/>
+                                </a:rPr>
+                              </m:ctrlPr>
+                            </m:sSubPr>
+                            <m:e>
+                              <m:r>
+                                <a:rPr kumimoji="1" lang="en-US" altLang="ja-JP" sz="2400" b="0" i="1" smtClean="0">
+                                  <a:latin typeface="Cambria Math" panose="02040503050406030204" pitchFamily="18" charset="0"/>
+                                </a:rPr>
+                                <m:t>𝐾</m:t>
+                              </m:r>
+                            </m:e>
+                            <m:sub>
+                              <m:r>
+                                <a:rPr kumimoji="1" lang="en-US" altLang="ja-JP" sz="2400" b="0" i="1" smtClean="0">
+                                  <a:latin typeface="Cambria Math" panose="02040503050406030204" pitchFamily="18" charset="0"/>
+                                </a:rPr>
+                                <m:t>0</m:t>
+                              </m:r>
+                            </m:sub>
+                          </m:sSub>
+                        </m:num>
+                        <m:den>
+                          <m:r>
+                            <a:rPr kumimoji="1" lang="en-US" altLang="ja-JP" sz="2400" b="0" i="1" smtClean="0">
+                              <a:latin typeface="Cambria Math" panose="02040503050406030204" pitchFamily="18" charset="0"/>
+                            </a:rPr>
+                            <m:t>2</m:t>
+                          </m:r>
+                        </m:den>
+                      </m:f>
+                      <m:r>
+                        <a:rPr kumimoji="1" lang="en-US" altLang="ja-JP" sz="2400" b="0" i="1" smtClean="0">
+                          <a:latin typeface="Cambria Math" panose="02040503050406030204" pitchFamily="18" charset="0"/>
+                        </a:rPr>
+                        <m:t>⋅</m:t>
+                      </m:r>
+                      <m:f>
+                        <m:fPr>
+                          <m:ctrlPr>
+                            <a:rPr kumimoji="1" lang="en-US" altLang="ja-JP" sz="2400" b="0" i="1" smtClean="0">
+                              <a:latin typeface="Cambria Math" panose="02040503050406030204" pitchFamily="18" charset="0"/>
+                            </a:rPr>
+                          </m:ctrlPr>
+                        </m:fPr>
+                        <m:num>
+                          <m:sSub>
+                            <m:sSubPr>
+                              <m:ctrlPr>
+                                <a:rPr kumimoji="1" lang="en-US" altLang="ja-JP" sz="2400" b="0" i="1" smtClean="0">
+                                  <a:latin typeface="Cambria Math" panose="02040503050406030204" pitchFamily="18" charset="0"/>
+                                </a:rPr>
+                              </m:ctrlPr>
+                            </m:sSubPr>
+                            <m:e>
+                              <m:r>
+                                <a:rPr kumimoji="1" lang="en-US" altLang="ja-JP" sz="2400" b="0" i="1" smtClean="0">
+                                  <a:latin typeface="Cambria Math" panose="02040503050406030204" pitchFamily="18" charset="0"/>
+                                </a:rPr>
+                                <m:t>𝑊</m:t>
+                              </m:r>
+                            </m:e>
+                            <m:sub>
+                              <m:r>
+                                <a:rPr kumimoji="1" lang="en-US" altLang="ja-JP" sz="2400" b="0" i="1" smtClean="0">
+                                  <a:latin typeface="Cambria Math" panose="02040503050406030204" pitchFamily="18" charset="0"/>
+                                </a:rPr>
+                                <m:t>𝐶</m:t>
+                              </m:r>
+                            </m:sub>
+                          </m:sSub>
+                        </m:num>
+                        <m:den>
+                          <m:r>
+                            <a:rPr kumimoji="1" lang="en-US" altLang="ja-JP" sz="2400" b="0" i="1" smtClean="0">
+                              <a:latin typeface="Cambria Math" panose="02040503050406030204" pitchFamily="18" charset="0"/>
+                            </a:rPr>
+                            <m:t>𝐿</m:t>
+                          </m:r>
+                        </m:den>
+                      </m:f>
+                      <m:r>
+                        <a:rPr kumimoji="1" lang="en-US" altLang="ja-JP" sz="2400" b="0" i="1" smtClean="0">
+                          <a:latin typeface="Cambria Math" panose="02040503050406030204" pitchFamily="18" charset="0"/>
+                        </a:rPr>
+                        <m:t>⋅</m:t>
+                      </m:r>
+                      <m:sSup>
+                        <m:sSupPr>
+                          <m:ctrlPr>
+                            <a:rPr kumimoji="1" lang="en-US" altLang="ja-JP" sz="2400" b="0" i="1" smtClean="0">
+                              <a:latin typeface="Cambria Math" panose="02040503050406030204" pitchFamily="18" charset="0"/>
+                            </a:rPr>
+                          </m:ctrlPr>
+                        </m:sSupPr>
+                        <m:e>
+                          <m:d>
+                            <m:dPr>
+                              <m:ctrlPr>
+                                <a:rPr kumimoji="1" lang="en-US" altLang="ja-JP" sz="2400" b="0" i="1" smtClean="0">
+                                  <a:latin typeface="Cambria Math" panose="02040503050406030204" pitchFamily="18" charset="0"/>
+                                </a:rPr>
+                              </m:ctrlPr>
+                            </m:dPr>
+                            <m:e>
+                              <m:sSub>
+                                <m:sSubPr>
+                                  <m:ctrlPr>
+                                    <a:rPr kumimoji="1" lang="en-US" altLang="ja-JP" sz="2400" b="0" i="1" smtClean="0">
+                                      <a:latin typeface="Cambria Math" panose="02040503050406030204" pitchFamily="18" charset="0"/>
+                                    </a:rPr>
+                                  </m:ctrlPr>
+                                </m:sSubPr>
+                                <m:e>
+                                  <m:r>
+                                    <a:rPr kumimoji="1" lang="en-US" altLang="ja-JP" sz="2400" b="0" i="1" smtClean="0">
+                                      <a:latin typeface="Cambria Math" panose="02040503050406030204" pitchFamily="18" charset="0"/>
+                                    </a:rPr>
+                                    <m:t>𝑉</m:t>
+                                  </m:r>
+                                </m:e>
+                                <m:sub>
+                                  <m:r>
+                                    <a:rPr kumimoji="1" lang="en-US" altLang="ja-JP" sz="2400" b="0" i="1" smtClean="0">
+                                      <a:latin typeface="Cambria Math" panose="02040503050406030204" pitchFamily="18" charset="0"/>
+                                    </a:rPr>
+                                    <m:t>𝐶</m:t>
+                                  </m:r>
+                                </m:sub>
+                              </m:sSub>
+                              <m:r>
+                                <a:rPr kumimoji="1" lang="en-US" altLang="ja-JP" sz="2400" b="0" i="1" smtClean="0">
+                                  <a:latin typeface="Cambria Math" panose="02040503050406030204" pitchFamily="18" charset="0"/>
+                                </a:rPr>
+                                <m:t>−</m:t>
+                              </m:r>
+                              <m:sSub>
+                                <m:sSubPr>
+                                  <m:ctrlPr>
+                                    <a:rPr kumimoji="1" lang="en-US" altLang="ja-JP" sz="2400" b="0" i="1" smtClean="0">
+                                      <a:latin typeface="Cambria Math" panose="02040503050406030204" pitchFamily="18" charset="0"/>
+                                    </a:rPr>
+                                  </m:ctrlPr>
+                                </m:sSubPr>
+                                <m:e>
+                                  <m:r>
+                                    <a:rPr kumimoji="1" lang="en-US" altLang="ja-JP" sz="2400" b="0" i="1" smtClean="0">
+                                      <a:latin typeface="Cambria Math" panose="02040503050406030204" pitchFamily="18" charset="0"/>
+                                    </a:rPr>
+                                    <m:t>𝑉</m:t>
+                                  </m:r>
+                                </m:e>
+                                <m:sub>
+                                  <m:r>
+                                    <a:rPr kumimoji="1" lang="en-US" altLang="ja-JP" sz="2400" b="0" i="1" smtClean="0">
+                                      <a:latin typeface="Cambria Math" panose="02040503050406030204" pitchFamily="18" charset="0"/>
+                                    </a:rPr>
+                                    <m:t>𝑡h</m:t>
+                                  </m:r>
+                                </m:sub>
+                              </m:sSub>
+                            </m:e>
+                          </m:d>
+                        </m:e>
+                        <m:sup>
+                          <m:r>
+                            <a:rPr kumimoji="1" lang="en-US" altLang="ja-JP" sz="2400" b="0" i="1" smtClean="0">
+                              <a:latin typeface="Cambria Math" panose="02040503050406030204" pitchFamily="18" charset="0"/>
+                            </a:rPr>
+                            <m:t>2</m:t>
+                          </m:r>
+                        </m:sup>
+                      </m:sSup>
+                    </m:oMath>
+                  </m:oMathPara>
+                </a14:m>
+                <a:endParaRPr kumimoji="1" lang="en-US" altLang="ja-JP" sz="2400" b="0" dirty="0"/>
+              </a:p>
+              <a:p>
+                <a:pPr algn="l"/>
+                <a14:m>
+                  <m:oMathPara xmlns:m="http://schemas.openxmlformats.org/officeDocument/2006/math">
+                    <m:oMathParaPr>
+                      <m:jc m:val="centerGroup"/>
+                    </m:oMathParaPr>
+                    <m:oMath xmlns:m="http://schemas.openxmlformats.org/officeDocument/2006/math">
+                      <m:sSub>
+                        <m:sSubPr>
+                          <m:ctrlPr>
+                            <a:rPr kumimoji="1" lang="en-US" altLang="ja-JP" sz="2400" b="0" i="1" smtClean="0">
+                              <a:latin typeface="Cambria Math" panose="02040503050406030204" pitchFamily="18" charset="0"/>
+                            </a:rPr>
+                          </m:ctrlPr>
+                        </m:sSubPr>
+                        <m:e>
+                          <m:r>
+                            <a:rPr kumimoji="1" lang="en-US" altLang="ja-JP" sz="2400" b="0" i="1" smtClean="0">
+                              <a:latin typeface="Cambria Math" panose="02040503050406030204" pitchFamily="18" charset="0"/>
+                            </a:rPr>
+                            <m:t>𝑊</m:t>
+                          </m:r>
+                        </m:e>
+                        <m:sub>
+                          <m:r>
+                            <a:rPr kumimoji="1" lang="en-US" altLang="ja-JP" sz="2400" b="0" i="1" smtClean="0">
+                              <a:latin typeface="Cambria Math" panose="02040503050406030204" pitchFamily="18" charset="0"/>
+                            </a:rPr>
+                            <m:t>𝐶</m:t>
+                          </m:r>
+                        </m:sub>
+                      </m:sSub>
+                      <m:r>
+                        <a:rPr kumimoji="1" lang="en-US" altLang="ja-JP" sz="2400" b="0" i="1" smtClean="0">
+                          <a:latin typeface="Cambria Math" panose="02040503050406030204" pitchFamily="18" charset="0"/>
+                        </a:rPr>
+                        <m:t>=</m:t>
+                      </m:r>
+                      <m:f>
+                        <m:fPr>
+                          <m:ctrlPr>
+                            <a:rPr kumimoji="1" lang="en-US" altLang="ja-JP" sz="2400" b="0" i="1" smtClean="0">
+                              <a:latin typeface="Cambria Math" panose="02040503050406030204" pitchFamily="18" charset="0"/>
+                            </a:rPr>
+                          </m:ctrlPr>
+                        </m:fPr>
+                        <m:num>
+                          <m:r>
+                            <a:rPr kumimoji="1" lang="en-US" altLang="ja-JP" sz="2400" b="0" i="1" smtClean="0">
+                              <a:latin typeface="Cambria Math" panose="02040503050406030204" pitchFamily="18" charset="0"/>
+                            </a:rPr>
+                            <m:t>2</m:t>
+                          </m:r>
+                          <m:r>
+                            <a:rPr kumimoji="1" lang="en-US" altLang="ja-JP" sz="2400" b="0" i="1" smtClean="0">
+                              <a:latin typeface="Cambria Math" panose="02040503050406030204" pitchFamily="18" charset="0"/>
+                            </a:rPr>
+                            <m:t>⋅</m:t>
+                          </m:r>
+                          <m:r>
+                            <a:rPr kumimoji="1" lang="en-US" altLang="ja-JP" sz="2400" b="0" i="1" smtClean="0">
+                              <a:latin typeface="Cambria Math" panose="02040503050406030204" pitchFamily="18" charset="0"/>
+                            </a:rPr>
+                            <m:t>𝐿</m:t>
+                          </m:r>
+                          <m:r>
+                            <a:rPr kumimoji="1" lang="en-US" altLang="ja-JP" sz="2400" b="0" i="1" smtClean="0">
+                              <a:latin typeface="Cambria Math" panose="02040503050406030204" pitchFamily="18" charset="0"/>
+                            </a:rPr>
+                            <m:t>⋅</m:t>
+                          </m:r>
+                          <m:sSub>
+                            <m:sSubPr>
+                              <m:ctrlPr>
+                                <a:rPr kumimoji="1" lang="en-US" altLang="ja-JP" sz="2400" b="0" i="1" smtClean="0">
+                                  <a:latin typeface="Cambria Math" panose="02040503050406030204" pitchFamily="18" charset="0"/>
+                                </a:rPr>
+                              </m:ctrlPr>
+                            </m:sSubPr>
+                            <m:e>
+                              <m:r>
+                                <a:rPr kumimoji="1" lang="en-US" altLang="ja-JP" sz="2400" b="0" i="1" smtClean="0">
+                                  <a:latin typeface="Cambria Math" panose="02040503050406030204" pitchFamily="18" charset="0"/>
+                                </a:rPr>
+                                <m:t>𝐼</m:t>
+                              </m:r>
+                            </m:e>
+                            <m:sub>
+                              <m:r>
+                                <a:rPr kumimoji="1" lang="en-US" altLang="ja-JP" sz="2400" b="0" i="1" smtClean="0">
+                                  <a:latin typeface="Cambria Math" panose="02040503050406030204" pitchFamily="18" charset="0"/>
+                                </a:rPr>
+                                <m:t>𝑆</m:t>
+                              </m:r>
+                            </m:sub>
+                          </m:sSub>
+                        </m:num>
+                        <m:den>
+                          <m:sSub>
+                            <m:sSubPr>
+                              <m:ctrlPr>
+                                <a:rPr kumimoji="1" lang="en-US" altLang="ja-JP" sz="2400" b="0" i="1" smtClean="0">
+                                  <a:latin typeface="Cambria Math" panose="02040503050406030204" pitchFamily="18" charset="0"/>
+                                </a:rPr>
+                              </m:ctrlPr>
+                            </m:sSubPr>
+                            <m:e>
+                              <m:r>
+                                <a:rPr kumimoji="1" lang="en-US" altLang="ja-JP" sz="2400" b="0" i="1" smtClean="0">
+                                  <a:latin typeface="Cambria Math" panose="02040503050406030204" pitchFamily="18" charset="0"/>
+                                </a:rPr>
+                                <m:t>𝐾</m:t>
+                              </m:r>
+                            </m:e>
+                            <m:sub>
+                              <m:r>
+                                <a:rPr kumimoji="1" lang="en-US" altLang="ja-JP" sz="2400" b="0" i="1" smtClean="0">
+                                  <a:latin typeface="Cambria Math" panose="02040503050406030204" pitchFamily="18" charset="0"/>
+                                </a:rPr>
+                                <m:t>0</m:t>
+                              </m:r>
+                            </m:sub>
+                          </m:sSub>
+                          <m:r>
+                            <a:rPr kumimoji="1" lang="en-US" altLang="ja-JP" sz="2400" b="0" i="1" smtClean="0">
+                              <a:latin typeface="Cambria Math" panose="02040503050406030204" pitchFamily="18" charset="0"/>
+                            </a:rPr>
+                            <m:t>⋅</m:t>
+                          </m:r>
+                          <m:sSup>
+                            <m:sSupPr>
+                              <m:ctrlPr>
+                                <a:rPr kumimoji="1" lang="en-US" altLang="ja-JP" sz="2400" b="0" i="1" smtClean="0">
+                                  <a:latin typeface="Cambria Math" panose="02040503050406030204" pitchFamily="18" charset="0"/>
+                                </a:rPr>
+                              </m:ctrlPr>
+                            </m:sSupPr>
+                            <m:e>
+                              <m:d>
+                                <m:dPr>
+                                  <m:ctrlPr>
+                                    <a:rPr kumimoji="1" lang="en-US" altLang="ja-JP" sz="2400" b="0" i="1" smtClean="0">
+                                      <a:latin typeface="Cambria Math" panose="02040503050406030204" pitchFamily="18" charset="0"/>
+                                    </a:rPr>
+                                  </m:ctrlPr>
+                                </m:dPr>
+                                <m:e>
+                                  <m:sSub>
+                                    <m:sSubPr>
+                                      <m:ctrlPr>
+                                        <a:rPr kumimoji="1" lang="en-US" altLang="ja-JP" sz="2400" b="0" i="1" smtClean="0">
+                                          <a:latin typeface="Cambria Math" panose="02040503050406030204" pitchFamily="18" charset="0"/>
+                                        </a:rPr>
+                                      </m:ctrlPr>
+                                    </m:sSubPr>
+                                    <m:e>
+                                      <m:r>
+                                        <a:rPr kumimoji="1" lang="en-US" altLang="ja-JP" sz="2400" b="0" i="1" smtClean="0">
+                                          <a:latin typeface="Cambria Math" panose="02040503050406030204" pitchFamily="18" charset="0"/>
+                                        </a:rPr>
+                                        <m:t>𝑉</m:t>
+                                      </m:r>
+                                    </m:e>
+                                    <m:sub>
+                                      <m:r>
+                                        <a:rPr kumimoji="1" lang="en-US" altLang="ja-JP" sz="2400" b="0" i="1" smtClean="0">
+                                          <a:latin typeface="Cambria Math" panose="02040503050406030204" pitchFamily="18" charset="0"/>
+                                        </a:rPr>
+                                        <m:t>𝐶</m:t>
+                                      </m:r>
+                                    </m:sub>
+                                  </m:sSub>
+                                  <m:r>
+                                    <a:rPr kumimoji="1" lang="en-US" altLang="ja-JP" sz="2400" b="0" i="1" smtClean="0">
+                                      <a:latin typeface="Cambria Math" panose="02040503050406030204" pitchFamily="18" charset="0"/>
+                                    </a:rPr>
+                                    <m:t>−</m:t>
+                                  </m:r>
+                                  <m:sSub>
+                                    <m:sSubPr>
+                                      <m:ctrlPr>
+                                        <a:rPr kumimoji="1" lang="en-US" altLang="ja-JP" sz="2400" b="0" i="1" smtClean="0">
+                                          <a:latin typeface="Cambria Math" panose="02040503050406030204" pitchFamily="18" charset="0"/>
+                                        </a:rPr>
+                                      </m:ctrlPr>
+                                    </m:sSubPr>
+                                    <m:e>
+                                      <m:r>
+                                        <a:rPr kumimoji="1" lang="en-US" altLang="ja-JP" sz="2400" b="0" i="1" smtClean="0">
+                                          <a:latin typeface="Cambria Math" panose="02040503050406030204" pitchFamily="18" charset="0"/>
+                                        </a:rPr>
+                                        <m:t>𝑉</m:t>
+                                      </m:r>
+                                    </m:e>
+                                    <m:sub>
+                                      <m:r>
+                                        <a:rPr kumimoji="1" lang="en-US" altLang="ja-JP" sz="2400" b="0" i="1" smtClean="0">
+                                          <a:latin typeface="Cambria Math" panose="02040503050406030204" pitchFamily="18" charset="0"/>
+                                        </a:rPr>
+                                        <m:t>𝑡h</m:t>
+                                      </m:r>
+                                    </m:sub>
+                                  </m:sSub>
+                                </m:e>
+                              </m:d>
+                            </m:e>
+                            <m:sup>
+                              <m:r>
+                                <a:rPr kumimoji="1" lang="en-US" altLang="ja-JP" sz="2400" b="0" i="1" smtClean="0">
+                                  <a:latin typeface="Cambria Math" panose="02040503050406030204" pitchFamily="18" charset="0"/>
+                                </a:rPr>
+                                <m:t>2</m:t>
+                              </m:r>
+                            </m:sup>
+                          </m:sSup>
+                        </m:den>
+                      </m:f>
+                      <m:r>
+                        <a:rPr kumimoji="1" lang="en-US" altLang="ja-JP" sz="2400" b="0" i="1" smtClean="0">
+                          <a:latin typeface="Cambria Math" panose="02040503050406030204" pitchFamily="18" charset="0"/>
+                        </a:rPr>
+                        <m:t>=2.7×</m:t>
+                      </m:r>
+                      <m:sSup>
+                        <m:sSupPr>
+                          <m:ctrlPr>
+                            <a:rPr kumimoji="1" lang="en-US" altLang="ja-JP" sz="2400" b="0" i="1" smtClean="0">
+                              <a:latin typeface="Cambria Math" panose="02040503050406030204" pitchFamily="18" charset="0"/>
+                            </a:rPr>
+                          </m:ctrlPr>
+                        </m:sSupPr>
+                        <m:e>
+                          <m:r>
+                            <a:rPr kumimoji="1" lang="en-US" altLang="ja-JP" sz="2400" b="0" i="1" smtClean="0">
+                              <a:latin typeface="Cambria Math" panose="02040503050406030204" pitchFamily="18" charset="0"/>
+                            </a:rPr>
+                            <m:t>10</m:t>
+                          </m:r>
+                        </m:e>
+                        <m:sup>
+                          <m:r>
+                            <a:rPr kumimoji="1" lang="en-US" altLang="ja-JP" sz="2400" b="0" i="1" smtClean="0">
+                              <a:latin typeface="Cambria Math" panose="02040503050406030204" pitchFamily="18" charset="0"/>
+                            </a:rPr>
+                            <m:t>−4</m:t>
+                          </m:r>
+                        </m:sup>
+                      </m:sSup>
+                      <m:r>
+                        <a:rPr kumimoji="1" lang="en-US" altLang="ja-JP" sz="2400" b="0" i="1" smtClean="0">
+                          <a:latin typeface="Cambria Math" panose="02040503050406030204" pitchFamily="18" charset="0"/>
+                        </a:rPr>
+                        <m:t>=270 </m:t>
+                      </m:r>
+                      <m:r>
+                        <m:rPr>
+                          <m:sty m:val="p"/>
+                        </m:rPr>
+                        <a:rPr kumimoji="1" lang="en-US" altLang="ja-JP" sz="2400" b="0" i="0" smtClean="0">
+                          <a:latin typeface="Cambria Math" panose="02040503050406030204" pitchFamily="18" charset="0"/>
+                        </a:rPr>
+                        <m:t>μm</m:t>
+                      </m:r>
+                    </m:oMath>
+                  </m:oMathPara>
+                </a14:m>
+                <a:endParaRPr kumimoji="1" lang="en-US" altLang="ja-JP" sz="2400" b="0" dirty="0"/>
+              </a:p>
+              <a:p>
+                <a:pPr algn="l"/>
+                <a:r>
+                  <a:rPr lang="ja-JP" altLang="en-US" sz="2400" dirty="0"/>
+                  <a:t>同様にして、</a:t>
+                </a:r>
+                <a14:m>
+                  <m:oMath xmlns:m="http://schemas.openxmlformats.org/officeDocument/2006/math">
+                    <m:sSub>
+                      <m:sSubPr>
+                        <m:ctrlPr>
+                          <a:rPr lang="en-US" altLang="ja-JP" sz="2400" b="0" i="1" smtClean="0">
+                            <a:latin typeface="Cambria Math" panose="02040503050406030204" pitchFamily="18" charset="0"/>
+                          </a:rPr>
+                        </m:ctrlPr>
+                      </m:sSubPr>
+                      <m:e>
+                        <m:r>
+                          <a:rPr lang="en-US" altLang="ja-JP" sz="2400" b="0" i="1" smtClean="0">
+                            <a:latin typeface="Cambria Math" panose="02040503050406030204" pitchFamily="18" charset="0"/>
+                          </a:rPr>
+                          <m:t>𝑀</m:t>
+                        </m:r>
+                      </m:e>
+                      <m:sub>
+                        <m:r>
+                          <a:rPr lang="en-US" altLang="ja-JP" sz="2400" b="0" i="1" smtClean="0">
+                            <a:latin typeface="Cambria Math" panose="02040503050406030204" pitchFamily="18" charset="0"/>
+                          </a:rPr>
+                          <m:t>𝐵</m:t>
+                        </m:r>
+                      </m:sub>
+                    </m:sSub>
+                  </m:oMath>
+                </a14:m>
+                <a:r>
+                  <a:rPr kumimoji="1" lang="ja-JP" altLang="en-US" sz="2400" b="0" dirty="0"/>
+                  <a:t>には</a:t>
+                </a:r>
+                <a14:m>
+                  <m:oMath xmlns:m="http://schemas.openxmlformats.org/officeDocument/2006/math">
+                    <m:sSub>
+                      <m:sSubPr>
+                        <m:ctrlPr>
+                          <a:rPr kumimoji="1" lang="en-US" altLang="ja-JP" sz="2400" b="0" i="1" dirty="0" smtClean="0">
+                            <a:latin typeface="Cambria Math" panose="02040503050406030204" pitchFamily="18" charset="0"/>
+                          </a:rPr>
+                        </m:ctrlPr>
+                      </m:sSubPr>
+                      <m:e>
+                        <m:r>
+                          <a:rPr kumimoji="1" lang="en-US" altLang="ja-JP" sz="2400" b="0" i="1" dirty="0" smtClean="0">
+                            <a:latin typeface="Cambria Math" panose="02040503050406030204" pitchFamily="18" charset="0"/>
+                          </a:rPr>
+                          <m:t>𝐼</m:t>
+                        </m:r>
+                      </m:e>
+                      <m:sub>
+                        <m:r>
+                          <a:rPr kumimoji="1" lang="en-US" altLang="ja-JP" sz="2400" b="0" i="1" dirty="0" smtClean="0">
+                            <a:latin typeface="Cambria Math" panose="02040503050406030204" pitchFamily="18" charset="0"/>
+                          </a:rPr>
+                          <m:t>𝑆</m:t>
+                        </m:r>
+                      </m:sub>
+                    </m:sSub>
+                  </m:oMath>
+                </a14:m>
+                <a:r>
+                  <a:rPr kumimoji="1" lang="ja-JP" altLang="en-US" sz="2400" b="0" dirty="0"/>
+                  <a:t>の半分がそれぞれ流れるので</a:t>
+                </a:r>
+                <a:endParaRPr kumimoji="1" lang="en-US" altLang="ja-JP" sz="2400" b="0" dirty="0"/>
+              </a:p>
+              <a:p>
+                <a14:m>
+                  <m:oMathPara xmlns:m="http://schemas.openxmlformats.org/officeDocument/2006/math">
+                    <m:oMathParaPr>
+                      <m:jc m:val="centerGroup"/>
+                    </m:oMathParaPr>
+                    <m:oMath xmlns:m="http://schemas.openxmlformats.org/officeDocument/2006/math">
+                      <m:sSub>
+                        <m:sSubPr>
+                          <m:ctrlPr>
+                            <a:rPr lang="en-US" altLang="ja-JP" sz="2400" i="1">
+                              <a:latin typeface="Cambria Math" panose="02040503050406030204" pitchFamily="18" charset="0"/>
+                            </a:rPr>
+                          </m:ctrlPr>
+                        </m:sSubPr>
+                        <m:e>
+                          <m:r>
+                            <a:rPr lang="en-US" altLang="ja-JP" sz="2400" i="1">
+                              <a:latin typeface="Cambria Math" panose="02040503050406030204" pitchFamily="18" charset="0"/>
+                            </a:rPr>
+                            <m:t>𝑊</m:t>
+                          </m:r>
+                        </m:e>
+                        <m:sub>
+                          <m:r>
+                            <a:rPr lang="en-US" altLang="ja-JP" sz="2400" b="0" i="1" smtClean="0">
+                              <a:latin typeface="Cambria Math" panose="02040503050406030204" pitchFamily="18" charset="0"/>
+                            </a:rPr>
+                            <m:t>𝐵</m:t>
+                          </m:r>
+                        </m:sub>
+                      </m:sSub>
+                      <m:r>
+                        <a:rPr lang="en-US" altLang="ja-JP" sz="2400" i="1">
+                          <a:latin typeface="Cambria Math" panose="02040503050406030204" pitchFamily="18" charset="0"/>
+                        </a:rPr>
+                        <m:t>=</m:t>
+                      </m:r>
+                      <m:f>
+                        <m:fPr>
+                          <m:ctrlPr>
+                            <a:rPr lang="en-US" altLang="ja-JP" sz="2400" i="1">
+                              <a:latin typeface="Cambria Math" panose="02040503050406030204" pitchFamily="18" charset="0"/>
+                            </a:rPr>
+                          </m:ctrlPr>
+                        </m:fPr>
+                        <m:num>
+                          <m:r>
+                            <a:rPr lang="en-US" altLang="ja-JP" sz="2400" i="1">
+                              <a:latin typeface="Cambria Math" panose="02040503050406030204" pitchFamily="18" charset="0"/>
+                            </a:rPr>
+                            <m:t>2⋅</m:t>
+                          </m:r>
+                          <m:r>
+                            <a:rPr lang="en-US" altLang="ja-JP" sz="2400" i="1">
+                              <a:latin typeface="Cambria Math" panose="02040503050406030204" pitchFamily="18" charset="0"/>
+                            </a:rPr>
+                            <m:t>𝐿</m:t>
+                          </m:r>
+                          <m:r>
+                            <a:rPr lang="en-US" altLang="ja-JP" sz="2400" i="1">
+                              <a:latin typeface="Cambria Math" panose="02040503050406030204" pitchFamily="18" charset="0"/>
+                            </a:rPr>
+                            <m:t>⋅</m:t>
+                          </m:r>
+                          <m:f>
+                            <m:fPr>
+                              <m:ctrlPr>
+                                <a:rPr lang="en-US" altLang="ja-JP" sz="2400" b="0" i="1" smtClean="0">
+                                  <a:latin typeface="Cambria Math" panose="02040503050406030204" pitchFamily="18" charset="0"/>
+                                </a:rPr>
+                              </m:ctrlPr>
+                            </m:fPr>
+                            <m:num>
+                              <m:sSub>
+                                <m:sSubPr>
+                                  <m:ctrlPr>
+                                    <a:rPr lang="en-US" altLang="ja-JP" sz="2400" i="1">
+                                      <a:latin typeface="Cambria Math" panose="02040503050406030204" pitchFamily="18" charset="0"/>
+                                    </a:rPr>
+                                  </m:ctrlPr>
+                                </m:sSubPr>
+                                <m:e>
+                                  <m:r>
+                                    <a:rPr lang="en-US" altLang="ja-JP" sz="2400" i="1">
+                                      <a:latin typeface="Cambria Math" panose="02040503050406030204" pitchFamily="18" charset="0"/>
+                                    </a:rPr>
+                                    <m:t>𝐼</m:t>
+                                  </m:r>
+                                </m:e>
+                                <m:sub>
+                                  <m:r>
+                                    <a:rPr lang="en-US" altLang="ja-JP" sz="2400" i="1">
+                                      <a:latin typeface="Cambria Math" panose="02040503050406030204" pitchFamily="18" charset="0"/>
+                                    </a:rPr>
+                                    <m:t>𝑆</m:t>
+                                  </m:r>
+                                </m:sub>
+                              </m:sSub>
+                            </m:num>
+                            <m:den>
+                              <m:r>
+                                <a:rPr lang="en-US" altLang="ja-JP" sz="2400" b="0" i="1" smtClean="0">
+                                  <a:latin typeface="Cambria Math" panose="02040503050406030204" pitchFamily="18" charset="0"/>
+                                </a:rPr>
+                                <m:t>2</m:t>
+                              </m:r>
+                            </m:den>
+                          </m:f>
+                        </m:num>
+                        <m:den>
+                          <m:sSub>
+                            <m:sSubPr>
+                              <m:ctrlPr>
+                                <a:rPr lang="en-US" altLang="ja-JP" sz="2400" i="1">
+                                  <a:latin typeface="Cambria Math" panose="02040503050406030204" pitchFamily="18" charset="0"/>
+                                </a:rPr>
+                              </m:ctrlPr>
+                            </m:sSubPr>
+                            <m:e>
+                              <m:r>
+                                <a:rPr lang="en-US" altLang="ja-JP" sz="2400" i="1">
+                                  <a:latin typeface="Cambria Math" panose="02040503050406030204" pitchFamily="18" charset="0"/>
+                                </a:rPr>
+                                <m:t>𝐾</m:t>
+                              </m:r>
+                            </m:e>
+                            <m:sub>
+                              <m:r>
+                                <a:rPr lang="en-US" altLang="ja-JP" sz="2400" i="1">
+                                  <a:latin typeface="Cambria Math" panose="02040503050406030204" pitchFamily="18" charset="0"/>
+                                </a:rPr>
+                                <m:t>0</m:t>
+                              </m:r>
+                            </m:sub>
+                          </m:sSub>
+                          <m:r>
+                            <a:rPr lang="en-US" altLang="ja-JP" sz="2400" i="1">
+                              <a:latin typeface="Cambria Math" panose="02040503050406030204" pitchFamily="18" charset="0"/>
+                            </a:rPr>
+                            <m:t>⋅</m:t>
+                          </m:r>
+                          <m:sSup>
+                            <m:sSupPr>
+                              <m:ctrlPr>
+                                <a:rPr lang="en-US" altLang="ja-JP" sz="2400" i="1">
+                                  <a:latin typeface="Cambria Math" panose="02040503050406030204" pitchFamily="18" charset="0"/>
+                                </a:rPr>
+                              </m:ctrlPr>
+                            </m:sSupPr>
+                            <m:e>
+                              <m:d>
+                                <m:dPr>
+                                  <m:ctrlPr>
+                                    <a:rPr lang="en-US" altLang="ja-JP" sz="2400" i="1">
+                                      <a:latin typeface="Cambria Math" panose="02040503050406030204" pitchFamily="18" charset="0"/>
+                                    </a:rPr>
+                                  </m:ctrlPr>
+                                </m:dPr>
+                                <m:e>
+                                  <m:sSub>
+                                    <m:sSubPr>
+                                      <m:ctrlPr>
+                                        <a:rPr lang="en-US" altLang="ja-JP" sz="2400" i="1">
+                                          <a:latin typeface="Cambria Math" panose="02040503050406030204" pitchFamily="18" charset="0"/>
+                                        </a:rPr>
+                                      </m:ctrlPr>
+                                    </m:sSubPr>
+                                    <m:e>
+                                      <m:r>
+                                        <a:rPr lang="en-US" altLang="ja-JP" sz="2400" i="1">
+                                          <a:latin typeface="Cambria Math" panose="02040503050406030204" pitchFamily="18" charset="0"/>
+                                        </a:rPr>
+                                        <m:t>𝑉</m:t>
+                                      </m:r>
+                                    </m:e>
+                                    <m:sub>
+                                      <m:r>
+                                        <a:rPr lang="en-US" altLang="ja-JP" sz="2400" b="0" i="1" smtClean="0">
+                                          <a:latin typeface="Cambria Math" panose="02040503050406030204" pitchFamily="18" charset="0"/>
+                                        </a:rPr>
+                                        <m:t>𝐵</m:t>
+                                      </m:r>
+                                    </m:sub>
+                                  </m:sSub>
+                                  <m:r>
+                                    <a:rPr lang="en-US" altLang="ja-JP" sz="2400" b="0" i="1" smtClean="0">
+                                      <a:latin typeface="Cambria Math" panose="02040503050406030204" pitchFamily="18" charset="0"/>
+                                    </a:rPr>
+                                    <m:t>−</m:t>
+                                  </m:r>
+                                  <m:sSub>
+                                    <m:sSubPr>
+                                      <m:ctrlPr>
+                                        <a:rPr lang="en-US" altLang="ja-JP" sz="2400" b="0" i="1" smtClean="0">
+                                          <a:latin typeface="Cambria Math" panose="02040503050406030204" pitchFamily="18" charset="0"/>
+                                        </a:rPr>
+                                      </m:ctrlPr>
+                                    </m:sSubPr>
+                                    <m:e>
+                                      <m:r>
+                                        <a:rPr lang="en-US" altLang="ja-JP" sz="2400" b="0" i="1" smtClean="0">
+                                          <a:latin typeface="Cambria Math" panose="02040503050406030204" pitchFamily="18" charset="0"/>
+                                        </a:rPr>
+                                        <m:t>𝑉</m:t>
+                                      </m:r>
+                                    </m:e>
+                                    <m:sub>
+                                      <m:r>
+                                        <a:rPr lang="en-US" altLang="ja-JP" sz="2400" b="0" i="1" smtClean="0">
+                                          <a:latin typeface="Cambria Math" panose="02040503050406030204" pitchFamily="18" charset="0"/>
+                                        </a:rPr>
+                                        <m:t>𝑆</m:t>
+                                      </m:r>
+                                    </m:sub>
+                                  </m:sSub>
+                                  <m:r>
+                                    <a:rPr lang="en-US" altLang="ja-JP" sz="2400" i="1">
+                                      <a:latin typeface="Cambria Math" panose="02040503050406030204" pitchFamily="18" charset="0"/>
+                                    </a:rPr>
+                                    <m:t>−</m:t>
+                                  </m:r>
+                                  <m:sSub>
+                                    <m:sSubPr>
+                                      <m:ctrlPr>
+                                        <a:rPr lang="en-US" altLang="ja-JP" sz="2400" i="1">
+                                          <a:latin typeface="Cambria Math" panose="02040503050406030204" pitchFamily="18" charset="0"/>
+                                        </a:rPr>
+                                      </m:ctrlPr>
+                                    </m:sSubPr>
+                                    <m:e>
+                                      <m:r>
+                                        <a:rPr lang="en-US" altLang="ja-JP" sz="2400" i="1">
+                                          <a:latin typeface="Cambria Math" panose="02040503050406030204" pitchFamily="18" charset="0"/>
+                                        </a:rPr>
+                                        <m:t>𝑉</m:t>
+                                      </m:r>
+                                    </m:e>
+                                    <m:sub>
+                                      <m:r>
+                                        <a:rPr lang="en-US" altLang="ja-JP" sz="2400" i="1">
+                                          <a:latin typeface="Cambria Math" panose="02040503050406030204" pitchFamily="18" charset="0"/>
+                                        </a:rPr>
+                                        <m:t>𝑡h</m:t>
+                                      </m:r>
+                                    </m:sub>
+                                  </m:sSub>
+                                </m:e>
+                              </m:d>
+                            </m:e>
+                            <m:sup>
+                              <m:r>
+                                <a:rPr lang="en-US" altLang="ja-JP" sz="2400" i="1">
+                                  <a:latin typeface="Cambria Math" panose="02040503050406030204" pitchFamily="18" charset="0"/>
+                                </a:rPr>
+                                <m:t>2</m:t>
+                              </m:r>
+                            </m:sup>
+                          </m:sSup>
+                        </m:den>
+                      </m:f>
+                      <m:r>
+                        <a:rPr lang="en-US" altLang="ja-JP" sz="2400" b="0" i="0" smtClean="0">
+                          <a:latin typeface="Cambria Math" panose="02040503050406030204" pitchFamily="18" charset="0"/>
+                        </a:rPr>
+                        <m:t>=1.35</m:t>
+                      </m:r>
+                      <m:r>
+                        <a:rPr lang="en-US" altLang="ja-JP" sz="2400" b="0" i="1" smtClean="0">
+                          <a:latin typeface="Cambria Math" panose="02040503050406030204" pitchFamily="18" charset="0"/>
+                        </a:rPr>
+                        <m:t>×</m:t>
+                      </m:r>
+                      <m:sSup>
+                        <m:sSupPr>
+                          <m:ctrlPr>
+                            <a:rPr lang="en-US" altLang="ja-JP" sz="2400" b="0" i="1" smtClean="0">
+                              <a:latin typeface="Cambria Math" panose="02040503050406030204" pitchFamily="18" charset="0"/>
+                            </a:rPr>
+                          </m:ctrlPr>
+                        </m:sSupPr>
+                        <m:e>
+                          <m:r>
+                            <a:rPr lang="en-US" altLang="ja-JP" sz="2400" b="0" i="1" smtClean="0">
+                              <a:latin typeface="Cambria Math" panose="02040503050406030204" pitchFamily="18" charset="0"/>
+                            </a:rPr>
+                            <m:t>10</m:t>
+                          </m:r>
+                        </m:e>
+                        <m:sup>
+                          <m:r>
+                            <a:rPr lang="en-US" altLang="ja-JP" sz="2400" b="0" i="1" smtClean="0">
+                              <a:latin typeface="Cambria Math" panose="02040503050406030204" pitchFamily="18" charset="0"/>
+                            </a:rPr>
+                            <m:t>−4</m:t>
+                          </m:r>
+                        </m:sup>
+                      </m:sSup>
+                      <m:r>
+                        <a:rPr lang="en-US" altLang="ja-JP" sz="2400" b="0" i="1" smtClean="0">
+                          <a:latin typeface="Cambria Math" panose="02040503050406030204" pitchFamily="18" charset="0"/>
+                        </a:rPr>
+                        <m:t>=135 </m:t>
+                      </m:r>
+                      <m:r>
+                        <m:rPr>
+                          <m:sty m:val="p"/>
+                        </m:rPr>
+                        <a:rPr lang="en-US" altLang="ja-JP" sz="2400" b="0" i="0" smtClean="0">
+                          <a:latin typeface="Cambria Math" panose="02040503050406030204" pitchFamily="18" charset="0"/>
+                        </a:rPr>
+                        <m:t>μm</m:t>
+                      </m:r>
+                    </m:oMath>
+                  </m:oMathPara>
+                </a14:m>
+                <a:endParaRPr kumimoji="1" lang="en-US" altLang="ja-JP" sz="2400" b="0" dirty="0"/>
+              </a:p>
+              <a:p>
+                <a14:m>
+                  <m:oMath xmlns:m="http://schemas.openxmlformats.org/officeDocument/2006/math">
+                    <m:sSub>
+                      <m:sSubPr>
+                        <m:ctrlPr>
+                          <a:rPr kumimoji="1" lang="en-US" altLang="ja-JP" sz="2400" b="0" i="1" smtClean="0">
+                            <a:latin typeface="Cambria Math" panose="02040503050406030204" pitchFamily="18" charset="0"/>
+                          </a:rPr>
+                        </m:ctrlPr>
+                      </m:sSubPr>
+                      <m:e>
+                        <m:r>
+                          <a:rPr kumimoji="1" lang="en-US" altLang="ja-JP" sz="2400" b="0" i="1" smtClean="0">
+                            <a:latin typeface="Cambria Math" panose="02040503050406030204" pitchFamily="18" charset="0"/>
+                          </a:rPr>
+                          <m:t>𝑀</m:t>
+                        </m:r>
+                      </m:e>
+                      <m:sub>
+                        <m:r>
+                          <a:rPr kumimoji="1" lang="en-US" altLang="ja-JP" sz="2400" b="0" i="1" smtClean="0">
+                            <a:latin typeface="Cambria Math" panose="02040503050406030204" pitchFamily="18" charset="0"/>
+                          </a:rPr>
+                          <m:t>𝐴</m:t>
+                        </m:r>
+                      </m:sub>
+                    </m:sSub>
+                    <m:r>
+                      <a:rPr kumimoji="1" lang="en-US" altLang="ja-JP" sz="2400" b="0" i="1" smtClean="0">
+                        <a:latin typeface="Cambria Math" panose="02040503050406030204" pitchFamily="18" charset="0"/>
+                      </a:rPr>
+                      <m:t>,</m:t>
+                    </m:r>
+                    <m:sSub>
+                      <m:sSubPr>
+                        <m:ctrlPr>
+                          <a:rPr kumimoji="1" lang="en-US" altLang="ja-JP" sz="2400" b="0" i="1" smtClean="0">
+                            <a:latin typeface="Cambria Math" panose="02040503050406030204" pitchFamily="18" charset="0"/>
+                          </a:rPr>
+                        </m:ctrlPr>
+                      </m:sSubPr>
+                      <m:e>
+                        <m:r>
+                          <a:rPr kumimoji="1" lang="en-US" altLang="ja-JP" sz="2400" b="0" i="1" smtClean="0">
+                            <a:latin typeface="Cambria Math" panose="02040503050406030204" pitchFamily="18" charset="0"/>
+                          </a:rPr>
+                          <m:t>𝑀</m:t>
+                        </m:r>
+                      </m:e>
+                      <m:sub>
+                        <m:r>
+                          <a:rPr kumimoji="1" lang="en-US" altLang="ja-JP" sz="2400" b="0" i="1" smtClean="0">
+                            <a:latin typeface="Cambria Math" panose="02040503050406030204" pitchFamily="18" charset="0"/>
+                          </a:rPr>
+                          <m:t>𝐵</m:t>
+                        </m:r>
+                      </m:sub>
+                    </m:sSub>
+                  </m:oMath>
+                </a14:m>
+                <a:r>
+                  <a:rPr kumimoji="1" lang="ja-JP" altLang="en-US" sz="2400" dirty="0"/>
+                  <a:t>の形状比は</a:t>
+                </a:r>
+                <a14:m>
+                  <m:oMath xmlns:m="http://schemas.openxmlformats.org/officeDocument/2006/math">
+                    <m:r>
+                      <a:rPr kumimoji="1" lang="en-US" altLang="ja-JP" sz="2400" b="0" i="1" smtClean="0">
+                        <a:latin typeface="Cambria Math" panose="02040503050406030204" pitchFamily="18" charset="0"/>
+                      </a:rPr>
+                      <m:t>1 :2</m:t>
+                    </m:r>
+                  </m:oMath>
+                </a14:m>
+                <a:r>
+                  <a:rPr kumimoji="1" lang="ja-JP" altLang="en-US" sz="2400" dirty="0"/>
+                  <a:t>なので</a:t>
+                </a:r>
+                <a:endParaRPr kumimoji="1" lang="en-US" altLang="ja-JP" sz="2400" dirty="0"/>
+              </a:p>
+              <a:p>
+                <a14:m>
+                  <m:oMathPara xmlns:m="http://schemas.openxmlformats.org/officeDocument/2006/math">
+                    <m:oMathParaPr>
+                      <m:jc m:val="centerGroup"/>
+                    </m:oMathParaPr>
+                    <m:oMath xmlns:m="http://schemas.openxmlformats.org/officeDocument/2006/math">
+                      <m:sSub>
+                        <m:sSubPr>
+                          <m:ctrlPr>
+                            <a:rPr kumimoji="1" lang="en-US" altLang="ja-JP" sz="2400" b="0" i="1" smtClean="0">
+                              <a:latin typeface="Cambria Math" panose="02040503050406030204" pitchFamily="18" charset="0"/>
+                            </a:rPr>
+                          </m:ctrlPr>
+                        </m:sSubPr>
+                        <m:e>
+                          <m:r>
+                            <a:rPr kumimoji="1" lang="en-US" altLang="ja-JP" sz="2400" b="0" i="1" smtClean="0">
+                              <a:latin typeface="Cambria Math" panose="02040503050406030204" pitchFamily="18" charset="0"/>
+                            </a:rPr>
+                            <m:t>𝑊</m:t>
+                          </m:r>
+                        </m:e>
+                        <m:sub>
+                          <m:r>
+                            <a:rPr kumimoji="1" lang="en-US" altLang="ja-JP" sz="2400" b="0" i="1" smtClean="0">
+                              <a:latin typeface="Cambria Math" panose="02040503050406030204" pitchFamily="18" charset="0"/>
+                            </a:rPr>
+                            <m:t>𝐴</m:t>
+                          </m:r>
+                        </m:sub>
+                      </m:sSub>
+                      <m:r>
+                        <a:rPr kumimoji="1" lang="en-US" altLang="ja-JP" sz="2400" b="0" i="1" smtClean="0">
+                          <a:latin typeface="Cambria Math" panose="02040503050406030204" pitchFamily="18" charset="0"/>
+                        </a:rPr>
+                        <m:t>=</m:t>
+                      </m:r>
+                      <m:f>
+                        <m:fPr>
+                          <m:ctrlPr>
+                            <a:rPr kumimoji="1" lang="en-US" altLang="ja-JP" sz="2400" b="0" i="1" smtClean="0">
+                              <a:latin typeface="Cambria Math" panose="02040503050406030204" pitchFamily="18" charset="0"/>
+                            </a:rPr>
+                          </m:ctrlPr>
+                        </m:fPr>
+                        <m:num>
+                          <m:sSub>
+                            <m:sSubPr>
+                              <m:ctrlPr>
+                                <a:rPr kumimoji="1" lang="en-US" altLang="ja-JP" sz="2400" b="0" i="1" smtClean="0">
+                                  <a:latin typeface="Cambria Math" panose="02040503050406030204" pitchFamily="18" charset="0"/>
+                                </a:rPr>
+                              </m:ctrlPr>
+                            </m:sSubPr>
+                            <m:e>
+                              <m:r>
+                                <a:rPr kumimoji="1" lang="en-US" altLang="ja-JP" sz="2400" b="0" i="1" smtClean="0">
+                                  <a:latin typeface="Cambria Math" panose="02040503050406030204" pitchFamily="18" charset="0"/>
+                                </a:rPr>
+                                <m:t>𝑊</m:t>
+                              </m:r>
+                            </m:e>
+                            <m:sub>
+                              <m:r>
+                                <a:rPr kumimoji="1" lang="en-US" altLang="ja-JP" sz="2400" b="0" i="1" smtClean="0">
+                                  <a:latin typeface="Cambria Math" panose="02040503050406030204" pitchFamily="18" charset="0"/>
+                                </a:rPr>
+                                <m:t>𝐵</m:t>
+                              </m:r>
+                            </m:sub>
+                          </m:sSub>
+                        </m:num>
+                        <m:den>
+                          <m:r>
+                            <a:rPr kumimoji="1" lang="en-US" altLang="ja-JP" sz="2400" b="0" i="1" smtClean="0">
+                              <a:latin typeface="Cambria Math" panose="02040503050406030204" pitchFamily="18" charset="0"/>
+                            </a:rPr>
+                            <m:t>2</m:t>
+                          </m:r>
+                        </m:den>
+                      </m:f>
+                      <m:r>
+                        <a:rPr kumimoji="1" lang="en-US" altLang="ja-JP" sz="2400" b="0" i="1" smtClean="0">
+                          <a:latin typeface="Cambria Math" panose="02040503050406030204" pitchFamily="18" charset="0"/>
+                        </a:rPr>
+                        <m:t>=67.5 </m:t>
+                      </m:r>
+                      <m:r>
+                        <m:rPr>
+                          <m:sty m:val="p"/>
+                        </m:rPr>
+                        <a:rPr kumimoji="1" lang="en-US" altLang="ja-JP" sz="2400" b="0" i="0" smtClean="0">
+                          <a:latin typeface="Cambria Math" panose="02040503050406030204" pitchFamily="18" charset="0"/>
+                        </a:rPr>
+                        <m:t>μm</m:t>
+                      </m:r>
+                    </m:oMath>
+                  </m:oMathPara>
+                </a14:m>
+                <a:endParaRPr kumimoji="1" lang="en-US" altLang="ja-JP" sz="2400" dirty="0"/>
+              </a:p>
+              <a:p>
+                <a:r>
+                  <a:rPr lang="ja-JP" altLang="en-US" sz="2400" dirty="0"/>
+                  <a:t>各</a:t>
+                </a:r>
+                <a14:m>
+                  <m:oMath xmlns:m="http://schemas.openxmlformats.org/officeDocument/2006/math">
+                    <m:sSub>
+                      <m:sSubPr>
+                        <m:ctrlPr>
+                          <a:rPr lang="en-US" altLang="ja-JP" sz="2400" b="0" i="1" smtClean="0">
+                            <a:latin typeface="Cambria Math" panose="02040503050406030204" pitchFamily="18" charset="0"/>
+                          </a:rPr>
+                        </m:ctrlPr>
+                      </m:sSubPr>
+                      <m:e>
+                        <m:r>
+                          <a:rPr lang="en-US" altLang="ja-JP" sz="2400" b="0" i="1" smtClean="0">
+                            <a:latin typeface="Cambria Math" panose="02040503050406030204" pitchFamily="18" charset="0"/>
+                          </a:rPr>
+                          <m:t>𝑅</m:t>
+                        </m:r>
+                      </m:e>
+                      <m:sub>
+                        <m:r>
+                          <a:rPr lang="en-US" altLang="ja-JP" sz="2400" b="0" i="1" smtClean="0">
+                            <a:latin typeface="Cambria Math" panose="02040503050406030204" pitchFamily="18" charset="0"/>
+                          </a:rPr>
+                          <m:t>𝐿</m:t>
+                        </m:r>
+                      </m:sub>
+                    </m:sSub>
+                  </m:oMath>
+                </a14:m>
+                <a:r>
+                  <a:rPr kumimoji="1" lang="ja-JP" altLang="en-US" sz="2400" dirty="0"/>
+                  <a:t>にも</a:t>
+                </a:r>
+                <a14:m>
+                  <m:oMath xmlns:m="http://schemas.openxmlformats.org/officeDocument/2006/math">
+                    <m:sSub>
+                      <m:sSubPr>
+                        <m:ctrlPr>
+                          <a:rPr lang="en-US" altLang="ja-JP" sz="2400" i="1" dirty="0">
+                            <a:latin typeface="Cambria Math" panose="02040503050406030204" pitchFamily="18" charset="0"/>
+                          </a:rPr>
+                        </m:ctrlPr>
+                      </m:sSubPr>
+                      <m:e>
+                        <m:r>
+                          <a:rPr lang="en-US" altLang="ja-JP" sz="2400" i="1" dirty="0">
+                            <a:latin typeface="Cambria Math" panose="02040503050406030204" pitchFamily="18" charset="0"/>
+                          </a:rPr>
+                          <m:t>𝐼</m:t>
+                        </m:r>
+                      </m:e>
+                      <m:sub>
+                        <m:r>
+                          <a:rPr lang="en-US" altLang="ja-JP" sz="2400" i="1" dirty="0">
+                            <a:latin typeface="Cambria Math" panose="02040503050406030204" pitchFamily="18" charset="0"/>
+                          </a:rPr>
+                          <m:t>𝑆</m:t>
+                        </m:r>
+                      </m:sub>
+                    </m:sSub>
+                  </m:oMath>
+                </a14:m>
+                <a:r>
+                  <a:rPr lang="ja-JP" altLang="en-US" sz="2400" dirty="0"/>
+                  <a:t>の半分がそれぞれ流れ、</a:t>
+                </a:r>
+                <a14:m>
+                  <m:oMath xmlns:m="http://schemas.openxmlformats.org/officeDocument/2006/math">
+                    <m:sSub>
+                      <m:sSubPr>
+                        <m:ctrlPr>
+                          <a:rPr lang="en-US" altLang="ja-JP" sz="2400" b="0" i="1" smtClean="0">
+                            <a:latin typeface="Cambria Math" panose="02040503050406030204" pitchFamily="18" charset="0"/>
+                          </a:rPr>
+                        </m:ctrlPr>
+                      </m:sSubPr>
+                      <m:e>
+                        <m:r>
+                          <a:rPr lang="en-US" altLang="ja-JP" sz="2400" b="0" i="1" smtClean="0">
+                            <a:latin typeface="Cambria Math" panose="02040503050406030204" pitchFamily="18" charset="0"/>
+                          </a:rPr>
+                          <m:t>𝑉</m:t>
+                        </m:r>
+                      </m:e>
+                      <m:sub>
+                        <m:r>
+                          <a:rPr lang="en-US" altLang="ja-JP" sz="2400" b="0" i="1" smtClean="0">
+                            <a:latin typeface="Cambria Math" panose="02040503050406030204" pitchFamily="18" charset="0"/>
+                          </a:rPr>
+                          <m:t>𝑜𝑢𝑡</m:t>
+                        </m:r>
+                      </m:sub>
+                    </m:sSub>
+                    <m:r>
+                      <a:rPr lang="en-US" altLang="ja-JP" sz="2400" b="0" i="1" smtClean="0">
+                        <a:latin typeface="Cambria Math" panose="02040503050406030204" pitchFamily="18" charset="0"/>
+                      </a:rPr>
+                      <m:t>=1.5 </m:t>
+                    </m:r>
+                    <m:r>
+                      <m:rPr>
+                        <m:sty m:val="p"/>
+                      </m:rPr>
+                      <a:rPr lang="en-US" altLang="ja-JP" sz="2400" b="0" i="0" smtClean="0">
+                        <a:latin typeface="Cambria Math" panose="02040503050406030204" pitchFamily="18" charset="0"/>
+                      </a:rPr>
+                      <m:t>V</m:t>
+                    </m:r>
+                  </m:oMath>
+                </a14:m>
+                <a:r>
+                  <a:rPr kumimoji="1" lang="ja-JP" altLang="en-US" sz="2400" dirty="0"/>
+                  <a:t>であるから</a:t>
+                </a:r>
+                <a:endParaRPr kumimoji="1" lang="en-US" altLang="ja-JP" sz="2400" dirty="0"/>
+              </a:p>
+              <a:p>
+                <a14:m>
+                  <m:oMathPara xmlns:m="http://schemas.openxmlformats.org/officeDocument/2006/math">
+                    <m:oMathParaPr>
+                      <m:jc m:val="centerGroup"/>
+                    </m:oMathParaPr>
+                    <m:oMath xmlns:m="http://schemas.openxmlformats.org/officeDocument/2006/math">
+                      <m:sSub>
+                        <m:sSubPr>
+                          <m:ctrlPr>
+                            <a:rPr kumimoji="1" lang="en-US" altLang="ja-JP" sz="2400" b="0" i="1" smtClean="0">
+                              <a:latin typeface="Cambria Math" panose="02040503050406030204" pitchFamily="18" charset="0"/>
+                            </a:rPr>
+                          </m:ctrlPr>
+                        </m:sSubPr>
+                        <m:e>
+                          <m:r>
+                            <a:rPr kumimoji="1" lang="en-US" altLang="ja-JP" sz="2400" b="0" i="1" smtClean="0">
+                              <a:latin typeface="Cambria Math" panose="02040503050406030204" pitchFamily="18" charset="0"/>
+                            </a:rPr>
+                            <m:t>𝑅</m:t>
+                          </m:r>
+                        </m:e>
+                        <m:sub>
+                          <m:r>
+                            <a:rPr kumimoji="1" lang="en-US" altLang="ja-JP" sz="2400" b="0" i="1" smtClean="0">
+                              <a:latin typeface="Cambria Math" panose="02040503050406030204" pitchFamily="18" charset="0"/>
+                            </a:rPr>
+                            <m:t>𝐿</m:t>
+                          </m:r>
+                        </m:sub>
+                      </m:sSub>
+                      <m:r>
+                        <a:rPr kumimoji="1" lang="en-US" altLang="ja-JP" sz="2400" b="0" i="1" smtClean="0">
+                          <a:latin typeface="Cambria Math" panose="02040503050406030204" pitchFamily="18" charset="0"/>
+                        </a:rPr>
+                        <m:t>=</m:t>
+                      </m:r>
+                      <m:f>
+                        <m:fPr>
+                          <m:ctrlPr>
+                            <a:rPr kumimoji="1" lang="en-US" altLang="ja-JP" sz="2400" b="0" i="1" smtClean="0">
+                              <a:latin typeface="Cambria Math" panose="02040503050406030204" pitchFamily="18" charset="0"/>
+                            </a:rPr>
+                          </m:ctrlPr>
+                        </m:fPr>
+                        <m:num>
+                          <m:sSub>
+                            <m:sSubPr>
+                              <m:ctrlPr>
+                                <a:rPr kumimoji="1" lang="en-US" altLang="ja-JP" sz="2400" b="0" i="1" smtClean="0">
+                                  <a:latin typeface="Cambria Math" panose="02040503050406030204" pitchFamily="18" charset="0"/>
+                                </a:rPr>
+                              </m:ctrlPr>
+                            </m:sSubPr>
+                            <m:e>
+                              <m:r>
+                                <a:rPr kumimoji="1" lang="en-US" altLang="ja-JP" sz="2400" b="0" i="1" smtClean="0">
+                                  <a:latin typeface="Cambria Math" panose="02040503050406030204" pitchFamily="18" charset="0"/>
+                                </a:rPr>
+                                <m:t>𝑉</m:t>
+                              </m:r>
+                            </m:e>
+                            <m:sub>
+                              <m:r>
+                                <a:rPr kumimoji="1" lang="en-US" altLang="ja-JP" sz="2400" b="0" i="1" smtClean="0">
+                                  <a:latin typeface="Cambria Math" panose="02040503050406030204" pitchFamily="18" charset="0"/>
+                                </a:rPr>
+                                <m:t>𝑑𝑑</m:t>
+                              </m:r>
+                            </m:sub>
+                          </m:sSub>
+                          <m:r>
+                            <a:rPr kumimoji="1" lang="en-US" altLang="ja-JP" sz="2400" b="0" i="1" smtClean="0">
+                              <a:latin typeface="Cambria Math" panose="02040503050406030204" pitchFamily="18" charset="0"/>
+                            </a:rPr>
+                            <m:t>−</m:t>
+                          </m:r>
+                          <m:sSub>
+                            <m:sSubPr>
+                              <m:ctrlPr>
+                                <a:rPr kumimoji="1" lang="en-US" altLang="ja-JP" sz="2400" b="0" i="1" smtClean="0">
+                                  <a:latin typeface="Cambria Math" panose="02040503050406030204" pitchFamily="18" charset="0"/>
+                                </a:rPr>
+                              </m:ctrlPr>
+                            </m:sSubPr>
+                            <m:e>
+                              <m:r>
+                                <a:rPr kumimoji="1" lang="en-US" altLang="ja-JP" sz="2400" b="0" i="1" smtClean="0">
+                                  <a:latin typeface="Cambria Math" panose="02040503050406030204" pitchFamily="18" charset="0"/>
+                                </a:rPr>
+                                <m:t>𝑉</m:t>
+                              </m:r>
+                            </m:e>
+                            <m:sub>
+                              <m:r>
+                                <a:rPr kumimoji="1" lang="en-US" altLang="ja-JP" sz="2400" b="0" i="1" smtClean="0">
+                                  <a:latin typeface="Cambria Math" panose="02040503050406030204" pitchFamily="18" charset="0"/>
+                                </a:rPr>
+                                <m:t>𝑜𝑢𝑡</m:t>
+                              </m:r>
+                            </m:sub>
+                          </m:sSub>
+                        </m:num>
+                        <m:den>
+                          <m:f>
+                            <m:fPr>
+                              <m:ctrlPr>
+                                <a:rPr kumimoji="1" lang="en-US" altLang="ja-JP" sz="2400" b="0" i="1" smtClean="0">
+                                  <a:latin typeface="Cambria Math" panose="02040503050406030204" pitchFamily="18" charset="0"/>
+                                </a:rPr>
+                              </m:ctrlPr>
+                            </m:fPr>
+                            <m:num>
+                              <m:sSub>
+                                <m:sSubPr>
+                                  <m:ctrlPr>
+                                    <a:rPr kumimoji="1" lang="en-US" altLang="ja-JP" sz="2400" b="0" i="1" smtClean="0">
+                                      <a:latin typeface="Cambria Math" panose="02040503050406030204" pitchFamily="18" charset="0"/>
+                                    </a:rPr>
+                                  </m:ctrlPr>
+                                </m:sSubPr>
+                                <m:e>
+                                  <m:r>
+                                    <a:rPr kumimoji="1" lang="en-US" altLang="ja-JP" sz="2400" b="0" i="1" smtClean="0">
+                                      <a:latin typeface="Cambria Math" panose="02040503050406030204" pitchFamily="18" charset="0"/>
+                                    </a:rPr>
+                                    <m:t>𝐼</m:t>
+                                  </m:r>
+                                </m:e>
+                                <m:sub>
+                                  <m:r>
+                                    <a:rPr kumimoji="1" lang="en-US" altLang="ja-JP" sz="2400" b="0" i="1" smtClean="0">
+                                      <a:latin typeface="Cambria Math" panose="02040503050406030204" pitchFamily="18" charset="0"/>
+                                    </a:rPr>
+                                    <m:t>𝑠</m:t>
+                                  </m:r>
+                                </m:sub>
+                              </m:sSub>
+                            </m:num>
+                            <m:den>
+                              <m:r>
+                                <a:rPr kumimoji="1" lang="en-US" altLang="ja-JP" sz="2400" b="0" i="1" smtClean="0">
+                                  <a:latin typeface="Cambria Math" panose="02040503050406030204" pitchFamily="18" charset="0"/>
+                                </a:rPr>
+                                <m:t>2</m:t>
+                              </m:r>
+                            </m:den>
+                          </m:f>
+                        </m:den>
+                      </m:f>
+                      <m:r>
+                        <a:rPr kumimoji="1" lang="en-US" altLang="ja-JP" sz="2400" b="0" i="1" smtClean="0">
+                          <a:latin typeface="Cambria Math" panose="02040503050406030204" pitchFamily="18" charset="0"/>
+                        </a:rPr>
+                        <m:t>=</m:t>
+                      </m:r>
+                      <m:f>
+                        <m:fPr>
+                          <m:ctrlPr>
+                            <a:rPr kumimoji="1" lang="en-US" altLang="ja-JP" sz="2400" b="0" i="1" smtClean="0">
+                              <a:latin typeface="Cambria Math" panose="02040503050406030204" pitchFamily="18" charset="0"/>
+                            </a:rPr>
+                          </m:ctrlPr>
+                        </m:fPr>
+                        <m:num>
+                          <m:r>
+                            <a:rPr kumimoji="1" lang="en-US" altLang="ja-JP" sz="2400" b="0" i="1" smtClean="0">
+                              <a:latin typeface="Cambria Math" panose="02040503050406030204" pitchFamily="18" charset="0"/>
+                            </a:rPr>
+                            <m:t>1.8−1.5</m:t>
+                          </m:r>
+                        </m:num>
+                        <m:den>
+                          <m:r>
+                            <a:rPr kumimoji="1" lang="en-US" altLang="ja-JP" sz="2400" b="0" i="1" smtClean="0">
+                              <a:latin typeface="Cambria Math" panose="02040503050406030204" pitchFamily="18" charset="0"/>
+                            </a:rPr>
+                            <m:t>0.5×</m:t>
+                          </m:r>
+                          <m:sSup>
+                            <m:sSupPr>
+                              <m:ctrlPr>
+                                <a:rPr kumimoji="1" lang="en-US" altLang="ja-JP" sz="2400" b="0" i="1" smtClean="0">
+                                  <a:latin typeface="Cambria Math" panose="02040503050406030204" pitchFamily="18" charset="0"/>
+                                </a:rPr>
+                              </m:ctrlPr>
+                            </m:sSupPr>
+                            <m:e>
+                              <m:r>
+                                <a:rPr kumimoji="1" lang="en-US" altLang="ja-JP" sz="2400" b="0" i="1" smtClean="0">
+                                  <a:latin typeface="Cambria Math" panose="02040503050406030204" pitchFamily="18" charset="0"/>
+                                </a:rPr>
+                                <m:t>10</m:t>
+                              </m:r>
+                            </m:e>
+                            <m:sup>
+                              <m:r>
+                                <a:rPr kumimoji="1" lang="en-US" altLang="ja-JP" sz="2400" b="0" i="1" smtClean="0">
+                                  <a:latin typeface="Cambria Math" panose="02040503050406030204" pitchFamily="18" charset="0"/>
+                                </a:rPr>
+                                <m:t>−3</m:t>
+                              </m:r>
+                            </m:sup>
+                          </m:sSup>
+                        </m:den>
+                      </m:f>
+                      <m:r>
+                        <a:rPr kumimoji="1" lang="en-US" altLang="ja-JP" sz="2400" b="0" i="1" smtClean="0">
+                          <a:latin typeface="Cambria Math" panose="02040503050406030204" pitchFamily="18" charset="0"/>
+                        </a:rPr>
+                        <m:t>=600 </m:t>
+                      </m:r>
+                      <m:r>
+                        <m:rPr>
+                          <m:sty m:val="p"/>
+                        </m:rPr>
+                        <a:rPr kumimoji="1" lang="en-US" altLang="ja-JP" sz="2400" b="0" i="0" smtClean="0">
+                          <a:latin typeface="Cambria Math" panose="02040503050406030204" pitchFamily="18" charset="0"/>
+                        </a:rPr>
+                        <m:t>Ω</m:t>
+                      </m:r>
+                    </m:oMath>
+                  </m:oMathPara>
+                </a14:m>
+                <a:endParaRPr kumimoji="1" lang="en-US" altLang="ja-JP" sz="2400" dirty="0"/>
+              </a:p>
+            </p:txBody>
+          </p:sp>
+        </mc:Choice>
+        <mc:Fallback>
+          <p:sp>
+            <p:nvSpPr>
+              <p:cNvPr id="4" name="テキスト ボックス 3">
+                <a:extLst>
+                  <a:ext uri="{FF2B5EF4-FFF2-40B4-BE49-F238E27FC236}">
+                    <a16:creationId xmlns:a16="http://schemas.microsoft.com/office/drawing/2014/main" id="{663778A5-7B4F-83C8-B897-B573A8C71708}"/>
+                  </a:ext>
+                </a:extLst>
+              </p:cNvPr>
+              <p:cNvSpPr txBox="1">
+                <a:spLocks noRot="1" noChangeAspect="1" noMove="1" noResize="1" noEditPoints="1" noAdjustHandles="1" noChangeArrowheads="1" noChangeShapeType="1" noTextEdit="1"/>
+              </p:cNvSpPr>
+              <p:nvPr/>
+            </p:nvSpPr>
+            <p:spPr>
+              <a:xfrm>
+                <a:off x="1000588" y="1246804"/>
+                <a:ext cx="10190824" cy="5687519"/>
+              </a:xfrm>
+              <a:prstGeom prst="rect">
+                <a:avLst/>
+              </a:prstGeom>
+              <a:blipFill>
+                <a:blip r:embed="rId2"/>
+                <a:stretch>
+                  <a:fillRect l="-897" t="-857"/>
+                </a:stretch>
+              </a:blipFill>
+            </p:spPr>
+            <p:txBody>
+              <a:bodyPr/>
+              <a:lstStyle/>
+              <a:p>
+                <a:r>
+                  <a:rPr lang="ja-JP" altLang="en-US">
+                    <a:noFill/>
+                  </a:rPr>
+                  <a:t> </a:t>
+                </a:r>
+              </a:p>
+            </p:txBody>
+          </p:sp>
+        </mc:Fallback>
+      </mc:AlternateContent>
+    </p:spTree>
+    <p:extLst>
+      <p:ext uri="{BB962C8B-B14F-4D97-AF65-F5344CB8AC3E}">
+        <p14:creationId xmlns:p14="http://schemas.microsoft.com/office/powerpoint/2010/main" val="3923448579"/>
+      </p:ext>
+    </p:extLst>
+  </p:cSld>
+  <p:clrMapOvr>
+    <a:masterClrMapping/>
+  </p:clrMapOvr>
+</p:sld>
+</file>
+
+<file path=ppt/slides/slide11.xml><?xml version="1.0" encoding="utf-8"?>
+<p:sld xmlns:a="http://schemas.openxmlformats.org/drawingml/2006/main" xmlns:r="http://schemas.openxmlformats.org/officeDocument/2006/relationships" xmlns:p="http://schemas.openxmlformats.org/presentationml/2006/main">
+  <p:cSld>
+    <p:spTree>
+      <p:nvGrpSpPr>
+        <p:cNvPr id="1" name=""/>
+        <p:cNvGrpSpPr/>
+        <p:nvPr/>
+      </p:nvGrpSpPr>
+      <p:grpSpPr>
+        <a:xfrm>
+          <a:off x="0" y="0"/>
+          <a:ext cx="0" cy="0"/>
+          <a:chOff x="0" y="0"/>
+          <a:chExt cx="0" cy="0"/>
+        </a:xfrm>
+      </p:grpSpPr>
+      <p:sp>
+        <p:nvSpPr>
+          <p:cNvPr id="2" name="タイトル 1">
+            <a:extLst>
+              <a:ext uri="{FF2B5EF4-FFF2-40B4-BE49-F238E27FC236}">
+                <a16:creationId xmlns:a16="http://schemas.microsoft.com/office/drawing/2014/main" id="{07F5E5ED-50C0-F28C-2F08-39322F7DED52}"/>
+              </a:ext>
+            </a:extLst>
+          </p:cNvPr>
+          <p:cNvSpPr>
+            <a:spLocks noGrp="1"/>
+          </p:cNvSpPr>
+          <p:nvPr>
+            <p:ph type="title"/>
+          </p:nvPr>
+        </p:nvSpPr>
+        <p:spPr/>
+        <p:txBody>
+          <a:bodyPr/>
+          <a:lstStyle/>
+          <a:p>
+            <a:r>
+              <a:rPr lang="ja-JP" altLang="en-US" dirty="0"/>
+              <a:t>直流設計</a:t>
+            </a:r>
+            <a:endParaRPr kumimoji="1" lang="ja-JP" altLang="en-US" dirty="0"/>
+          </a:p>
+        </p:txBody>
+      </p:sp>
+      <p:sp>
+        <p:nvSpPr>
+          <p:cNvPr id="3" name="スライド番号プレースホルダー 2">
+            <a:extLst>
+              <a:ext uri="{FF2B5EF4-FFF2-40B4-BE49-F238E27FC236}">
+                <a16:creationId xmlns:a16="http://schemas.microsoft.com/office/drawing/2014/main" id="{8BA442E6-6E62-FD56-3198-E46EA9927BEC}"/>
+              </a:ext>
+            </a:extLst>
+          </p:cNvPr>
+          <p:cNvSpPr>
+            <a:spLocks noGrp="1"/>
+          </p:cNvSpPr>
+          <p:nvPr>
+            <p:ph type="sldNum" sz="quarter" idx="12"/>
+          </p:nvPr>
+        </p:nvSpPr>
+        <p:spPr/>
+        <p:txBody>
+          <a:bodyPr/>
+          <a:lstStyle/>
+          <a:p>
+            <a:fld id="{BAC09C9C-7DB0-444B-A568-405A39CC84C0}" type="slidenum">
+              <a:rPr kumimoji="1" lang="ja-JP" altLang="en-US" smtClean="0"/>
+              <a:t>11</a:t>
+            </a:fld>
+            <a:endParaRPr kumimoji="1" lang="ja-JP" altLang="en-US"/>
+          </a:p>
+        </p:txBody>
+      </p:sp>
+      <p:pic>
+        <p:nvPicPr>
+          <p:cNvPr id="4" name="図 3" descr="星のマーク&#10;&#10;中程度の精度で自動的に生成された説明">
+            <a:extLst>
+              <a:ext uri="{FF2B5EF4-FFF2-40B4-BE49-F238E27FC236}">
+                <a16:creationId xmlns:a16="http://schemas.microsoft.com/office/drawing/2014/main" id="{7D5795D2-5BE7-38B4-05F7-593D77498FC5}"/>
+              </a:ext>
+            </a:extLst>
+          </p:cNvPr>
+          <p:cNvPicPr>
+            <a:picLocks noChangeAspect="1"/>
+          </p:cNvPicPr>
+          <p:nvPr/>
+        </p:nvPicPr>
+        <p:blipFill>
+          <a:blip r:embed="rId3">
+            <a:extLst>
+              <a:ext uri="{28A0092B-C50C-407E-A947-70E740481C1C}">
+                <a14:useLocalDpi xmlns:a14="http://schemas.microsoft.com/office/drawing/2010/main" val="0"/>
+              </a:ext>
+            </a:extLst>
+          </a:blip>
+          <a:stretch>
+            <a:fillRect/>
+          </a:stretch>
+        </p:blipFill>
+        <p:spPr>
+          <a:xfrm>
+            <a:off x="-380172" y="1192271"/>
+            <a:ext cx="7288621" cy="5576170"/>
+          </a:xfrm>
+          <a:prstGeom prst="rect">
+            <a:avLst/>
+          </a:prstGeom>
+        </p:spPr>
+      </p:pic>
+      <mc:AlternateContent xmlns:mc="http://schemas.openxmlformats.org/markup-compatibility/2006">
+        <mc:Choice xmlns:a14="http://schemas.microsoft.com/office/drawing/2010/main" Requires="a14">
+          <p:graphicFrame>
+            <p:nvGraphicFramePr>
+              <p:cNvPr id="5" name="表 5">
+                <a:extLst>
+                  <a:ext uri="{FF2B5EF4-FFF2-40B4-BE49-F238E27FC236}">
+                    <a16:creationId xmlns:a16="http://schemas.microsoft.com/office/drawing/2014/main" id="{80B59E4B-607A-1BD2-25E7-8A5666D3AD3A}"/>
+                  </a:ext>
+                </a:extLst>
+              </p:cNvPr>
+              <p:cNvGraphicFramePr>
+                <a:graphicFrameLocks noGrp="1"/>
+              </p:cNvGraphicFramePr>
+              <p:nvPr>
+                <p:extLst>
+                  <p:ext uri="{D42A27DB-BD31-4B8C-83A1-F6EECF244321}">
+                    <p14:modId xmlns:p14="http://schemas.microsoft.com/office/powerpoint/2010/main" val="871405444"/>
+                  </p:ext>
+                </p:extLst>
+              </p:nvPr>
+            </p:nvGraphicFramePr>
+            <p:xfrm>
+              <a:off x="6764785" y="2750375"/>
+              <a:ext cx="5286160" cy="4024694"/>
+            </p:xfrm>
+            <a:graphic>
+              <a:graphicData uri="http://schemas.openxmlformats.org/drawingml/2006/table">
+                <a:tbl>
+                  <a:tblPr bandRow="1">
+                    <a:tableStyleId>{5C22544A-7EE6-4342-B048-85BDC9FD1C3A}</a:tableStyleId>
+                  </a:tblPr>
+                  <a:tblGrid>
+                    <a:gridCol w="1321540">
+                      <a:extLst>
+                        <a:ext uri="{9D8B030D-6E8A-4147-A177-3AD203B41FA5}">
+                          <a16:colId xmlns:a16="http://schemas.microsoft.com/office/drawing/2014/main" val="3535146294"/>
+                        </a:ext>
+                      </a:extLst>
+                    </a:gridCol>
+                    <a:gridCol w="1321540">
+                      <a:extLst>
+                        <a:ext uri="{9D8B030D-6E8A-4147-A177-3AD203B41FA5}">
+                          <a16:colId xmlns:a16="http://schemas.microsoft.com/office/drawing/2014/main" val="846170324"/>
+                        </a:ext>
+                      </a:extLst>
+                    </a:gridCol>
+                    <a:gridCol w="1321540">
+                      <a:extLst>
+                        <a:ext uri="{9D8B030D-6E8A-4147-A177-3AD203B41FA5}">
+                          <a16:colId xmlns:a16="http://schemas.microsoft.com/office/drawing/2014/main" val="464399945"/>
+                        </a:ext>
+                      </a:extLst>
+                    </a:gridCol>
+                    <a:gridCol w="1321540">
+                      <a:extLst>
+                        <a:ext uri="{9D8B030D-6E8A-4147-A177-3AD203B41FA5}">
+                          <a16:colId xmlns:a16="http://schemas.microsoft.com/office/drawing/2014/main" val="569126549"/>
+                        </a:ext>
+                      </a:extLst>
+                    </a:gridCol>
+                  </a:tblGrid>
+                  <a:tr h="312866">
+                    <a:tc gridSpan="4">
+                      <a:txBody>
+                        <a:bodyPr/>
+                        <a:lstStyle/>
+                        <a:p>
+                          <a:pPr algn="ctr"/>
+                          <a14:m>
+                            <m:oMathPara xmlns:m="http://schemas.openxmlformats.org/officeDocument/2006/math">
+                              <m:oMathParaPr>
+                                <m:jc m:val="centerGroup"/>
+                              </m:oMathParaPr>
+                              <m:oMath xmlns:m="http://schemas.openxmlformats.org/officeDocument/2006/math">
+                                <m:r>
+                                  <a:rPr kumimoji="1" lang="ja-JP" altLang="en-US" b="0" i="1" smtClean="0">
+                                    <a:latin typeface="Cambria Math" panose="02040503050406030204" pitchFamily="18" charset="0"/>
+                                  </a:rPr>
+                                  <m:t>直流電位</m:t>
+                                </m:r>
+                                <m:r>
+                                  <a:rPr kumimoji="1" lang="en-US" altLang="ja-JP" b="0" i="0" smtClean="0">
+                                    <a:latin typeface="Cambria Math" panose="02040503050406030204" pitchFamily="18" charset="0"/>
+                                  </a:rPr>
+                                  <m:t> [</m:t>
+                                </m:r>
+                                <m:r>
+                                  <m:rPr>
+                                    <m:sty m:val="p"/>
+                                  </m:rPr>
+                                  <a:rPr kumimoji="1" lang="en-US" altLang="ja-JP" b="0" i="0" smtClean="0">
+                                    <a:latin typeface="Cambria Math" panose="02040503050406030204" pitchFamily="18" charset="0"/>
+                                  </a:rPr>
+                                  <m:t>V</m:t>
+                                </m:r>
+                                <m:r>
+                                  <a:rPr kumimoji="1" lang="en-US" altLang="ja-JP" b="0" i="1" smtClean="0">
+                                    <a:latin typeface="Cambria Math" panose="02040503050406030204" pitchFamily="18" charset="0"/>
+                                  </a:rPr>
+                                  <m:t>]</m:t>
+                                </m:r>
+                              </m:oMath>
+                            </m:oMathPara>
+                          </a14:m>
+                          <a:endParaRPr kumimoji="1" lang="ja-JP" altLang="en-US" dirty="0"/>
+                        </a:p>
+                      </a:txBody>
+                      <a:tcPr/>
+                    </a:tc>
+                    <a:tc hMerge="1">
+                      <a:txBody>
+                        <a:bodyPr/>
+                        <a:lstStyle/>
+                        <a:p>
+                          <a:pPr algn="ctr"/>
+                          <a:endParaRPr kumimoji="1" lang="ja-JP" altLang="en-US" dirty="0"/>
+                        </a:p>
+                      </a:txBody>
+                      <a:tcPr/>
+                    </a:tc>
+                    <a:tc hMerge="1">
+                      <a:txBody>
+                        <a:bodyPr/>
+                        <a:lstStyle/>
+                        <a:p>
+                          <a:pPr algn="ctr"/>
+                          <a:endParaRPr kumimoji="1" lang="ja-JP" altLang="en-US" dirty="0"/>
+                        </a:p>
+                      </a:txBody>
+                      <a:tcPr/>
+                    </a:tc>
+                    <a:tc hMerge="1">
+                      <a:txBody>
+                        <a:bodyPr/>
+                        <a:lstStyle/>
+                        <a:p>
+                          <a:pPr algn="ctr"/>
+                          <a:endParaRPr kumimoji="1" lang="ja-JP" altLang="en-US" dirty="0"/>
+                        </a:p>
+                      </a:txBody>
+                      <a:tcPr/>
+                    </a:tc>
+                    <a:extLst>
+                      <a:ext uri="{0D108BD9-81ED-4DB2-BD59-A6C34878D82A}">
+                        <a16:rowId xmlns:a16="http://schemas.microsoft.com/office/drawing/2014/main" val="1453587348"/>
+                      </a:ext>
+                    </a:extLst>
+                  </a:tr>
+                  <a:tr h="312866">
+                    <a:tc>
+                      <a:txBody>
+                        <a:bodyPr/>
+                        <a:lstStyle/>
+                        <a:p>
+                          <a:pPr algn="ctr"/>
+                          <a14:m>
+                            <m:oMathPara xmlns:m="http://schemas.openxmlformats.org/officeDocument/2006/math">
+                              <m:oMathParaPr>
+                                <m:jc m:val="centerGroup"/>
+                              </m:oMathParaPr>
+                              <m:oMath xmlns:m="http://schemas.openxmlformats.org/officeDocument/2006/math">
+                                <m:sSub>
+                                  <m:sSubPr>
+                                    <m:ctrlPr>
+                                      <a:rPr kumimoji="1" lang="en-US" altLang="ja-JP" b="0" i="1" smtClean="0">
+                                        <a:latin typeface="Cambria Math" panose="02040503050406030204" pitchFamily="18" charset="0"/>
+                                      </a:rPr>
+                                    </m:ctrlPr>
+                                  </m:sSubPr>
+                                  <m:e>
+                                    <m:r>
+                                      <a:rPr kumimoji="1" lang="en-US" altLang="ja-JP" b="0" i="1" smtClean="0">
+                                        <a:latin typeface="Cambria Math" panose="02040503050406030204" pitchFamily="18" charset="0"/>
+                                      </a:rPr>
+                                      <m:t>𝑉</m:t>
+                                    </m:r>
+                                  </m:e>
+                                  <m:sub>
+                                    <m:r>
+                                      <a:rPr kumimoji="1" lang="en-US" altLang="ja-JP" b="0" i="1" smtClean="0">
+                                        <a:latin typeface="Cambria Math" panose="02040503050406030204" pitchFamily="18" charset="0"/>
+                                      </a:rPr>
+                                      <m:t>𝑜𝑢𝑡</m:t>
+                                    </m:r>
+                                  </m:sub>
+                                </m:sSub>
+                              </m:oMath>
+                            </m:oMathPara>
+                          </a14:m>
+                          <a:endParaRPr kumimoji="1" lang="ja-JP" altLang="en-US" dirty="0"/>
+                        </a:p>
+                      </a:txBody>
+                      <a:tcPr/>
+                    </a:tc>
+                    <a:tc>
+                      <a:txBody>
+                        <a:bodyPr/>
+                        <a:lstStyle/>
+                        <a:p>
+                          <a:pPr algn="ctr"/>
+                          <a14:m>
+                            <m:oMathPara xmlns:m="http://schemas.openxmlformats.org/officeDocument/2006/math">
+                              <m:oMathParaPr>
+                                <m:jc m:val="centerGroup"/>
+                              </m:oMathParaPr>
+                              <m:oMath xmlns:m="http://schemas.openxmlformats.org/officeDocument/2006/math">
+                                <m:r>
+                                  <a:rPr kumimoji="1" lang="en-US" altLang="ja-JP" b="0" i="1" smtClean="0">
+                                    <a:latin typeface="Cambria Math" panose="02040503050406030204" pitchFamily="18" charset="0"/>
+                                  </a:rPr>
+                                  <m:t>1.5</m:t>
+                                </m:r>
+                              </m:oMath>
+                            </m:oMathPara>
+                          </a14:m>
+                          <a:endParaRPr kumimoji="1" lang="ja-JP" altLang="en-US" dirty="0"/>
+                        </a:p>
+                      </a:txBody>
+                      <a:tcPr/>
+                    </a:tc>
+                    <a:tc>
+                      <a:txBody>
+                        <a:bodyPr/>
+                        <a:lstStyle/>
+                        <a:p>
+                          <a:pPr algn="ctr"/>
+                          <a14:m>
+                            <m:oMathPara xmlns:m="http://schemas.openxmlformats.org/officeDocument/2006/math">
+                              <m:oMathParaPr>
+                                <m:jc m:val="centerGroup"/>
+                              </m:oMathParaPr>
+                              <m:oMath xmlns:m="http://schemas.openxmlformats.org/officeDocument/2006/math">
+                                <m:sSub>
+                                  <m:sSubPr>
+                                    <m:ctrlPr>
+                                      <a:rPr kumimoji="1" lang="en-US" altLang="ja-JP" b="0" i="1" smtClean="0">
+                                        <a:latin typeface="Cambria Math" panose="02040503050406030204" pitchFamily="18" charset="0"/>
+                                      </a:rPr>
+                                    </m:ctrlPr>
+                                  </m:sSubPr>
+                                  <m:e>
+                                    <m:r>
+                                      <a:rPr kumimoji="1" lang="en-US" altLang="ja-JP" b="0" i="1" smtClean="0">
+                                        <a:latin typeface="Cambria Math" panose="02040503050406030204" pitchFamily="18" charset="0"/>
+                                      </a:rPr>
+                                      <m:t>𝑉</m:t>
+                                    </m:r>
+                                  </m:e>
+                                  <m:sub>
+                                    <m:r>
+                                      <a:rPr kumimoji="1" lang="en-US" altLang="ja-JP" b="0" i="1" smtClean="0">
+                                        <a:latin typeface="Cambria Math" panose="02040503050406030204" pitchFamily="18" charset="0"/>
+                                      </a:rPr>
+                                      <m:t>𝐴</m:t>
+                                    </m:r>
+                                  </m:sub>
+                                </m:sSub>
+                              </m:oMath>
+                            </m:oMathPara>
+                          </a14:m>
+                          <a:endParaRPr kumimoji="1" lang="ja-JP" altLang="en-US" dirty="0"/>
+                        </a:p>
+                      </a:txBody>
+                      <a:tcPr/>
+                    </a:tc>
+                    <a:tc>
+                      <a:txBody>
+                        <a:bodyPr/>
+                        <a:lstStyle/>
+                        <a:p>
+                          <a:pPr algn="ctr"/>
+                          <a14:m>
+                            <m:oMathPara xmlns:m="http://schemas.openxmlformats.org/officeDocument/2006/math">
+                              <m:oMathParaPr>
+                                <m:jc m:val="centerGroup"/>
+                              </m:oMathParaPr>
+                              <m:oMath xmlns:m="http://schemas.openxmlformats.org/officeDocument/2006/math">
+                                <m:r>
+                                  <a:rPr kumimoji="1" lang="en-US" altLang="ja-JP" b="0" i="1" smtClean="0">
+                                    <a:latin typeface="Cambria Math" panose="02040503050406030204" pitchFamily="18" charset="0"/>
+                                  </a:rPr>
+                                  <m:t>1.4</m:t>
+                                </m:r>
+                              </m:oMath>
+                            </m:oMathPara>
+                          </a14:m>
+                          <a:endParaRPr kumimoji="1" lang="ja-JP" altLang="en-US" dirty="0"/>
+                        </a:p>
+                      </a:txBody>
+                      <a:tcPr/>
+                    </a:tc>
+                    <a:extLst>
+                      <a:ext uri="{0D108BD9-81ED-4DB2-BD59-A6C34878D82A}">
+                        <a16:rowId xmlns:a16="http://schemas.microsoft.com/office/drawing/2014/main" val="1686890734"/>
+                      </a:ext>
+                    </a:extLst>
+                  </a:tr>
+                  <a:tr h="312866">
+                    <a:tc>
+                      <a:txBody>
+                        <a:bodyPr/>
+                        <a:lstStyle/>
+                        <a:p>
+                          <a:pPr algn="ctr"/>
+                          <a14:m>
+                            <m:oMathPara xmlns:m="http://schemas.openxmlformats.org/officeDocument/2006/math">
+                              <m:oMathParaPr>
+                                <m:jc m:val="centerGroup"/>
+                              </m:oMathParaPr>
+                              <m:oMath xmlns:m="http://schemas.openxmlformats.org/officeDocument/2006/math">
+                                <m:sSub>
+                                  <m:sSubPr>
+                                    <m:ctrlPr>
+                                      <a:rPr kumimoji="1" lang="en-US" altLang="ja-JP" b="0" i="1" smtClean="0">
+                                        <a:latin typeface="Cambria Math" panose="02040503050406030204" pitchFamily="18" charset="0"/>
+                                      </a:rPr>
+                                    </m:ctrlPr>
+                                  </m:sSubPr>
+                                  <m:e>
+                                    <m:r>
+                                      <a:rPr kumimoji="1" lang="en-US" altLang="ja-JP" b="0" i="1" smtClean="0">
+                                        <a:latin typeface="Cambria Math" panose="02040503050406030204" pitchFamily="18" charset="0"/>
+                                      </a:rPr>
+                                      <m:t>𝑉</m:t>
+                                    </m:r>
+                                  </m:e>
+                                  <m:sub>
+                                    <m:r>
+                                      <a:rPr kumimoji="1" lang="en-US" altLang="ja-JP" b="0" i="1" smtClean="0">
+                                        <a:latin typeface="Cambria Math" panose="02040503050406030204" pitchFamily="18" charset="0"/>
+                                      </a:rPr>
+                                      <m:t>𝐴𝐵</m:t>
+                                    </m:r>
+                                  </m:sub>
+                                </m:sSub>
+                              </m:oMath>
+                            </m:oMathPara>
+                          </a14:m>
+                          <a:endParaRPr kumimoji="1" lang="ja-JP" altLang="en-US" dirty="0"/>
+                        </a:p>
+                      </a:txBody>
+                      <a:tcPr/>
+                    </a:tc>
+                    <a:tc>
+                      <a:txBody>
+                        <a:bodyPr/>
+                        <a:lstStyle/>
+                        <a:p>
+                          <a:pPr algn="ctr"/>
+                          <a14:m>
+                            <m:oMathPara xmlns:m="http://schemas.openxmlformats.org/officeDocument/2006/math">
+                              <m:oMathParaPr>
+                                <m:jc m:val="centerGroup"/>
+                              </m:oMathParaPr>
+                              <m:oMath xmlns:m="http://schemas.openxmlformats.org/officeDocument/2006/math">
+                                <m:r>
+                                  <a:rPr kumimoji="1" lang="en-US" altLang="ja-JP" b="0" i="1" smtClean="0">
+                                    <a:latin typeface="Cambria Math" panose="02040503050406030204" pitchFamily="18" charset="0"/>
+                                  </a:rPr>
+                                  <m:t>0.7</m:t>
+                                </m:r>
+                              </m:oMath>
+                            </m:oMathPara>
+                          </a14:m>
+                          <a:endParaRPr kumimoji="1" lang="ja-JP" altLang="en-US" dirty="0"/>
+                        </a:p>
+                      </a:txBody>
+                      <a:tcPr/>
+                    </a:tc>
+                    <a:tc>
+                      <a:txBody>
+                        <a:bodyPr/>
+                        <a:lstStyle/>
+                        <a:p>
+                          <a:pPr algn="ctr"/>
+                          <a14:m>
+                            <m:oMathPara xmlns:m="http://schemas.openxmlformats.org/officeDocument/2006/math">
+                              <m:oMathParaPr>
+                                <m:jc m:val="centerGroup"/>
+                              </m:oMathParaPr>
+                              <m:oMath xmlns:m="http://schemas.openxmlformats.org/officeDocument/2006/math">
+                                <m:sSub>
+                                  <m:sSubPr>
+                                    <m:ctrlPr>
+                                      <a:rPr kumimoji="1" lang="en-US" altLang="ja-JP" b="0" i="1" smtClean="0">
+                                        <a:latin typeface="Cambria Math" panose="02040503050406030204" pitchFamily="18" charset="0"/>
+                                      </a:rPr>
+                                    </m:ctrlPr>
+                                  </m:sSubPr>
+                                  <m:e>
+                                    <m:r>
+                                      <a:rPr kumimoji="1" lang="en-US" altLang="ja-JP" b="0" i="1" smtClean="0">
+                                        <a:latin typeface="Cambria Math" panose="02040503050406030204" pitchFamily="18" charset="0"/>
+                                      </a:rPr>
+                                      <m:t>𝑉</m:t>
+                                    </m:r>
+                                  </m:e>
+                                  <m:sub>
+                                    <m:r>
+                                      <a:rPr kumimoji="1" lang="en-US" altLang="ja-JP" b="0" i="1" smtClean="0">
+                                        <a:latin typeface="Cambria Math" panose="02040503050406030204" pitchFamily="18" charset="0"/>
+                                      </a:rPr>
+                                      <m:t>𝐵</m:t>
+                                    </m:r>
+                                  </m:sub>
+                                </m:sSub>
+                              </m:oMath>
+                            </m:oMathPara>
+                          </a14:m>
+                          <a:endParaRPr kumimoji="1" lang="ja-JP" altLang="en-US" dirty="0"/>
+                        </a:p>
+                      </a:txBody>
+                      <a:tcPr/>
+                    </a:tc>
+                    <a:tc>
+                      <a:txBody>
+                        <a:bodyPr/>
+                        <a:lstStyle/>
+                        <a:p>
+                          <a:pPr algn="ctr"/>
+                          <a14:m>
+                            <m:oMathPara xmlns:m="http://schemas.openxmlformats.org/officeDocument/2006/math">
+                              <m:oMathParaPr>
+                                <m:jc m:val="centerGroup"/>
+                              </m:oMathParaPr>
+                              <m:oMath xmlns:m="http://schemas.openxmlformats.org/officeDocument/2006/math">
+                                <m:r>
+                                  <a:rPr kumimoji="1" lang="en-US" altLang="ja-JP" b="0" i="1" smtClean="0">
+                                    <a:latin typeface="Cambria Math" panose="02040503050406030204" pitchFamily="18" charset="0"/>
+                                  </a:rPr>
+                                  <m:t>0.9</m:t>
+                                </m:r>
+                              </m:oMath>
+                            </m:oMathPara>
+                          </a14:m>
+                          <a:endParaRPr kumimoji="1" lang="ja-JP" altLang="en-US" dirty="0"/>
+                        </a:p>
+                      </a:txBody>
+                      <a:tcPr/>
+                    </a:tc>
+                    <a:extLst>
+                      <a:ext uri="{0D108BD9-81ED-4DB2-BD59-A6C34878D82A}">
+                        <a16:rowId xmlns:a16="http://schemas.microsoft.com/office/drawing/2014/main" val="1656578940"/>
+                      </a:ext>
+                    </a:extLst>
+                  </a:tr>
+                  <a:tr h="312866">
+                    <a:tc>
+                      <a:txBody>
+                        <a:bodyPr/>
+                        <a:lstStyle/>
+                        <a:p>
+                          <a:pPr algn="ctr"/>
+                          <a14:m>
+                            <m:oMathPara xmlns:m="http://schemas.openxmlformats.org/officeDocument/2006/math">
+                              <m:oMathParaPr>
+                                <m:jc m:val="centerGroup"/>
+                              </m:oMathParaPr>
+                              <m:oMath xmlns:m="http://schemas.openxmlformats.org/officeDocument/2006/math">
+                                <m:sSub>
+                                  <m:sSubPr>
+                                    <m:ctrlPr>
+                                      <a:rPr kumimoji="1" lang="en-US" altLang="ja-JP" b="0" i="1" smtClean="0">
+                                        <a:latin typeface="Cambria Math" panose="02040503050406030204" pitchFamily="18" charset="0"/>
+                                      </a:rPr>
+                                    </m:ctrlPr>
+                                  </m:sSubPr>
+                                  <m:e>
+                                    <m:r>
+                                      <a:rPr kumimoji="1" lang="en-US" altLang="ja-JP" b="0" i="1" smtClean="0">
+                                        <a:latin typeface="Cambria Math" panose="02040503050406030204" pitchFamily="18" charset="0"/>
+                                      </a:rPr>
+                                      <m:t>𝑉</m:t>
+                                    </m:r>
+                                  </m:e>
+                                  <m:sub>
+                                    <m:r>
+                                      <a:rPr kumimoji="1" lang="en-US" altLang="ja-JP" b="0" i="1" smtClean="0">
+                                        <a:latin typeface="Cambria Math" panose="02040503050406030204" pitchFamily="18" charset="0"/>
+                                      </a:rPr>
+                                      <m:t>𝑆</m:t>
+                                    </m:r>
+                                  </m:sub>
+                                </m:sSub>
+                              </m:oMath>
+                            </m:oMathPara>
+                          </a14:m>
+                          <a:endParaRPr kumimoji="1" lang="ja-JP" altLang="en-US" dirty="0"/>
+                        </a:p>
+                      </a:txBody>
+                      <a:tcPr/>
+                    </a:tc>
+                    <a:tc>
+                      <a:txBody>
+                        <a:bodyPr/>
+                        <a:lstStyle/>
+                        <a:p>
+                          <a:pPr algn="ctr"/>
+                          <a14:m>
+                            <m:oMathPara xmlns:m="http://schemas.openxmlformats.org/officeDocument/2006/math">
+                              <m:oMathParaPr>
+                                <m:jc m:val="centerGroup"/>
+                              </m:oMathParaPr>
+                              <m:oMath xmlns:m="http://schemas.openxmlformats.org/officeDocument/2006/math">
+                                <m:r>
+                                  <a:rPr kumimoji="1" lang="en-US" altLang="ja-JP" b="0" i="1" smtClean="0">
+                                    <a:latin typeface="Cambria Math" panose="02040503050406030204" pitchFamily="18" charset="0"/>
+                                  </a:rPr>
+                                  <m:t>0.2</m:t>
+                                </m:r>
+                              </m:oMath>
+                            </m:oMathPara>
+                          </a14:m>
+                          <a:endParaRPr kumimoji="1" lang="ja-JP" altLang="en-US" dirty="0"/>
+                        </a:p>
+                      </a:txBody>
+                      <a:tcPr/>
+                    </a:tc>
+                    <a:tc>
+                      <a:txBody>
+                        <a:bodyPr/>
+                        <a:lstStyle/>
+                        <a:p>
+                          <a:pPr algn="ctr"/>
+                          <a14:m>
+                            <m:oMathPara xmlns:m="http://schemas.openxmlformats.org/officeDocument/2006/math">
+                              <m:oMathParaPr>
+                                <m:jc m:val="centerGroup"/>
+                              </m:oMathParaPr>
+                              <m:oMath xmlns:m="http://schemas.openxmlformats.org/officeDocument/2006/math">
+                                <m:sSub>
+                                  <m:sSubPr>
+                                    <m:ctrlPr>
+                                      <a:rPr kumimoji="1" lang="en-US" altLang="ja-JP" b="0" i="1" smtClean="0">
+                                        <a:latin typeface="Cambria Math" panose="02040503050406030204" pitchFamily="18" charset="0"/>
+                                      </a:rPr>
+                                    </m:ctrlPr>
+                                  </m:sSubPr>
+                                  <m:e>
+                                    <m:r>
+                                      <a:rPr kumimoji="1" lang="en-US" altLang="ja-JP" b="0" i="1" smtClean="0">
+                                        <a:latin typeface="Cambria Math" panose="02040503050406030204" pitchFamily="18" charset="0"/>
+                                      </a:rPr>
+                                      <m:t>𝑉</m:t>
+                                    </m:r>
+                                  </m:e>
+                                  <m:sub>
+                                    <m:r>
+                                      <a:rPr kumimoji="1" lang="en-US" altLang="ja-JP" b="0" i="1" smtClean="0">
+                                        <a:latin typeface="Cambria Math" panose="02040503050406030204" pitchFamily="18" charset="0"/>
+                                      </a:rPr>
+                                      <m:t>𝐶</m:t>
+                                    </m:r>
+                                  </m:sub>
+                                </m:sSub>
+                              </m:oMath>
+                            </m:oMathPara>
+                          </a14:m>
+                          <a:endParaRPr kumimoji="1" lang="ja-JP" altLang="en-US" dirty="0"/>
+                        </a:p>
+                      </a:txBody>
+                      <a:tcPr/>
+                    </a:tc>
+                    <a:tc>
+                      <a:txBody>
+                        <a:bodyPr/>
+                        <a:lstStyle/>
+                        <a:p>
+                          <a:pPr algn="ctr"/>
+                          <a14:m>
+                            <m:oMathPara xmlns:m="http://schemas.openxmlformats.org/officeDocument/2006/math">
+                              <m:oMathParaPr>
+                                <m:jc m:val="centerGroup"/>
+                              </m:oMathParaPr>
+                              <m:oMath xmlns:m="http://schemas.openxmlformats.org/officeDocument/2006/math">
+                                <m:r>
+                                  <a:rPr kumimoji="1" lang="en-US" altLang="ja-JP" b="0" i="1" smtClean="0">
+                                    <a:latin typeface="Cambria Math" panose="02040503050406030204" pitchFamily="18" charset="0"/>
+                                  </a:rPr>
+                                  <m:t>0.7</m:t>
+                                </m:r>
+                              </m:oMath>
+                            </m:oMathPara>
+                          </a14:m>
+                          <a:endParaRPr kumimoji="1" lang="ja-JP" altLang="en-US" dirty="0"/>
+                        </a:p>
+                      </a:txBody>
+                      <a:tcPr/>
+                    </a:tc>
+                    <a:extLst>
+                      <a:ext uri="{0D108BD9-81ED-4DB2-BD59-A6C34878D82A}">
+                        <a16:rowId xmlns:a16="http://schemas.microsoft.com/office/drawing/2014/main" val="3027725506"/>
+                      </a:ext>
+                    </a:extLst>
+                  </a:tr>
+                  <a:tr h="312866">
+                    <a:tc>
+                      <a:txBody>
+                        <a:bodyPr/>
+                        <a:lstStyle/>
+                        <a:p>
+                          <a:pPr algn="ctr"/>
+                          <a:endParaRPr kumimoji="1" lang="ja-JP" altLang="en-US" dirty="0"/>
+                        </a:p>
+                      </a:txBody>
+                      <a:tcPr/>
+                    </a:tc>
+                    <a:tc>
+                      <a:txBody>
+                        <a:bodyPr/>
+                        <a:lstStyle/>
+                        <a:p>
+                          <a:pPr algn="ctr"/>
+                          <a:endParaRPr kumimoji="1" lang="ja-JP" altLang="en-US" dirty="0"/>
+                        </a:p>
+                      </a:txBody>
+                      <a:tcPr/>
+                    </a:tc>
+                    <a:tc>
+                      <a:txBody>
+                        <a:bodyPr/>
+                        <a:lstStyle/>
+                        <a:p>
+                          <a:pPr algn="ctr"/>
+                          <a:endParaRPr kumimoji="1" lang="ja-JP" altLang="en-US" dirty="0"/>
+                        </a:p>
+                      </a:txBody>
+                      <a:tcPr/>
+                    </a:tc>
+                    <a:tc>
+                      <a:txBody>
+                        <a:bodyPr/>
+                        <a:lstStyle/>
+                        <a:p>
+                          <a:pPr algn="ctr"/>
+                          <a:endParaRPr kumimoji="1" lang="ja-JP" altLang="en-US" dirty="0"/>
+                        </a:p>
+                      </a:txBody>
+                      <a:tcPr/>
+                    </a:tc>
+                    <a:extLst>
+                      <a:ext uri="{0D108BD9-81ED-4DB2-BD59-A6C34878D82A}">
+                        <a16:rowId xmlns:a16="http://schemas.microsoft.com/office/drawing/2014/main" val="1671387699"/>
+                      </a:ext>
+                    </a:extLst>
+                  </a:tr>
+                  <a:tr h="312866">
+                    <a:tc gridSpan="4">
+                      <a:txBody>
+                        <a:bodyPr/>
+                        <a:lstStyle/>
+                        <a:p>
+                          <a:pPr algn="ctr"/>
+                          <a:r>
+                            <a:rPr kumimoji="1" lang="ja-JP" altLang="en-US" dirty="0"/>
+                            <a:t>チャネル幅</a:t>
+                          </a:r>
+                          <a14:m>
+                            <m:oMath xmlns:m="http://schemas.openxmlformats.org/officeDocument/2006/math">
+                              <m:d>
+                                <m:dPr>
+                                  <m:begChr m:val="["/>
+                                  <m:endChr m:val="]"/>
+                                  <m:ctrlPr>
+                                    <a:rPr kumimoji="1" lang="en-US" altLang="ja-JP" b="0" i="0" smtClean="0">
+                                      <a:latin typeface="Cambria Math" panose="02040503050406030204" pitchFamily="18" charset="0"/>
+                                    </a:rPr>
+                                  </m:ctrlPr>
+                                </m:dPr>
+                                <m:e>
+                                  <m:r>
+                                    <m:rPr>
+                                      <m:sty m:val="p"/>
+                                    </m:rPr>
+                                    <a:rPr kumimoji="1" lang="en-US" altLang="ja-JP" b="0" i="0" smtClean="0">
+                                      <a:latin typeface="Cambria Math" panose="02040503050406030204" pitchFamily="18" charset="0"/>
+                                    </a:rPr>
+                                    <m:t>μm</m:t>
+                                  </m:r>
+                                </m:e>
+                              </m:d>
+                              <m:r>
+                                <a:rPr kumimoji="1" lang="en-US" altLang="ja-JP" b="0" i="1" smtClean="0">
+                                  <a:latin typeface="Cambria Math" panose="02040503050406030204" pitchFamily="18" charset="0"/>
+                                </a:rPr>
+                                <m:t>×[</m:t>
+                              </m:r>
+                              <m:r>
+                                <a:rPr kumimoji="1" lang="ja-JP" altLang="en-US" b="0" i="1" smtClean="0">
+                                  <a:latin typeface="Cambria Math" panose="02040503050406030204" pitchFamily="18" charset="0"/>
+                                </a:rPr>
+                                <m:t>並列数</m:t>
+                              </m:r>
+                              <m:r>
+                                <a:rPr kumimoji="1" lang="en-US" altLang="ja-JP" b="0" i="1" smtClean="0">
+                                  <a:latin typeface="Cambria Math" panose="02040503050406030204" pitchFamily="18" charset="0"/>
+                                </a:rPr>
+                                <m:t>]</m:t>
+                              </m:r>
+                            </m:oMath>
+                          </a14:m>
+                          <a:endParaRPr kumimoji="1" lang="ja-JP" altLang="en-US" i="0" dirty="0"/>
+                        </a:p>
+                      </a:txBody>
+                      <a:tcPr/>
+                    </a:tc>
+                    <a:tc hMerge="1">
+                      <a:txBody>
+                        <a:bodyPr/>
+                        <a:lstStyle/>
+                        <a:p>
+                          <a:pPr algn="ctr"/>
+                          <a14:m>
+                            <m:oMathPara xmlns:m="http://schemas.openxmlformats.org/officeDocument/2006/math">
+                              <m:oMathParaPr>
+                                <m:jc m:val="centerGroup"/>
+                              </m:oMathParaPr>
+                              <m:oMath xmlns:m="http://schemas.openxmlformats.org/officeDocument/2006/math">
+                                <a:fld id="{825F15A7-03F4-43D7-82C5-3E23DA2F108C}" type="mathplaceholder">
+                                  <a:rPr kumimoji="1" lang="ja-JP" altLang="en-US" sz="1800" b="0" i="1" u="none" strike="noStrike" kern="1200" cap="none" spc="0" normalizeH="0" baseline="0" noProof="0" smtClean="0">
+                                    <a:ln>
+                                      <a:noFill/>
+                                    </a:ln>
+                                    <a:solidFill>
+                                      <a:prstClr val="black"/>
+                                    </a:solidFill>
+                                    <a:effectLst/>
+                                    <a:uLnTx/>
+                                    <a:uFillTx/>
+                                    <a:latin typeface="Cambria Math" panose="02040503050406030204" pitchFamily="18" charset="0"/>
+                                    <a:ea typeface="游ゴシック" panose="020B0400000000000000" pitchFamily="50" charset="-128"/>
+                                    <a:cs typeface="+mn-cs"/>
+                                  </a:rPr>
+                                  <a:t>ここに数式を入力します。</a:t>
+                                </a:fld>
+                              </m:oMath>
+                            </m:oMathPara>
+                          </a14:m>
+                          <a:endParaRPr kumimoji="1" lang="ja-JP" altLang="en-US" dirty="0"/>
+                        </a:p>
+                      </a:txBody>
+                      <a:tcPr/>
+                    </a:tc>
+                    <a:tc hMerge="1">
+                      <a:txBody>
+                        <a:bodyPr/>
+                        <a:lstStyle/>
+                        <a:p>
+                          <a:pPr algn="ctr"/>
+                          <a14:m>
+                            <m:oMathPara xmlns:m="http://schemas.openxmlformats.org/officeDocument/2006/math">
+                              <m:oMathParaPr>
+                                <m:jc m:val="centerGroup"/>
+                              </m:oMathParaPr>
+                              <m:oMath xmlns:m="http://schemas.openxmlformats.org/officeDocument/2006/math">
+                                <a:fld id="{825F15A7-03F4-43D7-82C5-3E23DA2F108C}" type="mathplaceholder">
+                                  <a:rPr kumimoji="1" lang="ja-JP" altLang="en-US" sz="1800" b="0" i="1" u="none" strike="noStrike" kern="1200" cap="none" spc="0" normalizeH="0" baseline="0" noProof="0" smtClean="0">
+                                    <a:ln>
+                                      <a:noFill/>
+                                    </a:ln>
+                                    <a:solidFill>
+                                      <a:prstClr val="black"/>
+                                    </a:solidFill>
+                                    <a:effectLst/>
+                                    <a:uLnTx/>
+                                    <a:uFillTx/>
+                                    <a:latin typeface="Cambria Math" panose="02040503050406030204" pitchFamily="18" charset="0"/>
+                                    <a:ea typeface="游ゴシック" panose="020B0400000000000000" pitchFamily="50" charset="-128"/>
+                                    <a:cs typeface="+mn-cs"/>
+                                  </a:rPr>
+                                  <a:t>ここに数式を入力します。</a:t>
+                                </a:fld>
+                              </m:oMath>
+                            </m:oMathPara>
+                          </a14:m>
+                          <a:endParaRPr kumimoji="1" lang="ja-JP" altLang="en-US" dirty="0"/>
+                        </a:p>
+                      </a:txBody>
+                      <a:tcPr/>
+                    </a:tc>
+                    <a:tc hMerge="1">
+                      <a:txBody>
+                        <a:bodyPr/>
+                        <a:lstStyle/>
+                        <a:p>
+                          <a:pPr algn="ctr"/>
+                          <a14:m>
+                            <m:oMathPara xmlns:m="http://schemas.openxmlformats.org/officeDocument/2006/math">
+                              <m:oMathParaPr>
+                                <m:jc m:val="centerGroup"/>
+                              </m:oMathParaPr>
+                              <m:oMath xmlns:m="http://schemas.openxmlformats.org/officeDocument/2006/math">
+                                <a:fld id="{825F15A7-03F4-43D7-82C5-3E23DA2F108C}" type="mathplaceholder">
+                                  <a:rPr kumimoji="1" lang="ja-JP" altLang="en-US" sz="1800" b="0" i="1" u="none" strike="noStrike" kern="1200" cap="none" spc="0" normalizeH="0" baseline="0" noProof="0" smtClean="0">
+                                    <a:ln>
+                                      <a:noFill/>
+                                    </a:ln>
+                                    <a:solidFill>
+                                      <a:prstClr val="black"/>
+                                    </a:solidFill>
+                                    <a:effectLst/>
+                                    <a:uLnTx/>
+                                    <a:uFillTx/>
+                                    <a:latin typeface="Cambria Math" panose="02040503050406030204" pitchFamily="18" charset="0"/>
+                                    <a:ea typeface="游ゴシック" panose="020B0400000000000000" pitchFamily="50" charset="-128"/>
+                                    <a:cs typeface="+mn-cs"/>
+                                  </a:rPr>
+                                  <a:t>ここに数式を入力します。</a:t>
+                                </a:fld>
+                              </m:oMath>
+                            </m:oMathPara>
+                          </a14:m>
+                          <a:endParaRPr kumimoji="1" lang="ja-JP" altLang="en-US" dirty="0"/>
+                        </a:p>
+                      </a:txBody>
+                      <a:tcPr/>
+                    </a:tc>
+                    <a:extLst>
+                      <a:ext uri="{0D108BD9-81ED-4DB2-BD59-A6C34878D82A}">
+                        <a16:rowId xmlns:a16="http://schemas.microsoft.com/office/drawing/2014/main" val="3668200112"/>
+                      </a:ext>
+                    </a:extLst>
+                  </a:tr>
+                  <a:tr h="312866">
+                    <a:tc>
+                      <a:txBody>
+                        <a:bodyPr/>
+                        <a:lstStyle/>
+                        <a:p>
+                          <a:pPr algn="ctr"/>
+                          <a14:m>
+                            <m:oMathPara xmlns:m="http://schemas.openxmlformats.org/officeDocument/2006/math">
+                              <m:oMathParaPr>
+                                <m:jc m:val="centerGroup"/>
+                              </m:oMathParaPr>
+                              <m:oMath xmlns:m="http://schemas.openxmlformats.org/officeDocument/2006/math">
+                                <m:sSub>
+                                  <m:sSubPr>
+                                    <m:ctrlPr>
+                                      <a:rPr kumimoji="1" lang="en-US" altLang="ja-JP" sz="1800" b="0" i="1" u="none" strike="noStrike" kern="1200" cap="none" spc="0" normalizeH="0" baseline="0" noProof="0" smtClean="0">
+                                        <a:ln>
+                                          <a:noFill/>
+                                        </a:ln>
+                                        <a:solidFill>
+                                          <a:prstClr val="black"/>
+                                        </a:solidFill>
+                                        <a:effectLst/>
+                                        <a:uLnTx/>
+                                        <a:uFillTx/>
+                                        <a:latin typeface="Cambria Math" panose="02040503050406030204" pitchFamily="18" charset="0"/>
+                                        <a:ea typeface="游ゴシック" panose="020B0400000000000000" pitchFamily="50" charset="-128"/>
+                                        <a:cs typeface="+mn-cs"/>
+                                      </a:rPr>
+                                    </m:ctrlPr>
+                                  </m:sSubPr>
+                                  <m:e>
+                                    <m:r>
+                                      <a:rPr kumimoji="1" lang="en-US" altLang="ja-JP" sz="1800" b="0" i="1" u="none" strike="noStrike" kern="1200" cap="none" spc="0" normalizeH="0" baseline="0" noProof="0" smtClean="0">
+                                        <a:ln>
+                                          <a:noFill/>
+                                        </a:ln>
+                                        <a:solidFill>
+                                          <a:prstClr val="black"/>
+                                        </a:solidFill>
+                                        <a:effectLst/>
+                                        <a:uLnTx/>
+                                        <a:uFillTx/>
+                                        <a:latin typeface="Cambria Math" panose="02040503050406030204" pitchFamily="18" charset="0"/>
+                                        <a:ea typeface="游ゴシック" panose="020B0400000000000000" pitchFamily="50" charset="-128"/>
+                                        <a:cs typeface="+mn-cs"/>
+                                      </a:rPr>
+                                      <m:t>𝑀</m:t>
+                                    </m:r>
+                                  </m:e>
+                                  <m:sub>
+                                    <m:r>
+                                      <a:rPr kumimoji="1" lang="en-US" altLang="ja-JP" sz="1800" b="0" i="1" u="none" strike="noStrike" kern="1200" cap="none" spc="0" normalizeH="0" baseline="0" noProof="0" smtClean="0">
+                                        <a:ln>
+                                          <a:noFill/>
+                                        </a:ln>
+                                        <a:solidFill>
+                                          <a:prstClr val="black"/>
+                                        </a:solidFill>
+                                        <a:effectLst/>
+                                        <a:uLnTx/>
+                                        <a:uFillTx/>
+                                        <a:latin typeface="Cambria Math" panose="02040503050406030204" pitchFamily="18" charset="0"/>
+                                        <a:ea typeface="游ゴシック" panose="020B0400000000000000" pitchFamily="50" charset="-128"/>
+                                        <a:cs typeface="+mn-cs"/>
+                                      </a:rPr>
+                                      <m:t>𝐴</m:t>
+                                    </m:r>
+                                  </m:sub>
+                                </m:sSub>
+                              </m:oMath>
+                            </m:oMathPara>
+                          </a14:m>
+                          <a:endParaRPr kumimoji="1" lang="ja-JP" altLang="en-US" dirty="0"/>
+                        </a:p>
+                      </a:txBody>
+                      <a:tcPr/>
+                    </a:tc>
+                    <a:tc>
+                      <a:txBody>
+                        <a:bodyPr/>
+                        <a:lstStyle/>
+                        <a:p>
+                          <a:pPr algn="ctr"/>
+                          <a14:m>
+                            <m:oMathPara xmlns:m="http://schemas.openxmlformats.org/officeDocument/2006/math">
+                              <m:oMathParaPr>
+                                <m:jc m:val="centerGroup"/>
+                              </m:oMathParaPr>
+                              <m:oMath xmlns:m="http://schemas.openxmlformats.org/officeDocument/2006/math">
+                                <m:r>
+                                  <a:rPr kumimoji="1" lang="en-US" altLang="ja-JP" b="0" i="1" smtClean="0">
+                                    <a:latin typeface="Cambria Math" panose="02040503050406030204" pitchFamily="18" charset="0"/>
+                                  </a:rPr>
+                                  <m:t>11.25×6</m:t>
+                                </m:r>
+                              </m:oMath>
+                            </m:oMathPara>
+                          </a14:m>
+                          <a:endParaRPr kumimoji="1" lang="ja-JP" altLang="en-US" dirty="0"/>
+                        </a:p>
+                      </a:txBody>
+                      <a:tcPr/>
+                    </a:tc>
+                    <a:tc>
+                      <a:txBody>
+                        <a:bodyPr/>
+                        <a:lstStyle/>
+                        <a:p>
+                          <a:pPr algn="ctr"/>
+                          <a14:m>
+                            <m:oMathPara xmlns:m="http://schemas.openxmlformats.org/officeDocument/2006/math">
+                              <m:oMathParaPr>
+                                <m:jc m:val="centerGroup"/>
+                              </m:oMathParaPr>
+                              <m:oMath xmlns:m="http://schemas.openxmlformats.org/officeDocument/2006/math">
+                                <m:sSub>
+                                  <m:sSubPr>
+                                    <m:ctrlPr>
+                                      <a:rPr kumimoji="1" lang="en-US" altLang="ja-JP" sz="1800" b="0" i="1" u="none" strike="noStrike" kern="1200" cap="none" spc="0" normalizeH="0" baseline="0" noProof="0" smtClean="0">
+                                        <a:ln>
+                                          <a:noFill/>
+                                        </a:ln>
+                                        <a:solidFill>
+                                          <a:prstClr val="black"/>
+                                        </a:solidFill>
+                                        <a:effectLst/>
+                                        <a:uLnTx/>
+                                        <a:uFillTx/>
+                                        <a:latin typeface="Cambria Math" panose="02040503050406030204" pitchFamily="18" charset="0"/>
+                                        <a:ea typeface="游ゴシック" panose="020B0400000000000000" pitchFamily="50" charset="-128"/>
+                                        <a:cs typeface="+mn-cs"/>
+                                      </a:rPr>
+                                    </m:ctrlPr>
+                                  </m:sSubPr>
+                                  <m:e>
+                                    <m:r>
+                                      <a:rPr kumimoji="1" lang="en-US" altLang="ja-JP" sz="1800" b="0" i="1" u="none" strike="noStrike" kern="1200" cap="none" spc="0" normalizeH="0" baseline="0" noProof="0" smtClean="0">
+                                        <a:ln>
+                                          <a:noFill/>
+                                        </a:ln>
+                                        <a:solidFill>
+                                          <a:prstClr val="black"/>
+                                        </a:solidFill>
+                                        <a:effectLst/>
+                                        <a:uLnTx/>
+                                        <a:uFillTx/>
+                                        <a:latin typeface="Cambria Math" panose="02040503050406030204" pitchFamily="18" charset="0"/>
+                                        <a:ea typeface="游ゴシック" panose="020B0400000000000000" pitchFamily="50" charset="-128"/>
+                                        <a:cs typeface="+mn-cs"/>
+                                      </a:rPr>
+                                      <m:t>𝑀</m:t>
+                                    </m:r>
+                                  </m:e>
+                                  <m:sub>
+                                    <m:r>
+                                      <a:rPr kumimoji="1" lang="en-US" altLang="ja-JP" sz="1800" b="0" i="1" u="none" strike="noStrike" kern="1200" cap="none" spc="0" normalizeH="0" baseline="0" noProof="0" smtClean="0">
+                                        <a:ln>
+                                          <a:noFill/>
+                                        </a:ln>
+                                        <a:solidFill>
+                                          <a:prstClr val="black"/>
+                                        </a:solidFill>
+                                        <a:effectLst/>
+                                        <a:uLnTx/>
+                                        <a:uFillTx/>
+                                        <a:latin typeface="Cambria Math" panose="02040503050406030204" pitchFamily="18" charset="0"/>
+                                        <a:ea typeface="游ゴシック" panose="020B0400000000000000" pitchFamily="50" charset="-128"/>
+                                        <a:cs typeface="+mn-cs"/>
+                                      </a:rPr>
+                                      <m:t>𝐵</m:t>
+                                    </m:r>
+                                  </m:sub>
+                                </m:sSub>
+                              </m:oMath>
+                            </m:oMathPara>
+                          </a14:m>
+                          <a:endParaRPr kumimoji="1" lang="ja-JP" altLang="en-US" dirty="0"/>
+                        </a:p>
+                      </a:txBody>
+                      <a:tcPr/>
+                    </a:tc>
+                    <a:tc>
+                      <a:txBody>
+                        <a:bodyPr/>
+                        <a:lstStyle/>
+                        <a:p>
+                          <a:pPr algn="ctr"/>
+                          <a14:m>
+                            <m:oMathPara xmlns:m="http://schemas.openxmlformats.org/officeDocument/2006/math">
+                              <m:oMathParaPr>
+                                <m:jc m:val="centerGroup"/>
+                              </m:oMathParaPr>
+                              <m:oMath xmlns:m="http://schemas.openxmlformats.org/officeDocument/2006/math">
+                                <m:r>
+                                  <a:rPr kumimoji="1" lang="en-US" altLang="ja-JP" sz="1800" b="0" i="1" u="none" strike="noStrike" kern="1200" cap="none" spc="0" normalizeH="0" baseline="0" noProof="0" smtClean="0">
+                                    <a:ln>
+                                      <a:noFill/>
+                                    </a:ln>
+                                    <a:solidFill>
+                                      <a:prstClr val="black"/>
+                                    </a:solidFill>
+                                    <a:effectLst/>
+                                    <a:uLnTx/>
+                                    <a:uFillTx/>
+                                    <a:latin typeface="Cambria Math" panose="02040503050406030204" pitchFamily="18" charset="0"/>
+                                    <a:ea typeface="游ゴシック" panose="020B0400000000000000" pitchFamily="50" charset="-128"/>
+                                    <a:cs typeface="+mn-cs"/>
+                                  </a:rPr>
+                                  <m:t>11.25×12</m:t>
+                                </m:r>
+                              </m:oMath>
+                            </m:oMathPara>
+                          </a14:m>
+                          <a:endParaRPr kumimoji="1" lang="ja-JP" altLang="en-US" dirty="0"/>
+                        </a:p>
+                      </a:txBody>
+                      <a:tcPr/>
+                    </a:tc>
+                    <a:extLst>
+                      <a:ext uri="{0D108BD9-81ED-4DB2-BD59-A6C34878D82A}">
+                        <a16:rowId xmlns:a16="http://schemas.microsoft.com/office/drawing/2014/main" val="3099339548"/>
+                      </a:ext>
+                    </a:extLst>
+                  </a:tr>
+                  <a:tr h="312866">
+                    <a:tc>
+                      <a:txBody>
+                        <a:bodyPr/>
+                        <a:lstStyle/>
+                        <a:p>
+                          <a:pPr algn="ctr"/>
+                          <a14:m>
+                            <m:oMathPara xmlns:m="http://schemas.openxmlformats.org/officeDocument/2006/math">
+                              <m:oMathParaPr>
+                                <m:jc m:val="centerGroup"/>
+                              </m:oMathParaPr>
+                              <m:oMath xmlns:m="http://schemas.openxmlformats.org/officeDocument/2006/math">
+                                <m:sSub>
+                                  <m:sSubPr>
+                                    <m:ctrlPr>
+                                      <a:rPr kumimoji="1" lang="en-US" altLang="ja-JP" sz="1800" b="0" i="1" u="none" strike="noStrike" kern="1200" cap="none" spc="0" normalizeH="0" baseline="0" noProof="0" smtClean="0">
+                                        <a:ln>
+                                          <a:noFill/>
+                                        </a:ln>
+                                        <a:solidFill>
+                                          <a:prstClr val="black"/>
+                                        </a:solidFill>
+                                        <a:effectLst/>
+                                        <a:uLnTx/>
+                                        <a:uFillTx/>
+                                        <a:latin typeface="Cambria Math" panose="02040503050406030204" pitchFamily="18" charset="0"/>
+                                        <a:ea typeface="游ゴシック" panose="020B0400000000000000" pitchFamily="50" charset="-128"/>
+                                        <a:cs typeface="+mn-cs"/>
+                                      </a:rPr>
+                                    </m:ctrlPr>
+                                  </m:sSubPr>
+                                  <m:e>
+                                    <m:r>
+                                      <a:rPr kumimoji="1" lang="en-US" altLang="ja-JP" sz="1800" b="0" i="1" u="none" strike="noStrike" kern="1200" cap="none" spc="0" normalizeH="0" baseline="0" noProof="0" smtClean="0">
+                                        <a:ln>
+                                          <a:noFill/>
+                                        </a:ln>
+                                        <a:solidFill>
+                                          <a:prstClr val="black"/>
+                                        </a:solidFill>
+                                        <a:effectLst/>
+                                        <a:uLnTx/>
+                                        <a:uFillTx/>
+                                        <a:latin typeface="Cambria Math" panose="02040503050406030204" pitchFamily="18" charset="0"/>
+                                        <a:ea typeface="游ゴシック" panose="020B0400000000000000" pitchFamily="50" charset="-128"/>
+                                        <a:cs typeface="+mn-cs"/>
+                                      </a:rPr>
+                                      <m:t>𝑀</m:t>
+                                    </m:r>
+                                  </m:e>
+                                  <m:sub>
+                                    <m:r>
+                                      <a:rPr kumimoji="1" lang="en-US" altLang="ja-JP" sz="1800" b="0" i="1" u="none" strike="noStrike" kern="1200" cap="none" spc="0" normalizeH="0" baseline="0" noProof="0" smtClean="0">
+                                        <a:ln>
+                                          <a:noFill/>
+                                        </a:ln>
+                                        <a:solidFill>
+                                          <a:prstClr val="black"/>
+                                        </a:solidFill>
+                                        <a:effectLst/>
+                                        <a:uLnTx/>
+                                        <a:uFillTx/>
+                                        <a:latin typeface="Cambria Math" panose="02040503050406030204" pitchFamily="18" charset="0"/>
+                                        <a:ea typeface="游ゴシック" panose="020B0400000000000000" pitchFamily="50" charset="-128"/>
+                                        <a:cs typeface="+mn-cs"/>
+                                      </a:rPr>
+                                      <m:t>𝐶</m:t>
+                                    </m:r>
+                                  </m:sub>
+                                </m:sSub>
+                              </m:oMath>
+                            </m:oMathPara>
+                          </a14:m>
+                          <a:endParaRPr kumimoji="1" lang="ja-JP" altLang="en-US" dirty="0"/>
+                        </a:p>
+                      </a:txBody>
+                      <a:tcPr/>
+                    </a:tc>
+                    <a:tc>
+                      <a:txBody>
+                        <a:bodyPr/>
+                        <a:lstStyle/>
+                        <a:p>
+                          <a:pPr algn="ctr"/>
+                          <a14:m>
+                            <m:oMathPara xmlns:m="http://schemas.openxmlformats.org/officeDocument/2006/math">
+                              <m:oMathParaPr>
+                                <m:jc m:val="centerGroup"/>
+                              </m:oMathParaPr>
+                              <m:oMath xmlns:m="http://schemas.openxmlformats.org/officeDocument/2006/math">
+                                <m:r>
+                                  <a:rPr kumimoji="1" lang="en-US" altLang="ja-JP" sz="1800" b="0" i="1" u="none" strike="noStrike" kern="1200" cap="none" spc="0" normalizeH="0" baseline="0" noProof="0" smtClean="0">
+                                    <a:ln>
+                                      <a:noFill/>
+                                    </a:ln>
+                                    <a:solidFill>
+                                      <a:prstClr val="black"/>
+                                    </a:solidFill>
+                                    <a:effectLst/>
+                                    <a:uLnTx/>
+                                    <a:uFillTx/>
+                                    <a:latin typeface="Cambria Math" panose="02040503050406030204" pitchFamily="18" charset="0"/>
+                                    <a:ea typeface="游ゴシック" panose="020B0400000000000000" pitchFamily="50" charset="-128"/>
+                                    <a:cs typeface="+mn-cs"/>
+                                  </a:rPr>
+                                  <m:t>15×18</m:t>
+                                </m:r>
+                              </m:oMath>
+                            </m:oMathPara>
+                          </a14:m>
+                          <a:endParaRPr kumimoji="1" lang="ja-JP" altLang="en-US" dirty="0"/>
+                        </a:p>
+                      </a:txBody>
+                      <a:tcPr/>
+                    </a:tc>
+                    <a:tc>
+                      <a:txBody>
+                        <a:bodyPr/>
+                        <a:lstStyle/>
+                        <a:p>
+                          <a:pPr algn="ctr"/>
+                          <a:endParaRPr kumimoji="1" lang="ja-JP" altLang="en-US" dirty="0"/>
+                        </a:p>
+                      </a:txBody>
+                      <a:tcPr/>
+                    </a:tc>
+                    <a:tc>
+                      <a:txBody>
+                        <a:bodyPr/>
+                        <a:lstStyle/>
+                        <a:p>
+                          <a:pPr algn="ctr"/>
+                          <a:endParaRPr kumimoji="1" lang="ja-JP" altLang="en-US" dirty="0"/>
+                        </a:p>
+                      </a:txBody>
+                      <a:tcPr/>
+                    </a:tc>
+                    <a:extLst>
+                      <a:ext uri="{0D108BD9-81ED-4DB2-BD59-A6C34878D82A}">
+                        <a16:rowId xmlns:a16="http://schemas.microsoft.com/office/drawing/2014/main" val="1951688405"/>
+                      </a:ext>
+                    </a:extLst>
+                  </a:tr>
+                  <a:tr h="312866">
+                    <a:tc>
+                      <a:txBody>
+                        <a:bodyPr/>
+                        <a:lstStyle/>
+                        <a:p>
+                          <a:pPr algn="ctr"/>
+                          <a:endParaRPr kumimoji="1" lang="ja-JP" altLang="en-US" dirty="0"/>
+                        </a:p>
+                      </a:txBody>
+                      <a:tcPr/>
+                    </a:tc>
+                    <a:tc>
+                      <a:txBody>
+                        <a:bodyPr/>
+                        <a:lstStyle/>
+                        <a:p>
+                          <a:pPr algn="ctr"/>
+                          <a:endParaRPr kumimoji="1" lang="ja-JP" altLang="en-US" dirty="0"/>
+                        </a:p>
+                      </a:txBody>
+                      <a:tcPr/>
+                    </a:tc>
+                    <a:tc>
+                      <a:txBody>
+                        <a:bodyPr/>
+                        <a:lstStyle/>
+                        <a:p>
+                          <a:pPr algn="ctr"/>
+                          <a:endParaRPr kumimoji="1" lang="ja-JP" altLang="en-US" dirty="0"/>
+                        </a:p>
+                      </a:txBody>
+                      <a:tcPr/>
+                    </a:tc>
+                    <a:tc>
+                      <a:txBody>
+                        <a:bodyPr/>
+                        <a:lstStyle/>
+                        <a:p>
+                          <a:pPr algn="ctr"/>
+                          <a:endParaRPr kumimoji="1" lang="ja-JP" altLang="en-US" dirty="0"/>
+                        </a:p>
+                      </a:txBody>
+                      <a:tcPr/>
+                    </a:tc>
+                    <a:extLst>
+                      <a:ext uri="{0D108BD9-81ED-4DB2-BD59-A6C34878D82A}">
+                        <a16:rowId xmlns:a16="http://schemas.microsoft.com/office/drawing/2014/main" val="858376072"/>
+                      </a:ext>
+                    </a:extLst>
+                  </a:tr>
+                  <a:tr h="312866">
+                    <a:tc gridSpan="2">
+                      <a:txBody>
+                        <a:bodyPr/>
+                        <a:lstStyle/>
+                        <a:p>
+                          <a:pPr algn="ctr"/>
+                          <a:r>
+                            <a:rPr kumimoji="1" lang="ja-JP" altLang="en-US" dirty="0"/>
+                            <a:t>電流</a:t>
+                          </a:r>
+                          <a14:m>
+                            <m:oMath xmlns:m="http://schemas.openxmlformats.org/officeDocument/2006/math">
+                              <m:r>
+                                <a:rPr kumimoji="1" lang="en-US" altLang="ja-JP" b="0" i="1" smtClean="0">
+                                  <a:latin typeface="Cambria Math" panose="02040503050406030204" pitchFamily="18" charset="0"/>
+                                </a:rPr>
+                                <m:t>[</m:t>
+                              </m:r>
+                              <m:r>
+                                <m:rPr>
+                                  <m:sty m:val="p"/>
+                                </m:rPr>
+                                <a:rPr kumimoji="1" lang="en-US" altLang="ja-JP" b="0" i="0" smtClean="0">
+                                  <a:latin typeface="Cambria Math" panose="02040503050406030204" pitchFamily="18" charset="0"/>
+                                </a:rPr>
+                                <m:t>mA</m:t>
+                              </m:r>
+                              <m:r>
+                                <a:rPr kumimoji="1" lang="en-US" altLang="ja-JP" b="0" i="1" smtClean="0">
+                                  <a:latin typeface="Cambria Math" panose="02040503050406030204" pitchFamily="18" charset="0"/>
+                                </a:rPr>
+                                <m:t>]</m:t>
+                              </m:r>
+                            </m:oMath>
+                          </a14:m>
+                          <a:endParaRPr kumimoji="1" lang="ja-JP" altLang="en-US" dirty="0"/>
+                        </a:p>
+                      </a:txBody>
+                      <a:tcPr/>
+                    </a:tc>
+                    <a:tc hMerge="1">
+                      <a:txBody>
+                        <a:bodyPr/>
+                        <a:lstStyle/>
+                        <a:p>
+                          <a:pPr algn="ctr"/>
+                          <a:endParaRPr kumimoji="1" lang="ja-JP" altLang="en-US" dirty="0"/>
+                        </a:p>
+                      </a:txBody>
+                      <a:tcPr/>
+                    </a:tc>
+                    <a:tc gridSpan="2">
+                      <a:txBody>
+                        <a:bodyPr/>
+                        <a:lstStyle/>
+                        <a:p>
+                          <a:pPr algn="ctr"/>
+                          <a:r>
+                            <a:rPr kumimoji="1" lang="ja-JP" altLang="en-US" dirty="0"/>
+                            <a:t>抵抗</a:t>
+                          </a:r>
+                          <a14:m>
+                            <m:oMath xmlns:m="http://schemas.openxmlformats.org/officeDocument/2006/math">
+                              <m:r>
+                                <a:rPr kumimoji="1" lang="en-US" altLang="ja-JP" b="0" i="1" smtClean="0">
+                                  <a:latin typeface="Cambria Math" panose="02040503050406030204" pitchFamily="18" charset="0"/>
+                                </a:rPr>
+                                <m:t>[</m:t>
+                              </m:r>
+                              <m:r>
+                                <m:rPr>
+                                  <m:sty m:val="p"/>
+                                </m:rPr>
+                                <a:rPr kumimoji="1" lang="en-US" altLang="ja-JP" b="0" i="0" smtClean="0">
+                                  <a:latin typeface="Cambria Math" panose="02040503050406030204" pitchFamily="18" charset="0"/>
+                                </a:rPr>
+                                <m:t>Ω</m:t>
+                              </m:r>
+                              <m:r>
+                                <a:rPr kumimoji="1" lang="en-US" altLang="ja-JP" b="0" i="1" smtClean="0">
+                                  <a:latin typeface="Cambria Math" panose="02040503050406030204" pitchFamily="18" charset="0"/>
+                                </a:rPr>
+                                <m:t>]</m:t>
+                              </m:r>
+                            </m:oMath>
+                          </a14:m>
+                          <a:endParaRPr kumimoji="1" lang="ja-JP" altLang="en-US" dirty="0"/>
+                        </a:p>
+                      </a:txBody>
+                      <a:tcPr/>
+                    </a:tc>
+                    <a:tc hMerge="1">
+                      <a:txBody>
+                        <a:bodyPr/>
+                        <a:lstStyle/>
+                        <a:p>
+                          <a:pPr algn="ctr"/>
+                          <a:endParaRPr kumimoji="1" lang="ja-JP" altLang="en-US" dirty="0"/>
+                        </a:p>
+                      </a:txBody>
+                      <a:tcPr/>
+                    </a:tc>
+                    <a:extLst>
+                      <a:ext uri="{0D108BD9-81ED-4DB2-BD59-A6C34878D82A}">
+                        <a16:rowId xmlns:a16="http://schemas.microsoft.com/office/drawing/2014/main" val="1536052633"/>
+                      </a:ext>
+                    </a:extLst>
+                  </a:tr>
+                  <a:tr h="312866">
+                    <a:tc>
+                      <a:txBody>
+                        <a:bodyPr/>
+                        <a:lstStyle/>
+                        <a:p>
+                          <a:pPr algn="ctr"/>
+                          <a14:m>
+                            <m:oMathPara xmlns:m="http://schemas.openxmlformats.org/officeDocument/2006/math">
+                              <m:oMathParaPr>
+                                <m:jc m:val="centerGroup"/>
+                              </m:oMathParaPr>
+                              <m:oMath xmlns:m="http://schemas.openxmlformats.org/officeDocument/2006/math">
+                                <m:sSub>
+                                  <m:sSubPr>
+                                    <m:ctrlPr>
+                                      <a:rPr kumimoji="1" lang="en-US" altLang="ja-JP" b="0" i="1" smtClean="0">
+                                        <a:latin typeface="Cambria Math" panose="02040503050406030204" pitchFamily="18" charset="0"/>
+                                      </a:rPr>
+                                    </m:ctrlPr>
+                                  </m:sSubPr>
+                                  <m:e>
+                                    <m:r>
+                                      <a:rPr kumimoji="1" lang="en-US" altLang="ja-JP" b="0" i="1" smtClean="0">
+                                        <a:latin typeface="Cambria Math" panose="02040503050406030204" pitchFamily="18" charset="0"/>
+                                      </a:rPr>
+                                      <m:t>𝐼</m:t>
+                                    </m:r>
+                                  </m:e>
+                                  <m:sub>
+                                    <m:r>
+                                      <a:rPr kumimoji="1" lang="en-US" altLang="ja-JP" b="0" i="1" smtClean="0">
+                                        <a:latin typeface="Cambria Math" panose="02040503050406030204" pitchFamily="18" charset="0"/>
+                                      </a:rPr>
+                                      <m:t>𝑆</m:t>
+                                    </m:r>
+                                  </m:sub>
+                                </m:sSub>
+                              </m:oMath>
+                            </m:oMathPara>
+                          </a14:m>
+                          <a:endParaRPr kumimoji="1" lang="ja-JP" altLang="en-US" dirty="0"/>
+                        </a:p>
+                      </a:txBody>
+                      <a:tcPr/>
+                    </a:tc>
+                    <a:tc>
+                      <a:txBody>
+                        <a:bodyPr/>
+                        <a:lstStyle/>
+                        <a:p>
+                          <a:pPr algn="ctr"/>
+                          <a14:m>
+                            <m:oMathPara xmlns:m="http://schemas.openxmlformats.org/officeDocument/2006/math">
+                              <m:oMathParaPr>
+                                <m:jc m:val="centerGroup"/>
+                              </m:oMathParaPr>
+                              <m:oMath xmlns:m="http://schemas.openxmlformats.org/officeDocument/2006/math">
+                                <m:r>
+                                  <a:rPr kumimoji="1" lang="en-US" altLang="ja-JP" b="0" i="1" smtClean="0">
+                                    <a:latin typeface="Cambria Math" panose="02040503050406030204" pitchFamily="18" charset="0"/>
+                                  </a:rPr>
+                                  <m:t>1</m:t>
+                                </m:r>
+                              </m:oMath>
+                            </m:oMathPara>
+                          </a14:m>
+                          <a:endParaRPr kumimoji="1" lang="ja-JP" altLang="en-US" dirty="0"/>
+                        </a:p>
+                      </a:txBody>
+                      <a:tcPr/>
+                    </a:tc>
+                    <a:tc>
+                      <a:txBody>
+                        <a:bodyPr/>
+                        <a:lstStyle/>
+                        <a:p>
+                          <a:pPr algn="ctr"/>
+                          <a14:m>
+                            <m:oMathPara xmlns:m="http://schemas.openxmlformats.org/officeDocument/2006/math">
+                              <m:oMathParaPr>
+                                <m:jc m:val="centerGroup"/>
+                              </m:oMathParaPr>
+                              <m:oMath xmlns:m="http://schemas.openxmlformats.org/officeDocument/2006/math">
+                                <m:sSub>
+                                  <m:sSubPr>
+                                    <m:ctrlPr>
+                                      <a:rPr kumimoji="1" lang="en-US" altLang="ja-JP" b="0" i="1" smtClean="0">
+                                        <a:latin typeface="Cambria Math" panose="02040503050406030204" pitchFamily="18" charset="0"/>
+                                      </a:rPr>
+                                    </m:ctrlPr>
+                                  </m:sSubPr>
+                                  <m:e>
+                                    <m:r>
+                                      <a:rPr kumimoji="1" lang="en-US" altLang="ja-JP" b="0" i="1" smtClean="0">
+                                        <a:latin typeface="Cambria Math" panose="02040503050406030204" pitchFamily="18" charset="0"/>
+                                      </a:rPr>
+                                      <m:t>𝑅</m:t>
+                                    </m:r>
+                                  </m:e>
+                                  <m:sub>
+                                    <m:r>
+                                      <a:rPr kumimoji="1" lang="en-US" altLang="ja-JP" b="0" i="1" smtClean="0">
+                                        <a:latin typeface="Cambria Math" panose="02040503050406030204" pitchFamily="18" charset="0"/>
+                                      </a:rPr>
+                                      <m:t>𝐿</m:t>
+                                    </m:r>
+                                  </m:sub>
+                                </m:sSub>
+                              </m:oMath>
+                            </m:oMathPara>
+                          </a14:m>
+                          <a:endParaRPr kumimoji="1" lang="ja-JP" altLang="en-US" dirty="0"/>
+                        </a:p>
+                      </a:txBody>
+                      <a:tcPr/>
+                    </a:tc>
+                    <a:tc>
+                      <a:txBody>
+                        <a:bodyPr/>
+                        <a:lstStyle/>
+                        <a:p>
+                          <a:pPr algn="ctr"/>
+                          <a14:m>
+                            <m:oMathPara xmlns:m="http://schemas.openxmlformats.org/officeDocument/2006/math">
+                              <m:oMathParaPr>
+                                <m:jc m:val="centerGroup"/>
+                              </m:oMathParaPr>
+                              <m:oMath xmlns:m="http://schemas.openxmlformats.org/officeDocument/2006/math">
+                                <m:r>
+                                  <a:rPr kumimoji="1" lang="en-US" altLang="ja-JP" b="0" i="1" smtClean="0">
+                                    <a:latin typeface="Cambria Math" panose="02040503050406030204" pitchFamily="18" charset="0"/>
+                                  </a:rPr>
+                                  <m:t>600</m:t>
+                                </m:r>
+                              </m:oMath>
+                            </m:oMathPara>
+                          </a14:m>
+                          <a:endParaRPr kumimoji="1" lang="ja-JP" altLang="en-US" dirty="0"/>
+                        </a:p>
+                      </a:txBody>
+                      <a:tcPr/>
+                    </a:tc>
+                    <a:extLst>
+                      <a:ext uri="{0D108BD9-81ED-4DB2-BD59-A6C34878D82A}">
+                        <a16:rowId xmlns:a16="http://schemas.microsoft.com/office/drawing/2014/main" val="4120992494"/>
+                      </a:ext>
+                    </a:extLst>
+                  </a:tr>
+                </a:tbl>
+              </a:graphicData>
+            </a:graphic>
+          </p:graphicFrame>
+        </mc:Choice>
+        <mc:Fallback>
+          <p:graphicFrame>
+            <p:nvGraphicFramePr>
+              <p:cNvPr id="5" name="表 5">
+                <a:extLst>
+                  <a:ext uri="{FF2B5EF4-FFF2-40B4-BE49-F238E27FC236}">
+                    <a16:creationId xmlns:a16="http://schemas.microsoft.com/office/drawing/2014/main" id="{80B59E4B-607A-1BD2-25E7-8A5666D3AD3A}"/>
+                  </a:ext>
+                </a:extLst>
+              </p:cNvPr>
+              <p:cNvGraphicFramePr>
+                <a:graphicFrameLocks noGrp="1"/>
+              </p:cNvGraphicFramePr>
+              <p:nvPr>
+                <p:extLst>
+                  <p:ext uri="{D42A27DB-BD31-4B8C-83A1-F6EECF244321}">
+                    <p14:modId xmlns:p14="http://schemas.microsoft.com/office/powerpoint/2010/main" val="871405444"/>
+                  </p:ext>
+                </p:extLst>
+              </p:nvPr>
+            </p:nvGraphicFramePr>
+            <p:xfrm>
+              <a:off x="6764785" y="2750375"/>
+              <a:ext cx="5286160" cy="4024694"/>
+            </p:xfrm>
+            <a:graphic>
+              <a:graphicData uri="http://schemas.openxmlformats.org/drawingml/2006/table">
+                <a:tbl>
+                  <a:tblPr bandRow="1">
+                    <a:tableStyleId>{5C22544A-7EE6-4342-B048-85BDC9FD1C3A}</a:tableStyleId>
+                  </a:tblPr>
+                  <a:tblGrid>
+                    <a:gridCol w="1321540">
+                      <a:extLst>
+                        <a:ext uri="{9D8B030D-6E8A-4147-A177-3AD203B41FA5}">
+                          <a16:colId xmlns:a16="http://schemas.microsoft.com/office/drawing/2014/main" val="3535146294"/>
+                        </a:ext>
+                      </a:extLst>
+                    </a:gridCol>
+                    <a:gridCol w="1321540">
+                      <a:extLst>
+                        <a:ext uri="{9D8B030D-6E8A-4147-A177-3AD203B41FA5}">
+                          <a16:colId xmlns:a16="http://schemas.microsoft.com/office/drawing/2014/main" val="846170324"/>
+                        </a:ext>
+                      </a:extLst>
+                    </a:gridCol>
+                    <a:gridCol w="1321540">
+                      <a:extLst>
+                        <a:ext uri="{9D8B030D-6E8A-4147-A177-3AD203B41FA5}">
+                          <a16:colId xmlns:a16="http://schemas.microsoft.com/office/drawing/2014/main" val="464399945"/>
+                        </a:ext>
+                      </a:extLst>
+                    </a:gridCol>
+                    <a:gridCol w="1321540">
+                      <a:extLst>
+                        <a:ext uri="{9D8B030D-6E8A-4147-A177-3AD203B41FA5}">
+                          <a16:colId xmlns:a16="http://schemas.microsoft.com/office/drawing/2014/main" val="569126549"/>
+                        </a:ext>
+                      </a:extLst>
+                    </a:gridCol>
+                  </a:tblGrid>
+                  <a:tr h="367094">
+                    <a:tc gridSpan="4">
+                      <a:txBody>
+                        <a:bodyPr/>
+                        <a:lstStyle/>
+                        <a:p>
+                          <a:endParaRPr lang="ja-JP"/>
+                        </a:p>
+                      </a:txBody>
+                      <a:tcPr>
+                        <a:blipFill>
+                          <a:blip r:embed="rId4"/>
+                          <a:stretch>
+                            <a:fillRect l="-115" t="-1667" r="-230" b="-1005000"/>
+                          </a:stretch>
+                        </a:blipFill>
+                      </a:tcPr>
+                    </a:tc>
+                    <a:tc hMerge="1">
+                      <a:txBody>
+                        <a:bodyPr/>
+                        <a:lstStyle/>
+                        <a:p>
+                          <a:pPr algn="ctr"/>
+                          <a:endParaRPr kumimoji="1" lang="ja-JP" altLang="en-US" dirty="0"/>
+                        </a:p>
+                      </a:txBody>
+                      <a:tcPr/>
+                    </a:tc>
+                    <a:tc hMerge="1">
+                      <a:txBody>
+                        <a:bodyPr/>
+                        <a:lstStyle/>
+                        <a:p>
+                          <a:pPr algn="ctr"/>
+                          <a:endParaRPr kumimoji="1" lang="ja-JP" altLang="en-US" dirty="0"/>
+                        </a:p>
+                      </a:txBody>
+                      <a:tcPr/>
+                    </a:tc>
+                    <a:tc hMerge="1">
+                      <a:txBody>
+                        <a:bodyPr/>
+                        <a:lstStyle/>
+                        <a:p>
+                          <a:pPr algn="ctr"/>
+                          <a:endParaRPr kumimoji="1" lang="ja-JP" altLang="en-US" dirty="0"/>
+                        </a:p>
+                      </a:txBody>
+                      <a:tcPr/>
+                    </a:tc>
+                    <a:extLst>
+                      <a:ext uri="{0D108BD9-81ED-4DB2-BD59-A6C34878D82A}">
+                        <a16:rowId xmlns:a16="http://schemas.microsoft.com/office/drawing/2014/main" val="1453587348"/>
+                      </a:ext>
+                    </a:extLst>
+                  </a:tr>
+                  <a:tr h="365760">
+                    <a:tc>
+                      <a:txBody>
+                        <a:bodyPr/>
+                        <a:lstStyle/>
+                        <a:p>
+                          <a:endParaRPr lang="ja-JP"/>
+                        </a:p>
+                      </a:txBody>
+                      <a:tcPr>
+                        <a:blipFill>
+                          <a:blip r:embed="rId4"/>
+                          <a:stretch>
+                            <a:fillRect l="-461" t="-101667" r="-300922" b="-905000"/>
+                          </a:stretch>
+                        </a:blipFill>
+                      </a:tcPr>
+                    </a:tc>
+                    <a:tc>
+                      <a:txBody>
+                        <a:bodyPr/>
+                        <a:lstStyle/>
+                        <a:p>
+                          <a:endParaRPr lang="ja-JP"/>
+                        </a:p>
+                      </a:txBody>
+                      <a:tcPr>
+                        <a:blipFill>
+                          <a:blip r:embed="rId4"/>
+                          <a:stretch>
+                            <a:fillRect l="-100461" t="-101667" r="-200922" b="-905000"/>
+                          </a:stretch>
+                        </a:blipFill>
+                      </a:tcPr>
+                    </a:tc>
+                    <a:tc>
+                      <a:txBody>
+                        <a:bodyPr/>
+                        <a:lstStyle/>
+                        <a:p>
+                          <a:endParaRPr lang="ja-JP"/>
+                        </a:p>
+                      </a:txBody>
+                      <a:tcPr>
+                        <a:blipFill>
+                          <a:blip r:embed="rId4"/>
+                          <a:stretch>
+                            <a:fillRect l="-200461" t="-101667" r="-100922" b="-905000"/>
+                          </a:stretch>
+                        </a:blipFill>
+                      </a:tcPr>
+                    </a:tc>
+                    <a:tc>
+                      <a:txBody>
+                        <a:bodyPr/>
+                        <a:lstStyle/>
+                        <a:p>
+                          <a:endParaRPr lang="ja-JP"/>
+                        </a:p>
+                      </a:txBody>
+                      <a:tcPr>
+                        <a:blipFill>
+                          <a:blip r:embed="rId4"/>
+                          <a:stretch>
+                            <a:fillRect l="-300461" t="-101667" r="-922" b="-905000"/>
+                          </a:stretch>
+                        </a:blipFill>
+                      </a:tcPr>
+                    </a:tc>
+                    <a:extLst>
+                      <a:ext uri="{0D108BD9-81ED-4DB2-BD59-A6C34878D82A}">
+                        <a16:rowId xmlns:a16="http://schemas.microsoft.com/office/drawing/2014/main" val="1686890734"/>
+                      </a:ext>
+                    </a:extLst>
+                  </a:tr>
+                  <a:tr h="365760">
+                    <a:tc>
+                      <a:txBody>
+                        <a:bodyPr/>
+                        <a:lstStyle/>
+                        <a:p>
+                          <a:endParaRPr lang="ja-JP"/>
+                        </a:p>
+                      </a:txBody>
+                      <a:tcPr>
+                        <a:blipFill>
+                          <a:blip r:embed="rId4"/>
+                          <a:stretch>
+                            <a:fillRect l="-461" t="-201667" r="-300922" b="-805000"/>
+                          </a:stretch>
+                        </a:blipFill>
+                      </a:tcPr>
+                    </a:tc>
+                    <a:tc>
+                      <a:txBody>
+                        <a:bodyPr/>
+                        <a:lstStyle/>
+                        <a:p>
+                          <a:endParaRPr lang="ja-JP"/>
+                        </a:p>
+                      </a:txBody>
+                      <a:tcPr>
+                        <a:blipFill>
+                          <a:blip r:embed="rId4"/>
+                          <a:stretch>
+                            <a:fillRect l="-100461" t="-201667" r="-200922" b="-805000"/>
+                          </a:stretch>
+                        </a:blipFill>
+                      </a:tcPr>
+                    </a:tc>
+                    <a:tc>
+                      <a:txBody>
+                        <a:bodyPr/>
+                        <a:lstStyle/>
+                        <a:p>
+                          <a:endParaRPr lang="ja-JP"/>
+                        </a:p>
+                      </a:txBody>
+                      <a:tcPr>
+                        <a:blipFill>
+                          <a:blip r:embed="rId4"/>
+                          <a:stretch>
+                            <a:fillRect l="-200461" t="-201667" r="-100922" b="-805000"/>
+                          </a:stretch>
+                        </a:blipFill>
+                      </a:tcPr>
+                    </a:tc>
+                    <a:tc>
+                      <a:txBody>
+                        <a:bodyPr/>
+                        <a:lstStyle/>
+                        <a:p>
+                          <a:endParaRPr lang="ja-JP"/>
+                        </a:p>
+                      </a:txBody>
+                      <a:tcPr>
+                        <a:blipFill>
+                          <a:blip r:embed="rId4"/>
+                          <a:stretch>
+                            <a:fillRect l="-300461" t="-201667" r="-922" b="-805000"/>
+                          </a:stretch>
+                        </a:blipFill>
+                      </a:tcPr>
+                    </a:tc>
+                    <a:extLst>
+                      <a:ext uri="{0D108BD9-81ED-4DB2-BD59-A6C34878D82A}">
+                        <a16:rowId xmlns:a16="http://schemas.microsoft.com/office/drawing/2014/main" val="1656578940"/>
+                      </a:ext>
+                    </a:extLst>
+                  </a:tr>
+                  <a:tr h="365760">
+                    <a:tc>
+                      <a:txBody>
+                        <a:bodyPr/>
+                        <a:lstStyle/>
+                        <a:p>
+                          <a:endParaRPr lang="ja-JP"/>
+                        </a:p>
+                      </a:txBody>
+                      <a:tcPr>
+                        <a:blipFill>
+                          <a:blip r:embed="rId4"/>
+                          <a:stretch>
+                            <a:fillRect l="-461" t="-296721" r="-300922" b="-691803"/>
+                          </a:stretch>
+                        </a:blipFill>
+                      </a:tcPr>
+                    </a:tc>
+                    <a:tc>
+                      <a:txBody>
+                        <a:bodyPr/>
+                        <a:lstStyle/>
+                        <a:p>
+                          <a:endParaRPr lang="ja-JP"/>
+                        </a:p>
+                      </a:txBody>
+                      <a:tcPr>
+                        <a:blipFill>
+                          <a:blip r:embed="rId4"/>
+                          <a:stretch>
+                            <a:fillRect l="-100461" t="-296721" r="-200922" b="-691803"/>
+                          </a:stretch>
+                        </a:blipFill>
+                      </a:tcPr>
+                    </a:tc>
+                    <a:tc>
+                      <a:txBody>
+                        <a:bodyPr/>
+                        <a:lstStyle/>
+                        <a:p>
+                          <a:endParaRPr lang="ja-JP"/>
+                        </a:p>
+                      </a:txBody>
+                      <a:tcPr>
+                        <a:blipFill>
+                          <a:blip r:embed="rId4"/>
+                          <a:stretch>
+                            <a:fillRect l="-200461" t="-296721" r="-100922" b="-691803"/>
+                          </a:stretch>
+                        </a:blipFill>
+                      </a:tcPr>
+                    </a:tc>
+                    <a:tc>
+                      <a:txBody>
+                        <a:bodyPr/>
+                        <a:lstStyle/>
+                        <a:p>
+                          <a:endParaRPr lang="ja-JP"/>
+                        </a:p>
+                      </a:txBody>
+                      <a:tcPr>
+                        <a:blipFill>
+                          <a:blip r:embed="rId4"/>
+                          <a:stretch>
+                            <a:fillRect l="-300461" t="-296721" r="-922" b="-691803"/>
+                          </a:stretch>
+                        </a:blipFill>
+                      </a:tcPr>
+                    </a:tc>
+                    <a:extLst>
+                      <a:ext uri="{0D108BD9-81ED-4DB2-BD59-A6C34878D82A}">
+                        <a16:rowId xmlns:a16="http://schemas.microsoft.com/office/drawing/2014/main" val="3027725506"/>
+                      </a:ext>
+                    </a:extLst>
+                  </a:tr>
+                  <a:tr h="365760">
+                    <a:tc>
+                      <a:txBody>
+                        <a:bodyPr/>
+                        <a:lstStyle/>
+                        <a:p>
+                          <a:pPr algn="ctr"/>
+                          <a:endParaRPr kumimoji="1" lang="ja-JP" altLang="en-US" dirty="0"/>
+                        </a:p>
+                      </a:txBody>
+                      <a:tcPr/>
+                    </a:tc>
+                    <a:tc>
+                      <a:txBody>
+                        <a:bodyPr/>
+                        <a:lstStyle/>
+                        <a:p>
+                          <a:pPr algn="ctr"/>
+                          <a:endParaRPr kumimoji="1" lang="ja-JP" altLang="en-US" dirty="0"/>
+                        </a:p>
+                      </a:txBody>
+                      <a:tcPr/>
+                    </a:tc>
+                    <a:tc>
+                      <a:txBody>
+                        <a:bodyPr/>
+                        <a:lstStyle/>
+                        <a:p>
+                          <a:pPr algn="ctr"/>
+                          <a:endParaRPr kumimoji="1" lang="ja-JP" altLang="en-US" dirty="0"/>
+                        </a:p>
+                      </a:txBody>
+                      <a:tcPr/>
+                    </a:tc>
+                    <a:tc>
+                      <a:txBody>
+                        <a:bodyPr/>
+                        <a:lstStyle/>
+                        <a:p>
+                          <a:pPr algn="ctr"/>
+                          <a:endParaRPr kumimoji="1" lang="ja-JP" altLang="en-US" dirty="0"/>
+                        </a:p>
+                      </a:txBody>
+                      <a:tcPr/>
+                    </a:tc>
+                    <a:extLst>
+                      <a:ext uri="{0D108BD9-81ED-4DB2-BD59-A6C34878D82A}">
+                        <a16:rowId xmlns:a16="http://schemas.microsoft.com/office/drawing/2014/main" val="1671387699"/>
+                      </a:ext>
+                    </a:extLst>
+                  </a:tr>
+                  <a:tr h="365760">
+                    <a:tc gridSpan="4">
+                      <a:txBody>
+                        <a:bodyPr/>
+                        <a:lstStyle/>
+                        <a:p>
+                          <a:endParaRPr lang="ja-JP"/>
+                        </a:p>
+                      </a:txBody>
+                      <a:tcPr>
+                        <a:blipFill>
+                          <a:blip r:embed="rId4"/>
+                          <a:stretch>
+                            <a:fillRect l="-115" t="-503333" r="-230" b="-503333"/>
+                          </a:stretch>
+                        </a:blipFill>
+                      </a:tcPr>
+                    </a:tc>
+                    <a:tc hMerge="1">
+                      <a:txBody>
+                        <a:bodyPr/>
+                        <a:lstStyle/>
+                        <a:p>
+                          <a:pPr algn="ctr"/>
+                          <a14:m xmlns:a14="http://schemas.microsoft.com/office/drawing/2010/main">
+                            <m:oMathPara xmlns:m="http://schemas.openxmlformats.org/officeDocument/2006/math">
+                              <m:oMathParaPr>
+                                <m:jc m:val="centerGroup"/>
+                              </m:oMathParaPr>
+                              <m:oMath xmlns:m="http://schemas.openxmlformats.org/officeDocument/2006/math">
+                                <a:fld id="{825F15A7-03F4-43D7-82C5-3E23DA2F108C}" type="mathplaceholder">
+                                  <a:rPr kumimoji="1" lang="ja-JP" altLang="en-US" sz="1800" b="0" i="1" u="none" strike="noStrike" kern="1200" cap="none" spc="0" normalizeH="0" baseline="0" noProof="0" smtClean="0">
+                                    <a:ln>
+                                      <a:noFill/>
+                                    </a:ln>
+                                    <a:solidFill>
+                                      <a:prstClr val="black"/>
+                                    </a:solidFill>
+                                    <a:effectLst/>
+                                    <a:uLnTx/>
+                                    <a:uFillTx/>
+                                    <a:latin typeface="Cambria Math" panose="02040503050406030204" pitchFamily="18" charset="0"/>
+                                    <a:ea typeface="游ゴシック" panose="020B0400000000000000" pitchFamily="50" charset="-128"/>
+                                    <a:cs typeface="+mn-cs"/>
+                                  </a:rPr>
+                                  <a:t>ここに数式を入力します。</a:t>
+                                </a:fld>
+                              </m:oMath>
+                            </m:oMathPara>
+                          </a14:m>
+                          <a:endParaRPr kumimoji="1" lang="ja-JP" altLang="en-US" dirty="0"/>
+                        </a:p>
+                      </a:txBody>
+                      <a:tcPr/>
+                    </a:tc>
+                    <a:tc hMerge="1">
+                      <a:txBody>
+                        <a:bodyPr/>
+                        <a:lstStyle/>
+                        <a:p>
+                          <a:pPr algn="ctr"/>
+                          <a14:m xmlns:a14="http://schemas.microsoft.com/office/drawing/2010/main">
+                            <m:oMathPara xmlns:m="http://schemas.openxmlformats.org/officeDocument/2006/math">
+                              <m:oMathParaPr>
+                                <m:jc m:val="centerGroup"/>
+                              </m:oMathParaPr>
+                              <m:oMath xmlns:m="http://schemas.openxmlformats.org/officeDocument/2006/math">
+                                <a:fld id="{825F15A7-03F4-43D7-82C5-3E23DA2F108C}" type="mathplaceholder">
+                                  <a:rPr kumimoji="1" lang="ja-JP" altLang="en-US" sz="1800" b="0" i="1" u="none" strike="noStrike" kern="1200" cap="none" spc="0" normalizeH="0" baseline="0" noProof="0" smtClean="0">
+                                    <a:ln>
+                                      <a:noFill/>
+                                    </a:ln>
+                                    <a:solidFill>
+                                      <a:prstClr val="black"/>
+                                    </a:solidFill>
+                                    <a:effectLst/>
+                                    <a:uLnTx/>
+                                    <a:uFillTx/>
+                                    <a:latin typeface="Cambria Math" panose="02040503050406030204" pitchFamily="18" charset="0"/>
+                                    <a:ea typeface="游ゴシック" panose="020B0400000000000000" pitchFamily="50" charset="-128"/>
+                                    <a:cs typeface="+mn-cs"/>
+                                  </a:rPr>
+                                  <a:t>ここに数式を入力します。</a:t>
+                                </a:fld>
+                              </m:oMath>
+                            </m:oMathPara>
+                          </a14:m>
+                          <a:endParaRPr kumimoji="1" lang="ja-JP" altLang="en-US" dirty="0"/>
+                        </a:p>
+                      </a:txBody>
+                      <a:tcPr/>
+                    </a:tc>
+                    <a:tc hMerge="1">
+                      <a:txBody>
+                        <a:bodyPr/>
+                        <a:lstStyle/>
+                        <a:p>
+                          <a:pPr algn="ctr"/>
+                          <a14:m xmlns:a14="http://schemas.microsoft.com/office/drawing/2010/main">
+                            <m:oMathPara xmlns:m="http://schemas.openxmlformats.org/officeDocument/2006/math">
+                              <m:oMathParaPr>
+                                <m:jc m:val="centerGroup"/>
+                              </m:oMathParaPr>
+                              <m:oMath xmlns:m="http://schemas.openxmlformats.org/officeDocument/2006/math">
+                                <a:fld id="{825F15A7-03F4-43D7-82C5-3E23DA2F108C}" type="mathplaceholder">
+                                  <a:rPr kumimoji="1" lang="ja-JP" altLang="en-US" sz="1800" b="0" i="1" u="none" strike="noStrike" kern="1200" cap="none" spc="0" normalizeH="0" baseline="0" noProof="0" smtClean="0">
+                                    <a:ln>
+                                      <a:noFill/>
+                                    </a:ln>
+                                    <a:solidFill>
+                                      <a:prstClr val="black"/>
+                                    </a:solidFill>
+                                    <a:effectLst/>
+                                    <a:uLnTx/>
+                                    <a:uFillTx/>
+                                    <a:latin typeface="Cambria Math" panose="02040503050406030204" pitchFamily="18" charset="0"/>
+                                    <a:ea typeface="游ゴシック" panose="020B0400000000000000" pitchFamily="50" charset="-128"/>
+                                    <a:cs typeface="+mn-cs"/>
+                                  </a:rPr>
+                                  <a:t>ここに数式を入力します。</a:t>
+                                </a:fld>
+                              </m:oMath>
+                            </m:oMathPara>
+                          </a14:m>
+                          <a:endParaRPr kumimoji="1" lang="ja-JP" altLang="en-US" dirty="0"/>
+                        </a:p>
+                      </a:txBody>
+                      <a:tcPr/>
+                    </a:tc>
+                    <a:extLst>
+                      <a:ext uri="{0D108BD9-81ED-4DB2-BD59-A6C34878D82A}">
+                        <a16:rowId xmlns:a16="http://schemas.microsoft.com/office/drawing/2014/main" val="3668200112"/>
+                      </a:ext>
+                    </a:extLst>
+                  </a:tr>
+                  <a:tr h="365760">
+                    <a:tc>
+                      <a:txBody>
+                        <a:bodyPr/>
+                        <a:lstStyle/>
+                        <a:p>
+                          <a:endParaRPr lang="ja-JP"/>
+                        </a:p>
+                      </a:txBody>
+                      <a:tcPr>
+                        <a:blipFill>
+                          <a:blip r:embed="rId4"/>
+                          <a:stretch>
+                            <a:fillRect l="-461" t="-603333" r="-300922" b="-403333"/>
+                          </a:stretch>
+                        </a:blipFill>
+                      </a:tcPr>
+                    </a:tc>
+                    <a:tc>
+                      <a:txBody>
+                        <a:bodyPr/>
+                        <a:lstStyle/>
+                        <a:p>
+                          <a:endParaRPr lang="ja-JP"/>
+                        </a:p>
+                      </a:txBody>
+                      <a:tcPr>
+                        <a:blipFill>
+                          <a:blip r:embed="rId4"/>
+                          <a:stretch>
+                            <a:fillRect l="-100461" t="-603333" r="-200922" b="-403333"/>
+                          </a:stretch>
+                        </a:blipFill>
+                      </a:tcPr>
+                    </a:tc>
+                    <a:tc>
+                      <a:txBody>
+                        <a:bodyPr/>
+                        <a:lstStyle/>
+                        <a:p>
+                          <a:endParaRPr lang="ja-JP"/>
+                        </a:p>
+                      </a:txBody>
+                      <a:tcPr>
+                        <a:blipFill>
+                          <a:blip r:embed="rId4"/>
+                          <a:stretch>
+                            <a:fillRect l="-200461" t="-603333" r="-100922" b="-403333"/>
+                          </a:stretch>
+                        </a:blipFill>
+                      </a:tcPr>
+                    </a:tc>
+                    <a:tc>
+                      <a:txBody>
+                        <a:bodyPr/>
+                        <a:lstStyle/>
+                        <a:p>
+                          <a:endParaRPr lang="ja-JP"/>
+                        </a:p>
+                      </a:txBody>
+                      <a:tcPr>
+                        <a:blipFill>
+                          <a:blip r:embed="rId4"/>
+                          <a:stretch>
+                            <a:fillRect l="-300461" t="-603333" r="-922" b="-403333"/>
+                          </a:stretch>
+                        </a:blipFill>
+                      </a:tcPr>
+                    </a:tc>
+                    <a:extLst>
+                      <a:ext uri="{0D108BD9-81ED-4DB2-BD59-A6C34878D82A}">
+                        <a16:rowId xmlns:a16="http://schemas.microsoft.com/office/drawing/2014/main" val="3099339548"/>
+                      </a:ext>
+                    </a:extLst>
+                  </a:tr>
+                  <a:tr h="365760">
+                    <a:tc>
+                      <a:txBody>
+                        <a:bodyPr/>
+                        <a:lstStyle/>
+                        <a:p>
+                          <a:endParaRPr lang="ja-JP"/>
+                        </a:p>
+                      </a:txBody>
+                      <a:tcPr>
+                        <a:blipFill>
+                          <a:blip r:embed="rId4"/>
+                          <a:stretch>
+                            <a:fillRect l="-461" t="-703333" r="-300922" b="-303333"/>
+                          </a:stretch>
+                        </a:blipFill>
+                      </a:tcPr>
+                    </a:tc>
+                    <a:tc>
+                      <a:txBody>
+                        <a:bodyPr/>
+                        <a:lstStyle/>
+                        <a:p>
+                          <a:endParaRPr lang="ja-JP"/>
+                        </a:p>
+                      </a:txBody>
+                      <a:tcPr>
+                        <a:blipFill>
+                          <a:blip r:embed="rId4"/>
+                          <a:stretch>
+                            <a:fillRect l="-100461" t="-703333" r="-200922" b="-303333"/>
+                          </a:stretch>
+                        </a:blipFill>
+                      </a:tcPr>
+                    </a:tc>
+                    <a:tc>
+                      <a:txBody>
+                        <a:bodyPr/>
+                        <a:lstStyle/>
+                        <a:p>
+                          <a:pPr algn="ctr"/>
+                          <a:endParaRPr kumimoji="1" lang="ja-JP" altLang="en-US" dirty="0"/>
+                        </a:p>
+                      </a:txBody>
+                      <a:tcPr/>
+                    </a:tc>
+                    <a:tc>
+                      <a:txBody>
+                        <a:bodyPr/>
+                        <a:lstStyle/>
+                        <a:p>
+                          <a:pPr algn="ctr"/>
+                          <a:endParaRPr kumimoji="1" lang="ja-JP" altLang="en-US" dirty="0"/>
+                        </a:p>
+                      </a:txBody>
+                      <a:tcPr/>
+                    </a:tc>
+                    <a:extLst>
+                      <a:ext uri="{0D108BD9-81ED-4DB2-BD59-A6C34878D82A}">
+                        <a16:rowId xmlns:a16="http://schemas.microsoft.com/office/drawing/2014/main" val="1951688405"/>
+                      </a:ext>
+                    </a:extLst>
+                  </a:tr>
+                  <a:tr h="365760">
+                    <a:tc>
+                      <a:txBody>
+                        <a:bodyPr/>
+                        <a:lstStyle/>
+                        <a:p>
+                          <a:pPr algn="ctr"/>
+                          <a:endParaRPr kumimoji="1" lang="ja-JP" altLang="en-US" dirty="0"/>
+                        </a:p>
+                      </a:txBody>
+                      <a:tcPr/>
+                    </a:tc>
+                    <a:tc>
+                      <a:txBody>
+                        <a:bodyPr/>
+                        <a:lstStyle/>
+                        <a:p>
+                          <a:pPr algn="ctr"/>
+                          <a:endParaRPr kumimoji="1" lang="ja-JP" altLang="en-US" dirty="0"/>
+                        </a:p>
+                      </a:txBody>
+                      <a:tcPr/>
+                    </a:tc>
+                    <a:tc>
+                      <a:txBody>
+                        <a:bodyPr/>
+                        <a:lstStyle/>
+                        <a:p>
+                          <a:pPr algn="ctr"/>
+                          <a:endParaRPr kumimoji="1" lang="ja-JP" altLang="en-US" dirty="0"/>
+                        </a:p>
+                      </a:txBody>
+                      <a:tcPr/>
+                    </a:tc>
+                    <a:tc>
+                      <a:txBody>
+                        <a:bodyPr/>
+                        <a:lstStyle/>
+                        <a:p>
+                          <a:pPr algn="ctr"/>
+                          <a:endParaRPr kumimoji="1" lang="ja-JP" altLang="en-US" dirty="0"/>
+                        </a:p>
+                      </a:txBody>
+                      <a:tcPr/>
+                    </a:tc>
+                    <a:extLst>
+                      <a:ext uri="{0D108BD9-81ED-4DB2-BD59-A6C34878D82A}">
+                        <a16:rowId xmlns:a16="http://schemas.microsoft.com/office/drawing/2014/main" val="858376072"/>
+                      </a:ext>
+                    </a:extLst>
+                  </a:tr>
+                  <a:tr h="365760">
+                    <a:tc gridSpan="2">
+                      <a:txBody>
+                        <a:bodyPr/>
+                        <a:lstStyle/>
+                        <a:p>
+                          <a:endParaRPr lang="ja-JP"/>
+                        </a:p>
+                      </a:txBody>
+                      <a:tcPr>
+                        <a:blipFill>
+                          <a:blip r:embed="rId4"/>
+                          <a:stretch>
+                            <a:fillRect l="-230" t="-903333" r="-100461" b="-103333"/>
+                          </a:stretch>
+                        </a:blipFill>
+                      </a:tcPr>
+                    </a:tc>
+                    <a:tc hMerge="1">
+                      <a:txBody>
+                        <a:bodyPr/>
+                        <a:lstStyle/>
+                        <a:p>
+                          <a:pPr algn="ctr"/>
+                          <a:endParaRPr kumimoji="1" lang="ja-JP" altLang="en-US" dirty="0"/>
+                        </a:p>
+                      </a:txBody>
+                      <a:tcPr/>
+                    </a:tc>
+                    <a:tc gridSpan="2">
+                      <a:txBody>
+                        <a:bodyPr/>
+                        <a:lstStyle/>
+                        <a:p>
+                          <a:endParaRPr lang="ja-JP"/>
+                        </a:p>
+                      </a:txBody>
+                      <a:tcPr>
+                        <a:blipFill>
+                          <a:blip r:embed="rId4"/>
+                          <a:stretch>
+                            <a:fillRect l="-100230" t="-903333" r="-461" b="-103333"/>
+                          </a:stretch>
+                        </a:blipFill>
+                      </a:tcPr>
+                    </a:tc>
+                    <a:tc hMerge="1">
+                      <a:txBody>
+                        <a:bodyPr/>
+                        <a:lstStyle/>
+                        <a:p>
+                          <a:pPr algn="ctr"/>
+                          <a:endParaRPr kumimoji="1" lang="ja-JP" altLang="en-US" dirty="0"/>
+                        </a:p>
+                      </a:txBody>
+                      <a:tcPr/>
+                    </a:tc>
+                    <a:extLst>
+                      <a:ext uri="{0D108BD9-81ED-4DB2-BD59-A6C34878D82A}">
+                        <a16:rowId xmlns:a16="http://schemas.microsoft.com/office/drawing/2014/main" val="1536052633"/>
+                      </a:ext>
+                    </a:extLst>
+                  </a:tr>
+                  <a:tr h="365760">
+                    <a:tc>
+                      <a:txBody>
+                        <a:bodyPr/>
+                        <a:lstStyle/>
+                        <a:p>
+                          <a:endParaRPr lang="ja-JP"/>
+                        </a:p>
+                      </a:txBody>
+                      <a:tcPr>
+                        <a:blipFill>
+                          <a:blip r:embed="rId4"/>
+                          <a:stretch>
+                            <a:fillRect l="-461" t="-1003333" r="-300922" b="-3333"/>
+                          </a:stretch>
+                        </a:blipFill>
+                      </a:tcPr>
+                    </a:tc>
+                    <a:tc>
+                      <a:txBody>
+                        <a:bodyPr/>
+                        <a:lstStyle/>
+                        <a:p>
+                          <a:endParaRPr lang="ja-JP"/>
+                        </a:p>
+                      </a:txBody>
+                      <a:tcPr>
+                        <a:blipFill>
+                          <a:blip r:embed="rId4"/>
+                          <a:stretch>
+                            <a:fillRect l="-100461" t="-1003333" r="-200922" b="-3333"/>
+                          </a:stretch>
+                        </a:blipFill>
+                      </a:tcPr>
+                    </a:tc>
+                    <a:tc>
+                      <a:txBody>
+                        <a:bodyPr/>
+                        <a:lstStyle/>
+                        <a:p>
+                          <a:endParaRPr lang="ja-JP"/>
+                        </a:p>
+                      </a:txBody>
+                      <a:tcPr>
+                        <a:blipFill>
+                          <a:blip r:embed="rId4"/>
+                          <a:stretch>
+                            <a:fillRect l="-200461" t="-1003333" r="-100922" b="-3333"/>
+                          </a:stretch>
+                        </a:blipFill>
+                      </a:tcPr>
+                    </a:tc>
+                    <a:tc>
+                      <a:txBody>
+                        <a:bodyPr/>
+                        <a:lstStyle/>
+                        <a:p>
+                          <a:endParaRPr lang="ja-JP"/>
+                        </a:p>
+                      </a:txBody>
+                      <a:tcPr>
+                        <a:blipFill>
+                          <a:blip r:embed="rId4"/>
+                          <a:stretch>
+                            <a:fillRect l="-300461" t="-1003333" r="-922" b="-3333"/>
+                          </a:stretch>
+                        </a:blipFill>
+                      </a:tcPr>
+                    </a:tc>
+                    <a:extLst>
+                      <a:ext uri="{0D108BD9-81ED-4DB2-BD59-A6C34878D82A}">
+                        <a16:rowId xmlns:a16="http://schemas.microsoft.com/office/drawing/2014/main" val="4120992494"/>
+                      </a:ext>
+                    </a:extLst>
+                  </a:tr>
+                </a:tbl>
+              </a:graphicData>
+            </a:graphic>
+          </p:graphicFrame>
+        </mc:Fallback>
+      </mc:AlternateContent>
+      <mc:AlternateContent xmlns:mc="http://schemas.openxmlformats.org/markup-compatibility/2006">
+        <mc:Choice xmlns:a14="http://schemas.microsoft.com/office/drawing/2010/main" Requires="a14">
+          <p:sp>
+            <p:nvSpPr>
+              <p:cNvPr id="6" name="テキスト ボックス 5">
+                <a:extLst>
+                  <a:ext uri="{FF2B5EF4-FFF2-40B4-BE49-F238E27FC236}">
+                    <a16:creationId xmlns:a16="http://schemas.microsoft.com/office/drawing/2014/main" id="{85EE5FA3-8777-A19D-41F1-729917F3ADE9}"/>
+                  </a:ext>
+                </a:extLst>
+              </p:cNvPr>
+              <p:cNvSpPr txBox="1"/>
+              <p:nvPr/>
+            </p:nvSpPr>
+            <p:spPr>
+              <a:xfrm>
+                <a:off x="6908449" y="1560247"/>
+                <a:ext cx="4776186" cy="830997"/>
+              </a:xfrm>
+              <a:prstGeom prst="rect">
+                <a:avLst/>
+              </a:prstGeom>
+              <a:noFill/>
+            </p:spPr>
+            <p:txBody>
+              <a:bodyPr wrap="square" rtlCol="0">
+                <a:spAutoFit/>
+              </a:bodyPr>
+              <a:lstStyle/>
+              <a:p>
+                <a:pPr algn="l"/>
+                <a:r>
+                  <a:rPr kumimoji="1" lang="ja-JP" altLang="en-US" sz="2400" dirty="0"/>
+                  <a:t>チャネル幅を</a:t>
+                </a:r>
+                <a14:m>
+                  <m:oMath xmlns:m="http://schemas.openxmlformats.org/officeDocument/2006/math">
+                    <m:r>
+                      <a:rPr kumimoji="1" lang="en-US" altLang="ja-JP" sz="2400" b="0" i="1" smtClean="0">
+                        <a:latin typeface="Cambria Math" panose="02040503050406030204" pitchFamily="18" charset="0"/>
+                      </a:rPr>
+                      <m:t>10 </m:t>
+                    </m:r>
+                    <m:r>
+                      <m:rPr>
+                        <m:sty m:val="p"/>
+                      </m:rPr>
+                      <a:rPr kumimoji="1" lang="en-US" altLang="ja-JP" sz="2400" b="0" i="0" smtClean="0">
+                        <a:latin typeface="Cambria Math" panose="02040503050406030204" pitchFamily="18" charset="0"/>
+                      </a:rPr>
+                      <m:t>μm</m:t>
+                    </m:r>
+                    <m:r>
+                      <a:rPr kumimoji="1" lang="en-US" altLang="ja-JP" sz="2400" b="0" i="1" smtClean="0">
+                        <a:latin typeface="Cambria Math" panose="02040503050406030204" pitchFamily="18" charset="0"/>
+                      </a:rPr>
+                      <m:t>~50</m:t>
+                    </m:r>
+                    <m:r>
+                      <m:rPr>
+                        <m:sty m:val="p"/>
+                      </m:rPr>
+                      <a:rPr kumimoji="1" lang="en-US" altLang="ja-JP" sz="2400" b="0" i="0" smtClean="0">
+                        <a:latin typeface="Cambria Math" panose="02040503050406030204" pitchFamily="18" charset="0"/>
+                      </a:rPr>
+                      <m:t>μm</m:t>
+                    </m:r>
+                  </m:oMath>
+                </a14:m>
+                <a:r>
+                  <a:rPr kumimoji="1" lang="ja-JP" altLang="en-US" sz="2400" dirty="0"/>
+                  <a:t>になるように並列数を調整する。</a:t>
+                </a:r>
+              </a:p>
+            </p:txBody>
+          </p:sp>
+        </mc:Choice>
+        <mc:Fallback>
+          <p:sp>
+            <p:nvSpPr>
+              <p:cNvPr id="6" name="テキスト ボックス 5">
+                <a:extLst>
+                  <a:ext uri="{FF2B5EF4-FFF2-40B4-BE49-F238E27FC236}">
+                    <a16:creationId xmlns:a16="http://schemas.microsoft.com/office/drawing/2014/main" id="{85EE5FA3-8777-A19D-41F1-729917F3ADE9}"/>
+                  </a:ext>
+                </a:extLst>
+              </p:cNvPr>
+              <p:cNvSpPr txBox="1">
+                <a:spLocks noRot="1" noChangeAspect="1" noMove="1" noResize="1" noEditPoints="1" noAdjustHandles="1" noChangeArrowheads="1" noChangeShapeType="1" noTextEdit="1"/>
+              </p:cNvSpPr>
+              <p:nvPr/>
+            </p:nvSpPr>
+            <p:spPr>
+              <a:xfrm>
+                <a:off x="6908449" y="1560247"/>
+                <a:ext cx="4776186" cy="830997"/>
+              </a:xfrm>
+              <a:prstGeom prst="rect">
+                <a:avLst/>
+              </a:prstGeom>
+              <a:blipFill>
+                <a:blip r:embed="rId5"/>
+                <a:stretch>
+                  <a:fillRect l="-1913" t="-5882" r="-893" b="-16176"/>
+                </a:stretch>
+              </a:blipFill>
+            </p:spPr>
+            <p:txBody>
+              <a:bodyPr/>
+              <a:lstStyle/>
+              <a:p>
+                <a:r>
+                  <a:rPr lang="ja-JP" altLang="en-US">
+                    <a:noFill/>
+                  </a:rPr>
+                  <a:t> </a:t>
+                </a:r>
+              </a:p>
+            </p:txBody>
+          </p:sp>
+        </mc:Fallback>
+      </mc:AlternateContent>
+    </p:spTree>
+    <p:extLst>
+      <p:ext uri="{BB962C8B-B14F-4D97-AF65-F5344CB8AC3E}">
+        <p14:creationId xmlns:p14="http://schemas.microsoft.com/office/powerpoint/2010/main" val="3055045031"/>
+      </p:ext>
+    </p:extLst>
+  </p:cSld>
+  <p:clrMapOvr>
+    <a:masterClrMapping/>
+  </p:clrMapOvr>
+</p:sld>
+</file>
+
 <file path=ppt/slides/slide2.xml><?xml version="1.0" encoding="utf-8"?>
 <p:sld xmlns:a="http://schemas.openxmlformats.org/drawingml/2006/main" xmlns:r="http://schemas.openxmlformats.org/officeDocument/2006/relationships" xmlns:p="http://schemas.openxmlformats.org/presentationml/2006/main">
   <p:cSld>
@@ -5304,8 +9639,8 @@
           </a:p>
         </p:txBody>
       </p:sp>
-      <mc:AlternateContent xmlns:mc="http://schemas.openxmlformats.org/markup-compatibility/2006" xmlns:a14="http://schemas.microsoft.com/office/drawing/2010/main">
-        <mc:Choice Requires="a14">
+      <mc:AlternateContent xmlns:mc="http://schemas.openxmlformats.org/markup-compatibility/2006">
+        <mc:Choice xmlns:a14="http://schemas.microsoft.com/office/drawing/2010/main" Requires="a14">
           <p:sp>
             <p:nvSpPr>
               <p:cNvPr id="4" name="テキスト ボックス 3">
@@ -5321,7 +9656,7 @@
             <p:spPr>
               <a:xfrm>
                 <a:off x="698090" y="1189703"/>
-                <a:ext cx="10962968" cy="6370975"/>
+                <a:ext cx="10962968" cy="5262979"/>
               </a:xfrm>
               <a:prstGeom prst="rect">
                 <a:avLst/>
@@ -6928,6 +11263,27 @@
                       </a:rPr>
                       <m:t>−</m:t>
                     </m:r>
+                    <m:r>
+                      <m:rPr>
+                        <m:sty m:val="p"/>
+                      </m:rPr>
+                      <a:rPr kumimoji="1" lang="en-US" altLang="ja-JP" sz="2400" b="0" i="0" smtClean="0">
+                        <a:latin typeface="Cambria Math" panose="02040503050406030204" pitchFamily="18" charset="0"/>
+                      </a:rPr>
+                      <m:t>Δ</m:t>
+                    </m:r>
+                    <m:r>
+                      <a:rPr kumimoji="1" lang="en-US" altLang="ja-JP" sz="2400" b="0" i="1" smtClean="0">
+                        <a:latin typeface="Cambria Math" panose="02040503050406030204" pitchFamily="18" charset="0"/>
+                      </a:rPr>
+                      <m:t>𝑣</m:t>
+                    </m:r>
+                    <m:r>
+                      <a:rPr kumimoji="1" lang="en-US" altLang="ja-JP" sz="2400" b="0" i="1" smtClean="0">
+                        <a:latin typeface="Cambria Math" panose="02040503050406030204" pitchFamily="18" charset="0"/>
+                      </a:rPr>
+                      <m:t>−</m:t>
+                    </m:r>
                     <m:sSub>
                       <m:sSubPr>
                         <m:ctrlPr>
@@ -7362,7 +11718,28 @@
                       </m:sub>
                     </m:sSub>
                     <m:r>
-                      <a:rPr kumimoji="1" lang="en-US" altLang="ja-JP" sz="2400" b="0" i="1" smtClean="0">
+                      <a:rPr lang="en-US" altLang="ja-JP" sz="2400" i="1">
+                        <a:latin typeface="Cambria Math" panose="02040503050406030204" pitchFamily="18" charset="0"/>
+                      </a:rPr>
+                      <m:t>−</m:t>
+                    </m:r>
+                    <m:r>
+                      <m:rPr>
+                        <m:sty m:val="p"/>
+                      </m:rPr>
+                      <a:rPr lang="en-US" altLang="ja-JP" sz="2400">
+                        <a:latin typeface="Cambria Math" panose="02040503050406030204" pitchFamily="18" charset="0"/>
+                      </a:rPr>
+                      <m:t>Δ</m:t>
+                    </m:r>
+                    <m:r>
+                      <a:rPr lang="en-US" altLang="ja-JP" sz="2400" i="1">
+                        <a:latin typeface="Cambria Math" panose="02040503050406030204" pitchFamily="18" charset="0"/>
+                      </a:rPr>
+                      <m:t>𝑣</m:t>
+                    </m:r>
+                    <m:r>
+                      <a:rPr lang="en-US" altLang="ja-JP" sz="2400" i="1">
                         <a:latin typeface="Cambria Math" panose="02040503050406030204" pitchFamily="18" charset="0"/>
                       </a:rPr>
                       <m:t>+</m:t>
@@ -7574,6 +11951,27 @@
                         </m:r>
                       </m:sub>
                     </m:sSub>
+                    <m:r>
+                      <a:rPr lang="en-US" altLang="ja-JP" sz="2400" i="1">
+                        <a:latin typeface="Cambria Math" panose="02040503050406030204" pitchFamily="18" charset="0"/>
+                      </a:rPr>
+                      <m:t>−</m:t>
+                    </m:r>
+                    <m:r>
+                      <m:rPr>
+                        <m:sty m:val="p"/>
+                      </m:rPr>
+                      <a:rPr lang="en-US" altLang="ja-JP" sz="2400">
+                        <a:latin typeface="Cambria Math" panose="02040503050406030204" pitchFamily="18" charset="0"/>
+                      </a:rPr>
+                      <m:t>Δ</m:t>
+                    </m:r>
+                    <m:r>
+                      <a:rPr lang="en-US" altLang="ja-JP" sz="2400" i="1">
+                        <a:latin typeface="Cambria Math" panose="02040503050406030204" pitchFamily="18" charset="0"/>
+                      </a:rPr>
+                      <m:t>𝑣</m:t>
+                    </m:r>
                   </m:oMath>
                 </a14:m>
                 <a:r>
@@ -7601,21 +11999,12 @@
                     </m:d>
                   </m:oMath>
                 </a14:m>
-                <a:endParaRPr kumimoji="1" lang="en-US" altLang="ja-JP" sz="2400" dirty="0"/>
-              </a:p>
-              <a:p>
-                <a:endParaRPr lang="en-US" altLang="ja-JP" sz="2400" dirty="0"/>
-              </a:p>
-              <a:p>
-                <a:endParaRPr kumimoji="1" lang="en-US" altLang="ja-JP" sz="2400" dirty="0"/>
-              </a:p>
-              <a:p>
                 <a:endParaRPr kumimoji="1" lang="ja-JP" altLang="en-US" sz="2400" dirty="0"/>
               </a:p>
             </p:txBody>
           </p:sp>
         </mc:Choice>
-        <mc:Fallback xmlns="">
+        <mc:Fallback>
           <p:sp>
             <p:nvSpPr>
               <p:cNvPr id="4" name="テキスト ボックス 3">
@@ -7633,7 +12022,7 @@
             <p:spPr>
               <a:xfrm>
                 <a:off x="698090" y="1189703"/>
-                <a:ext cx="10962968" cy="6370975"/>
+                <a:ext cx="10962968" cy="5262979"/>
               </a:xfrm>
               <a:prstGeom prst="rect">
                 <a:avLst/>
@@ -7764,7 +12153,7 @@
             <p:spPr>
               <a:xfrm>
                 <a:off x="6096000" y="1634964"/>
-                <a:ext cx="6184490" cy="4278094"/>
+                <a:ext cx="6184490" cy="4339650"/>
               </a:xfrm>
               <a:prstGeom prst="rect">
                 <a:avLst/>
@@ -8439,7 +12828,28 @@
                       </m:sub>
                     </m:sSub>
                     <m:r>
-                      <a:rPr kumimoji="1" lang="en-US" altLang="ja-JP" sz="2000" b="0" i="1" smtClean="0">
+                      <a:rPr lang="en-US" altLang="ja-JP" sz="2000" i="1">
+                        <a:latin typeface="Cambria Math" panose="02040503050406030204" pitchFamily="18" charset="0"/>
+                      </a:rPr>
+                      <m:t>−</m:t>
+                    </m:r>
+                    <m:r>
+                      <m:rPr>
+                        <m:sty m:val="p"/>
+                      </m:rPr>
+                      <a:rPr lang="en-US" altLang="ja-JP" sz="2000">
+                        <a:latin typeface="Cambria Math" panose="02040503050406030204" pitchFamily="18" charset="0"/>
+                      </a:rPr>
+                      <m:t>Δ</m:t>
+                    </m:r>
+                    <m:r>
+                      <a:rPr lang="en-US" altLang="ja-JP" sz="2000" i="1">
+                        <a:latin typeface="Cambria Math" panose="02040503050406030204" pitchFamily="18" charset="0"/>
+                      </a:rPr>
+                      <m:t>𝑣</m:t>
+                    </m:r>
+                    <m:r>
+                      <a:rPr lang="en-US" altLang="ja-JP" sz="2000" i="1">
                         <a:latin typeface="Cambria Math" panose="02040503050406030204" pitchFamily="18" charset="0"/>
                       </a:rPr>
                       <m:t>+</m:t>
@@ -8651,6 +13061,41 @@
                         </m:r>
                       </m:sub>
                     </m:sSub>
+                  </m:oMath>
+                </a14:m>
+                <a:r>
+                  <a:rPr lang="en-US" altLang="ja-JP" sz="2000" dirty="0"/>
+                  <a:t> </a:t>
+                </a:r>
+                <a14:m>
+                  <m:oMath xmlns:m="http://schemas.openxmlformats.org/officeDocument/2006/math">
+                    <m:r>
+                      <a:rPr lang="en-US" altLang="ja-JP" sz="2000" i="1">
+                        <a:latin typeface="Cambria Math" panose="02040503050406030204" pitchFamily="18" charset="0"/>
+                      </a:rPr>
+                      <m:t>−</m:t>
+                    </m:r>
+                    <m:r>
+                      <m:rPr>
+                        <m:sty m:val="p"/>
+                      </m:rPr>
+                      <a:rPr lang="en-US" altLang="ja-JP" sz="2000">
+                        <a:latin typeface="Cambria Math" panose="02040503050406030204" pitchFamily="18" charset="0"/>
+                      </a:rPr>
+                      <m:t>Δ</m:t>
+                    </m:r>
+                    <m:r>
+                      <a:rPr lang="en-US" altLang="ja-JP" sz="2000" i="1">
+                        <a:latin typeface="Cambria Math" panose="02040503050406030204" pitchFamily="18" charset="0"/>
+                      </a:rPr>
+                      <m:t>𝑣</m:t>
+                    </m:r>
+                    <m:r>
+                      <a:rPr lang="en-US" altLang="ja-JP" sz="2000" i="1">
+                        <a:latin typeface="Cambria Math" panose="02040503050406030204" pitchFamily="18" charset="0"/>
+                      </a:rPr>
+                      <m:t> </m:t>
+                    </m:r>
                   </m:oMath>
                 </a14:m>
                 <a:r>
@@ -8823,7 +13268,7 @@
                         <a:rPr kumimoji="1" lang="en-US" altLang="ja-JP" sz="2400" b="0" i="1" smtClean="0">
                           <a:latin typeface="Cambria Math" panose="02040503050406030204" pitchFamily="18" charset="0"/>
                         </a:rPr>
-                        <m:t>⋅2=1.2 </m:t>
+                        <m:t>=1.5 </m:t>
                       </m:r>
                       <m:r>
                         <m:rPr>
@@ -8868,7 +13313,7 @@
             <p:spPr>
               <a:xfrm>
                 <a:off x="6096000" y="1634964"/>
-                <a:ext cx="6184490" cy="4278094"/>
+                <a:ext cx="6184490" cy="4339650"/>
               </a:xfrm>
               <a:prstGeom prst="rect">
                 <a:avLst/>
@@ -8876,7 +13321,7 @@
               <a:blipFill>
                 <a:blip r:embed="rId2"/>
                 <a:stretch>
-                  <a:fillRect l="-1478" t="-1140" b="-2279"/>
+                  <a:fillRect l="-1478" t="-1124" b="-843"/>
                 </a:stretch>
               </a:blipFill>
             </p:spPr>
@@ -9250,6 +13695,7 @@
                 <a:endParaRPr kumimoji="1" lang="en-US" altLang="ja-JP" sz="2400" dirty="0"/>
               </a:p>
               <a:p>
+                <a:pPr/>
                 <a14:m>
                   <m:oMathPara xmlns:m="http://schemas.openxmlformats.org/officeDocument/2006/math">
                     <m:oMathParaPr>
@@ -9282,10 +13728,37 @@
                         </m:sub>
                       </m:sSub>
                       <m:r>
-                        <a:rPr kumimoji="1" lang="en-US" altLang="ja-JP" sz="2400" b="0" i="1" smtClean="0">
+                        <a:rPr lang="en-US" altLang="ja-JP" sz="2400" i="1">
                           <a:latin typeface="Cambria Math" panose="02040503050406030204" pitchFamily="18" charset="0"/>
                         </a:rPr>
-                        <m:t>=1.2&gt;</m:t>
+                        <m:t>−</m:t>
+                      </m:r>
+                      <m:r>
+                        <m:rPr>
+                          <m:sty m:val="p"/>
+                        </m:rPr>
+                        <a:rPr lang="en-US" altLang="ja-JP" sz="2400">
+                          <a:latin typeface="Cambria Math" panose="02040503050406030204" pitchFamily="18" charset="0"/>
+                        </a:rPr>
+                        <m:t>Δ</m:t>
+                      </m:r>
+                      <m:r>
+                        <a:rPr lang="en-US" altLang="ja-JP" sz="2400" i="1">
+                          <a:latin typeface="Cambria Math" panose="02040503050406030204" pitchFamily="18" charset="0"/>
+                        </a:rPr>
+                        <m:t>𝑣</m:t>
+                      </m:r>
+                      <m:r>
+                        <a:rPr lang="en-US" altLang="ja-JP" sz="2400" i="1">
+                          <a:latin typeface="Cambria Math" panose="02040503050406030204" pitchFamily="18" charset="0"/>
+                        </a:rPr>
+                        <m:t>=1.5−0.</m:t>
+                      </m:r>
+                      <m:r>
+                        <a:rPr lang="en-US" altLang="ja-JP" sz="2400" b="0" i="1" smtClean="0">
+                          <a:latin typeface="Cambria Math" panose="02040503050406030204" pitchFamily="18" charset="0"/>
+                        </a:rPr>
+                        <m:t>3&gt;</m:t>
                       </m:r>
                       <m:sSub>
                         <m:sSubPr>
@@ -9380,6 +13853,7 @@
                 <a:endParaRPr lang="en-US" altLang="ja-JP" sz="2400" dirty="0"/>
               </a:p>
               <a:p>
+                <a:pPr/>
                 <a14:m>
                   <m:oMathPara xmlns:m="http://schemas.openxmlformats.org/officeDocument/2006/math">
                     <m:oMathParaPr>
@@ -9429,6 +13903,7 @@
                 <a:endParaRPr kumimoji="1" lang="en-US" altLang="ja-JP" sz="2400" b="0" dirty="0"/>
               </a:p>
               <a:p>
+                <a:pPr/>
                 <a14:m>
                   <m:oMathPara xmlns:m="http://schemas.openxmlformats.org/officeDocument/2006/math">
                     <m:oMathParaPr>
@@ -9500,6 +13975,7 @@
                 <a:endParaRPr kumimoji="1" lang="en-US" altLang="ja-JP" sz="2400" dirty="0"/>
               </a:p>
               <a:p>
+                <a:pPr/>
                 <a14:m>
                   <m:oMathPara xmlns:m="http://schemas.openxmlformats.org/officeDocument/2006/math">
                     <m:oMathParaPr>
@@ -9723,6 +14199,7 @@
                 <a:endParaRPr kumimoji="1" lang="en-US" altLang="ja-JP" sz="2400" dirty="0"/>
               </a:p>
               <a:p>
+                <a:pPr/>
                 <a14:m>
                   <m:oMathPara xmlns:m="http://schemas.openxmlformats.org/officeDocument/2006/math">
                     <m:oMathParaPr>
@@ -9873,6 +14350,7 @@
                 <a:endParaRPr kumimoji="1" lang="en-US" altLang="ja-JP" sz="2400" dirty="0"/>
               </a:p>
               <a:p>
+                <a:pPr/>
                 <a14:m>
                   <m:oMathPara xmlns:m="http://schemas.openxmlformats.org/officeDocument/2006/math">
                     <m:oMathParaPr>
@@ -10003,6 +14481,7 @@
                 <a:endParaRPr kumimoji="1" lang="en-US" altLang="ja-JP" sz="2400" dirty="0"/>
               </a:p>
               <a:p>
+                <a:pPr/>
                 <a14:m>
                   <m:oMathPara xmlns:m="http://schemas.openxmlformats.org/officeDocument/2006/math">
                     <m:oMathParaPr>
@@ -10274,8 +14753,8 @@
           </a:p>
         </p:txBody>
       </p:sp>
-      <mc:AlternateContent xmlns:mc="http://schemas.openxmlformats.org/markup-compatibility/2006">
-        <mc:Choice xmlns:a14="http://schemas.microsoft.com/office/drawing/2010/main" Requires="a14">
+      <mc:AlternateContent xmlns:mc="http://schemas.openxmlformats.org/markup-compatibility/2006" xmlns:a14="http://schemas.microsoft.com/office/drawing/2010/main">
+        <mc:Choice Requires="a14">
           <p:sp>
             <p:nvSpPr>
               <p:cNvPr id="5" name="テキスト ボックス 4">
@@ -10581,6 +15060,7 @@
                 <a:endParaRPr lang="en-US" altLang="ja-JP" sz="2400" dirty="0"/>
               </a:p>
               <a:p>
+                <a:pPr/>
                 <a14:m>
                   <m:oMathPara xmlns:m="http://schemas.openxmlformats.org/officeDocument/2006/math">
                     <m:oMathParaPr>
@@ -10804,6 +15284,7 @@
                 <a:endParaRPr lang="en-US" altLang="ja-JP" sz="2400" dirty="0"/>
               </a:p>
               <a:p>
+                <a:pPr/>
                 <a14:m>
                   <m:oMathPara xmlns:m="http://schemas.openxmlformats.org/officeDocument/2006/math">
                     <m:oMathParaPr>
@@ -10991,7 +15472,7 @@
             </p:txBody>
           </p:sp>
         </mc:Choice>
-        <mc:Fallback>
+        <mc:Fallback xmlns="">
           <p:sp>
             <p:nvSpPr>
               <p:cNvPr id="5" name="テキスト ボックス 4">
@@ -11095,8 +15576,8 @@
           </a:p>
         </p:txBody>
       </p:sp>
-      <mc:AlternateContent xmlns:mc="http://schemas.openxmlformats.org/markup-compatibility/2006">
-        <mc:Choice xmlns:a14="http://schemas.microsoft.com/office/drawing/2010/main" Requires="a14">
+      <mc:AlternateContent xmlns:mc="http://schemas.openxmlformats.org/markup-compatibility/2006" xmlns:a14="http://schemas.microsoft.com/office/drawing/2010/main">
+        <mc:Choice Requires="a14">
           <p:sp>
             <p:nvSpPr>
               <p:cNvPr id="3" name="テキスト ボックス 2">
@@ -11370,6 +15851,7 @@
                 <a:endParaRPr kumimoji="1" lang="en-US" altLang="ja-JP" sz="2400" dirty="0"/>
               </a:p>
               <a:p>
+                <a:pPr/>
                 <a14:m>
                   <m:oMathPara xmlns:m="http://schemas.openxmlformats.org/officeDocument/2006/math">
                     <m:oMathParaPr>
@@ -11487,6 +15969,7 @@
                 <a:endParaRPr kumimoji="1" lang="en-US" altLang="ja-JP" sz="2400" b="0" dirty="0"/>
               </a:p>
               <a:p>
+                <a:pPr/>
                 <a14:m>
                   <m:oMathPara xmlns:m="http://schemas.openxmlformats.org/officeDocument/2006/math">
                     <m:oMathParaPr>
@@ -11960,6 +16443,7 @@
                 <a:endParaRPr kumimoji="1" lang="en-US" altLang="ja-JP" sz="2400" dirty="0"/>
               </a:p>
               <a:p>
+                <a:pPr/>
                 <a14:m>
                   <m:oMathPara xmlns:m="http://schemas.openxmlformats.org/officeDocument/2006/math">
                     <m:oMathParaPr>
@@ -12035,6 +16519,7 @@
                 <a:endParaRPr lang="en-US" altLang="ja-JP" sz="2400" dirty="0"/>
               </a:p>
               <a:p>
+                <a:pPr/>
                 <a14:m>
                   <m:oMathPara xmlns:m="http://schemas.openxmlformats.org/officeDocument/2006/math">
                     <m:oMathParaPr>
@@ -12149,7 +16634,7 @@
             </p:txBody>
           </p:sp>
         </mc:Choice>
-        <mc:Fallback>
+        <mc:Fallback xmlns="">
           <p:sp>
             <p:nvSpPr>
               <p:cNvPr id="3" name="テキスト ボックス 2">
@@ -12410,7 +16895,7 @@
             <p:spPr>
               <a:xfrm>
                 <a:off x="1027469" y="1229032"/>
-                <a:ext cx="10515599" cy="3416320"/>
+                <a:ext cx="10515599" cy="5262979"/>
               </a:xfrm>
               <a:prstGeom prst="rect">
                 <a:avLst/>
@@ -12935,6 +17420,167 @@
                 <a:endParaRPr lang="en-US" altLang="ja-JP" sz="2400" dirty="0"/>
               </a:p>
               <a:p>
+                <a:pPr algn="ctr"/>
+                <a14:m>
+                  <m:oMath xmlns:m="http://schemas.openxmlformats.org/officeDocument/2006/math">
+                    <m:sSub>
+                      <m:sSubPr>
+                        <m:ctrlPr>
+                          <a:rPr kumimoji="1" lang="en-US" altLang="ja-JP" sz="2400" b="0" i="1" smtClean="0">
+                            <a:latin typeface="Cambria Math" panose="02040503050406030204" pitchFamily="18" charset="0"/>
+                          </a:rPr>
+                        </m:ctrlPr>
+                      </m:sSubPr>
+                      <m:e>
+                        <m:r>
+                          <a:rPr kumimoji="1" lang="en-US" altLang="ja-JP" sz="2400" b="0" i="1" smtClean="0">
+                            <a:latin typeface="Cambria Math" panose="02040503050406030204" pitchFamily="18" charset="0"/>
+                          </a:rPr>
+                          <m:t>𝑉</m:t>
+                        </m:r>
+                      </m:e>
+                      <m:sub>
+                        <m:r>
+                          <a:rPr kumimoji="1" lang="en-US" altLang="ja-JP" sz="2400" b="0" i="1" smtClean="0">
+                            <a:latin typeface="Cambria Math" panose="02040503050406030204" pitchFamily="18" charset="0"/>
+                          </a:rPr>
+                          <m:t>𝐴</m:t>
+                        </m:r>
+                      </m:sub>
+                    </m:sSub>
+                    <m:r>
+                      <a:rPr kumimoji="1" lang="en-US" altLang="ja-JP" sz="2400" b="0" i="1" smtClean="0">
+                        <a:latin typeface="Cambria Math" panose="02040503050406030204" pitchFamily="18" charset="0"/>
+                      </a:rPr>
+                      <m:t>−</m:t>
+                    </m:r>
+                    <m:sSub>
+                      <m:sSubPr>
+                        <m:ctrlPr>
+                          <a:rPr kumimoji="1" lang="en-US" altLang="ja-JP" sz="2400" b="0" i="1" smtClean="0">
+                            <a:latin typeface="Cambria Math" panose="02040503050406030204" pitchFamily="18" charset="0"/>
+                          </a:rPr>
+                        </m:ctrlPr>
+                      </m:sSubPr>
+                      <m:e>
+                        <m:r>
+                          <a:rPr kumimoji="1" lang="en-US" altLang="ja-JP" sz="2400" b="0" i="1" smtClean="0">
+                            <a:latin typeface="Cambria Math" panose="02040503050406030204" pitchFamily="18" charset="0"/>
+                          </a:rPr>
+                          <m:t>𝑉</m:t>
+                        </m:r>
+                      </m:e>
+                      <m:sub>
+                        <m:r>
+                          <a:rPr kumimoji="1" lang="en-US" altLang="ja-JP" sz="2400" b="0" i="1" smtClean="0">
+                            <a:latin typeface="Cambria Math" panose="02040503050406030204" pitchFamily="18" charset="0"/>
+                          </a:rPr>
+                          <m:t>𝐴𝐵</m:t>
+                        </m:r>
+                      </m:sub>
+                    </m:sSub>
+                    <m:r>
+                      <a:rPr kumimoji="1" lang="en-US" altLang="ja-JP" sz="2400" b="0" i="1" smtClean="0">
+                        <a:latin typeface="Cambria Math" panose="02040503050406030204" pitchFamily="18" charset="0"/>
+                      </a:rPr>
+                      <m:t>=</m:t>
+                    </m:r>
+                    <m:sSub>
+                      <m:sSubPr>
+                        <m:ctrlPr>
+                          <a:rPr kumimoji="1" lang="en-US" altLang="ja-JP" sz="2400" b="0" i="1" smtClean="0">
+                            <a:latin typeface="Cambria Math" panose="02040503050406030204" pitchFamily="18" charset="0"/>
+                          </a:rPr>
+                        </m:ctrlPr>
+                      </m:sSubPr>
+                      <m:e>
+                        <m:r>
+                          <a:rPr kumimoji="1" lang="en-US" altLang="ja-JP" sz="2400" b="0" i="1" smtClean="0">
+                            <a:latin typeface="Cambria Math" panose="02040503050406030204" pitchFamily="18" charset="0"/>
+                          </a:rPr>
+                          <m:t>𝑉</m:t>
+                        </m:r>
+                      </m:e>
+                      <m:sub>
+                        <m:r>
+                          <a:rPr kumimoji="1" lang="en-US" altLang="ja-JP" sz="2400" b="0" i="1" smtClean="0">
+                            <a:latin typeface="Cambria Math" panose="02040503050406030204" pitchFamily="18" charset="0"/>
+                          </a:rPr>
+                          <m:t>𝐵</m:t>
+                        </m:r>
+                      </m:sub>
+                    </m:sSub>
+                    <m:r>
+                      <a:rPr kumimoji="1" lang="en-US" altLang="ja-JP" sz="2400" b="0" i="1" smtClean="0">
+                        <a:latin typeface="Cambria Math" panose="02040503050406030204" pitchFamily="18" charset="0"/>
+                      </a:rPr>
+                      <m:t>−</m:t>
+                    </m:r>
+                    <m:sSub>
+                      <m:sSubPr>
+                        <m:ctrlPr>
+                          <a:rPr kumimoji="1" lang="en-US" altLang="ja-JP" sz="2400" b="0" i="1" smtClean="0">
+                            <a:latin typeface="Cambria Math" panose="02040503050406030204" pitchFamily="18" charset="0"/>
+                          </a:rPr>
+                        </m:ctrlPr>
+                      </m:sSubPr>
+                      <m:e>
+                        <m:r>
+                          <a:rPr kumimoji="1" lang="en-US" altLang="ja-JP" sz="2400" b="0" i="1" smtClean="0">
+                            <a:latin typeface="Cambria Math" panose="02040503050406030204" pitchFamily="18" charset="0"/>
+                          </a:rPr>
+                          <m:t>𝑉</m:t>
+                        </m:r>
+                      </m:e>
+                      <m:sub>
+                        <m:r>
+                          <a:rPr kumimoji="1" lang="en-US" altLang="ja-JP" sz="2400" b="0" i="1" smtClean="0">
+                            <a:latin typeface="Cambria Math" panose="02040503050406030204" pitchFamily="18" charset="0"/>
+                          </a:rPr>
+                          <m:t>𝑆</m:t>
+                        </m:r>
+                      </m:sub>
+                    </m:sSub>
+                  </m:oMath>
+                </a14:m>
+                <a:r>
+                  <a:rPr kumimoji="1" lang="en-US" altLang="ja-JP" sz="2400" b="0" dirty="0"/>
+                  <a:t>	</a:t>
+                </a:r>
+                <a14:m>
+                  <m:oMath xmlns:m="http://schemas.openxmlformats.org/officeDocument/2006/math">
+                    <m:d>
+                      <m:dPr>
+                        <m:ctrlPr>
+                          <a:rPr kumimoji="1" lang="en-US" altLang="ja-JP" sz="2400" b="0" i="1" smtClean="0">
+                            <a:latin typeface="Cambria Math" panose="02040503050406030204" pitchFamily="18" charset="0"/>
+                          </a:rPr>
+                        </m:ctrlPr>
+                      </m:dPr>
+                      <m:e>
+                        <m:r>
+                          <a:rPr kumimoji="1" lang="en-US" altLang="ja-JP" sz="2400" b="0" i="1" smtClean="0">
+                            <a:latin typeface="Cambria Math" panose="02040503050406030204" pitchFamily="18" charset="0"/>
+                          </a:rPr>
+                          <m:t>9</m:t>
+                        </m:r>
+                      </m:e>
+                    </m:d>
+                  </m:oMath>
+                </a14:m>
+                <a:endParaRPr kumimoji="1" lang="en-US" altLang="ja-JP" sz="2400" b="0" dirty="0"/>
+              </a:p>
+              <a:p>
+                <a:pPr algn="l"/>
+                <a:r>
+                  <a:rPr kumimoji="1" lang="ja-JP" altLang="en-US" sz="2400" b="0" dirty="0"/>
+                  <a:t>また</a:t>
+                </a:r>
+                <a:endParaRPr kumimoji="1" lang="en-US" altLang="ja-JP" sz="2400" b="0" i="1" dirty="0">
+                  <a:latin typeface="Cambria Math" panose="02040503050406030204" pitchFamily="18" charset="0"/>
+                </a:endParaRPr>
+              </a:p>
+              <a:p>
                 <a:pPr algn="l"/>
                 <a14:m>
                   <m:oMathPara xmlns:m="http://schemas.openxmlformats.org/officeDocument/2006/math">
@@ -12963,7 +17609,7 @@
                             <a:rPr kumimoji="1" lang="en-US" altLang="ja-JP" sz="2400" b="0" i="1" smtClean="0">
                               <a:latin typeface="Cambria Math" panose="02040503050406030204" pitchFamily="18" charset="0"/>
                             </a:rPr>
-                            <m:t>𝐴</m:t>
+                            <m:t>𝑜𝑢𝑡</m:t>
                           </m:r>
                         </m:sub>
                       </m:sSub>
@@ -13025,7 +17671,7 @@
                             <a:rPr kumimoji="1" lang="en-US" altLang="ja-JP" sz="2400" b="0" i="1" smtClean="0">
                               <a:latin typeface="Cambria Math" panose="02040503050406030204" pitchFamily="18" charset="0"/>
                             </a:rPr>
-                            <m:t>𝐵</m:t>
+                            <m:t>𝐴𝐵</m:t>
                           </m:r>
                         </m:sub>
                       </m:sSub>
@@ -13068,132 +17714,46 @@
               <a:p>
                 <a:pPr algn="l"/>
                 <a14:m>
-                  <m:oMath xmlns:m="http://schemas.openxmlformats.org/officeDocument/2006/math">
-                    <m:d>
-                      <m:dPr>
-                        <m:ctrlPr>
-                          <a:rPr kumimoji="1" lang="en-US" altLang="ja-JP" sz="2400" b="0" i="1" smtClean="0">
-                            <a:latin typeface="Cambria Math" panose="02040503050406030204" pitchFamily="18" charset="0"/>
-                          </a:rPr>
-                        </m:ctrlPr>
-                      </m:dPr>
-                      <m:e>
-                        <m:r>
-                          <a:rPr kumimoji="1" lang="en-US" altLang="ja-JP" sz="2400" b="0" i="1" smtClean="0">
-                            <a:latin typeface="Cambria Math" panose="02040503050406030204" pitchFamily="18" charset="0"/>
-                          </a:rPr>
-                          <m:t>9</m:t>
-                        </m:r>
-                      </m:e>
-                    </m:d>
-                  </m:oMath>
+                  <m:oMathPara xmlns:m="http://schemas.openxmlformats.org/officeDocument/2006/math">
+                    <m:oMathParaPr>
+                      <m:jc m:val="centerGroup"/>
+                    </m:oMathParaPr>
+                    <m:oMath xmlns:m="http://schemas.openxmlformats.org/officeDocument/2006/math">
+                      <m:r>
+                        <a:rPr kumimoji="1" lang="en-US" altLang="ja-JP" sz="2400" b="0" i="1" smtClean="0">
+                          <a:latin typeface="Cambria Math" panose="02040503050406030204" pitchFamily="18" charset="0"/>
+                        </a:rPr>
+                        <m:t>1.2+0.2=2</m:t>
+                      </m:r>
+                      <m:sSub>
+                        <m:sSubPr>
+                          <m:ctrlPr>
+                            <a:rPr kumimoji="1" lang="en-US" altLang="ja-JP" sz="2400" b="0" i="1" smtClean="0">
+                              <a:latin typeface="Cambria Math" panose="02040503050406030204" pitchFamily="18" charset="0"/>
+                            </a:rPr>
+                          </m:ctrlPr>
+                        </m:sSubPr>
+                        <m:e>
+                          <m:r>
+                            <a:rPr kumimoji="1" lang="en-US" altLang="ja-JP" sz="2400" b="0" i="1" smtClean="0">
+                              <a:latin typeface="Cambria Math" panose="02040503050406030204" pitchFamily="18" charset="0"/>
+                            </a:rPr>
+                            <m:t>𝑉</m:t>
+                          </m:r>
+                        </m:e>
+                        <m:sub>
+                          <m:r>
+                            <a:rPr kumimoji="1" lang="en-US" altLang="ja-JP" sz="2400" b="0" i="1" smtClean="0">
+                              <a:latin typeface="Cambria Math" panose="02040503050406030204" pitchFamily="18" charset="0"/>
+                            </a:rPr>
+                            <m:t>𝐴𝐵</m:t>
+                          </m:r>
+                        </m:sub>
+                      </m:sSub>
+                    </m:oMath>
+                  </m:oMathPara>
                 </a14:m>
-                <a:r>
-                  <a:rPr kumimoji="1" lang="ja-JP" altLang="en-US" sz="2400" dirty="0"/>
-                  <a:t>式</a:t>
-                </a:r>
-                <a:r>
-                  <a:rPr lang="ja-JP" altLang="en-US" sz="2400" dirty="0"/>
-                  <a:t>、</a:t>
-                </a:r>
-                <a14:m>
-                  <m:oMath xmlns:m="http://schemas.openxmlformats.org/officeDocument/2006/math">
-                    <m:sSub>
-                      <m:sSubPr>
-                        <m:ctrlPr>
-                          <a:rPr lang="en-US" altLang="ja-JP" sz="2400" b="0" i="1" smtClean="0">
-                            <a:latin typeface="Cambria Math" panose="02040503050406030204" pitchFamily="18" charset="0"/>
-                          </a:rPr>
-                        </m:ctrlPr>
-                      </m:sSubPr>
-                      <m:e>
-                        <m:r>
-                          <a:rPr lang="en-US" altLang="ja-JP" sz="2400" b="0" i="1" smtClean="0">
-                            <a:latin typeface="Cambria Math" panose="02040503050406030204" pitchFamily="18" charset="0"/>
-                          </a:rPr>
-                          <m:t>𝑉</m:t>
-                        </m:r>
-                      </m:e>
-                      <m:sub>
-                        <m:r>
-                          <a:rPr lang="en-US" altLang="ja-JP" sz="2400" b="0" i="1" smtClean="0">
-                            <a:latin typeface="Cambria Math" panose="02040503050406030204" pitchFamily="18" charset="0"/>
-                          </a:rPr>
-                          <m:t>𝑆</m:t>
-                        </m:r>
-                      </m:sub>
-                    </m:sSub>
-                    <m:r>
-                      <a:rPr lang="en-US" altLang="ja-JP" sz="2400" b="0" i="1" smtClean="0">
-                        <a:latin typeface="Cambria Math" panose="02040503050406030204" pitchFamily="18" charset="0"/>
-                      </a:rPr>
-                      <m:t>=0.2 </m:t>
-                    </m:r>
-                    <m:r>
-                      <m:rPr>
-                        <m:sty m:val="p"/>
-                      </m:rPr>
-                      <a:rPr lang="en-US" altLang="ja-JP" sz="2400" b="0" i="0" smtClean="0">
-                        <a:latin typeface="Cambria Math" panose="02040503050406030204" pitchFamily="18" charset="0"/>
-                      </a:rPr>
-                      <m:t>V</m:t>
-                    </m:r>
-                  </m:oMath>
-                </a14:m>
-                <a:r>
-                  <a:rPr kumimoji="1" lang="ja-JP" altLang="en-US" sz="2400" dirty="0"/>
-                  <a:t>より</a:t>
-                </a:r>
-                <a14:m>
-                  <m:oMath xmlns:m="http://schemas.openxmlformats.org/officeDocument/2006/math">
-                    <m:sSub>
-                      <m:sSubPr>
-                        <m:ctrlPr>
-                          <a:rPr kumimoji="1" lang="en-US" altLang="ja-JP" sz="2400" b="0" i="1" dirty="0" smtClean="0">
-                            <a:latin typeface="Cambria Math" panose="02040503050406030204" pitchFamily="18" charset="0"/>
-                          </a:rPr>
-                        </m:ctrlPr>
-                      </m:sSubPr>
-                      <m:e>
-                        <m:r>
-                          <a:rPr kumimoji="1" lang="en-US" altLang="ja-JP" sz="2400" b="0" i="1" dirty="0" smtClean="0">
-                            <a:latin typeface="Cambria Math" panose="02040503050406030204" pitchFamily="18" charset="0"/>
-                          </a:rPr>
-                          <m:t>𝑉</m:t>
-                        </m:r>
-                      </m:e>
-                      <m:sub>
-                        <m:r>
-                          <a:rPr kumimoji="1" lang="en-US" altLang="ja-JP" sz="2400" b="0" i="1" dirty="0" smtClean="0">
-                            <a:latin typeface="Cambria Math" panose="02040503050406030204" pitchFamily="18" charset="0"/>
-                          </a:rPr>
-                          <m:t>𝐵</m:t>
-                        </m:r>
-                      </m:sub>
-                    </m:sSub>
-                    <m:r>
-                      <a:rPr kumimoji="1" lang="en-US" altLang="ja-JP" sz="2400" b="0" i="1" dirty="0" smtClean="0">
-                        <a:latin typeface="Cambria Math" panose="02040503050406030204" pitchFamily="18" charset="0"/>
-                      </a:rPr>
-                      <m:t>=0.9 </m:t>
-                    </m:r>
-                    <m:r>
-                      <a:rPr kumimoji="1" lang="en-US" altLang="ja-JP" sz="2400" b="0" i="1" dirty="0" smtClean="0">
-                        <a:latin typeface="Cambria Math" panose="02040503050406030204" pitchFamily="18" charset="0"/>
-                      </a:rPr>
-                      <m:t>𝑉</m:t>
-                    </m:r>
-                  </m:oMath>
-                </a14:m>
-                <a:endParaRPr kumimoji="1" lang="en-US" altLang="ja-JP" sz="2400" dirty="0"/>
-              </a:p>
-              <a:p>
-                <a:pPr algn="l"/>
-                <a:r>
-                  <a:rPr kumimoji="1" lang="ja-JP" altLang="en-US" sz="2400" dirty="0"/>
-                  <a:t>したがって</a:t>
-                </a:r>
-                <a:endParaRPr kumimoji="1" lang="en-US" altLang="ja-JP" sz="2400" dirty="0"/>
+                <a:endParaRPr kumimoji="1" lang="en-US" altLang="ja-JP" sz="2400" b="0" dirty="0"/>
               </a:p>
               <a:p>
                 <a:pPr algn="l"/>
@@ -13224,6 +17784,124 @@
                             <a:rPr kumimoji="1" lang="en-US" altLang="ja-JP" sz="2400" b="0" i="1" smtClean="0">
                               <a:latin typeface="Cambria Math" panose="02040503050406030204" pitchFamily="18" charset="0"/>
                             </a:rPr>
+                            <m:t>𝐴𝐵</m:t>
+                          </m:r>
+                        </m:sub>
+                      </m:sSub>
+                      <m:r>
+                        <a:rPr kumimoji="1" lang="en-US" altLang="ja-JP" sz="2400" b="0" i="1" smtClean="0">
+                          <a:latin typeface="Cambria Math" panose="02040503050406030204" pitchFamily="18" charset="0"/>
+                        </a:rPr>
+                        <m:t>=0.7</m:t>
+                      </m:r>
+                    </m:oMath>
+                  </m:oMathPara>
+                </a14:m>
+                <a:endParaRPr kumimoji="1" lang="en-US" altLang="ja-JP" sz="2400" b="0" dirty="0"/>
+              </a:p>
+              <a:p>
+                <a:pPr algn="l"/>
+                <a14:m>
+                  <m:oMath xmlns:m="http://schemas.openxmlformats.org/officeDocument/2006/math">
+                    <m:sSub>
+                      <m:sSubPr>
+                        <m:ctrlPr>
+                          <a:rPr kumimoji="1" lang="en-US" altLang="ja-JP" sz="2400" b="0" i="1" smtClean="0">
+                            <a:latin typeface="Cambria Math" panose="02040503050406030204" pitchFamily="18" charset="0"/>
+                          </a:rPr>
+                        </m:ctrlPr>
+                      </m:sSubPr>
+                      <m:e>
+                        <m:r>
+                          <a:rPr kumimoji="1" lang="en-US" altLang="ja-JP" sz="2400" b="0" i="1" smtClean="0">
+                            <a:latin typeface="Cambria Math" panose="02040503050406030204" pitchFamily="18" charset="0"/>
+                          </a:rPr>
+                          <m:t>𝑉</m:t>
+                        </m:r>
+                      </m:e>
+                      <m:sub>
+                        <m:r>
+                          <a:rPr kumimoji="1" lang="en-US" altLang="ja-JP" sz="2400" b="0" i="1" smtClean="0">
+                            <a:latin typeface="Cambria Math" panose="02040503050406030204" pitchFamily="18" charset="0"/>
+                          </a:rPr>
+                          <m:t>𝐵</m:t>
+                        </m:r>
+                      </m:sub>
+                    </m:sSub>
+                    <m:r>
+                      <a:rPr kumimoji="1" lang="en-US" altLang="ja-JP" sz="2400" b="0" i="1" smtClean="0">
+                        <a:latin typeface="Cambria Math" panose="02040503050406030204" pitchFamily="18" charset="0"/>
+                      </a:rPr>
+                      <m:t>=0.9 </m:t>
+                    </m:r>
+                    <m:r>
+                      <a:rPr kumimoji="1" lang="en-US" altLang="ja-JP" sz="2400" b="0" i="1" smtClean="0">
+                        <a:latin typeface="Cambria Math" panose="02040503050406030204" pitchFamily="18" charset="0"/>
+                      </a:rPr>
+                      <m:t>𝑉</m:t>
+                    </m:r>
+                  </m:oMath>
+                </a14:m>
+                <a:r>
+                  <a:rPr kumimoji="1" lang="ja-JP" altLang="en-US" sz="2400" b="0" dirty="0"/>
+                  <a:t>なので、</a:t>
+                </a:r>
+                <a14:m>
+                  <m:oMath xmlns:m="http://schemas.openxmlformats.org/officeDocument/2006/math">
+                    <m:d>
+                      <m:dPr>
+                        <m:ctrlPr>
+                          <a:rPr kumimoji="1" lang="en-US" altLang="ja-JP" sz="2400" b="0" i="1" smtClean="0">
+                            <a:latin typeface="Cambria Math" panose="02040503050406030204" pitchFamily="18" charset="0"/>
+                          </a:rPr>
+                        </m:ctrlPr>
+                      </m:dPr>
+                      <m:e>
+                        <m:r>
+                          <a:rPr kumimoji="1" lang="en-US" altLang="ja-JP" sz="2400" b="0" i="1" smtClean="0">
+                            <a:latin typeface="Cambria Math" panose="02040503050406030204" pitchFamily="18" charset="0"/>
+                          </a:rPr>
+                          <m:t>9</m:t>
+                        </m:r>
+                      </m:e>
+                    </m:d>
+                  </m:oMath>
+                </a14:m>
+                <a:r>
+                  <a:rPr kumimoji="1" lang="ja-JP" altLang="en-US" sz="2400" b="0" dirty="0"/>
+                  <a:t>式から</a:t>
+                </a:r>
+                <a:endParaRPr kumimoji="1" lang="en-US" altLang="ja-JP" sz="2400" b="0" dirty="0"/>
+              </a:p>
+              <a:p>
+                <a:pPr algn="l"/>
+                <a14:m>
+                  <m:oMathPara xmlns:m="http://schemas.openxmlformats.org/officeDocument/2006/math">
+                    <m:oMathParaPr>
+                      <m:jc m:val="centerGroup"/>
+                    </m:oMathParaPr>
+                    <m:oMath xmlns:m="http://schemas.openxmlformats.org/officeDocument/2006/math">
+                      <m:sSub>
+                        <m:sSubPr>
+                          <m:ctrlPr>
+                            <a:rPr kumimoji="1" lang="en-US" altLang="ja-JP" sz="2400" b="0" i="1" smtClean="0">
+                              <a:latin typeface="Cambria Math" panose="02040503050406030204" pitchFamily="18" charset="0"/>
+                            </a:rPr>
+                          </m:ctrlPr>
+                        </m:sSubPr>
+                        <m:e>
+                          <m:r>
+                            <a:rPr kumimoji="1" lang="en-US" altLang="ja-JP" sz="2400" b="0" i="1" smtClean="0">
+                              <a:latin typeface="Cambria Math" panose="02040503050406030204" pitchFamily="18" charset="0"/>
+                            </a:rPr>
+                            <m:t>𝑉</m:t>
+                          </m:r>
+                        </m:e>
+                        <m:sub>
+                          <m:r>
+                            <a:rPr kumimoji="1" lang="en-US" altLang="ja-JP" sz="2400" b="0" i="1" smtClean="0">
+                              <a:latin typeface="Cambria Math" panose="02040503050406030204" pitchFamily="18" charset="0"/>
+                            </a:rPr>
                             <m:t>𝐴</m:t>
                           </m:r>
                         </m:sub>
@@ -13232,8 +17910,21 @@
                         <a:rPr kumimoji="1" lang="en-US" altLang="ja-JP" sz="2400" b="0" i="1" smtClean="0">
                           <a:latin typeface="Cambria Math" panose="02040503050406030204" pitchFamily="18" charset="0"/>
                         </a:rPr>
-                        <m:t>−</m:t>
+                        <m:t>−0.7=0.9−0.2</m:t>
                       </m:r>
+                    </m:oMath>
+                  </m:oMathPara>
+                </a14:m>
+                <a:endParaRPr kumimoji="1" lang="en-US" altLang="ja-JP" sz="2400" b="0" dirty="0"/>
+              </a:p>
+              <a:p>
+                <a:pPr algn="l"/>
+                <a14:m>
+                  <m:oMathPara xmlns:m="http://schemas.openxmlformats.org/officeDocument/2006/math">
+                    <m:oMathParaPr>
+                      <m:jc m:val="centerGroup"/>
+                    </m:oMathParaPr>
+                    <m:oMath xmlns:m="http://schemas.openxmlformats.org/officeDocument/2006/math">
                       <m:sSub>
                         <m:sSubPr>
                           <m:ctrlPr>
@@ -13255,7 +17946,7 @@
                             <a:rPr kumimoji="1" lang="en-US" altLang="ja-JP" sz="2400" b="0" i="1" smtClean="0">
                               <a:latin typeface="Cambria Math" panose="02040503050406030204" pitchFamily="18" charset="0"/>
                             </a:rPr>
-                            <m:t>𝐴𝐵</m:t>
+                            <m:t>𝐴</m:t>
                           </m:r>
                         </m:sub>
                       </m:sSub>
@@ -13263,18 +17954,29 @@
                         <a:rPr kumimoji="1" lang="en-US" altLang="ja-JP" sz="2400" b="0" i="1" smtClean="0">
                           <a:latin typeface="Cambria Math" panose="02040503050406030204" pitchFamily="18" charset="0"/>
                         </a:rPr>
-                        <m:t>=0.7 </m:t>
+                        <m:t>=1.4 </m:t>
                       </m:r>
                       <m:r>
-                        <a:rPr kumimoji="1" lang="en-US" altLang="ja-JP" sz="2400" b="0" i="1" smtClean="0">
+                        <m:rPr>
+                          <m:sty m:val="p"/>
+                        </m:rPr>
+                        <a:rPr kumimoji="1" lang="en-US" altLang="ja-JP" sz="2400" b="0" i="0" smtClean="0">
                           <a:latin typeface="Cambria Math" panose="02040503050406030204" pitchFamily="18" charset="0"/>
                         </a:rPr>
-                        <m:t>𝑉</m:t>
+                        <m:t>V</m:t>
                       </m:r>
                     </m:oMath>
                   </m:oMathPara>
                 </a14:m>
-                <a:endParaRPr kumimoji="1" lang="en-US" altLang="ja-JP" sz="2400" dirty="0"/>
+                <a:endParaRPr kumimoji="1" lang="en-US" altLang="ja-JP" sz="2400" b="0" dirty="0"/>
+              </a:p>
+              <a:p>
+                <a:pPr algn="l"/>
+                <a:r>
+                  <a:rPr lang="ja-JP" altLang="en-US" sz="2400" dirty="0"/>
+                  <a:t>と求められた。</a:t>
+                </a:r>
+                <a:endParaRPr lang="en-US" altLang="ja-JP" sz="2400" dirty="0"/>
               </a:p>
             </p:txBody>
           </p:sp>
@@ -13297,7 +17999,7 @@
             <p:spPr>
               <a:xfrm>
                 <a:off x="1027469" y="1229032"/>
-                <a:ext cx="10515599" cy="3416320"/>
+                <a:ext cx="10515599" cy="5262979"/>
               </a:xfrm>
               <a:prstGeom prst="rect">
                 <a:avLst/>
@@ -13305,7 +18007,224 @@
               <a:blipFill>
                 <a:blip r:embed="rId2"/>
                 <a:stretch>
-                  <a:fillRect l="-928" t="-1429"/>
+                  <a:fillRect l="-928" t="-927" b="-1738"/>
+                </a:stretch>
+              </a:blipFill>
+            </p:spPr>
+            <p:txBody>
+              <a:bodyPr/>
+              <a:lstStyle/>
+              <a:p>
+                <a:r>
+                  <a:rPr lang="ja-JP" altLang="en-US">
+                    <a:noFill/>
+                  </a:rPr>
+                  <a:t> </a:t>
+                </a:r>
+              </a:p>
+            </p:txBody>
+          </p:sp>
+        </mc:Fallback>
+      </mc:AlternateContent>
+      <mc:AlternateContent xmlns:mc="http://schemas.openxmlformats.org/markup-compatibility/2006">
+        <mc:Choice xmlns:a14="http://schemas.microsoft.com/office/drawing/2010/main" Requires="a14">
+          <p:sp>
+            <p:nvSpPr>
+              <p:cNvPr id="6" name="テキスト ボックス 5">
+                <a:extLst>
+                  <a:ext uri="{FF2B5EF4-FFF2-40B4-BE49-F238E27FC236}">
+                    <a16:creationId xmlns:a16="http://schemas.microsoft.com/office/drawing/2014/main" id="{569704D6-877E-55BF-C03E-1FCFDD3F6497}"/>
+                  </a:ext>
+                </a:extLst>
+              </p:cNvPr>
+              <p:cNvSpPr txBox="1"/>
+              <p:nvPr/>
+            </p:nvSpPr>
+            <p:spPr>
+              <a:xfrm>
+                <a:off x="6775882" y="2388963"/>
+                <a:ext cx="6094520" cy="646331"/>
+              </a:xfrm>
+              <a:prstGeom prst="rect">
+                <a:avLst/>
+              </a:prstGeom>
+              <a:noFill/>
+            </p:spPr>
+            <p:txBody>
+              <a:bodyPr wrap="square">
+                <a:spAutoFit/>
+              </a:bodyPr>
+              <a:lstStyle/>
+              <a:p>
+                <a:pPr algn="ctr"/>
+                <a14:m>
+                  <m:oMath xmlns:m="http://schemas.openxmlformats.org/officeDocument/2006/math">
+                    <m:r>
+                      <a:rPr kumimoji="1" lang="en-US" altLang="ja-JP" sz="1800" b="0" i="1" smtClean="0">
+                        <a:latin typeface="Cambria Math" panose="02040503050406030204" pitchFamily="18" charset="0"/>
+                      </a:rPr>
+                      <m:t>0.6&lt;</m:t>
+                    </m:r>
+                    <m:sSub>
+                      <m:sSubPr>
+                        <m:ctrlPr>
+                          <a:rPr kumimoji="1" lang="en-US" altLang="ja-JP" sz="1800" b="0" i="1" smtClean="0">
+                            <a:latin typeface="Cambria Math" panose="02040503050406030204" pitchFamily="18" charset="0"/>
+                          </a:rPr>
+                        </m:ctrlPr>
+                      </m:sSubPr>
+                      <m:e>
+                        <m:r>
+                          <a:rPr kumimoji="1" lang="en-US" altLang="ja-JP" sz="1800" b="0" i="1" smtClean="0">
+                            <a:latin typeface="Cambria Math" panose="02040503050406030204" pitchFamily="18" charset="0"/>
+                          </a:rPr>
+                          <m:t>𝑉</m:t>
+                        </m:r>
+                      </m:e>
+                      <m:sub>
+                        <m:r>
+                          <a:rPr kumimoji="1" lang="en-US" altLang="ja-JP" sz="1800" b="0" i="1" smtClean="0">
+                            <a:latin typeface="Cambria Math" panose="02040503050406030204" pitchFamily="18" charset="0"/>
+                          </a:rPr>
+                          <m:t>𝐴𝐵</m:t>
+                        </m:r>
+                      </m:sub>
+                    </m:sSub>
+                    <m:r>
+                      <a:rPr kumimoji="1" lang="en-US" altLang="ja-JP" sz="1800" b="0" i="1" smtClean="0">
+                        <a:latin typeface="Cambria Math" panose="02040503050406030204" pitchFamily="18" charset="0"/>
+                      </a:rPr>
+                      <m:t>&lt;1.1</m:t>
+                    </m:r>
+                  </m:oMath>
+                </a14:m>
+                <a:r>
+                  <a:rPr kumimoji="1" lang="en-US" altLang="ja-JP" sz="1800" dirty="0"/>
+                  <a:t>	</a:t>
+                </a:r>
+                <a14:m>
+                  <m:oMath xmlns:m="http://schemas.openxmlformats.org/officeDocument/2006/math">
+                    <m:d>
+                      <m:dPr>
+                        <m:ctrlPr>
+                          <a:rPr kumimoji="1" lang="en-US" altLang="ja-JP" sz="1800" b="0" i="1" smtClean="0">
+                            <a:latin typeface="Cambria Math" panose="02040503050406030204" pitchFamily="18" charset="0"/>
+                          </a:rPr>
+                        </m:ctrlPr>
+                      </m:dPr>
+                      <m:e>
+                        <m:r>
+                          <a:rPr kumimoji="1" lang="en-US" altLang="ja-JP" sz="1800" b="0" i="1" smtClean="0">
+                            <a:latin typeface="Cambria Math" panose="02040503050406030204" pitchFamily="18" charset="0"/>
+                          </a:rPr>
+                          <m:t>7</m:t>
+                        </m:r>
+                      </m:e>
+                    </m:d>
+                  </m:oMath>
+                </a14:m>
+                <a:endParaRPr kumimoji="1" lang="en-US" altLang="ja-JP" sz="1800" dirty="0"/>
+              </a:p>
+              <a:p>
+                <a:pPr algn="ctr"/>
+                <a14:m>
+                  <m:oMath xmlns:m="http://schemas.openxmlformats.org/officeDocument/2006/math">
+                    <m:r>
+                      <a:rPr kumimoji="1" lang="en-US" altLang="ja-JP" sz="1800" b="0" i="1" smtClean="0">
+                        <a:latin typeface="Cambria Math" panose="02040503050406030204" pitchFamily="18" charset="0"/>
+                      </a:rPr>
+                      <m:t>1.3&lt;</m:t>
+                    </m:r>
+                    <m:sSub>
+                      <m:sSubPr>
+                        <m:ctrlPr>
+                          <a:rPr kumimoji="1" lang="en-US" altLang="ja-JP" sz="1800" b="0" i="1" smtClean="0">
+                            <a:latin typeface="Cambria Math" panose="02040503050406030204" pitchFamily="18" charset="0"/>
+                          </a:rPr>
+                        </m:ctrlPr>
+                      </m:sSubPr>
+                      <m:e>
+                        <m:r>
+                          <a:rPr kumimoji="1" lang="en-US" altLang="ja-JP" sz="1800" b="0" i="1" smtClean="0">
+                            <a:latin typeface="Cambria Math" panose="02040503050406030204" pitchFamily="18" charset="0"/>
+                          </a:rPr>
+                          <m:t>𝑉</m:t>
+                        </m:r>
+                      </m:e>
+                      <m:sub>
+                        <m:r>
+                          <a:rPr kumimoji="1" lang="en-US" altLang="ja-JP" sz="1800" b="0" i="1" smtClean="0">
+                            <a:latin typeface="Cambria Math" panose="02040503050406030204" pitchFamily="18" charset="0"/>
+                          </a:rPr>
+                          <m:t>𝐴</m:t>
+                        </m:r>
+                      </m:sub>
+                    </m:sSub>
+                    <m:r>
+                      <a:rPr kumimoji="1" lang="en-US" altLang="ja-JP" sz="1800" b="0" i="1" smtClean="0">
+                        <a:latin typeface="Cambria Math" panose="02040503050406030204" pitchFamily="18" charset="0"/>
+                      </a:rPr>
+                      <m:t>&lt;1.6</m:t>
+                    </m:r>
+                  </m:oMath>
+                </a14:m>
+                <a:r>
+                  <a:rPr kumimoji="1" lang="en-US" altLang="ja-JP" sz="1800" dirty="0"/>
+                  <a:t>	</a:t>
+                </a:r>
+                <a14:m>
+                  <m:oMath xmlns:m="http://schemas.openxmlformats.org/officeDocument/2006/math">
+                    <m:d>
+                      <m:dPr>
+                        <m:ctrlPr>
+                          <a:rPr kumimoji="1" lang="en-US" altLang="ja-JP" sz="1800" b="0" i="1" smtClean="0">
+                            <a:latin typeface="Cambria Math" panose="02040503050406030204" pitchFamily="18" charset="0"/>
+                          </a:rPr>
+                        </m:ctrlPr>
+                      </m:dPr>
+                      <m:e>
+                        <m:r>
+                          <a:rPr kumimoji="1" lang="en-US" altLang="ja-JP" sz="1800" b="0" i="1" smtClean="0">
+                            <a:latin typeface="Cambria Math" panose="02040503050406030204" pitchFamily="18" charset="0"/>
+                          </a:rPr>
+                          <m:t>8</m:t>
+                        </m:r>
+                      </m:e>
+                    </m:d>
+                  </m:oMath>
+                </a14:m>
+                <a:endParaRPr kumimoji="1" lang="ja-JP" altLang="en-US" sz="1800" dirty="0"/>
+              </a:p>
+            </p:txBody>
+          </p:sp>
+        </mc:Choice>
+        <mc:Fallback>
+          <p:sp>
+            <p:nvSpPr>
+              <p:cNvPr id="6" name="テキスト ボックス 5">
+                <a:extLst>
+                  <a:ext uri="{FF2B5EF4-FFF2-40B4-BE49-F238E27FC236}">
+                    <a16:creationId xmlns:a16="http://schemas.microsoft.com/office/drawing/2014/main" id="{569704D6-877E-55BF-C03E-1FCFDD3F6497}"/>
+                  </a:ext>
+                </a:extLst>
+              </p:cNvPr>
+              <p:cNvSpPr txBox="1">
+                <a:spLocks noRot="1" noChangeAspect="1" noMove="1" noResize="1" noEditPoints="1" noAdjustHandles="1" noChangeArrowheads="1" noChangeShapeType="1" noTextEdit="1"/>
+              </p:cNvSpPr>
+              <p:nvPr/>
+            </p:nvSpPr>
+            <p:spPr>
+              <a:xfrm>
+                <a:off x="6775882" y="2388963"/>
+                <a:ext cx="6094520" cy="646331"/>
+              </a:xfrm>
+              <a:prstGeom prst="rect">
+                <a:avLst/>
+              </a:prstGeom>
+              <a:blipFill>
+                <a:blip r:embed="rId3"/>
+                <a:stretch>
+                  <a:fillRect/>
                 </a:stretch>
               </a:blipFill>
             </p:spPr>
@@ -13328,6 +18247,1500 @@
     <p:extLst>
       <p:ext uri="{BB962C8B-B14F-4D97-AF65-F5344CB8AC3E}">
         <p14:creationId xmlns:p14="http://schemas.microsoft.com/office/powerpoint/2010/main" val="1754570413"/>
+      </p:ext>
+    </p:extLst>
+  </p:cSld>
+  <p:clrMapOvr>
+    <a:masterClrMapping/>
+  </p:clrMapOvr>
+</p:sld>
+</file>
+
+<file path=ppt/slides/slide9.xml><?xml version="1.0" encoding="utf-8"?>
+<p:sld xmlns:a="http://schemas.openxmlformats.org/drawingml/2006/main" xmlns:r="http://schemas.openxmlformats.org/officeDocument/2006/relationships" xmlns:p="http://schemas.openxmlformats.org/presentationml/2006/main">
+  <p:cSld>
+    <p:spTree>
+      <p:nvGrpSpPr>
+        <p:cNvPr id="1" name=""/>
+        <p:cNvGrpSpPr/>
+        <p:nvPr/>
+      </p:nvGrpSpPr>
+      <p:grpSpPr>
+        <a:xfrm>
+          <a:off x="0" y="0"/>
+          <a:ext cx="0" cy="0"/>
+          <a:chOff x="0" y="0"/>
+          <a:chExt cx="0" cy="0"/>
+        </a:xfrm>
+      </p:grpSpPr>
+      <p:sp>
+        <p:nvSpPr>
+          <p:cNvPr id="2" name="タイトル 1">
+            <a:extLst>
+              <a:ext uri="{FF2B5EF4-FFF2-40B4-BE49-F238E27FC236}">
+                <a16:creationId xmlns:a16="http://schemas.microsoft.com/office/drawing/2014/main" id="{31B2943F-5BF2-E5C8-E087-58FB702DA8C9}"/>
+              </a:ext>
+            </a:extLst>
+          </p:cNvPr>
+          <p:cNvSpPr>
+            <a:spLocks noGrp="1"/>
+          </p:cNvSpPr>
+          <p:nvPr>
+            <p:ph type="title"/>
+          </p:nvPr>
+        </p:nvSpPr>
+        <p:spPr/>
+        <p:txBody>
+          <a:bodyPr/>
+          <a:lstStyle/>
+          <a:p>
+            <a:r>
+              <a:rPr lang="ja-JP" altLang="en-US" dirty="0"/>
+              <a:t>直流設計</a:t>
+            </a:r>
+            <a:endParaRPr kumimoji="1" lang="ja-JP" altLang="en-US" dirty="0"/>
+          </a:p>
+        </p:txBody>
+      </p:sp>
+      <p:sp>
+        <p:nvSpPr>
+          <p:cNvPr id="3" name="スライド番号プレースホルダー 2">
+            <a:extLst>
+              <a:ext uri="{FF2B5EF4-FFF2-40B4-BE49-F238E27FC236}">
+                <a16:creationId xmlns:a16="http://schemas.microsoft.com/office/drawing/2014/main" id="{F6906DFE-F0E2-9E6D-9FDA-EAA817281D39}"/>
+              </a:ext>
+            </a:extLst>
+          </p:cNvPr>
+          <p:cNvSpPr>
+            <a:spLocks noGrp="1"/>
+          </p:cNvSpPr>
+          <p:nvPr>
+            <p:ph type="sldNum" sz="quarter" idx="12"/>
+          </p:nvPr>
+        </p:nvSpPr>
+        <p:spPr/>
+        <p:txBody>
+          <a:bodyPr/>
+          <a:lstStyle/>
+          <a:p>
+            <a:fld id="{BAC09C9C-7DB0-444B-A568-405A39CC84C0}" type="slidenum">
+              <a:rPr kumimoji="1" lang="ja-JP" altLang="en-US" smtClean="0"/>
+              <a:t>9</a:t>
+            </a:fld>
+            <a:endParaRPr kumimoji="1" lang="ja-JP" altLang="en-US"/>
+          </a:p>
+        </p:txBody>
+      </p:sp>
+      <p:pic>
+        <p:nvPicPr>
+          <p:cNvPr id="4" name="図 3" descr="星のマーク&#10;&#10;中程度の精度で自動的に生成された説明">
+            <a:extLst>
+              <a:ext uri="{FF2B5EF4-FFF2-40B4-BE49-F238E27FC236}">
+                <a16:creationId xmlns:a16="http://schemas.microsoft.com/office/drawing/2014/main" id="{F65043F3-84B5-4FC9-84EC-62316BBFA026}"/>
+              </a:ext>
+            </a:extLst>
+          </p:cNvPr>
+          <p:cNvPicPr>
+            <a:picLocks noChangeAspect="1"/>
+          </p:cNvPicPr>
+          <p:nvPr/>
+        </p:nvPicPr>
+        <p:blipFill>
+          <a:blip r:embed="rId2">
+            <a:extLst>
+              <a:ext uri="{28A0092B-C50C-407E-A947-70E740481C1C}">
+                <a14:useLocalDpi xmlns:a14="http://schemas.microsoft.com/office/drawing/2010/main" val="0"/>
+              </a:ext>
+            </a:extLst>
+          </a:blip>
+          <a:stretch>
+            <a:fillRect/>
+          </a:stretch>
+        </p:blipFill>
+        <p:spPr>
+          <a:xfrm>
+            <a:off x="-380172" y="1192271"/>
+            <a:ext cx="7288621" cy="5576170"/>
+          </a:xfrm>
+          <a:prstGeom prst="rect">
+            <a:avLst/>
+          </a:prstGeom>
+        </p:spPr>
+      </p:pic>
+      <mc:AlternateContent xmlns:mc="http://schemas.openxmlformats.org/markup-compatibility/2006">
+        <mc:Choice xmlns:a14="http://schemas.microsoft.com/office/drawing/2010/main" Requires="a14">
+          <p:graphicFrame>
+            <p:nvGraphicFramePr>
+              <p:cNvPr id="5" name="表 5">
+                <a:extLst>
+                  <a:ext uri="{FF2B5EF4-FFF2-40B4-BE49-F238E27FC236}">
+                    <a16:creationId xmlns:a16="http://schemas.microsoft.com/office/drawing/2014/main" id="{E11DF7B4-A9E5-3F71-9700-02E5CFE547B2}"/>
+                  </a:ext>
+                </a:extLst>
+              </p:cNvPr>
+              <p:cNvGraphicFramePr>
+                <a:graphicFrameLocks noGrp="1"/>
+              </p:cNvGraphicFramePr>
+              <p:nvPr>
+                <p:extLst>
+                  <p:ext uri="{D42A27DB-BD31-4B8C-83A1-F6EECF244321}">
+                    <p14:modId xmlns:p14="http://schemas.microsoft.com/office/powerpoint/2010/main" val="355353991"/>
+                  </p:ext>
+                </p:extLst>
+              </p:nvPr>
+            </p:nvGraphicFramePr>
+            <p:xfrm>
+              <a:off x="6908449" y="1403245"/>
+              <a:ext cx="4751876" cy="1549868"/>
+            </p:xfrm>
+            <a:graphic>
+              <a:graphicData uri="http://schemas.openxmlformats.org/drawingml/2006/table">
+                <a:tbl>
+                  <a:tblPr bandRow="1">
+                    <a:tableStyleId>{7DF18680-E054-41AD-8BC1-D1AEF772440D}</a:tableStyleId>
+                  </a:tblPr>
+                  <a:tblGrid>
+                    <a:gridCol w="1187969">
+                      <a:extLst>
+                        <a:ext uri="{9D8B030D-6E8A-4147-A177-3AD203B41FA5}">
+                          <a16:colId xmlns:a16="http://schemas.microsoft.com/office/drawing/2014/main" val="313841952"/>
+                        </a:ext>
+                      </a:extLst>
+                    </a:gridCol>
+                    <a:gridCol w="1187969">
+                      <a:extLst>
+                        <a:ext uri="{9D8B030D-6E8A-4147-A177-3AD203B41FA5}">
+                          <a16:colId xmlns:a16="http://schemas.microsoft.com/office/drawing/2014/main" val="3311747053"/>
+                        </a:ext>
+                      </a:extLst>
+                    </a:gridCol>
+                    <a:gridCol w="1187969">
+                      <a:extLst>
+                        <a:ext uri="{9D8B030D-6E8A-4147-A177-3AD203B41FA5}">
+                          <a16:colId xmlns:a16="http://schemas.microsoft.com/office/drawing/2014/main" val="1512227238"/>
+                        </a:ext>
+                      </a:extLst>
+                    </a:gridCol>
+                    <a:gridCol w="1187969">
+                      <a:extLst>
+                        <a:ext uri="{9D8B030D-6E8A-4147-A177-3AD203B41FA5}">
+                          <a16:colId xmlns:a16="http://schemas.microsoft.com/office/drawing/2014/main" val="1269662841"/>
+                        </a:ext>
+                      </a:extLst>
+                    </a:gridCol>
+                  </a:tblGrid>
+                  <a:tr h="387467">
+                    <a:tc gridSpan="4">
+                      <a:txBody>
+                        <a:bodyPr/>
+                        <a:lstStyle/>
+                        <a:p>
+                          <a:pPr algn="ctr"/>
+                          <a14:m>
+                            <m:oMathPara xmlns:m="http://schemas.openxmlformats.org/officeDocument/2006/math">
+                              <m:oMathParaPr>
+                                <m:jc m:val="centerGroup"/>
+                              </m:oMathParaPr>
+                              <m:oMath xmlns:m="http://schemas.openxmlformats.org/officeDocument/2006/math">
+                                <m:r>
+                                  <a:rPr kumimoji="1" lang="ja-JP" altLang="en-US" b="0" i="1" smtClean="0">
+                                    <a:latin typeface="Cambria Math" panose="02040503050406030204" pitchFamily="18" charset="0"/>
+                                  </a:rPr>
+                                  <m:t>直流電位</m:t>
+                                </m:r>
+                                <m:r>
+                                  <a:rPr kumimoji="1" lang="en-US" altLang="ja-JP" b="0" i="0" smtClean="0">
+                                    <a:latin typeface="Cambria Math" panose="02040503050406030204" pitchFamily="18" charset="0"/>
+                                  </a:rPr>
+                                  <m:t> [</m:t>
+                                </m:r>
+                                <m:r>
+                                  <m:rPr>
+                                    <m:sty m:val="p"/>
+                                  </m:rPr>
+                                  <a:rPr kumimoji="1" lang="en-US" altLang="ja-JP" b="0" i="0" smtClean="0">
+                                    <a:latin typeface="Cambria Math" panose="02040503050406030204" pitchFamily="18" charset="0"/>
+                                  </a:rPr>
+                                  <m:t>V</m:t>
+                                </m:r>
+                                <m:r>
+                                  <a:rPr kumimoji="1" lang="en-US" altLang="ja-JP" b="0" i="1" smtClean="0">
+                                    <a:latin typeface="Cambria Math" panose="02040503050406030204" pitchFamily="18" charset="0"/>
+                                  </a:rPr>
+                                  <m:t>]</m:t>
+                                </m:r>
+                              </m:oMath>
+                            </m:oMathPara>
+                          </a14:m>
+                          <a:endParaRPr kumimoji="1" lang="ja-JP" altLang="en-US" dirty="0"/>
+                        </a:p>
+                      </a:txBody>
+                      <a:tcPr/>
+                    </a:tc>
+                    <a:tc hMerge="1">
+                      <a:txBody>
+                        <a:bodyPr/>
+                        <a:lstStyle/>
+                        <a:p>
+                          <a:pPr algn="ctr"/>
+                          <a:endParaRPr kumimoji="1" lang="ja-JP" altLang="en-US" dirty="0"/>
+                        </a:p>
+                      </a:txBody>
+                      <a:tcPr/>
+                    </a:tc>
+                    <a:tc hMerge="1">
+                      <a:txBody>
+                        <a:bodyPr/>
+                        <a:lstStyle/>
+                        <a:p>
+                          <a:pPr algn="ctr"/>
+                          <a:endParaRPr kumimoji="1" lang="ja-JP" altLang="en-US" dirty="0"/>
+                        </a:p>
+                      </a:txBody>
+                      <a:tcPr/>
+                    </a:tc>
+                    <a:tc hMerge="1">
+                      <a:txBody>
+                        <a:bodyPr/>
+                        <a:lstStyle/>
+                        <a:p>
+                          <a:pPr algn="ctr"/>
+                          <a:endParaRPr kumimoji="1" lang="ja-JP" altLang="en-US" dirty="0"/>
+                        </a:p>
+                      </a:txBody>
+                      <a:tcPr/>
+                    </a:tc>
+                    <a:extLst>
+                      <a:ext uri="{0D108BD9-81ED-4DB2-BD59-A6C34878D82A}">
+                        <a16:rowId xmlns:a16="http://schemas.microsoft.com/office/drawing/2014/main" val="3562636491"/>
+                      </a:ext>
+                    </a:extLst>
+                  </a:tr>
+                  <a:tr h="387467">
+                    <a:tc>
+                      <a:txBody>
+                        <a:bodyPr/>
+                        <a:lstStyle/>
+                        <a:p>
+                          <a:pPr algn="ctr"/>
+                          <a14:m>
+                            <m:oMathPara xmlns:m="http://schemas.openxmlformats.org/officeDocument/2006/math">
+                              <m:oMathParaPr>
+                                <m:jc m:val="centerGroup"/>
+                              </m:oMathParaPr>
+                              <m:oMath xmlns:m="http://schemas.openxmlformats.org/officeDocument/2006/math">
+                                <m:sSub>
+                                  <m:sSubPr>
+                                    <m:ctrlPr>
+                                      <a:rPr kumimoji="1" lang="en-US" altLang="ja-JP" b="0" i="1" smtClean="0">
+                                        <a:latin typeface="Cambria Math" panose="02040503050406030204" pitchFamily="18" charset="0"/>
+                                      </a:rPr>
+                                    </m:ctrlPr>
+                                  </m:sSubPr>
+                                  <m:e>
+                                    <m:r>
+                                      <a:rPr kumimoji="1" lang="en-US" altLang="ja-JP" b="0" i="1" smtClean="0">
+                                        <a:latin typeface="Cambria Math" panose="02040503050406030204" pitchFamily="18" charset="0"/>
+                                      </a:rPr>
+                                      <m:t>𝑉</m:t>
+                                    </m:r>
+                                  </m:e>
+                                  <m:sub>
+                                    <m:r>
+                                      <a:rPr kumimoji="1" lang="en-US" altLang="ja-JP" b="0" i="1" smtClean="0">
+                                        <a:latin typeface="Cambria Math" panose="02040503050406030204" pitchFamily="18" charset="0"/>
+                                      </a:rPr>
+                                      <m:t>𝑜𝑢𝑡</m:t>
+                                    </m:r>
+                                  </m:sub>
+                                </m:sSub>
+                              </m:oMath>
+                            </m:oMathPara>
+                          </a14:m>
+                          <a:endParaRPr kumimoji="1" lang="ja-JP" altLang="en-US" dirty="0"/>
+                        </a:p>
+                      </a:txBody>
+                      <a:tcPr/>
+                    </a:tc>
+                    <a:tc>
+                      <a:txBody>
+                        <a:bodyPr/>
+                        <a:lstStyle/>
+                        <a:p>
+                          <a:pPr algn="ctr"/>
+                          <a14:m>
+                            <m:oMathPara xmlns:m="http://schemas.openxmlformats.org/officeDocument/2006/math">
+                              <m:oMathParaPr>
+                                <m:jc m:val="centerGroup"/>
+                              </m:oMathParaPr>
+                              <m:oMath xmlns:m="http://schemas.openxmlformats.org/officeDocument/2006/math">
+                                <m:r>
+                                  <a:rPr kumimoji="1" lang="en-US" altLang="ja-JP" b="0" i="1" smtClean="0">
+                                    <a:latin typeface="Cambria Math" panose="02040503050406030204" pitchFamily="18" charset="0"/>
+                                  </a:rPr>
+                                  <m:t>1.5</m:t>
+                                </m:r>
+                              </m:oMath>
+                            </m:oMathPara>
+                          </a14:m>
+                          <a:endParaRPr kumimoji="1" lang="ja-JP" altLang="en-US" dirty="0"/>
+                        </a:p>
+                      </a:txBody>
+                      <a:tcPr/>
+                    </a:tc>
+                    <a:tc>
+                      <a:txBody>
+                        <a:bodyPr/>
+                        <a:lstStyle/>
+                        <a:p>
+                          <a:pPr algn="ctr"/>
+                          <a14:m>
+                            <m:oMathPara xmlns:m="http://schemas.openxmlformats.org/officeDocument/2006/math">
+                              <m:oMathParaPr>
+                                <m:jc m:val="centerGroup"/>
+                              </m:oMathParaPr>
+                              <m:oMath xmlns:m="http://schemas.openxmlformats.org/officeDocument/2006/math">
+                                <m:sSub>
+                                  <m:sSubPr>
+                                    <m:ctrlPr>
+                                      <a:rPr kumimoji="1" lang="en-US" altLang="ja-JP" b="0" i="1" smtClean="0">
+                                        <a:latin typeface="Cambria Math" panose="02040503050406030204" pitchFamily="18" charset="0"/>
+                                      </a:rPr>
+                                    </m:ctrlPr>
+                                  </m:sSubPr>
+                                  <m:e>
+                                    <m:r>
+                                      <a:rPr kumimoji="1" lang="en-US" altLang="ja-JP" b="0" i="1" smtClean="0">
+                                        <a:latin typeface="Cambria Math" panose="02040503050406030204" pitchFamily="18" charset="0"/>
+                                      </a:rPr>
+                                      <m:t>𝑉</m:t>
+                                    </m:r>
+                                  </m:e>
+                                  <m:sub>
+                                    <m:r>
+                                      <a:rPr kumimoji="1" lang="en-US" altLang="ja-JP" b="0" i="1" smtClean="0">
+                                        <a:latin typeface="Cambria Math" panose="02040503050406030204" pitchFamily="18" charset="0"/>
+                                      </a:rPr>
+                                      <m:t>𝐴</m:t>
+                                    </m:r>
+                                  </m:sub>
+                                </m:sSub>
+                              </m:oMath>
+                            </m:oMathPara>
+                          </a14:m>
+                          <a:endParaRPr kumimoji="1" lang="ja-JP" altLang="en-US" dirty="0"/>
+                        </a:p>
+                      </a:txBody>
+                      <a:tcPr/>
+                    </a:tc>
+                    <a:tc>
+                      <a:txBody>
+                        <a:bodyPr/>
+                        <a:lstStyle/>
+                        <a:p>
+                          <a:pPr algn="ctr"/>
+                          <a14:m>
+                            <m:oMathPara xmlns:m="http://schemas.openxmlformats.org/officeDocument/2006/math">
+                              <m:oMathParaPr>
+                                <m:jc m:val="centerGroup"/>
+                              </m:oMathParaPr>
+                              <m:oMath xmlns:m="http://schemas.openxmlformats.org/officeDocument/2006/math">
+                                <m:r>
+                                  <a:rPr kumimoji="1" lang="en-US" altLang="ja-JP" b="0" i="1" smtClean="0">
+                                    <a:latin typeface="Cambria Math" panose="02040503050406030204" pitchFamily="18" charset="0"/>
+                                  </a:rPr>
+                                  <m:t>1.4</m:t>
+                                </m:r>
+                              </m:oMath>
+                            </m:oMathPara>
+                          </a14:m>
+                          <a:endParaRPr kumimoji="1" lang="ja-JP" altLang="en-US" dirty="0"/>
+                        </a:p>
+                      </a:txBody>
+                      <a:tcPr/>
+                    </a:tc>
+                    <a:extLst>
+                      <a:ext uri="{0D108BD9-81ED-4DB2-BD59-A6C34878D82A}">
+                        <a16:rowId xmlns:a16="http://schemas.microsoft.com/office/drawing/2014/main" val="3003863472"/>
+                      </a:ext>
+                    </a:extLst>
+                  </a:tr>
+                  <a:tr h="387467">
+                    <a:tc>
+                      <a:txBody>
+                        <a:bodyPr/>
+                        <a:lstStyle/>
+                        <a:p>
+                          <a:pPr algn="ctr"/>
+                          <a14:m>
+                            <m:oMathPara xmlns:m="http://schemas.openxmlformats.org/officeDocument/2006/math">
+                              <m:oMathParaPr>
+                                <m:jc m:val="centerGroup"/>
+                              </m:oMathParaPr>
+                              <m:oMath xmlns:m="http://schemas.openxmlformats.org/officeDocument/2006/math">
+                                <m:sSub>
+                                  <m:sSubPr>
+                                    <m:ctrlPr>
+                                      <a:rPr kumimoji="1" lang="en-US" altLang="ja-JP" b="0" i="1" smtClean="0">
+                                        <a:latin typeface="Cambria Math" panose="02040503050406030204" pitchFamily="18" charset="0"/>
+                                      </a:rPr>
+                                    </m:ctrlPr>
+                                  </m:sSubPr>
+                                  <m:e>
+                                    <m:r>
+                                      <a:rPr kumimoji="1" lang="en-US" altLang="ja-JP" b="0" i="1" smtClean="0">
+                                        <a:latin typeface="Cambria Math" panose="02040503050406030204" pitchFamily="18" charset="0"/>
+                                      </a:rPr>
+                                      <m:t>𝑉</m:t>
+                                    </m:r>
+                                  </m:e>
+                                  <m:sub>
+                                    <m:r>
+                                      <a:rPr kumimoji="1" lang="en-US" altLang="ja-JP" b="0" i="1" smtClean="0">
+                                        <a:latin typeface="Cambria Math" panose="02040503050406030204" pitchFamily="18" charset="0"/>
+                                      </a:rPr>
+                                      <m:t>𝐴𝐵</m:t>
+                                    </m:r>
+                                  </m:sub>
+                                </m:sSub>
+                              </m:oMath>
+                            </m:oMathPara>
+                          </a14:m>
+                          <a:endParaRPr kumimoji="1" lang="ja-JP" altLang="en-US" dirty="0"/>
+                        </a:p>
+                      </a:txBody>
+                      <a:tcPr/>
+                    </a:tc>
+                    <a:tc>
+                      <a:txBody>
+                        <a:bodyPr/>
+                        <a:lstStyle/>
+                        <a:p>
+                          <a:pPr algn="ctr"/>
+                          <a14:m>
+                            <m:oMathPara xmlns:m="http://schemas.openxmlformats.org/officeDocument/2006/math">
+                              <m:oMathParaPr>
+                                <m:jc m:val="centerGroup"/>
+                              </m:oMathParaPr>
+                              <m:oMath xmlns:m="http://schemas.openxmlformats.org/officeDocument/2006/math">
+                                <m:r>
+                                  <a:rPr kumimoji="1" lang="en-US" altLang="ja-JP" b="0" i="1" smtClean="0">
+                                    <a:latin typeface="Cambria Math" panose="02040503050406030204" pitchFamily="18" charset="0"/>
+                                  </a:rPr>
+                                  <m:t>0.7</m:t>
+                                </m:r>
+                              </m:oMath>
+                            </m:oMathPara>
+                          </a14:m>
+                          <a:endParaRPr kumimoji="1" lang="ja-JP" altLang="en-US" dirty="0"/>
+                        </a:p>
+                      </a:txBody>
+                      <a:tcPr/>
+                    </a:tc>
+                    <a:tc>
+                      <a:txBody>
+                        <a:bodyPr/>
+                        <a:lstStyle/>
+                        <a:p>
+                          <a:pPr algn="ctr"/>
+                          <a14:m>
+                            <m:oMathPara xmlns:m="http://schemas.openxmlformats.org/officeDocument/2006/math">
+                              <m:oMathParaPr>
+                                <m:jc m:val="centerGroup"/>
+                              </m:oMathParaPr>
+                              <m:oMath xmlns:m="http://schemas.openxmlformats.org/officeDocument/2006/math">
+                                <m:sSub>
+                                  <m:sSubPr>
+                                    <m:ctrlPr>
+                                      <a:rPr kumimoji="1" lang="en-US" altLang="ja-JP" b="0" i="1" smtClean="0">
+                                        <a:latin typeface="Cambria Math" panose="02040503050406030204" pitchFamily="18" charset="0"/>
+                                      </a:rPr>
+                                    </m:ctrlPr>
+                                  </m:sSubPr>
+                                  <m:e>
+                                    <m:r>
+                                      <a:rPr kumimoji="1" lang="en-US" altLang="ja-JP" b="0" i="1" smtClean="0">
+                                        <a:latin typeface="Cambria Math" panose="02040503050406030204" pitchFamily="18" charset="0"/>
+                                      </a:rPr>
+                                      <m:t>𝑉</m:t>
+                                    </m:r>
+                                  </m:e>
+                                  <m:sub>
+                                    <m:r>
+                                      <a:rPr kumimoji="1" lang="en-US" altLang="ja-JP" b="0" i="1" smtClean="0">
+                                        <a:latin typeface="Cambria Math" panose="02040503050406030204" pitchFamily="18" charset="0"/>
+                                      </a:rPr>
+                                      <m:t>𝐵</m:t>
+                                    </m:r>
+                                  </m:sub>
+                                </m:sSub>
+                              </m:oMath>
+                            </m:oMathPara>
+                          </a14:m>
+                          <a:endParaRPr kumimoji="1" lang="ja-JP" altLang="en-US" dirty="0"/>
+                        </a:p>
+                      </a:txBody>
+                      <a:tcPr/>
+                    </a:tc>
+                    <a:tc>
+                      <a:txBody>
+                        <a:bodyPr/>
+                        <a:lstStyle/>
+                        <a:p>
+                          <a:pPr algn="ctr"/>
+                          <a14:m>
+                            <m:oMathPara xmlns:m="http://schemas.openxmlformats.org/officeDocument/2006/math">
+                              <m:oMathParaPr>
+                                <m:jc m:val="centerGroup"/>
+                              </m:oMathParaPr>
+                              <m:oMath xmlns:m="http://schemas.openxmlformats.org/officeDocument/2006/math">
+                                <m:r>
+                                  <a:rPr kumimoji="1" lang="en-US" altLang="ja-JP" b="0" i="1" smtClean="0">
+                                    <a:latin typeface="Cambria Math" panose="02040503050406030204" pitchFamily="18" charset="0"/>
+                                  </a:rPr>
+                                  <m:t>0.9</m:t>
+                                </m:r>
+                              </m:oMath>
+                            </m:oMathPara>
+                          </a14:m>
+                          <a:endParaRPr kumimoji="1" lang="ja-JP" altLang="en-US" dirty="0"/>
+                        </a:p>
+                      </a:txBody>
+                      <a:tcPr/>
+                    </a:tc>
+                    <a:extLst>
+                      <a:ext uri="{0D108BD9-81ED-4DB2-BD59-A6C34878D82A}">
+                        <a16:rowId xmlns:a16="http://schemas.microsoft.com/office/drawing/2014/main" val="1203789361"/>
+                      </a:ext>
+                    </a:extLst>
+                  </a:tr>
+                  <a:tr h="387467">
+                    <a:tc>
+                      <a:txBody>
+                        <a:bodyPr/>
+                        <a:lstStyle/>
+                        <a:p>
+                          <a:pPr algn="ctr"/>
+                          <a14:m>
+                            <m:oMathPara xmlns:m="http://schemas.openxmlformats.org/officeDocument/2006/math">
+                              <m:oMathParaPr>
+                                <m:jc m:val="centerGroup"/>
+                              </m:oMathParaPr>
+                              <m:oMath xmlns:m="http://schemas.openxmlformats.org/officeDocument/2006/math">
+                                <m:sSub>
+                                  <m:sSubPr>
+                                    <m:ctrlPr>
+                                      <a:rPr kumimoji="1" lang="en-US" altLang="ja-JP" b="0" i="1" smtClean="0">
+                                        <a:latin typeface="Cambria Math" panose="02040503050406030204" pitchFamily="18" charset="0"/>
+                                      </a:rPr>
+                                    </m:ctrlPr>
+                                  </m:sSubPr>
+                                  <m:e>
+                                    <m:r>
+                                      <a:rPr kumimoji="1" lang="en-US" altLang="ja-JP" b="0" i="1" smtClean="0">
+                                        <a:latin typeface="Cambria Math" panose="02040503050406030204" pitchFamily="18" charset="0"/>
+                                      </a:rPr>
+                                      <m:t>𝑉</m:t>
+                                    </m:r>
+                                  </m:e>
+                                  <m:sub>
+                                    <m:r>
+                                      <a:rPr kumimoji="1" lang="en-US" altLang="ja-JP" b="0" i="1" smtClean="0">
+                                        <a:latin typeface="Cambria Math" panose="02040503050406030204" pitchFamily="18" charset="0"/>
+                                      </a:rPr>
+                                      <m:t>𝑆</m:t>
+                                    </m:r>
+                                  </m:sub>
+                                </m:sSub>
+                              </m:oMath>
+                            </m:oMathPara>
+                          </a14:m>
+                          <a:endParaRPr kumimoji="1" lang="ja-JP" altLang="en-US" dirty="0"/>
+                        </a:p>
+                      </a:txBody>
+                      <a:tcPr/>
+                    </a:tc>
+                    <a:tc>
+                      <a:txBody>
+                        <a:bodyPr/>
+                        <a:lstStyle/>
+                        <a:p>
+                          <a:pPr algn="ctr"/>
+                          <a14:m>
+                            <m:oMathPara xmlns:m="http://schemas.openxmlformats.org/officeDocument/2006/math">
+                              <m:oMathParaPr>
+                                <m:jc m:val="centerGroup"/>
+                              </m:oMathParaPr>
+                              <m:oMath xmlns:m="http://schemas.openxmlformats.org/officeDocument/2006/math">
+                                <m:r>
+                                  <a:rPr kumimoji="1" lang="en-US" altLang="ja-JP" b="0" i="1" smtClean="0">
+                                    <a:latin typeface="Cambria Math" panose="02040503050406030204" pitchFamily="18" charset="0"/>
+                                  </a:rPr>
+                                  <m:t>0.2</m:t>
+                                </m:r>
+                              </m:oMath>
+                            </m:oMathPara>
+                          </a14:m>
+                          <a:endParaRPr kumimoji="1" lang="ja-JP" altLang="en-US" dirty="0"/>
+                        </a:p>
+                      </a:txBody>
+                      <a:tcPr/>
+                    </a:tc>
+                    <a:tc>
+                      <a:txBody>
+                        <a:bodyPr/>
+                        <a:lstStyle/>
+                        <a:p>
+                          <a:pPr algn="ctr"/>
+                          <a14:m>
+                            <m:oMathPara xmlns:m="http://schemas.openxmlformats.org/officeDocument/2006/math">
+                              <m:oMathParaPr>
+                                <m:jc m:val="centerGroup"/>
+                              </m:oMathParaPr>
+                              <m:oMath xmlns:m="http://schemas.openxmlformats.org/officeDocument/2006/math">
+                                <m:sSub>
+                                  <m:sSubPr>
+                                    <m:ctrlPr>
+                                      <a:rPr kumimoji="1" lang="en-US" altLang="ja-JP" b="0" i="1" smtClean="0">
+                                        <a:latin typeface="Cambria Math" panose="02040503050406030204" pitchFamily="18" charset="0"/>
+                                      </a:rPr>
+                                    </m:ctrlPr>
+                                  </m:sSubPr>
+                                  <m:e>
+                                    <m:r>
+                                      <a:rPr kumimoji="1" lang="en-US" altLang="ja-JP" b="0" i="1" smtClean="0">
+                                        <a:latin typeface="Cambria Math" panose="02040503050406030204" pitchFamily="18" charset="0"/>
+                                      </a:rPr>
+                                      <m:t>𝑉</m:t>
+                                    </m:r>
+                                  </m:e>
+                                  <m:sub>
+                                    <m:r>
+                                      <a:rPr kumimoji="1" lang="en-US" altLang="ja-JP" b="0" i="1" smtClean="0">
+                                        <a:latin typeface="Cambria Math" panose="02040503050406030204" pitchFamily="18" charset="0"/>
+                                      </a:rPr>
+                                      <m:t>𝐶</m:t>
+                                    </m:r>
+                                  </m:sub>
+                                </m:sSub>
+                              </m:oMath>
+                            </m:oMathPara>
+                          </a14:m>
+                          <a:endParaRPr kumimoji="1" lang="ja-JP" altLang="en-US" dirty="0"/>
+                        </a:p>
+                      </a:txBody>
+                      <a:tcPr/>
+                    </a:tc>
+                    <a:tc>
+                      <a:txBody>
+                        <a:bodyPr/>
+                        <a:lstStyle/>
+                        <a:p>
+                          <a:pPr algn="ctr"/>
+                          <a14:m>
+                            <m:oMathPara xmlns:m="http://schemas.openxmlformats.org/officeDocument/2006/math">
+                              <m:oMathParaPr>
+                                <m:jc m:val="centerGroup"/>
+                              </m:oMathParaPr>
+                              <m:oMath xmlns:m="http://schemas.openxmlformats.org/officeDocument/2006/math">
+                                <m:r>
+                                  <a:rPr kumimoji="1" lang="en-US" altLang="ja-JP" b="0" i="1" smtClean="0">
+                                    <a:latin typeface="Cambria Math" panose="02040503050406030204" pitchFamily="18" charset="0"/>
+                                  </a:rPr>
+                                  <m:t>0.7</m:t>
+                                </m:r>
+                              </m:oMath>
+                            </m:oMathPara>
+                          </a14:m>
+                          <a:endParaRPr kumimoji="1" lang="ja-JP" altLang="en-US" dirty="0"/>
+                        </a:p>
+                      </a:txBody>
+                      <a:tcPr/>
+                    </a:tc>
+                    <a:extLst>
+                      <a:ext uri="{0D108BD9-81ED-4DB2-BD59-A6C34878D82A}">
+                        <a16:rowId xmlns:a16="http://schemas.microsoft.com/office/drawing/2014/main" val="3407156366"/>
+                      </a:ext>
+                    </a:extLst>
+                  </a:tr>
+                </a:tbl>
+              </a:graphicData>
+            </a:graphic>
+          </p:graphicFrame>
+        </mc:Choice>
+        <mc:Fallback>
+          <p:graphicFrame>
+            <p:nvGraphicFramePr>
+              <p:cNvPr id="5" name="表 5">
+                <a:extLst>
+                  <a:ext uri="{FF2B5EF4-FFF2-40B4-BE49-F238E27FC236}">
+                    <a16:creationId xmlns:a16="http://schemas.microsoft.com/office/drawing/2014/main" id="{E11DF7B4-A9E5-3F71-9700-02E5CFE547B2}"/>
+                  </a:ext>
+                </a:extLst>
+              </p:cNvPr>
+              <p:cNvGraphicFramePr>
+                <a:graphicFrameLocks noGrp="1"/>
+              </p:cNvGraphicFramePr>
+              <p:nvPr>
+                <p:extLst>
+                  <p:ext uri="{D42A27DB-BD31-4B8C-83A1-F6EECF244321}">
+                    <p14:modId xmlns:p14="http://schemas.microsoft.com/office/powerpoint/2010/main" val="355353991"/>
+                  </p:ext>
+                </p:extLst>
+              </p:nvPr>
+            </p:nvGraphicFramePr>
+            <p:xfrm>
+              <a:off x="6908449" y="1403245"/>
+              <a:ext cx="4751876" cy="1549868"/>
+            </p:xfrm>
+            <a:graphic>
+              <a:graphicData uri="http://schemas.openxmlformats.org/drawingml/2006/table">
+                <a:tbl>
+                  <a:tblPr bandRow="1">
+                    <a:tableStyleId>{7DF18680-E054-41AD-8BC1-D1AEF772440D}</a:tableStyleId>
+                  </a:tblPr>
+                  <a:tblGrid>
+                    <a:gridCol w="1187969">
+                      <a:extLst>
+                        <a:ext uri="{9D8B030D-6E8A-4147-A177-3AD203B41FA5}">
+                          <a16:colId xmlns:a16="http://schemas.microsoft.com/office/drawing/2014/main" val="313841952"/>
+                        </a:ext>
+                      </a:extLst>
+                    </a:gridCol>
+                    <a:gridCol w="1187969">
+                      <a:extLst>
+                        <a:ext uri="{9D8B030D-6E8A-4147-A177-3AD203B41FA5}">
+                          <a16:colId xmlns:a16="http://schemas.microsoft.com/office/drawing/2014/main" val="3311747053"/>
+                        </a:ext>
+                      </a:extLst>
+                    </a:gridCol>
+                    <a:gridCol w="1187969">
+                      <a:extLst>
+                        <a:ext uri="{9D8B030D-6E8A-4147-A177-3AD203B41FA5}">
+                          <a16:colId xmlns:a16="http://schemas.microsoft.com/office/drawing/2014/main" val="1512227238"/>
+                        </a:ext>
+                      </a:extLst>
+                    </a:gridCol>
+                    <a:gridCol w="1187969">
+                      <a:extLst>
+                        <a:ext uri="{9D8B030D-6E8A-4147-A177-3AD203B41FA5}">
+                          <a16:colId xmlns:a16="http://schemas.microsoft.com/office/drawing/2014/main" val="1269662841"/>
+                        </a:ext>
+                      </a:extLst>
+                    </a:gridCol>
+                  </a:tblGrid>
+                  <a:tr h="387467">
+                    <a:tc gridSpan="4">
+                      <a:txBody>
+                        <a:bodyPr/>
+                        <a:lstStyle/>
+                        <a:p>
+                          <a:endParaRPr lang="ja-JP"/>
+                        </a:p>
+                      </a:txBody>
+                      <a:tcPr>
+                        <a:blipFill>
+                          <a:blip r:embed="rId3"/>
+                          <a:stretch>
+                            <a:fillRect l="-128" t="-1563" r="-256" b="-301563"/>
+                          </a:stretch>
+                        </a:blipFill>
+                      </a:tcPr>
+                    </a:tc>
+                    <a:tc hMerge="1">
+                      <a:txBody>
+                        <a:bodyPr/>
+                        <a:lstStyle/>
+                        <a:p>
+                          <a:pPr algn="ctr"/>
+                          <a:endParaRPr kumimoji="1" lang="ja-JP" altLang="en-US" dirty="0"/>
+                        </a:p>
+                      </a:txBody>
+                      <a:tcPr/>
+                    </a:tc>
+                    <a:tc hMerge="1">
+                      <a:txBody>
+                        <a:bodyPr/>
+                        <a:lstStyle/>
+                        <a:p>
+                          <a:pPr algn="ctr"/>
+                          <a:endParaRPr kumimoji="1" lang="ja-JP" altLang="en-US" dirty="0"/>
+                        </a:p>
+                      </a:txBody>
+                      <a:tcPr/>
+                    </a:tc>
+                    <a:tc hMerge="1">
+                      <a:txBody>
+                        <a:bodyPr/>
+                        <a:lstStyle/>
+                        <a:p>
+                          <a:pPr algn="ctr"/>
+                          <a:endParaRPr kumimoji="1" lang="ja-JP" altLang="en-US" dirty="0"/>
+                        </a:p>
+                      </a:txBody>
+                      <a:tcPr/>
+                    </a:tc>
+                    <a:extLst>
+                      <a:ext uri="{0D108BD9-81ED-4DB2-BD59-A6C34878D82A}">
+                        <a16:rowId xmlns:a16="http://schemas.microsoft.com/office/drawing/2014/main" val="3562636491"/>
+                      </a:ext>
+                    </a:extLst>
+                  </a:tr>
+                  <a:tr h="387467">
+                    <a:tc>
+                      <a:txBody>
+                        <a:bodyPr/>
+                        <a:lstStyle/>
+                        <a:p>
+                          <a:endParaRPr lang="ja-JP"/>
+                        </a:p>
+                      </a:txBody>
+                      <a:tcPr>
+                        <a:blipFill>
+                          <a:blip r:embed="rId3"/>
+                          <a:stretch>
+                            <a:fillRect l="-513" t="-101563" r="-301026" b="-201563"/>
+                          </a:stretch>
+                        </a:blipFill>
+                      </a:tcPr>
+                    </a:tc>
+                    <a:tc>
+                      <a:txBody>
+                        <a:bodyPr/>
+                        <a:lstStyle/>
+                        <a:p>
+                          <a:endParaRPr lang="ja-JP"/>
+                        </a:p>
+                      </a:txBody>
+                      <a:tcPr>
+                        <a:blipFill>
+                          <a:blip r:embed="rId3"/>
+                          <a:stretch>
+                            <a:fillRect l="-100513" t="-101563" r="-201026" b="-201563"/>
+                          </a:stretch>
+                        </a:blipFill>
+                      </a:tcPr>
+                    </a:tc>
+                    <a:tc>
+                      <a:txBody>
+                        <a:bodyPr/>
+                        <a:lstStyle/>
+                        <a:p>
+                          <a:endParaRPr lang="ja-JP"/>
+                        </a:p>
+                      </a:txBody>
+                      <a:tcPr>
+                        <a:blipFill>
+                          <a:blip r:embed="rId3"/>
+                          <a:stretch>
+                            <a:fillRect l="-200513" t="-101563" r="-101026" b="-201563"/>
+                          </a:stretch>
+                        </a:blipFill>
+                      </a:tcPr>
+                    </a:tc>
+                    <a:tc>
+                      <a:txBody>
+                        <a:bodyPr/>
+                        <a:lstStyle/>
+                        <a:p>
+                          <a:endParaRPr lang="ja-JP"/>
+                        </a:p>
+                      </a:txBody>
+                      <a:tcPr>
+                        <a:blipFill>
+                          <a:blip r:embed="rId3"/>
+                          <a:stretch>
+                            <a:fillRect l="-300513" t="-101563" r="-1026" b="-201563"/>
+                          </a:stretch>
+                        </a:blipFill>
+                      </a:tcPr>
+                    </a:tc>
+                    <a:extLst>
+                      <a:ext uri="{0D108BD9-81ED-4DB2-BD59-A6C34878D82A}">
+                        <a16:rowId xmlns:a16="http://schemas.microsoft.com/office/drawing/2014/main" val="3003863472"/>
+                      </a:ext>
+                    </a:extLst>
+                  </a:tr>
+                  <a:tr h="387467">
+                    <a:tc>
+                      <a:txBody>
+                        <a:bodyPr/>
+                        <a:lstStyle/>
+                        <a:p>
+                          <a:endParaRPr lang="ja-JP"/>
+                        </a:p>
+                      </a:txBody>
+                      <a:tcPr>
+                        <a:blipFill>
+                          <a:blip r:embed="rId3"/>
+                          <a:stretch>
+                            <a:fillRect l="-513" t="-204762" r="-301026" b="-104762"/>
+                          </a:stretch>
+                        </a:blipFill>
+                      </a:tcPr>
+                    </a:tc>
+                    <a:tc>
+                      <a:txBody>
+                        <a:bodyPr/>
+                        <a:lstStyle/>
+                        <a:p>
+                          <a:endParaRPr lang="ja-JP"/>
+                        </a:p>
+                      </a:txBody>
+                      <a:tcPr>
+                        <a:blipFill>
+                          <a:blip r:embed="rId3"/>
+                          <a:stretch>
+                            <a:fillRect l="-100513" t="-204762" r="-201026" b="-104762"/>
+                          </a:stretch>
+                        </a:blipFill>
+                      </a:tcPr>
+                    </a:tc>
+                    <a:tc>
+                      <a:txBody>
+                        <a:bodyPr/>
+                        <a:lstStyle/>
+                        <a:p>
+                          <a:endParaRPr lang="ja-JP"/>
+                        </a:p>
+                      </a:txBody>
+                      <a:tcPr>
+                        <a:blipFill>
+                          <a:blip r:embed="rId3"/>
+                          <a:stretch>
+                            <a:fillRect l="-200513" t="-204762" r="-101026" b="-104762"/>
+                          </a:stretch>
+                        </a:blipFill>
+                      </a:tcPr>
+                    </a:tc>
+                    <a:tc>
+                      <a:txBody>
+                        <a:bodyPr/>
+                        <a:lstStyle/>
+                        <a:p>
+                          <a:endParaRPr lang="ja-JP"/>
+                        </a:p>
+                      </a:txBody>
+                      <a:tcPr>
+                        <a:blipFill>
+                          <a:blip r:embed="rId3"/>
+                          <a:stretch>
+                            <a:fillRect l="-300513" t="-204762" r="-1026" b="-104762"/>
+                          </a:stretch>
+                        </a:blipFill>
+                      </a:tcPr>
+                    </a:tc>
+                    <a:extLst>
+                      <a:ext uri="{0D108BD9-81ED-4DB2-BD59-A6C34878D82A}">
+                        <a16:rowId xmlns:a16="http://schemas.microsoft.com/office/drawing/2014/main" val="1203789361"/>
+                      </a:ext>
+                    </a:extLst>
+                  </a:tr>
+                  <a:tr h="387467">
+                    <a:tc>
+                      <a:txBody>
+                        <a:bodyPr/>
+                        <a:lstStyle/>
+                        <a:p>
+                          <a:endParaRPr lang="ja-JP"/>
+                        </a:p>
+                      </a:txBody>
+                      <a:tcPr>
+                        <a:blipFill>
+                          <a:blip r:embed="rId3"/>
+                          <a:stretch>
+                            <a:fillRect l="-513" t="-300000" r="-301026" b="-3125"/>
+                          </a:stretch>
+                        </a:blipFill>
+                      </a:tcPr>
+                    </a:tc>
+                    <a:tc>
+                      <a:txBody>
+                        <a:bodyPr/>
+                        <a:lstStyle/>
+                        <a:p>
+                          <a:endParaRPr lang="ja-JP"/>
+                        </a:p>
+                      </a:txBody>
+                      <a:tcPr>
+                        <a:blipFill>
+                          <a:blip r:embed="rId3"/>
+                          <a:stretch>
+                            <a:fillRect l="-100513" t="-300000" r="-201026" b="-3125"/>
+                          </a:stretch>
+                        </a:blipFill>
+                      </a:tcPr>
+                    </a:tc>
+                    <a:tc>
+                      <a:txBody>
+                        <a:bodyPr/>
+                        <a:lstStyle/>
+                        <a:p>
+                          <a:endParaRPr lang="ja-JP"/>
+                        </a:p>
+                      </a:txBody>
+                      <a:tcPr>
+                        <a:blipFill>
+                          <a:blip r:embed="rId3"/>
+                          <a:stretch>
+                            <a:fillRect l="-200513" t="-300000" r="-101026" b="-3125"/>
+                          </a:stretch>
+                        </a:blipFill>
+                      </a:tcPr>
+                    </a:tc>
+                    <a:tc>
+                      <a:txBody>
+                        <a:bodyPr/>
+                        <a:lstStyle/>
+                        <a:p>
+                          <a:endParaRPr lang="ja-JP"/>
+                        </a:p>
+                      </a:txBody>
+                      <a:tcPr>
+                        <a:blipFill>
+                          <a:blip r:embed="rId3"/>
+                          <a:stretch>
+                            <a:fillRect l="-300513" t="-300000" r="-1026" b="-3125"/>
+                          </a:stretch>
+                        </a:blipFill>
+                      </a:tcPr>
+                    </a:tc>
+                    <a:extLst>
+                      <a:ext uri="{0D108BD9-81ED-4DB2-BD59-A6C34878D82A}">
+                        <a16:rowId xmlns:a16="http://schemas.microsoft.com/office/drawing/2014/main" val="3407156366"/>
+                      </a:ext>
+                    </a:extLst>
+                  </a:tr>
+                </a:tbl>
+              </a:graphicData>
+            </a:graphic>
+          </p:graphicFrame>
+        </mc:Fallback>
+      </mc:AlternateContent>
+      <mc:AlternateContent xmlns:mc="http://schemas.openxmlformats.org/markup-compatibility/2006">
+        <mc:Choice xmlns:a14="http://schemas.microsoft.com/office/drawing/2010/main" Requires="a14">
+          <p:sp>
+            <p:nvSpPr>
+              <p:cNvPr id="6" name="テキスト ボックス 5">
+                <a:extLst>
+                  <a:ext uri="{FF2B5EF4-FFF2-40B4-BE49-F238E27FC236}">
+                    <a16:creationId xmlns:a16="http://schemas.microsoft.com/office/drawing/2014/main" id="{D07C95C8-63FD-4F39-A58D-FB38ABA807FB}"/>
+                  </a:ext>
+                </a:extLst>
+              </p:cNvPr>
+              <p:cNvSpPr txBox="1"/>
+              <p:nvPr/>
+            </p:nvSpPr>
+            <p:spPr>
+              <a:xfrm>
+                <a:off x="6908449" y="3706615"/>
+                <a:ext cx="4751876" cy="2308324"/>
+              </a:xfrm>
+              <a:prstGeom prst="rect">
+                <a:avLst/>
+              </a:prstGeom>
+              <a:noFill/>
+            </p:spPr>
+            <p:txBody>
+              <a:bodyPr wrap="square" rtlCol="0">
+                <a:spAutoFit/>
+              </a:bodyPr>
+              <a:lstStyle/>
+              <a:p>
+                <a:pPr algn="l"/>
+                <a14:m>
+                  <m:oMath xmlns:m="http://schemas.openxmlformats.org/officeDocument/2006/math">
+                    <m:sSub>
+                      <m:sSubPr>
+                        <m:ctrlPr>
+                          <a:rPr kumimoji="1" lang="en-US" altLang="ja-JP" sz="2400" b="0" i="1" smtClean="0">
+                            <a:latin typeface="Cambria Math" panose="02040503050406030204" pitchFamily="18" charset="0"/>
+                          </a:rPr>
+                        </m:ctrlPr>
+                      </m:sSubPr>
+                      <m:e>
+                        <m:r>
+                          <a:rPr kumimoji="1" lang="en-US" altLang="ja-JP" sz="2400" b="0" i="1" smtClean="0">
+                            <a:latin typeface="Cambria Math" panose="02040503050406030204" pitchFamily="18" charset="0"/>
+                          </a:rPr>
+                          <m:t>𝐾</m:t>
+                        </m:r>
+                      </m:e>
+                      <m:sub>
+                        <m:r>
+                          <a:rPr kumimoji="1" lang="en-US" altLang="ja-JP" sz="2400" b="0" i="1" smtClean="0">
+                            <a:latin typeface="Cambria Math" panose="02040503050406030204" pitchFamily="18" charset="0"/>
+                          </a:rPr>
+                          <m:t>𝐵</m:t>
+                        </m:r>
+                      </m:sub>
+                    </m:sSub>
+                    <m:r>
+                      <a:rPr kumimoji="1" lang="en-US" altLang="ja-JP" sz="2400" b="0" i="1" smtClean="0">
+                        <a:latin typeface="Cambria Math" panose="02040503050406030204" pitchFamily="18" charset="0"/>
+                      </a:rPr>
+                      <m:t>=2</m:t>
+                    </m:r>
+                    <m:sSub>
+                      <m:sSubPr>
+                        <m:ctrlPr>
+                          <a:rPr kumimoji="1" lang="en-US" altLang="ja-JP" sz="2400" b="0" i="1" smtClean="0">
+                            <a:latin typeface="Cambria Math" panose="02040503050406030204" pitchFamily="18" charset="0"/>
+                          </a:rPr>
+                        </m:ctrlPr>
+                      </m:sSubPr>
+                      <m:e>
+                        <m:r>
+                          <a:rPr kumimoji="1" lang="en-US" altLang="ja-JP" sz="2400" b="0" i="1" smtClean="0">
+                            <a:latin typeface="Cambria Math" panose="02040503050406030204" pitchFamily="18" charset="0"/>
+                          </a:rPr>
+                          <m:t>𝐾</m:t>
+                        </m:r>
+                      </m:e>
+                      <m:sub>
+                        <m:r>
+                          <a:rPr kumimoji="1" lang="en-US" altLang="ja-JP" sz="2400" b="0" i="1" smtClean="0">
+                            <a:latin typeface="Cambria Math" panose="02040503050406030204" pitchFamily="18" charset="0"/>
+                          </a:rPr>
+                          <m:t>𝐴</m:t>
+                        </m:r>
+                      </m:sub>
+                    </m:sSub>
+                  </m:oMath>
+                </a14:m>
+                <a:r>
+                  <a:rPr kumimoji="1" lang="ja-JP" altLang="en-US" sz="2400" dirty="0"/>
+                  <a:t>を仮定したので</a:t>
+                </a:r>
+                <a14:m>
+                  <m:oMath xmlns:m="http://schemas.openxmlformats.org/officeDocument/2006/math">
+                    <m:sSub>
+                      <m:sSubPr>
+                        <m:ctrlPr>
+                          <a:rPr kumimoji="1" lang="en-US" altLang="ja-JP" sz="2400" b="0" i="1" smtClean="0">
+                            <a:latin typeface="Cambria Math" panose="02040503050406030204" pitchFamily="18" charset="0"/>
+                          </a:rPr>
+                        </m:ctrlPr>
+                      </m:sSubPr>
+                      <m:e>
+                        <m:r>
+                          <a:rPr kumimoji="1" lang="en-US" altLang="ja-JP" sz="2400" b="0" i="1" smtClean="0">
+                            <a:latin typeface="Cambria Math" panose="02040503050406030204" pitchFamily="18" charset="0"/>
+                          </a:rPr>
+                          <m:t>𝑀</m:t>
+                        </m:r>
+                      </m:e>
+                      <m:sub>
+                        <m:r>
+                          <a:rPr kumimoji="1" lang="en-US" altLang="ja-JP" sz="2400" b="0" i="1" smtClean="0">
+                            <a:latin typeface="Cambria Math" panose="02040503050406030204" pitchFamily="18" charset="0"/>
+                          </a:rPr>
+                          <m:t>𝐴</m:t>
+                        </m:r>
+                      </m:sub>
+                    </m:sSub>
+                    <m:r>
+                      <a:rPr kumimoji="1" lang="en-US" altLang="ja-JP" sz="2400" b="0" i="1" smtClean="0">
+                        <a:latin typeface="Cambria Math" panose="02040503050406030204" pitchFamily="18" charset="0"/>
+                      </a:rPr>
+                      <m:t>,</m:t>
+                    </m:r>
+                    <m:sSub>
+                      <m:sSubPr>
+                        <m:ctrlPr>
+                          <a:rPr kumimoji="1" lang="en-US" altLang="ja-JP" sz="2400" b="0" i="1" smtClean="0">
+                            <a:latin typeface="Cambria Math" panose="02040503050406030204" pitchFamily="18" charset="0"/>
+                          </a:rPr>
+                        </m:ctrlPr>
+                      </m:sSubPr>
+                      <m:e>
+                        <m:r>
+                          <a:rPr kumimoji="1" lang="en-US" altLang="ja-JP" sz="2400" b="0" i="1" smtClean="0">
+                            <a:latin typeface="Cambria Math" panose="02040503050406030204" pitchFamily="18" charset="0"/>
+                          </a:rPr>
+                          <m:t>𝑀</m:t>
+                        </m:r>
+                      </m:e>
+                      <m:sub>
+                        <m:r>
+                          <a:rPr kumimoji="1" lang="en-US" altLang="ja-JP" sz="2400" b="0" i="1" smtClean="0">
+                            <a:latin typeface="Cambria Math" panose="02040503050406030204" pitchFamily="18" charset="0"/>
+                          </a:rPr>
+                          <m:t>𝐵</m:t>
+                        </m:r>
+                      </m:sub>
+                    </m:sSub>
+                  </m:oMath>
+                </a14:m>
+                <a:r>
+                  <a:rPr kumimoji="1" lang="ja-JP" altLang="en-US" sz="2400" dirty="0"/>
+                  <a:t>の形状比は</a:t>
+                </a:r>
+                <a14:m>
+                  <m:oMath xmlns:m="http://schemas.openxmlformats.org/officeDocument/2006/math">
+                    <m:r>
+                      <a:rPr kumimoji="1" lang="en-US" altLang="ja-JP" sz="2400" b="0" i="1" smtClean="0">
+                        <a:latin typeface="Cambria Math" panose="02040503050406030204" pitchFamily="18" charset="0"/>
+                      </a:rPr>
+                      <m:t>1 :2</m:t>
+                    </m:r>
+                  </m:oMath>
+                </a14:m>
+                <a:r>
+                  <a:rPr kumimoji="1" lang="ja-JP" altLang="en-US" sz="2400" dirty="0"/>
+                  <a:t>とする。</a:t>
+                </a:r>
+                <a:endParaRPr kumimoji="1" lang="en-US" altLang="ja-JP" sz="2400" dirty="0"/>
+              </a:p>
+              <a:p>
+                <a:pPr algn="l"/>
+                <a14:m>
+                  <m:oMath xmlns:m="http://schemas.openxmlformats.org/officeDocument/2006/math">
+                    <m:sSub>
+                      <m:sSubPr>
+                        <m:ctrlPr>
+                          <a:rPr kumimoji="1" lang="en-US" altLang="ja-JP" sz="2400" b="0" i="1" smtClean="0">
+                            <a:latin typeface="Cambria Math" panose="02040503050406030204" pitchFamily="18" charset="0"/>
+                          </a:rPr>
+                        </m:ctrlPr>
+                      </m:sSubPr>
+                      <m:e>
+                        <m:r>
+                          <a:rPr kumimoji="1" lang="en-US" altLang="ja-JP" sz="2400" b="0" i="1" smtClean="0">
+                            <a:latin typeface="Cambria Math" panose="02040503050406030204" pitchFamily="18" charset="0"/>
+                          </a:rPr>
+                          <m:t>𝑀</m:t>
+                        </m:r>
+                      </m:e>
+                      <m:sub>
+                        <m:r>
+                          <a:rPr kumimoji="1" lang="en-US" altLang="ja-JP" sz="2400" b="0" i="1" smtClean="0">
+                            <a:latin typeface="Cambria Math" panose="02040503050406030204" pitchFamily="18" charset="0"/>
+                          </a:rPr>
+                          <m:t>𝐶</m:t>
+                        </m:r>
+                      </m:sub>
+                    </m:sSub>
+                  </m:oMath>
+                </a14:m>
+                <a:r>
+                  <a:rPr kumimoji="1" lang="ja-JP" altLang="en-US" sz="2400" dirty="0"/>
+                  <a:t>に</a:t>
+                </a:r>
+                <a14:m>
+                  <m:oMath xmlns:m="http://schemas.openxmlformats.org/officeDocument/2006/math">
+                    <m:r>
+                      <a:rPr kumimoji="1" lang="en-US" altLang="ja-JP" sz="2400" b="0" i="1" dirty="0" smtClean="0">
+                        <a:latin typeface="Cambria Math" panose="02040503050406030204" pitchFamily="18" charset="0"/>
+                      </a:rPr>
+                      <m:t>1 </m:t>
+                    </m:r>
+                    <m:r>
+                      <m:rPr>
+                        <m:sty m:val="p"/>
+                      </m:rPr>
+                      <a:rPr kumimoji="1" lang="en-US" altLang="ja-JP" sz="2400" b="0" i="0" dirty="0" smtClean="0">
+                        <a:latin typeface="Cambria Math" panose="02040503050406030204" pitchFamily="18" charset="0"/>
+                      </a:rPr>
+                      <m:t>mA</m:t>
+                    </m:r>
+                  </m:oMath>
+                </a14:m>
+                <a:r>
+                  <a:rPr kumimoji="1" lang="ja-JP" altLang="en-US" sz="2400" dirty="0"/>
+                  <a:t>流すという条件で考えることにする。</a:t>
+                </a:r>
+                <a:endParaRPr kumimoji="1" lang="en-US" altLang="ja-JP" sz="2400" dirty="0"/>
+              </a:p>
+              <a:p>
+                <a:pPr algn="l"/>
+                <a:r>
+                  <a:rPr kumimoji="1" lang="ja-JP" altLang="en-US" sz="2400" dirty="0"/>
+                  <a:t>また、</a:t>
+                </a:r>
+                <a14:m>
+                  <m:oMath xmlns:m="http://schemas.openxmlformats.org/officeDocument/2006/math">
+                    <m:sSub>
+                      <m:sSubPr>
+                        <m:ctrlPr>
+                          <a:rPr kumimoji="1" lang="en-US" altLang="ja-JP" sz="2400" b="0" i="1" smtClean="0">
+                            <a:latin typeface="Cambria Math" panose="02040503050406030204" pitchFamily="18" charset="0"/>
+                          </a:rPr>
+                        </m:ctrlPr>
+                      </m:sSubPr>
+                      <m:e>
+                        <m:r>
+                          <a:rPr kumimoji="1" lang="en-US" altLang="ja-JP" sz="2400" b="0" i="1" smtClean="0">
+                            <a:latin typeface="Cambria Math" panose="02040503050406030204" pitchFamily="18" charset="0"/>
+                          </a:rPr>
+                          <m:t>𝐾</m:t>
+                        </m:r>
+                      </m:e>
+                      <m:sub>
+                        <m:r>
+                          <a:rPr kumimoji="1" lang="en-US" altLang="ja-JP" sz="2400" b="0" i="1" smtClean="0">
+                            <a:latin typeface="Cambria Math" panose="02040503050406030204" pitchFamily="18" charset="0"/>
+                          </a:rPr>
+                          <m:t>0</m:t>
+                        </m:r>
+                      </m:sub>
+                    </m:sSub>
+                    <m:r>
+                      <a:rPr kumimoji="1" lang="en-US" altLang="ja-JP" sz="2400" b="0" i="1" smtClean="0">
+                        <a:latin typeface="Cambria Math" panose="02040503050406030204" pitchFamily="18" charset="0"/>
+                      </a:rPr>
+                      <m:t>≡</m:t>
+                    </m:r>
+                    <m:r>
+                      <a:rPr kumimoji="1" lang="en-US" altLang="ja-JP" sz="2400" b="0" i="1" smtClean="0">
+                        <a:latin typeface="Cambria Math" panose="02040503050406030204" pitchFamily="18" charset="0"/>
+                      </a:rPr>
+                      <m:t>𝜇</m:t>
+                    </m:r>
+                    <m:sSub>
+                      <m:sSubPr>
+                        <m:ctrlPr>
+                          <a:rPr kumimoji="1" lang="en-US" altLang="ja-JP" sz="2400" b="0" i="1" smtClean="0">
+                            <a:latin typeface="Cambria Math" panose="02040503050406030204" pitchFamily="18" charset="0"/>
+                          </a:rPr>
+                        </m:ctrlPr>
+                      </m:sSubPr>
+                      <m:e>
+                        <m:r>
+                          <a:rPr kumimoji="1" lang="en-US" altLang="ja-JP" sz="2400" b="0" i="1" smtClean="0">
+                            <a:latin typeface="Cambria Math" panose="02040503050406030204" pitchFamily="18" charset="0"/>
+                          </a:rPr>
+                          <m:t>𝐶</m:t>
+                        </m:r>
+                      </m:e>
+                      <m:sub>
+                        <m:r>
+                          <a:rPr kumimoji="1" lang="en-US" altLang="ja-JP" sz="2400" b="0" i="1" smtClean="0">
+                            <a:latin typeface="Cambria Math" panose="02040503050406030204" pitchFamily="18" charset="0"/>
+                          </a:rPr>
+                          <m:t>𝑜𝑥</m:t>
+                        </m:r>
+                      </m:sub>
+                    </m:sSub>
+                    <m:r>
+                      <a:rPr kumimoji="1" lang="en-US" altLang="ja-JP" sz="2400" b="0" i="1" smtClean="0">
+                        <a:latin typeface="Cambria Math" panose="02040503050406030204" pitchFamily="18" charset="0"/>
+                      </a:rPr>
+                      <m:t>=100 </m:t>
+                    </m:r>
+                    <m:r>
+                      <m:rPr>
+                        <m:sty m:val="p"/>
+                      </m:rPr>
+                      <a:rPr kumimoji="1" lang="en-US" altLang="ja-JP" sz="2400" b="0" i="0" smtClean="0">
+                        <a:latin typeface="Cambria Math" panose="02040503050406030204" pitchFamily="18" charset="0"/>
+                      </a:rPr>
+                      <m:t>μS</m:t>
+                    </m:r>
+                    <m:r>
+                      <a:rPr kumimoji="1" lang="en-US" altLang="ja-JP" sz="2400" b="0" i="0" smtClean="0">
+                        <a:latin typeface="Cambria Math" panose="02040503050406030204" pitchFamily="18" charset="0"/>
+                      </a:rPr>
+                      <m:t>/</m:t>
+                    </m:r>
+                    <m:r>
+                      <m:rPr>
+                        <m:sty m:val="p"/>
+                      </m:rPr>
+                      <a:rPr kumimoji="1" lang="en-US" altLang="ja-JP" sz="2400" b="0" i="0" smtClean="0">
+                        <a:latin typeface="Cambria Math" panose="02040503050406030204" pitchFamily="18" charset="0"/>
+                      </a:rPr>
+                      <m:t>V</m:t>
+                    </m:r>
+                  </m:oMath>
+                </a14:m>
+                <a:r>
+                  <a:rPr kumimoji="1" lang="ja-JP" altLang="en-US" sz="2400" dirty="0"/>
+                  <a:t>、</a:t>
+                </a:r>
+                <a14:m>
+                  <m:oMath xmlns:m="http://schemas.openxmlformats.org/officeDocument/2006/math">
+                    <m:r>
+                      <a:rPr kumimoji="1" lang="en-US" altLang="ja-JP" sz="2400" b="0" i="1" dirty="0" smtClean="0">
+                        <a:latin typeface="Cambria Math" panose="02040503050406030204" pitchFamily="18" charset="0"/>
+                      </a:rPr>
+                      <m:t>𝐿</m:t>
+                    </m:r>
+                    <m:r>
+                      <a:rPr kumimoji="1" lang="en-US" altLang="ja-JP" sz="2400" b="0" i="1" dirty="0" smtClean="0">
+                        <a:latin typeface="Cambria Math" panose="02040503050406030204" pitchFamily="18" charset="0"/>
+                      </a:rPr>
+                      <m:t>=0.54 </m:t>
+                    </m:r>
+                    <m:r>
+                      <m:rPr>
+                        <m:sty m:val="p"/>
+                      </m:rPr>
+                      <a:rPr kumimoji="1" lang="en-US" altLang="ja-JP" sz="2400" b="0" i="0" dirty="0" smtClean="0">
+                        <a:latin typeface="Cambria Math" panose="02040503050406030204" pitchFamily="18" charset="0"/>
+                      </a:rPr>
+                      <m:t>μm</m:t>
+                    </m:r>
+                  </m:oMath>
+                </a14:m>
+                <a:r>
+                  <a:rPr kumimoji="1" lang="ja-JP" altLang="en-US" sz="2400" dirty="0"/>
+                  <a:t>として計算する。</a:t>
+                </a:r>
+                <a:endParaRPr kumimoji="1" lang="en-US" altLang="ja-JP" sz="2400" dirty="0"/>
+              </a:p>
+            </p:txBody>
+          </p:sp>
+        </mc:Choice>
+        <mc:Fallback>
+          <p:sp>
+            <p:nvSpPr>
+              <p:cNvPr id="6" name="テキスト ボックス 5">
+                <a:extLst>
+                  <a:ext uri="{FF2B5EF4-FFF2-40B4-BE49-F238E27FC236}">
+                    <a16:creationId xmlns:a16="http://schemas.microsoft.com/office/drawing/2014/main" id="{D07C95C8-63FD-4F39-A58D-FB38ABA807FB}"/>
+                  </a:ext>
+                </a:extLst>
+              </p:cNvPr>
+              <p:cNvSpPr txBox="1">
+                <a:spLocks noRot="1" noChangeAspect="1" noMove="1" noResize="1" noEditPoints="1" noAdjustHandles="1" noChangeArrowheads="1" noChangeShapeType="1" noTextEdit="1"/>
+              </p:cNvSpPr>
+              <p:nvPr/>
+            </p:nvSpPr>
+            <p:spPr>
+              <a:xfrm>
+                <a:off x="6908449" y="3706615"/>
+                <a:ext cx="4751876" cy="2308324"/>
+              </a:xfrm>
+              <a:prstGeom prst="rect">
+                <a:avLst/>
+              </a:prstGeom>
+              <a:blipFill>
+                <a:blip r:embed="rId4"/>
+                <a:stretch>
+                  <a:fillRect l="-1923" t="-2111" b="-5013"/>
+                </a:stretch>
+              </a:blipFill>
+            </p:spPr>
+            <p:txBody>
+              <a:bodyPr/>
+              <a:lstStyle/>
+              <a:p>
+                <a:r>
+                  <a:rPr lang="ja-JP" altLang="en-US">
+                    <a:noFill/>
+                  </a:rPr>
+                  <a:t> </a:t>
+                </a:r>
+              </a:p>
+            </p:txBody>
+          </p:sp>
+        </mc:Fallback>
+      </mc:AlternateContent>
+    </p:spTree>
+    <p:extLst>
+      <p:ext uri="{BB962C8B-B14F-4D97-AF65-F5344CB8AC3E}">
+        <p14:creationId xmlns:p14="http://schemas.microsoft.com/office/powerpoint/2010/main" val="1517370342"/>
       </p:ext>
     </p:extLst>
   </p:cSld>

--- a/folded_gilbert/20230703/進捗報告 ギルバートセルの設計.pptx
+++ b/folded_gilbert/20230703/進捗報告 ギルバートセルの設計.pptx
@@ -5,7 +5,7 @@
     <p:sldMasterId id="2147483648" r:id="rId1"/>
   </p:sldMasterIdLst>
   <p:notesMasterIdLst>
-    <p:notesMasterId r:id="rId13"/>
+    <p:notesMasterId r:id="rId16"/>
   </p:notesMasterIdLst>
   <p:sldIdLst>
     <p:sldId id="256" r:id="rId2"/>
@@ -17,8 +17,11 @@
     <p:sldId id="265" r:id="rId8"/>
     <p:sldId id="266" r:id="rId9"/>
     <p:sldId id="267" r:id="rId10"/>
-    <p:sldId id="268" r:id="rId11"/>
+    <p:sldId id="271" r:id="rId11"/>
     <p:sldId id="269" r:id="rId12"/>
+    <p:sldId id="270" r:id="rId13"/>
+    <p:sldId id="268" r:id="rId14"/>
+    <p:sldId id="272" r:id="rId15"/>
   </p:sldIdLst>
   <p:sldSz cx="12192000" cy="6858000"/>
   <p:notesSz cx="6858000" cy="9144000"/>
@@ -4225,7 +4228,7 @@
           <p:cNvPr id="2" name="タイトル 1">
             <a:extLst>
               <a:ext uri="{FF2B5EF4-FFF2-40B4-BE49-F238E27FC236}">
-                <a16:creationId xmlns:a16="http://schemas.microsoft.com/office/drawing/2014/main" id="{0D7CAA67-65CF-2324-F2F2-10EBD796D63D}"/>
+                <a16:creationId xmlns:a16="http://schemas.microsoft.com/office/drawing/2014/main" id="{308F4609-7A35-14B7-CBF5-C886ECA3E9FC}"/>
               </a:ext>
             </a:extLst>
           </p:cNvPr>
@@ -4243,7 +4246,15 @@
           <a:p>
             <a:r>
               <a:rPr lang="ja-JP" altLang="en-US" dirty="0"/>
-              <a:t>直流設計</a:t>
+              <a:t>直流設計 </a:t>
+            </a:r>
+            <a:r>
+              <a:rPr lang="en-US" altLang="ja-JP" dirty="0"/>
+              <a:t>– </a:t>
+            </a:r>
+            <a:r>
+              <a:rPr lang="ja-JP" altLang="en-US" dirty="0"/>
+              <a:t>電圧値</a:t>
             </a:r>
             <a:endParaRPr kumimoji="1" lang="ja-JP" altLang="en-US" dirty="0"/>
           </a:p>
@@ -4254,7 +4265,7 @@
           <p:cNvPr id="3" name="スライド番号プレースホルダー 2">
             <a:extLst>
               <a:ext uri="{FF2B5EF4-FFF2-40B4-BE49-F238E27FC236}">
-                <a16:creationId xmlns:a16="http://schemas.microsoft.com/office/drawing/2014/main" id="{AB69D6F4-FFB6-F52F-A89C-3F176091793D}"/>
+                <a16:creationId xmlns:a16="http://schemas.microsoft.com/office/drawing/2014/main" id="{547CA599-05EE-E236-7D0A-E64B8F37953F}"/>
               </a:ext>
             </a:extLst>
           </p:cNvPr>
@@ -4285,7 +4296,7 @@
               <p:cNvPr id="4" name="テキスト ボックス 3">
                 <a:extLst>
                   <a:ext uri="{FF2B5EF4-FFF2-40B4-BE49-F238E27FC236}">
-                    <a16:creationId xmlns:a16="http://schemas.microsoft.com/office/drawing/2014/main" id="{663778A5-7B4F-83C8-B897-B573A8C71708}"/>
+                    <a16:creationId xmlns:a16="http://schemas.microsoft.com/office/drawing/2014/main" id="{5907A777-57F8-7C0B-6A86-B70D9D6C50CA}"/>
                   </a:ext>
                 </a:extLst>
               </p:cNvPr>
@@ -4294,8 +4305,8 @@
             </p:nvSpPr>
             <p:spPr>
               <a:xfrm>
-                <a:off x="1000588" y="1246804"/>
-                <a:ext cx="10190824" cy="5687519"/>
+                <a:off x="618564" y="1785842"/>
+                <a:ext cx="10954871" cy="4170629"/>
               </a:xfrm>
               <a:prstGeom prst="rect">
                 <a:avLst/>
@@ -4309,48 +4320,208 @@
               <a:lstStyle/>
               <a:p>
                 <a:pPr algn="l"/>
+                <a:r>
+                  <a:rPr lang="ja-JP" altLang="en-US" sz="2400" b="0" dirty="0"/>
+                  <a:t>今回</a:t>
+                </a:r>
+                <a:r>
+                  <a:rPr lang="ja-JP" altLang="en-US" sz="2400" dirty="0"/>
+                  <a:t>は、各トランジスタのゲートソース間電圧がすべて等しく、</a:t>
+                </a:r>
+                <a14:m>
+                  <m:oMath xmlns:m="http://schemas.openxmlformats.org/officeDocument/2006/math">
+                    <m:r>
+                      <a:rPr lang="en-US" altLang="ja-JP" sz="2400" b="0" i="1" smtClean="0">
+                        <a:latin typeface="Cambria Math" panose="02040503050406030204" pitchFamily="18" charset="0"/>
+                      </a:rPr>
+                      <m:t>0.7 </m:t>
+                    </m:r>
+                    <m:r>
+                      <m:rPr>
+                        <m:sty m:val="p"/>
+                      </m:rPr>
+                      <a:rPr lang="en-US" altLang="ja-JP" sz="2400" b="0" i="0" smtClean="0">
+                        <a:latin typeface="Cambria Math" panose="02040503050406030204" pitchFamily="18" charset="0"/>
+                      </a:rPr>
+                      <m:t>V</m:t>
+                    </m:r>
+                  </m:oMath>
+                </a14:m>
+                <a:r>
+                  <a:rPr lang="ja-JP" altLang="en-US" sz="2400" dirty="0"/>
+                  <a:t>である。したがって、チャネル形状比は電流の比と等しくなる。そのため、チャネル長が等しければ各チャネル幅の比は</a:t>
+                </a:r>
+                <a:endParaRPr lang="en-US" altLang="ja-JP" sz="2400" dirty="0"/>
+              </a:p>
+              <a:p>
+                <a:pPr algn="l"/>
+                <a14:m>
+                  <m:oMathPara xmlns:m="http://schemas.openxmlformats.org/officeDocument/2006/math">
+                    <m:oMathParaPr>
+                      <m:jc m:val="centerGroup"/>
+                    </m:oMathParaPr>
+                    <m:oMath xmlns:m="http://schemas.openxmlformats.org/officeDocument/2006/math">
+                      <m:sSub>
+                        <m:sSubPr>
+                          <m:ctrlPr>
+                            <a:rPr lang="en-US" altLang="ja-JP" sz="2400" b="0" i="1" smtClean="0">
+                              <a:latin typeface="Cambria Math" panose="02040503050406030204" pitchFamily="18" charset="0"/>
+                            </a:rPr>
+                          </m:ctrlPr>
+                        </m:sSubPr>
+                        <m:e>
+                          <m:r>
+                            <a:rPr lang="en-US" altLang="ja-JP" sz="2400" b="0" i="1" smtClean="0">
+                              <a:latin typeface="Cambria Math" panose="02040503050406030204" pitchFamily="18" charset="0"/>
+                            </a:rPr>
+                            <m:t>𝑊</m:t>
+                          </m:r>
+                        </m:e>
+                        <m:sub>
+                          <m:r>
+                            <a:rPr lang="en-US" altLang="ja-JP" sz="2400" b="0" i="1" smtClean="0">
+                              <a:latin typeface="Cambria Math" panose="02040503050406030204" pitchFamily="18" charset="0"/>
+                            </a:rPr>
+                            <m:t>𝐴</m:t>
+                          </m:r>
+                        </m:sub>
+                      </m:sSub>
+                      <m:r>
+                        <a:rPr lang="en-US" altLang="ja-JP" sz="2400" b="0" i="1" smtClean="0">
+                          <a:latin typeface="Cambria Math" panose="02040503050406030204" pitchFamily="18" charset="0"/>
+                        </a:rPr>
+                        <m:t>:</m:t>
+                      </m:r>
+                      <m:sSub>
+                        <m:sSubPr>
+                          <m:ctrlPr>
+                            <a:rPr lang="en-US" altLang="ja-JP" sz="2400" b="0" i="1" smtClean="0">
+                              <a:latin typeface="Cambria Math" panose="02040503050406030204" pitchFamily="18" charset="0"/>
+                            </a:rPr>
+                          </m:ctrlPr>
+                        </m:sSubPr>
+                        <m:e>
+                          <m:r>
+                            <a:rPr lang="en-US" altLang="ja-JP" sz="2400" b="0" i="1" smtClean="0">
+                              <a:latin typeface="Cambria Math" panose="02040503050406030204" pitchFamily="18" charset="0"/>
+                            </a:rPr>
+                            <m:t>𝑊</m:t>
+                          </m:r>
+                        </m:e>
+                        <m:sub>
+                          <m:r>
+                            <a:rPr lang="en-US" altLang="ja-JP" sz="2400" b="0" i="1" smtClean="0">
+                              <a:latin typeface="Cambria Math" panose="02040503050406030204" pitchFamily="18" charset="0"/>
+                            </a:rPr>
+                            <m:t>𝐵</m:t>
+                          </m:r>
+                        </m:sub>
+                      </m:sSub>
+                      <m:r>
+                        <a:rPr lang="en-US" altLang="ja-JP" sz="2400" b="0" i="1" smtClean="0">
+                          <a:latin typeface="Cambria Math" panose="02040503050406030204" pitchFamily="18" charset="0"/>
+                        </a:rPr>
+                        <m:t>:</m:t>
+                      </m:r>
+                      <m:sSub>
+                        <m:sSubPr>
+                          <m:ctrlPr>
+                            <a:rPr lang="en-US" altLang="ja-JP" sz="2400" b="0" i="1" smtClean="0">
+                              <a:latin typeface="Cambria Math" panose="02040503050406030204" pitchFamily="18" charset="0"/>
+                            </a:rPr>
+                          </m:ctrlPr>
+                        </m:sSubPr>
+                        <m:e>
+                          <m:r>
+                            <a:rPr lang="en-US" altLang="ja-JP" sz="2400" b="0" i="1" smtClean="0">
+                              <a:latin typeface="Cambria Math" panose="02040503050406030204" pitchFamily="18" charset="0"/>
+                            </a:rPr>
+                            <m:t>𝑊</m:t>
+                          </m:r>
+                        </m:e>
+                        <m:sub>
+                          <m:r>
+                            <a:rPr lang="en-US" altLang="ja-JP" sz="2400" b="0" i="1" smtClean="0">
+                              <a:latin typeface="Cambria Math" panose="02040503050406030204" pitchFamily="18" charset="0"/>
+                            </a:rPr>
+                            <m:t>𝐶</m:t>
+                          </m:r>
+                        </m:sub>
+                      </m:sSub>
+                      <m:r>
+                        <a:rPr lang="en-US" altLang="ja-JP" sz="2400" b="0" i="1" smtClean="0">
+                          <a:latin typeface="Cambria Math" panose="02040503050406030204" pitchFamily="18" charset="0"/>
+                        </a:rPr>
+                        <m:t>=1:2:4</m:t>
+                      </m:r>
+                    </m:oMath>
+                  </m:oMathPara>
+                </a14:m>
+                <a:endParaRPr lang="en-US" altLang="ja-JP" sz="2400" b="0" dirty="0"/>
+              </a:p>
+              <a:p>
+                <a:pPr algn="l"/>
+                <a:r>
+                  <a:rPr kumimoji="1" lang="ja-JP" altLang="en-US" sz="2400" dirty="0"/>
+                  <a:t>また、二乗則と</a:t>
+                </a:r>
                 <a14:m>
                   <m:oMath xmlns:m="http://schemas.openxmlformats.org/officeDocument/2006/math">
                     <m:sSub>
                       <m:sSubPr>
                         <m:ctrlPr>
-                          <a:rPr lang="en-US" altLang="ja-JP" sz="2400" b="0" i="1" smtClean="0">
+                          <a:rPr kumimoji="1" lang="en-US" altLang="ja-JP" sz="2400" b="0" i="1" smtClean="0">
                             <a:latin typeface="Cambria Math" panose="02040503050406030204" pitchFamily="18" charset="0"/>
                           </a:rPr>
                         </m:ctrlPr>
                       </m:sSubPr>
                       <m:e>
                         <m:r>
-                          <a:rPr lang="en-US" altLang="ja-JP" sz="2400" b="0" i="1" smtClean="0">
-                            <a:latin typeface="Cambria Math" panose="02040503050406030204" pitchFamily="18" charset="0"/>
-                          </a:rPr>
-                          <m:t>𝐼</m:t>
+                          <a:rPr kumimoji="1" lang="en-US" altLang="ja-JP" sz="2400" b="0" i="1" smtClean="0">
+                            <a:latin typeface="Cambria Math" panose="02040503050406030204" pitchFamily="18" charset="0"/>
+                          </a:rPr>
+                          <m:t>𝑀</m:t>
                         </m:r>
                       </m:e>
                       <m:sub>
                         <m:r>
-                          <a:rPr lang="en-US" altLang="ja-JP" sz="2400" b="0" i="1" smtClean="0">
-                            <a:latin typeface="Cambria Math" panose="02040503050406030204" pitchFamily="18" charset="0"/>
-                          </a:rPr>
-                          <m:t>𝑆</m:t>
+                          <a:rPr kumimoji="1" lang="en-US" altLang="ja-JP" sz="2400" b="0" i="1" smtClean="0">
+                            <a:latin typeface="Cambria Math" panose="02040503050406030204" pitchFamily="18" charset="0"/>
+                          </a:rPr>
+                          <m:t>𝐴</m:t>
                         </m:r>
                       </m:sub>
                     </m:sSub>
                   </m:oMath>
                 </a14:m>
                 <a:r>
-                  <a:rPr lang="ja-JP" altLang="en-US" sz="2400" b="0" dirty="0"/>
-                  <a:t>は</a:t>
+                  <a:rPr kumimoji="1" lang="ja-JP" altLang="en-US" sz="2400" dirty="0"/>
+                  <a:t>に流れる電流</a:t>
                 </a:r>
+                <a14:m>
+                  <m:oMath xmlns:m="http://schemas.openxmlformats.org/officeDocument/2006/math">
+                    <m:r>
+                      <a:rPr kumimoji="1" lang="en-US" altLang="ja-JP" sz="2400" b="0" i="1" smtClean="0">
+                        <a:latin typeface="Cambria Math" panose="02040503050406030204" pitchFamily="18" charset="0"/>
+                      </a:rPr>
+                      <m:t>250 </m:t>
+                    </m:r>
+                    <m:r>
+                      <m:rPr>
+                        <m:sty m:val="p"/>
+                      </m:rPr>
+                      <a:rPr kumimoji="1" lang="en-US" altLang="ja-JP" sz="2400" b="0" i="0" smtClean="0">
+                        <a:latin typeface="Cambria Math" panose="02040503050406030204" pitchFamily="18" charset="0"/>
+                      </a:rPr>
+                      <m:t>μA</m:t>
+                    </m:r>
+                  </m:oMath>
+                </a14:m>
                 <a:r>
-                  <a:rPr lang="en-US" altLang="ja-JP" sz="2400" b="0" dirty="0"/>
-                  <a:t>2</a:t>
+                  <a:rPr kumimoji="1" lang="ja-JP" altLang="en-US" sz="2400" dirty="0"/>
+                  <a:t>について</a:t>
                 </a:r>
-                <a:r>
-                  <a:rPr lang="ja-JP" altLang="en-US" sz="2400" b="0" dirty="0"/>
-                  <a:t>乗則より</a:t>
-                </a:r>
-                <a:endParaRPr lang="en-US" altLang="ja-JP" sz="2400" b="0" dirty="0"/>
+                <a:endParaRPr kumimoji="1" lang="en-US" altLang="ja-JP" sz="2400" dirty="0"/>
               </a:p>
               <a:p>
                 <a:pPr algn="l"/>
@@ -4381,7 +4552,7 @@
                             <a:rPr kumimoji="1" lang="en-US" altLang="ja-JP" sz="2400" b="0" i="1" smtClean="0">
                               <a:latin typeface="Cambria Math" panose="02040503050406030204" pitchFamily="18" charset="0"/>
                             </a:rPr>
-                            <m:t>𝑆</m:t>
+                            <m:t>𝐷</m:t>
                           </m:r>
                         </m:sub>
                       </m:sSub>
@@ -4450,31 +4621,12 @@
                           </m:ctrlPr>
                         </m:fPr>
                         <m:num>
-                          <m:sSub>
-                            <m:sSubPr>
-                              <m:ctrlPr>
-                                <a:rPr kumimoji="1" lang="en-US" altLang="ja-JP" sz="2400" b="0" i="1" smtClean="0">
-                                  <a:latin typeface="Cambria Math" panose="02040503050406030204" pitchFamily="18" charset="0"/>
-                                </a:rPr>
-                              </m:ctrlPr>
-                            </m:sSubPr>
-                            <m:e>
-                              <m:r>
-                                <a:rPr kumimoji="1" lang="en-US" altLang="ja-JP" sz="2400" b="0" i="1" smtClean="0">
-                                  <a:latin typeface="Cambria Math" panose="02040503050406030204" pitchFamily="18" charset="0"/>
-                                </a:rPr>
-                                <m:t>𝑊</m:t>
-                              </m:r>
-                            </m:e>
-                            <m:sub>
-                              <m:r>
-                                <a:rPr kumimoji="1" lang="en-US" altLang="ja-JP" sz="2400" b="0" i="1" smtClean="0">
-                                  <a:latin typeface="Cambria Math" panose="02040503050406030204" pitchFamily="18" charset="0"/>
-                                </a:rPr>
-                                <m:t>𝐶</m:t>
-                              </m:r>
-                            </m:sub>
-                          </m:sSub>
+                          <m:r>
+                            <a:rPr kumimoji="1" lang="en-US" altLang="ja-JP" sz="2400" b="0" i="1" smtClean="0">
+                              <a:latin typeface="Cambria Math" panose="02040503050406030204" pitchFamily="18" charset="0"/>
+                            </a:rPr>
+                            <m:t>𝑊</m:t>
+                          </m:r>
                         </m:num>
                         <m:den>
                           <m:r>
@@ -4530,7 +4682,7 @@
                                     <a:rPr kumimoji="1" lang="en-US" altLang="ja-JP" sz="2400" b="0" i="1" smtClean="0">
                                       <a:latin typeface="Cambria Math" panose="02040503050406030204" pitchFamily="18" charset="0"/>
                                     </a:rPr>
-                                    <m:t>𝐶</m:t>
+                                    <m:t>𝐺𝑆</m:t>
                                   </m:r>
                                 </m:sub>
                               </m:sSub>
@@ -4580,7 +4732,7 @@
                     </m:oMath>
                   </m:oMathPara>
                 </a14:m>
-                <a:endParaRPr kumimoji="1" lang="en-US" altLang="ja-JP" sz="2400" b="0" dirty="0"/>
+                <a:endParaRPr kumimoji="1" lang="en-US" altLang="ja-JP" sz="2400" dirty="0"/>
               </a:p>
               <a:p>
                 <a:pPr algn="l"/>
@@ -4611,7 +4763,7 @@
                             <a:rPr kumimoji="1" lang="en-US" altLang="ja-JP" sz="2400" b="0" i="1" smtClean="0">
                               <a:latin typeface="Cambria Math" panose="02040503050406030204" pitchFamily="18" charset="0"/>
                             </a:rPr>
-                            <m:t>𝐶</m:t>
+                            <m:t>𝐴</m:t>
                           </m:r>
                         </m:sub>
                       </m:sSub>
@@ -4675,7 +4827,7 @@
                                 <a:rPr kumimoji="1" lang="en-US" altLang="ja-JP" sz="2400" b="0" i="1" smtClean="0">
                                   <a:latin typeface="Cambria Math" panose="02040503050406030204" pitchFamily="18" charset="0"/>
                                 </a:rPr>
-                                <m:t>𝑆</m:t>
+                                <m:t>𝐷</m:t>
                               </m:r>
                             </m:sub>
                           </m:sSub>
@@ -4751,7 +4903,7 @@
                                         <a:rPr kumimoji="1" lang="en-US" altLang="ja-JP" sz="2400" b="0" i="1" smtClean="0">
                                           <a:latin typeface="Cambria Math" panose="02040503050406030204" pitchFamily="18" charset="0"/>
                                         </a:rPr>
-                                        <m:t>𝐶</m:t>
+                                        <m:t>𝐺𝑆</m:t>
                                       </m:r>
                                     </m:sub>
                                   </m:sSub>
@@ -4804,562 +4956,6 @@
                         <a:rPr kumimoji="1" lang="en-US" altLang="ja-JP" sz="2400" b="0" i="1" smtClean="0">
                           <a:latin typeface="Cambria Math" panose="02040503050406030204" pitchFamily="18" charset="0"/>
                         </a:rPr>
-                        <m:t>=2.7×</m:t>
-                      </m:r>
-                      <m:sSup>
-                        <m:sSupPr>
-                          <m:ctrlPr>
-                            <a:rPr kumimoji="1" lang="en-US" altLang="ja-JP" sz="2400" b="0" i="1" smtClean="0">
-                              <a:latin typeface="Cambria Math" panose="02040503050406030204" pitchFamily="18" charset="0"/>
-                            </a:rPr>
-                          </m:ctrlPr>
-                        </m:sSupPr>
-                        <m:e>
-                          <m:r>
-                            <a:rPr kumimoji="1" lang="en-US" altLang="ja-JP" sz="2400" b="0" i="1" smtClean="0">
-                              <a:latin typeface="Cambria Math" panose="02040503050406030204" pitchFamily="18" charset="0"/>
-                            </a:rPr>
-                            <m:t>10</m:t>
-                          </m:r>
-                        </m:e>
-                        <m:sup>
-                          <m:r>
-                            <a:rPr kumimoji="1" lang="en-US" altLang="ja-JP" sz="2400" b="0" i="1" smtClean="0">
-                              <a:latin typeface="Cambria Math" panose="02040503050406030204" pitchFamily="18" charset="0"/>
-                            </a:rPr>
-                            <m:t>−4</m:t>
-                          </m:r>
-                        </m:sup>
-                      </m:sSup>
-                      <m:r>
-                        <a:rPr kumimoji="1" lang="en-US" altLang="ja-JP" sz="2400" b="0" i="1" smtClean="0">
-                          <a:latin typeface="Cambria Math" panose="02040503050406030204" pitchFamily="18" charset="0"/>
-                        </a:rPr>
-                        <m:t>=270 </m:t>
-                      </m:r>
-                      <m:r>
-                        <m:rPr>
-                          <m:sty m:val="p"/>
-                        </m:rPr>
-                        <a:rPr kumimoji="1" lang="en-US" altLang="ja-JP" sz="2400" b="0" i="0" smtClean="0">
-                          <a:latin typeface="Cambria Math" panose="02040503050406030204" pitchFamily="18" charset="0"/>
-                        </a:rPr>
-                        <m:t>μm</m:t>
-                      </m:r>
-                    </m:oMath>
-                  </m:oMathPara>
-                </a14:m>
-                <a:endParaRPr kumimoji="1" lang="en-US" altLang="ja-JP" sz="2400" b="0" dirty="0"/>
-              </a:p>
-              <a:p>
-                <a:pPr algn="l"/>
-                <a:r>
-                  <a:rPr lang="ja-JP" altLang="en-US" sz="2400" dirty="0"/>
-                  <a:t>同様にして、</a:t>
-                </a:r>
-                <a14:m>
-                  <m:oMath xmlns:m="http://schemas.openxmlformats.org/officeDocument/2006/math">
-                    <m:sSub>
-                      <m:sSubPr>
-                        <m:ctrlPr>
-                          <a:rPr lang="en-US" altLang="ja-JP" sz="2400" b="0" i="1" smtClean="0">
-                            <a:latin typeface="Cambria Math" panose="02040503050406030204" pitchFamily="18" charset="0"/>
-                          </a:rPr>
-                        </m:ctrlPr>
-                      </m:sSubPr>
-                      <m:e>
-                        <m:r>
-                          <a:rPr lang="en-US" altLang="ja-JP" sz="2400" b="0" i="1" smtClean="0">
-                            <a:latin typeface="Cambria Math" panose="02040503050406030204" pitchFamily="18" charset="0"/>
-                          </a:rPr>
-                          <m:t>𝑀</m:t>
-                        </m:r>
-                      </m:e>
-                      <m:sub>
-                        <m:r>
-                          <a:rPr lang="en-US" altLang="ja-JP" sz="2400" b="0" i="1" smtClean="0">
-                            <a:latin typeface="Cambria Math" panose="02040503050406030204" pitchFamily="18" charset="0"/>
-                          </a:rPr>
-                          <m:t>𝐵</m:t>
-                        </m:r>
-                      </m:sub>
-                    </m:sSub>
-                  </m:oMath>
-                </a14:m>
-                <a:r>
-                  <a:rPr kumimoji="1" lang="ja-JP" altLang="en-US" sz="2400" b="0" dirty="0"/>
-                  <a:t>には</a:t>
-                </a:r>
-                <a14:m>
-                  <m:oMath xmlns:m="http://schemas.openxmlformats.org/officeDocument/2006/math">
-                    <m:sSub>
-                      <m:sSubPr>
-                        <m:ctrlPr>
-                          <a:rPr kumimoji="1" lang="en-US" altLang="ja-JP" sz="2400" b="0" i="1" dirty="0" smtClean="0">
-                            <a:latin typeface="Cambria Math" panose="02040503050406030204" pitchFamily="18" charset="0"/>
-                          </a:rPr>
-                        </m:ctrlPr>
-                      </m:sSubPr>
-                      <m:e>
-                        <m:r>
-                          <a:rPr kumimoji="1" lang="en-US" altLang="ja-JP" sz="2400" b="0" i="1" dirty="0" smtClean="0">
-                            <a:latin typeface="Cambria Math" panose="02040503050406030204" pitchFamily="18" charset="0"/>
-                          </a:rPr>
-                          <m:t>𝐼</m:t>
-                        </m:r>
-                      </m:e>
-                      <m:sub>
-                        <m:r>
-                          <a:rPr kumimoji="1" lang="en-US" altLang="ja-JP" sz="2400" b="0" i="1" dirty="0" smtClean="0">
-                            <a:latin typeface="Cambria Math" panose="02040503050406030204" pitchFamily="18" charset="0"/>
-                          </a:rPr>
-                          <m:t>𝑆</m:t>
-                        </m:r>
-                      </m:sub>
-                    </m:sSub>
-                  </m:oMath>
-                </a14:m>
-                <a:r>
-                  <a:rPr kumimoji="1" lang="ja-JP" altLang="en-US" sz="2400" b="0" dirty="0"/>
-                  <a:t>の半分がそれぞれ流れるので</a:t>
-                </a:r>
-                <a:endParaRPr kumimoji="1" lang="en-US" altLang="ja-JP" sz="2400" b="0" dirty="0"/>
-              </a:p>
-              <a:p>
-                <a14:m>
-                  <m:oMathPara xmlns:m="http://schemas.openxmlformats.org/officeDocument/2006/math">
-                    <m:oMathParaPr>
-                      <m:jc m:val="centerGroup"/>
-                    </m:oMathParaPr>
-                    <m:oMath xmlns:m="http://schemas.openxmlformats.org/officeDocument/2006/math">
-                      <m:sSub>
-                        <m:sSubPr>
-                          <m:ctrlPr>
-                            <a:rPr lang="en-US" altLang="ja-JP" sz="2400" i="1">
-                              <a:latin typeface="Cambria Math" panose="02040503050406030204" pitchFamily="18" charset="0"/>
-                            </a:rPr>
-                          </m:ctrlPr>
-                        </m:sSubPr>
-                        <m:e>
-                          <m:r>
-                            <a:rPr lang="en-US" altLang="ja-JP" sz="2400" i="1">
-                              <a:latin typeface="Cambria Math" panose="02040503050406030204" pitchFamily="18" charset="0"/>
-                            </a:rPr>
-                            <m:t>𝑊</m:t>
-                          </m:r>
-                        </m:e>
-                        <m:sub>
-                          <m:r>
-                            <a:rPr lang="en-US" altLang="ja-JP" sz="2400" b="0" i="1" smtClean="0">
-                              <a:latin typeface="Cambria Math" panose="02040503050406030204" pitchFamily="18" charset="0"/>
-                            </a:rPr>
-                            <m:t>𝐵</m:t>
-                          </m:r>
-                        </m:sub>
-                      </m:sSub>
-                      <m:r>
-                        <a:rPr lang="en-US" altLang="ja-JP" sz="2400" i="1">
-                          <a:latin typeface="Cambria Math" panose="02040503050406030204" pitchFamily="18" charset="0"/>
-                        </a:rPr>
-                        <m:t>=</m:t>
-                      </m:r>
-                      <m:f>
-                        <m:fPr>
-                          <m:ctrlPr>
-                            <a:rPr lang="en-US" altLang="ja-JP" sz="2400" i="1">
-                              <a:latin typeface="Cambria Math" panose="02040503050406030204" pitchFamily="18" charset="0"/>
-                            </a:rPr>
-                          </m:ctrlPr>
-                        </m:fPr>
-                        <m:num>
-                          <m:r>
-                            <a:rPr lang="en-US" altLang="ja-JP" sz="2400" i="1">
-                              <a:latin typeface="Cambria Math" panose="02040503050406030204" pitchFamily="18" charset="0"/>
-                            </a:rPr>
-                            <m:t>2⋅</m:t>
-                          </m:r>
-                          <m:r>
-                            <a:rPr lang="en-US" altLang="ja-JP" sz="2400" i="1">
-                              <a:latin typeface="Cambria Math" panose="02040503050406030204" pitchFamily="18" charset="0"/>
-                            </a:rPr>
-                            <m:t>𝐿</m:t>
-                          </m:r>
-                          <m:r>
-                            <a:rPr lang="en-US" altLang="ja-JP" sz="2400" i="1">
-                              <a:latin typeface="Cambria Math" panose="02040503050406030204" pitchFamily="18" charset="0"/>
-                            </a:rPr>
-                            <m:t>⋅</m:t>
-                          </m:r>
-                          <m:f>
-                            <m:fPr>
-                              <m:ctrlPr>
-                                <a:rPr lang="en-US" altLang="ja-JP" sz="2400" b="0" i="1" smtClean="0">
-                                  <a:latin typeface="Cambria Math" panose="02040503050406030204" pitchFamily="18" charset="0"/>
-                                </a:rPr>
-                              </m:ctrlPr>
-                            </m:fPr>
-                            <m:num>
-                              <m:sSub>
-                                <m:sSubPr>
-                                  <m:ctrlPr>
-                                    <a:rPr lang="en-US" altLang="ja-JP" sz="2400" i="1">
-                                      <a:latin typeface="Cambria Math" panose="02040503050406030204" pitchFamily="18" charset="0"/>
-                                    </a:rPr>
-                                  </m:ctrlPr>
-                                </m:sSubPr>
-                                <m:e>
-                                  <m:r>
-                                    <a:rPr lang="en-US" altLang="ja-JP" sz="2400" i="1">
-                                      <a:latin typeface="Cambria Math" panose="02040503050406030204" pitchFamily="18" charset="0"/>
-                                    </a:rPr>
-                                    <m:t>𝐼</m:t>
-                                  </m:r>
-                                </m:e>
-                                <m:sub>
-                                  <m:r>
-                                    <a:rPr lang="en-US" altLang="ja-JP" sz="2400" i="1">
-                                      <a:latin typeface="Cambria Math" panose="02040503050406030204" pitchFamily="18" charset="0"/>
-                                    </a:rPr>
-                                    <m:t>𝑆</m:t>
-                                  </m:r>
-                                </m:sub>
-                              </m:sSub>
-                            </m:num>
-                            <m:den>
-                              <m:r>
-                                <a:rPr lang="en-US" altLang="ja-JP" sz="2400" b="0" i="1" smtClean="0">
-                                  <a:latin typeface="Cambria Math" panose="02040503050406030204" pitchFamily="18" charset="0"/>
-                                </a:rPr>
-                                <m:t>2</m:t>
-                              </m:r>
-                            </m:den>
-                          </m:f>
-                        </m:num>
-                        <m:den>
-                          <m:sSub>
-                            <m:sSubPr>
-                              <m:ctrlPr>
-                                <a:rPr lang="en-US" altLang="ja-JP" sz="2400" i="1">
-                                  <a:latin typeface="Cambria Math" panose="02040503050406030204" pitchFamily="18" charset="0"/>
-                                </a:rPr>
-                              </m:ctrlPr>
-                            </m:sSubPr>
-                            <m:e>
-                              <m:r>
-                                <a:rPr lang="en-US" altLang="ja-JP" sz="2400" i="1">
-                                  <a:latin typeface="Cambria Math" panose="02040503050406030204" pitchFamily="18" charset="0"/>
-                                </a:rPr>
-                                <m:t>𝐾</m:t>
-                              </m:r>
-                            </m:e>
-                            <m:sub>
-                              <m:r>
-                                <a:rPr lang="en-US" altLang="ja-JP" sz="2400" i="1">
-                                  <a:latin typeface="Cambria Math" panose="02040503050406030204" pitchFamily="18" charset="0"/>
-                                </a:rPr>
-                                <m:t>0</m:t>
-                              </m:r>
-                            </m:sub>
-                          </m:sSub>
-                          <m:r>
-                            <a:rPr lang="en-US" altLang="ja-JP" sz="2400" i="1">
-                              <a:latin typeface="Cambria Math" panose="02040503050406030204" pitchFamily="18" charset="0"/>
-                            </a:rPr>
-                            <m:t>⋅</m:t>
-                          </m:r>
-                          <m:sSup>
-                            <m:sSupPr>
-                              <m:ctrlPr>
-                                <a:rPr lang="en-US" altLang="ja-JP" sz="2400" i="1">
-                                  <a:latin typeface="Cambria Math" panose="02040503050406030204" pitchFamily="18" charset="0"/>
-                                </a:rPr>
-                              </m:ctrlPr>
-                            </m:sSupPr>
-                            <m:e>
-                              <m:d>
-                                <m:dPr>
-                                  <m:ctrlPr>
-                                    <a:rPr lang="en-US" altLang="ja-JP" sz="2400" i="1">
-                                      <a:latin typeface="Cambria Math" panose="02040503050406030204" pitchFamily="18" charset="0"/>
-                                    </a:rPr>
-                                  </m:ctrlPr>
-                                </m:dPr>
-                                <m:e>
-                                  <m:sSub>
-                                    <m:sSubPr>
-                                      <m:ctrlPr>
-                                        <a:rPr lang="en-US" altLang="ja-JP" sz="2400" i="1">
-                                          <a:latin typeface="Cambria Math" panose="02040503050406030204" pitchFamily="18" charset="0"/>
-                                        </a:rPr>
-                                      </m:ctrlPr>
-                                    </m:sSubPr>
-                                    <m:e>
-                                      <m:r>
-                                        <a:rPr lang="en-US" altLang="ja-JP" sz="2400" i="1">
-                                          <a:latin typeface="Cambria Math" panose="02040503050406030204" pitchFamily="18" charset="0"/>
-                                        </a:rPr>
-                                        <m:t>𝑉</m:t>
-                                      </m:r>
-                                    </m:e>
-                                    <m:sub>
-                                      <m:r>
-                                        <a:rPr lang="en-US" altLang="ja-JP" sz="2400" b="0" i="1" smtClean="0">
-                                          <a:latin typeface="Cambria Math" panose="02040503050406030204" pitchFamily="18" charset="0"/>
-                                        </a:rPr>
-                                        <m:t>𝐵</m:t>
-                                      </m:r>
-                                    </m:sub>
-                                  </m:sSub>
-                                  <m:r>
-                                    <a:rPr lang="en-US" altLang="ja-JP" sz="2400" b="0" i="1" smtClean="0">
-                                      <a:latin typeface="Cambria Math" panose="02040503050406030204" pitchFamily="18" charset="0"/>
-                                    </a:rPr>
-                                    <m:t>−</m:t>
-                                  </m:r>
-                                  <m:sSub>
-                                    <m:sSubPr>
-                                      <m:ctrlPr>
-                                        <a:rPr lang="en-US" altLang="ja-JP" sz="2400" b="0" i="1" smtClean="0">
-                                          <a:latin typeface="Cambria Math" panose="02040503050406030204" pitchFamily="18" charset="0"/>
-                                        </a:rPr>
-                                      </m:ctrlPr>
-                                    </m:sSubPr>
-                                    <m:e>
-                                      <m:r>
-                                        <a:rPr lang="en-US" altLang="ja-JP" sz="2400" b="0" i="1" smtClean="0">
-                                          <a:latin typeface="Cambria Math" panose="02040503050406030204" pitchFamily="18" charset="0"/>
-                                        </a:rPr>
-                                        <m:t>𝑉</m:t>
-                                      </m:r>
-                                    </m:e>
-                                    <m:sub>
-                                      <m:r>
-                                        <a:rPr lang="en-US" altLang="ja-JP" sz="2400" b="0" i="1" smtClean="0">
-                                          <a:latin typeface="Cambria Math" panose="02040503050406030204" pitchFamily="18" charset="0"/>
-                                        </a:rPr>
-                                        <m:t>𝑆</m:t>
-                                      </m:r>
-                                    </m:sub>
-                                  </m:sSub>
-                                  <m:r>
-                                    <a:rPr lang="en-US" altLang="ja-JP" sz="2400" i="1">
-                                      <a:latin typeface="Cambria Math" panose="02040503050406030204" pitchFamily="18" charset="0"/>
-                                    </a:rPr>
-                                    <m:t>−</m:t>
-                                  </m:r>
-                                  <m:sSub>
-                                    <m:sSubPr>
-                                      <m:ctrlPr>
-                                        <a:rPr lang="en-US" altLang="ja-JP" sz="2400" i="1">
-                                          <a:latin typeface="Cambria Math" panose="02040503050406030204" pitchFamily="18" charset="0"/>
-                                        </a:rPr>
-                                      </m:ctrlPr>
-                                    </m:sSubPr>
-                                    <m:e>
-                                      <m:r>
-                                        <a:rPr lang="en-US" altLang="ja-JP" sz="2400" i="1">
-                                          <a:latin typeface="Cambria Math" panose="02040503050406030204" pitchFamily="18" charset="0"/>
-                                        </a:rPr>
-                                        <m:t>𝑉</m:t>
-                                      </m:r>
-                                    </m:e>
-                                    <m:sub>
-                                      <m:r>
-                                        <a:rPr lang="en-US" altLang="ja-JP" sz="2400" i="1">
-                                          <a:latin typeface="Cambria Math" panose="02040503050406030204" pitchFamily="18" charset="0"/>
-                                        </a:rPr>
-                                        <m:t>𝑡h</m:t>
-                                      </m:r>
-                                    </m:sub>
-                                  </m:sSub>
-                                </m:e>
-                              </m:d>
-                            </m:e>
-                            <m:sup>
-                              <m:r>
-                                <a:rPr lang="en-US" altLang="ja-JP" sz="2400" i="1">
-                                  <a:latin typeface="Cambria Math" panose="02040503050406030204" pitchFamily="18" charset="0"/>
-                                </a:rPr>
-                                <m:t>2</m:t>
-                              </m:r>
-                            </m:sup>
-                          </m:sSup>
-                        </m:den>
-                      </m:f>
-                      <m:r>
-                        <a:rPr lang="en-US" altLang="ja-JP" sz="2400" b="0" i="0" smtClean="0">
-                          <a:latin typeface="Cambria Math" panose="02040503050406030204" pitchFamily="18" charset="0"/>
-                        </a:rPr>
-                        <m:t>=1.35</m:t>
-                      </m:r>
-                      <m:r>
-                        <a:rPr lang="en-US" altLang="ja-JP" sz="2400" b="0" i="1" smtClean="0">
-                          <a:latin typeface="Cambria Math" panose="02040503050406030204" pitchFamily="18" charset="0"/>
-                        </a:rPr>
-                        <m:t>×</m:t>
-                      </m:r>
-                      <m:sSup>
-                        <m:sSupPr>
-                          <m:ctrlPr>
-                            <a:rPr lang="en-US" altLang="ja-JP" sz="2400" b="0" i="1" smtClean="0">
-                              <a:latin typeface="Cambria Math" panose="02040503050406030204" pitchFamily="18" charset="0"/>
-                            </a:rPr>
-                          </m:ctrlPr>
-                        </m:sSupPr>
-                        <m:e>
-                          <m:r>
-                            <a:rPr lang="en-US" altLang="ja-JP" sz="2400" b="0" i="1" smtClean="0">
-                              <a:latin typeface="Cambria Math" panose="02040503050406030204" pitchFamily="18" charset="0"/>
-                            </a:rPr>
-                            <m:t>10</m:t>
-                          </m:r>
-                        </m:e>
-                        <m:sup>
-                          <m:r>
-                            <a:rPr lang="en-US" altLang="ja-JP" sz="2400" b="0" i="1" smtClean="0">
-                              <a:latin typeface="Cambria Math" panose="02040503050406030204" pitchFamily="18" charset="0"/>
-                            </a:rPr>
-                            <m:t>−4</m:t>
-                          </m:r>
-                        </m:sup>
-                      </m:sSup>
-                      <m:r>
-                        <a:rPr lang="en-US" altLang="ja-JP" sz="2400" b="0" i="1" smtClean="0">
-                          <a:latin typeface="Cambria Math" panose="02040503050406030204" pitchFamily="18" charset="0"/>
-                        </a:rPr>
-                        <m:t>=135 </m:t>
-                      </m:r>
-                      <m:r>
-                        <m:rPr>
-                          <m:sty m:val="p"/>
-                        </m:rPr>
-                        <a:rPr lang="en-US" altLang="ja-JP" sz="2400" b="0" i="0" smtClean="0">
-                          <a:latin typeface="Cambria Math" panose="02040503050406030204" pitchFamily="18" charset="0"/>
-                        </a:rPr>
-                        <m:t>μm</m:t>
-                      </m:r>
-                    </m:oMath>
-                  </m:oMathPara>
-                </a14:m>
-                <a:endParaRPr kumimoji="1" lang="en-US" altLang="ja-JP" sz="2400" b="0" dirty="0"/>
-              </a:p>
-              <a:p>
-                <a14:m>
-                  <m:oMath xmlns:m="http://schemas.openxmlformats.org/officeDocument/2006/math">
-                    <m:sSub>
-                      <m:sSubPr>
-                        <m:ctrlPr>
-                          <a:rPr kumimoji="1" lang="en-US" altLang="ja-JP" sz="2400" b="0" i="1" smtClean="0">
-                            <a:latin typeface="Cambria Math" panose="02040503050406030204" pitchFamily="18" charset="0"/>
-                          </a:rPr>
-                        </m:ctrlPr>
-                      </m:sSubPr>
-                      <m:e>
-                        <m:r>
-                          <a:rPr kumimoji="1" lang="en-US" altLang="ja-JP" sz="2400" b="0" i="1" smtClean="0">
-                            <a:latin typeface="Cambria Math" panose="02040503050406030204" pitchFamily="18" charset="0"/>
-                          </a:rPr>
-                          <m:t>𝑀</m:t>
-                        </m:r>
-                      </m:e>
-                      <m:sub>
-                        <m:r>
-                          <a:rPr kumimoji="1" lang="en-US" altLang="ja-JP" sz="2400" b="0" i="1" smtClean="0">
-                            <a:latin typeface="Cambria Math" panose="02040503050406030204" pitchFamily="18" charset="0"/>
-                          </a:rPr>
-                          <m:t>𝐴</m:t>
-                        </m:r>
-                      </m:sub>
-                    </m:sSub>
-                    <m:r>
-                      <a:rPr kumimoji="1" lang="en-US" altLang="ja-JP" sz="2400" b="0" i="1" smtClean="0">
-                        <a:latin typeface="Cambria Math" panose="02040503050406030204" pitchFamily="18" charset="0"/>
-                      </a:rPr>
-                      <m:t>,</m:t>
-                    </m:r>
-                    <m:sSub>
-                      <m:sSubPr>
-                        <m:ctrlPr>
-                          <a:rPr kumimoji="1" lang="en-US" altLang="ja-JP" sz="2400" b="0" i="1" smtClean="0">
-                            <a:latin typeface="Cambria Math" panose="02040503050406030204" pitchFamily="18" charset="0"/>
-                          </a:rPr>
-                        </m:ctrlPr>
-                      </m:sSubPr>
-                      <m:e>
-                        <m:r>
-                          <a:rPr kumimoji="1" lang="en-US" altLang="ja-JP" sz="2400" b="0" i="1" smtClean="0">
-                            <a:latin typeface="Cambria Math" panose="02040503050406030204" pitchFamily="18" charset="0"/>
-                          </a:rPr>
-                          <m:t>𝑀</m:t>
-                        </m:r>
-                      </m:e>
-                      <m:sub>
-                        <m:r>
-                          <a:rPr kumimoji="1" lang="en-US" altLang="ja-JP" sz="2400" b="0" i="1" smtClean="0">
-                            <a:latin typeface="Cambria Math" panose="02040503050406030204" pitchFamily="18" charset="0"/>
-                          </a:rPr>
-                          <m:t>𝐵</m:t>
-                        </m:r>
-                      </m:sub>
-                    </m:sSub>
-                  </m:oMath>
-                </a14:m>
-                <a:r>
-                  <a:rPr kumimoji="1" lang="ja-JP" altLang="en-US" sz="2400" dirty="0"/>
-                  <a:t>の形状比は</a:t>
-                </a:r>
-                <a14:m>
-                  <m:oMath xmlns:m="http://schemas.openxmlformats.org/officeDocument/2006/math">
-                    <m:r>
-                      <a:rPr kumimoji="1" lang="en-US" altLang="ja-JP" sz="2400" b="0" i="1" smtClean="0">
-                        <a:latin typeface="Cambria Math" panose="02040503050406030204" pitchFamily="18" charset="0"/>
-                      </a:rPr>
-                      <m:t>1 :2</m:t>
-                    </m:r>
-                  </m:oMath>
-                </a14:m>
-                <a:r>
-                  <a:rPr kumimoji="1" lang="ja-JP" altLang="en-US" sz="2400" dirty="0"/>
-                  <a:t>なので</a:t>
-                </a:r>
-                <a:endParaRPr kumimoji="1" lang="en-US" altLang="ja-JP" sz="2400" dirty="0"/>
-              </a:p>
-              <a:p>
-                <a14:m>
-                  <m:oMathPara xmlns:m="http://schemas.openxmlformats.org/officeDocument/2006/math">
-                    <m:oMathParaPr>
-                      <m:jc m:val="centerGroup"/>
-                    </m:oMathParaPr>
-                    <m:oMath xmlns:m="http://schemas.openxmlformats.org/officeDocument/2006/math">
-                      <m:sSub>
-                        <m:sSubPr>
-                          <m:ctrlPr>
-                            <a:rPr kumimoji="1" lang="en-US" altLang="ja-JP" sz="2400" b="0" i="1" smtClean="0">
-                              <a:latin typeface="Cambria Math" panose="02040503050406030204" pitchFamily="18" charset="0"/>
-                            </a:rPr>
-                          </m:ctrlPr>
-                        </m:sSubPr>
-                        <m:e>
-                          <m:r>
-                            <a:rPr kumimoji="1" lang="en-US" altLang="ja-JP" sz="2400" b="0" i="1" smtClean="0">
-                              <a:latin typeface="Cambria Math" panose="02040503050406030204" pitchFamily="18" charset="0"/>
-                            </a:rPr>
-                            <m:t>𝑊</m:t>
-                          </m:r>
-                        </m:e>
-                        <m:sub>
-                          <m:r>
-                            <a:rPr kumimoji="1" lang="en-US" altLang="ja-JP" sz="2400" b="0" i="1" smtClean="0">
-                              <a:latin typeface="Cambria Math" panose="02040503050406030204" pitchFamily="18" charset="0"/>
-                            </a:rPr>
-                            <m:t>𝐴</m:t>
-                          </m:r>
-                        </m:sub>
-                      </m:sSub>
-                      <m:r>
-                        <a:rPr kumimoji="1" lang="en-US" altLang="ja-JP" sz="2400" b="0" i="1" smtClean="0">
-                          <a:latin typeface="Cambria Math" panose="02040503050406030204" pitchFamily="18" charset="0"/>
-                        </a:rPr>
                         <m:t>=</m:t>
                       </m:r>
                       <m:f>
@@ -5371,361 +4967,17 @@
                           </m:ctrlPr>
                         </m:fPr>
                         <m:num>
-                          <m:sSub>
-                            <m:sSubPr>
-                              <m:ctrlPr>
-                                <a:rPr kumimoji="1" lang="en-US" altLang="ja-JP" sz="2400" b="0" i="1" smtClean="0">
-                                  <a:latin typeface="Cambria Math" panose="02040503050406030204" pitchFamily="18" charset="0"/>
-                                </a:rPr>
-                              </m:ctrlPr>
-                            </m:sSubPr>
-                            <m:e>
-                              <m:r>
-                                <a:rPr kumimoji="1" lang="en-US" altLang="ja-JP" sz="2400" b="0" i="1" smtClean="0">
-                                  <a:latin typeface="Cambria Math" panose="02040503050406030204" pitchFamily="18" charset="0"/>
-                                </a:rPr>
-                                <m:t>𝑊</m:t>
-                              </m:r>
-                            </m:e>
-                            <m:sub>
-                              <m:r>
-                                <a:rPr kumimoji="1" lang="en-US" altLang="ja-JP" sz="2400" b="0" i="1" smtClean="0">
-                                  <a:latin typeface="Cambria Math" panose="02040503050406030204" pitchFamily="18" charset="0"/>
-                                </a:rPr>
-                                <m:t>𝐵</m:t>
-                              </m:r>
-                            </m:sub>
-                          </m:sSub>
-                        </m:num>
-                        <m:den>
                           <m:r>
                             <a:rPr kumimoji="1" lang="en-US" altLang="ja-JP" sz="2400" b="0" i="1" smtClean="0">
                               <a:latin typeface="Cambria Math" panose="02040503050406030204" pitchFamily="18" charset="0"/>
                             </a:rPr>
                             <m:t>2</m:t>
                           </m:r>
-                        </m:den>
-                      </m:f>
-                      <m:r>
-                        <a:rPr kumimoji="1" lang="en-US" altLang="ja-JP" sz="2400" b="0" i="1" smtClean="0">
-                          <a:latin typeface="Cambria Math" panose="02040503050406030204" pitchFamily="18" charset="0"/>
-                        </a:rPr>
-                        <m:t>=67.5 </m:t>
-                      </m:r>
-                      <m:r>
-                        <m:rPr>
-                          <m:sty m:val="p"/>
-                        </m:rPr>
-                        <a:rPr kumimoji="1" lang="en-US" altLang="ja-JP" sz="2400" b="0" i="0" smtClean="0">
-                          <a:latin typeface="Cambria Math" panose="02040503050406030204" pitchFamily="18" charset="0"/>
-                        </a:rPr>
-                        <m:t>μm</m:t>
-                      </m:r>
-                    </m:oMath>
-                  </m:oMathPara>
-                </a14:m>
-                <a:endParaRPr kumimoji="1" lang="en-US" altLang="ja-JP" sz="2400" dirty="0"/>
-              </a:p>
-              <a:p>
-                <a:r>
-                  <a:rPr lang="ja-JP" altLang="en-US" sz="2400" dirty="0"/>
-                  <a:t>各</a:t>
-                </a:r>
-                <a14:m>
-                  <m:oMath xmlns:m="http://schemas.openxmlformats.org/officeDocument/2006/math">
-                    <m:sSub>
-                      <m:sSubPr>
-                        <m:ctrlPr>
-                          <a:rPr lang="en-US" altLang="ja-JP" sz="2400" b="0" i="1" smtClean="0">
-                            <a:latin typeface="Cambria Math" panose="02040503050406030204" pitchFamily="18" charset="0"/>
-                          </a:rPr>
-                        </m:ctrlPr>
-                      </m:sSubPr>
-                      <m:e>
-                        <m:r>
-                          <a:rPr lang="en-US" altLang="ja-JP" sz="2400" b="0" i="1" smtClean="0">
-                            <a:latin typeface="Cambria Math" panose="02040503050406030204" pitchFamily="18" charset="0"/>
-                          </a:rPr>
-                          <m:t>𝑅</m:t>
-                        </m:r>
-                      </m:e>
-                      <m:sub>
-                        <m:r>
-                          <a:rPr lang="en-US" altLang="ja-JP" sz="2400" b="0" i="1" smtClean="0">
-                            <a:latin typeface="Cambria Math" panose="02040503050406030204" pitchFamily="18" charset="0"/>
-                          </a:rPr>
-                          <m:t>𝐿</m:t>
-                        </m:r>
-                      </m:sub>
-                    </m:sSub>
-                  </m:oMath>
-                </a14:m>
-                <a:r>
-                  <a:rPr kumimoji="1" lang="ja-JP" altLang="en-US" sz="2400" dirty="0"/>
-                  <a:t>にも</a:t>
-                </a:r>
-                <a14:m>
-                  <m:oMath xmlns:m="http://schemas.openxmlformats.org/officeDocument/2006/math">
-                    <m:sSub>
-                      <m:sSubPr>
-                        <m:ctrlPr>
-                          <a:rPr lang="en-US" altLang="ja-JP" sz="2400" i="1" dirty="0">
-                            <a:latin typeface="Cambria Math" panose="02040503050406030204" pitchFamily="18" charset="0"/>
-                          </a:rPr>
-                        </m:ctrlPr>
-                      </m:sSubPr>
-                      <m:e>
-                        <m:r>
-                          <a:rPr lang="en-US" altLang="ja-JP" sz="2400" i="1" dirty="0">
-                            <a:latin typeface="Cambria Math" panose="02040503050406030204" pitchFamily="18" charset="0"/>
-                          </a:rPr>
-                          <m:t>𝐼</m:t>
-                        </m:r>
-                      </m:e>
-                      <m:sub>
-                        <m:r>
-                          <a:rPr lang="en-US" altLang="ja-JP" sz="2400" i="1" dirty="0">
-                            <a:latin typeface="Cambria Math" panose="02040503050406030204" pitchFamily="18" charset="0"/>
-                          </a:rPr>
-                          <m:t>𝑆</m:t>
-                        </m:r>
-                      </m:sub>
-                    </m:sSub>
-                  </m:oMath>
-                </a14:m>
-                <a:r>
-                  <a:rPr lang="ja-JP" altLang="en-US" sz="2400" dirty="0"/>
-                  <a:t>の半分がそれぞれ流れ、</a:t>
-                </a:r>
-                <a14:m>
-                  <m:oMath xmlns:m="http://schemas.openxmlformats.org/officeDocument/2006/math">
-                    <m:sSub>
-                      <m:sSubPr>
-                        <m:ctrlPr>
-                          <a:rPr lang="en-US" altLang="ja-JP" sz="2400" b="0" i="1" smtClean="0">
-                            <a:latin typeface="Cambria Math" panose="02040503050406030204" pitchFamily="18" charset="0"/>
-                          </a:rPr>
-                        </m:ctrlPr>
-                      </m:sSubPr>
-                      <m:e>
-                        <m:r>
-                          <a:rPr lang="en-US" altLang="ja-JP" sz="2400" b="0" i="1" smtClean="0">
-                            <a:latin typeface="Cambria Math" panose="02040503050406030204" pitchFamily="18" charset="0"/>
-                          </a:rPr>
-                          <m:t>𝑉</m:t>
-                        </m:r>
-                      </m:e>
-                      <m:sub>
-                        <m:r>
-                          <a:rPr lang="en-US" altLang="ja-JP" sz="2400" b="0" i="1" smtClean="0">
-                            <a:latin typeface="Cambria Math" panose="02040503050406030204" pitchFamily="18" charset="0"/>
-                          </a:rPr>
-                          <m:t>𝑜𝑢𝑡</m:t>
-                        </m:r>
-                      </m:sub>
-                    </m:sSub>
-                    <m:r>
-                      <a:rPr lang="en-US" altLang="ja-JP" sz="2400" b="0" i="1" smtClean="0">
-                        <a:latin typeface="Cambria Math" panose="02040503050406030204" pitchFamily="18" charset="0"/>
-                      </a:rPr>
-                      <m:t>=1.5 </m:t>
-                    </m:r>
-                    <m:r>
-                      <m:rPr>
-                        <m:sty m:val="p"/>
-                      </m:rPr>
-                      <a:rPr lang="en-US" altLang="ja-JP" sz="2400" b="0" i="0" smtClean="0">
-                        <a:latin typeface="Cambria Math" panose="02040503050406030204" pitchFamily="18" charset="0"/>
-                      </a:rPr>
-                      <m:t>V</m:t>
-                    </m:r>
-                  </m:oMath>
-                </a14:m>
-                <a:r>
-                  <a:rPr kumimoji="1" lang="ja-JP" altLang="en-US" sz="2400" dirty="0"/>
-                  <a:t>であるから</a:t>
-                </a:r>
-                <a:endParaRPr kumimoji="1" lang="en-US" altLang="ja-JP" sz="2400" dirty="0"/>
-              </a:p>
-              <a:p>
-                <a14:m>
-                  <m:oMathPara xmlns:m="http://schemas.openxmlformats.org/officeDocument/2006/math">
-                    <m:oMathParaPr>
-                      <m:jc m:val="centerGroup"/>
-                    </m:oMathParaPr>
-                    <m:oMath xmlns:m="http://schemas.openxmlformats.org/officeDocument/2006/math">
-                      <m:sSub>
-                        <m:sSubPr>
-                          <m:ctrlPr>
-                            <a:rPr kumimoji="1" lang="en-US" altLang="ja-JP" sz="2400" b="0" i="1" smtClean="0">
-                              <a:latin typeface="Cambria Math" panose="02040503050406030204" pitchFamily="18" charset="0"/>
-                            </a:rPr>
-                          </m:ctrlPr>
-                        </m:sSubPr>
-                        <m:e>
                           <m:r>
                             <a:rPr kumimoji="1" lang="en-US" altLang="ja-JP" sz="2400" b="0" i="1" smtClean="0">
                               <a:latin typeface="Cambria Math" panose="02040503050406030204" pitchFamily="18" charset="0"/>
                             </a:rPr>
-                            <m:t>𝑅</m:t>
-                          </m:r>
-                        </m:e>
-                        <m:sub>
-                          <m:r>
-                            <a:rPr kumimoji="1" lang="en-US" altLang="ja-JP" sz="2400" b="0" i="1" smtClean="0">
-                              <a:latin typeface="Cambria Math" panose="02040503050406030204" pitchFamily="18" charset="0"/>
-                            </a:rPr>
-                            <m:t>𝐿</m:t>
-                          </m:r>
-                        </m:sub>
-                      </m:sSub>
-                      <m:r>
-                        <a:rPr kumimoji="1" lang="en-US" altLang="ja-JP" sz="2400" b="0" i="1" smtClean="0">
-                          <a:latin typeface="Cambria Math" panose="02040503050406030204" pitchFamily="18" charset="0"/>
-                        </a:rPr>
-                        <m:t>=</m:t>
-                      </m:r>
-                      <m:f>
-                        <m:fPr>
-                          <m:ctrlPr>
-                            <a:rPr kumimoji="1" lang="en-US" altLang="ja-JP" sz="2400" b="0" i="1" smtClean="0">
-                              <a:latin typeface="Cambria Math" panose="02040503050406030204" pitchFamily="18" charset="0"/>
-                            </a:rPr>
-                          </m:ctrlPr>
-                        </m:fPr>
-                        <m:num>
-                          <m:sSub>
-                            <m:sSubPr>
-                              <m:ctrlPr>
-                                <a:rPr kumimoji="1" lang="en-US" altLang="ja-JP" sz="2400" b="0" i="1" smtClean="0">
-                                  <a:latin typeface="Cambria Math" panose="02040503050406030204" pitchFamily="18" charset="0"/>
-                                </a:rPr>
-                              </m:ctrlPr>
-                            </m:sSubPr>
-                            <m:e>
-                              <m:r>
-                                <a:rPr kumimoji="1" lang="en-US" altLang="ja-JP" sz="2400" b="0" i="1" smtClean="0">
-                                  <a:latin typeface="Cambria Math" panose="02040503050406030204" pitchFamily="18" charset="0"/>
-                                </a:rPr>
-                                <m:t>𝑉</m:t>
-                              </m:r>
-                            </m:e>
-                            <m:sub>
-                              <m:r>
-                                <a:rPr kumimoji="1" lang="en-US" altLang="ja-JP" sz="2400" b="0" i="1" smtClean="0">
-                                  <a:latin typeface="Cambria Math" panose="02040503050406030204" pitchFamily="18" charset="0"/>
-                                </a:rPr>
-                                <m:t>𝑑𝑑</m:t>
-                              </m:r>
-                            </m:sub>
-                          </m:sSub>
-                          <m:r>
-                            <a:rPr kumimoji="1" lang="en-US" altLang="ja-JP" sz="2400" b="0" i="1" smtClean="0">
-                              <a:latin typeface="Cambria Math" panose="02040503050406030204" pitchFamily="18" charset="0"/>
-                            </a:rPr>
-                            <m:t>−</m:t>
-                          </m:r>
-                          <m:sSub>
-                            <m:sSubPr>
-                              <m:ctrlPr>
-                                <a:rPr kumimoji="1" lang="en-US" altLang="ja-JP" sz="2400" b="0" i="1" smtClean="0">
-                                  <a:latin typeface="Cambria Math" panose="02040503050406030204" pitchFamily="18" charset="0"/>
-                                </a:rPr>
-                              </m:ctrlPr>
-                            </m:sSubPr>
-                            <m:e>
-                              <m:r>
-                                <a:rPr kumimoji="1" lang="en-US" altLang="ja-JP" sz="2400" b="0" i="1" smtClean="0">
-                                  <a:latin typeface="Cambria Math" panose="02040503050406030204" pitchFamily="18" charset="0"/>
-                                </a:rPr>
-                                <m:t>𝑉</m:t>
-                              </m:r>
-                            </m:e>
-                            <m:sub>
-                              <m:r>
-                                <a:rPr kumimoji="1" lang="en-US" altLang="ja-JP" sz="2400" b="0" i="1" smtClean="0">
-                                  <a:latin typeface="Cambria Math" panose="02040503050406030204" pitchFamily="18" charset="0"/>
-                                </a:rPr>
-                                <m:t>𝑜𝑢𝑡</m:t>
-                              </m:r>
-                            </m:sub>
-                          </m:sSub>
-                        </m:num>
-                        <m:den>
-                          <m:f>
-                            <m:fPr>
-                              <m:ctrlPr>
-                                <a:rPr kumimoji="1" lang="en-US" altLang="ja-JP" sz="2400" b="0" i="1" smtClean="0">
-                                  <a:latin typeface="Cambria Math" panose="02040503050406030204" pitchFamily="18" charset="0"/>
-                                </a:rPr>
-                              </m:ctrlPr>
-                            </m:fPr>
-                            <m:num>
-                              <m:sSub>
-                                <m:sSubPr>
-                                  <m:ctrlPr>
-                                    <a:rPr kumimoji="1" lang="en-US" altLang="ja-JP" sz="2400" b="0" i="1" smtClean="0">
-                                      <a:latin typeface="Cambria Math" panose="02040503050406030204" pitchFamily="18" charset="0"/>
-                                    </a:rPr>
-                                  </m:ctrlPr>
-                                </m:sSubPr>
-                                <m:e>
-                                  <m:r>
-                                    <a:rPr kumimoji="1" lang="en-US" altLang="ja-JP" sz="2400" b="0" i="1" smtClean="0">
-                                      <a:latin typeface="Cambria Math" panose="02040503050406030204" pitchFamily="18" charset="0"/>
-                                    </a:rPr>
-                                    <m:t>𝐼</m:t>
-                                  </m:r>
-                                </m:e>
-                                <m:sub>
-                                  <m:r>
-                                    <a:rPr kumimoji="1" lang="en-US" altLang="ja-JP" sz="2400" b="0" i="1" smtClean="0">
-                                      <a:latin typeface="Cambria Math" panose="02040503050406030204" pitchFamily="18" charset="0"/>
-                                    </a:rPr>
-                                    <m:t>𝑠</m:t>
-                                  </m:r>
-                                </m:sub>
-                              </m:sSub>
-                            </m:num>
-                            <m:den>
-                              <m:r>
-                                <a:rPr kumimoji="1" lang="en-US" altLang="ja-JP" sz="2400" b="0" i="1" smtClean="0">
-                                  <a:latin typeface="Cambria Math" panose="02040503050406030204" pitchFamily="18" charset="0"/>
-                                </a:rPr>
-                                <m:t>2</m:t>
-                              </m:r>
-                            </m:den>
-                          </m:f>
-                        </m:den>
-                      </m:f>
-                      <m:r>
-                        <a:rPr kumimoji="1" lang="en-US" altLang="ja-JP" sz="2400" b="0" i="1" smtClean="0">
-                          <a:latin typeface="Cambria Math" panose="02040503050406030204" pitchFamily="18" charset="0"/>
-                        </a:rPr>
-                        <m:t>=</m:t>
-                      </m:r>
-                      <m:f>
-                        <m:fPr>
-                          <m:ctrlPr>
-                            <a:rPr kumimoji="1" lang="en-US" altLang="ja-JP" sz="2400" b="0" i="1" smtClean="0">
-                              <a:latin typeface="Cambria Math" panose="02040503050406030204" pitchFamily="18" charset="0"/>
-                            </a:rPr>
-                          </m:ctrlPr>
-                        </m:fPr>
-                        <m:num>
-                          <m:r>
-                            <a:rPr kumimoji="1" lang="en-US" altLang="ja-JP" sz="2400" b="0" i="1" smtClean="0">
-                              <a:latin typeface="Cambria Math" panose="02040503050406030204" pitchFamily="18" charset="0"/>
-                            </a:rPr>
-                            <m:t>1.8−1.5</m:t>
-                          </m:r>
-                        </m:num>
-                        <m:den>
-                          <m:r>
-                            <a:rPr kumimoji="1" lang="en-US" altLang="ja-JP" sz="2400" b="0" i="1" smtClean="0">
-                              <a:latin typeface="Cambria Math" panose="02040503050406030204" pitchFamily="18" charset="0"/>
-                            </a:rPr>
-                            <m:t>0.5×</m:t>
+                            <m:t>⋅0.54×</m:t>
                           </m:r>
                           <m:sSup>
                             <m:sSupPr>
@@ -5748,7 +5000,113 @@
                                 <a:rPr kumimoji="1" lang="en-US" altLang="ja-JP" sz="2400" b="0" i="1" smtClean="0">
                                   <a:latin typeface="Cambria Math" panose="02040503050406030204" pitchFamily="18" charset="0"/>
                                 </a:rPr>
-                                <m:t>−3</m:t>
+                                <m:t>−6</m:t>
+                              </m:r>
+                            </m:sup>
+                          </m:sSup>
+                          <m:r>
+                            <a:rPr kumimoji="1" lang="en-US" altLang="ja-JP" sz="2400" b="0" i="1" smtClean="0">
+                              <a:latin typeface="Cambria Math" panose="02040503050406030204" pitchFamily="18" charset="0"/>
+                            </a:rPr>
+                            <m:t>⋅250×</m:t>
+                          </m:r>
+                          <m:sSup>
+                            <m:sSupPr>
+                              <m:ctrlPr>
+                                <a:rPr kumimoji="1" lang="en-US" altLang="ja-JP" sz="2400" b="0" i="1" smtClean="0">
+                                  <a:latin typeface="Cambria Math" panose="02040503050406030204" pitchFamily="18" charset="0"/>
+                                </a:rPr>
+                              </m:ctrlPr>
+                            </m:sSupPr>
+                            <m:e>
+                              <m:r>
+                                <a:rPr kumimoji="1" lang="en-US" altLang="ja-JP" sz="2400" b="0" i="1" smtClean="0">
+                                  <a:latin typeface="Cambria Math" panose="02040503050406030204" pitchFamily="18" charset="0"/>
+                                </a:rPr>
+                                <m:t>10</m:t>
+                              </m:r>
+                            </m:e>
+                            <m:sup>
+                              <m:r>
+                                <a:rPr kumimoji="1" lang="en-US" altLang="ja-JP" sz="2400" b="0" i="1" smtClean="0">
+                                  <a:latin typeface="Cambria Math" panose="02040503050406030204" pitchFamily="18" charset="0"/>
+                                </a:rPr>
+                                <m:t>−6</m:t>
+                              </m:r>
+                            </m:sup>
+                          </m:sSup>
+                        </m:num>
+                        <m:den>
+                          <m:r>
+                            <a:rPr kumimoji="1" lang="en-US" altLang="ja-JP" sz="2400" b="0" i="1" smtClean="0">
+                              <a:latin typeface="Cambria Math" panose="02040503050406030204" pitchFamily="18" charset="0"/>
+                            </a:rPr>
+                            <m:t>100×</m:t>
+                          </m:r>
+                          <m:sSup>
+                            <m:sSupPr>
+                              <m:ctrlPr>
+                                <a:rPr kumimoji="1" lang="en-US" altLang="ja-JP" sz="2400" b="0" i="1" smtClean="0">
+                                  <a:latin typeface="Cambria Math" panose="02040503050406030204" pitchFamily="18" charset="0"/>
+                                </a:rPr>
+                              </m:ctrlPr>
+                            </m:sSupPr>
+                            <m:e>
+                              <m:r>
+                                <a:rPr kumimoji="1" lang="en-US" altLang="ja-JP" sz="2400" b="0" i="1" smtClean="0">
+                                  <a:latin typeface="Cambria Math" panose="02040503050406030204" pitchFamily="18" charset="0"/>
+                                </a:rPr>
+                                <m:t>10</m:t>
+                              </m:r>
+                            </m:e>
+                            <m:sup>
+                              <m:r>
+                                <a:rPr kumimoji="1" lang="en-US" altLang="ja-JP" sz="2400" b="0" i="1" smtClean="0">
+                                  <a:latin typeface="Cambria Math" panose="02040503050406030204" pitchFamily="18" charset="0"/>
+                                </a:rPr>
+                                <m:t>−6</m:t>
+                              </m:r>
+                            </m:sup>
+                          </m:sSup>
+                          <m:r>
+                            <a:rPr kumimoji="1" lang="en-US" altLang="ja-JP" sz="2400" b="0" i="1" smtClean="0">
+                              <a:latin typeface="Cambria Math" panose="02040503050406030204" pitchFamily="18" charset="0"/>
+                            </a:rPr>
+                            <m:t>⋅</m:t>
+                          </m:r>
+                          <m:sSup>
+                            <m:sSupPr>
+                              <m:ctrlPr>
+                                <a:rPr kumimoji="1" lang="en-US" altLang="ja-JP" sz="2400" b="0" i="1" smtClean="0">
+                                  <a:latin typeface="Cambria Math" panose="02040503050406030204" pitchFamily="18" charset="0"/>
+                                </a:rPr>
+                              </m:ctrlPr>
+                            </m:sSupPr>
+                            <m:e>
+                              <m:d>
+                                <m:dPr>
+                                  <m:ctrlPr>
+                                    <a:rPr kumimoji="1" lang="en-US" altLang="ja-JP" sz="2400" b="0" i="1" smtClean="0">
+                                      <a:latin typeface="Cambria Math" panose="02040503050406030204" pitchFamily="18" charset="0"/>
+                                    </a:rPr>
+                                  </m:ctrlPr>
+                                </m:dPr>
+                                <m:e>
+                                  <m:r>
+                                    <a:rPr kumimoji="1" lang="en-US" altLang="ja-JP" sz="2400" b="0" i="1" smtClean="0">
+                                      <a:latin typeface="Cambria Math" panose="02040503050406030204" pitchFamily="18" charset="0"/>
+                                    </a:rPr>
+                                    <m:t>0.7−0.5</m:t>
+                                  </m:r>
+                                </m:e>
+                              </m:d>
+                            </m:e>
+                            <m:sup>
+                              <m:r>
+                                <a:rPr kumimoji="1" lang="en-US" altLang="ja-JP" sz="2400" b="0" i="1" smtClean="0">
+                                  <a:latin typeface="Cambria Math" panose="02040503050406030204" pitchFamily="18" charset="0"/>
+                                </a:rPr>
+                                <m:t>2</m:t>
                               </m:r>
                             </m:sup>
                           </m:sSup>
@@ -5758,7 +5116,13 @@
                         <a:rPr kumimoji="1" lang="en-US" altLang="ja-JP" sz="2400" b="0" i="1" smtClean="0">
                           <a:latin typeface="Cambria Math" panose="02040503050406030204" pitchFamily="18" charset="0"/>
                         </a:rPr>
-                        <m:t>=600 </m:t>
+                        <m:t>=</m:t>
+                      </m:r>
+                      <m:r>
+                        <a:rPr kumimoji="1" lang="en-US" altLang="ja-JP" sz="2400" b="0" i="0" smtClean="0">
+                          <a:latin typeface="Cambria Math" panose="02040503050406030204" pitchFamily="18" charset="0"/>
+                        </a:rPr>
+                        <m:t>67.5 </m:t>
                       </m:r>
                       <m:r>
                         <m:rPr>
@@ -5767,12 +5131,76 @@
                         <a:rPr kumimoji="1" lang="en-US" altLang="ja-JP" sz="2400" b="0" i="0" smtClean="0">
                           <a:latin typeface="Cambria Math" panose="02040503050406030204" pitchFamily="18" charset="0"/>
                         </a:rPr>
-                        <m:t>Ω</m:t>
+                        <m:t>μm</m:t>
                       </m:r>
                     </m:oMath>
                   </m:oMathPara>
                 </a14:m>
                 <a:endParaRPr kumimoji="1" lang="en-US" altLang="ja-JP" sz="2400" dirty="0"/>
+              </a:p>
+              <a:p>
+                <a:pPr algn="l"/>
+                <a:r>
+                  <a:rPr lang="ja-JP" altLang="en-US" sz="2400" dirty="0"/>
+                  <a:t>ここで、</a:t>
+                </a:r>
+                <a14:m>
+                  <m:oMath xmlns:m="http://schemas.openxmlformats.org/officeDocument/2006/math">
+                    <m:r>
+                      <a:rPr kumimoji="1" lang="en-US" altLang="ja-JP" sz="2400" b="0" i="1" smtClean="0">
+                        <a:latin typeface="Cambria Math" panose="02040503050406030204" pitchFamily="18" charset="0"/>
+                      </a:rPr>
+                      <m:t>67.5=11.25×</m:t>
+                    </m:r>
+                    <m:r>
+                      <a:rPr kumimoji="1" lang="en-US" altLang="ja-JP" sz="2400" b="0" i="0" smtClean="0">
+                        <a:latin typeface="Cambria Math" panose="02040503050406030204" pitchFamily="18" charset="0"/>
+                      </a:rPr>
+                      <m:t>6</m:t>
+                    </m:r>
+                  </m:oMath>
+                </a14:m>
+                <a:r>
+                  <a:rPr kumimoji="1" lang="ja-JP" altLang="en-US" sz="2400" dirty="0"/>
+                  <a:t>なので、ゲート幅はすべて</a:t>
+                </a:r>
+                <a14:m>
+                  <m:oMath xmlns:m="http://schemas.openxmlformats.org/officeDocument/2006/math">
+                    <m:r>
+                      <a:rPr kumimoji="1" lang="en-US" altLang="ja-JP" sz="2400" b="0" i="1" smtClean="0">
+                        <a:latin typeface="Cambria Math" panose="02040503050406030204" pitchFamily="18" charset="0"/>
+                      </a:rPr>
+                      <m:t>11.25 </m:t>
+                    </m:r>
+                    <m:r>
+                      <m:rPr>
+                        <m:sty m:val="p"/>
+                      </m:rPr>
+                      <a:rPr kumimoji="1" lang="en-US" altLang="ja-JP" sz="2400" b="0" i="0" smtClean="0">
+                        <a:latin typeface="Cambria Math" panose="02040503050406030204" pitchFamily="18" charset="0"/>
+                      </a:rPr>
+                      <m:t>μm</m:t>
+                    </m:r>
+                  </m:oMath>
+                </a14:m>
+                <a:r>
+                  <a:rPr kumimoji="1" lang="ja-JP" altLang="en-US" sz="2400" dirty="0"/>
+                  <a:t>とし並列数をそれぞれ、</a:t>
+                </a:r>
+                <a14:m>
+                  <m:oMath xmlns:m="http://schemas.openxmlformats.org/officeDocument/2006/math">
+                    <m:r>
+                      <a:rPr kumimoji="1" lang="en-US" altLang="ja-JP" sz="2400" b="0" i="1" smtClean="0">
+                        <a:latin typeface="Cambria Math" panose="02040503050406030204" pitchFamily="18" charset="0"/>
+                      </a:rPr>
+                      <m:t>6,12,24</m:t>
+                    </m:r>
+                  </m:oMath>
+                </a14:m>
+                <a:r>
+                  <a:rPr kumimoji="1" lang="ja-JP" altLang="en-US" sz="2400" dirty="0"/>
+                  <a:t>とする</a:t>
+                </a:r>
               </a:p>
             </p:txBody>
           </p:sp>
@@ -5783,7 +5211,7 @@
               <p:cNvPr id="4" name="テキスト ボックス 3">
                 <a:extLst>
                   <a:ext uri="{FF2B5EF4-FFF2-40B4-BE49-F238E27FC236}">
-                    <a16:creationId xmlns:a16="http://schemas.microsoft.com/office/drawing/2014/main" id="{663778A5-7B4F-83C8-B897-B573A8C71708}"/>
+                    <a16:creationId xmlns:a16="http://schemas.microsoft.com/office/drawing/2014/main" id="{5907A777-57F8-7C0B-6A86-B70D9D6C50CA}"/>
                   </a:ext>
                 </a:extLst>
               </p:cNvPr>
@@ -5794,8 +5222,8 @@
             </p:nvSpPr>
             <p:spPr>
               <a:xfrm>
-                <a:off x="1000588" y="1246804"/>
-                <a:ext cx="10190824" cy="5687519"/>
+                <a:off x="618564" y="1785842"/>
+                <a:ext cx="10954871" cy="4170629"/>
               </a:xfrm>
               <a:prstGeom prst="rect">
                 <a:avLst/>
@@ -5803,7 +5231,7 @@
               <a:blipFill>
                 <a:blip r:embed="rId2"/>
                 <a:stretch>
-                  <a:fillRect l="-897" t="-857"/>
+                  <a:fillRect l="-834" t="-1170" r="-723" b="-2485"/>
                 </a:stretch>
               </a:blipFill>
             </p:spPr>
@@ -5825,7 +5253,7 @@
     </p:spTree>
     <p:extLst>
       <p:ext uri="{BB962C8B-B14F-4D97-AF65-F5344CB8AC3E}">
-        <p14:creationId xmlns:p14="http://schemas.microsoft.com/office/powerpoint/2010/main" val="3923448579"/>
+        <p14:creationId xmlns:p14="http://schemas.microsoft.com/office/powerpoint/2010/main" val="1443580564"/>
       </p:ext>
     </p:extLst>
   </p:cSld>
@@ -5875,7 +5303,15 @@
           <a:p>
             <a:r>
               <a:rPr lang="ja-JP" altLang="en-US" dirty="0"/>
-              <a:t>直流設計</a:t>
+              <a:t>直流設計 </a:t>
+            </a:r>
+            <a:r>
+              <a:rPr lang="en-US" altLang="ja-JP" dirty="0"/>
+              <a:t>– </a:t>
+            </a:r>
+            <a:r>
+              <a:rPr lang="ja-JP" altLang="en-US" dirty="0"/>
+              <a:t>素子値</a:t>
             </a:r>
             <a:endParaRPr kumimoji="1" lang="ja-JP" altLang="en-US" dirty="0"/>
           </a:p>
@@ -5963,7 +5399,7 @@
               <p:nvPr>
                 <p:extLst>
                   <p:ext uri="{D42A27DB-BD31-4B8C-83A1-F6EECF244321}">
-                    <p14:modId xmlns:p14="http://schemas.microsoft.com/office/powerpoint/2010/main" val="871405444"/>
+                    <p14:modId xmlns:p14="http://schemas.microsoft.com/office/powerpoint/2010/main" val="3259810269"/>
                   </p:ext>
                 </p:extLst>
               </p:nvPr>
@@ -6611,7 +6047,7 @@
                                   <m:begChr m:val="["/>
                                   <m:endChr m:val="]"/>
                                   <m:ctrlPr>
-                                    <a:rPr kumimoji="1" lang="en-US" altLang="ja-JP" b="0" i="0" smtClean="0">
+                                    <a:rPr kumimoji="1" lang="en-US" altLang="ja-JP" b="0" i="1" smtClean="0">
                                       <a:latin typeface="Cambria Math" panose="02040503050406030204" pitchFamily="18" charset="0"/>
                                     </a:rPr>
                                   </m:ctrlPr>
@@ -7088,21 +6524,10 @@
                               </m:oMathParaPr>
                               <m:oMath xmlns:m="http://schemas.openxmlformats.org/officeDocument/2006/math">
                                 <m:r>
-                                  <a:rPr kumimoji="1" lang="en-US" altLang="ja-JP" sz="1800" b="0" i="1" u="none" strike="noStrike" kern="1200" cap="none" spc="0" normalizeH="0" baseline="0" noProof="0" smtClean="0">
-                                    <a:ln>
-                                      <a:noFill/>
-                                    </a:ln>
-                                    <a:solidFill>
-                                      <a:prstClr val="black"/>
-                                    </a:solidFill>
-                                    <a:effectLst/>
-                                    <a:uLnTx/>
-                                    <a:uFillTx/>
+                                  <a:rPr kumimoji="1" lang="en-US" altLang="ja-JP" b="0" i="1" smtClean="0">
                                     <a:latin typeface="Cambria Math" panose="02040503050406030204" pitchFamily="18" charset="0"/>
-                                    <a:ea typeface="游ゴシック" panose="020B0400000000000000" pitchFamily="50" charset="-128"/>
-                                    <a:cs typeface="+mn-cs"/>
                                   </a:rPr>
-                                  <m:t>15×18</m:t>
+                                  <m:t>11.25×24</m:t>
                                 </m:r>
                               </m:oMath>
                             </m:oMathPara>
@@ -7470,7 +6895,7 @@
               <p:nvPr>
                 <p:extLst>
                   <p:ext uri="{D42A27DB-BD31-4B8C-83A1-F6EECF244321}">
-                    <p14:modId xmlns:p14="http://schemas.microsoft.com/office/powerpoint/2010/main" val="871405444"/>
+                    <p14:modId xmlns:p14="http://schemas.microsoft.com/office/powerpoint/2010/main" val="3259810269"/>
                   </p:ext>
                 </p:extLst>
               </p:nvPr>
@@ -8316,8 +7741,8 @@
           </p:graphicFrame>
         </mc:Fallback>
       </mc:AlternateContent>
-      <mc:AlternateContent xmlns:mc="http://schemas.openxmlformats.org/markup-compatibility/2006">
-        <mc:Choice xmlns:a14="http://schemas.microsoft.com/office/drawing/2010/main" Requires="a14">
+      <mc:AlternateContent xmlns:mc="http://schemas.openxmlformats.org/markup-compatibility/2006" xmlns:a14="http://schemas.microsoft.com/office/drawing/2010/main">
+        <mc:Choice Requires="a14">
           <p:sp>
             <p:nvSpPr>
               <p:cNvPr id="6" name="テキスト ボックス 5">
@@ -8393,7 +7818,7 @@
             </p:txBody>
           </p:sp>
         </mc:Choice>
-        <mc:Fallback>
+        <mc:Fallback xmlns="">
           <p:sp>
             <p:nvSpPr>
               <p:cNvPr id="6" name="テキスト ボックス 5">
@@ -8451,6 +7876,3776 @@
 </p:sld>
 </file>
 
+<file path=ppt/slides/slide12.xml><?xml version="1.0" encoding="utf-8"?>
+<p:sld xmlns:a="http://schemas.openxmlformats.org/drawingml/2006/main" xmlns:r="http://schemas.openxmlformats.org/officeDocument/2006/relationships" xmlns:p="http://schemas.openxmlformats.org/presentationml/2006/main">
+  <p:cSld>
+    <p:spTree>
+      <p:nvGrpSpPr>
+        <p:cNvPr id="1" name=""/>
+        <p:cNvGrpSpPr/>
+        <p:nvPr/>
+      </p:nvGrpSpPr>
+      <p:grpSpPr>
+        <a:xfrm>
+          <a:off x="0" y="0"/>
+          <a:ext cx="0" cy="0"/>
+          <a:chOff x="0" y="0"/>
+          <a:chExt cx="0" cy="0"/>
+        </a:xfrm>
+      </p:grpSpPr>
+      <p:sp>
+        <p:nvSpPr>
+          <p:cNvPr id="2" name="タイトル 1">
+            <a:extLst>
+              <a:ext uri="{FF2B5EF4-FFF2-40B4-BE49-F238E27FC236}">
+                <a16:creationId xmlns:a16="http://schemas.microsoft.com/office/drawing/2014/main" id="{338DE74A-5BB0-75B5-14A3-EEB1C8DC3895}"/>
+              </a:ext>
+            </a:extLst>
+          </p:cNvPr>
+          <p:cNvSpPr>
+            <a:spLocks noGrp="1"/>
+          </p:cNvSpPr>
+          <p:nvPr>
+            <p:ph type="title"/>
+          </p:nvPr>
+        </p:nvSpPr>
+        <p:spPr/>
+        <p:txBody>
+          <a:bodyPr/>
+          <a:lstStyle/>
+          <a:p>
+            <a:r>
+              <a:rPr kumimoji="1" lang="ja-JP" altLang="en-US" dirty="0"/>
+              <a:t>直流シミュレーション</a:t>
+            </a:r>
+          </a:p>
+        </p:txBody>
+      </p:sp>
+      <p:sp>
+        <p:nvSpPr>
+          <p:cNvPr id="3" name="スライド番号プレースホルダー 2">
+            <a:extLst>
+              <a:ext uri="{FF2B5EF4-FFF2-40B4-BE49-F238E27FC236}">
+                <a16:creationId xmlns:a16="http://schemas.microsoft.com/office/drawing/2014/main" id="{BA2F2A72-0ED0-24E7-DBAC-B32415345F3B}"/>
+              </a:ext>
+            </a:extLst>
+          </p:cNvPr>
+          <p:cNvSpPr>
+            <a:spLocks noGrp="1"/>
+          </p:cNvSpPr>
+          <p:nvPr>
+            <p:ph type="sldNum" sz="quarter" idx="12"/>
+          </p:nvPr>
+        </p:nvSpPr>
+        <p:spPr/>
+        <p:txBody>
+          <a:bodyPr/>
+          <a:lstStyle/>
+          <a:p>
+            <a:fld id="{BAC09C9C-7DB0-444B-A568-405A39CC84C0}" type="slidenum">
+              <a:rPr kumimoji="1" lang="ja-JP" altLang="en-US" smtClean="0"/>
+              <a:t>12</a:t>
+            </a:fld>
+            <a:endParaRPr kumimoji="1" lang="ja-JP" altLang="en-US"/>
+          </a:p>
+        </p:txBody>
+      </p:sp>
+      <mc:AlternateContent xmlns:mc="http://schemas.openxmlformats.org/markup-compatibility/2006">
+        <mc:Choice xmlns:a14="http://schemas.microsoft.com/office/drawing/2010/main" Requires="a14">
+          <p:graphicFrame>
+            <p:nvGraphicFramePr>
+              <p:cNvPr id="4" name="表 4">
+                <a:extLst>
+                  <a:ext uri="{FF2B5EF4-FFF2-40B4-BE49-F238E27FC236}">
+                    <a16:creationId xmlns:a16="http://schemas.microsoft.com/office/drawing/2014/main" id="{52459FD6-0149-5571-B7D1-646035C15ADE}"/>
+                  </a:ext>
+                </a:extLst>
+              </p:cNvPr>
+              <p:cNvGraphicFramePr>
+                <a:graphicFrameLocks noGrp="1"/>
+              </p:cNvGraphicFramePr>
+              <p:nvPr>
+                <p:extLst>
+                  <p:ext uri="{D42A27DB-BD31-4B8C-83A1-F6EECF244321}">
+                    <p14:modId xmlns:p14="http://schemas.microsoft.com/office/powerpoint/2010/main" val="1706748158"/>
+                  </p:ext>
+                </p:extLst>
+              </p:nvPr>
+            </p:nvGraphicFramePr>
+            <p:xfrm>
+              <a:off x="6654623" y="593510"/>
+              <a:ext cx="5364706" cy="4079240"/>
+            </p:xfrm>
+            <a:graphic>
+              <a:graphicData uri="http://schemas.openxmlformats.org/drawingml/2006/table">
+                <a:tbl>
+                  <a:tblPr bandRow="1">
+                    <a:tableStyleId>{5C22544A-7EE6-4342-B048-85BDC9FD1C3A}</a:tableStyleId>
+                  </a:tblPr>
+                  <a:tblGrid>
+                    <a:gridCol w="753468">
+                      <a:extLst>
+                        <a:ext uri="{9D8B030D-6E8A-4147-A177-3AD203B41FA5}">
+                          <a16:colId xmlns:a16="http://schemas.microsoft.com/office/drawing/2014/main" val="2239531210"/>
+                        </a:ext>
+                      </a:extLst>
+                    </a:gridCol>
+                    <a:gridCol w="955980">
+                      <a:extLst>
+                        <a:ext uri="{9D8B030D-6E8A-4147-A177-3AD203B41FA5}">
+                          <a16:colId xmlns:a16="http://schemas.microsoft.com/office/drawing/2014/main" val="2666748500"/>
+                        </a:ext>
+                      </a:extLst>
+                    </a:gridCol>
+                    <a:gridCol w="1039905">
+                      <a:extLst>
+                        <a:ext uri="{9D8B030D-6E8A-4147-A177-3AD203B41FA5}">
+                          <a16:colId xmlns:a16="http://schemas.microsoft.com/office/drawing/2014/main" val="2616699235"/>
+                        </a:ext>
+                      </a:extLst>
+                    </a:gridCol>
+                    <a:gridCol w="1237130">
+                      <a:extLst>
+                        <a:ext uri="{9D8B030D-6E8A-4147-A177-3AD203B41FA5}">
+                          <a16:colId xmlns:a16="http://schemas.microsoft.com/office/drawing/2014/main" val="1575169580"/>
+                        </a:ext>
+                      </a:extLst>
+                    </a:gridCol>
+                    <a:gridCol w="1378223">
+                      <a:extLst>
+                        <a:ext uri="{9D8B030D-6E8A-4147-A177-3AD203B41FA5}">
+                          <a16:colId xmlns:a16="http://schemas.microsoft.com/office/drawing/2014/main" val="216910381"/>
+                        </a:ext>
+                      </a:extLst>
+                    </a:gridCol>
+                  </a:tblGrid>
+                  <a:tr h="370840">
+                    <a:tc>
+                      <a:txBody>
+                        <a:bodyPr/>
+                        <a:lstStyle/>
+                        <a:p>
+                          <a:pPr algn="ctr"/>
+                          <a:endParaRPr kumimoji="1" lang="ja-JP" altLang="en-US" dirty="0"/>
+                        </a:p>
+                      </a:txBody>
+                      <a:tcPr/>
+                    </a:tc>
+                    <a:tc gridSpan="2">
+                      <a:txBody>
+                        <a:bodyPr/>
+                        <a:lstStyle/>
+                        <a:p>
+                          <a:pPr algn="ctr"/>
+                          <a:r>
+                            <a:rPr kumimoji="1" lang="ja-JP" altLang="en-US" dirty="0"/>
+                            <a:t>設計値</a:t>
+                          </a:r>
+                        </a:p>
+                      </a:txBody>
+                      <a:tcPr/>
+                    </a:tc>
+                    <a:tc hMerge="1">
+                      <a:txBody>
+                        <a:bodyPr/>
+                        <a:lstStyle/>
+                        <a:p>
+                          <a:endParaRPr kumimoji="1" lang="ja-JP" altLang="en-US"/>
+                        </a:p>
+                      </a:txBody>
+                      <a:tcPr/>
+                    </a:tc>
+                    <a:tc gridSpan="2">
+                      <a:txBody>
+                        <a:bodyPr/>
+                        <a:lstStyle/>
+                        <a:p>
+                          <a:r>
+                            <a:rPr kumimoji="1" lang="ja-JP" altLang="en-US" dirty="0"/>
+                            <a:t>シミュレーション</a:t>
+                          </a:r>
+                        </a:p>
+                      </a:txBody>
+                      <a:tcPr/>
+                    </a:tc>
+                    <a:tc hMerge="1">
+                      <a:txBody>
+                        <a:bodyPr/>
+                        <a:lstStyle/>
+                        <a:p>
+                          <a:endParaRPr kumimoji="1" lang="ja-JP" altLang="en-US"/>
+                        </a:p>
+                      </a:txBody>
+                      <a:tcPr/>
+                    </a:tc>
+                    <a:extLst>
+                      <a:ext uri="{0D108BD9-81ED-4DB2-BD59-A6C34878D82A}">
+                        <a16:rowId xmlns:a16="http://schemas.microsoft.com/office/drawing/2014/main" val="302404592"/>
+                      </a:ext>
+                    </a:extLst>
+                  </a:tr>
+                  <a:tr h="370840">
+                    <a:tc gridSpan="5">
+                      <a:txBody>
+                        <a:bodyPr/>
+                        <a:lstStyle/>
+                        <a:p>
+                          <a:pPr algn="ctr"/>
+                          <a:r>
+                            <a:rPr kumimoji="1" lang="ja-JP" altLang="en-US" dirty="0"/>
+                            <a:t>直流電位</a:t>
+                          </a:r>
+                          <a14:m>
+                            <m:oMath xmlns:m="http://schemas.openxmlformats.org/officeDocument/2006/math">
+                              <m:r>
+                                <a:rPr kumimoji="1" lang="en-US" altLang="ja-JP" b="0" i="0" smtClean="0">
+                                  <a:latin typeface="Cambria Math" panose="02040503050406030204" pitchFamily="18" charset="0"/>
+                                </a:rPr>
+                                <m:t>[</m:t>
+                              </m:r>
+                              <m:r>
+                                <m:rPr>
+                                  <m:sty m:val="p"/>
+                                </m:rPr>
+                                <a:rPr kumimoji="1" lang="en-US" altLang="ja-JP" b="0" i="0" smtClean="0">
+                                  <a:latin typeface="Cambria Math" panose="02040503050406030204" pitchFamily="18" charset="0"/>
+                                </a:rPr>
+                                <m:t>V</m:t>
+                              </m:r>
+                              <m:r>
+                                <a:rPr kumimoji="1" lang="en-US" altLang="ja-JP" b="0" i="0" smtClean="0">
+                                  <a:latin typeface="Cambria Math" panose="02040503050406030204" pitchFamily="18" charset="0"/>
+                                </a:rPr>
+                                <m:t>]</m:t>
+                              </m:r>
+                            </m:oMath>
+                          </a14:m>
+                          <a:endParaRPr kumimoji="1" lang="ja-JP" altLang="en-US" i="0" dirty="0"/>
+                        </a:p>
+                      </a:txBody>
+                      <a:tcPr/>
+                    </a:tc>
+                    <a:tc hMerge="1">
+                      <a:txBody>
+                        <a:bodyPr/>
+                        <a:lstStyle/>
+                        <a:p>
+                          <a:pPr algn="ctr"/>
+                          <a:endParaRPr kumimoji="1" lang="ja-JP" altLang="en-US" dirty="0"/>
+                        </a:p>
+                      </a:txBody>
+                      <a:tcPr/>
+                    </a:tc>
+                    <a:tc hMerge="1">
+                      <a:txBody>
+                        <a:bodyPr/>
+                        <a:lstStyle/>
+                        <a:p>
+                          <a:endParaRPr kumimoji="1" lang="ja-JP" altLang="en-US"/>
+                        </a:p>
+                      </a:txBody>
+                      <a:tcPr/>
+                    </a:tc>
+                    <a:tc hMerge="1">
+                      <a:txBody>
+                        <a:bodyPr/>
+                        <a:lstStyle/>
+                        <a:p>
+                          <a:endParaRPr kumimoji="1" lang="ja-JP" altLang="en-US"/>
+                        </a:p>
+                      </a:txBody>
+                      <a:tcPr/>
+                    </a:tc>
+                    <a:tc hMerge="1">
+                      <a:txBody>
+                        <a:bodyPr/>
+                        <a:lstStyle/>
+                        <a:p>
+                          <a:endParaRPr kumimoji="1" lang="ja-JP" altLang="en-US"/>
+                        </a:p>
+                      </a:txBody>
+                      <a:tcPr/>
+                    </a:tc>
+                    <a:extLst>
+                      <a:ext uri="{0D108BD9-81ED-4DB2-BD59-A6C34878D82A}">
+                        <a16:rowId xmlns:a16="http://schemas.microsoft.com/office/drawing/2014/main" val="1757894292"/>
+                      </a:ext>
+                    </a:extLst>
+                  </a:tr>
+                  <a:tr h="370840">
+                    <a:tc>
+                      <a:txBody>
+                        <a:bodyPr/>
+                        <a:lstStyle/>
+                        <a:p>
+                          <a:pPr algn="ctr"/>
+                          <a14:m>
+                            <m:oMathPara xmlns:m="http://schemas.openxmlformats.org/officeDocument/2006/math">
+                              <m:oMathParaPr>
+                                <m:jc m:val="centerGroup"/>
+                              </m:oMathParaPr>
+                              <m:oMath xmlns:m="http://schemas.openxmlformats.org/officeDocument/2006/math">
+                                <m:sSub>
+                                  <m:sSubPr>
+                                    <m:ctrlPr>
+                                      <a:rPr kumimoji="1" lang="en-US" altLang="ja-JP" b="0" i="1" smtClean="0">
+                                        <a:latin typeface="Cambria Math" panose="02040503050406030204" pitchFamily="18" charset="0"/>
+                                      </a:rPr>
+                                    </m:ctrlPr>
+                                  </m:sSubPr>
+                                  <m:e>
+                                    <m:r>
+                                      <a:rPr kumimoji="1" lang="en-US" altLang="ja-JP" b="0" i="1" smtClean="0">
+                                        <a:latin typeface="Cambria Math" panose="02040503050406030204" pitchFamily="18" charset="0"/>
+                                      </a:rPr>
+                                      <m:t>𝑉</m:t>
+                                    </m:r>
+                                  </m:e>
+                                  <m:sub>
+                                    <m:r>
+                                      <a:rPr kumimoji="1" lang="en-US" altLang="ja-JP" b="0" i="1" smtClean="0">
+                                        <a:latin typeface="Cambria Math" panose="02040503050406030204" pitchFamily="18" charset="0"/>
+                                      </a:rPr>
+                                      <m:t>𝑜𝑢𝑡</m:t>
+                                    </m:r>
+                                  </m:sub>
+                                </m:sSub>
+                              </m:oMath>
+                            </m:oMathPara>
+                          </a14:m>
+                          <a:endParaRPr kumimoji="1" lang="ja-JP" altLang="en-US" dirty="0"/>
+                        </a:p>
+                      </a:txBody>
+                      <a:tcPr/>
+                    </a:tc>
+                    <a:tc gridSpan="2">
+                      <a:txBody>
+                        <a:bodyPr/>
+                        <a:lstStyle/>
+                        <a:p>
+                          <a:pPr algn="ctr"/>
+                          <a14:m>
+                            <m:oMathPara xmlns:m="http://schemas.openxmlformats.org/officeDocument/2006/math">
+                              <m:oMathParaPr>
+                                <m:jc m:val="centerGroup"/>
+                              </m:oMathParaPr>
+                              <m:oMath xmlns:m="http://schemas.openxmlformats.org/officeDocument/2006/math">
+                                <m:r>
+                                  <a:rPr kumimoji="1" lang="en-US" altLang="ja-JP" b="0" i="1" smtClean="0">
+                                    <a:latin typeface="Cambria Math" panose="02040503050406030204" pitchFamily="18" charset="0"/>
+                                  </a:rPr>
+                                  <m:t>1.5</m:t>
+                                </m:r>
+                              </m:oMath>
+                            </m:oMathPara>
+                          </a14:m>
+                          <a:endParaRPr kumimoji="1" lang="ja-JP" altLang="en-US" dirty="0"/>
+                        </a:p>
+                      </a:txBody>
+                      <a:tcPr/>
+                    </a:tc>
+                    <a:tc hMerge="1">
+                      <a:txBody>
+                        <a:bodyPr/>
+                        <a:lstStyle/>
+                        <a:p>
+                          <a:endParaRPr kumimoji="1" lang="ja-JP" altLang="en-US"/>
+                        </a:p>
+                      </a:txBody>
+                      <a:tcPr/>
+                    </a:tc>
+                    <a:tc gridSpan="2">
+                      <a:txBody>
+                        <a:bodyPr/>
+                        <a:lstStyle/>
+                        <a:p>
+                          <a14:m>
+                            <m:oMathPara xmlns:m="http://schemas.openxmlformats.org/officeDocument/2006/math">
+                              <m:oMathParaPr>
+                                <m:jc m:val="centerGroup"/>
+                              </m:oMathParaPr>
+                              <m:oMath xmlns:m="http://schemas.openxmlformats.org/officeDocument/2006/math">
+                                <m:r>
+                                  <a:rPr kumimoji="1" lang="en-US" altLang="ja-JP" b="0" i="1" smtClean="0">
+                                    <a:latin typeface="Cambria Math" panose="02040503050406030204" pitchFamily="18" charset="0"/>
+                                  </a:rPr>
+                                  <m:t>0.5332</m:t>
+                                </m:r>
+                              </m:oMath>
+                            </m:oMathPara>
+                          </a14:m>
+                          <a:endParaRPr kumimoji="1" lang="ja-JP" altLang="en-US" dirty="0"/>
+                        </a:p>
+                      </a:txBody>
+                      <a:tcPr/>
+                    </a:tc>
+                    <a:tc hMerge="1">
+                      <a:txBody>
+                        <a:bodyPr/>
+                        <a:lstStyle/>
+                        <a:p>
+                          <a:endParaRPr kumimoji="1" lang="ja-JP" altLang="en-US"/>
+                        </a:p>
+                      </a:txBody>
+                      <a:tcPr/>
+                    </a:tc>
+                    <a:extLst>
+                      <a:ext uri="{0D108BD9-81ED-4DB2-BD59-A6C34878D82A}">
+                        <a16:rowId xmlns:a16="http://schemas.microsoft.com/office/drawing/2014/main" val="2224892810"/>
+                      </a:ext>
+                    </a:extLst>
+                  </a:tr>
+                  <a:tr h="370840">
+                    <a:tc>
+                      <a:txBody>
+                        <a:bodyPr/>
+                        <a:lstStyle/>
+                        <a:p>
+                          <a:pPr algn="ctr"/>
+                          <a14:m>
+                            <m:oMathPara xmlns:m="http://schemas.openxmlformats.org/officeDocument/2006/math">
+                              <m:oMathParaPr>
+                                <m:jc m:val="centerGroup"/>
+                              </m:oMathParaPr>
+                              <m:oMath xmlns:m="http://schemas.openxmlformats.org/officeDocument/2006/math">
+                                <m:sSub>
+                                  <m:sSubPr>
+                                    <m:ctrlPr>
+                                      <a:rPr kumimoji="1" lang="en-US" altLang="ja-JP" b="0" i="1" smtClean="0">
+                                        <a:latin typeface="Cambria Math" panose="02040503050406030204" pitchFamily="18" charset="0"/>
+                                      </a:rPr>
+                                    </m:ctrlPr>
+                                  </m:sSubPr>
+                                  <m:e>
+                                    <m:r>
+                                      <a:rPr kumimoji="1" lang="en-US" altLang="ja-JP" b="0" i="1" smtClean="0">
+                                        <a:latin typeface="Cambria Math" panose="02040503050406030204" pitchFamily="18" charset="0"/>
+                                      </a:rPr>
+                                      <m:t>𝑉</m:t>
+                                    </m:r>
+                                  </m:e>
+                                  <m:sub>
+                                    <m:r>
+                                      <a:rPr kumimoji="1" lang="en-US" altLang="ja-JP" b="0" i="1" smtClean="0">
+                                        <a:latin typeface="Cambria Math" panose="02040503050406030204" pitchFamily="18" charset="0"/>
+                                      </a:rPr>
+                                      <m:t>𝐴𝐵</m:t>
+                                    </m:r>
+                                  </m:sub>
+                                </m:sSub>
+                              </m:oMath>
+                            </m:oMathPara>
+                          </a14:m>
+                          <a:endParaRPr kumimoji="1" lang="ja-JP" altLang="en-US" dirty="0"/>
+                        </a:p>
+                      </a:txBody>
+                      <a:tcPr/>
+                    </a:tc>
+                    <a:tc gridSpan="2">
+                      <a:txBody>
+                        <a:bodyPr/>
+                        <a:lstStyle/>
+                        <a:p>
+                          <a:pPr algn="ctr"/>
+                          <a14:m>
+                            <m:oMathPara xmlns:m="http://schemas.openxmlformats.org/officeDocument/2006/math">
+                              <m:oMathParaPr>
+                                <m:jc m:val="centerGroup"/>
+                              </m:oMathParaPr>
+                              <m:oMath xmlns:m="http://schemas.openxmlformats.org/officeDocument/2006/math">
+                                <m:r>
+                                  <a:rPr kumimoji="1" lang="en-US" altLang="ja-JP" b="0" i="1" smtClean="0">
+                                    <a:latin typeface="Cambria Math" panose="02040503050406030204" pitchFamily="18" charset="0"/>
+                                  </a:rPr>
+                                  <m:t>0.7</m:t>
+                                </m:r>
+                              </m:oMath>
+                            </m:oMathPara>
+                          </a14:m>
+                          <a:endParaRPr kumimoji="1" lang="ja-JP" altLang="en-US" dirty="0"/>
+                        </a:p>
+                      </a:txBody>
+                      <a:tcPr/>
+                    </a:tc>
+                    <a:tc hMerge="1">
+                      <a:txBody>
+                        <a:bodyPr/>
+                        <a:lstStyle/>
+                        <a:p>
+                          <a:endParaRPr kumimoji="1" lang="ja-JP" altLang="en-US"/>
+                        </a:p>
+                      </a:txBody>
+                      <a:tcPr/>
+                    </a:tc>
+                    <a:tc gridSpan="2">
+                      <a:txBody>
+                        <a:bodyPr/>
+                        <a:lstStyle/>
+                        <a:p>
+                          <a14:m>
+                            <m:oMathPara xmlns:m="http://schemas.openxmlformats.org/officeDocument/2006/math">
+                              <m:oMathParaPr>
+                                <m:jc m:val="centerGroup"/>
+                              </m:oMathParaPr>
+                              <m:oMath xmlns:m="http://schemas.openxmlformats.org/officeDocument/2006/math">
+                                <m:r>
+                                  <a:rPr kumimoji="1" lang="en-US" altLang="ja-JP" b="0" i="1" smtClean="0">
+                                    <a:latin typeface="Cambria Math" panose="02040503050406030204" pitchFamily="18" charset="0"/>
+                                  </a:rPr>
+                                  <m:t>0.4565</m:t>
+                                </m:r>
+                              </m:oMath>
+                            </m:oMathPara>
+                          </a14:m>
+                          <a:endParaRPr kumimoji="1" lang="ja-JP" altLang="en-US" dirty="0"/>
+                        </a:p>
+                      </a:txBody>
+                      <a:tcPr/>
+                    </a:tc>
+                    <a:tc hMerge="1">
+                      <a:txBody>
+                        <a:bodyPr/>
+                        <a:lstStyle/>
+                        <a:p>
+                          <a:endParaRPr kumimoji="1" lang="ja-JP" altLang="en-US"/>
+                        </a:p>
+                      </a:txBody>
+                      <a:tcPr/>
+                    </a:tc>
+                    <a:extLst>
+                      <a:ext uri="{0D108BD9-81ED-4DB2-BD59-A6C34878D82A}">
+                        <a16:rowId xmlns:a16="http://schemas.microsoft.com/office/drawing/2014/main" val="333773548"/>
+                      </a:ext>
+                    </a:extLst>
+                  </a:tr>
+                  <a:tr h="370840">
+                    <a:tc>
+                      <a:txBody>
+                        <a:bodyPr/>
+                        <a:lstStyle/>
+                        <a:p>
+                          <a:pPr algn="ctr"/>
+                          <a14:m>
+                            <m:oMathPara xmlns:m="http://schemas.openxmlformats.org/officeDocument/2006/math">
+                              <m:oMathParaPr>
+                                <m:jc m:val="centerGroup"/>
+                              </m:oMathParaPr>
+                              <m:oMath xmlns:m="http://schemas.openxmlformats.org/officeDocument/2006/math">
+                                <m:sSub>
+                                  <m:sSubPr>
+                                    <m:ctrlPr>
+                                      <a:rPr kumimoji="1" lang="en-US" altLang="ja-JP" b="0" i="1" smtClean="0">
+                                        <a:latin typeface="Cambria Math" panose="02040503050406030204" pitchFamily="18" charset="0"/>
+                                      </a:rPr>
+                                    </m:ctrlPr>
+                                  </m:sSubPr>
+                                  <m:e>
+                                    <m:r>
+                                      <a:rPr kumimoji="1" lang="en-US" altLang="ja-JP" b="0" i="1" smtClean="0">
+                                        <a:latin typeface="Cambria Math" panose="02040503050406030204" pitchFamily="18" charset="0"/>
+                                      </a:rPr>
+                                      <m:t>𝑉</m:t>
+                                    </m:r>
+                                  </m:e>
+                                  <m:sub>
+                                    <m:r>
+                                      <a:rPr kumimoji="1" lang="en-US" altLang="ja-JP" b="0" i="1" smtClean="0">
+                                        <a:latin typeface="Cambria Math" panose="02040503050406030204" pitchFamily="18" charset="0"/>
+                                      </a:rPr>
+                                      <m:t>𝑆</m:t>
+                                    </m:r>
+                                  </m:sub>
+                                </m:sSub>
+                              </m:oMath>
+                            </m:oMathPara>
+                          </a14:m>
+                          <a:endParaRPr kumimoji="1" lang="ja-JP" altLang="en-US" dirty="0"/>
+                        </a:p>
+                      </a:txBody>
+                      <a:tcPr/>
+                    </a:tc>
+                    <a:tc gridSpan="2">
+                      <a:txBody>
+                        <a:bodyPr/>
+                        <a:lstStyle/>
+                        <a:p>
+                          <a:pPr algn="ctr"/>
+                          <a14:m>
+                            <m:oMathPara xmlns:m="http://schemas.openxmlformats.org/officeDocument/2006/math">
+                              <m:oMathParaPr>
+                                <m:jc m:val="centerGroup"/>
+                              </m:oMathParaPr>
+                              <m:oMath xmlns:m="http://schemas.openxmlformats.org/officeDocument/2006/math">
+                                <m:r>
+                                  <a:rPr kumimoji="1" lang="en-US" altLang="ja-JP" b="0" i="1" smtClean="0">
+                                    <a:latin typeface="Cambria Math" panose="02040503050406030204" pitchFamily="18" charset="0"/>
+                                  </a:rPr>
+                                  <m:t>0.2</m:t>
+                                </m:r>
+                              </m:oMath>
+                            </m:oMathPara>
+                          </a14:m>
+                          <a:endParaRPr kumimoji="1" lang="ja-JP" altLang="en-US" dirty="0"/>
+                        </a:p>
+                      </a:txBody>
+                      <a:tcPr/>
+                    </a:tc>
+                    <a:tc hMerge="1">
+                      <a:txBody>
+                        <a:bodyPr/>
+                        <a:lstStyle/>
+                        <a:p>
+                          <a:endParaRPr kumimoji="1" lang="ja-JP" altLang="en-US"/>
+                        </a:p>
+                      </a:txBody>
+                      <a:tcPr/>
+                    </a:tc>
+                    <a:tc gridSpan="2">
+                      <a:txBody>
+                        <a:bodyPr/>
+                        <a:lstStyle/>
+                        <a:p>
+                          <a14:m>
+                            <m:oMathPara xmlns:m="http://schemas.openxmlformats.org/officeDocument/2006/math">
+                              <m:oMathParaPr>
+                                <m:jc m:val="centerGroup"/>
+                              </m:oMathParaPr>
+                              <m:oMath xmlns:m="http://schemas.openxmlformats.org/officeDocument/2006/math">
+                                <m:r>
+                                  <a:rPr kumimoji="1" lang="en-US" altLang="ja-JP" b="0" i="1" smtClean="0">
+                                    <a:latin typeface="Cambria Math" panose="02040503050406030204" pitchFamily="18" charset="0"/>
+                                  </a:rPr>
+                                  <m:t>0.1747</m:t>
+                                </m:r>
+                              </m:oMath>
+                            </m:oMathPara>
+                          </a14:m>
+                          <a:endParaRPr kumimoji="1" lang="ja-JP" altLang="en-US" dirty="0"/>
+                        </a:p>
+                      </a:txBody>
+                      <a:tcPr/>
+                    </a:tc>
+                    <a:tc hMerge="1">
+                      <a:txBody>
+                        <a:bodyPr/>
+                        <a:lstStyle/>
+                        <a:p>
+                          <a:endParaRPr kumimoji="1" lang="ja-JP" altLang="en-US"/>
+                        </a:p>
+                      </a:txBody>
+                      <a:tcPr/>
+                    </a:tc>
+                    <a:extLst>
+                      <a:ext uri="{0D108BD9-81ED-4DB2-BD59-A6C34878D82A}">
+                        <a16:rowId xmlns:a16="http://schemas.microsoft.com/office/drawing/2014/main" val="3649194553"/>
+                      </a:ext>
+                    </a:extLst>
+                  </a:tr>
+                  <a:tr h="370840">
+                    <a:tc gridSpan="5">
+                      <a:txBody>
+                        <a:bodyPr/>
+                        <a:lstStyle/>
+                        <a:p>
+                          <a:pPr algn="ctr"/>
+                          <a:r>
+                            <a:rPr kumimoji="1" lang="ja-JP" altLang="en-US" dirty="0"/>
+                            <a:t>直流電流</a:t>
+                          </a:r>
+                          <a14:m>
+                            <m:oMath xmlns:m="http://schemas.openxmlformats.org/officeDocument/2006/math">
+                              <m:r>
+                                <a:rPr kumimoji="1" lang="en-US" altLang="ja-JP" b="0" i="0" smtClean="0">
+                                  <a:latin typeface="Cambria Math" panose="02040503050406030204" pitchFamily="18" charset="0"/>
+                                </a:rPr>
+                                <m:t>[</m:t>
+                              </m:r>
+                              <m:r>
+                                <m:rPr>
+                                  <m:sty m:val="p"/>
+                                </m:rPr>
+                                <a:rPr kumimoji="1" lang="en-US" altLang="ja-JP" b="0" i="0" smtClean="0">
+                                  <a:latin typeface="Cambria Math" panose="02040503050406030204" pitchFamily="18" charset="0"/>
+                                </a:rPr>
+                                <m:t>mA</m:t>
+                              </m:r>
+                              <m:r>
+                                <a:rPr kumimoji="1" lang="en-US" altLang="ja-JP" b="0" i="0" smtClean="0">
+                                  <a:latin typeface="Cambria Math" panose="02040503050406030204" pitchFamily="18" charset="0"/>
+                                </a:rPr>
+                                <m:t>]</m:t>
+                              </m:r>
+                            </m:oMath>
+                          </a14:m>
+                          <a:endParaRPr kumimoji="1" lang="ja-JP" altLang="en-US" i="0" dirty="0"/>
+                        </a:p>
+                      </a:txBody>
+                      <a:tcPr/>
+                    </a:tc>
+                    <a:tc hMerge="1">
+                      <a:txBody>
+                        <a:bodyPr/>
+                        <a:lstStyle/>
+                        <a:p>
+                          <a:pPr algn="ctr"/>
+                          <a:endParaRPr kumimoji="1" lang="ja-JP" altLang="en-US" dirty="0"/>
+                        </a:p>
+                      </a:txBody>
+                      <a:tcPr/>
+                    </a:tc>
+                    <a:tc hMerge="1">
+                      <a:txBody>
+                        <a:bodyPr/>
+                        <a:lstStyle/>
+                        <a:p>
+                          <a:endParaRPr kumimoji="1" lang="ja-JP" altLang="en-US"/>
+                        </a:p>
+                      </a:txBody>
+                      <a:tcPr/>
+                    </a:tc>
+                    <a:tc hMerge="1">
+                      <a:txBody>
+                        <a:bodyPr/>
+                        <a:lstStyle/>
+                        <a:p>
+                          <a:endParaRPr kumimoji="1" lang="ja-JP" altLang="en-US"/>
+                        </a:p>
+                      </a:txBody>
+                      <a:tcPr/>
+                    </a:tc>
+                    <a:tc hMerge="1">
+                      <a:txBody>
+                        <a:bodyPr/>
+                        <a:lstStyle/>
+                        <a:p>
+                          <a:endParaRPr kumimoji="1" lang="ja-JP" altLang="en-US"/>
+                        </a:p>
+                      </a:txBody>
+                      <a:tcPr/>
+                    </a:tc>
+                    <a:extLst>
+                      <a:ext uri="{0D108BD9-81ED-4DB2-BD59-A6C34878D82A}">
+                        <a16:rowId xmlns:a16="http://schemas.microsoft.com/office/drawing/2014/main" val="2025604626"/>
+                      </a:ext>
+                    </a:extLst>
+                  </a:tr>
+                  <a:tr h="370840">
+                    <a:tc>
+                      <a:txBody>
+                        <a:bodyPr/>
+                        <a:lstStyle/>
+                        <a:p>
+                          <a:pPr algn="ctr"/>
+                          <a14:m>
+                            <m:oMathPara xmlns:m="http://schemas.openxmlformats.org/officeDocument/2006/math">
+                              <m:oMathParaPr>
+                                <m:jc m:val="centerGroup"/>
+                              </m:oMathParaPr>
+                              <m:oMath xmlns:m="http://schemas.openxmlformats.org/officeDocument/2006/math">
+                                <m:sSub>
+                                  <m:sSubPr>
+                                    <m:ctrlPr>
+                                      <a:rPr kumimoji="1" lang="en-US" altLang="ja-JP" b="0" i="1" smtClean="0">
+                                        <a:latin typeface="Cambria Math" panose="02040503050406030204" pitchFamily="18" charset="0"/>
+                                      </a:rPr>
+                                    </m:ctrlPr>
+                                  </m:sSubPr>
+                                  <m:e>
+                                    <m:r>
+                                      <a:rPr kumimoji="1" lang="en-US" altLang="ja-JP" b="0" i="1" smtClean="0">
+                                        <a:latin typeface="Cambria Math" panose="02040503050406030204" pitchFamily="18" charset="0"/>
+                                      </a:rPr>
+                                      <m:t>𝐼</m:t>
+                                    </m:r>
+                                  </m:e>
+                                  <m:sub>
+                                    <m:r>
+                                      <a:rPr kumimoji="1" lang="en-US" altLang="ja-JP" b="0" i="1" smtClean="0">
+                                        <a:latin typeface="Cambria Math" panose="02040503050406030204" pitchFamily="18" charset="0"/>
+                                      </a:rPr>
+                                      <m:t>𝑆</m:t>
+                                    </m:r>
+                                  </m:sub>
+                                </m:sSub>
+                              </m:oMath>
+                            </m:oMathPara>
+                          </a14:m>
+                          <a:endParaRPr kumimoji="1" lang="ja-JP" altLang="en-US" dirty="0"/>
+                        </a:p>
+                      </a:txBody>
+                      <a:tcPr/>
+                    </a:tc>
+                    <a:tc gridSpan="2">
+                      <a:txBody>
+                        <a:bodyPr/>
+                        <a:lstStyle/>
+                        <a:p>
+                          <a:pPr marL="0" marR="0" lvl="0" indent="0" algn="ctr" defTabSz="914400" rtl="0" eaLnBrk="1" fontAlgn="auto" latinLnBrk="0" hangingPunct="1">
+                            <a:lnSpc>
+                              <a:spcPct val="100000"/>
+                            </a:lnSpc>
+                            <a:spcBef>
+                              <a:spcPts val="0"/>
+                            </a:spcBef>
+                            <a:spcAft>
+                              <a:spcPts val="0"/>
+                            </a:spcAft>
+                            <a:buClrTx/>
+                            <a:buSzTx/>
+                            <a:buFontTx/>
+                            <a:buNone/>
+                            <a:tabLst/>
+                            <a:defRPr/>
+                          </a:pPr>
+                          <a14:m>
+                            <m:oMathPara xmlns:m="http://schemas.openxmlformats.org/officeDocument/2006/math">
+                              <m:oMathParaPr>
+                                <m:jc m:val="centerGroup"/>
+                              </m:oMathParaPr>
+                              <m:oMath xmlns:m="http://schemas.openxmlformats.org/officeDocument/2006/math">
+                                <m:r>
+                                  <a:rPr kumimoji="1" lang="en-US" altLang="ja-JP" b="0" i="1" smtClean="0">
+                                    <a:latin typeface="Cambria Math" panose="02040503050406030204" pitchFamily="18" charset="0"/>
+                                  </a:rPr>
+                                  <m:t>1</m:t>
+                                </m:r>
+                              </m:oMath>
+                            </m:oMathPara>
+                          </a14:m>
+                          <a:endParaRPr kumimoji="1" lang="ja-JP" altLang="en-US" dirty="0"/>
+                        </a:p>
+                      </a:txBody>
+                      <a:tcPr/>
+                    </a:tc>
+                    <a:tc hMerge="1">
+                      <a:txBody>
+                        <a:bodyPr/>
+                        <a:lstStyle/>
+                        <a:p>
+                          <a:endParaRPr kumimoji="1" lang="ja-JP" altLang="en-US"/>
+                        </a:p>
+                      </a:txBody>
+                      <a:tcPr/>
+                    </a:tc>
+                    <a:tc gridSpan="2">
+                      <a:txBody>
+                        <a:bodyPr/>
+                        <a:lstStyle/>
+                        <a:p>
+                          <a14:m>
+                            <m:oMathPara xmlns:m="http://schemas.openxmlformats.org/officeDocument/2006/math">
+                              <m:oMathParaPr>
+                                <m:jc m:val="centerGroup"/>
+                              </m:oMathParaPr>
+                              <m:oMath xmlns:m="http://schemas.openxmlformats.org/officeDocument/2006/math">
+                                <m:r>
+                                  <a:rPr kumimoji="1" lang="en-US" altLang="ja-JP" b="0" i="1" smtClean="0">
+                                    <a:latin typeface="Cambria Math" panose="02040503050406030204" pitchFamily="18" charset="0"/>
+                                  </a:rPr>
+                                  <m:t>4.22</m:t>
+                                </m:r>
+                              </m:oMath>
+                            </m:oMathPara>
+                          </a14:m>
+                          <a:endParaRPr kumimoji="1" lang="ja-JP" altLang="en-US"/>
+                        </a:p>
+                      </a:txBody>
+                      <a:tcPr/>
+                    </a:tc>
+                    <a:tc hMerge="1">
+                      <a:txBody>
+                        <a:bodyPr/>
+                        <a:lstStyle/>
+                        <a:p>
+                          <a:endParaRPr kumimoji="1" lang="ja-JP" altLang="en-US"/>
+                        </a:p>
+                      </a:txBody>
+                      <a:tcPr/>
+                    </a:tc>
+                    <a:extLst>
+                      <a:ext uri="{0D108BD9-81ED-4DB2-BD59-A6C34878D82A}">
+                        <a16:rowId xmlns:a16="http://schemas.microsoft.com/office/drawing/2014/main" val="2898273403"/>
+                      </a:ext>
+                    </a:extLst>
+                  </a:tr>
+                  <a:tr h="370840">
+                    <a:tc>
+                      <a:txBody>
+                        <a:bodyPr/>
+                        <a:lstStyle/>
+                        <a:p>
+                          <a:pPr marL="0" marR="0" lvl="0" indent="0" algn="ctr" defTabSz="914400" rtl="0" eaLnBrk="1" fontAlgn="auto" latinLnBrk="0" hangingPunct="1">
+                            <a:lnSpc>
+                              <a:spcPct val="100000"/>
+                            </a:lnSpc>
+                            <a:spcBef>
+                              <a:spcPts val="0"/>
+                            </a:spcBef>
+                            <a:spcAft>
+                              <a:spcPts val="0"/>
+                            </a:spcAft>
+                            <a:buClrTx/>
+                            <a:buSzTx/>
+                            <a:buFontTx/>
+                            <a:buNone/>
+                            <a:tabLst/>
+                            <a:defRPr/>
+                          </a:pPr>
+                          <a:endParaRPr kumimoji="1" lang="ja-JP" altLang="en-US" dirty="0"/>
+                        </a:p>
+                      </a:txBody>
+                      <a:tcPr/>
+                    </a:tc>
+                    <a:tc>
+                      <a:txBody>
+                        <a:bodyPr/>
+                        <a:lstStyle/>
+                        <a:p>
+                          <a:pPr marL="0" marR="0" lvl="0" indent="0" algn="l" defTabSz="914400" rtl="0" eaLnBrk="1" fontAlgn="auto" latinLnBrk="0" hangingPunct="1">
+                            <a:lnSpc>
+                              <a:spcPct val="100000"/>
+                            </a:lnSpc>
+                            <a:spcBef>
+                              <a:spcPts val="0"/>
+                            </a:spcBef>
+                            <a:spcAft>
+                              <a:spcPts val="0"/>
+                            </a:spcAft>
+                            <a:buClrTx/>
+                            <a:buSzTx/>
+                            <a:buFontTx/>
+                            <a:buNone/>
+                            <a:tabLst/>
+                            <a:defRPr/>
+                          </a:pPr>
+                          <a14:m>
+                            <m:oMathPara xmlns:m="http://schemas.openxmlformats.org/officeDocument/2006/math">
+                              <m:oMathParaPr>
+                                <m:jc m:val="centerGroup"/>
+                              </m:oMathParaPr>
+                              <m:oMath xmlns:m="http://schemas.openxmlformats.org/officeDocument/2006/math">
+                                <m:sSub>
+                                  <m:sSubPr>
+                                    <m:ctrlPr>
+                                      <a:rPr kumimoji="1" lang="en-US" altLang="ja-JP" b="0" i="1" smtClean="0">
+                                        <a:latin typeface="Cambria Math" panose="02040503050406030204" pitchFamily="18" charset="0"/>
+                                      </a:rPr>
+                                    </m:ctrlPr>
+                                  </m:sSubPr>
+                                  <m:e>
+                                    <m:r>
+                                      <a:rPr kumimoji="1" lang="en-US" altLang="ja-JP" b="0" i="1" smtClean="0">
+                                        <a:latin typeface="Cambria Math" panose="02040503050406030204" pitchFamily="18" charset="0"/>
+                                      </a:rPr>
+                                      <m:t>𝑔</m:t>
+                                    </m:r>
+                                  </m:e>
+                                  <m:sub>
+                                    <m:r>
+                                      <a:rPr kumimoji="1" lang="en-US" altLang="ja-JP" b="0" i="1" smtClean="0">
+                                        <a:latin typeface="Cambria Math" panose="02040503050406030204" pitchFamily="18" charset="0"/>
+                                      </a:rPr>
+                                      <m:t>𝑚</m:t>
+                                    </m:r>
+                                  </m:sub>
+                                </m:sSub>
+                                <m:r>
+                                  <a:rPr kumimoji="1" lang="en-US" altLang="ja-JP" b="0" i="1" smtClean="0">
+                                    <a:latin typeface="Cambria Math" panose="02040503050406030204" pitchFamily="18" charset="0"/>
+                                  </a:rPr>
+                                  <m:t>[</m:t>
+                                </m:r>
+                                <m:r>
+                                  <m:rPr>
+                                    <m:sty m:val="p"/>
+                                  </m:rPr>
+                                  <a:rPr kumimoji="1" lang="en-US" altLang="ja-JP" b="0" i="0" smtClean="0">
+                                    <a:latin typeface="Cambria Math" panose="02040503050406030204" pitchFamily="18" charset="0"/>
+                                  </a:rPr>
+                                  <m:t>mS</m:t>
+                                </m:r>
+                                <m:r>
+                                  <a:rPr kumimoji="1" lang="en-US" altLang="ja-JP" b="0" i="1" smtClean="0">
+                                    <a:latin typeface="Cambria Math" panose="02040503050406030204" pitchFamily="18" charset="0"/>
+                                  </a:rPr>
+                                  <m:t>]</m:t>
+                                </m:r>
+                              </m:oMath>
+                            </m:oMathPara>
+                          </a14:m>
+                          <a:endParaRPr kumimoji="1" lang="ja-JP" altLang="en-US" dirty="0"/>
+                        </a:p>
+                      </a:txBody>
+                      <a:tcPr/>
+                    </a:tc>
+                    <a:tc>
+                      <a:txBody>
+                        <a:bodyPr/>
+                        <a:lstStyle/>
+                        <a:p>
+                          <a:pPr marL="0" marR="0" lvl="0" indent="0" algn="l" defTabSz="914400" rtl="0" eaLnBrk="1" fontAlgn="auto" latinLnBrk="0" hangingPunct="1">
+                            <a:lnSpc>
+                              <a:spcPct val="100000"/>
+                            </a:lnSpc>
+                            <a:spcBef>
+                              <a:spcPts val="0"/>
+                            </a:spcBef>
+                            <a:spcAft>
+                              <a:spcPts val="0"/>
+                            </a:spcAft>
+                            <a:buClrTx/>
+                            <a:buSzTx/>
+                            <a:buFontTx/>
+                            <a:buNone/>
+                            <a:tabLst/>
+                            <a:defRPr/>
+                          </a:pPr>
+                          <a14:m>
+                            <m:oMathPara xmlns:m="http://schemas.openxmlformats.org/officeDocument/2006/math">
+                              <m:oMathParaPr>
+                                <m:jc m:val="centerGroup"/>
+                              </m:oMathParaPr>
+                              <m:oMath xmlns:m="http://schemas.openxmlformats.org/officeDocument/2006/math">
+                                <m:sSub>
+                                  <m:sSubPr>
+                                    <m:ctrlPr>
+                                      <a:rPr kumimoji="1" lang="en-US" altLang="ja-JP" b="0" i="1" smtClean="0">
+                                        <a:latin typeface="Cambria Math" panose="02040503050406030204" pitchFamily="18" charset="0"/>
+                                      </a:rPr>
+                                    </m:ctrlPr>
+                                  </m:sSubPr>
+                                  <m:e>
+                                    <m:r>
+                                      <a:rPr kumimoji="1" lang="en-US" altLang="ja-JP" b="0" i="1" smtClean="0">
+                                        <a:latin typeface="Cambria Math" panose="02040503050406030204" pitchFamily="18" charset="0"/>
+                                      </a:rPr>
+                                      <m:t>𝑉</m:t>
+                                    </m:r>
+                                  </m:e>
+                                  <m:sub>
+                                    <m:r>
+                                      <a:rPr kumimoji="1" lang="en-US" altLang="ja-JP" b="0" i="1" smtClean="0">
+                                        <a:latin typeface="Cambria Math" panose="02040503050406030204" pitchFamily="18" charset="0"/>
+                                      </a:rPr>
+                                      <m:t>𝑡h</m:t>
+                                    </m:r>
+                                  </m:sub>
+                                </m:sSub>
+                                <m:r>
+                                  <a:rPr kumimoji="1" lang="en-US" altLang="ja-JP" b="0" i="0" smtClean="0">
+                                    <a:latin typeface="Cambria Math" panose="02040503050406030204" pitchFamily="18" charset="0"/>
+                                  </a:rPr>
+                                  <m:t>[</m:t>
+                                </m:r>
+                                <m:r>
+                                  <m:rPr>
+                                    <m:sty m:val="p"/>
+                                  </m:rPr>
+                                  <a:rPr kumimoji="1" lang="en-US" altLang="ja-JP" b="0" i="0" smtClean="0">
+                                    <a:latin typeface="Cambria Math" panose="02040503050406030204" pitchFamily="18" charset="0"/>
+                                  </a:rPr>
+                                  <m:t>mV</m:t>
+                                </m:r>
+                                <m:r>
+                                  <a:rPr kumimoji="1" lang="en-US" altLang="ja-JP" b="0" i="0" smtClean="0">
+                                    <a:latin typeface="Cambria Math" panose="02040503050406030204" pitchFamily="18" charset="0"/>
+                                  </a:rPr>
+                                  <m:t>]</m:t>
+                                </m:r>
+                              </m:oMath>
+                            </m:oMathPara>
+                          </a14:m>
+                          <a:endParaRPr kumimoji="1" lang="ja-JP" altLang="en-US" dirty="0"/>
+                        </a:p>
+                      </a:txBody>
+                      <a:tcPr/>
+                    </a:tc>
+                    <a:tc>
+                      <a:txBody>
+                        <a:bodyPr/>
+                        <a:lstStyle/>
+                        <a:p>
+                          <a:pPr marL="0" marR="0" lvl="0" indent="0" algn="ctr" defTabSz="914400" rtl="0" eaLnBrk="1" fontAlgn="auto" latinLnBrk="0" hangingPunct="1">
+                            <a:lnSpc>
+                              <a:spcPct val="100000"/>
+                            </a:lnSpc>
+                            <a:spcBef>
+                              <a:spcPts val="0"/>
+                            </a:spcBef>
+                            <a:spcAft>
+                              <a:spcPts val="0"/>
+                            </a:spcAft>
+                            <a:buClrTx/>
+                            <a:buSzTx/>
+                            <a:buFontTx/>
+                            <a:buNone/>
+                            <a:tabLst/>
+                            <a:defRPr/>
+                          </a:pPr>
+                          <a14:m>
+                            <m:oMathPara xmlns:m="http://schemas.openxmlformats.org/officeDocument/2006/math">
+                              <m:oMathParaPr>
+                                <m:jc m:val="centerGroup"/>
+                              </m:oMathParaPr>
+                              <m:oMath xmlns:m="http://schemas.openxmlformats.org/officeDocument/2006/math">
+                                <m:sSub>
+                                  <m:sSubPr>
+                                    <m:ctrlPr>
+                                      <a:rPr kumimoji="1" lang="en-US" altLang="ja-JP" b="0" i="1" smtClean="0">
+                                        <a:latin typeface="Cambria Math" panose="02040503050406030204" pitchFamily="18" charset="0"/>
+                                      </a:rPr>
+                                    </m:ctrlPr>
+                                  </m:sSubPr>
+                                  <m:e>
+                                    <m:r>
+                                      <a:rPr kumimoji="1" lang="en-US" altLang="ja-JP" b="0" i="1" smtClean="0">
+                                        <a:latin typeface="Cambria Math" panose="02040503050406030204" pitchFamily="18" charset="0"/>
+                                      </a:rPr>
+                                      <m:t>𝑔</m:t>
+                                    </m:r>
+                                  </m:e>
+                                  <m:sub>
+                                    <m:r>
+                                      <a:rPr kumimoji="1" lang="en-US" altLang="ja-JP" b="0" i="1" smtClean="0">
+                                        <a:latin typeface="Cambria Math" panose="02040503050406030204" pitchFamily="18" charset="0"/>
+                                      </a:rPr>
+                                      <m:t>𝑚</m:t>
+                                    </m:r>
+                                  </m:sub>
+                                </m:sSub>
+                                <m:r>
+                                  <a:rPr kumimoji="1" lang="en-US" altLang="ja-JP" b="0" i="1" smtClean="0">
+                                    <a:latin typeface="Cambria Math" panose="02040503050406030204" pitchFamily="18" charset="0"/>
+                                  </a:rPr>
+                                  <m:t>[</m:t>
+                                </m:r>
+                                <m:r>
+                                  <m:rPr>
+                                    <m:sty m:val="p"/>
+                                  </m:rPr>
+                                  <a:rPr kumimoji="1" lang="en-US" altLang="ja-JP" b="0" i="0" smtClean="0">
+                                    <a:latin typeface="Cambria Math" panose="02040503050406030204" pitchFamily="18" charset="0"/>
+                                  </a:rPr>
+                                  <m:t>mS</m:t>
+                                </m:r>
+                                <m:r>
+                                  <a:rPr kumimoji="1" lang="en-US" altLang="ja-JP" b="0" i="1" smtClean="0">
+                                    <a:latin typeface="Cambria Math" panose="02040503050406030204" pitchFamily="18" charset="0"/>
+                                  </a:rPr>
+                                  <m:t>]</m:t>
+                                </m:r>
+                              </m:oMath>
+                            </m:oMathPara>
+                          </a14:m>
+                          <a:endParaRPr kumimoji="1" lang="ja-JP" altLang="en-US" dirty="0"/>
+                        </a:p>
+                      </a:txBody>
+                      <a:tcPr/>
+                    </a:tc>
+                    <a:tc>
+                      <a:txBody>
+                        <a:bodyPr/>
+                        <a:lstStyle/>
+                        <a:p>
+                          <a:pPr marL="0" marR="0" lvl="0" indent="0" algn="ctr" defTabSz="914400" rtl="0" eaLnBrk="1" fontAlgn="auto" latinLnBrk="0" hangingPunct="1">
+                            <a:lnSpc>
+                              <a:spcPct val="100000"/>
+                            </a:lnSpc>
+                            <a:spcBef>
+                              <a:spcPts val="0"/>
+                            </a:spcBef>
+                            <a:spcAft>
+                              <a:spcPts val="0"/>
+                            </a:spcAft>
+                            <a:buClrTx/>
+                            <a:buSzTx/>
+                            <a:buFontTx/>
+                            <a:buNone/>
+                            <a:tabLst/>
+                            <a:defRPr/>
+                          </a:pPr>
+                          <a14:m>
+                            <m:oMathPara xmlns:m="http://schemas.openxmlformats.org/officeDocument/2006/math">
+                              <m:oMathParaPr>
+                                <m:jc m:val="centerGroup"/>
+                              </m:oMathParaPr>
+                              <m:oMath xmlns:m="http://schemas.openxmlformats.org/officeDocument/2006/math">
+                                <m:sSub>
+                                  <m:sSubPr>
+                                    <m:ctrlPr>
+                                      <a:rPr kumimoji="1" lang="en-US" altLang="ja-JP" b="0" i="1" smtClean="0">
+                                        <a:latin typeface="Cambria Math" panose="02040503050406030204" pitchFamily="18" charset="0"/>
+                                      </a:rPr>
+                                    </m:ctrlPr>
+                                  </m:sSubPr>
+                                  <m:e>
+                                    <m:r>
+                                      <a:rPr kumimoji="1" lang="en-US" altLang="ja-JP" b="0" i="1" smtClean="0">
+                                        <a:latin typeface="Cambria Math" panose="02040503050406030204" pitchFamily="18" charset="0"/>
+                                      </a:rPr>
+                                      <m:t>𝑉</m:t>
+                                    </m:r>
+                                  </m:e>
+                                  <m:sub>
+                                    <m:r>
+                                      <a:rPr kumimoji="1" lang="en-US" altLang="ja-JP" b="0" i="1" smtClean="0">
+                                        <a:latin typeface="Cambria Math" panose="02040503050406030204" pitchFamily="18" charset="0"/>
+                                      </a:rPr>
+                                      <m:t>𝑡h</m:t>
+                                    </m:r>
+                                  </m:sub>
+                                </m:sSub>
+                                <m:r>
+                                  <a:rPr kumimoji="1" lang="en-US" altLang="ja-JP" b="0" i="0" smtClean="0">
+                                    <a:latin typeface="Cambria Math" panose="02040503050406030204" pitchFamily="18" charset="0"/>
+                                  </a:rPr>
+                                  <m:t>[</m:t>
+                                </m:r>
+                                <m:r>
+                                  <m:rPr>
+                                    <m:sty m:val="p"/>
+                                  </m:rPr>
+                                  <a:rPr kumimoji="1" lang="en-US" altLang="ja-JP" b="0" i="0" smtClean="0">
+                                    <a:latin typeface="Cambria Math" panose="02040503050406030204" pitchFamily="18" charset="0"/>
+                                  </a:rPr>
+                                  <m:t>mV</m:t>
+                                </m:r>
+                                <m:r>
+                                  <a:rPr kumimoji="1" lang="en-US" altLang="ja-JP" b="0" i="0" smtClean="0">
+                                    <a:latin typeface="Cambria Math" panose="02040503050406030204" pitchFamily="18" charset="0"/>
+                                  </a:rPr>
+                                  <m:t>]</m:t>
+                                </m:r>
+                              </m:oMath>
+                            </m:oMathPara>
+                          </a14:m>
+                          <a:endParaRPr kumimoji="1" lang="ja-JP" altLang="en-US" dirty="0"/>
+                        </a:p>
+                      </a:txBody>
+                      <a:tcPr/>
+                    </a:tc>
+                    <a:extLst>
+                      <a:ext uri="{0D108BD9-81ED-4DB2-BD59-A6C34878D82A}">
+                        <a16:rowId xmlns:a16="http://schemas.microsoft.com/office/drawing/2014/main" val="2811531249"/>
+                      </a:ext>
+                    </a:extLst>
+                  </a:tr>
+                  <a:tr h="370840">
+                    <a:tc>
+                      <a:txBody>
+                        <a:bodyPr/>
+                        <a:lstStyle/>
+                        <a:p>
+                          <a:pPr marL="0" marR="0" lvl="0" indent="0" algn="ctr" defTabSz="914400" rtl="0" eaLnBrk="1" fontAlgn="auto" latinLnBrk="0" hangingPunct="1">
+                            <a:lnSpc>
+                              <a:spcPct val="100000"/>
+                            </a:lnSpc>
+                            <a:spcBef>
+                              <a:spcPts val="0"/>
+                            </a:spcBef>
+                            <a:spcAft>
+                              <a:spcPts val="0"/>
+                            </a:spcAft>
+                            <a:buClrTx/>
+                            <a:buSzTx/>
+                            <a:buFontTx/>
+                            <a:buNone/>
+                            <a:tabLst/>
+                            <a:defRPr/>
+                          </a:pPr>
+                          <a14:m>
+                            <m:oMathPara xmlns:m="http://schemas.openxmlformats.org/officeDocument/2006/math">
+                              <m:oMathParaPr>
+                                <m:jc m:val="centerGroup"/>
+                              </m:oMathParaPr>
+                              <m:oMath xmlns:m="http://schemas.openxmlformats.org/officeDocument/2006/math">
+                                <m:sSub>
+                                  <m:sSubPr>
+                                    <m:ctrlPr>
+                                      <a:rPr kumimoji="1" lang="en-US" altLang="ja-JP" sz="1800" b="0" i="1" u="none" strike="noStrike" kern="1200" cap="none" spc="0" normalizeH="0" baseline="0" noProof="0" smtClean="0">
+                                        <a:ln>
+                                          <a:noFill/>
+                                        </a:ln>
+                                        <a:solidFill>
+                                          <a:prstClr val="black"/>
+                                        </a:solidFill>
+                                        <a:effectLst/>
+                                        <a:uLnTx/>
+                                        <a:uFillTx/>
+                                        <a:latin typeface="Cambria Math" panose="02040503050406030204" pitchFamily="18" charset="0"/>
+                                        <a:ea typeface="+mn-ea"/>
+                                        <a:cs typeface="+mn-cs"/>
+                                      </a:rPr>
+                                    </m:ctrlPr>
+                                  </m:sSubPr>
+                                  <m:e>
+                                    <m:r>
+                                      <a:rPr kumimoji="1" lang="en-US" altLang="ja-JP" sz="1800" b="0" i="1" u="none" strike="noStrike" kern="1200" cap="none" spc="0" normalizeH="0" baseline="0" noProof="0" smtClean="0">
+                                        <a:ln>
+                                          <a:noFill/>
+                                        </a:ln>
+                                        <a:solidFill>
+                                          <a:prstClr val="black"/>
+                                        </a:solidFill>
+                                        <a:effectLst/>
+                                        <a:uLnTx/>
+                                        <a:uFillTx/>
+                                        <a:latin typeface="Cambria Math" panose="02040503050406030204" pitchFamily="18" charset="0"/>
+                                        <a:ea typeface="+mn-ea"/>
+                                        <a:cs typeface="+mn-cs"/>
+                                      </a:rPr>
+                                      <m:t>𝑀</m:t>
+                                    </m:r>
+                                  </m:e>
+                                  <m:sub>
+                                    <m:r>
+                                      <a:rPr kumimoji="1" lang="en-US" altLang="ja-JP" sz="1800" b="0" i="1" u="none" strike="noStrike" kern="1200" cap="none" spc="0" normalizeH="0" baseline="0" noProof="0" smtClean="0">
+                                        <a:ln>
+                                          <a:noFill/>
+                                        </a:ln>
+                                        <a:solidFill>
+                                          <a:prstClr val="black"/>
+                                        </a:solidFill>
+                                        <a:effectLst/>
+                                        <a:uLnTx/>
+                                        <a:uFillTx/>
+                                        <a:latin typeface="Cambria Math" panose="02040503050406030204" pitchFamily="18" charset="0"/>
+                                        <a:ea typeface="+mn-ea"/>
+                                        <a:cs typeface="+mn-cs"/>
+                                      </a:rPr>
+                                      <m:t>𝐴</m:t>
+                                    </m:r>
+                                  </m:sub>
+                                </m:sSub>
+                              </m:oMath>
+                            </m:oMathPara>
+                          </a14:m>
+                          <a:endParaRPr kumimoji="1" lang="ja-JP" altLang="en-US" dirty="0"/>
+                        </a:p>
+                      </a:txBody>
+                      <a:tcPr/>
+                    </a:tc>
+                    <a:tc>
+                      <a:txBody>
+                        <a:bodyPr/>
+                        <a:lstStyle/>
+                        <a:p>
+                          <a:pPr marL="0" marR="0" lvl="0" indent="0" algn="ctr" defTabSz="914400" rtl="0" eaLnBrk="1" fontAlgn="auto" latinLnBrk="0" hangingPunct="1">
+                            <a:lnSpc>
+                              <a:spcPct val="100000"/>
+                            </a:lnSpc>
+                            <a:spcBef>
+                              <a:spcPts val="0"/>
+                            </a:spcBef>
+                            <a:spcAft>
+                              <a:spcPts val="0"/>
+                            </a:spcAft>
+                            <a:buClrTx/>
+                            <a:buSzTx/>
+                            <a:buFontTx/>
+                            <a:buNone/>
+                            <a:tabLst/>
+                            <a:defRPr/>
+                          </a:pPr>
+                          <a14:m>
+                            <m:oMathPara xmlns:m="http://schemas.openxmlformats.org/officeDocument/2006/math">
+                              <m:oMathParaPr>
+                                <m:jc m:val="centerGroup"/>
+                              </m:oMathParaPr>
+                              <m:oMath xmlns:m="http://schemas.openxmlformats.org/officeDocument/2006/math">
+                                <m:r>
+                                  <a:rPr kumimoji="1" lang="en-US" altLang="ja-JP" b="0" i="1" smtClean="0">
+                                    <a:latin typeface="Cambria Math" panose="02040503050406030204" pitchFamily="18" charset="0"/>
+                                  </a:rPr>
+                                  <m:t>1.25</m:t>
+                                </m:r>
+                              </m:oMath>
+                            </m:oMathPara>
+                          </a14:m>
+                          <a:endParaRPr kumimoji="1" lang="ja-JP" altLang="en-US" dirty="0"/>
+                        </a:p>
+                      </a:txBody>
+                      <a:tcPr/>
+                    </a:tc>
+                    <a:tc rowSpan="3">
+                      <a:txBody>
+                        <a:bodyPr/>
+                        <a:lstStyle/>
+                        <a:p>
+                          <a:pPr marL="0" marR="0" lvl="0" indent="0" algn="ctr" defTabSz="914400" rtl="0" eaLnBrk="1" fontAlgn="auto" latinLnBrk="0" hangingPunct="1">
+                            <a:lnSpc>
+                              <a:spcPct val="100000"/>
+                            </a:lnSpc>
+                            <a:spcBef>
+                              <a:spcPts val="0"/>
+                            </a:spcBef>
+                            <a:spcAft>
+                              <a:spcPts val="0"/>
+                            </a:spcAft>
+                            <a:buClrTx/>
+                            <a:buSzTx/>
+                            <a:buFontTx/>
+                            <a:buNone/>
+                            <a:tabLst/>
+                            <a:defRPr/>
+                          </a:pPr>
+                          <a14:m>
+                            <m:oMathPara xmlns:m="http://schemas.openxmlformats.org/officeDocument/2006/math">
+                              <m:oMathParaPr>
+                                <m:jc m:val="centerGroup"/>
+                              </m:oMathParaPr>
+                              <m:oMath xmlns:m="http://schemas.openxmlformats.org/officeDocument/2006/math">
+                                <m:r>
+                                  <a:rPr kumimoji="1" lang="en-US" altLang="ja-JP" b="0" i="1" smtClean="0">
+                                    <a:latin typeface="Cambria Math" panose="02040503050406030204" pitchFamily="18" charset="0"/>
+                                  </a:rPr>
+                                  <m:t>500</m:t>
+                                </m:r>
+                              </m:oMath>
+                            </m:oMathPara>
+                          </a14:m>
+                          <a:endParaRPr kumimoji="1" lang="ja-JP" altLang="en-US" dirty="0"/>
+                        </a:p>
+                      </a:txBody>
+                      <a:tcPr anchor="ctr" anchorCtr="1"/>
+                    </a:tc>
+                    <a:tc>
+                      <a:txBody>
+                        <a:bodyPr/>
+                        <a:lstStyle/>
+                        <a:p>
+                          <a:pPr marL="0" marR="0" lvl="0" indent="0" algn="ctr" defTabSz="914400" rtl="0" eaLnBrk="1" fontAlgn="auto" latinLnBrk="0" hangingPunct="1">
+                            <a:lnSpc>
+                              <a:spcPct val="100000"/>
+                            </a:lnSpc>
+                            <a:spcBef>
+                              <a:spcPts val="0"/>
+                            </a:spcBef>
+                            <a:spcAft>
+                              <a:spcPts val="0"/>
+                            </a:spcAft>
+                            <a:buClrTx/>
+                            <a:buSzTx/>
+                            <a:buFontTx/>
+                            <a:buNone/>
+                            <a:tabLst/>
+                            <a:defRPr/>
+                          </a:pPr>
+                          <a14:m>
+                            <m:oMathPara xmlns:m="http://schemas.openxmlformats.org/officeDocument/2006/math">
+                              <m:oMathParaPr>
+                                <m:jc m:val="centerGroup"/>
+                              </m:oMathParaPr>
+                              <m:oMath xmlns:m="http://schemas.openxmlformats.org/officeDocument/2006/math">
+                                <m:r>
+                                  <a:rPr kumimoji="1" lang="en-US" altLang="ja-JP" sz="1800" b="0" i="1" u="none" strike="noStrike" kern="1200" cap="none" spc="0" normalizeH="0" baseline="0" noProof="0" smtClean="0">
+                                    <a:ln>
+                                      <a:noFill/>
+                                    </a:ln>
+                                    <a:solidFill>
+                                      <a:prstClr val="black"/>
+                                    </a:solidFill>
+                                    <a:effectLst/>
+                                    <a:uLnTx/>
+                                    <a:uFillTx/>
+                                    <a:latin typeface="Cambria Math" panose="02040503050406030204" pitchFamily="18" charset="0"/>
+                                    <a:ea typeface="+mn-ea"/>
+                                    <a:cs typeface="+mn-cs"/>
+                                  </a:rPr>
+                                  <m:t>2.524</m:t>
+                                </m:r>
+                              </m:oMath>
+                            </m:oMathPara>
+                          </a14:m>
+                        </a:p>
+                      </a:txBody>
+                      <a:tcPr/>
+                    </a:tc>
+                    <a:tc>
+                      <a:txBody>
+                        <a:bodyPr/>
+                        <a:lstStyle/>
+                        <a:p>
+                          <a:pPr marL="0" marR="0" lvl="0" indent="0" algn="ctr" defTabSz="914400" rtl="0" eaLnBrk="1" fontAlgn="auto" latinLnBrk="0" hangingPunct="1">
+                            <a:lnSpc>
+                              <a:spcPct val="100000"/>
+                            </a:lnSpc>
+                            <a:spcBef>
+                              <a:spcPts val="0"/>
+                            </a:spcBef>
+                            <a:spcAft>
+                              <a:spcPts val="0"/>
+                            </a:spcAft>
+                            <a:buClrTx/>
+                            <a:buSzTx/>
+                            <a:buFontTx/>
+                            <a:buNone/>
+                            <a:tabLst/>
+                            <a:defRPr/>
+                          </a:pPr>
+                          <a14:m>
+                            <m:oMathPara xmlns:m="http://schemas.openxmlformats.org/officeDocument/2006/math">
+                              <m:oMathParaPr>
+                                <m:jc m:val="centerGroup"/>
+                              </m:oMathParaPr>
+                              <m:oMath xmlns:m="http://schemas.openxmlformats.org/officeDocument/2006/math">
+                                <m:r>
+                                  <a:rPr kumimoji="1" lang="en-US" altLang="ja-JP" b="0" i="1" smtClean="0">
+                                    <a:latin typeface="Cambria Math" panose="02040503050406030204" pitchFamily="18" charset="0"/>
+                                  </a:rPr>
+                                  <m:t>558.8</m:t>
+                                </m:r>
+                              </m:oMath>
+                            </m:oMathPara>
+                          </a14:m>
+                          <a:endParaRPr kumimoji="1" lang="ja-JP" altLang="en-US" dirty="0"/>
+                        </a:p>
+                      </a:txBody>
+                      <a:tcPr/>
+                    </a:tc>
+                    <a:extLst>
+                      <a:ext uri="{0D108BD9-81ED-4DB2-BD59-A6C34878D82A}">
+                        <a16:rowId xmlns:a16="http://schemas.microsoft.com/office/drawing/2014/main" val="4178671814"/>
+                      </a:ext>
+                    </a:extLst>
+                  </a:tr>
+                  <a:tr h="370840">
+                    <a:tc>
+                      <a:txBody>
+                        <a:bodyPr/>
+                        <a:lstStyle/>
+                        <a:p>
+                          <a:pPr algn="ctr"/>
+                          <a14:m>
+                            <m:oMathPara xmlns:m="http://schemas.openxmlformats.org/officeDocument/2006/math">
+                              <m:oMathParaPr>
+                                <m:jc m:val="centerGroup"/>
+                              </m:oMathParaPr>
+                              <m:oMath xmlns:m="http://schemas.openxmlformats.org/officeDocument/2006/math">
+                                <m:sSub>
+                                  <m:sSubPr>
+                                    <m:ctrlPr>
+                                      <a:rPr kumimoji="1" lang="en-US" altLang="ja-JP" b="0" i="1" smtClean="0">
+                                        <a:latin typeface="Cambria Math" panose="02040503050406030204" pitchFamily="18" charset="0"/>
+                                      </a:rPr>
+                                    </m:ctrlPr>
+                                  </m:sSubPr>
+                                  <m:e>
+                                    <m:r>
+                                      <a:rPr kumimoji="1" lang="en-US" altLang="ja-JP" b="0" i="1" smtClean="0">
+                                        <a:latin typeface="Cambria Math" panose="02040503050406030204" pitchFamily="18" charset="0"/>
+                                      </a:rPr>
+                                      <m:t>𝑀</m:t>
+                                    </m:r>
+                                  </m:e>
+                                  <m:sub>
+                                    <m:r>
+                                      <a:rPr kumimoji="1" lang="en-US" altLang="ja-JP" b="0" i="1" smtClean="0">
+                                        <a:latin typeface="Cambria Math" panose="02040503050406030204" pitchFamily="18" charset="0"/>
+                                      </a:rPr>
+                                      <m:t>𝐵</m:t>
+                                    </m:r>
+                                  </m:sub>
+                                </m:sSub>
+                              </m:oMath>
+                            </m:oMathPara>
+                          </a14:m>
+                          <a:endParaRPr kumimoji="1" lang="ja-JP" altLang="en-US" dirty="0"/>
+                        </a:p>
+                      </a:txBody>
+                      <a:tcPr/>
+                    </a:tc>
+                    <a:tc>
+                      <a:txBody>
+                        <a:bodyPr/>
+                        <a:lstStyle/>
+                        <a:p>
+                          <a:pPr marL="0" marR="0" lvl="0" indent="0" algn="ctr" defTabSz="914400" rtl="0" eaLnBrk="1" fontAlgn="auto" latinLnBrk="0" hangingPunct="1">
+                            <a:lnSpc>
+                              <a:spcPct val="100000"/>
+                            </a:lnSpc>
+                            <a:spcBef>
+                              <a:spcPts val="0"/>
+                            </a:spcBef>
+                            <a:spcAft>
+                              <a:spcPts val="0"/>
+                            </a:spcAft>
+                            <a:buClrTx/>
+                            <a:buSzTx/>
+                            <a:buFontTx/>
+                            <a:buNone/>
+                            <a:tabLst/>
+                            <a:defRPr/>
+                          </a:pPr>
+                          <a14:m>
+                            <m:oMathPara xmlns:m="http://schemas.openxmlformats.org/officeDocument/2006/math">
+                              <m:oMathParaPr>
+                                <m:jc m:val="centerGroup"/>
+                              </m:oMathParaPr>
+                              <m:oMath xmlns:m="http://schemas.openxmlformats.org/officeDocument/2006/math">
+                                <m:r>
+                                  <a:rPr kumimoji="1" lang="en-US" altLang="ja-JP" sz="1800" b="0" i="1" u="none" strike="noStrike" kern="1200" cap="none" spc="0" normalizeH="0" baseline="0" noProof="0" smtClean="0">
+                                    <a:ln>
+                                      <a:noFill/>
+                                    </a:ln>
+                                    <a:solidFill>
+                                      <a:prstClr val="black"/>
+                                    </a:solidFill>
+                                    <a:effectLst/>
+                                    <a:uLnTx/>
+                                    <a:uFillTx/>
+                                    <a:latin typeface="Cambria Math" panose="02040503050406030204" pitchFamily="18" charset="0"/>
+                                    <a:ea typeface="游ゴシック" panose="020B0400000000000000" pitchFamily="50" charset="-128"/>
+                                    <a:cs typeface="+mn-cs"/>
+                                  </a:rPr>
+                                  <m:t>2.5</m:t>
+                                </m:r>
+                              </m:oMath>
+                            </m:oMathPara>
+                          </a14:m>
+                          <a:endParaRPr kumimoji="1" lang="ja-JP" altLang="en-US" dirty="0"/>
+                        </a:p>
+                      </a:txBody>
+                      <a:tcPr/>
+                    </a:tc>
+                    <a:tc vMerge="1">
+                      <a:txBody>
+                        <a:bodyPr/>
+                        <a:lstStyle/>
+                        <a:p>
+                          <a:pPr marL="0" marR="0" lvl="0" indent="0" algn="ctr" defTabSz="914400" rtl="0" eaLnBrk="1" fontAlgn="auto" latinLnBrk="0" hangingPunct="1">
+                            <a:lnSpc>
+                              <a:spcPct val="100000"/>
+                            </a:lnSpc>
+                            <a:spcBef>
+                              <a:spcPts val="0"/>
+                            </a:spcBef>
+                            <a:spcAft>
+                              <a:spcPts val="0"/>
+                            </a:spcAft>
+                            <a:buClrTx/>
+                            <a:buSzTx/>
+                            <a:buFontTx/>
+                            <a:buNone/>
+                            <a:tabLst/>
+                            <a:defRPr/>
+                          </a:pPr>
+                          <a:endParaRPr kumimoji="1" lang="ja-JP" altLang="en-US" dirty="0"/>
+                        </a:p>
+                      </a:txBody>
+                      <a:tcPr/>
+                    </a:tc>
+                    <a:tc>
+                      <a:txBody>
+                        <a:bodyPr/>
+                        <a:lstStyle/>
+                        <a:p>
+                          <a:pPr algn="ctr"/>
+                          <a14:m>
+                            <m:oMathPara xmlns:m="http://schemas.openxmlformats.org/officeDocument/2006/math">
+                              <m:oMathParaPr>
+                                <m:jc m:val="centerGroup"/>
+                              </m:oMathParaPr>
+                              <m:oMath xmlns:m="http://schemas.openxmlformats.org/officeDocument/2006/math">
+                                <m:r>
+                                  <a:rPr kumimoji="1" lang="en-US" altLang="ja-JP" sz="1800" b="0" i="1" u="none" strike="noStrike" kern="1200" cap="none" spc="0" normalizeH="0" baseline="0" noProof="0" smtClean="0">
+                                    <a:ln>
+                                      <a:noFill/>
+                                    </a:ln>
+                                    <a:solidFill>
+                                      <a:prstClr val="black"/>
+                                    </a:solidFill>
+                                    <a:effectLst/>
+                                    <a:uLnTx/>
+                                    <a:uFillTx/>
+                                    <a:latin typeface="Cambria Math" panose="02040503050406030204" pitchFamily="18" charset="0"/>
+                                    <a:ea typeface="+mn-ea"/>
+                                    <a:cs typeface="+mn-cs"/>
+                                  </a:rPr>
+                                  <m:t>15.71</m:t>
+                                </m:r>
+                              </m:oMath>
+                            </m:oMathPara>
+                          </a14:m>
+                        </a:p>
+                      </a:txBody>
+                      <a:tcPr/>
+                    </a:tc>
+                    <a:tc>
+                      <a:txBody>
+                        <a:bodyPr/>
+                        <a:lstStyle/>
+                        <a:p>
+                          <a:pPr algn="ctr"/>
+                          <a14:m>
+                            <m:oMathPara xmlns:m="http://schemas.openxmlformats.org/officeDocument/2006/math">
+                              <m:oMathParaPr>
+                                <m:jc m:val="centerGroup"/>
+                              </m:oMathParaPr>
+                              <m:oMath xmlns:m="http://schemas.openxmlformats.org/officeDocument/2006/math">
+                                <m:r>
+                                  <a:rPr kumimoji="1" lang="en-US" altLang="ja-JP" sz="1800" b="0" i="1" u="none" strike="noStrike" kern="1200" cap="none" spc="0" normalizeH="0" baseline="0" noProof="0" smtClean="0">
+                                    <a:ln>
+                                      <a:noFill/>
+                                    </a:ln>
+                                    <a:solidFill>
+                                      <a:prstClr val="black"/>
+                                    </a:solidFill>
+                                    <a:effectLst/>
+                                    <a:uLnTx/>
+                                    <a:uFillTx/>
+                                    <a:latin typeface="Cambria Math" panose="02040503050406030204" pitchFamily="18" charset="0"/>
+                                    <a:ea typeface="游ゴシック" panose="020B0400000000000000" pitchFamily="50" charset="-128"/>
+                                    <a:cs typeface="+mn-cs"/>
+                                  </a:rPr>
+                                  <m:t>509.4</m:t>
+                                </m:r>
+                              </m:oMath>
+                            </m:oMathPara>
+                          </a14:m>
+                          <a:endParaRPr kumimoji="1" lang="ja-JP" altLang="en-US" dirty="0"/>
+                        </a:p>
+                      </a:txBody>
+                      <a:tcPr/>
+                    </a:tc>
+                    <a:extLst>
+                      <a:ext uri="{0D108BD9-81ED-4DB2-BD59-A6C34878D82A}">
+                        <a16:rowId xmlns:a16="http://schemas.microsoft.com/office/drawing/2014/main" val="3089626891"/>
+                      </a:ext>
+                    </a:extLst>
+                  </a:tr>
+                  <a:tr h="370840">
+                    <a:tc>
+                      <a:txBody>
+                        <a:bodyPr/>
+                        <a:lstStyle/>
+                        <a:p>
+                          <a:pPr algn="ctr"/>
+                          <a14:m>
+                            <m:oMathPara xmlns:m="http://schemas.openxmlformats.org/officeDocument/2006/math">
+                              <m:oMathParaPr>
+                                <m:jc m:val="centerGroup"/>
+                              </m:oMathParaPr>
+                              <m:oMath xmlns:m="http://schemas.openxmlformats.org/officeDocument/2006/math">
+                                <m:sSub>
+                                  <m:sSubPr>
+                                    <m:ctrlPr>
+                                      <a:rPr kumimoji="1" lang="en-US" altLang="ja-JP" b="0" i="1" smtClean="0">
+                                        <a:latin typeface="Cambria Math" panose="02040503050406030204" pitchFamily="18" charset="0"/>
+                                      </a:rPr>
+                                    </m:ctrlPr>
+                                  </m:sSubPr>
+                                  <m:e>
+                                    <m:r>
+                                      <a:rPr kumimoji="1" lang="en-US" altLang="ja-JP" b="0" i="1" smtClean="0">
+                                        <a:latin typeface="Cambria Math" panose="02040503050406030204" pitchFamily="18" charset="0"/>
+                                      </a:rPr>
+                                      <m:t>𝑀</m:t>
+                                    </m:r>
+                                  </m:e>
+                                  <m:sub>
+                                    <m:r>
+                                      <a:rPr kumimoji="1" lang="en-US" altLang="ja-JP" b="0" i="1" smtClean="0">
+                                        <a:latin typeface="Cambria Math" panose="02040503050406030204" pitchFamily="18" charset="0"/>
+                                      </a:rPr>
+                                      <m:t>𝐶</m:t>
+                                    </m:r>
+                                  </m:sub>
+                                </m:sSub>
+                              </m:oMath>
+                            </m:oMathPara>
+                          </a14:m>
+                          <a:endParaRPr kumimoji="1" lang="ja-JP" altLang="en-US" dirty="0"/>
+                        </a:p>
+                      </a:txBody>
+                      <a:tcPr/>
+                    </a:tc>
+                    <a:tc>
+                      <a:txBody>
+                        <a:bodyPr/>
+                        <a:lstStyle/>
+                        <a:p>
+                          <a:pPr marL="0" marR="0" lvl="0" indent="0" algn="ctr" defTabSz="914400" rtl="0" eaLnBrk="1" fontAlgn="auto" latinLnBrk="0" hangingPunct="1">
+                            <a:lnSpc>
+                              <a:spcPct val="100000"/>
+                            </a:lnSpc>
+                            <a:spcBef>
+                              <a:spcPts val="0"/>
+                            </a:spcBef>
+                            <a:spcAft>
+                              <a:spcPts val="0"/>
+                            </a:spcAft>
+                            <a:buClrTx/>
+                            <a:buSzTx/>
+                            <a:buFontTx/>
+                            <a:buNone/>
+                            <a:tabLst/>
+                            <a:defRPr/>
+                          </a:pPr>
+                          <a14:m>
+                            <m:oMathPara xmlns:m="http://schemas.openxmlformats.org/officeDocument/2006/math">
+                              <m:oMathParaPr>
+                                <m:jc m:val="centerGroup"/>
+                              </m:oMathParaPr>
+                              <m:oMath xmlns:m="http://schemas.openxmlformats.org/officeDocument/2006/math">
+                                <m:r>
+                                  <a:rPr kumimoji="1" lang="en-US" altLang="ja-JP" sz="1800" b="0" i="1" u="none" strike="noStrike" kern="1200" cap="none" spc="0" normalizeH="0" baseline="0" noProof="0" smtClean="0">
+                                    <a:ln>
+                                      <a:noFill/>
+                                    </a:ln>
+                                    <a:solidFill>
+                                      <a:prstClr val="black"/>
+                                    </a:solidFill>
+                                    <a:effectLst/>
+                                    <a:uLnTx/>
+                                    <a:uFillTx/>
+                                    <a:latin typeface="Cambria Math" panose="02040503050406030204" pitchFamily="18" charset="0"/>
+                                    <a:ea typeface="游ゴシック" panose="020B0400000000000000" pitchFamily="50" charset="-128"/>
+                                    <a:cs typeface="+mn-cs"/>
+                                  </a:rPr>
+                                  <m:t>5</m:t>
+                                </m:r>
+                              </m:oMath>
+                            </m:oMathPara>
+                          </a14:m>
+                          <a:endParaRPr kumimoji="1" lang="ja-JP" altLang="en-US" dirty="0"/>
+                        </a:p>
+                      </a:txBody>
+                      <a:tcPr/>
+                    </a:tc>
+                    <a:tc vMerge="1">
+                      <a:txBody>
+                        <a:bodyPr/>
+                        <a:lstStyle/>
+                        <a:p>
+                          <a:pPr marL="0" marR="0" lvl="0" indent="0" algn="ctr" defTabSz="914400" rtl="0" eaLnBrk="1" fontAlgn="auto" latinLnBrk="0" hangingPunct="1">
+                            <a:lnSpc>
+                              <a:spcPct val="100000"/>
+                            </a:lnSpc>
+                            <a:spcBef>
+                              <a:spcPts val="0"/>
+                            </a:spcBef>
+                            <a:spcAft>
+                              <a:spcPts val="0"/>
+                            </a:spcAft>
+                            <a:buClrTx/>
+                            <a:buSzTx/>
+                            <a:buFontTx/>
+                            <a:buNone/>
+                            <a:tabLst/>
+                            <a:defRPr/>
+                          </a:pPr>
+                          <a:endParaRPr kumimoji="1" lang="ja-JP" altLang="en-US" dirty="0"/>
+                        </a:p>
+                      </a:txBody>
+                      <a:tcPr/>
+                    </a:tc>
+                    <a:tc>
+                      <a:txBody>
+                        <a:bodyPr/>
+                        <a:lstStyle/>
+                        <a:p>
+                          <a:pPr algn="ctr"/>
+                          <a14:m>
+                            <m:oMathPara xmlns:m="http://schemas.openxmlformats.org/officeDocument/2006/math">
+                              <m:oMathParaPr>
+                                <m:jc m:val="centerGroup"/>
+                              </m:oMathParaPr>
+                              <m:oMath xmlns:m="http://schemas.openxmlformats.org/officeDocument/2006/math">
+                                <m:r>
+                                  <a:rPr kumimoji="1" lang="en-US" altLang="ja-JP" sz="1800" b="0" i="1" u="none" strike="noStrike" kern="1200" cap="none" spc="0" normalizeH="0" baseline="0" noProof="0" smtClean="0">
+                                    <a:ln>
+                                      <a:noFill/>
+                                    </a:ln>
+                                    <a:solidFill>
+                                      <a:prstClr val="black"/>
+                                    </a:solidFill>
+                                    <a:effectLst/>
+                                    <a:uLnTx/>
+                                    <a:uFillTx/>
+                                    <a:latin typeface="Cambria Math" panose="02040503050406030204" pitchFamily="18" charset="0"/>
+                                    <a:ea typeface="+mn-ea"/>
+                                    <a:cs typeface="+mn-cs"/>
+                                  </a:rPr>
+                                  <m:t>26.83</m:t>
+                                </m:r>
+                              </m:oMath>
+                            </m:oMathPara>
+                          </a14:m>
+                        </a:p>
+                      </a:txBody>
+                      <a:tcPr/>
+                    </a:tc>
+                    <a:tc>
+                      <a:txBody>
+                        <a:bodyPr/>
+                        <a:lstStyle/>
+                        <a:p>
+                          <a:pPr algn="ctr"/>
+                          <a14:m>
+                            <m:oMathPara xmlns:m="http://schemas.openxmlformats.org/officeDocument/2006/math">
+                              <m:oMathParaPr>
+                                <m:jc m:val="centerGroup"/>
+                              </m:oMathParaPr>
+                              <m:oMath xmlns:m="http://schemas.openxmlformats.org/officeDocument/2006/math">
+                                <m:r>
+                                  <a:rPr kumimoji="1" lang="en-US" altLang="ja-JP" sz="1800" b="0" i="1" u="none" strike="noStrike" kern="1200" cap="none" spc="0" normalizeH="0" baseline="0" noProof="0" smtClean="0">
+                                    <a:ln>
+                                      <a:noFill/>
+                                    </a:ln>
+                                    <a:solidFill>
+                                      <a:prstClr val="black"/>
+                                    </a:solidFill>
+                                    <a:effectLst/>
+                                    <a:uLnTx/>
+                                    <a:uFillTx/>
+                                    <a:latin typeface="Cambria Math" panose="02040503050406030204" pitchFamily="18" charset="0"/>
+                                    <a:ea typeface="游ゴシック" panose="020B0400000000000000" pitchFamily="50" charset="-128"/>
+                                    <a:cs typeface="+mn-cs"/>
+                                  </a:rPr>
+                                  <m:t>475</m:t>
+                                </m:r>
+                              </m:oMath>
+                            </m:oMathPara>
+                          </a14:m>
+                          <a:endParaRPr kumimoji="1" lang="ja-JP" altLang="en-US" dirty="0"/>
+                        </a:p>
+                      </a:txBody>
+                      <a:tcPr/>
+                    </a:tc>
+                    <a:extLst>
+                      <a:ext uri="{0D108BD9-81ED-4DB2-BD59-A6C34878D82A}">
+                        <a16:rowId xmlns:a16="http://schemas.microsoft.com/office/drawing/2014/main" val="1495706567"/>
+                      </a:ext>
+                    </a:extLst>
+                  </a:tr>
+                </a:tbl>
+              </a:graphicData>
+            </a:graphic>
+          </p:graphicFrame>
+        </mc:Choice>
+        <mc:Fallback>
+          <p:graphicFrame>
+            <p:nvGraphicFramePr>
+              <p:cNvPr id="4" name="表 4">
+                <a:extLst>
+                  <a:ext uri="{FF2B5EF4-FFF2-40B4-BE49-F238E27FC236}">
+                    <a16:creationId xmlns:a16="http://schemas.microsoft.com/office/drawing/2014/main" id="{52459FD6-0149-5571-B7D1-646035C15ADE}"/>
+                  </a:ext>
+                </a:extLst>
+              </p:cNvPr>
+              <p:cNvGraphicFramePr>
+                <a:graphicFrameLocks noGrp="1"/>
+              </p:cNvGraphicFramePr>
+              <p:nvPr>
+                <p:extLst>
+                  <p:ext uri="{D42A27DB-BD31-4B8C-83A1-F6EECF244321}">
+                    <p14:modId xmlns:p14="http://schemas.microsoft.com/office/powerpoint/2010/main" val="1706748158"/>
+                  </p:ext>
+                </p:extLst>
+              </p:nvPr>
+            </p:nvGraphicFramePr>
+            <p:xfrm>
+              <a:off x="6654623" y="593510"/>
+              <a:ext cx="5364706" cy="4079240"/>
+            </p:xfrm>
+            <a:graphic>
+              <a:graphicData uri="http://schemas.openxmlformats.org/drawingml/2006/table">
+                <a:tbl>
+                  <a:tblPr bandRow="1">
+                    <a:tableStyleId>{5C22544A-7EE6-4342-B048-85BDC9FD1C3A}</a:tableStyleId>
+                  </a:tblPr>
+                  <a:tblGrid>
+                    <a:gridCol w="753468">
+                      <a:extLst>
+                        <a:ext uri="{9D8B030D-6E8A-4147-A177-3AD203B41FA5}">
+                          <a16:colId xmlns:a16="http://schemas.microsoft.com/office/drawing/2014/main" val="2239531210"/>
+                        </a:ext>
+                      </a:extLst>
+                    </a:gridCol>
+                    <a:gridCol w="955980">
+                      <a:extLst>
+                        <a:ext uri="{9D8B030D-6E8A-4147-A177-3AD203B41FA5}">
+                          <a16:colId xmlns:a16="http://schemas.microsoft.com/office/drawing/2014/main" val="2666748500"/>
+                        </a:ext>
+                      </a:extLst>
+                    </a:gridCol>
+                    <a:gridCol w="1039905">
+                      <a:extLst>
+                        <a:ext uri="{9D8B030D-6E8A-4147-A177-3AD203B41FA5}">
+                          <a16:colId xmlns:a16="http://schemas.microsoft.com/office/drawing/2014/main" val="2616699235"/>
+                        </a:ext>
+                      </a:extLst>
+                    </a:gridCol>
+                    <a:gridCol w="1237130">
+                      <a:extLst>
+                        <a:ext uri="{9D8B030D-6E8A-4147-A177-3AD203B41FA5}">
+                          <a16:colId xmlns:a16="http://schemas.microsoft.com/office/drawing/2014/main" val="1575169580"/>
+                        </a:ext>
+                      </a:extLst>
+                    </a:gridCol>
+                    <a:gridCol w="1378223">
+                      <a:extLst>
+                        <a:ext uri="{9D8B030D-6E8A-4147-A177-3AD203B41FA5}">
+                          <a16:colId xmlns:a16="http://schemas.microsoft.com/office/drawing/2014/main" val="216910381"/>
+                        </a:ext>
+                      </a:extLst>
+                    </a:gridCol>
+                  </a:tblGrid>
+                  <a:tr h="370840">
+                    <a:tc>
+                      <a:txBody>
+                        <a:bodyPr/>
+                        <a:lstStyle/>
+                        <a:p>
+                          <a:pPr algn="ctr"/>
+                          <a:endParaRPr kumimoji="1" lang="ja-JP" altLang="en-US" dirty="0"/>
+                        </a:p>
+                      </a:txBody>
+                      <a:tcPr/>
+                    </a:tc>
+                    <a:tc gridSpan="2">
+                      <a:txBody>
+                        <a:bodyPr/>
+                        <a:lstStyle/>
+                        <a:p>
+                          <a:pPr algn="ctr"/>
+                          <a:r>
+                            <a:rPr kumimoji="1" lang="ja-JP" altLang="en-US" dirty="0"/>
+                            <a:t>設計値</a:t>
+                          </a:r>
+                        </a:p>
+                      </a:txBody>
+                      <a:tcPr/>
+                    </a:tc>
+                    <a:tc hMerge="1">
+                      <a:txBody>
+                        <a:bodyPr/>
+                        <a:lstStyle/>
+                        <a:p>
+                          <a:endParaRPr kumimoji="1" lang="ja-JP" altLang="en-US"/>
+                        </a:p>
+                      </a:txBody>
+                      <a:tcPr/>
+                    </a:tc>
+                    <a:tc gridSpan="2">
+                      <a:txBody>
+                        <a:bodyPr/>
+                        <a:lstStyle/>
+                        <a:p>
+                          <a:r>
+                            <a:rPr kumimoji="1" lang="ja-JP" altLang="en-US" dirty="0"/>
+                            <a:t>シミュレーション</a:t>
+                          </a:r>
+                        </a:p>
+                      </a:txBody>
+                      <a:tcPr/>
+                    </a:tc>
+                    <a:tc hMerge="1">
+                      <a:txBody>
+                        <a:bodyPr/>
+                        <a:lstStyle/>
+                        <a:p>
+                          <a:endParaRPr kumimoji="1" lang="ja-JP" altLang="en-US"/>
+                        </a:p>
+                      </a:txBody>
+                      <a:tcPr/>
+                    </a:tc>
+                    <a:extLst>
+                      <a:ext uri="{0D108BD9-81ED-4DB2-BD59-A6C34878D82A}">
+                        <a16:rowId xmlns:a16="http://schemas.microsoft.com/office/drawing/2014/main" val="302404592"/>
+                      </a:ext>
+                    </a:extLst>
+                  </a:tr>
+                  <a:tr h="370840">
+                    <a:tc gridSpan="5">
+                      <a:txBody>
+                        <a:bodyPr/>
+                        <a:lstStyle/>
+                        <a:p>
+                          <a:endParaRPr lang="ja-JP"/>
+                        </a:p>
+                      </a:txBody>
+                      <a:tcPr>
+                        <a:blipFill>
+                          <a:blip r:embed="rId2"/>
+                          <a:stretch>
+                            <a:fillRect l="-114" t="-108197" r="-227" b="-921311"/>
+                          </a:stretch>
+                        </a:blipFill>
+                      </a:tcPr>
+                    </a:tc>
+                    <a:tc hMerge="1">
+                      <a:txBody>
+                        <a:bodyPr/>
+                        <a:lstStyle/>
+                        <a:p>
+                          <a:pPr algn="ctr"/>
+                          <a:endParaRPr kumimoji="1" lang="ja-JP" altLang="en-US" dirty="0"/>
+                        </a:p>
+                      </a:txBody>
+                      <a:tcPr/>
+                    </a:tc>
+                    <a:tc hMerge="1">
+                      <a:txBody>
+                        <a:bodyPr/>
+                        <a:lstStyle/>
+                        <a:p>
+                          <a:endParaRPr kumimoji="1" lang="ja-JP" altLang="en-US"/>
+                        </a:p>
+                      </a:txBody>
+                      <a:tcPr/>
+                    </a:tc>
+                    <a:tc hMerge="1">
+                      <a:txBody>
+                        <a:bodyPr/>
+                        <a:lstStyle/>
+                        <a:p>
+                          <a:endParaRPr kumimoji="1" lang="ja-JP" altLang="en-US"/>
+                        </a:p>
+                      </a:txBody>
+                      <a:tcPr/>
+                    </a:tc>
+                    <a:tc hMerge="1">
+                      <a:txBody>
+                        <a:bodyPr/>
+                        <a:lstStyle/>
+                        <a:p>
+                          <a:endParaRPr kumimoji="1" lang="ja-JP" altLang="en-US"/>
+                        </a:p>
+                      </a:txBody>
+                      <a:tcPr/>
+                    </a:tc>
+                    <a:extLst>
+                      <a:ext uri="{0D108BD9-81ED-4DB2-BD59-A6C34878D82A}">
+                        <a16:rowId xmlns:a16="http://schemas.microsoft.com/office/drawing/2014/main" val="1757894292"/>
+                      </a:ext>
+                    </a:extLst>
+                  </a:tr>
+                  <a:tr h="370840">
+                    <a:tc>
+                      <a:txBody>
+                        <a:bodyPr/>
+                        <a:lstStyle/>
+                        <a:p>
+                          <a:endParaRPr lang="ja-JP"/>
+                        </a:p>
+                      </a:txBody>
+                      <a:tcPr>
+                        <a:blipFill>
+                          <a:blip r:embed="rId2"/>
+                          <a:stretch>
+                            <a:fillRect l="-806" t="-208197" r="-612097" b="-821311"/>
+                          </a:stretch>
+                        </a:blipFill>
+                      </a:tcPr>
+                    </a:tc>
+                    <a:tc gridSpan="2">
+                      <a:txBody>
+                        <a:bodyPr/>
+                        <a:lstStyle/>
+                        <a:p>
+                          <a:endParaRPr lang="ja-JP"/>
+                        </a:p>
+                      </a:txBody>
+                      <a:tcPr>
+                        <a:blipFill>
+                          <a:blip r:embed="rId2"/>
+                          <a:stretch>
+                            <a:fillRect l="-38110" t="-208197" r="-131402" b="-821311"/>
+                          </a:stretch>
+                        </a:blipFill>
+                      </a:tcPr>
+                    </a:tc>
+                    <a:tc hMerge="1">
+                      <a:txBody>
+                        <a:bodyPr/>
+                        <a:lstStyle/>
+                        <a:p>
+                          <a:endParaRPr kumimoji="1" lang="ja-JP" altLang="en-US"/>
+                        </a:p>
+                      </a:txBody>
+                      <a:tcPr/>
+                    </a:tc>
+                    <a:tc gridSpan="2">
+                      <a:txBody>
+                        <a:bodyPr/>
+                        <a:lstStyle/>
+                        <a:p>
+                          <a:endParaRPr lang="ja-JP"/>
+                        </a:p>
+                      </a:txBody>
+                      <a:tcPr>
+                        <a:blipFill>
+                          <a:blip r:embed="rId2"/>
+                          <a:stretch>
+                            <a:fillRect l="-105594" t="-208197" r="-466" b="-821311"/>
+                          </a:stretch>
+                        </a:blipFill>
+                      </a:tcPr>
+                    </a:tc>
+                    <a:tc hMerge="1">
+                      <a:txBody>
+                        <a:bodyPr/>
+                        <a:lstStyle/>
+                        <a:p>
+                          <a:endParaRPr kumimoji="1" lang="ja-JP" altLang="en-US"/>
+                        </a:p>
+                      </a:txBody>
+                      <a:tcPr/>
+                    </a:tc>
+                    <a:extLst>
+                      <a:ext uri="{0D108BD9-81ED-4DB2-BD59-A6C34878D82A}">
+                        <a16:rowId xmlns:a16="http://schemas.microsoft.com/office/drawing/2014/main" val="2224892810"/>
+                      </a:ext>
+                    </a:extLst>
+                  </a:tr>
+                  <a:tr h="370840">
+                    <a:tc>
+                      <a:txBody>
+                        <a:bodyPr/>
+                        <a:lstStyle/>
+                        <a:p>
+                          <a:endParaRPr lang="ja-JP"/>
+                        </a:p>
+                      </a:txBody>
+                      <a:tcPr>
+                        <a:blipFill>
+                          <a:blip r:embed="rId2"/>
+                          <a:stretch>
+                            <a:fillRect l="-806" t="-308197" r="-612097" b="-721311"/>
+                          </a:stretch>
+                        </a:blipFill>
+                      </a:tcPr>
+                    </a:tc>
+                    <a:tc gridSpan="2">
+                      <a:txBody>
+                        <a:bodyPr/>
+                        <a:lstStyle/>
+                        <a:p>
+                          <a:endParaRPr lang="ja-JP"/>
+                        </a:p>
+                      </a:txBody>
+                      <a:tcPr>
+                        <a:blipFill>
+                          <a:blip r:embed="rId2"/>
+                          <a:stretch>
+                            <a:fillRect l="-38110" t="-308197" r="-131402" b="-721311"/>
+                          </a:stretch>
+                        </a:blipFill>
+                      </a:tcPr>
+                    </a:tc>
+                    <a:tc hMerge="1">
+                      <a:txBody>
+                        <a:bodyPr/>
+                        <a:lstStyle/>
+                        <a:p>
+                          <a:endParaRPr kumimoji="1" lang="ja-JP" altLang="en-US"/>
+                        </a:p>
+                      </a:txBody>
+                      <a:tcPr/>
+                    </a:tc>
+                    <a:tc gridSpan="2">
+                      <a:txBody>
+                        <a:bodyPr/>
+                        <a:lstStyle/>
+                        <a:p>
+                          <a:endParaRPr lang="ja-JP"/>
+                        </a:p>
+                      </a:txBody>
+                      <a:tcPr>
+                        <a:blipFill>
+                          <a:blip r:embed="rId2"/>
+                          <a:stretch>
+                            <a:fillRect l="-105594" t="-308197" r="-466" b="-721311"/>
+                          </a:stretch>
+                        </a:blipFill>
+                      </a:tcPr>
+                    </a:tc>
+                    <a:tc hMerge="1">
+                      <a:txBody>
+                        <a:bodyPr/>
+                        <a:lstStyle/>
+                        <a:p>
+                          <a:endParaRPr kumimoji="1" lang="ja-JP" altLang="en-US"/>
+                        </a:p>
+                      </a:txBody>
+                      <a:tcPr/>
+                    </a:tc>
+                    <a:extLst>
+                      <a:ext uri="{0D108BD9-81ED-4DB2-BD59-A6C34878D82A}">
+                        <a16:rowId xmlns:a16="http://schemas.microsoft.com/office/drawing/2014/main" val="333773548"/>
+                      </a:ext>
+                    </a:extLst>
+                  </a:tr>
+                  <a:tr h="370840">
+                    <a:tc>
+                      <a:txBody>
+                        <a:bodyPr/>
+                        <a:lstStyle/>
+                        <a:p>
+                          <a:endParaRPr lang="ja-JP"/>
+                        </a:p>
+                      </a:txBody>
+                      <a:tcPr>
+                        <a:blipFill>
+                          <a:blip r:embed="rId2"/>
+                          <a:stretch>
+                            <a:fillRect l="-806" t="-408197" r="-612097" b="-621311"/>
+                          </a:stretch>
+                        </a:blipFill>
+                      </a:tcPr>
+                    </a:tc>
+                    <a:tc gridSpan="2">
+                      <a:txBody>
+                        <a:bodyPr/>
+                        <a:lstStyle/>
+                        <a:p>
+                          <a:endParaRPr lang="ja-JP"/>
+                        </a:p>
+                      </a:txBody>
+                      <a:tcPr>
+                        <a:blipFill>
+                          <a:blip r:embed="rId2"/>
+                          <a:stretch>
+                            <a:fillRect l="-38110" t="-408197" r="-131402" b="-621311"/>
+                          </a:stretch>
+                        </a:blipFill>
+                      </a:tcPr>
+                    </a:tc>
+                    <a:tc hMerge="1">
+                      <a:txBody>
+                        <a:bodyPr/>
+                        <a:lstStyle/>
+                        <a:p>
+                          <a:endParaRPr kumimoji="1" lang="ja-JP" altLang="en-US"/>
+                        </a:p>
+                      </a:txBody>
+                      <a:tcPr/>
+                    </a:tc>
+                    <a:tc gridSpan="2">
+                      <a:txBody>
+                        <a:bodyPr/>
+                        <a:lstStyle/>
+                        <a:p>
+                          <a:endParaRPr lang="ja-JP"/>
+                        </a:p>
+                      </a:txBody>
+                      <a:tcPr>
+                        <a:blipFill>
+                          <a:blip r:embed="rId2"/>
+                          <a:stretch>
+                            <a:fillRect l="-105594" t="-408197" r="-466" b="-621311"/>
+                          </a:stretch>
+                        </a:blipFill>
+                      </a:tcPr>
+                    </a:tc>
+                    <a:tc hMerge="1">
+                      <a:txBody>
+                        <a:bodyPr/>
+                        <a:lstStyle/>
+                        <a:p>
+                          <a:endParaRPr kumimoji="1" lang="ja-JP" altLang="en-US"/>
+                        </a:p>
+                      </a:txBody>
+                      <a:tcPr/>
+                    </a:tc>
+                    <a:extLst>
+                      <a:ext uri="{0D108BD9-81ED-4DB2-BD59-A6C34878D82A}">
+                        <a16:rowId xmlns:a16="http://schemas.microsoft.com/office/drawing/2014/main" val="3649194553"/>
+                      </a:ext>
+                    </a:extLst>
+                  </a:tr>
+                  <a:tr h="370840">
+                    <a:tc gridSpan="5">
+                      <a:txBody>
+                        <a:bodyPr/>
+                        <a:lstStyle/>
+                        <a:p>
+                          <a:endParaRPr lang="ja-JP"/>
+                        </a:p>
+                      </a:txBody>
+                      <a:tcPr>
+                        <a:blipFill>
+                          <a:blip r:embed="rId2"/>
+                          <a:stretch>
+                            <a:fillRect l="-114" t="-516667" r="-227" b="-531667"/>
+                          </a:stretch>
+                        </a:blipFill>
+                      </a:tcPr>
+                    </a:tc>
+                    <a:tc hMerge="1">
+                      <a:txBody>
+                        <a:bodyPr/>
+                        <a:lstStyle/>
+                        <a:p>
+                          <a:pPr algn="ctr"/>
+                          <a:endParaRPr kumimoji="1" lang="ja-JP" altLang="en-US" dirty="0"/>
+                        </a:p>
+                      </a:txBody>
+                      <a:tcPr/>
+                    </a:tc>
+                    <a:tc hMerge="1">
+                      <a:txBody>
+                        <a:bodyPr/>
+                        <a:lstStyle/>
+                        <a:p>
+                          <a:endParaRPr kumimoji="1" lang="ja-JP" altLang="en-US"/>
+                        </a:p>
+                      </a:txBody>
+                      <a:tcPr/>
+                    </a:tc>
+                    <a:tc hMerge="1">
+                      <a:txBody>
+                        <a:bodyPr/>
+                        <a:lstStyle/>
+                        <a:p>
+                          <a:endParaRPr kumimoji="1" lang="ja-JP" altLang="en-US"/>
+                        </a:p>
+                      </a:txBody>
+                      <a:tcPr/>
+                    </a:tc>
+                    <a:tc hMerge="1">
+                      <a:txBody>
+                        <a:bodyPr/>
+                        <a:lstStyle/>
+                        <a:p>
+                          <a:endParaRPr kumimoji="1" lang="ja-JP" altLang="en-US"/>
+                        </a:p>
+                      </a:txBody>
+                      <a:tcPr/>
+                    </a:tc>
+                    <a:extLst>
+                      <a:ext uri="{0D108BD9-81ED-4DB2-BD59-A6C34878D82A}">
+                        <a16:rowId xmlns:a16="http://schemas.microsoft.com/office/drawing/2014/main" val="2025604626"/>
+                      </a:ext>
+                    </a:extLst>
+                  </a:tr>
+                  <a:tr h="370840">
+                    <a:tc>
+                      <a:txBody>
+                        <a:bodyPr/>
+                        <a:lstStyle/>
+                        <a:p>
+                          <a:endParaRPr lang="ja-JP"/>
+                        </a:p>
+                      </a:txBody>
+                      <a:tcPr>
+                        <a:blipFill>
+                          <a:blip r:embed="rId2"/>
+                          <a:stretch>
+                            <a:fillRect l="-806" t="-606557" r="-612097" b="-422951"/>
+                          </a:stretch>
+                        </a:blipFill>
+                      </a:tcPr>
+                    </a:tc>
+                    <a:tc gridSpan="2">
+                      <a:txBody>
+                        <a:bodyPr/>
+                        <a:lstStyle/>
+                        <a:p>
+                          <a:endParaRPr lang="ja-JP"/>
+                        </a:p>
+                      </a:txBody>
+                      <a:tcPr>
+                        <a:blipFill>
+                          <a:blip r:embed="rId2"/>
+                          <a:stretch>
+                            <a:fillRect l="-38110" t="-606557" r="-131402" b="-422951"/>
+                          </a:stretch>
+                        </a:blipFill>
+                      </a:tcPr>
+                    </a:tc>
+                    <a:tc hMerge="1">
+                      <a:txBody>
+                        <a:bodyPr/>
+                        <a:lstStyle/>
+                        <a:p>
+                          <a:endParaRPr kumimoji="1" lang="ja-JP" altLang="en-US"/>
+                        </a:p>
+                      </a:txBody>
+                      <a:tcPr/>
+                    </a:tc>
+                    <a:tc gridSpan="2">
+                      <a:txBody>
+                        <a:bodyPr/>
+                        <a:lstStyle/>
+                        <a:p>
+                          <a:endParaRPr lang="ja-JP"/>
+                        </a:p>
+                      </a:txBody>
+                      <a:tcPr>
+                        <a:blipFill>
+                          <a:blip r:embed="rId2"/>
+                          <a:stretch>
+                            <a:fillRect l="-105594" t="-606557" r="-466" b="-422951"/>
+                          </a:stretch>
+                        </a:blipFill>
+                      </a:tcPr>
+                    </a:tc>
+                    <a:tc hMerge="1">
+                      <a:txBody>
+                        <a:bodyPr/>
+                        <a:lstStyle/>
+                        <a:p>
+                          <a:endParaRPr kumimoji="1" lang="ja-JP" altLang="en-US"/>
+                        </a:p>
+                      </a:txBody>
+                      <a:tcPr/>
+                    </a:tc>
+                    <a:extLst>
+                      <a:ext uri="{0D108BD9-81ED-4DB2-BD59-A6C34878D82A}">
+                        <a16:rowId xmlns:a16="http://schemas.microsoft.com/office/drawing/2014/main" val="2898273403"/>
+                      </a:ext>
+                    </a:extLst>
+                  </a:tr>
+                  <a:tr h="370840">
+                    <a:tc>
+                      <a:txBody>
+                        <a:bodyPr/>
+                        <a:lstStyle/>
+                        <a:p>
+                          <a:pPr marL="0" marR="0" lvl="0" indent="0" algn="ctr" defTabSz="914400" rtl="0" eaLnBrk="1" fontAlgn="auto" latinLnBrk="0" hangingPunct="1">
+                            <a:lnSpc>
+                              <a:spcPct val="100000"/>
+                            </a:lnSpc>
+                            <a:spcBef>
+                              <a:spcPts val="0"/>
+                            </a:spcBef>
+                            <a:spcAft>
+                              <a:spcPts val="0"/>
+                            </a:spcAft>
+                            <a:buClrTx/>
+                            <a:buSzTx/>
+                            <a:buFontTx/>
+                            <a:buNone/>
+                            <a:tabLst/>
+                            <a:defRPr/>
+                          </a:pPr>
+                          <a:endParaRPr kumimoji="1" lang="ja-JP" altLang="en-US" dirty="0"/>
+                        </a:p>
+                      </a:txBody>
+                      <a:tcPr/>
+                    </a:tc>
+                    <a:tc>
+                      <a:txBody>
+                        <a:bodyPr/>
+                        <a:lstStyle/>
+                        <a:p>
+                          <a:endParaRPr lang="ja-JP"/>
+                        </a:p>
+                      </a:txBody>
+                      <a:tcPr>
+                        <a:blipFill>
+                          <a:blip r:embed="rId2"/>
+                          <a:stretch>
+                            <a:fillRect l="-79618" t="-706557" r="-383439" b="-322951"/>
+                          </a:stretch>
+                        </a:blipFill>
+                      </a:tcPr>
+                    </a:tc>
+                    <a:tc>
+                      <a:txBody>
+                        <a:bodyPr/>
+                        <a:lstStyle/>
+                        <a:p>
+                          <a:endParaRPr lang="ja-JP"/>
+                        </a:p>
+                      </a:txBody>
+                      <a:tcPr>
+                        <a:blipFill>
+                          <a:blip r:embed="rId2"/>
+                          <a:stretch>
+                            <a:fillRect l="-164912" t="-706557" r="-252047" b="-322951"/>
+                          </a:stretch>
+                        </a:blipFill>
+                      </a:tcPr>
+                    </a:tc>
+                    <a:tc>
+                      <a:txBody>
+                        <a:bodyPr/>
+                        <a:lstStyle/>
+                        <a:p>
+                          <a:endParaRPr lang="ja-JP"/>
+                        </a:p>
+                      </a:txBody>
+                      <a:tcPr>
+                        <a:blipFill>
+                          <a:blip r:embed="rId2"/>
+                          <a:stretch>
+                            <a:fillRect l="-223153" t="-706557" r="-112315" b="-322951"/>
+                          </a:stretch>
+                        </a:blipFill>
+                      </a:tcPr>
+                    </a:tc>
+                    <a:tc>
+                      <a:txBody>
+                        <a:bodyPr/>
+                        <a:lstStyle/>
+                        <a:p>
+                          <a:endParaRPr lang="ja-JP"/>
+                        </a:p>
+                      </a:txBody>
+                      <a:tcPr>
+                        <a:blipFill>
+                          <a:blip r:embed="rId2"/>
+                          <a:stretch>
+                            <a:fillRect l="-290265" t="-706557" r="-885" b="-322951"/>
+                          </a:stretch>
+                        </a:blipFill>
+                      </a:tcPr>
+                    </a:tc>
+                    <a:extLst>
+                      <a:ext uri="{0D108BD9-81ED-4DB2-BD59-A6C34878D82A}">
+                        <a16:rowId xmlns:a16="http://schemas.microsoft.com/office/drawing/2014/main" val="2811531249"/>
+                      </a:ext>
+                    </a:extLst>
+                  </a:tr>
+                  <a:tr h="370840">
+                    <a:tc>
+                      <a:txBody>
+                        <a:bodyPr/>
+                        <a:lstStyle/>
+                        <a:p>
+                          <a:endParaRPr lang="ja-JP"/>
+                        </a:p>
+                      </a:txBody>
+                      <a:tcPr>
+                        <a:blipFill>
+                          <a:blip r:embed="rId2"/>
+                          <a:stretch>
+                            <a:fillRect l="-806" t="-806557" r="-612097" b="-222951"/>
+                          </a:stretch>
+                        </a:blipFill>
+                      </a:tcPr>
+                    </a:tc>
+                    <a:tc>
+                      <a:txBody>
+                        <a:bodyPr/>
+                        <a:lstStyle/>
+                        <a:p>
+                          <a:endParaRPr lang="ja-JP"/>
+                        </a:p>
+                      </a:txBody>
+                      <a:tcPr>
+                        <a:blipFill>
+                          <a:blip r:embed="rId2"/>
+                          <a:stretch>
+                            <a:fillRect l="-79618" t="-806557" r="-383439" b="-222951"/>
+                          </a:stretch>
+                        </a:blipFill>
+                      </a:tcPr>
+                    </a:tc>
+                    <a:tc rowSpan="3">
+                      <a:txBody>
+                        <a:bodyPr/>
+                        <a:lstStyle/>
+                        <a:p>
+                          <a:endParaRPr lang="ja-JP"/>
+                        </a:p>
+                      </a:txBody>
+                      <a:tcPr anchor="ctr" anchorCtr="1">
+                        <a:blipFill>
+                          <a:blip r:embed="rId2"/>
+                          <a:stretch>
+                            <a:fillRect l="-164912" t="-268852" r="-252047" b="-7650"/>
+                          </a:stretch>
+                        </a:blipFill>
+                      </a:tcPr>
+                    </a:tc>
+                    <a:tc>
+                      <a:txBody>
+                        <a:bodyPr/>
+                        <a:lstStyle/>
+                        <a:p>
+                          <a:endParaRPr lang="ja-JP"/>
+                        </a:p>
+                      </a:txBody>
+                      <a:tcPr>
+                        <a:blipFill>
+                          <a:blip r:embed="rId2"/>
+                          <a:stretch>
+                            <a:fillRect l="-223153" t="-806557" r="-112315" b="-222951"/>
+                          </a:stretch>
+                        </a:blipFill>
+                      </a:tcPr>
+                    </a:tc>
+                    <a:tc>
+                      <a:txBody>
+                        <a:bodyPr/>
+                        <a:lstStyle/>
+                        <a:p>
+                          <a:endParaRPr lang="ja-JP"/>
+                        </a:p>
+                      </a:txBody>
+                      <a:tcPr>
+                        <a:blipFill>
+                          <a:blip r:embed="rId2"/>
+                          <a:stretch>
+                            <a:fillRect l="-290265" t="-806557" r="-885" b="-222951"/>
+                          </a:stretch>
+                        </a:blipFill>
+                      </a:tcPr>
+                    </a:tc>
+                    <a:extLst>
+                      <a:ext uri="{0D108BD9-81ED-4DB2-BD59-A6C34878D82A}">
+                        <a16:rowId xmlns:a16="http://schemas.microsoft.com/office/drawing/2014/main" val="4178671814"/>
+                      </a:ext>
+                    </a:extLst>
+                  </a:tr>
+                  <a:tr h="370840">
+                    <a:tc>
+                      <a:txBody>
+                        <a:bodyPr/>
+                        <a:lstStyle/>
+                        <a:p>
+                          <a:endParaRPr lang="ja-JP"/>
+                        </a:p>
+                      </a:txBody>
+                      <a:tcPr>
+                        <a:blipFill>
+                          <a:blip r:embed="rId2"/>
+                          <a:stretch>
+                            <a:fillRect l="-806" t="-906557" r="-612097" b="-122951"/>
+                          </a:stretch>
+                        </a:blipFill>
+                      </a:tcPr>
+                    </a:tc>
+                    <a:tc>
+                      <a:txBody>
+                        <a:bodyPr/>
+                        <a:lstStyle/>
+                        <a:p>
+                          <a:endParaRPr lang="ja-JP"/>
+                        </a:p>
+                      </a:txBody>
+                      <a:tcPr>
+                        <a:blipFill>
+                          <a:blip r:embed="rId2"/>
+                          <a:stretch>
+                            <a:fillRect l="-79618" t="-906557" r="-383439" b="-122951"/>
+                          </a:stretch>
+                        </a:blipFill>
+                      </a:tcPr>
+                    </a:tc>
+                    <a:tc vMerge="1">
+                      <a:txBody>
+                        <a:bodyPr/>
+                        <a:lstStyle/>
+                        <a:p>
+                          <a:pPr marL="0" marR="0" lvl="0" indent="0" algn="ctr" defTabSz="914400" rtl="0" eaLnBrk="1" fontAlgn="auto" latinLnBrk="0" hangingPunct="1">
+                            <a:lnSpc>
+                              <a:spcPct val="100000"/>
+                            </a:lnSpc>
+                            <a:spcBef>
+                              <a:spcPts val="0"/>
+                            </a:spcBef>
+                            <a:spcAft>
+                              <a:spcPts val="0"/>
+                            </a:spcAft>
+                            <a:buClrTx/>
+                            <a:buSzTx/>
+                            <a:buFontTx/>
+                            <a:buNone/>
+                            <a:tabLst/>
+                            <a:defRPr/>
+                          </a:pPr>
+                          <a:endParaRPr kumimoji="1" lang="ja-JP" altLang="en-US" dirty="0"/>
+                        </a:p>
+                      </a:txBody>
+                      <a:tcPr/>
+                    </a:tc>
+                    <a:tc>
+                      <a:txBody>
+                        <a:bodyPr/>
+                        <a:lstStyle/>
+                        <a:p>
+                          <a:endParaRPr lang="ja-JP"/>
+                        </a:p>
+                      </a:txBody>
+                      <a:tcPr>
+                        <a:blipFill>
+                          <a:blip r:embed="rId2"/>
+                          <a:stretch>
+                            <a:fillRect l="-223153" t="-906557" r="-112315" b="-122951"/>
+                          </a:stretch>
+                        </a:blipFill>
+                      </a:tcPr>
+                    </a:tc>
+                    <a:tc>
+                      <a:txBody>
+                        <a:bodyPr/>
+                        <a:lstStyle/>
+                        <a:p>
+                          <a:endParaRPr lang="ja-JP"/>
+                        </a:p>
+                      </a:txBody>
+                      <a:tcPr>
+                        <a:blipFill>
+                          <a:blip r:embed="rId2"/>
+                          <a:stretch>
+                            <a:fillRect l="-290265" t="-906557" r="-885" b="-122951"/>
+                          </a:stretch>
+                        </a:blipFill>
+                      </a:tcPr>
+                    </a:tc>
+                    <a:extLst>
+                      <a:ext uri="{0D108BD9-81ED-4DB2-BD59-A6C34878D82A}">
+                        <a16:rowId xmlns:a16="http://schemas.microsoft.com/office/drawing/2014/main" val="3089626891"/>
+                      </a:ext>
+                    </a:extLst>
+                  </a:tr>
+                  <a:tr h="370840">
+                    <a:tc>
+                      <a:txBody>
+                        <a:bodyPr/>
+                        <a:lstStyle/>
+                        <a:p>
+                          <a:endParaRPr lang="ja-JP"/>
+                        </a:p>
+                      </a:txBody>
+                      <a:tcPr>
+                        <a:blipFill>
+                          <a:blip r:embed="rId2"/>
+                          <a:stretch>
+                            <a:fillRect l="-806" t="-1006557" r="-612097" b="-22951"/>
+                          </a:stretch>
+                        </a:blipFill>
+                      </a:tcPr>
+                    </a:tc>
+                    <a:tc>
+                      <a:txBody>
+                        <a:bodyPr/>
+                        <a:lstStyle/>
+                        <a:p>
+                          <a:endParaRPr lang="ja-JP"/>
+                        </a:p>
+                      </a:txBody>
+                      <a:tcPr>
+                        <a:blipFill>
+                          <a:blip r:embed="rId2"/>
+                          <a:stretch>
+                            <a:fillRect l="-79618" t="-1006557" r="-383439" b="-22951"/>
+                          </a:stretch>
+                        </a:blipFill>
+                      </a:tcPr>
+                    </a:tc>
+                    <a:tc vMerge="1">
+                      <a:txBody>
+                        <a:bodyPr/>
+                        <a:lstStyle/>
+                        <a:p>
+                          <a:pPr marL="0" marR="0" lvl="0" indent="0" algn="ctr" defTabSz="914400" rtl="0" eaLnBrk="1" fontAlgn="auto" latinLnBrk="0" hangingPunct="1">
+                            <a:lnSpc>
+                              <a:spcPct val="100000"/>
+                            </a:lnSpc>
+                            <a:spcBef>
+                              <a:spcPts val="0"/>
+                            </a:spcBef>
+                            <a:spcAft>
+                              <a:spcPts val="0"/>
+                            </a:spcAft>
+                            <a:buClrTx/>
+                            <a:buSzTx/>
+                            <a:buFontTx/>
+                            <a:buNone/>
+                            <a:tabLst/>
+                            <a:defRPr/>
+                          </a:pPr>
+                          <a:endParaRPr kumimoji="1" lang="ja-JP" altLang="en-US" dirty="0"/>
+                        </a:p>
+                      </a:txBody>
+                      <a:tcPr/>
+                    </a:tc>
+                    <a:tc>
+                      <a:txBody>
+                        <a:bodyPr/>
+                        <a:lstStyle/>
+                        <a:p>
+                          <a:endParaRPr lang="ja-JP"/>
+                        </a:p>
+                      </a:txBody>
+                      <a:tcPr>
+                        <a:blipFill>
+                          <a:blip r:embed="rId2"/>
+                          <a:stretch>
+                            <a:fillRect l="-223153" t="-1006557" r="-112315" b="-22951"/>
+                          </a:stretch>
+                        </a:blipFill>
+                      </a:tcPr>
+                    </a:tc>
+                    <a:tc>
+                      <a:txBody>
+                        <a:bodyPr/>
+                        <a:lstStyle/>
+                        <a:p>
+                          <a:endParaRPr lang="ja-JP"/>
+                        </a:p>
+                      </a:txBody>
+                      <a:tcPr>
+                        <a:blipFill>
+                          <a:blip r:embed="rId2"/>
+                          <a:stretch>
+                            <a:fillRect l="-290265" t="-1006557" r="-885" b="-22951"/>
+                          </a:stretch>
+                        </a:blipFill>
+                      </a:tcPr>
+                    </a:tc>
+                    <a:extLst>
+                      <a:ext uri="{0D108BD9-81ED-4DB2-BD59-A6C34878D82A}">
+                        <a16:rowId xmlns:a16="http://schemas.microsoft.com/office/drawing/2014/main" val="1495706567"/>
+                      </a:ext>
+                    </a:extLst>
+                  </a:tr>
+                </a:tbl>
+              </a:graphicData>
+            </a:graphic>
+          </p:graphicFrame>
+        </mc:Fallback>
+      </mc:AlternateContent>
+      <p:pic>
+        <p:nvPicPr>
+          <p:cNvPr id="5" name="図 4" descr="星のマーク&#10;&#10;中程度の精度で自動的に生成された説明">
+            <a:extLst>
+              <a:ext uri="{FF2B5EF4-FFF2-40B4-BE49-F238E27FC236}">
+                <a16:creationId xmlns:a16="http://schemas.microsoft.com/office/drawing/2014/main" id="{3574414F-00AD-CC8E-D98B-D79A7398A71B}"/>
+              </a:ext>
+            </a:extLst>
+          </p:cNvPr>
+          <p:cNvPicPr>
+            <a:picLocks noChangeAspect="1"/>
+          </p:cNvPicPr>
+          <p:nvPr/>
+        </p:nvPicPr>
+        <p:blipFill>
+          <a:blip r:embed="rId3">
+            <a:extLst>
+              <a:ext uri="{28A0092B-C50C-407E-A947-70E740481C1C}">
+                <a14:useLocalDpi xmlns:a14="http://schemas.microsoft.com/office/drawing/2010/main" val="0"/>
+              </a:ext>
+            </a:extLst>
+          </a:blip>
+          <a:stretch>
+            <a:fillRect/>
+          </a:stretch>
+        </p:blipFill>
+        <p:spPr>
+          <a:xfrm>
+            <a:off x="-380172" y="1192271"/>
+            <a:ext cx="7288621" cy="5576170"/>
+          </a:xfrm>
+          <a:prstGeom prst="rect">
+            <a:avLst/>
+          </a:prstGeom>
+        </p:spPr>
+      </p:pic>
+      <mc:AlternateContent xmlns:mc="http://schemas.openxmlformats.org/markup-compatibility/2006">
+        <mc:Choice xmlns:a14="http://schemas.microsoft.com/office/drawing/2010/main" Requires="a14">
+          <p:sp>
+            <p:nvSpPr>
+              <p:cNvPr id="6" name="テキスト ボックス 5">
+                <a:extLst>
+                  <a:ext uri="{FF2B5EF4-FFF2-40B4-BE49-F238E27FC236}">
+                    <a16:creationId xmlns:a16="http://schemas.microsoft.com/office/drawing/2014/main" id="{8687EA41-A413-819C-8ED3-F4E0A21C0785}"/>
+                  </a:ext>
+                </a:extLst>
+              </p:cNvPr>
+              <p:cNvSpPr txBox="1"/>
+              <p:nvPr/>
+            </p:nvSpPr>
+            <p:spPr>
+              <a:xfrm>
+                <a:off x="6447765" y="4774663"/>
+                <a:ext cx="5571564" cy="1891865"/>
+              </a:xfrm>
+              <a:prstGeom prst="rect">
+                <a:avLst/>
+              </a:prstGeom>
+              <a:noFill/>
+            </p:spPr>
+            <p:txBody>
+              <a:bodyPr wrap="square" rtlCol="0">
+                <a:spAutoFit/>
+              </a:bodyPr>
+              <a:lstStyle/>
+              <a:p>
+                <a:pPr algn="l"/>
+                <a:r>
+                  <a:rPr lang="ja-JP" altLang="en-US" sz="2400" dirty="0"/>
+                  <a:t>どこのゲートソース間電圧も設計値より小さいが、設計よりも大きい電流が流れている。</a:t>
+                </a:r>
+                <a:endParaRPr lang="en-US" altLang="ja-JP" sz="2400" dirty="0"/>
+              </a:p>
+              <a:p>
+                <a:pPr algn="l"/>
+                <a14:m>
+                  <m:oMathPara xmlns:m="http://schemas.openxmlformats.org/officeDocument/2006/math">
+                    <m:oMathParaPr>
+                      <m:jc m:val="centerGroup"/>
+                    </m:oMathParaPr>
+                    <m:oMath xmlns:m="http://schemas.openxmlformats.org/officeDocument/2006/math">
+                      <m:d>
+                        <m:dPr>
+                          <m:begChr m:val=""/>
+                          <m:ctrlPr>
+                            <a:rPr kumimoji="1" lang="en-US" altLang="ja-JP" sz="2000" b="0" i="1" smtClean="0">
+                              <a:latin typeface="Cambria Math" panose="02040503050406030204" pitchFamily="18" charset="0"/>
+                            </a:rPr>
+                          </m:ctrlPr>
+                        </m:dPr>
+                        <m:e>
+                          <m:d>
+                            <m:dPr>
+                              <m:endChr m:val=""/>
+                              <m:ctrlPr>
+                                <a:rPr kumimoji="1" lang="en-US" altLang="ja-JP" sz="2000" b="0" i="1" smtClean="0">
+                                  <a:latin typeface="Cambria Math" panose="02040503050406030204" pitchFamily="18" charset="0"/>
+                                </a:rPr>
+                              </m:ctrlPr>
+                            </m:dPr>
+                            <m:e>
+                              <m:sSub>
+                                <m:sSubPr>
+                                  <m:ctrlPr>
+                                    <a:rPr kumimoji="1" lang="en-US" altLang="ja-JP" sz="2000" b="0" i="1" smtClean="0">
+                                      <a:latin typeface="Cambria Math" panose="02040503050406030204" pitchFamily="18" charset="0"/>
+                                    </a:rPr>
+                                  </m:ctrlPr>
+                                </m:sSubPr>
+                                <m:e>
+                                  <m:r>
+                                    <a:rPr kumimoji="1" lang="en-US" altLang="ja-JP" sz="2000" b="0" i="1" smtClean="0">
+                                      <a:latin typeface="Cambria Math" panose="02040503050406030204" pitchFamily="18" charset="0"/>
+                                    </a:rPr>
+                                    <m:t>𝑔</m:t>
+                                  </m:r>
+                                </m:e>
+                                <m:sub>
+                                  <m:r>
+                                    <a:rPr kumimoji="1" lang="en-US" altLang="ja-JP" sz="2000" b="0" i="1" smtClean="0">
+                                      <a:latin typeface="Cambria Math" panose="02040503050406030204" pitchFamily="18" charset="0"/>
+                                    </a:rPr>
+                                    <m:t>𝑚</m:t>
+                                  </m:r>
+                                </m:sub>
+                              </m:sSub>
+                              <m:r>
+                                <a:rPr lang="ja-JP" altLang="en-US" sz="2000" i="1">
+                                  <a:latin typeface="Cambria Math" panose="02040503050406030204" pitchFamily="18" charset="0"/>
+                                </a:rPr>
+                                <m:t>の</m:t>
+                              </m:r>
+                              <m:r>
+                                <a:rPr lang="ja-JP" altLang="en-US" sz="2000" i="1" smtClean="0">
+                                  <a:latin typeface="Cambria Math" panose="02040503050406030204" pitchFamily="18" charset="0"/>
+                                </a:rPr>
+                                <m:t>設計値は</m:t>
+                              </m:r>
+                              <m:sSub>
+                                <m:sSubPr>
+                                  <m:ctrlPr>
+                                    <a:rPr lang="en-US" altLang="ja-JP" sz="2000" b="0" i="1" smtClean="0">
+                                      <a:latin typeface="Cambria Math" panose="02040503050406030204" pitchFamily="18" charset="0"/>
+                                    </a:rPr>
+                                  </m:ctrlPr>
+                                </m:sSubPr>
+                                <m:e>
+                                  <m:r>
+                                    <a:rPr lang="en-US" altLang="ja-JP" sz="2000" b="0" i="1" smtClean="0">
+                                      <a:latin typeface="Cambria Math" panose="02040503050406030204" pitchFamily="18" charset="0"/>
+                                    </a:rPr>
+                                    <m:t>𝑔</m:t>
+                                  </m:r>
+                                </m:e>
+                                <m:sub>
+                                  <m:r>
+                                    <a:rPr lang="en-US" altLang="ja-JP" sz="2000" b="0" i="1" smtClean="0">
+                                      <a:latin typeface="Cambria Math" panose="02040503050406030204" pitchFamily="18" charset="0"/>
+                                    </a:rPr>
+                                    <m:t>𝑚</m:t>
+                                  </m:r>
+                                </m:sub>
+                              </m:sSub>
+                              <m:r>
+                                <a:rPr lang="en-US" altLang="ja-JP" sz="2000" b="0" i="1" smtClean="0">
+                                  <a:latin typeface="Cambria Math" panose="02040503050406030204" pitchFamily="18" charset="0"/>
+                                </a:rPr>
+                                <m:t>=</m:t>
+                              </m:r>
+                              <m:f>
+                                <m:fPr>
+                                  <m:ctrlPr>
+                                    <a:rPr lang="en-US" altLang="ja-JP" sz="2000" b="0" i="1" smtClean="0">
+                                      <a:latin typeface="Cambria Math" panose="02040503050406030204" pitchFamily="18" charset="0"/>
+                                    </a:rPr>
+                                  </m:ctrlPr>
+                                </m:fPr>
+                                <m:num>
+                                  <m:sSub>
+                                    <m:sSubPr>
+                                      <m:ctrlPr>
+                                        <a:rPr lang="en-US" altLang="ja-JP" sz="2000" b="0" i="1" smtClean="0">
+                                          <a:latin typeface="Cambria Math" panose="02040503050406030204" pitchFamily="18" charset="0"/>
+                                        </a:rPr>
+                                      </m:ctrlPr>
+                                    </m:sSubPr>
+                                    <m:e>
+                                      <m:r>
+                                        <a:rPr lang="en-US" altLang="ja-JP" sz="2000" b="0" i="1" smtClean="0">
+                                          <a:latin typeface="Cambria Math" panose="02040503050406030204" pitchFamily="18" charset="0"/>
+                                        </a:rPr>
+                                        <m:t>𝐼</m:t>
+                                      </m:r>
+                                    </m:e>
+                                    <m:sub>
+                                      <m:r>
+                                        <a:rPr lang="en-US" altLang="ja-JP" sz="2000" b="0" i="1" smtClean="0">
+                                          <a:latin typeface="Cambria Math" panose="02040503050406030204" pitchFamily="18" charset="0"/>
+                                        </a:rPr>
+                                        <m:t>𝐷</m:t>
+                                      </m:r>
+                                    </m:sub>
+                                  </m:sSub>
+                                </m:num>
+                                <m:den>
+                                  <m:sSub>
+                                    <m:sSubPr>
+                                      <m:ctrlPr>
+                                        <a:rPr lang="en-US" altLang="ja-JP" sz="2000" b="0" i="1" smtClean="0">
+                                          <a:latin typeface="Cambria Math" panose="02040503050406030204" pitchFamily="18" charset="0"/>
+                                        </a:rPr>
+                                      </m:ctrlPr>
+                                    </m:sSubPr>
+                                    <m:e>
+                                      <m:r>
+                                        <a:rPr lang="en-US" altLang="ja-JP" sz="2000" b="0" i="1" smtClean="0">
+                                          <a:latin typeface="Cambria Math" panose="02040503050406030204" pitchFamily="18" charset="0"/>
+                                        </a:rPr>
+                                        <m:t>𝑉</m:t>
+                                      </m:r>
+                                    </m:e>
+                                    <m:sub>
+                                      <m:r>
+                                        <a:rPr lang="en-US" altLang="ja-JP" sz="2000" b="0" i="1" smtClean="0">
+                                          <a:latin typeface="Cambria Math" panose="02040503050406030204" pitchFamily="18" charset="0"/>
+                                        </a:rPr>
+                                        <m:t>𝐺𝑆</m:t>
+                                      </m:r>
+                                    </m:sub>
+                                  </m:sSub>
+                                  <m:r>
+                                    <a:rPr lang="en-US" altLang="ja-JP" sz="2000" b="0" i="1" smtClean="0">
+                                      <a:latin typeface="Cambria Math" panose="02040503050406030204" pitchFamily="18" charset="0"/>
+                                    </a:rPr>
+                                    <m:t>−</m:t>
+                                  </m:r>
+                                  <m:sSub>
+                                    <m:sSubPr>
+                                      <m:ctrlPr>
+                                        <a:rPr lang="en-US" altLang="ja-JP" sz="2000" b="0" i="1" smtClean="0">
+                                          <a:latin typeface="Cambria Math" panose="02040503050406030204" pitchFamily="18" charset="0"/>
+                                        </a:rPr>
+                                      </m:ctrlPr>
+                                    </m:sSubPr>
+                                    <m:e>
+                                      <m:r>
+                                        <a:rPr lang="en-US" altLang="ja-JP" sz="2000" b="0" i="1" smtClean="0">
+                                          <a:latin typeface="Cambria Math" panose="02040503050406030204" pitchFamily="18" charset="0"/>
+                                        </a:rPr>
+                                        <m:t>𝑉</m:t>
+                                      </m:r>
+                                    </m:e>
+                                    <m:sub>
+                                      <m:r>
+                                        <a:rPr lang="en-US" altLang="ja-JP" sz="2000" b="0" i="1" smtClean="0">
+                                          <a:latin typeface="Cambria Math" panose="02040503050406030204" pitchFamily="18" charset="0"/>
+                                        </a:rPr>
+                                        <m:t>𝑡h</m:t>
+                                      </m:r>
+                                    </m:sub>
+                                  </m:sSub>
+                                </m:den>
+                              </m:f>
+                              <m:r>
+                                <a:rPr lang="ja-JP" altLang="en-US" sz="2000" i="1">
+                                  <a:latin typeface="Cambria Math" panose="02040503050406030204" pitchFamily="18" charset="0"/>
+                                </a:rPr>
+                                <m:t>として</m:t>
+                              </m:r>
+                              <m:r>
+                                <a:rPr lang="ja-JP" altLang="en-US" sz="2000" i="1" smtClean="0">
+                                  <a:latin typeface="Cambria Math" panose="02040503050406030204" pitchFamily="18" charset="0"/>
+                                </a:rPr>
+                                <m:t>計算</m:t>
+                              </m:r>
+                            </m:e>
+                          </m:d>
+                        </m:e>
+                      </m:d>
+                    </m:oMath>
+                  </m:oMathPara>
+                </a14:m>
+                <a:endParaRPr kumimoji="1" lang="ja-JP" altLang="en-US" sz="2000" dirty="0"/>
+              </a:p>
+            </p:txBody>
+          </p:sp>
+        </mc:Choice>
+        <mc:Fallback>
+          <p:sp>
+            <p:nvSpPr>
+              <p:cNvPr id="6" name="テキスト ボックス 5">
+                <a:extLst>
+                  <a:ext uri="{FF2B5EF4-FFF2-40B4-BE49-F238E27FC236}">
+                    <a16:creationId xmlns:a16="http://schemas.microsoft.com/office/drawing/2014/main" id="{8687EA41-A413-819C-8ED3-F4E0A21C0785}"/>
+                  </a:ext>
+                </a:extLst>
+              </p:cNvPr>
+              <p:cNvSpPr txBox="1">
+                <a:spLocks noRot="1" noChangeAspect="1" noMove="1" noResize="1" noEditPoints="1" noAdjustHandles="1" noChangeArrowheads="1" noChangeShapeType="1" noTextEdit="1"/>
+              </p:cNvSpPr>
+              <p:nvPr/>
+            </p:nvSpPr>
+            <p:spPr>
+              <a:xfrm>
+                <a:off x="6447765" y="4774663"/>
+                <a:ext cx="5571564" cy="1891865"/>
+              </a:xfrm>
+              <a:prstGeom prst="rect">
+                <a:avLst/>
+              </a:prstGeom>
+              <a:blipFill>
+                <a:blip r:embed="rId4"/>
+                <a:stretch>
+                  <a:fillRect l="-1751" t="-2572"/>
+                </a:stretch>
+              </a:blipFill>
+            </p:spPr>
+            <p:txBody>
+              <a:bodyPr/>
+              <a:lstStyle/>
+              <a:p>
+                <a:r>
+                  <a:rPr lang="ja-JP" altLang="en-US">
+                    <a:noFill/>
+                  </a:rPr>
+                  <a:t> </a:t>
+                </a:r>
+              </a:p>
+            </p:txBody>
+          </p:sp>
+        </mc:Fallback>
+      </mc:AlternateContent>
+    </p:spTree>
+    <p:extLst>
+      <p:ext uri="{BB962C8B-B14F-4D97-AF65-F5344CB8AC3E}">
+        <p14:creationId xmlns:p14="http://schemas.microsoft.com/office/powerpoint/2010/main" val="2241279471"/>
+      </p:ext>
+    </p:extLst>
+  </p:cSld>
+  <p:clrMapOvr>
+    <a:masterClrMapping/>
+  </p:clrMapOvr>
+</p:sld>
+</file>
+
+<file path=ppt/slides/slide13.xml><?xml version="1.0" encoding="utf-8"?>
+<p:sld xmlns:a="http://schemas.openxmlformats.org/drawingml/2006/main" xmlns:r="http://schemas.openxmlformats.org/officeDocument/2006/relationships" xmlns:p="http://schemas.openxmlformats.org/presentationml/2006/main">
+  <p:cSld>
+    <p:spTree>
+      <p:nvGrpSpPr>
+        <p:cNvPr id="1" name=""/>
+        <p:cNvGrpSpPr/>
+        <p:nvPr/>
+      </p:nvGrpSpPr>
+      <p:grpSpPr>
+        <a:xfrm>
+          <a:off x="0" y="0"/>
+          <a:ext cx="0" cy="0"/>
+          <a:chOff x="0" y="0"/>
+          <a:chExt cx="0" cy="0"/>
+        </a:xfrm>
+      </p:grpSpPr>
+      <p:sp>
+        <p:nvSpPr>
+          <p:cNvPr id="2" name="タイトル 1">
+            <a:extLst>
+              <a:ext uri="{FF2B5EF4-FFF2-40B4-BE49-F238E27FC236}">
+                <a16:creationId xmlns:a16="http://schemas.microsoft.com/office/drawing/2014/main" id="{0D7CAA67-65CF-2324-F2F2-10EBD796D63D}"/>
+              </a:ext>
+            </a:extLst>
+          </p:cNvPr>
+          <p:cNvSpPr>
+            <a:spLocks noGrp="1"/>
+          </p:cNvSpPr>
+          <p:nvPr>
+            <p:ph type="title"/>
+          </p:nvPr>
+        </p:nvSpPr>
+        <p:spPr/>
+        <p:txBody>
+          <a:bodyPr/>
+          <a:lstStyle/>
+          <a:p>
+            <a:r>
+              <a:rPr lang="ja-JP" altLang="en-US" dirty="0"/>
+              <a:t>直流設計</a:t>
+            </a:r>
+            <a:endParaRPr kumimoji="1" lang="ja-JP" altLang="en-US" dirty="0"/>
+          </a:p>
+        </p:txBody>
+      </p:sp>
+      <p:sp>
+        <p:nvSpPr>
+          <p:cNvPr id="3" name="スライド番号プレースホルダー 2">
+            <a:extLst>
+              <a:ext uri="{FF2B5EF4-FFF2-40B4-BE49-F238E27FC236}">
+                <a16:creationId xmlns:a16="http://schemas.microsoft.com/office/drawing/2014/main" id="{AB69D6F4-FFB6-F52F-A89C-3F176091793D}"/>
+              </a:ext>
+            </a:extLst>
+          </p:cNvPr>
+          <p:cNvSpPr>
+            <a:spLocks noGrp="1"/>
+          </p:cNvSpPr>
+          <p:nvPr>
+            <p:ph type="sldNum" sz="quarter" idx="12"/>
+          </p:nvPr>
+        </p:nvSpPr>
+        <p:spPr/>
+        <p:txBody>
+          <a:bodyPr/>
+          <a:lstStyle/>
+          <a:p>
+            <a:fld id="{BAC09C9C-7DB0-444B-A568-405A39CC84C0}" type="slidenum">
+              <a:rPr kumimoji="1" lang="ja-JP" altLang="en-US" smtClean="0"/>
+              <a:t>13</a:t>
+            </a:fld>
+            <a:endParaRPr kumimoji="1" lang="ja-JP" altLang="en-US"/>
+          </a:p>
+        </p:txBody>
+      </p:sp>
+      <mc:AlternateContent xmlns:mc="http://schemas.openxmlformats.org/markup-compatibility/2006">
+        <mc:Choice xmlns:a14="http://schemas.microsoft.com/office/drawing/2010/main" Requires="a14">
+          <p:sp>
+            <p:nvSpPr>
+              <p:cNvPr id="4" name="テキスト ボックス 3">
+                <a:extLst>
+                  <a:ext uri="{FF2B5EF4-FFF2-40B4-BE49-F238E27FC236}">
+                    <a16:creationId xmlns:a16="http://schemas.microsoft.com/office/drawing/2014/main" id="{663778A5-7B4F-83C8-B897-B573A8C71708}"/>
+                  </a:ext>
+                </a:extLst>
+              </p:cNvPr>
+              <p:cNvSpPr txBox="1"/>
+              <p:nvPr/>
+            </p:nvSpPr>
+            <p:spPr>
+              <a:xfrm>
+                <a:off x="1162976" y="1534832"/>
+                <a:ext cx="10190824" cy="4524315"/>
+              </a:xfrm>
+              <a:prstGeom prst="rect">
+                <a:avLst/>
+              </a:prstGeom>
+              <a:noFill/>
+            </p:spPr>
+            <p:txBody>
+              <a:bodyPr wrap="square" rtlCol="0">
+                <a:spAutoFit/>
+              </a:bodyPr>
+              <a:lstStyle/>
+              <a:p>
+                <a:pPr algn="l"/>
+                <a:r>
+                  <a:rPr lang="ja-JP" altLang="en-US" sz="2400" b="0" dirty="0"/>
+                  <a:t>今回</a:t>
+                </a:r>
+                <a:r>
+                  <a:rPr lang="ja-JP" altLang="en-US" sz="2400" dirty="0"/>
+                  <a:t>は、各トランジスタのゲートソース間電圧がすべて等しい。したがって、チャネル形状比は電流の比と等しくなる。そのため、チャネル長が等しければ各チャネル幅の比は</a:t>
+                </a:r>
+                <a:endParaRPr lang="en-US" altLang="ja-JP" sz="2400" dirty="0"/>
+              </a:p>
+              <a:p>
+                <a:pPr algn="l"/>
+                <a14:m>
+                  <m:oMathPara xmlns:m="http://schemas.openxmlformats.org/officeDocument/2006/math">
+                    <m:oMathParaPr>
+                      <m:jc m:val="centerGroup"/>
+                    </m:oMathParaPr>
+                    <m:oMath xmlns:m="http://schemas.openxmlformats.org/officeDocument/2006/math">
+                      <m:sSub>
+                        <m:sSubPr>
+                          <m:ctrlPr>
+                            <a:rPr lang="en-US" altLang="ja-JP" sz="2400" b="0" i="1" smtClean="0">
+                              <a:latin typeface="Cambria Math" panose="02040503050406030204" pitchFamily="18" charset="0"/>
+                            </a:rPr>
+                          </m:ctrlPr>
+                        </m:sSubPr>
+                        <m:e>
+                          <m:r>
+                            <a:rPr lang="en-US" altLang="ja-JP" sz="2400" b="0" i="1" smtClean="0">
+                              <a:latin typeface="Cambria Math" panose="02040503050406030204" pitchFamily="18" charset="0"/>
+                            </a:rPr>
+                            <m:t>𝑊</m:t>
+                          </m:r>
+                        </m:e>
+                        <m:sub>
+                          <m:r>
+                            <a:rPr lang="en-US" altLang="ja-JP" sz="2400" b="0" i="1" smtClean="0">
+                              <a:latin typeface="Cambria Math" panose="02040503050406030204" pitchFamily="18" charset="0"/>
+                            </a:rPr>
+                            <m:t>𝐴</m:t>
+                          </m:r>
+                        </m:sub>
+                      </m:sSub>
+                      <m:r>
+                        <a:rPr lang="en-US" altLang="ja-JP" sz="2400" b="0" i="1" smtClean="0">
+                          <a:latin typeface="Cambria Math" panose="02040503050406030204" pitchFamily="18" charset="0"/>
+                        </a:rPr>
+                        <m:t>:</m:t>
+                      </m:r>
+                      <m:sSub>
+                        <m:sSubPr>
+                          <m:ctrlPr>
+                            <a:rPr lang="en-US" altLang="ja-JP" sz="2400" b="0" i="1" smtClean="0">
+                              <a:latin typeface="Cambria Math" panose="02040503050406030204" pitchFamily="18" charset="0"/>
+                            </a:rPr>
+                          </m:ctrlPr>
+                        </m:sSubPr>
+                        <m:e>
+                          <m:r>
+                            <a:rPr lang="en-US" altLang="ja-JP" sz="2400" b="0" i="1" smtClean="0">
+                              <a:latin typeface="Cambria Math" panose="02040503050406030204" pitchFamily="18" charset="0"/>
+                            </a:rPr>
+                            <m:t>𝑊</m:t>
+                          </m:r>
+                        </m:e>
+                        <m:sub>
+                          <m:r>
+                            <a:rPr lang="en-US" altLang="ja-JP" sz="2400" b="0" i="1" smtClean="0">
+                              <a:latin typeface="Cambria Math" panose="02040503050406030204" pitchFamily="18" charset="0"/>
+                            </a:rPr>
+                            <m:t>𝐵</m:t>
+                          </m:r>
+                        </m:sub>
+                      </m:sSub>
+                      <m:r>
+                        <a:rPr lang="en-US" altLang="ja-JP" sz="2400" b="0" i="1" smtClean="0">
+                          <a:latin typeface="Cambria Math" panose="02040503050406030204" pitchFamily="18" charset="0"/>
+                        </a:rPr>
+                        <m:t>:</m:t>
+                      </m:r>
+                      <m:sSub>
+                        <m:sSubPr>
+                          <m:ctrlPr>
+                            <a:rPr lang="en-US" altLang="ja-JP" sz="2400" b="0" i="1" smtClean="0">
+                              <a:latin typeface="Cambria Math" panose="02040503050406030204" pitchFamily="18" charset="0"/>
+                            </a:rPr>
+                          </m:ctrlPr>
+                        </m:sSubPr>
+                        <m:e>
+                          <m:r>
+                            <a:rPr lang="en-US" altLang="ja-JP" sz="2400" b="0" i="1" smtClean="0">
+                              <a:latin typeface="Cambria Math" panose="02040503050406030204" pitchFamily="18" charset="0"/>
+                            </a:rPr>
+                            <m:t>𝑊</m:t>
+                          </m:r>
+                        </m:e>
+                        <m:sub>
+                          <m:r>
+                            <a:rPr lang="en-US" altLang="ja-JP" sz="2400" b="0" i="1" smtClean="0">
+                              <a:latin typeface="Cambria Math" panose="02040503050406030204" pitchFamily="18" charset="0"/>
+                            </a:rPr>
+                            <m:t>𝐶</m:t>
+                          </m:r>
+                        </m:sub>
+                      </m:sSub>
+                      <m:r>
+                        <a:rPr lang="en-US" altLang="ja-JP" sz="2400" b="0" i="1" smtClean="0">
+                          <a:latin typeface="Cambria Math" panose="02040503050406030204" pitchFamily="18" charset="0"/>
+                        </a:rPr>
+                        <m:t>=1:2:4</m:t>
+                      </m:r>
+                    </m:oMath>
+                  </m:oMathPara>
+                </a14:m>
+                <a:endParaRPr lang="en-US" altLang="ja-JP" sz="2400" b="0" dirty="0"/>
+              </a:p>
+              <a:p>
+                <a:pPr algn="l"/>
+                <a:r>
+                  <a:rPr lang="ja-JP" altLang="en-US" sz="2400" dirty="0"/>
+                  <a:t>となる。そこで</a:t>
+                </a:r>
+                <a:endParaRPr lang="en-US" altLang="ja-JP" sz="2400" dirty="0"/>
+              </a:p>
+              <a:p>
+                <a:pPr algn="l"/>
+                <a:endParaRPr lang="en-US" altLang="ja-JP" sz="2400" dirty="0"/>
+              </a:p>
+              <a:p>
+                <a:pPr marL="342900" indent="-342900" algn="l">
+                  <a:buFont typeface="Arial" panose="020B0604020202020204" pitchFamily="34" charset="0"/>
+                  <a:buChar char="•"/>
+                </a:pPr>
+                <a:r>
+                  <a:rPr lang="en-US" altLang="ja-JP" sz="2400" b="0" dirty="0" err="1"/>
+                  <a:t>mos</a:t>
+                </a:r>
+                <a:r>
+                  <a:rPr lang="ja-JP" altLang="en-US" sz="2400" b="0" dirty="0"/>
+                  <a:t>単体でシミュレーションを行い</a:t>
+                </a:r>
+                <a14:m>
+                  <m:oMath xmlns:m="http://schemas.openxmlformats.org/officeDocument/2006/math">
+                    <m:sSub>
+                      <m:sSubPr>
+                        <m:ctrlPr>
+                          <a:rPr lang="en-US" altLang="ja-JP" sz="2400" b="0" i="1" smtClean="0">
+                            <a:latin typeface="Cambria Math" panose="02040503050406030204" pitchFamily="18" charset="0"/>
+                          </a:rPr>
+                        </m:ctrlPr>
+                      </m:sSubPr>
+                      <m:e>
+                        <m:r>
+                          <a:rPr lang="en-US" altLang="ja-JP" sz="2400" b="0" i="1" smtClean="0">
+                            <a:latin typeface="Cambria Math" panose="02040503050406030204" pitchFamily="18" charset="0"/>
+                          </a:rPr>
+                          <m:t>𝑀</m:t>
+                        </m:r>
+                      </m:e>
+                      <m:sub>
+                        <m:r>
+                          <a:rPr lang="en-US" altLang="ja-JP" sz="2400" b="0" i="1" smtClean="0">
+                            <a:latin typeface="Cambria Math" panose="02040503050406030204" pitchFamily="18" charset="0"/>
+                          </a:rPr>
+                          <m:t>𝐶</m:t>
+                        </m:r>
+                      </m:sub>
+                    </m:sSub>
+                  </m:oMath>
+                </a14:m>
+                <a:r>
+                  <a:rPr lang="ja-JP" altLang="en-US" sz="2400" b="0" dirty="0"/>
+                  <a:t>の形状比を決定</a:t>
+                </a:r>
+                <a:endParaRPr lang="en-US" altLang="ja-JP" sz="2400" b="0" dirty="0"/>
+              </a:p>
+              <a:p>
+                <a:pPr marL="342900" indent="-342900" algn="l">
+                  <a:buFont typeface="Arial" panose="020B0604020202020204" pitchFamily="34" charset="0"/>
+                  <a:buChar char="•"/>
+                </a:pPr>
+                <a:r>
+                  <a:rPr lang="ja-JP" altLang="en-US" sz="2400" dirty="0"/>
+                  <a:t>バルクソース間電圧としきい電圧関係を導く</a:t>
+                </a:r>
+                <a:endParaRPr lang="en-US" altLang="ja-JP" sz="2400" dirty="0"/>
+              </a:p>
+              <a:p>
+                <a:pPr marL="342900" indent="-342900" algn="l">
+                  <a:buFont typeface="Arial" panose="020B0604020202020204" pitchFamily="34" charset="0"/>
+                  <a:buChar char="•"/>
+                </a:pPr>
+                <a14:m>
+                  <m:oMath xmlns:m="http://schemas.openxmlformats.org/officeDocument/2006/math">
+                    <m:r>
+                      <a:rPr lang="en-US" altLang="ja-JP" sz="2400" b="0" i="1" smtClean="0">
+                        <a:latin typeface="Cambria Math" panose="02040503050406030204" pitchFamily="18" charset="0"/>
+                      </a:rPr>
+                      <m:t>0.5 </m:t>
+                    </m:r>
+                    <m:r>
+                      <m:rPr>
+                        <m:sty m:val="p"/>
+                      </m:rPr>
+                      <a:rPr lang="en-US" altLang="ja-JP" sz="2400" b="0" i="0" smtClean="0">
+                        <a:latin typeface="Cambria Math" panose="02040503050406030204" pitchFamily="18" charset="0"/>
+                      </a:rPr>
+                      <m:t>V</m:t>
+                    </m:r>
+                  </m:oMath>
+                </a14:m>
+                <a:r>
+                  <a:rPr lang="ja-JP" altLang="en-US" sz="2400" b="0" dirty="0"/>
+                  <a:t>としきい電圧の差分を電圧源から減じる</a:t>
+                </a:r>
+                <a:endParaRPr lang="en-US" altLang="ja-JP" sz="2400" b="0" dirty="0"/>
+              </a:p>
+              <a:p>
+                <a:pPr marL="342900" indent="-342900" algn="l">
+                  <a:buFont typeface="Arial" panose="020B0604020202020204" pitchFamily="34" charset="0"/>
+                  <a:buChar char="•"/>
+                </a:pPr>
+                <a:endParaRPr lang="en-US" altLang="ja-JP" sz="2400" dirty="0"/>
+              </a:p>
+              <a:p>
+                <a:pPr algn="l"/>
+                <a:r>
+                  <a:rPr lang="ja-JP" altLang="en-US" sz="2400" b="0" dirty="0"/>
+                  <a:t>以上で再度設計を行う</a:t>
+                </a:r>
+                <a:endParaRPr lang="en-US" altLang="ja-JP" sz="2400" b="0" dirty="0"/>
+              </a:p>
+              <a:p>
+                <a:pPr algn="l"/>
+                <a:endParaRPr lang="en-US" altLang="ja-JP" sz="2400" b="0" dirty="0"/>
+              </a:p>
+            </p:txBody>
+          </p:sp>
+        </mc:Choice>
+        <mc:Fallback>
+          <p:sp>
+            <p:nvSpPr>
+              <p:cNvPr id="4" name="テキスト ボックス 3">
+                <a:extLst>
+                  <a:ext uri="{FF2B5EF4-FFF2-40B4-BE49-F238E27FC236}">
+                    <a16:creationId xmlns:a16="http://schemas.microsoft.com/office/drawing/2014/main" id="{663778A5-7B4F-83C8-B897-B573A8C71708}"/>
+                  </a:ext>
+                </a:extLst>
+              </p:cNvPr>
+              <p:cNvSpPr txBox="1">
+                <a:spLocks noRot="1" noChangeAspect="1" noMove="1" noResize="1" noEditPoints="1" noAdjustHandles="1" noChangeArrowheads="1" noChangeShapeType="1" noTextEdit="1"/>
+              </p:cNvSpPr>
+              <p:nvPr/>
+            </p:nvSpPr>
+            <p:spPr>
+              <a:xfrm>
+                <a:off x="1162976" y="1534832"/>
+                <a:ext cx="10190824" cy="4524315"/>
+              </a:xfrm>
+              <a:prstGeom prst="rect">
+                <a:avLst/>
+              </a:prstGeom>
+              <a:blipFill>
+                <a:blip r:embed="rId2"/>
+                <a:stretch>
+                  <a:fillRect l="-957" t="-1078"/>
+                </a:stretch>
+              </a:blipFill>
+            </p:spPr>
+            <p:txBody>
+              <a:bodyPr/>
+              <a:lstStyle/>
+              <a:p>
+                <a:r>
+                  <a:rPr lang="ja-JP" altLang="en-US">
+                    <a:noFill/>
+                  </a:rPr>
+                  <a:t> </a:t>
+                </a:r>
+              </a:p>
+            </p:txBody>
+          </p:sp>
+        </mc:Fallback>
+      </mc:AlternateContent>
+    </p:spTree>
+    <p:extLst>
+      <p:ext uri="{BB962C8B-B14F-4D97-AF65-F5344CB8AC3E}">
+        <p14:creationId xmlns:p14="http://schemas.microsoft.com/office/powerpoint/2010/main" val="3228795123"/>
+      </p:ext>
+    </p:extLst>
+  </p:cSld>
+  <p:clrMapOvr>
+    <a:masterClrMapping/>
+  </p:clrMapOvr>
+</p:sld>
+</file>
+
+<file path=ppt/slides/slide14.xml><?xml version="1.0" encoding="utf-8"?>
+<p:sld xmlns:a="http://schemas.openxmlformats.org/drawingml/2006/main" xmlns:r="http://schemas.openxmlformats.org/officeDocument/2006/relationships" xmlns:p="http://schemas.openxmlformats.org/presentationml/2006/main">
+  <p:cSld>
+    <p:spTree>
+      <p:nvGrpSpPr>
+        <p:cNvPr id="1" name=""/>
+        <p:cNvGrpSpPr/>
+        <p:nvPr/>
+      </p:nvGrpSpPr>
+      <p:grpSpPr>
+        <a:xfrm>
+          <a:off x="0" y="0"/>
+          <a:ext cx="0" cy="0"/>
+          <a:chOff x="0" y="0"/>
+          <a:chExt cx="0" cy="0"/>
+        </a:xfrm>
+      </p:grpSpPr>
+      <p:sp>
+        <p:nvSpPr>
+          <p:cNvPr id="2" name="タイトル 1">
+            <a:extLst>
+              <a:ext uri="{FF2B5EF4-FFF2-40B4-BE49-F238E27FC236}">
+                <a16:creationId xmlns:a16="http://schemas.microsoft.com/office/drawing/2014/main" id="{FB90C8DA-A8C2-1FF1-4DE4-5E8F74C13617}"/>
+              </a:ext>
+            </a:extLst>
+          </p:cNvPr>
+          <p:cNvSpPr>
+            <a:spLocks noGrp="1"/>
+          </p:cNvSpPr>
+          <p:nvPr>
+            <p:ph type="title"/>
+          </p:nvPr>
+        </p:nvSpPr>
+        <p:spPr/>
+        <p:txBody>
+          <a:bodyPr/>
+          <a:lstStyle/>
+          <a:p>
+            <a:r>
+              <a:rPr lang="en-US" altLang="ja-JP" dirty="0" err="1"/>
+              <a:t>m</a:t>
+            </a:r>
+            <a:r>
+              <a:rPr kumimoji="1" lang="en-US" altLang="ja-JP" dirty="0" err="1"/>
+              <a:t>os</a:t>
+            </a:r>
+            <a:r>
+              <a:rPr kumimoji="1" lang="ja-JP" altLang="en-US" dirty="0"/>
+              <a:t>単体のシミュレーション</a:t>
+            </a:r>
+          </a:p>
+        </p:txBody>
+      </p:sp>
+      <p:sp>
+        <p:nvSpPr>
+          <p:cNvPr id="3" name="スライド番号プレースホルダー 2">
+            <a:extLst>
+              <a:ext uri="{FF2B5EF4-FFF2-40B4-BE49-F238E27FC236}">
+                <a16:creationId xmlns:a16="http://schemas.microsoft.com/office/drawing/2014/main" id="{B5414B10-C844-8107-AB1D-18AF1FED5372}"/>
+              </a:ext>
+            </a:extLst>
+          </p:cNvPr>
+          <p:cNvSpPr>
+            <a:spLocks noGrp="1"/>
+          </p:cNvSpPr>
+          <p:nvPr>
+            <p:ph type="sldNum" sz="quarter" idx="12"/>
+          </p:nvPr>
+        </p:nvSpPr>
+        <p:spPr/>
+        <p:txBody>
+          <a:bodyPr/>
+          <a:lstStyle/>
+          <a:p>
+            <a:fld id="{BAC09C9C-7DB0-444B-A568-405A39CC84C0}" type="slidenum">
+              <a:rPr kumimoji="1" lang="ja-JP" altLang="en-US" smtClean="0"/>
+              <a:t>14</a:t>
+            </a:fld>
+            <a:endParaRPr kumimoji="1" lang="ja-JP" altLang="en-US"/>
+          </a:p>
+        </p:txBody>
+      </p:sp>
+    </p:spTree>
+    <p:extLst>
+      <p:ext uri="{BB962C8B-B14F-4D97-AF65-F5344CB8AC3E}">
+        <p14:creationId xmlns:p14="http://schemas.microsoft.com/office/powerpoint/2010/main" val="3109164432"/>
+      </p:ext>
+    </p:extLst>
+  </p:cSld>
+  <p:clrMapOvr>
+    <a:masterClrMapping/>
+  </p:clrMapOvr>
+</p:sld>
+</file>
+
 <file path=ppt/slides/slide2.xml><?xml version="1.0" encoding="utf-8"?>
 <p:sld xmlns:a="http://schemas.openxmlformats.org/drawingml/2006/main" xmlns:r="http://schemas.openxmlformats.org/officeDocument/2006/relationships" xmlns:p="http://schemas.openxmlformats.org/presentationml/2006/main">
   <p:cSld>
@@ -8491,7 +11686,15 @@
           <a:p>
             <a:r>
               <a:rPr kumimoji="1" lang="ja-JP" altLang="en-US" dirty="0"/>
-              <a:t>直流設計</a:t>
+              <a:t>直流設計 </a:t>
+            </a:r>
+            <a:r>
+              <a:rPr kumimoji="1" lang="en-US" altLang="ja-JP" dirty="0"/>
+              <a:t>– </a:t>
+            </a:r>
+            <a:r>
+              <a:rPr kumimoji="1" lang="ja-JP" altLang="en-US" dirty="0"/>
+              <a:t>電圧範囲</a:t>
             </a:r>
           </a:p>
         </p:txBody>
@@ -9632,15 +12835,23 @@
           </a:lstStyle>
           <a:p>
             <a:r>
-              <a:rPr lang="ja-JP" altLang="en-US"/>
-              <a:t>直流設計</a:t>
+              <a:rPr kumimoji="1" lang="ja-JP" altLang="en-US" dirty="0"/>
+              <a:t>直流設計 </a:t>
+            </a:r>
+            <a:r>
+              <a:rPr kumimoji="1" lang="en-US" altLang="ja-JP" dirty="0"/>
+              <a:t>– </a:t>
+            </a:r>
+            <a:r>
+              <a:rPr kumimoji="1" lang="ja-JP" altLang="en-US" dirty="0"/>
+              <a:t>電圧範囲</a:t>
             </a:r>
             <a:endParaRPr lang="ja-JP" altLang="en-US" dirty="0"/>
           </a:p>
         </p:txBody>
       </p:sp>
-      <mc:AlternateContent xmlns:mc="http://schemas.openxmlformats.org/markup-compatibility/2006">
-        <mc:Choice xmlns:a14="http://schemas.microsoft.com/office/drawing/2010/main" Requires="a14">
+      <mc:AlternateContent xmlns:mc="http://schemas.openxmlformats.org/markup-compatibility/2006" xmlns:a14="http://schemas.microsoft.com/office/drawing/2010/main">
+        <mc:Choice Requires="a14">
           <p:sp>
             <p:nvSpPr>
               <p:cNvPr id="4" name="テキスト ボックス 3">
@@ -12004,7 +15215,7 @@
             </p:txBody>
           </p:sp>
         </mc:Choice>
-        <mc:Fallback>
+        <mc:Fallback xmlns="">
           <p:sp>
             <p:nvSpPr>
               <p:cNvPr id="4" name="テキスト ボックス 3">
@@ -12131,13 +15342,21 @@
           <a:p>
             <a:r>
               <a:rPr kumimoji="1" lang="ja-JP" altLang="en-US" dirty="0"/>
-              <a:t>直流設計</a:t>
+              <a:t>直流設計 </a:t>
+            </a:r>
+            <a:r>
+              <a:rPr kumimoji="1" lang="en-US" altLang="ja-JP" dirty="0"/>
+              <a:t>– </a:t>
+            </a:r>
+            <a:r>
+              <a:rPr kumimoji="1" lang="ja-JP" altLang="en-US" dirty="0"/>
+              <a:t>電圧範囲</a:t>
             </a:r>
           </a:p>
         </p:txBody>
       </p:sp>
-      <mc:AlternateContent xmlns:mc="http://schemas.openxmlformats.org/markup-compatibility/2006">
-        <mc:Choice xmlns:a14="http://schemas.microsoft.com/office/drawing/2010/main" Requires="a14">
+      <mc:AlternateContent xmlns:mc="http://schemas.openxmlformats.org/markup-compatibility/2006" xmlns:a14="http://schemas.microsoft.com/office/drawing/2010/main">
+        <mc:Choice Requires="a14">
           <p:sp>
             <p:nvSpPr>
               <p:cNvPr id="8" name="テキスト ボックス 7">
@@ -13295,7 +16514,7 @@
             </p:txBody>
           </p:sp>
         </mc:Choice>
-        <mc:Fallback>
+        <mc:Fallback xmlns="">
           <p:sp>
             <p:nvSpPr>
               <p:cNvPr id="8" name="テキスト ボックス 7">
@@ -13562,14 +16781,23 @@
           </a:lstStyle>
           <a:p>
             <a:r>
-              <a:rPr lang="ja-JP" altLang="en-US" dirty="0"/>
-              <a:t>直流設計</a:t>
+              <a:rPr kumimoji="1" lang="ja-JP" altLang="en-US" dirty="0"/>
+              <a:t>直流設計 </a:t>
             </a:r>
+            <a:r>
+              <a:rPr kumimoji="1" lang="en-US" altLang="ja-JP" dirty="0"/>
+              <a:t>– </a:t>
+            </a:r>
+            <a:r>
+              <a:rPr kumimoji="1" lang="ja-JP" altLang="en-US" dirty="0"/>
+              <a:t>電圧範囲</a:t>
+            </a:r>
+            <a:endParaRPr lang="ja-JP" altLang="en-US" dirty="0"/>
           </a:p>
         </p:txBody>
       </p:sp>
-      <mc:AlternateContent xmlns:mc="http://schemas.openxmlformats.org/markup-compatibility/2006">
-        <mc:Choice xmlns:a14="http://schemas.microsoft.com/office/drawing/2010/main" Requires="a14">
+      <mc:AlternateContent xmlns:mc="http://schemas.openxmlformats.org/markup-compatibility/2006" xmlns:a14="http://schemas.microsoft.com/office/drawing/2010/main">
+        <mc:Choice Requires="a14">
           <p:sp>
             <p:nvSpPr>
               <p:cNvPr id="5" name="テキスト ボックス 4">
@@ -13752,13 +16980,7 @@
                         <a:rPr lang="en-US" altLang="ja-JP" sz="2400" i="1">
                           <a:latin typeface="Cambria Math" panose="02040503050406030204" pitchFamily="18" charset="0"/>
                         </a:rPr>
-                        <m:t>=1.5−0.</m:t>
-                      </m:r>
-                      <m:r>
-                        <a:rPr lang="en-US" altLang="ja-JP" sz="2400" b="0" i="1" smtClean="0">
-                          <a:latin typeface="Cambria Math" panose="02040503050406030204" pitchFamily="18" charset="0"/>
-                        </a:rPr>
-                        <m:t>3&gt;</m:t>
+                        <m:t>=1.5−0.3&gt;</m:t>
                       </m:r>
                       <m:sSub>
                         <m:sSubPr>
@@ -14597,7 +17819,7 @@
             </p:txBody>
           </p:sp>
         </mc:Choice>
-        <mc:Fallback>
+        <mc:Fallback xmlns="">
           <p:sp>
             <p:nvSpPr>
               <p:cNvPr id="5" name="テキスト ボックス 4">
@@ -14747,9 +17969,18 @@
           </a:lstStyle>
           <a:p>
             <a:r>
-              <a:rPr lang="ja-JP" altLang="en-US" dirty="0"/>
-              <a:t>直流設計</a:t>
+              <a:rPr kumimoji="1" lang="ja-JP" altLang="en-US" dirty="0"/>
+              <a:t>直流設計 </a:t>
             </a:r>
+            <a:r>
+              <a:rPr kumimoji="1" lang="en-US" altLang="ja-JP" dirty="0"/>
+              <a:t>– </a:t>
+            </a:r>
+            <a:r>
+              <a:rPr kumimoji="1" lang="ja-JP" altLang="en-US" dirty="0"/>
+              <a:t>電圧範囲</a:t>
+            </a:r>
+            <a:endParaRPr lang="ja-JP" altLang="en-US" dirty="0"/>
           </a:p>
         </p:txBody>
       </p:sp>
@@ -16725,9 +19956,18 @@
           </a:lstStyle>
           <a:p>
             <a:r>
-              <a:rPr lang="ja-JP" altLang="en-US" dirty="0"/>
-              <a:t>直流設計</a:t>
+              <a:rPr kumimoji="1" lang="ja-JP" altLang="en-US" dirty="0"/>
+              <a:t>直流設計 </a:t>
             </a:r>
+            <a:r>
+              <a:rPr kumimoji="1" lang="en-US" altLang="ja-JP" dirty="0"/>
+              <a:t>– </a:t>
+            </a:r>
+            <a:r>
+              <a:rPr kumimoji="1" lang="ja-JP" altLang="en-US" dirty="0"/>
+              <a:t>電圧範囲</a:t>
+            </a:r>
+            <a:endParaRPr lang="ja-JP" altLang="en-US" dirty="0"/>
           </a:p>
         </p:txBody>
       </p:sp>
@@ -16873,13 +20113,21 @@
           <a:p>
             <a:r>
               <a:rPr lang="ja-JP" altLang="en-US" dirty="0"/>
-              <a:t>直流設計</a:t>
+              <a:t>直流設計 </a:t>
+            </a:r>
+            <a:r>
+              <a:rPr lang="en-US" altLang="ja-JP" dirty="0"/>
+              <a:t>– </a:t>
+            </a:r>
+            <a:r>
+              <a:rPr lang="ja-JP" altLang="en-US" dirty="0"/>
+              <a:t>電圧値</a:t>
             </a:r>
           </a:p>
         </p:txBody>
       </p:sp>
-      <mc:AlternateContent xmlns:mc="http://schemas.openxmlformats.org/markup-compatibility/2006">
-        <mc:Choice xmlns:a14="http://schemas.microsoft.com/office/drawing/2010/main" Requires="a14">
+      <mc:AlternateContent xmlns:mc="http://schemas.openxmlformats.org/markup-compatibility/2006" xmlns:a14="http://schemas.microsoft.com/office/drawing/2010/main">
+        <mc:Choice Requires="a14">
           <p:sp>
             <p:nvSpPr>
               <p:cNvPr id="4" name="テキスト ボックス 3">
@@ -17981,7 +21229,7 @@
             </p:txBody>
           </p:sp>
         </mc:Choice>
-        <mc:Fallback>
+        <mc:Fallback xmlns="">
           <p:sp>
             <p:nvSpPr>
               <p:cNvPr id="4" name="テキスト ボックス 3">
@@ -18026,8 +21274,8 @@
           </p:sp>
         </mc:Fallback>
       </mc:AlternateContent>
-      <mc:AlternateContent xmlns:mc="http://schemas.openxmlformats.org/markup-compatibility/2006">
-        <mc:Choice xmlns:a14="http://schemas.microsoft.com/office/drawing/2010/main" Requires="a14">
+      <mc:AlternateContent xmlns:mc="http://schemas.openxmlformats.org/markup-compatibility/2006" xmlns:a14="http://schemas.microsoft.com/office/drawing/2010/main">
+        <mc:Choice Requires="a14">
           <p:sp>
             <p:nvSpPr>
               <p:cNvPr id="6" name="テキスト ボックス 5">
@@ -18198,7 +21446,7 @@
             </p:txBody>
           </p:sp>
         </mc:Choice>
-        <mc:Fallback>
+        <mc:Fallback xmlns="">
           <p:sp>
             <p:nvSpPr>
               <p:cNvPr id="6" name="テキスト ボックス 5">
@@ -18296,9 +21544,16 @@
           <a:p>
             <a:r>
               <a:rPr lang="ja-JP" altLang="en-US" dirty="0"/>
-              <a:t>直流設計</a:t>
+              <a:t>直流設計 </a:t>
             </a:r>
-            <a:endParaRPr kumimoji="1" lang="ja-JP" altLang="en-US" dirty="0"/>
+            <a:r>
+              <a:rPr lang="en-US" altLang="ja-JP" dirty="0"/>
+              <a:t>– </a:t>
+            </a:r>
+            <a:r>
+              <a:rPr lang="ja-JP" altLang="en-US" dirty="0"/>
+              <a:t>電圧値</a:t>
+            </a:r>
           </a:p>
         </p:txBody>
       </p:sp>
@@ -18367,8 +21622,8 @@
           </a:prstGeom>
         </p:spPr>
       </p:pic>
-      <mc:AlternateContent xmlns:mc="http://schemas.openxmlformats.org/markup-compatibility/2006">
-        <mc:Choice xmlns:a14="http://schemas.microsoft.com/office/drawing/2010/main" Requires="a14">
+      <mc:AlternateContent xmlns:mc="http://schemas.openxmlformats.org/markup-compatibility/2006" xmlns:a14="http://schemas.microsoft.com/office/drawing/2010/main">
+        <mc:Choice Requires="a14">
           <p:graphicFrame>
             <p:nvGraphicFramePr>
               <p:cNvPr id="5" name="表 5">
@@ -18968,7 +22223,7 @@
             </a:graphic>
           </p:graphicFrame>
         </mc:Choice>
-        <mc:Fallback>
+        <mc:Fallback xmlns="">
           <p:graphicFrame>
             <p:nvGraphicFramePr>
               <p:cNvPr id="5" name="表 5">
@@ -19333,8 +22588,8 @@
             </p:nvSpPr>
             <p:spPr>
               <a:xfrm>
-                <a:off x="6908449" y="3706615"/>
-                <a:ext cx="4751876" cy="2308324"/>
+                <a:off x="6908449" y="3309362"/>
+                <a:ext cx="4751876" cy="3046988"/>
               </a:xfrm>
               <a:prstGeom prst="rect">
                 <a:avLst/>
@@ -19555,22 +22810,22 @@
               <a:p>
                 <a:pPr algn="l"/>
                 <a:r>
-                  <a:rPr kumimoji="1" lang="ja-JP" altLang="en-US" sz="2400" dirty="0"/>
-                  <a:t>また、</a:t>
+                  <a:rPr lang="ja-JP" altLang="en-US" sz="2400" dirty="0"/>
+                  <a:t>また、とりあえず</a:t>
                 </a:r>
                 <a14:m>
                   <m:oMath xmlns:m="http://schemas.openxmlformats.org/officeDocument/2006/math">
                     <m:sSub>
                       <m:sSubPr>
                         <m:ctrlPr>
-                          <a:rPr kumimoji="1" lang="en-US" altLang="ja-JP" sz="2400" b="0" i="1" smtClean="0">
+                          <a:rPr lang="en-US" altLang="ja-JP" sz="2400" b="0" i="1" smtClean="0">
                             <a:latin typeface="Cambria Math" panose="02040503050406030204" pitchFamily="18" charset="0"/>
                           </a:rPr>
                         </m:ctrlPr>
                       </m:sSubPr>
                       <m:e>
                         <m:r>
-                          <a:rPr kumimoji="1" lang="en-US" altLang="ja-JP" sz="2400" b="0" i="1" smtClean="0">
+                          <a:rPr lang="en-US" altLang="ja-JP" sz="2400" b="0" i="1" smtClean="0">
                             <a:latin typeface="Cambria Math" panose="02040503050406030204" pitchFamily="18" charset="0"/>
                           </a:rPr>
                           <m:t>𝐾</m:t>
@@ -19578,7 +22833,7 @@
                       </m:e>
                       <m:sub>
                         <m:r>
-                          <a:rPr kumimoji="1" lang="en-US" altLang="ja-JP" sz="2400" b="0" i="1" smtClean="0">
+                          <a:rPr lang="en-US" altLang="ja-JP" sz="2400" b="0" i="1" smtClean="0">
                             <a:latin typeface="Cambria Math" panose="02040503050406030204" pitchFamily="18" charset="0"/>
                           </a:rPr>
                           <m:t>0</m:t>
@@ -19586,44 +22841,7 @@
                       </m:sub>
                     </m:sSub>
                     <m:r>
-                      <a:rPr kumimoji="1" lang="en-US" altLang="ja-JP" sz="2400" b="0" i="1" smtClean="0">
-                        <a:latin typeface="Cambria Math" panose="02040503050406030204" pitchFamily="18" charset="0"/>
-                      </a:rPr>
-                      <m:t>≡</m:t>
-                    </m:r>
-                    <m:r>
-                      <a:rPr kumimoji="1" lang="en-US" altLang="ja-JP" sz="2400" b="0" i="1" smtClean="0">
-                        <a:latin typeface="Cambria Math" panose="02040503050406030204" pitchFamily="18" charset="0"/>
-                      </a:rPr>
-                      <m:t>𝜇</m:t>
-                    </m:r>
-                    <m:sSub>
-                      <m:sSubPr>
-                        <m:ctrlPr>
-                          <a:rPr kumimoji="1" lang="en-US" altLang="ja-JP" sz="2400" b="0" i="1" smtClean="0">
-                            <a:latin typeface="Cambria Math" panose="02040503050406030204" pitchFamily="18" charset="0"/>
-                          </a:rPr>
-                        </m:ctrlPr>
-                      </m:sSubPr>
-                      <m:e>
-                        <m:r>
-                          <a:rPr kumimoji="1" lang="en-US" altLang="ja-JP" sz="2400" b="0" i="1" smtClean="0">
-                            <a:latin typeface="Cambria Math" panose="02040503050406030204" pitchFamily="18" charset="0"/>
-                          </a:rPr>
-                          <m:t>𝐶</m:t>
-                        </m:r>
-                      </m:e>
-                      <m:sub>
-                        <m:r>
-                          <a:rPr kumimoji="1" lang="en-US" altLang="ja-JP" sz="2400" b="0" i="1" smtClean="0">
-                            <a:latin typeface="Cambria Math" panose="02040503050406030204" pitchFamily="18" charset="0"/>
-                          </a:rPr>
-                          <m:t>𝑜𝑥</m:t>
-                        </m:r>
-                      </m:sub>
-                    </m:sSub>
-                    <m:r>
-                      <a:rPr kumimoji="1" lang="en-US" altLang="ja-JP" sz="2400" b="0" i="1" smtClean="0">
+                      <a:rPr lang="en-US" altLang="ja-JP" sz="2400" b="0" i="1" smtClean="0">
                         <a:latin typeface="Cambria Math" panose="02040503050406030204" pitchFamily="18" charset="0"/>
                       </a:rPr>
                       <m:t>=100 </m:t>
@@ -19632,13 +22850,13 @@
                       <m:rPr>
                         <m:sty m:val="p"/>
                       </m:rPr>
-                      <a:rPr kumimoji="1" lang="en-US" altLang="ja-JP" sz="2400" b="0" i="0" smtClean="0">
+                      <a:rPr lang="en-US" altLang="ja-JP" sz="2400" b="0" i="0" smtClean="0">
                         <a:latin typeface="Cambria Math" panose="02040503050406030204" pitchFamily="18" charset="0"/>
                       </a:rPr>
                       <m:t>μS</m:t>
                     </m:r>
                     <m:r>
-                      <a:rPr kumimoji="1" lang="en-US" altLang="ja-JP" sz="2400" b="0" i="0" smtClean="0">
+                      <a:rPr lang="en-US" altLang="ja-JP" sz="2400" b="0" i="0" smtClean="0">
                         <a:latin typeface="Cambria Math" panose="02040503050406030204" pitchFamily="18" charset="0"/>
                       </a:rPr>
                       <m:t>/</m:t>
@@ -19647,27 +22865,27 @@
                       <m:rPr>
                         <m:sty m:val="p"/>
                       </m:rPr>
-                      <a:rPr kumimoji="1" lang="en-US" altLang="ja-JP" sz="2400" b="0" i="0" smtClean="0">
+                      <a:rPr lang="en-US" altLang="ja-JP" sz="2400" b="0" i="0" smtClean="0">
                         <a:latin typeface="Cambria Math" panose="02040503050406030204" pitchFamily="18" charset="0"/>
                       </a:rPr>
                       <m:t>V</m:t>
                     </m:r>
                   </m:oMath>
                 </a14:m>
-                <a:r>
-                  <a:rPr kumimoji="1" lang="ja-JP" altLang="en-US" sz="2400" dirty="0"/>
-                  <a:t>、</a:t>
-                </a:r>
+                <a:endParaRPr lang="en-US" altLang="ja-JP" sz="2400" b="0" dirty="0"/>
+              </a:p>
+              <a:p>
+                <a:pPr algn="l"/>
                 <a14:m>
                   <m:oMath xmlns:m="http://schemas.openxmlformats.org/officeDocument/2006/math">
                     <m:r>
-                      <a:rPr kumimoji="1" lang="en-US" altLang="ja-JP" sz="2400" b="0" i="1" dirty="0" smtClean="0">
+                      <a:rPr kumimoji="1" lang="en-US" altLang="ja-JP" sz="2400" b="0" i="1" smtClean="0">
                         <a:latin typeface="Cambria Math" panose="02040503050406030204" pitchFamily="18" charset="0"/>
                       </a:rPr>
                       <m:t>𝐿</m:t>
                     </m:r>
                     <m:r>
-                      <a:rPr kumimoji="1" lang="en-US" altLang="ja-JP" sz="2400" b="0" i="1" dirty="0" smtClean="0">
+                      <a:rPr kumimoji="1" lang="en-US" altLang="ja-JP" sz="2400" b="0" i="1" smtClean="0">
                         <a:latin typeface="Cambria Math" panose="02040503050406030204" pitchFamily="18" charset="0"/>
                       </a:rPr>
                       <m:t>=0.54 </m:t>
@@ -19676,7 +22894,7 @@
                       <m:rPr>
                         <m:sty m:val="p"/>
                       </m:rPr>
-                      <a:rPr kumimoji="1" lang="en-US" altLang="ja-JP" sz="2400" b="0" i="0" dirty="0" smtClean="0">
+                      <a:rPr kumimoji="1" lang="en-US" altLang="ja-JP" sz="2400" b="0" i="0" smtClean="0">
                         <a:latin typeface="Cambria Math" panose="02040503050406030204" pitchFamily="18" charset="0"/>
                       </a:rPr>
                       <m:t>μm</m:t>
@@ -19685,7 +22903,40 @@
                 </a14:m>
                 <a:r>
                   <a:rPr kumimoji="1" lang="ja-JP" altLang="en-US" sz="2400" dirty="0"/>
-                  <a:t>として計算する。</a:t>
+                  <a:t>として計算し、シミュレーションとの差が大きければ再度</a:t>
+                </a:r>
+                <a14:m>
+                  <m:oMath xmlns:m="http://schemas.openxmlformats.org/officeDocument/2006/math">
+                    <m:sSub>
+                      <m:sSubPr>
+                        <m:ctrlPr>
+                          <a:rPr kumimoji="1" lang="en-US" altLang="ja-JP" sz="2400" b="0" i="1" smtClean="0">
+                            <a:latin typeface="Cambria Math" panose="02040503050406030204" pitchFamily="18" charset="0"/>
+                          </a:rPr>
+                        </m:ctrlPr>
+                      </m:sSubPr>
+                      <m:e>
+                        <m:r>
+                          <a:rPr kumimoji="1" lang="en-US" altLang="ja-JP" sz="2400" b="0" i="1" smtClean="0">
+                            <a:latin typeface="Cambria Math" panose="02040503050406030204" pitchFamily="18" charset="0"/>
+                          </a:rPr>
+                          <m:t>𝐾</m:t>
+                        </m:r>
+                      </m:e>
+                      <m:sub>
+                        <m:r>
+                          <a:rPr kumimoji="1" lang="en-US" altLang="ja-JP" sz="2400" b="0" i="1" smtClean="0">
+                            <a:latin typeface="Cambria Math" panose="02040503050406030204" pitchFamily="18" charset="0"/>
+                          </a:rPr>
+                          <m:t>0</m:t>
+                        </m:r>
+                      </m:sub>
+                    </m:sSub>
+                  </m:oMath>
+                </a14:m>
+                <a:r>
+                  <a:rPr kumimoji="1" lang="ja-JP" altLang="en-US" sz="2400" dirty="0"/>
+                  <a:t>の推定などを行う。</a:t>
                 </a:r>
                 <a:endParaRPr kumimoji="1" lang="en-US" altLang="ja-JP" sz="2400" dirty="0"/>
               </a:p>
@@ -19709,8 +22960,8 @@
             </p:nvSpPr>
             <p:spPr>
               <a:xfrm>
-                <a:off x="6908449" y="3706615"/>
-                <a:ext cx="4751876" cy="2308324"/>
+                <a:off x="6908449" y="3309362"/>
+                <a:ext cx="4751876" cy="3046988"/>
               </a:xfrm>
               <a:prstGeom prst="rect">
                 <a:avLst/>
@@ -19718,7 +22969,7 @@
               <a:blipFill>
                 <a:blip r:embed="rId4"/>
                 <a:stretch>
-                  <a:fillRect l="-1923" t="-2111" b="-5013"/>
+                  <a:fillRect l="-1923" t="-1600" b="-3600"/>
                 </a:stretch>
               </a:blipFill>
             </p:spPr>

--- a/folded_gilbert/20230703/進捗報告 ギルバートセルの設計.pptx
+++ b/folded_gilbert/20230703/進捗報告 ギルバートセルの設計.pptx
@@ -210,7 +210,7 @@
           <a:p>
             <a:fld id="{549807DF-6D6B-4FBB-BCC0-A02F811705A5}" type="datetimeFigureOut">
               <a:rPr kumimoji="1" lang="ja-JP" altLang="en-US" smtClean="0"/>
-              <a:t>2023/6/30</a:t>
+              <a:t>2023/7/1</a:t>
             </a:fld>
             <a:endParaRPr kumimoji="1" lang="ja-JP" altLang="en-US"/>
           </a:p>
@@ -740,7 +740,7 @@
           <a:p>
             <a:fld id="{60A54C10-CBFD-4E35-B4EB-B0193AB6CB57}" type="datetime1">
               <a:rPr kumimoji="1" lang="ja-JP" altLang="en-US" smtClean="0"/>
-              <a:t>2023/6/30</a:t>
+              <a:t>2023/7/1</a:t>
             </a:fld>
             <a:endParaRPr kumimoji="1" lang="ja-JP" altLang="en-US"/>
           </a:p>
@@ -970,7 +970,7 @@
           <a:p>
             <a:fld id="{F4BA7B89-9BB0-41B5-AC4C-45D3785AA4DD}" type="datetime1">
               <a:rPr kumimoji="1" lang="ja-JP" altLang="en-US" smtClean="0"/>
-              <a:t>2023/6/30</a:t>
+              <a:t>2023/7/1</a:t>
             </a:fld>
             <a:endParaRPr kumimoji="1" lang="ja-JP" altLang="en-US"/>
           </a:p>
@@ -1210,7 +1210,7 @@
           <a:p>
             <a:fld id="{C221166A-4E1E-4742-BF44-64DF0ACE26D3}" type="datetime1">
               <a:rPr kumimoji="1" lang="ja-JP" altLang="en-US" smtClean="0"/>
-              <a:t>2023/6/30</a:t>
+              <a:t>2023/7/1</a:t>
             </a:fld>
             <a:endParaRPr kumimoji="1" lang="ja-JP" altLang="en-US"/>
           </a:p>
@@ -1440,7 +1440,7 @@
           <a:p>
             <a:fld id="{E6642667-7995-4F90-8DE1-F95B66B6815A}" type="datetime1">
               <a:rPr kumimoji="1" lang="ja-JP" altLang="en-US" smtClean="0"/>
-              <a:t>2023/6/30</a:t>
+              <a:t>2023/7/1</a:t>
             </a:fld>
             <a:endParaRPr kumimoji="1" lang="ja-JP" altLang="en-US"/>
           </a:p>
@@ -1715,7 +1715,7 @@
           <a:p>
             <a:fld id="{F59E1B56-6A81-4DDE-9157-49C87FB4AB2E}" type="datetime1">
               <a:rPr kumimoji="1" lang="ja-JP" altLang="en-US" smtClean="0"/>
-              <a:t>2023/6/30</a:t>
+              <a:t>2023/7/1</a:t>
             </a:fld>
             <a:endParaRPr kumimoji="1" lang="ja-JP" altLang="en-US"/>
           </a:p>
@@ -2044,7 +2044,7 @@
           <a:p>
             <a:fld id="{3DF7C465-4206-412B-8A2E-12EFD38C787C}" type="datetime1">
               <a:rPr kumimoji="1" lang="ja-JP" altLang="en-US" smtClean="0"/>
-              <a:t>2023/6/30</a:t>
+              <a:t>2023/7/1</a:t>
             </a:fld>
             <a:endParaRPr kumimoji="1" lang="ja-JP" altLang="en-US"/>
           </a:p>
@@ -2520,7 +2520,7 @@
           <a:p>
             <a:fld id="{23AE4571-AB7E-416B-A85F-9EF4309F6F2D}" type="datetime1">
               <a:rPr kumimoji="1" lang="ja-JP" altLang="en-US" smtClean="0"/>
-              <a:t>2023/6/30</a:t>
+              <a:t>2023/7/1</a:t>
             </a:fld>
             <a:endParaRPr kumimoji="1" lang="ja-JP" altLang="en-US"/>
           </a:p>
@@ -2661,7 +2661,7 @@
           <a:p>
             <a:fld id="{5459F62E-E864-4737-BE9B-33263A3B3110}" type="datetime1">
               <a:rPr kumimoji="1" lang="ja-JP" altLang="en-US" smtClean="0"/>
-              <a:t>2023/6/30</a:t>
+              <a:t>2023/7/1</a:t>
             </a:fld>
             <a:endParaRPr kumimoji="1" lang="ja-JP" altLang="en-US"/>
           </a:p>
@@ -2774,7 +2774,7 @@
           <a:p>
             <a:fld id="{76F1A348-4091-4F0A-98E5-EF5430A56439}" type="datetime1">
               <a:rPr kumimoji="1" lang="ja-JP" altLang="en-US" smtClean="0"/>
-              <a:t>2023/6/30</a:t>
+              <a:t>2023/7/1</a:t>
             </a:fld>
             <a:endParaRPr kumimoji="1" lang="ja-JP" altLang="en-US"/>
           </a:p>
@@ -3117,7 +3117,7 @@
           <a:p>
             <a:fld id="{5E9D62C4-A752-4BD5-9785-6C0169035F55}" type="datetime1">
               <a:rPr kumimoji="1" lang="ja-JP" altLang="en-US" smtClean="0"/>
-              <a:t>2023/6/30</a:t>
+              <a:t>2023/7/1</a:t>
             </a:fld>
             <a:endParaRPr kumimoji="1" lang="ja-JP" altLang="en-US"/>
           </a:p>
@@ -3405,7 +3405,7 @@
           <a:p>
             <a:fld id="{76D4538D-E277-4A45-AC68-072B6C08A6B8}" type="datetime1">
               <a:rPr kumimoji="1" lang="ja-JP" altLang="en-US" smtClean="0"/>
-              <a:t>2023/6/30</a:t>
+              <a:t>2023/7/1</a:t>
             </a:fld>
             <a:endParaRPr kumimoji="1" lang="ja-JP" altLang="en-US"/>
           </a:p>
@@ -3678,7 +3678,7 @@
           <a:p>
             <a:fld id="{AFF092D2-E1EF-4E13-8843-11675777E9C2}" type="datetime1">
               <a:rPr kumimoji="1" lang="ja-JP" altLang="en-US" smtClean="0"/>
-              <a:t>2023/6/30</a:t>
+              <a:t>2023/7/1</a:t>
             </a:fld>
             <a:endParaRPr kumimoji="1" lang="ja-JP" altLang="en-US"/>
           </a:p>
@@ -4289,8 +4289,8 @@
           </a:p>
         </p:txBody>
       </p:sp>
-      <mc:AlternateContent xmlns:mc="http://schemas.openxmlformats.org/markup-compatibility/2006">
-        <mc:Choice xmlns:a14="http://schemas.microsoft.com/office/drawing/2010/main" Requires="a14">
+      <mc:AlternateContent xmlns:mc="http://schemas.openxmlformats.org/markup-compatibility/2006" xmlns:a14="http://schemas.microsoft.com/office/drawing/2010/main">
+        <mc:Choice Requires="a14">
           <p:sp>
             <p:nvSpPr>
               <p:cNvPr id="4" name="テキスト ボックス 3">
@@ -4786,13 +4786,7 @@
                             <a:rPr kumimoji="1" lang="en-US" altLang="ja-JP" sz="2400" b="0" i="1" smtClean="0">
                               <a:latin typeface="Cambria Math" panose="02040503050406030204" pitchFamily="18" charset="0"/>
                             </a:rPr>
-                            <m:t>2</m:t>
-                          </m:r>
-                          <m:r>
-                            <a:rPr kumimoji="1" lang="en-US" altLang="ja-JP" sz="2400" b="0" i="1" smtClean="0">
-                              <a:latin typeface="Cambria Math" panose="02040503050406030204" pitchFamily="18" charset="0"/>
-                            </a:rPr>
-                            <m:t>⋅</m:t>
+                            <m:t>2⋅</m:t>
                           </m:r>
                           <m:r>
                             <a:rPr kumimoji="1" lang="en-US" altLang="ja-JP" sz="2400" b="0" i="1" smtClean="0">
@@ -4971,13 +4965,7 @@
                             <a:rPr kumimoji="1" lang="en-US" altLang="ja-JP" sz="2400" b="0" i="1" smtClean="0">
                               <a:latin typeface="Cambria Math" panose="02040503050406030204" pitchFamily="18" charset="0"/>
                             </a:rPr>
-                            <m:t>2</m:t>
-                          </m:r>
-                          <m:r>
-                            <a:rPr kumimoji="1" lang="en-US" altLang="ja-JP" sz="2400" b="0" i="1" smtClean="0">
-                              <a:latin typeface="Cambria Math" panose="02040503050406030204" pitchFamily="18" charset="0"/>
-                            </a:rPr>
-                            <m:t>⋅0.54×</m:t>
+                            <m:t>2⋅0.54×</m:t>
                           </m:r>
                           <m:sSup>
                             <m:sSupPr>
@@ -5205,7 +5193,7 @@
             </p:txBody>
           </p:sp>
         </mc:Choice>
-        <mc:Fallback>
+        <mc:Fallback xmlns="">
           <p:sp>
             <p:nvSpPr>
               <p:cNvPr id="4" name="テキスト ボックス 3">
@@ -5360,7 +5348,7 @@
           </p:cNvPicPr>
           <p:nvPr/>
         </p:nvPicPr>
-        <p:blipFill>
+        <p:blipFill rotWithShape="1">
           <a:blip r:embed="rId3">
             <a:extLst>
               <a:ext uri="{28A0092B-C50C-407E-A947-70E740481C1C}">
@@ -5368,22 +5356,21 @@
               </a:ext>
             </a:extLst>
           </a:blip>
-          <a:stretch>
-            <a:fillRect/>
-          </a:stretch>
+          <a:srcRect l="5216"/>
+          <a:stretch/>
         </p:blipFill>
         <p:spPr>
           <a:xfrm>
-            <a:off x="-380172" y="1192271"/>
-            <a:ext cx="7288621" cy="5576170"/>
+            <a:off x="0" y="1198899"/>
+            <a:ext cx="6908449" cy="5576170"/>
           </a:xfrm>
           <a:prstGeom prst="rect">
             <a:avLst/>
           </a:prstGeom>
         </p:spPr>
       </p:pic>
-      <mc:AlternateContent xmlns:mc="http://schemas.openxmlformats.org/markup-compatibility/2006">
-        <mc:Choice xmlns:a14="http://schemas.microsoft.com/office/drawing/2010/main" Requires="a14">
+      <mc:AlternateContent xmlns:mc="http://schemas.openxmlformats.org/markup-compatibility/2006" xmlns:a14="http://schemas.microsoft.com/office/drawing/2010/main">
+        <mc:Choice Requires="a14">
           <p:graphicFrame>
             <p:nvGraphicFramePr>
               <p:cNvPr id="5" name="表 5">
@@ -6879,7 +6866,7 @@
             </a:graphic>
           </p:graphicFrame>
         </mc:Choice>
-        <mc:Fallback>
+        <mc:Fallback xmlns="">
           <p:graphicFrame>
             <p:nvGraphicFramePr>
               <p:cNvPr id="5" name="表 5">
@@ -7950,8 +7937,8 @@
           </a:p>
         </p:txBody>
       </p:sp>
-      <mc:AlternateContent xmlns:mc="http://schemas.openxmlformats.org/markup-compatibility/2006">
-        <mc:Choice xmlns:a14="http://schemas.microsoft.com/office/drawing/2010/main" Requires="a14">
+      <mc:AlternateContent xmlns:mc="http://schemas.openxmlformats.org/markup-compatibility/2006" xmlns:a14="http://schemas.microsoft.com/office/drawing/2010/main">
+        <mc:Choice Requires="a14">
           <p:graphicFrame>
             <p:nvGraphicFramePr>
               <p:cNvPr id="4" name="表 4">
@@ -8259,6 +8246,7 @@
                         <a:bodyPr/>
                         <a:lstStyle/>
                         <a:p>
+                          <a:pPr/>
                           <a14:m>
                             <m:oMathPara xmlns:m="http://schemas.openxmlformats.org/officeDocument/2006/math">
                               <m:oMathParaPr>
@@ -8382,6 +8370,7 @@
                         <a:bodyPr/>
                         <a:lstStyle/>
                         <a:p>
+                          <a:pPr/>
                           <a14:m>
                             <m:oMathPara xmlns:m="http://schemas.openxmlformats.org/officeDocument/2006/math">
                               <m:oMathParaPr>
@@ -8505,6 +8494,7 @@
                         <a:bodyPr/>
                         <a:lstStyle/>
                         <a:p>
+                          <a:pPr/>
                           <a14:m>
                             <m:oMathPara xmlns:m="http://schemas.openxmlformats.org/officeDocument/2006/math">
                               <m:oMathParaPr>
@@ -8732,6 +8722,7 @@
                         <a:bodyPr/>
                         <a:lstStyle/>
                         <a:p>
+                          <a:pPr/>
                           <a14:m>
                             <m:oMathPara xmlns:m="http://schemas.openxmlformats.org/officeDocument/2006/math">
                               <m:oMathParaPr>
@@ -9357,6 +9348,7 @@
                               </m:oMath>
                             </m:oMathPara>
                           </a14:m>
+                          <a:endParaRPr/>
                         </a:p>
                       </a:txBody>
                       <a:tcPr/>
@@ -9567,6 +9559,7 @@
                               </m:oMath>
                             </m:oMathPara>
                           </a14:m>
+                          <a:endParaRPr/>
                         </a:p>
                       </a:txBody>
                       <a:tcPr/>
@@ -9772,6 +9765,7 @@
                               </m:oMath>
                             </m:oMathPara>
                           </a14:m>
+                          <a:endParaRPr/>
                         </a:p>
                       </a:txBody>
                       <a:tcPr/>
@@ -9824,7 +9818,7 @@
             </a:graphic>
           </p:graphicFrame>
         </mc:Choice>
-        <mc:Fallback>
+        <mc:Fallback xmlns="">
           <p:graphicFrame>
             <p:nvGraphicFramePr>
               <p:cNvPr id="4" name="表 4">
@@ -10817,7 +10811,7 @@
           </p:cNvPicPr>
           <p:nvPr/>
         </p:nvPicPr>
-        <p:blipFill>
+        <p:blipFill rotWithShape="1">
           <a:blip r:embed="rId3">
             <a:extLst>
               <a:ext uri="{28A0092B-C50C-407E-A947-70E740481C1C}">
@@ -10825,22 +10819,21 @@
               </a:ext>
             </a:extLst>
           </a:blip>
-          <a:stretch>
-            <a:fillRect/>
-          </a:stretch>
+          <a:srcRect l="5216"/>
+          <a:stretch/>
         </p:blipFill>
         <p:spPr>
           <a:xfrm>
-            <a:off x="-380172" y="1192271"/>
-            <a:ext cx="7288621" cy="5576170"/>
+            <a:off x="0" y="1192271"/>
+            <a:ext cx="6908449" cy="5576170"/>
           </a:xfrm>
           <a:prstGeom prst="rect">
             <a:avLst/>
           </a:prstGeom>
         </p:spPr>
       </p:pic>
-      <mc:AlternateContent xmlns:mc="http://schemas.openxmlformats.org/markup-compatibility/2006">
-        <mc:Choice xmlns:a14="http://schemas.microsoft.com/office/drawing/2010/main" Requires="a14">
+      <mc:AlternateContent xmlns:mc="http://schemas.openxmlformats.org/markup-compatibility/2006" xmlns:a14="http://schemas.microsoft.com/office/drawing/2010/main">
+        <mc:Choice Requires="a14">
           <p:sp>
             <p:nvSpPr>
               <p:cNvPr id="6" name="テキスト ボックス 5">
@@ -11090,7 +11083,7 @@
             </p:txBody>
           </p:sp>
         </mc:Choice>
-        <mc:Fallback>
+        <mc:Fallback xmlns="">
           <p:sp>
             <p:nvSpPr>
               <p:cNvPr id="6" name="テキスト ボックス 5">
@@ -11437,7 +11430,7 @@
                 </a:pPr>
                 <a:r>
                   <a:rPr lang="ja-JP" altLang="en-US" sz="2400" dirty="0"/>
-                  <a:t>バルクソース間電圧としきい電圧関係を導く</a:t>
+                  <a:t>バルクソース間電圧としきい電圧の関係を導く</a:t>
                 </a:r>
                 <a:endParaRPr lang="en-US" altLang="ja-JP" sz="2400" dirty="0"/>
               </a:p>
@@ -11633,6 +11626,42 @@
           </a:p>
         </p:txBody>
       </p:sp>
+      <p:pic>
+        <p:nvPicPr>
+          <p:cNvPr id="5" name="図 4" descr="グラフ, 折れ線グラフ&#10;&#10;自動的に生成された説明">
+            <a:extLst>
+              <a:ext uri="{FF2B5EF4-FFF2-40B4-BE49-F238E27FC236}">
+                <a16:creationId xmlns:a16="http://schemas.microsoft.com/office/drawing/2014/main" id="{AC08A110-41DE-E7B6-AD2C-BFA43E327E98}"/>
+              </a:ext>
+            </a:extLst>
+          </p:cNvPr>
+          <p:cNvPicPr>
+            <a:picLocks noChangeAspect="1"/>
+          </p:cNvPicPr>
+          <p:nvPr/>
+        </p:nvPicPr>
+        <p:blipFill>
+          <a:blip r:embed="rId2">
+            <a:extLst>
+              <a:ext uri="{28A0092B-C50C-407E-A947-70E740481C1C}">
+                <a14:useLocalDpi xmlns:a14="http://schemas.microsoft.com/office/drawing/2010/main" val="0"/>
+              </a:ext>
+            </a:extLst>
+          </a:blip>
+          <a:stretch>
+            <a:fillRect/>
+          </a:stretch>
+        </p:blipFill>
+        <p:spPr>
+          <a:xfrm>
+            <a:off x="0" y="1628029"/>
+            <a:ext cx="6844256" cy="4790980"/>
+          </a:xfrm>
+          <a:prstGeom prst="rect">
+            <a:avLst/>
+          </a:prstGeom>
+        </p:spPr>
+      </p:pic>
     </p:spTree>
     <p:extLst>
       <p:ext uri="{BB962C8B-B14F-4D97-AF65-F5344CB8AC3E}">
@@ -22572,8 +22601,8 @@
           </p:graphicFrame>
         </mc:Fallback>
       </mc:AlternateContent>
-      <mc:AlternateContent xmlns:mc="http://schemas.openxmlformats.org/markup-compatibility/2006">
-        <mc:Choice xmlns:a14="http://schemas.microsoft.com/office/drawing/2010/main" Requires="a14">
+      <mc:AlternateContent xmlns:mc="http://schemas.openxmlformats.org/markup-compatibility/2006" xmlns:a14="http://schemas.microsoft.com/office/drawing/2010/main">
+        <mc:Choice Requires="a14">
           <p:sp>
             <p:nvSpPr>
               <p:cNvPr id="6" name="テキスト ボックス 5">
@@ -22943,7 +22972,7 @@
             </p:txBody>
           </p:sp>
         </mc:Choice>
-        <mc:Fallback>
+        <mc:Fallback xmlns="">
           <p:sp>
             <p:nvSpPr>
               <p:cNvPr id="6" name="テキスト ボックス 5">

--- a/folded_gilbert/20230703/進捗報告 ギルバートセルの設計.pptx
+++ b/folded_gilbert/20230703/進捗報告 ギルバートセルの設計.pptx
@@ -5,7 +5,7 @@
     <p:sldMasterId id="2147483648" r:id="rId1"/>
   </p:sldMasterIdLst>
   <p:notesMasterIdLst>
-    <p:notesMasterId r:id="rId16"/>
+    <p:notesMasterId r:id="rId18"/>
   </p:notesMasterIdLst>
   <p:sldIdLst>
     <p:sldId id="256" r:id="rId2"/>
@@ -22,6 +22,8 @@
     <p:sldId id="270" r:id="rId13"/>
     <p:sldId id="268" r:id="rId14"/>
     <p:sldId id="272" r:id="rId15"/>
+    <p:sldId id="273" r:id="rId16"/>
+    <p:sldId id="274" r:id="rId17"/>
   </p:sldIdLst>
   <p:sldSz cx="12192000" cy="6858000"/>
   <p:notesSz cx="6858000" cy="9144000"/>
@@ -11128,6 +11130,145 @@
           </p:sp>
         </mc:Fallback>
       </mc:AlternateContent>
+      <mc:AlternateContent xmlns:mc="http://schemas.openxmlformats.org/markup-compatibility/2006">
+        <mc:Choice xmlns:a14="http://schemas.microsoft.com/office/drawing/2010/main" Requires="a14">
+          <p:sp>
+            <p:nvSpPr>
+              <p:cNvPr id="7" name="テキスト ボックス 6">
+                <a:extLst>
+                  <a:ext uri="{FF2B5EF4-FFF2-40B4-BE49-F238E27FC236}">
+                    <a16:creationId xmlns:a16="http://schemas.microsoft.com/office/drawing/2014/main" id="{DA4D6F61-F4D3-BBD5-2C6A-7D22EF4A1EB0}"/>
+                  </a:ext>
+                </a:extLst>
+              </p:cNvPr>
+              <p:cNvSpPr txBox="1"/>
+              <p:nvPr/>
+            </p:nvSpPr>
+            <p:spPr>
+              <a:xfrm>
+                <a:off x="0" y="6266418"/>
+                <a:ext cx="2782529" cy="400110"/>
+              </a:xfrm>
+              <a:prstGeom prst="rect">
+                <a:avLst/>
+              </a:prstGeom>
+              <a:noFill/>
+              <a:ln w="19050">
+                <a:solidFill>
+                  <a:schemeClr val="tx1"/>
+                </a:solidFill>
+              </a:ln>
+            </p:spPr>
+            <p:txBody>
+              <a:bodyPr wrap="square" rtlCol="0">
+                <a:spAutoFit/>
+              </a:bodyPr>
+              <a:lstStyle/>
+              <a:p>
+                <a:pPr algn="l"/>
+                <a14:m>
+                  <m:oMathPara xmlns:m="http://schemas.openxmlformats.org/officeDocument/2006/math">
+                    <m:oMathParaPr>
+                      <m:jc m:val="centerGroup"/>
+                    </m:oMathParaPr>
+                    <m:oMath xmlns:m="http://schemas.openxmlformats.org/officeDocument/2006/math">
+                      <m:r>
+                        <m:rPr>
+                          <m:sty m:val="p"/>
+                        </m:rPr>
+                        <a:rPr kumimoji="1" lang="en-US" altLang="ja-JP" sz="2000" b="0" i="0" smtClean="0">
+                          <a:latin typeface="Cambria Math" panose="02040503050406030204" pitchFamily="18" charset="0"/>
+                        </a:rPr>
+                        <m:t>process</m:t>
+                      </m:r>
+                      <m:r>
+                        <a:rPr kumimoji="1" lang="en-US" altLang="ja-JP" sz="2000" b="0" i="0" smtClean="0">
+                          <a:latin typeface="Cambria Math" panose="02040503050406030204" pitchFamily="18" charset="0"/>
+                        </a:rPr>
+                        <m:t> :</m:t>
+                      </m:r>
+                      <m:r>
+                        <m:rPr>
+                          <m:sty m:val="p"/>
+                        </m:rPr>
+                        <a:rPr kumimoji="1" lang="en-US" altLang="ja-JP" sz="2000" b="0" i="0" smtClean="0">
+                          <a:latin typeface="Cambria Math" panose="02040503050406030204" pitchFamily="18" charset="0"/>
+                        </a:rPr>
+                        <m:t>rohm</m:t>
+                      </m:r>
+                      <m:r>
+                        <a:rPr kumimoji="1" lang="en-US" altLang="ja-JP" sz="2000" b="0" i="0" smtClean="0">
+                          <a:latin typeface="Cambria Math" panose="02040503050406030204" pitchFamily="18" charset="0"/>
+                        </a:rPr>
+                        <m:t> 0.18 </m:t>
+                      </m:r>
+                      <m:r>
+                        <m:rPr>
+                          <m:sty m:val="p"/>
+                        </m:rPr>
+                        <a:rPr kumimoji="1" lang="en-US" altLang="ja-JP" sz="2000" b="0" i="0" smtClean="0">
+                          <a:latin typeface="Cambria Math" panose="02040503050406030204" pitchFamily="18" charset="0"/>
+                        </a:rPr>
+                        <m:t>μm</m:t>
+                      </m:r>
+                    </m:oMath>
+                  </m:oMathPara>
+                </a14:m>
+                <a:endParaRPr kumimoji="1" lang="ja-JP" altLang="en-US" sz="2000" dirty="0"/>
+              </a:p>
+            </p:txBody>
+          </p:sp>
+        </mc:Choice>
+        <mc:Fallback>
+          <p:sp>
+            <p:nvSpPr>
+              <p:cNvPr id="7" name="テキスト ボックス 6">
+                <a:extLst>
+                  <a:ext uri="{FF2B5EF4-FFF2-40B4-BE49-F238E27FC236}">
+                    <a16:creationId xmlns:a16="http://schemas.microsoft.com/office/drawing/2014/main" id="{DA4D6F61-F4D3-BBD5-2C6A-7D22EF4A1EB0}"/>
+                  </a:ext>
+                </a:extLst>
+              </p:cNvPr>
+              <p:cNvSpPr txBox="1">
+                <a:spLocks noRot="1" noChangeAspect="1" noMove="1" noResize="1" noEditPoints="1" noAdjustHandles="1" noChangeArrowheads="1" noChangeShapeType="1" noTextEdit="1"/>
+              </p:cNvSpPr>
+              <p:nvPr/>
+            </p:nvSpPr>
+            <p:spPr>
+              <a:xfrm>
+                <a:off x="0" y="6266418"/>
+                <a:ext cx="2782529" cy="400110"/>
+              </a:xfrm>
+              <a:prstGeom prst="rect">
+                <a:avLst/>
+              </a:prstGeom>
+              <a:blipFill>
+                <a:blip r:embed="rId5"/>
+                <a:stretch>
+                  <a:fillRect b="-2899"/>
+                </a:stretch>
+              </a:blipFill>
+              <a:ln w="19050">
+                <a:solidFill>
+                  <a:schemeClr val="tx1"/>
+                </a:solidFill>
+              </a:ln>
+            </p:spPr>
+            <p:txBody>
+              <a:bodyPr/>
+              <a:lstStyle/>
+              <a:p>
+                <a:r>
+                  <a:rPr lang="ja-JP" altLang="en-US">
+                    <a:noFill/>
+                  </a:rPr>
+                  <a:t> </a:t>
+                </a:r>
+              </a:p>
+            </p:txBody>
+          </p:sp>
+        </mc:Fallback>
+      </mc:AlternateContent>
     </p:spTree>
     <p:extLst>
       <p:ext uri="{BB962C8B-B14F-4D97-AF65-F5344CB8AC3E}">
@@ -11216,8 +11357,8 @@
           </a:p>
         </p:txBody>
       </p:sp>
-      <mc:AlternateContent xmlns:mc="http://schemas.openxmlformats.org/markup-compatibility/2006">
-        <mc:Choice xmlns:a14="http://schemas.microsoft.com/office/drawing/2010/main" Requires="a14">
+      <mc:AlternateContent xmlns:mc="http://schemas.openxmlformats.org/markup-compatibility/2006" xmlns:a14="http://schemas.microsoft.com/office/drawing/2010/main">
+        <mc:Choice Requires="a14">
           <p:sp>
             <p:nvSpPr>
               <p:cNvPr id="4" name="テキスト ボックス 3">
@@ -11486,7 +11627,7 @@
             </p:txBody>
           </p:sp>
         </mc:Choice>
-        <mc:Fallback>
+        <mc:Fallback xmlns="">
           <p:sp>
             <p:nvSpPr>
               <p:cNvPr id="4" name="テキスト ボックス 3">
@@ -11628,10 +11769,10 @@
       </p:sp>
       <p:pic>
         <p:nvPicPr>
-          <p:cNvPr id="5" name="図 4" descr="グラフ, 折れ線グラフ&#10;&#10;自動的に生成された説明">
+          <p:cNvPr id="6" name="図 5" descr="グラフ, 折れ線グラフ&#10;&#10;自動的に生成された説明">
             <a:extLst>
               <a:ext uri="{FF2B5EF4-FFF2-40B4-BE49-F238E27FC236}">
-                <a16:creationId xmlns:a16="http://schemas.microsoft.com/office/drawing/2014/main" id="{AC08A110-41DE-E7B6-AD2C-BFA43E327E98}"/>
+                <a16:creationId xmlns:a16="http://schemas.microsoft.com/office/drawing/2014/main" id="{21E8ABBB-A753-31F6-0947-908EEAED58EA}"/>
               </a:ext>
             </a:extLst>
           </p:cNvPr>
@@ -11640,7 +11781,7 @@
           </p:cNvPicPr>
           <p:nvPr/>
         </p:nvPicPr>
-        <p:blipFill>
+        <p:blipFill rotWithShape="1">
           <a:blip r:embed="rId2">
             <a:extLst>
               <a:ext uri="{28A0092B-C50C-407E-A947-70E740481C1C}">
@@ -11648,24 +11789,2093 @@
               </a:ext>
             </a:extLst>
           </a:blip>
-          <a:stretch>
-            <a:fillRect/>
-          </a:stretch>
+          <a:srcRect l="1101" r="15422"/>
+          <a:stretch/>
         </p:blipFill>
         <p:spPr>
           <a:xfrm>
-            <a:off x="0" y="1628029"/>
-            <a:ext cx="6844256" cy="4790980"/>
+            <a:off x="0" y="1523538"/>
+            <a:ext cx="6361472" cy="5334462"/>
           </a:xfrm>
           <a:prstGeom prst="rect">
             <a:avLst/>
           </a:prstGeom>
         </p:spPr>
       </p:pic>
+      <mc:AlternateContent xmlns:mc="http://schemas.openxmlformats.org/markup-compatibility/2006">
+        <mc:Choice xmlns:a14="http://schemas.microsoft.com/office/drawing/2010/main" Requires="a14">
+          <p:sp>
+            <p:nvSpPr>
+              <p:cNvPr id="7" name="テキスト ボックス 6">
+                <a:extLst>
+                  <a:ext uri="{FF2B5EF4-FFF2-40B4-BE49-F238E27FC236}">
+                    <a16:creationId xmlns:a16="http://schemas.microsoft.com/office/drawing/2014/main" id="{A97921DC-EF2F-D982-4283-44C84DFBA9B0}"/>
+                  </a:ext>
+                </a:extLst>
+              </p:cNvPr>
+              <p:cNvSpPr txBox="1"/>
+              <p:nvPr/>
+            </p:nvSpPr>
+            <p:spPr>
+              <a:xfrm>
+                <a:off x="6666271" y="2869357"/>
+                <a:ext cx="5319251" cy="2308324"/>
+              </a:xfrm>
+              <a:prstGeom prst="rect">
+                <a:avLst/>
+              </a:prstGeom>
+              <a:noFill/>
+            </p:spPr>
+            <p:txBody>
+              <a:bodyPr wrap="square" rtlCol="0">
+                <a:spAutoFit/>
+              </a:bodyPr>
+              <a:lstStyle/>
+              <a:p>
+                <a:pPr algn="l"/>
+                <a:r>
+                  <a:rPr kumimoji="1" lang="ja-JP" altLang="en-US" sz="2400" dirty="0"/>
+                  <a:t>シミュレーション条件</a:t>
+                </a:r>
+                <a:endParaRPr kumimoji="1" lang="en-US" altLang="ja-JP" sz="2400" dirty="0"/>
+              </a:p>
+              <a:p>
+                <a:pPr algn="l"/>
+                <a:r>
+                  <a:rPr kumimoji="1" lang="ja-JP" altLang="en-US" sz="2400" dirty="0"/>
+                  <a:t>チャネル幅 </a:t>
+                </a:r>
+                <a:r>
+                  <a:rPr kumimoji="1" lang="en-US" altLang="ja-JP" sz="2400" dirty="0"/>
+                  <a:t>: </a:t>
+                </a:r>
+                <a14:m>
+                  <m:oMath xmlns:m="http://schemas.openxmlformats.org/officeDocument/2006/math">
+                    <m:r>
+                      <a:rPr kumimoji="1" lang="en-US" altLang="ja-JP" sz="2400" b="0" i="1" smtClean="0">
+                        <a:latin typeface="Cambria Math" panose="02040503050406030204" pitchFamily="18" charset="0"/>
+                      </a:rPr>
+                      <m:t>20 </m:t>
+                    </m:r>
+                    <m:r>
+                      <m:rPr>
+                        <m:sty m:val="p"/>
+                      </m:rPr>
+                      <a:rPr kumimoji="1" lang="en-US" altLang="ja-JP" sz="2400" b="0" i="0" smtClean="0">
+                        <a:latin typeface="Cambria Math" panose="02040503050406030204" pitchFamily="18" charset="0"/>
+                      </a:rPr>
+                      <m:t>μm</m:t>
+                    </m:r>
+                  </m:oMath>
+                </a14:m>
+                <a:endParaRPr kumimoji="1" lang="en-US" altLang="ja-JP" sz="2400" b="0" dirty="0"/>
+              </a:p>
+              <a:p>
+                <a:pPr algn="l"/>
+                <a:r>
+                  <a:rPr kumimoji="1" lang="ja-JP" altLang="en-US" sz="2400" b="0" dirty="0"/>
+                  <a:t>チャネル長 </a:t>
+                </a:r>
+                <a:r>
+                  <a:rPr kumimoji="1" lang="en-US" altLang="ja-JP" sz="2400" b="0" dirty="0"/>
+                  <a:t>: </a:t>
+                </a:r>
+                <a14:m>
+                  <m:oMath xmlns:m="http://schemas.openxmlformats.org/officeDocument/2006/math">
+                    <m:r>
+                      <a:rPr kumimoji="1" lang="en-US" altLang="ja-JP" sz="2400" b="0" i="1" smtClean="0">
+                        <a:latin typeface="Cambria Math" panose="02040503050406030204" pitchFamily="18" charset="0"/>
+                      </a:rPr>
+                      <m:t>0.54 </m:t>
+                    </m:r>
+                    <m:r>
+                      <a:rPr kumimoji="1" lang="en-US" altLang="ja-JP" sz="2400" b="0" i="1" smtClean="0">
+                        <a:latin typeface="Cambria Math" panose="02040503050406030204" pitchFamily="18" charset="0"/>
+                      </a:rPr>
+                      <m:t>𝜇</m:t>
+                    </m:r>
+                    <m:r>
+                      <a:rPr kumimoji="1" lang="en-US" altLang="ja-JP" sz="2400" b="0" i="1" smtClean="0">
+                        <a:latin typeface="Cambria Math" panose="02040503050406030204" pitchFamily="18" charset="0"/>
+                      </a:rPr>
+                      <m:t>𝑚</m:t>
+                    </m:r>
+                  </m:oMath>
+                </a14:m>
+                <a:endParaRPr kumimoji="1" lang="en-US" altLang="ja-JP" sz="2400" b="0" dirty="0"/>
+              </a:p>
+              <a:p>
+                <a:pPr algn="l"/>
+                <a:r>
+                  <a:rPr lang="ja-JP" altLang="en-US" sz="2400" dirty="0"/>
+                  <a:t>並列数 </a:t>
+                </a:r>
+                <a:r>
+                  <a:rPr lang="en-US" altLang="ja-JP" sz="2400" dirty="0"/>
+                  <a:t>: </a:t>
+                </a:r>
+                <a14:m>
+                  <m:oMath xmlns:m="http://schemas.openxmlformats.org/officeDocument/2006/math">
+                    <m:r>
+                      <a:rPr kumimoji="1" lang="en-US" altLang="ja-JP" sz="2400" b="0" i="1" smtClean="0">
+                        <a:latin typeface="Cambria Math" panose="02040503050406030204" pitchFamily="18" charset="0"/>
+                      </a:rPr>
+                      <m:t>1</m:t>
+                    </m:r>
+                  </m:oMath>
+                </a14:m>
+                <a:endParaRPr kumimoji="1" lang="en-US" altLang="ja-JP" sz="2400" b="0" dirty="0"/>
+              </a:p>
+              <a:p>
+                <a:pPr algn="l"/>
+                <a:r>
+                  <a:rPr kumimoji="1" lang="ja-JP" altLang="en-US" sz="2400" b="0" dirty="0"/>
+                  <a:t>ドレインソース間電圧 </a:t>
+                </a:r>
+                <a:r>
+                  <a:rPr kumimoji="1" lang="en-US" altLang="ja-JP" sz="2400" b="0" dirty="0"/>
+                  <a:t>: </a:t>
+                </a:r>
+                <a14:m>
+                  <m:oMath xmlns:m="http://schemas.openxmlformats.org/officeDocument/2006/math">
+                    <m:r>
+                      <a:rPr kumimoji="1" lang="en-US" altLang="ja-JP" sz="2400" b="0" i="1" smtClean="0">
+                        <a:latin typeface="Cambria Math" panose="02040503050406030204" pitchFamily="18" charset="0"/>
+                      </a:rPr>
+                      <m:t>0.5 </m:t>
+                    </m:r>
+                    <m:r>
+                      <m:rPr>
+                        <m:sty m:val="p"/>
+                      </m:rPr>
+                      <a:rPr kumimoji="1" lang="en-US" altLang="ja-JP" sz="2400" b="0" i="0" smtClean="0">
+                        <a:latin typeface="Cambria Math" panose="02040503050406030204" pitchFamily="18" charset="0"/>
+                      </a:rPr>
+                      <m:t>V</m:t>
+                    </m:r>
+                  </m:oMath>
+                </a14:m>
+                <a:endParaRPr kumimoji="1" lang="en-US" altLang="ja-JP" sz="2400" b="0" dirty="0"/>
+              </a:p>
+              <a:p>
+                <a:pPr algn="l"/>
+                <a:endParaRPr kumimoji="1" lang="en-US" altLang="ja-JP" sz="2400" b="0" dirty="0"/>
+              </a:p>
+            </p:txBody>
+          </p:sp>
+        </mc:Choice>
+        <mc:Fallback>
+          <p:sp>
+            <p:nvSpPr>
+              <p:cNvPr id="7" name="テキスト ボックス 6">
+                <a:extLst>
+                  <a:ext uri="{FF2B5EF4-FFF2-40B4-BE49-F238E27FC236}">
+                    <a16:creationId xmlns:a16="http://schemas.microsoft.com/office/drawing/2014/main" id="{A97921DC-EF2F-D982-4283-44C84DFBA9B0}"/>
+                  </a:ext>
+                </a:extLst>
+              </p:cNvPr>
+              <p:cNvSpPr txBox="1">
+                <a:spLocks noRot="1" noChangeAspect="1" noMove="1" noResize="1" noEditPoints="1" noAdjustHandles="1" noChangeArrowheads="1" noChangeShapeType="1" noTextEdit="1"/>
+              </p:cNvSpPr>
+              <p:nvPr/>
+            </p:nvSpPr>
+            <p:spPr>
+              <a:xfrm>
+                <a:off x="6666271" y="2869357"/>
+                <a:ext cx="5319251" cy="2308324"/>
+              </a:xfrm>
+              <a:prstGeom prst="rect">
+                <a:avLst/>
+              </a:prstGeom>
+              <a:blipFill>
+                <a:blip r:embed="rId3"/>
+                <a:stretch>
+                  <a:fillRect l="-1835" t="-2116"/>
+                </a:stretch>
+              </a:blipFill>
+            </p:spPr>
+            <p:txBody>
+              <a:bodyPr/>
+              <a:lstStyle/>
+              <a:p>
+                <a:r>
+                  <a:rPr lang="ja-JP" altLang="en-US">
+                    <a:noFill/>
+                  </a:rPr>
+                  <a:t> </a:t>
+                </a:r>
+              </a:p>
+            </p:txBody>
+          </p:sp>
+        </mc:Fallback>
+      </mc:AlternateContent>
     </p:spTree>
     <p:extLst>
       <p:ext uri="{BB962C8B-B14F-4D97-AF65-F5344CB8AC3E}">
         <p14:creationId xmlns:p14="http://schemas.microsoft.com/office/powerpoint/2010/main" val="3109164432"/>
+      </p:ext>
+    </p:extLst>
+  </p:cSld>
+  <p:clrMapOvr>
+    <a:masterClrMapping/>
+  </p:clrMapOvr>
+</p:sld>
+</file>
+
+<file path=ppt/slides/slide15.xml><?xml version="1.0" encoding="utf-8"?>
+<p:sld xmlns:a="http://schemas.openxmlformats.org/drawingml/2006/main" xmlns:r="http://schemas.openxmlformats.org/officeDocument/2006/relationships" xmlns:p="http://schemas.openxmlformats.org/presentationml/2006/main">
+  <p:cSld>
+    <p:spTree>
+      <p:nvGrpSpPr>
+        <p:cNvPr id="1" name=""/>
+        <p:cNvGrpSpPr/>
+        <p:nvPr/>
+      </p:nvGrpSpPr>
+      <p:grpSpPr>
+        <a:xfrm>
+          <a:off x="0" y="0"/>
+          <a:ext cx="0" cy="0"/>
+          <a:chOff x="0" y="0"/>
+          <a:chExt cx="0" cy="0"/>
+        </a:xfrm>
+      </p:grpSpPr>
+      <p:sp>
+        <p:nvSpPr>
+          <p:cNvPr id="2" name="タイトル 1">
+            <a:extLst>
+              <a:ext uri="{FF2B5EF4-FFF2-40B4-BE49-F238E27FC236}">
+                <a16:creationId xmlns:a16="http://schemas.microsoft.com/office/drawing/2014/main" id="{F52C667B-26DF-DD5C-27F8-ACF9A9CE3922}"/>
+              </a:ext>
+            </a:extLst>
+          </p:cNvPr>
+          <p:cNvSpPr>
+            <a:spLocks noGrp="1"/>
+          </p:cNvSpPr>
+          <p:nvPr>
+            <p:ph type="title"/>
+          </p:nvPr>
+        </p:nvSpPr>
+        <p:spPr/>
+        <p:txBody>
+          <a:bodyPr/>
+          <a:lstStyle/>
+          <a:p>
+            <a:r>
+              <a:rPr lang="en-US" altLang="ja-JP" dirty="0" err="1"/>
+              <a:t>m</a:t>
+            </a:r>
+            <a:r>
+              <a:rPr kumimoji="1" lang="en-US" altLang="ja-JP" dirty="0" err="1"/>
+              <a:t>os</a:t>
+            </a:r>
+            <a:r>
+              <a:rPr kumimoji="1" lang="ja-JP" altLang="en-US" dirty="0"/>
+              <a:t>単体のシミュレーション</a:t>
+            </a:r>
+          </a:p>
+        </p:txBody>
+      </p:sp>
+      <p:sp>
+        <p:nvSpPr>
+          <p:cNvPr id="3" name="スライド番号プレースホルダー 2">
+            <a:extLst>
+              <a:ext uri="{FF2B5EF4-FFF2-40B4-BE49-F238E27FC236}">
+                <a16:creationId xmlns:a16="http://schemas.microsoft.com/office/drawing/2014/main" id="{2BA0CC56-511B-DE87-EC5A-C71BDB9317B7}"/>
+              </a:ext>
+            </a:extLst>
+          </p:cNvPr>
+          <p:cNvSpPr>
+            <a:spLocks noGrp="1"/>
+          </p:cNvSpPr>
+          <p:nvPr>
+            <p:ph type="sldNum" sz="quarter" idx="12"/>
+          </p:nvPr>
+        </p:nvSpPr>
+        <p:spPr/>
+        <p:txBody>
+          <a:bodyPr/>
+          <a:lstStyle/>
+          <a:p>
+            <a:fld id="{BAC09C9C-7DB0-444B-A568-405A39CC84C0}" type="slidenum">
+              <a:rPr kumimoji="1" lang="ja-JP" altLang="en-US" smtClean="0"/>
+              <a:t>15</a:t>
+            </a:fld>
+            <a:endParaRPr kumimoji="1" lang="ja-JP" altLang="en-US"/>
+          </a:p>
+        </p:txBody>
+      </p:sp>
+      <p:pic>
+        <p:nvPicPr>
+          <p:cNvPr id="5" name="図 4" descr="グラフ, 折れ線グラフ&#10;&#10;自動的に生成された説明">
+            <a:extLst>
+              <a:ext uri="{FF2B5EF4-FFF2-40B4-BE49-F238E27FC236}">
+                <a16:creationId xmlns:a16="http://schemas.microsoft.com/office/drawing/2014/main" id="{09F70D8C-3090-1690-0DC1-E32940654434}"/>
+              </a:ext>
+            </a:extLst>
+          </p:cNvPr>
+          <p:cNvPicPr>
+            <a:picLocks noChangeAspect="1"/>
+          </p:cNvPicPr>
+          <p:nvPr/>
+        </p:nvPicPr>
+        <p:blipFill rotWithShape="1">
+          <a:blip r:embed="rId2">
+            <a:extLst>
+              <a:ext uri="{28A0092B-C50C-407E-A947-70E740481C1C}">
+                <a14:useLocalDpi xmlns:a14="http://schemas.microsoft.com/office/drawing/2010/main" val="0"/>
+              </a:ext>
+            </a:extLst>
+          </a:blip>
+          <a:srcRect l="1774" r="14750"/>
+          <a:stretch/>
+        </p:blipFill>
+        <p:spPr>
+          <a:xfrm>
+            <a:off x="0" y="1523538"/>
+            <a:ext cx="6361471" cy="5334462"/>
+          </a:xfrm>
+          <a:prstGeom prst="rect">
+            <a:avLst/>
+          </a:prstGeom>
+        </p:spPr>
+      </p:pic>
+      <mc:AlternateContent xmlns:mc="http://schemas.openxmlformats.org/markup-compatibility/2006">
+        <mc:Choice xmlns:a14="http://schemas.microsoft.com/office/drawing/2010/main" Requires="a14">
+          <p:sp>
+            <p:nvSpPr>
+              <p:cNvPr id="6" name="テキスト ボックス 5">
+                <a:extLst>
+                  <a:ext uri="{FF2B5EF4-FFF2-40B4-BE49-F238E27FC236}">
+                    <a16:creationId xmlns:a16="http://schemas.microsoft.com/office/drawing/2014/main" id="{E2E0C66F-236D-E089-E9F2-8ABD4B78E0C0}"/>
+                  </a:ext>
+                </a:extLst>
+              </p:cNvPr>
+              <p:cNvSpPr txBox="1"/>
+              <p:nvPr/>
+            </p:nvSpPr>
+            <p:spPr>
+              <a:xfrm>
+                <a:off x="6361471" y="1404032"/>
+                <a:ext cx="5732206" cy="4952318"/>
+              </a:xfrm>
+              <a:prstGeom prst="rect">
+                <a:avLst/>
+              </a:prstGeom>
+              <a:noFill/>
+            </p:spPr>
+            <p:txBody>
+              <a:bodyPr wrap="square" rtlCol="0">
+                <a:spAutoFit/>
+              </a:bodyPr>
+              <a:lstStyle/>
+              <a:p>
+                <a:pPr algn="l"/>
+                <a:r>
+                  <a:rPr kumimoji="1" lang="ja-JP" altLang="en-US" sz="2400" dirty="0"/>
+                  <a:t>左は</a:t>
+                </a:r>
+                <a:r>
+                  <a:rPr kumimoji="1" lang="en-US" altLang="ja-JP" sz="2400" dirty="0"/>
+                  <a:t>Excel</a:t>
+                </a:r>
+                <a:r>
+                  <a:rPr kumimoji="1" lang="ja-JP" altLang="en-US" sz="2400" dirty="0"/>
+                  <a:t>でデータを処理した</a:t>
+                </a:r>
+                <a14:m>
+                  <m:oMath xmlns:m="http://schemas.openxmlformats.org/officeDocument/2006/math">
+                    <m:sSub>
+                      <m:sSubPr>
+                        <m:ctrlPr>
+                          <a:rPr kumimoji="1" lang="en-US" altLang="ja-JP" sz="2400" b="0" i="1" smtClean="0">
+                            <a:latin typeface="Cambria Math" panose="02040503050406030204" pitchFamily="18" charset="0"/>
+                          </a:rPr>
+                        </m:ctrlPr>
+                      </m:sSubPr>
+                      <m:e>
+                        <m:r>
+                          <a:rPr kumimoji="1" lang="en-US" altLang="ja-JP" sz="2400" b="0" i="1" smtClean="0">
+                            <a:latin typeface="Cambria Math" panose="02040503050406030204" pitchFamily="18" charset="0"/>
+                          </a:rPr>
+                          <m:t>𝑔</m:t>
+                        </m:r>
+                      </m:e>
+                      <m:sub>
+                        <m:r>
+                          <a:rPr kumimoji="1" lang="en-US" altLang="ja-JP" sz="2400" b="0" i="1" smtClean="0">
+                            <a:latin typeface="Cambria Math" panose="02040503050406030204" pitchFamily="18" charset="0"/>
+                          </a:rPr>
+                          <m:t>𝑚</m:t>
+                        </m:r>
+                      </m:sub>
+                    </m:sSub>
+                    <m:r>
+                      <a:rPr kumimoji="1" lang="en-US" altLang="ja-JP" sz="2400" b="0" i="1" smtClean="0">
+                        <a:latin typeface="Cambria Math" panose="02040503050406030204" pitchFamily="18" charset="0"/>
+                      </a:rPr>
+                      <m:t>−</m:t>
+                    </m:r>
+                    <m:sSub>
+                      <m:sSubPr>
+                        <m:ctrlPr>
+                          <a:rPr kumimoji="1" lang="en-US" altLang="ja-JP" sz="2400" b="0" i="1" smtClean="0">
+                            <a:latin typeface="Cambria Math" panose="02040503050406030204" pitchFamily="18" charset="0"/>
+                          </a:rPr>
+                        </m:ctrlPr>
+                      </m:sSubPr>
+                      <m:e>
+                        <m:r>
+                          <a:rPr kumimoji="1" lang="en-US" altLang="ja-JP" sz="2400" b="0" i="1" smtClean="0">
+                            <a:latin typeface="Cambria Math" panose="02040503050406030204" pitchFamily="18" charset="0"/>
+                          </a:rPr>
+                          <m:t>𝑉</m:t>
+                        </m:r>
+                      </m:e>
+                      <m:sub>
+                        <m:r>
+                          <a:rPr kumimoji="1" lang="en-US" altLang="ja-JP" sz="2400" b="0" i="1" smtClean="0">
+                            <a:latin typeface="Cambria Math" panose="02040503050406030204" pitchFamily="18" charset="0"/>
+                          </a:rPr>
+                          <m:t>𝐺𝑆</m:t>
+                        </m:r>
+                      </m:sub>
+                    </m:sSub>
+                  </m:oMath>
+                </a14:m>
+                <a:r>
+                  <a:rPr kumimoji="1" lang="ja-JP" altLang="en-US" sz="2400" dirty="0"/>
+                  <a:t>特性と、</a:t>
+                </a:r>
+                <a:endParaRPr kumimoji="1" lang="en-US" altLang="ja-JP" sz="2400" b="0" i="1" dirty="0">
+                  <a:latin typeface="Cambria Math" panose="02040503050406030204" pitchFamily="18" charset="0"/>
+                </a:endParaRPr>
+              </a:p>
+              <a:p>
+                <a:pPr algn="l"/>
+                <a14:m>
+                  <m:oMath xmlns:m="http://schemas.openxmlformats.org/officeDocument/2006/math">
+                    <m:sSub>
+                      <m:sSubPr>
+                        <m:ctrlPr>
+                          <a:rPr kumimoji="1" lang="en-US" altLang="ja-JP" sz="2400" b="0" i="1" smtClean="0">
+                            <a:latin typeface="Cambria Math" panose="02040503050406030204" pitchFamily="18" charset="0"/>
+                          </a:rPr>
+                        </m:ctrlPr>
+                      </m:sSubPr>
+                      <m:e>
+                        <m:r>
+                          <a:rPr kumimoji="1" lang="en-US" altLang="ja-JP" sz="2400" b="0" i="1" smtClean="0">
+                            <a:latin typeface="Cambria Math" panose="02040503050406030204" pitchFamily="18" charset="0"/>
+                          </a:rPr>
+                          <m:t>𝑉</m:t>
+                        </m:r>
+                      </m:e>
+                      <m:sub>
+                        <m:r>
+                          <a:rPr kumimoji="1" lang="en-US" altLang="ja-JP" sz="2400" b="0" i="1" smtClean="0">
+                            <a:latin typeface="Cambria Math" panose="02040503050406030204" pitchFamily="18" charset="0"/>
+                          </a:rPr>
+                          <m:t>𝐺𝑆</m:t>
+                        </m:r>
+                      </m:sub>
+                    </m:sSub>
+                    <m:r>
+                      <a:rPr kumimoji="1" lang="en-US" altLang="ja-JP" sz="2400" b="0" i="1" smtClean="0">
+                        <a:latin typeface="Cambria Math" panose="02040503050406030204" pitchFamily="18" charset="0"/>
+                      </a:rPr>
+                      <m:t>=0.69~0.71 </m:t>
+                    </m:r>
+                    <m:r>
+                      <m:rPr>
+                        <m:sty m:val="p"/>
+                      </m:rPr>
+                      <a:rPr kumimoji="1" lang="en-US" altLang="ja-JP" sz="2400" b="0" i="0" smtClean="0">
+                        <a:latin typeface="Cambria Math" panose="02040503050406030204" pitchFamily="18" charset="0"/>
+                      </a:rPr>
+                      <m:t>V</m:t>
+                    </m:r>
+                  </m:oMath>
+                </a14:m>
+                <a:r>
+                  <a:rPr kumimoji="1" lang="ja-JP" altLang="en-US" sz="2400" dirty="0"/>
+                  <a:t>の範囲での線形近似直線である。</a:t>
+                </a:r>
+                <a:endParaRPr kumimoji="1" lang="en-US" altLang="ja-JP" sz="2400" dirty="0"/>
+              </a:p>
+              <a:p>
+                <a:r>
+                  <a:rPr kumimoji="1" lang="ja-JP" altLang="en-US" sz="2400" dirty="0"/>
+                  <a:t>傾き</a:t>
+                </a:r>
+                <a14:m>
+                  <m:oMath xmlns:m="http://schemas.openxmlformats.org/officeDocument/2006/math">
+                    <m:f>
+                      <m:fPr>
+                        <m:ctrlPr>
+                          <a:rPr kumimoji="1" lang="en-US" altLang="ja-JP" sz="2400" b="0" i="1" smtClean="0">
+                            <a:latin typeface="Cambria Math" panose="02040503050406030204" pitchFamily="18" charset="0"/>
+                          </a:rPr>
+                        </m:ctrlPr>
+                      </m:fPr>
+                      <m:num>
+                        <m:r>
+                          <a:rPr kumimoji="1" lang="en-US" altLang="ja-JP" sz="2400" b="0" i="1" smtClean="0">
+                            <a:latin typeface="Cambria Math" panose="02040503050406030204" pitchFamily="18" charset="0"/>
+                          </a:rPr>
+                          <m:t>𝜕</m:t>
+                        </m:r>
+                        <m:sSub>
+                          <m:sSubPr>
+                            <m:ctrlPr>
+                              <a:rPr kumimoji="1" lang="en-US" altLang="ja-JP" sz="2400" b="0" i="1" smtClean="0">
+                                <a:latin typeface="Cambria Math" panose="02040503050406030204" pitchFamily="18" charset="0"/>
+                              </a:rPr>
+                            </m:ctrlPr>
+                          </m:sSubPr>
+                          <m:e>
+                            <m:r>
+                              <a:rPr kumimoji="1" lang="en-US" altLang="ja-JP" sz="2400" b="0" i="1" smtClean="0">
+                                <a:latin typeface="Cambria Math" panose="02040503050406030204" pitchFamily="18" charset="0"/>
+                              </a:rPr>
+                              <m:t>𝑔</m:t>
+                            </m:r>
+                          </m:e>
+                          <m:sub>
+                            <m:r>
+                              <a:rPr kumimoji="1" lang="en-US" altLang="ja-JP" sz="2400" b="0" i="1" smtClean="0">
+                                <a:latin typeface="Cambria Math" panose="02040503050406030204" pitchFamily="18" charset="0"/>
+                              </a:rPr>
+                              <m:t>𝑚</m:t>
+                            </m:r>
+                          </m:sub>
+                        </m:sSub>
+                      </m:num>
+                      <m:den>
+                        <m:r>
+                          <a:rPr kumimoji="1" lang="en-US" altLang="ja-JP" sz="2400" b="0" i="1" smtClean="0">
+                            <a:latin typeface="Cambria Math" panose="02040503050406030204" pitchFamily="18" charset="0"/>
+                          </a:rPr>
+                          <m:t>𝜕</m:t>
+                        </m:r>
+                        <m:sSub>
+                          <m:sSubPr>
+                            <m:ctrlPr>
+                              <a:rPr kumimoji="1" lang="en-US" altLang="ja-JP" sz="2400" b="0" i="1" smtClean="0">
+                                <a:latin typeface="Cambria Math" panose="02040503050406030204" pitchFamily="18" charset="0"/>
+                              </a:rPr>
+                            </m:ctrlPr>
+                          </m:sSubPr>
+                          <m:e>
+                            <m:r>
+                              <a:rPr kumimoji="1" lang="en-US" altLang="ja-JP" sz="2400" b="0" i="1" smtClean="0">
+                                <a:latin typeface="Cambria Math" panose="02040503050406030204" pitchFamily="18" charset="0"/>
+                              </a:rPr>
+                              <m:t>𝑉</m:t>
+                            </m:r>
+                          </m:e>
+                          <m:sub>
+                            <m:r>
+                              <a:rPr kumimoji="1" lang="en-US" altLang="ja-JP" sz="2400" b="0" i="1" smtClean="0">
+                                <a:latin typeface="Cambria Math" panose="02040503050406030204" pitchFamily="18" charset="0"/>
+                              </a:rPr>
+                              <m:t>𝐺𝑆</m:t>
+                            </m:r>
+                          </m:sub>
+                        </m:sSub>
+                      </m:den>
+                    </m:f>
+                    <m:r>
+                      <a:rPr lang="en-US" altLang="ja-JP" sz="2400" i="1">
+                        <a:latin typeface="Cambria Math" panose="02040503050406030204" pitchFamily="18" charset="0"/>
+                      </a:rPr>
+                      <m:t>=0.00828514</m:t>
+                    </m:r>
+                  </m:oMath>
+                </a14:m>
+                <a:r>
+                  <a:rPr kumimoji="1" lang="ja-JP" altLang="en-US" sz="2400" dirty="0"/>
+                  <a:t>であった。</a:t>
+                </a:r>
+                <a:endParaRPr kumimoji="1" lang="en-US" altLang="ja-JP" sz="2400" dirty="0"/>
+              </a:p>
+              <a:p>
+                <a:r>
+                  <a:rPr lang="ja-JP" altLang="en-US" sz="2400" dirty="0"/>
+                  <a:t>また、</a:t>
+                </a:r>
+                <a14:m>
+                  <m:oMath xmlns:m="http://schemas.openxmlformats.org/officeDocument/2006/math">
+                    <m:r>
+                      <a:rPr lang="en-US" altLang="ja-JP" sz="2400" b="0" i="1" smtClean="0">
+                        <a:latin typeface="Cambria Math" panose="02040503050406030204" pitchFamily="18" charset="0"/>
+                      </a:rPr>
+                      <m:t>𝑥</m:t>
+                    </m:r>
+                  </m:oMath>
+                </a14:m>
+                <a:r>
+                  <a:rPr lang="ja-JP" altLang="en-US" sz="2400" dirty="0"/>
+                  <a:t>切片は</a:t>
+                </a:r>
+                <a14:m>
+                  <m:oMath xmlns:m="http://schemas.openxmlformats.org/officeDocument/2006/math">
+                    <m:r>
+                      <a:rPr lang="en-US" altLang="ja-JP" sz="2400" i="1">
+                        <a:latin typeface="Cambria Math" panose="02040503050406030204" pitchFamily="18" charset="0"/>
+                      </a:rPr>
+                      <m:t>0.396</m:t>
+                    </m:r>
+                    <m:r>
+                      <a:rPr lang="en-US" altLang="ja-JP" sz="2400" b="0" i="1" smtClean="0">
+                        <a:latin typeface="Cambria Math" panose="02040503050406030204" pitchFamily="18" charset="0"/>
+                      </a:rPr>
+                      <m:t>≈0.4 </m:t>
+                    </m:r>
+                    <m:r>
+                      <m:rPr>
+                        <m:sty m:val="p"/>
+                      </m:rPr>
+                      <a:rPr lang="en-US" altLang="ja-JP" sz="2400" b="0" i="0" smtClean="0">
+                        <a:latin typeface="Cambria Math" panose="02040503050406030204" pitchFamily="18" charset="0"/>
+                      </a:rPr>
+                      <m:t>V</m:t>
+                    </m:r>
+                  </m:oMath>
+                </a14:m>
+                <a:r>
+                  <a:rPr lang="ja-JP" altLang="en-US" sz="2400" dirty="0"/>
+                  <a:t>である。</a:t>
+                </a:r>
+                <a:endParaRPr lang="en-US" altLang="ja-JP" sz="2400" dirty="0"/>
+              </a:p>
+              <a:p>
+                <a14:m>
+                  <m:oMath xmlns:m="http://schemas.openxmlformats.org/officeDocument/2006/math">
+                    <m:sSub>
+                      <m:sSubPr>
+                        <m:ctrlPr>
+                          <a:rPr kumimoji="1" lang="en-US" altLang="ja-JP" sz="2400" b="0" i="1" smtClean="0">
+                            <a:latin typeface="Cambria Math" panose="02040503050406030204" pitchFamily="18" charset="0"/>
+                          </a:rPr>
+                        </m:ctrlPr>
+                      </m:sSubPr>
+                      <m:e>
+                        <m:r>
+                          <a:rPr kumimoji="1" lang="en-US" altLang="ja-JP" sz="2400" b="0" i="1" smtClean="0">
+                            <a:latin typeface="Cambria Math" panose="02040503050406030204" pitchFamily="18" charset="0"/>
+                          </a:rPr>
+                          <m:t>𝐾</m:t>
+                        </m:r>
+                      </m:e>
+                      <m:sub>
+                        <m:r>
+                          <a:rPr kumimoji="1" lang="en-US" altLang="ja-JP" sz="2400" b="0" i="1" smtClean="0">
+                            <a:latin typeface="Cambria Math" panose="02040503050406030204" pitchFamily="18" charset="0"/>
+                          </a:rPr>
+                          <m:t>0</m:t>
+                        </m:r>
+                      </m:sub>
+                    </m:sSub>
+                    <m:r>
+                      <a:rPr kumimoji="1" lang="en-US" altLang="ja-JP" sz="2400" b="0" i="1" smtClean="0">
+                        <a:latin typeface="Cambria Math" panose="02040503050406030204" pitchFamily="18" charset="0"/>
+                      </a:rPr>
+                      <m:t>≡</m:t>
+                    </m:r>
+                    <m:f>
+                      <m:fPr>
+                        <m:ctrlPr>
+                          <a:rPr kumimoji="1" lang="en-US" altLang="ja-JP" sz="2400" b="0" i="1" smtClean="0">
+                            <a:latin typeface="Cambria Math" panose="02040503050406030204" pitchFamily="18" charset="0"/>
+                          </a:rPr>
+                        </m:ctrlPr>
+                      </m:fPr>
+                      <m:num>
+                        <m:r>
+                          <a:rPr kumimoji="1" lang="en-US" altLang="ja-JP" sz="2400" b="0" i="1" smtClean="0">
+                            <a:latin typeface="Cambria Math" panose="02040503050406030204" pitchFamily="18" charset="0"/>
+                          </a:rPr>
+                          <m:t>𝜇</m:t>
+                        </m:r>
+                        <m:sSub>
+                          <m:sSubPr>
+                            <m:ctrlPr>
+                              <a:rPr kumimoji="1" lang="en-US" altLang="ja-JP" sz="2400" b="0" i="1" smtClean="0">
+                                <a:latin typeface="Cambria Math" panose="02040503050406030204" pitchFamily="18" charset="0"/>
+                              </a:rPr>
+                            </m:ctrlPr>
+                          </m:sSubPr>
+                          <m:e>
+                            <m:r>
+                              <a:rPr kumimoji="1" lang="en-US" altLang="ja-JP" sz="2400" b="0" i="1" smtClean="0">
+                                <a:latin typeface="Cambria Math" panose="02040503050406030204" pitchFamily="18" charset="0"/>
+                              </a:rPr>
+                              <m:t>𝐶</m:t>
+                            </m:r>
+                          </m:e>
+                          <m:sub>
+                            <m:r>
+                              <a:rPr kumimoji="1" lang="en-US" altLang="ja-JP" sz="2400" b="0" i="1" smtClean="0">
+                                <a:latin typeface="Cambria Math" panose="02040503050406030204" pitchFamily="18" charset="0"/>
+                              </a:rPr>
+                              <m:t>𝑜𝑥</m:t>
+                            </m:r>
+                          </m:sub>
+                        </m:sSub>
+                      </m:num>
+                      <m:den>
+                        <m:r>
+                          <a:rPr kumimoji="1" lang="en-US" altLang="ja-JP" sz="2400" b="0" i="1" smtClean="0">
+                            <a:latin typeface="Cambria Math" panose="02040503050406030204" pitchFamily="18" charset="0"/>
+                          </a:rPr>
+                          <m:t>2</m:t>
+                        </m:r>
+                      </m:den>
+                    </m:f>
+                  </m:oMath>
+                </a14:m>
+                <a:r>
+                  <a:rPr kumimoji="1" lang="ja-JP" altLang="en-US" sz="2400" dirty="0"/>
+                  <a:t>とすると、</a:t>
+                </a:r>
+                <a:endParaRPr kumimoji="1" lang="en-US" altLang="ja-JP" sz="2400" dirty="0"/>
+              </a:p>
+              <a:p>
+                <a14:m>
+                  <m:oMathPara xmlns:m="http://schemas.openxmlformats.org/officeDocument/2006/math">
+                    <m:oMathParaPr>
+                      <m:jc m:val="centerGroup"/>
+                    </m:oMathParaPr>
+                    <m:oMath xmlns:m="http://schemas.openxmlformats.org/officeDocument/2006/math">
+                      <m:f>
+                        <m:fPr>
+                          <m:ctrlPr>
+                            <a:rPr lang="en-US" altLang="ja-JP" sz="2400" i="1">
+                              <a:latin typeface="Cambria Math" panose="02040503050406030204" pitchFamily="18" charset="0"/>
+                            </a:rPr>
+                          </m:ctrlPr>
+                        </m:fPr>
+                        <m:num>
+                          <m:r>
+                            <a:rPr lang="en-US" altLang="ja-JP" sz="2400" i="1">
+                              <a:latin typeface="Cambria Math" panose="02040503050406030204" pitchFamily="18" charset="0"/>
+                            </a:rPr>
+                            <m:t>𝜕</m:t>
+                          </m:r>
+                          <m:sSub>
+                            <m:sSubPr>
+                              <m:ctrlPr>
+                                <a:rPr lang="en-US" altLang="ja-JP" sz="2400" i="1">
+                                  <a:latin typeface="Cambria Math" panose="02040503050406030204" pitchFamily="18" charset="0"/>
+                                </a:rPr>
+                              </m:ctrlPr>
+                            </m:sSubPr>
+                            <m:e>
+                              <m:r>
+                                <a:rPr lang="en-US" altLang="ja-JP" sz="2400" i="1">
+                                  <a:latin typeface="Cambria Math" panose="02040503050406030204" pitchFamily="18" charset="0"/>
+                                </a:rPr>
+                                <m:t>𝑔</m:t>
+                              </m:r>
+                            </m:e>
+                            <m:sub>
+                              <m:r>
+                                <a:rPr lang="en-US" altLang="ja-JP" sz="2400" i="1">
+                                  <a:latin typeface="Cambria Math" panose="02040503050406030204" pitchFamily="18" charset="0"/>
+                                </a:rPr>
+                                <m:t>𝑚</m:t>
+                              </m:r>
+                            </m:sub>
+                          </m:sSub>
+                        </m:num>
+                        <m:den>
+                          <m:r>
+                            <a:rPr lang="en-US" altLang="ja-JP" sz="2400" i="1">
+                              <a:latin typeface="Cambria Math" panose="02040503050406030204" pitchFamily="18" charset="0"/>
+                            </a:rPr>
+                            <m:t>𝜕</m:t>
+                          </m:r>
+                          <m:sSub>
+                            <m:sSubPr>
+                              <m:ctrlPr>
+                                <a:rPr lang="en-US" altLang="ja-JP" sz="2400" i="1">
+                                  <a:latin typeface="Cambria Math" panose="02040503050406030204" pitchFamily="18" charset="0"/>
+                                </a:rPr>
+                              </m:ctrlPr>
+                            </m:sSubPr>
+                            <m:e>
+                              <m:r>
+                                <a:rPr lang="en-US" altLang="ja-JP" sz="2400" i="1">
+                                  <a:latin typeface="Cambria Math" panose="02040503050406030204" pitchFamily="18" charset="0"/>
+                                </a:rPr>
+                                <m:t>𝑉</m:t>
+                              </m:r>
+                            </m:e>
+                            <m:sub>
+                              <m:r>
+                                <a:rPr lang="en-US" altLang="ja-JP" sz="2400" i="1">
+                                  <a:latin typeface="Cambria Math" panose="02040503050406030204" pitchFamily="18" charset="0"/>
+                                </a:rPr>
+                                <m:t>𝐺𝑆</m:t>
+                              </m:r>
+                            </m:sub>
+                          </m:sSub>
+                        </m:den>
+                      </m:f>
+                      <m:r>
+                        <a:rPr lang="en-US" altLang="ja-JP" sz="2400" b="0" i="1" smtClean="0">
+                          <a:latin typeface="Cambria Math" panose="02040503050406030204" pitchFamily="18" charset="0"/>
+                        </a:rPr>
+                        <m:t>=</m:t>
+                      </m:r>
+                      <m:r>
+                        <a:rPr lang="en-US" altLang="ja-JP" sz="2400" b="0" i="1" smtClean="0">
+                          <a:latin typeface="Cambria Math" panose="02040503050406030204" pitchFamily="18" charset="0"/>
+                        </a:rPr>
+                        <m:t>𝜇</m:t>
+                      </m:r>
+                      <m:sSub>
+                        <m:sSubPr>
+                          <m:ctrlPr>
+                            <a:rPr lang="en-US" altLang="ja-JP" sz="2400" b="0" i="1" smtClean="0">
+                              <a:latin typeface="Cambria Math" panose="02040503050406030204" pitchFamily="18" charset="0"/>
+                            </a:rPr>
+                          </m:ctrlPr>
+                        </m:sSubPr>
+                        <m:e>
+                          <m:r>
+                            <a:rPr lang="en-US" altLang="ja-JP" sz="2400" b="0" i="1" smtClean="0">
+                              <a:latin typeface="Cambria Math" panose="02040503050406030204" pitchFamily="18" charset="0"/>
+                            </a:rPr>
+                            <m:t>𝐶</m:t>
+                          </m:r>
+                        </m:e>
+                        <m:sub>
+                          <m:r>
+                            <a:rPr lang="en-US" altLang="ja-JP" sz="2400" b="0" i="1" smtClean="0">
+                              <a:latin typeface="Cambria Math" panose="02040503050406030204" pitchFamily="18" charset="0"/>
+                            </a:rPr>
+                            <m:t>𝑜𝑥</m:t>
+                          </m:r>
+                        </m:sub>
+                      </m:sSub>
+                      <m:r>
+                        <a:rPr lang="en-US" altLang="ja-JP" sz="2400" b="0" i="1" smtClean="0">
+                          <a:latin typeface="Cambria Math" panose="02040503050406030204" pitchFamily="18" charset="0"/>
+                        </a:rPr>
+                        <m:t>⋅</m:t>
+                      </m:r>
+                      <m:f>
+                        <m:fPr>
+                          <m:ctrlPr>
+                            <a:rPr lang="en-US" altLang="ja-JP" sz="2400" b="0" i="1" smtClean="0">
+                              <a:latin typeface="Cambria Math" panose="02040503050406030204" pitchFamily="18" charset="0"/>
+                            </a:rPr>
+                          </m:ctrlPr>
+                        </m:fPr>
+                        <m:num>
+                          <m:r>
+                            <a:rPr lang="en-US" altLang="ja-JP" sz="2400" b="0" i="1" smtClean="0">
+                              <a:latin typeface="Cambria Math" panose="02040503050406030204" pitchFamily="18" charset="0"/>
+                            </a:rPr>
+                            <m:t>𝑊</m:t>
+                          </m:r>
+                        </m:num>
+                        <m:den>
+                          <m:r>
+                            <a:rPr lang="en-US" altLang="ja-JP" sz="2400" b="0" i="1" smtClean="0">
+                              <a:latin typeface="Cambria Math" panose="02040503050406030204" pitchFamily="18" charset="0"/>
+                            </a:rPr>
+                            <m:t>𝐿</m:t>
+                          </m:r>
+                        </m:den>
+                      </m:f>
+                    </m:oMath>
+                  </m:oMathPara>
+                </a14:m>
+                <a:endParaRPr lang="en-US" altLang="ja-JP" sz="2400" b="0" dirty="0"/>
+              </a:p>
+              <a:p>
+                <a:r>
+                  <a:rPr lang="ja-JP" altLang="en-US" sz="2400" dirty="0"/>
+                  <a:t>なので、</a:t>
+                </a:r>
+                <a:endParaRPr lang="en-US" altLang="ja-JP" sz="2400" dirty="0"/>
+              </a:p>
+              <a:p>
+                <a14:m>
+                  <m:oMathPara xmlns:m="http://schemas.openxmlformats.org/officeDocument/2006/math">
+                    <m:oMathParaPr>
+                      <m:jc m:val="centerGroup"/>
+                    </m:oMathParaPr>
+                    <m:oMath xmlns:m="http://schemas.openxmlformats.org/officeDocument/2006/math">
+                      <m:sSub>
+                        <m:sSubPr>
+                          <m:ctrlPr>
+                            <a:rPr kumimoji="1" lang="en-US" altLang="ja-JP" sz="2400" b="0" i="1" smtClean="0">
+                              <a:latin typeface="Cambria Math" panose="02040503050406030204" pitchFamily="18" charset="0"/>
+                            </a:rPr>
+                          </m:ctrlPr>
+                        </m:sSubPr>
+                        <m:e>
+                          <m:r>
+                            <a:rPr kumimoji="1" lang="en-US" altLang="ja-JP" sz="2400" b="0" i="1" smtClean="0">
+                              <a:latin typeface="Cambria Math" panose="02040503050406030204" pitchFamily="18" charset="0"/>
+                            </a:rPr>
+                            <m:t>𝐾</m:t>
+                          </m:r>
+                        </m:e>
+                        <m:sub>
+                          <m:r>
+                            <a:rPr kumimoji="1" lang="en-US" altLang="ja-JP" sz="2400" b="0" i="1" smtClean="0">
+                              <a:latin typeface="Cambria Math" panose="02040503050406030204" pitchFamily="18" charset="0"/>
+                            </a:rPr>
+                            <m:t>0</m:t>
+                          </m:r>
+                        </m:sub>
+                      </m:sSub>
+                      <m:r>
+                        <a:rPr kumimoji="1" lang="en-US" altLang="ja-JP" sz="2400" b="0" i="1" smtClean="0">
+                          <a:latin typeface="Cambria Math" panose="02040503050406030204" pitchFamily="18" charset="0"/>
+                        </a:rPr>
+                        <m:t>=</m:t>
+                      </m:r>
+                      <m:f>
+                        <m:fPr>
+                          <m:ctrlPr>
+                            <a:rPr kumimoji="1" lang="en-US" altLang="ja-JP" sz="2400" b="0" i="1" smtClean="0">
+                              <a:latin typeface="Cambria Math" panose="02040503050406030204" pitchFamily="18" charset="0"/>
+                            </a:rPr>
+                          </m:ctrlPr>
+                        </m:fPr>
+                        <m:num>
+                          <m:r>
+                            <a:rPr kumimoji="1" lang="en-US" altLang="ja-JP" sz="2400" b="0" i="1" smtClean="0">
+                              <a:latin typeface="Cambria Math" panose="02040503050406030204" pitchFamily="18" charset="0"/>
+                            </a:rPr>
+                            <m:t>1</m:t>
+                          </m:r>
+                        </m:num>
+                        <m:den>
+                          <m:r>
+                            <a:rPr kumimoji="1" lang="en-US" altLang="ja-JP" sz="2400" b="0" i="1" smtClean="0">
+                              <a:latin typeface="Cambria Math" panose="02040503050406030204" pitchFamily="18" charset="0"/>
+                            </a:rPr>
+                            <m:t>2</m:t>
+                          </m:r>
+                        </m:den>
+                      </m:f>
+                      <m:r>
+                        <a:rPr kumimoji="1" lang="en-US" altLang="ja-JP" sz="2400" b="0" i="1" smtClean="0">
+                          <a:latin typeface="Cambria Math" panose="02040503050406030204" pitchFamily="18" charset="0"/>
+                        </a:rPr>
+                        <m:t>⋅</m:t>
+                      </m:r>
+                      <m:f>
+                        <m:fPr>
+                          <m:ctrlPr>
+                            <a:rPr lang="en-US" altLang="ja-JP" sz="2400" i="1">
+                              <a:latin typeface="Cambria Math" panose="02040503050406030204" pitchFamily="18" charset="0"/>
+                            </a:rPr>
+                          </m:ctrlPr>
+                        </m:fPr>
+                        <m:num>
+                          <m:r>
+                            <a:rPr lang="en-US" altLang="ja-JP" sz="2400" i="1">
+                              <a:latin typeface="Cambria Math" panose="02040503050406030204" pitchFamily="18" charset="0"/>
+                            </a:rPr>
+                            <m:t>𝜕</m:t>
+                          </m:r>
+                          <m:sSub>
+                            <m:sSubPr>
+                              <m:ctrlPr>
+                                <a:rPr lang="en-US" altLang="ja-JP" sz="2400" i="1">
+                                  <a:latin typeface="Cambria Math" panose="02040503050406030204" pitchFamily="18" charset="0"/>
+                                </a:rPr>
+                              </m:ctrlPr>
+                            </m:sSubPr>
+                            <m:e>
+                              <m:r>
+                                <a:rPr lang="en-US" altLang="ja-JP" sz="2400" i="1">
+                                  <a:latin typeface="Cambria Math" panose="02040503050406030204" pitchFamily="18" charset="0"/>
+                                </a:rPr>
+                                <m:t>𝑔</m:t>
+                              </m:r>
+                            </m:e>
+                            <m:sub>
+                              <m:r>
+                                <a:rPr lang="en-US" altLang="ja-JP" sz="2400" i="1">
+                                  <a:latin typeface="Cambria Math" panose="02040503050406030204" pitchFamily="18" charset="0"/>
+                                </a:rPr>
+                                <m:t>𝑚</m:t>
+                              </m:r>
+                            </m:sub>
+                          </m:sSub>
+                        </m:num>
+                        <m:den>
+                          <m:r>
+                            <a:rPr lang="en-US" altLang="ja-JP" sz="2400" i="1">
+                              <a:latin typeface="Cambria Math" panose="02040503050406030204" pitchFamily="18" charset="0"/>
+                            </a:rPr>
+                            <m:t>𝜕</m:t>
+                          </m:r>
+                          <m:sSub>
+                            <m:sSubPr>
+                              <m:ctrlPr>
+                                <a:rPr lang="en-US" altLang="ja-JP" sz="2400" i="1">
+                                  <a:latin typeface="Cambria Math" panose="02040503050406030204" pitchFamily="18" charset="0"/>
+                                </a:rPr>
+                              </m:ctrlPr>
+                            </m:sSubPr>
+                            <m:e>
+                              <m:r>
+                                <a:rPr lang="en-US" altLang="ja-JP" sz="2400" i="1">
+                                  <a:latin typeface="Cambria Math" panose="02040503050406030204" pitchFamily="18" charset="0"/>
+                                </a:rPr>
+                                <m:t>𝑉</m:t>
+                              </m:r>
+                            </m:e>
+                            <m:sub>
+                              <m:r>
+                                <a:rPr lang="en-US" altLang="ja-JP" sz="2400" i="1">
+                                  <a:latin typeface="Cambria Math" panose="02040503050406030204" pitchFamily="18" charset="0"/>
+                                </a:rPr>
+                                <m:t>𝐺𝑆</m:t>
+                              </m:r>
+                            </m:sub>
+                          </m:sSub>
+                        </m:den>
+                      </m:f>
+                      <m:r>
+                        <a:rPr lang="en-US" altLang="ja-JP" sz="2400" b="0" i="1" smtClean="0">
+                          <a:latin typeface="Cambria Math" panose="02040503050406030204" pitchFamily="18" charset="0"/>
+                        </a:rPr>
+                        <m:t>⋅</m:t>
+                      </m:r>
+                      <m:f>
+                        <m:fPr>
+                          <m:ctrlPr>
+                            <a:rPr lang="en-US" altLang="ja-JP" sz="2400" b="0" i="1" smtClean="0">
+                              <a:latin typeface="Cambria Math" panose="02040503050406030204" pitchFamily="18" charset="0"/>
+                            </a:rPr>
+                          </m:ctrlPr>
+                        </m:fPr>
+                        <m:num>
+                          <m:r>
+                            <a:rPr lang="en-US" altLang="ja-JP" sz="2400" b="0" i="1" smtClean="0">
+                              <a:latin typeface="Cambria Math" panose="02040503050406030204" pitchFamily="18" charset="0"/>
+                            </a:rPr>
+                            <m:t>𝐿</m:t>
+                          </m:r>
+                        </m:num>
+                        <m:den>
+                          <m:r>
+                            <a:rPr lang="en-US" altLang="ja-JP" sz="2400" b="0" i="1" smtClean="0">
+                              <a:latin typeface="Cambria Math" panose="02040503050406030204" pitchFamily="18" charset="0"/>
+                            </a:rPr>
+                            <m:t>𝑊</m:t>
+                          </m:r>
+                        </m:den>
+                      </m:f>
+                      <m:r>
+                        <a:rPr lang="en-US" altLang="ja-JP" sz="2400" b="0" i="1" smtClean="0">
+                          <a:latin typeface="Cambria Math" panose="02040503050406030204" pitchFamily="18" charset="0"/>
+                        </a:rPr>
+                        <m:t>≈112 </m:t>
+                      </m:r>
+                      <m:r>
+                        <m:rPr>
+                          <m:sty m:val="p"/>
+                        </m:rPr>
+                        <a:rPr lang="en-US" altLang="ja-JP" sz="2400" b="0" i="0" smtClean="0">
+                          <a:latin typeface="Cambria Math" panose="02040503050406030204" pitchFamily="18" charset="0"/>
+                        </a:rPr>
+                        <m:t>μS</m:t>
+                      </m:r>
+                      <m:r>
+                        <a:rPr lang="en-US" altLang="ja-JP" sz="2400" b="0" i="0" smtClean="0">
+                          <a:latin typeface="Cambria Math" panose="02040503050406030204" pitchFamily="18" charset="0"/>
+                        </a:rPr>
+                        <m:t>/</m:t>
+                      </m:r>
+                      <m:r>
+                        <m:rPr>
+                          <m:sty m:val="p"/>
+                        </m:rPr>
+                        <a:rPr lang="en-US" altLang="ja-JP" sz="2400" b="0" i="0" smtClean="0">
+                          <a:latin typeface="Cambria Math" panose="02040503050406030204" pitchFamily="18" charset="0"/>
+                        </a:rPr>
+                        <m:t>V</m:t>
+                      </m:r>
+                    </m:oMath>
+                  </m:oMathPara>
+                </a14:m>
+                <a:endParaRPr kumimoji="1" lang="ja-JP" altLang="en-US" sz="2400" dirty="0"/>
+              </a:p>
+            </p:txBody>
+          </p:sp>
+        </mc:Choice>
+        <mc:Fallback>
+          <p:sp>
+            <p:nvSpPr>
+              <p:cNvPr id="6" name="テキスト ボックス 5">
+                <a:extLst>
+                  <a:ext uri="{FF2B5EF4-FFF2-40B4-BE49-F238E27FC236}">
+                    <a16:creationId xmlns:a16="http://schemas.microsoft.com/office/drawing/2014/main" id="{E2E0C66F-236D-E089-E9F2-8ABD4B78E0C0}"/>
+                  </a:ext>
+                </a:extLst>
+              </p:cNvPr>
+              <p:cNvSpPr txBox="1">
+                <a:spLocks noRot="1" noChangeAspect="1" noMove="1" noResize="1" noEditPoints="1" noAdjustHandles="1" noChangeArrowheads="1" noChangeShapeType="1" noTextEdit="1"/>
+              </p:cNvSpPr>
+              <p:nvPr/>
+            </p:nvSpPr>
+            <p:spPr>
+              <a:xfrm>
+                <a:off x="6361471" y="1404032"/>
+                <a:ext cx="5732206" cy="4952318"/>
+              </a:xfrm>
+              <a:prstGeom prst="rect">
+                <a:avLst/>
+              </a:prstGeom>
+              <a:blipFill>
+                <a:blip r:embed="rId3"/>
+                <a:stretch>
+                  <a:fillRect l="-1702" t="-984" r="-426"/>
+                </a:stretch>
+              </a:blipFill>
+            </p:spPr>
+            <p:txBody>
+              <a:bodyPr/>
+              <a:lstStyle/>
+              <a:p>
+                <a:r>
+                  <a:rPr lang="ja-JP" altLang="en-US">
+                    <a:noFill/>
+                  </a:rPr>
+                  <a:t> </a:t>
+                </a:r>
+              </a:p>
+            </p:txBody>
+          </p:sp>
+        </mc:Fallback>
+      </mc:AlternateContent>
+    </p:spTree>
+    <p:extLst>
+      <p:ext uri="{BB962C8B-B14F-4D97-AF65-F5344CB8AC3E}">
+        <p14:creationId xmlns:p14="http://schemas.microsoft.com/office/powerpoint/2010/main" val="1701094569"/>
+      </p:ext>
+    </p:extLst>
+  </p:cSld>
+  <p:clrMapOvr>
+    <a:masterClrMapping/>
+  </p:clrMapOvr>
+</p:sld>
+</file>
+
+<file path=ppt/slides/slide16.xml><?xml version="1.0" encoding="utf-8"?>
+<p:sld xmlns:a="http://schemas.openxmlformats.org/drawingml/2006/main" xmlns:r="http://schemas.openxmlformats.org/officeDocument/2006/relationships" xmlns:p="http://schemas.openxmlformats.org/presentationml/2006/main">
+  <p:cSld>
+    <p:spTree>
+      <p:nvGrpSpPr>
+        <p:cNvPr id="1" name=""/>
+        <p:cNvGrpSpPr/>
+        <p:nvPr/>
+      </p:nvGrpSpPr>
+      <p:grpSpPr>
+        <a:xfrm>
+          <a:off x="0" y="0"/>
+          <a:ext cx="0" cy="0"/>
+          <a:chOff x="0" y="0"/>
+          <a:chExt cx="0" cy="0"/>
+        </a:xfrm>
+      </p:grpSpPr>
+      <p:sp>
+        <p:nvSpPr>
+          <p:cNvPr id="2" name="タイトル 1">
+            <a:extLst>
+              <a:ext uri="{FF2B5EF4-FFF2-40B4-BE49-F238E27FC236}">
+                <a16:creationId xmlns:a16="http://schemas.microsoft.com/office/drawing/2014/main" id="{68459D37-FDC6-A579-5597-D9A402CBC4BD}"/>
+              </a:ext>
+            </a:extLst>
+          </p:cNvPr>
+          <p:cNvSpPr>
+            <a:spLocks noGrp="1"/>
+          </p:cNvSpPr>
+          <p:nvPr>
+            <p:ph type="title"/>
+          </p:nvPr>
+        </p:nvSpPr>
+        <p:spPr/>
+        <p:txBody>
+          <a:bodyPr/>
+          <a:lstStyle/>
+          <a:p>
+            <a:r>
+              <a:rPr kumimoji="1" lang="ja-JP" altLang="en-US" dirty="0"/>
+              <a:t>チャネル幅の決定</a:t>
+            </a:r>
+          </a:p>
+        </p:txBody>
+      </p:sp>
+      <p:sp>
+        <p:nvSpPr>
+          <p:cNvPr id="3" name="スライド番号プレースホルダー 2">
+            <a:extLst>
+              <a:ext uri="{FF2B5EF4-FFF2-40B4-BE49-F238E27FC236}">
+                <a16:creationId xmlns:a16="http://schemas.microsoft.com/office/drawing/2014/main" id="{E476D161-4228-D2BE-7CD0-D23258B815BC}"/>
+              </a:ext>
+            </a:extLst>
+          </p:cNvPr>
+          <p:cNvSpPr>
+            <a:spLocks noGrp="1"/>
+          </p:cNvSpPr>
+          <p:nvPr>
+            <p:ph type="sldNum" sz="quarter" idx="12"/>
+          </p:nvPr>
+        </p:nvSpPr>
+        <p:spPr/>
+        <p:txBody>
+          <a:bodyPr/>
+          <a:lstStyle/>
+          <a:p>
+            <a:fld id="{BAC09C9C-7DB0-444B-A568-405A39CC84C0}" type="slidenum">
+              <a:rPr kumimoji="1" lang="ja-JP" altLang="en-US" smtClean="0"/>
+              <a:t>16</a:t>
+            </a:fld>
+            <a:endParaRPr kumimoji="1" lang="ja-JP" altLang="en-US"/>
+          </a:p>
+        </p:txBody>
+      </p:sp>
+      <mc:AlternateContent xmlns:mc="http://schemas.openxmlformats.org/markup-compatibility/2006">
+        <mc:Choice xmlns:a14="http://schemas.microsoft.com/office/drawing/2010/main" Requires="a14">
+          <p:sp>
+            <p:nvSpPr>
+              <p:cNvPr id="4" name="テキスト ボックス 3">
+                <a:extLst>
+                  <a:ext uri="{FF2B5EF4-FFF2-40B4-BE49-F238E27FC236}">
+                    <a16:creationId xmlns:a16="http://schemas.microsoft.com/office/drawing/2014/main" id="{C82CDE56-18BF-4378-ABC8-E4D5F8CA6F94}"/>
+                  </a:ext>
+                </a:extLst>
+              </p:cNvPr>
+              <p:cNvSpPr txBox="1"/>
+              <p:nvPr/>
+            </p:nvSpPr>
+            <p:spPr>
+              <a:xfrm>
+                <a:off x="679655" y="2295597"/>
+                <a:ext cx="10832690" cy="3062633"/>
+              </a:xfrm>
+              <a:prstGeom prst="rect">
+                <a:avLst/>
+              </a:prstGeom>
+              <a:noFill/>
+            </p:spPr>
+            <p:txBody>
+              <a:bodyPr wrap="square" rtlCol="0">
+                <a:spAutoFit/>
+              </a:bodyPr>
+              <a:lstStyle/>
+              <a:p>
+                <a:pPr algn="l"/>
+                <a14:m>
+                  <m:oMath xmlns:m="http://schemas.openxmlformats.org/officeDocument/2006/math">
+                    <m:sSub>
+                      <m:sSubPr>
+                        <m:ctrlPr>
+                          <a:rPr kumimoji="1" lang="en-US" altLang="ja-JP" sz="2400" b="0" i="1" smtClean="0">
+                            <a:latin typeface="Cambria Math" panose="02040503050406030204" pitchFamily="18" charset="0"/>
+                          </a:rPr>
+                        </m:ctrlPr>
+                      </m:sSubPr>
+                      <m:e>
+                        <m:r>
+                          <a:rPr kumimoji="1" lang="en-US" altLang="ja-JP" sz="2400" b="0" i="1" smtClean="0">
+                            <a:latin typeface="Cambria Math" panose="02040503050406030204" pitchFamily="18" charset="0"/>
+                          </a:rPr>
+                          <m:t>𝑀</m:t>
+                        </m:r>
+                      </m:e>
+                      <m:sub>
+                        <m:r>
+                          <a:rPr kumimoji="1" lang="en-US" altLang="ja-JP" sz="2400" b="0" i="1" smtClean="0">
+                            <a:latin typeface="Cambria Math" panose="02040503050406030204" pitchFamily="18" charset="0"/>
+                          </a:rPr>
+                          <m:t>𝐶</m:t>
+                        </m:r>
+                      </m:sub>
+                    </m:sSub>
+                  </m:oMath>
+                </a14:m>
+                <a:r>
+                  <a:rPr kumimoji="1" lang="ja-JP" altLang="en-US" sz="2400" dirty="0"/>
+                  <a:t>にはゲートソース間電圧が</a:t>
+                </a:r>
+                <a14:m>
+                  <m:oMath xmlns:m="http://schemas.openxmlformats.org/officeDocument/2006/math">
+                    <m:r>
+                      <a:rPr kumimoji="1" lang="en-US" altLang="ja-JP" sz="2400" b="0" i="1" smtClean="0">
+                        <a:latin typeface="Cambria Math" panose="02040503050406030204" pitchFamily="18" charset="0"/>
+                      </a:rPr>
+                      <m:t>0.7 </m:t>
+                    </m:r>
+                    <m:r>
+                      <m:rPr>
+                        <m:sty m:val="p"/>
+                      </m:rPr>
+                      <a:rPr kumimoji="1" lang="en-US" altLang="ja-JP" sz="2400" b="0" i="0" smtClean="0">
+                        <a:latin typeface="Cambria Math" panose="02040503050406030204" pitchFamily="18" charset="0"/>
+                      </a:rPr>
+                      <m:t>V</m:t>
+                    </m:r>
+                  </m:oMath>
+                </a14:m>
+                <a:r>
+                  <a:rPr kumimoji="1" lang="ja-JP" altLang="en-US" sz="2400" dirty="0"/>
+                  <a:t>で</a:t>
+                </a:r>
+                <a14:m>
+                  <m:oMath xmlns:m="http://schemas.openxmlformats.org/officeDocument/2006/math">
+                    <m:r>
+                      <a:rPr kumimoji="1" lang="en-US" altLang="ja-JP" sz="2400" b="0" i="1" dirty="0" smtClean="0">
+                        <a:latin typeface="Cambria Math" panose="02040503050406030204" pitchFamily="18" charset="0"/>
+                      </a:rPr>
+                      <m:t>1 </m:t>
+                    </m:r>
+                    <m:r>
+                      <m:rPr>
+                        <m:sty m:val="p"/>
+                      </m:rPr>
+                      <a:rPr kumimoji="1" lang="en-US" altLang="ja-JP" sz="2400" b="0" i="0" dirty="0" smtClean="0">
+                        <a:latin typeface="Cambria Math" panose="02040503050406030204" pitchFamily="18" charset="0"/>
+                      </a:rPr>
+                      <m:t>mA</m:t>
+                    </m:r>
+                  </m:oMath>
+                </a14:m>
+                <a:r>
+                  <a:rPr kumimoji="1" lang="ja-JP" altLang="en-US" sz="2400" dirty="0"/>
+                  <a:t>が流れる。したがって、二乗則より</a:t>
+                </a:r>
+                <a:endParaRPr kumimoji="1" lang="en-US" altLang="ja-JP" sz="2400" dirty="0"/>
+              </a:p>
+              <a:p>
+                <a:pPr algn="l"/>
+                <a14:m>
+                  <m:oMathPara xmlns:m="http://schemas.openxmlformats.org/officeDocument/2006/math">
+                    <m:oMathParaPr>
+                      <m:jc m:val="centerGroup"/>
+                    </m:oMathParaPr>
+                    <m:oMath xmlns:m="http://schemas.openxmlformats.org/officeDocument/2006/math">
+                      <m:sSub>
+                        <m:sSubPr>
+                          <m:ctrlPr>
+                            <a:rPr kumimoji="1" lang="en-US" altLang="ja-JP" sz="2400" b="0" i="1" smtClean="0">
+                              <a:latin typeface="Cambria Math" panose="02040503050406030204" pitchFamily="18" charset="0"/>
+                            </a:rPr>
+                          </m:ctrlPr>
+                        </m:sSubPr>
+                        <m:e>
+                          <m:r>
+                            <a:rPr kumimoji="1" lang="en-US" altLang="ja-JP" sz="2400" b="0" i="1" smtClean="0">
+                              <a:latin typeface="Cambria Math" panose="02040503050406030204" pitchFamily="18" charset="0"/>
+                            </a:rPr>
+                            <m:t>𝐼</m:t>
+                          </m:r>
+                        </m:e>
+                        <m:sub>
+                          <m:r>
+                            <a:rPr kumimoji="1" lang="en-US" altLang="ja-JP" sz="2400" b="0" i="1" smtClean="0">
+                              <a:latin typeface="Cambria Math" panose="02040503050406030204" pitchFamily="18" charset="0"/>
+                            </a:rPr>
+                            <m:t>𝐷</m:t>
+                          </m:r>
+                        </m:sub>
+                      </m:sSub>
+                      <m:r>
+                        <a:rPr kumimoji="1" lang="en-US" altLang="ja-JP" sz="2400" b="0" i="1" smtClean="0">
+                          <a:latin typeface="Cambria Math" panose="02040503050406030204" pitchFamily="18" charset="0"/>
+                        </a:rPr>
+                        <m:t>=</m:t>
+                      </m:r>
+                      <m:sSub>
+                        <m:sSubPr>
+                          <m:ctrlPr>
+                            <a:rPr kumimoji="1" lang="en-US" altLang="ja-JP" sz="2400" b="0" i="1" smtClean="0">
+                              <a:latin typeface="Cambria Math" panose="02040503050406030204" pitchFamily="18" charset="0"/>
+                            </a:rPr>
+                          </m:ctrlPr>
+                        </m:sSubPr>
+                        <m:e>
+                          <m:r>
+                            <a:rPr kumimoji="1" lang="en-US" altLang="ja-JP" sz="2400" b="0" i="1" smtClean="0">
+                              <a:latin typeface="Cambria Math" panose="02040503050406030204" pitchFamily="18" charset="0"/>
+                            </a:rPr>
+                            <m:t>𝐾</m:t>
+                          </m:r>
+                        </m:e>
+                        <m:sub>
+                          <m:r>
+                            <a:rPr kumimoji="1" lang="en-US" altLang="ja-JP" sz="2400" b="0" i="1" smtClean="0">
+                              <a:latin typeface="Cambria Math" panose="02040503050406030204" pitchFamily="18" charset="0"/>
+                            </a:rPr>
+                            <m:t>0</m:t>
+                          </m:r>
+                        </m:sub>
+                      </m:sSub>
+                      <m:r>
+                        <a:rPr kumimoji="1" lang="en-US" altLang="ja-JP" sz="2400" b="0" i="1" smtClean="0">
+                          <a:latin typeface="Cambria Math" panose="02040503050406030204" pitchFamily="18" charset="0"/>
+                        </a:rPr>
+                        <m:t>⋅</m:t>
+                      </m:r>
+                      <m:f>
+                        <m:fPr>
+                          <m:ctrlPr>
+                            <a:rPr kumimoji="1" lang="en-US" altLang="ja-JP" sz="2400" b="0" i="1" smtClean="0">
+                              <a:latin typeface="Cambria Math" panose="02040503050406030204" pitchFamily="18" charset="0"/>
+                            </a:rPr>
+                          </m:ctrlPr>
+                        </m:fPr>
+                        <m:num>
+                          <m:r>
+                            <a:rPr kumimoji="1" lang="en-US" altLang="ja-JP" sz="2400" b="0" i="1" smtClean="0">
+                              <a:latin typeface="Cambria Math" panose="02040503050406030204" pitchFamily="18" charset="0"/>
+                            </a:rPr>
+                            <m:t>𝑊</m:t>
+                          </m:r>
+                        </m:num>
+                        <m:den>
+                          <m:r>
+                            <a:rPr kumimoji="1" lang="en-US" altLang="ja-JP" sz="2400" b="0" i="1" smtClean="0">
+                              <a:latin typeface="Cambria Math" panose="02040503050406030204" pitchFamily="18" charset="0"/>
+                            </a:rPr>
+                            <m:t>𝐿</m:t>
+                          </m:r>
+                        </m:den>
+                      </m:f>
+                      <m:r>
+                        <a:rPr kumimoji="1" lang="en-US" altLang="ja-JP" sz="2400" b="0" i="1" smtClean="0">
+                          <a:latin typeface="Cambria Math" panose="02040503050406030204" pitchFamily="18" charset="0"/>
+                        </a:rPr>
+                        <m:t>⋅</m:t>
+                      </m:r>
+                      <m:sSup>
+                        <m:sSupPr>
+                          <m:ctrlPr>
+                            <a:rPr kumimoji="1" lang="en-US" altLang="ja-JP" sz="2400" b="0" i="1" smtClean="0">
+                              <a:latin typeface="Cambria Math" panose="02040503050406030204" pitchFamily="18" charset="0"/>
+                            </a:rPr>
+                          </m:ctrlPr>
+                        </m:sSupPr>
+                        <m:e>
+                          <m:d>
+                            <m:dPr>
+                              <m:ctrlPr>
+                                <a:rPr kumimoji="1" lang="en-US" altLang="ja-JP" sz="2400" b="0" i="1" smtClean="0">
+                                  <a:latin typeface="Cambria Math" panose="02040503050406030204" pitchFamily="18" charset="0"/>
+                                </a:rPr>
+                              </m:ctrlPr>
+                            </m:dPr>
+                            <m:e>
+                              <m:sSub>
+                                <m:sSubPr>
+                                  <m:ctrlPr>
+                                    <a:rPr kumimoji="1" lang="en-US" altLang="ja-JP" sz="2400" b="0" i="1" smtClean="0">
+                                      <a:latin typeface="Cambria Math" panose="02040503050406030204" pitchFamily="18" charset="0"/>
+                                    </a:rPr>
+                                  </m:ctrlPr>
+                                </m:sSubPr>
+                                <m:e>
+                                  <m:r>
+                                    <a:rPr kumimoji="1" lang="en-US" altLang="ja-JP" sz="2400" b="0" i="1" smtClean="0">
+                                      <a:latin typeface="Cambria Math" panose="02040503050406030204" pitchFamily="18" charset="0"/>
+                                    </a:rPr>
+                                    <m:t>𝑉</m:t>
+                                  </m:r>
+                                </m:e>
+                                <m:sub>
+                                  <m:r>
+                                    <a:rPr kumimoji="1" lang="en-US" altLang="ja-JP" sz="2400" b="0" i="1" smtClean="0">
+                                      <a:latin typeface="Cambria Math" panose="02040503050406030204" pitchFamily="18" charset="0"/>
+                                    </a:rPr>
+                                    <m:t>𝐺𝑆</m:t>
+                                  </m:r>
+                                </m:sub>
+                              </m:sSub>
+                              <m:r>
+                                <a:rPr kumimoji="1" lang="en-US" altLang="ja-JP" sz="2400" b="0" i="1" smtClean="0">
+                                  <a:latin typeface="Cambria Math" panose="02040503050406030204" pitchFamily="18" charset="0"/>
+                                </a:rPr>
+                                <m:t>−</m:t>
+                              </m:r>
+                              <m:sSub>
+                                <m:sSubPr>
+                                  <m:ctrlPr>
+                                    <a:rPr kumimoji="1" lang="en-US" altLang="ja-JP" sz="2400" b="0" i="1" smtClean="0">
+                                      <a:latin typeface="Cambria Math" panose="02040503050406030204" pitchFamily="18" charset="0"/>
+                                    </a:rPr>
+                                  </m:ctrlPr>
+                                </m:sSubPr>
+                                <m:e>
+                                  <m:r>
+                                    <a:rPr kumimoji="1" lang="en-US" altLang="ja-JP" sz="2400" b="0" i="1" smtClean="0">
+                                      <a:latin typeface="Cambria Math" panose="02040503050406030204" pitchFamily="18" charset="0"/>
+                                    </a:rPr>
+                                    <m:t>𝑉</m:t>
+                                  </m:r>
+                                </m:e>
+                                <m:sub>
+                                  <m:r>
+                                    <a:rPr kumimoji="1" lang="en-US" altLang="ja-JP" sz="2400" b="0" i="1" smtClean="0">
+                                      <a:latin typeface="Cambria Math" panose="02040503050406030204" pitchFamily="18" charset="0"/>
+                                    </a:rPr>
+                                    <m:t>𝑡h</m:t>
+                                  </m:r>
+                                </m:sub>
+                              </m:sSub>
+                            </m:e>
+                          </m:d>
+                        </m:e>
+                        <m:sup>
+                          <m:r>
+                            <a:rPr kumimoji="1" lang="en-US" altLang="ja-JP" sz="2400" b="0" i="1" smtClean="0">
+                              <a:latin typeface="Cambria Math" panose="02040503050406030204" pitchFamily="18" charset="0"/>
+                            </a:rPr>
+                            <m:t>2</m:t>
+                          </m:r>
+                        </m:sup>
+                      </m:sSup>
+                    </m:oMath>
+                  </m:oMathPara>
+                </a14:m>
+                <a:endParaRPr kumimoji="1" lang="en-US" altLang="ja-JP" sz="2400" b="0" dirty="0"/>
+              </a:p>
+              <a:p>
+                <a:pPr algn="l"/>
+                <a14:m>
+                  <m:oMathPara xmlns:m="http://schemas.openxmlformats.org/officeDocument/2006/math">
+                    <m:oMathParaPr>
+                      <m:jc m:val="centerGroup"/>
+                    </m:oMathParaPr>
+                    <m:oMath xmlns:m="http://schemas.openxmlformats.org/officeDocument/2006/math">
+                      <m:sSub>
+                        <m:sSubPr>
+                          <m:ctrlPr>
+                            <a:rPr kumimoji="1" lang="en-US" altLang="ja-JP" sz="2400" b="0" i="1" smtClean="0">
+                              <a:latin typeface="Cambria Math" panose="02040503050406030204" pitchFamily="18" charset="0"/>
+                            </a:rPr>
+                          </m:ctrlPr>
+                        </m:sSubPr>
+                        <m:e>
+                          <m:r>
+                            <a:rPr kumimoji="1" lang="en-US" altLang="ja-JP" sz="2400" b="0" i="1" smtClean="0">
+                              <a:latin typeface="Cambria Math" panose="02040503050406030204" pitchFamily="18" charset="0"/>
+                            </a:rPr>
+                            <m:t>𝑊</m:t>
+                          </m:r>
+                        </m:e>
+                        <m:sub>
+                          <m:r>
+                            <a:rPr kumimoji="1" lang="en-US" altLang="ja-JP" sz="2400" b="0" i="1" smtClean="0">
+                              <a:latin typeface="Cambria Math" panose="02040503050406030204" pitchFamily="18" charset="0"/>
+                            </a:rPr>
+                            <m:t>𝐶</m:t>
+                          </m:r>
+                        </m:sub>
+                      </m:sSub>
+                      <m:r>
+                        <a:rPr kumimoji="1" lang="en-US" altLang="ja-JP" sz="2400" b="0" i="1" smtClean="0">
+                          <a:latin typeface="Cambria Math" panose="02040503050406030204" pitchFamily="18" charset="0"/>
+                        </a:rPr>
+                        <m:t>=</m:t>
+                      </m:r>
+                      <m:f>
+                        <m:fPr>
+                          <m:ctrlPr>
+                            <a:rPr kumimoji="1" lang="en-US" altLang="ja-JP" sz="2400" b="0" i="1" smtClean="0">
+                              <a:latin typeface="Cambria Math" panose="02040503050406030204" pitchFamily="18" charset="0"/>
+                            </a:rPr>
+                          </m:ctrlPr>
+                        </m:fPr>
+                        <m:num>
+                          <m:sSub>
+                            <m:sSubPr>
+                              <m:ctrlPr>
+                                <a:rPr kumimoji="1" lang="en-US" altLang="ja-JP" sz="2400" b="0" i="1" smtClean="0">
+                                  <a:latin typeface="Cambria Math" panose="02040503050406030204" pitchFamily="18" charset="0"/>
+                                </a:rPr>
+                              </m:ctrlPr>
+                            </m:sSubPr>
+                            <m:e>
+                              <m:r>
+                                <a:rPr kumimoji="1" lang="en-US" altLang="ja-JP" sz="2400" b="0" i="1" smtClean="0">
+                                  <a:latin typeface="Cambria Math" panose="02040503050406030204" pitchFamily="18" charset="0"/>
+                                </a:rPr>
+                                <m:t>𝐼</m:t>
+                              </m:r>
+                            </m:e>
+                            <m:sub>
+                              <m:r>
+                                <a:rPr kumimoji="1" lang="en-US" altLang="ja-JP" sz="2400" b="0" i="1" smtClean="0">
+                                  <a:latin typeface="Cambria Math" panose="02040503050406030204" pitchFamily="18" charset="0"/>
+                                </a:rPr>
+                                <m:t>𝐷</m:t>
+                              </m:r>
+                            </m:sub>
+                          </m:sSub>
+                          <m:r>
+                            <a:rPr kumimoji="1" lang="en-US" altLang="ja-JP" sz="2400" b="0" i="1" smtClean="0">
+                              <a:latin typeface="Cambria Math" panose="02040503050406030204" pitchFamily="18" charset="0"/>
+                            </a:rPr>
+                            <m:t>⋅</m:t>
+                          </m:r>
+                          <m:r>
+                            <a:rPr kumimoji="1" lang="en-US" altLang="ja-JP" sz="2400" b="0" i="1" smtClean="0">
+                              <a:latin typeface="Cambria Math" panose="02040503050406030204" pitchFamily="18" charset="0"/>
+                            </a:rPr>
+                            <m:t>𝐿</m:t>
+                          </m:r>
+                        </m:num>
+                        <m:den>
+                          <m:sSub>
+                            <m:sSubPr>
+                              <m:ctrlPr>
+                                <a:rPr kumimoji="1" lang="en-US" altLang="ja-JP" sz="2400" b="0" i="1" smtClean="0">
+                                  <a:latin typeface="Cambria Math" panose="02040503050406030204" pitchFamily="18" charset="0"/>
+                                </a:rPr>
+                              </m:ctrlPr>
+                            </m:sSubPr>
+                            <m:e>
+                              <m:r>
+                                <a:rPr kumimoji="1" lang="en-US" altLang="ja-JP" sz="2400" b="0" i="1" smtClean="0">
+                                  <a:latin typeface="Cambria Math" panose="02040503050406030204" pitchFamily="18" charset="0"/>
+                                </a:rPr>
+                                <m:t>𝐾</m:t>
+                              </m:r>
+                            </m:e>
+                            <m:sub>
+                              <m:r>
+                                <a:rPr kumimoji="1" lang="en-US" altLang="ja-JP" sz="2400" b="0" i="1" smtClean="0">
+                                  <a:latin typeface="Cambria Math" panose="02040503050406030204" pitchFamily="18" charset="0"/>
+                                </a:rPr>
+                                <m:t>0</m:t>
+                              </m:r>
+                            </m:sub>
+                          </m:sSub>
+                          <m:r>
+                            <a:rPr kumimoji="1" lang="en-US" altLang="ja-JP" sz="2400" b="0" i="1" smtClean="0">
+                              <a:latin typeface="Cambria Math" panose="02040503050406030204" pitchFamily="18" charset="0"/>
+                            </a:rPr>
+                            <m:t>⋅</m:t>
+                          </m:r>
+                          <m:sSup>
+                            <m:sSupPr>
+                              <m:ctrlPr>
+                                <a:rPr kumimoji="1" lang="en-US" altLang="ja-JP" sz="2400" b="0" i="1" smtClean="0">
+                                  <a:latin typeface="Cambria Math" panose="02040503050406030204" pitchFamily="18" charset="0"/>
+                                </a:rPr>
+                              </m:ctrlPr>
+                            </m:sSupPr>
+                            <m:e>
+                              <m:d>
+                                <m:dPr>
+                                  <m:ctrlPr>
+                                    <a:rPr kumimoji="1" lang="en-US" altLang="ja-JP" sz="2400" b="0" i="1" smtClean="0">
+                                      <a:latin typeface="Cambria Math" panose="02040503050406030204" pitchFamily="18" charset="0"/>
+                                    </a:rPr>
+                                  </m:ctrlPr>
+                                </m:dPr>
+                                <m:e>
+                                  <m:sSub>
+                                    <m:sSubPr>
+                                      <m:ctrlPr>
+                                        <a:rPr kumimoji="1" lang="en-US" altLang="ja-JP" sz="2400" b="0" i="1" smtClean="0">
+                                          <a:latin typeface="Cambria Math" panose="02040503050406030204" pitchFamily="18" charset="0"/>
+                                        </a:rPr>
+                                      </m:ctrlPr>
+                                    </m:sSubPr>
+                                    <m:e>
+                                      <m:r>
+                                        <a:rPr kumimoji="1" lang="en-US" altLang="ja-JP" sz="2400" b="0" i="1" smtClean="0">
+                                          <a:latin typeface="Cambria Math" panose="02040503050406030204" pitchFamily="18" charset="0"/>
+                                        </a:rPr>
+                                        <m:t>𝑉</m:t>
+                                      </m:r>
+                                    </m:e>
+                                    <m:sub>
+                                      <m:r>
+                                        <a:rPr kumimoji="1" lang="en-US" altLang="ja-JP" sz="2400" b="0" i="1" smtClean="0">
+                                          <a:latin typeface="Cambria Math" panose="02040503050406030204" pitchFamily="18" charset="0"/>
+                                        </a:rPr>
+                                        <m:t>𝐺𝑆</m:t>
+                                      </m:r>
+                                    </m:sub>
+                                  </m:sSub>
+                                  <m:r>
+                                    <a:rPr kumimoji="1" lang="en-US" altLang="ja-JP" sz="2400" b="0" i="1" smtClean="0">
+                                      <a:latin typeface="Cambria Math" panose="02040503050406030204" pitchFamily="18" charset="0"/>
+                                    </a:rPr>
+                                    <m:t>−</m:t>
+                                  </m:r>
+                                  <m:sSub>
+                                    <m:sSubPr>
+                                      <m:ctrlPr>
+                                        <a:rPr kumimoji="1" lang="en-US" altLang="ja-JP" sz="2400" b="0" i="1" smtClean="0">
+                                          <a:latin typeface="Cambria Math" panose="02040503050406030204" pitchFamily="18" charset="0"/>
+                                        </a:rPr>
+                                      </m:ctrlPr>
+                                    </m:sSubPr>
+                                    <m:e>
+                                      <m:r>
+                                        <a:rPr kumimoji="1" lang="en-US" altLang="ja-JP" sz="2400" b="0" i="1" smtClean="0">
+                                          <a:latin typeface="Cambria Math" panose="02040503050406030204" pitchFamily="18" charset="0"/>
+                                        </a:rPr>
+                                        <m:t>𝑉</m:t>
+                                      </m:r>
+                                    </m:e>
+                                    <m:sub>
+                                      <m:r>
+                                        <a:rPr kumimoji="1" lang="en-US" altLang="ja-JP" sz="2400" b="0" i="1" smtClean="0">
+                                          <a:latin typeface="Cambria Math" panose="02040503050406030204" pitchFamily="18" charset="0"/>
+                                        </a:rPr>
+                                        <m:t>𝑡h</m:t>
+                                      </m:r>
+                                    </m:sub>
+                                  </m:sSub>
+                                </m:e>
+                              </m:d>
+                            </m:e>
+                            <m:sup>
+                              <m:r>
+                                <a:rPr kumimoji="1" lang="en-US" altLang="ja-JP" sz="2400" b="0" i="1" smtClean="0">
+                                  <a:latin typeface="Cambria Math" panose="02040503050406030204" pitchFamily="18" charset="0"/>
+                                </a:rPr>
+                                <m:t>2</m:t>
+                              </m:r>
+                            </m:sup>
+                          </m:sSup>
+                        </m:den>
+                      </m:f>
+                      <m:r>
+                        <a:rPr kumimoji="1" lang="en-US" altLang="ja-JP" sz="2400" b="0" i="1" smtClean="0">
+                          <a:latin typeface="Cambria Math" panose="02040503050406030204" pitchFamily="18" charset="0"/>
+                        </a:rPr>
+                        <m:t>=</m:t>
+                      </m:r>
+                      <m:f>
+                        <m:fPr>
+                          <m:ctrlPr>
+                            <a:rPr kumimoji="1" lang="en-US" altLang="ja-JP" sz="2400" b="0" i="1" smtClean="0">
+                              <a:latin typeface="Cambria Math" panose="02040503050406030204" pitchFamily="18" charset="0"/>
+                            </a:rPr>
+                          </m:ctrlPr>
+                        </m:fPr>
+                        <m:num>
+                          <m:r>
+                            <a:rPr kumimoji="1" lang="en-US" altLang="ja-JP" sz="2400" b="0" i="1" smtClean="0">
+                              <a:latin typeface="Cambria Math" panose="02040503050406030204" pitchFamily="18" charset="0"/>
+                            </a:rPr>
+                            <m:t>1</m:t>
+                          </m:r>
+                          <m:r>
+                            <a:rPr kumimoji="1" lang="en-US" altLang="ja-JP" sz="2400" b="0" i="1" smtClean="0">
+                              <a:latin typeface="Cambria Math" panose="02040503050406030204" pitchFamily="18" charset="0"/>
+                            </a:rPr>
+                            <m:t>×</m:t>
+                          </m:r>
+                          <m:sSup>
+                            <m:sSupPr>
+                              <m:ctrlPr>
+                                <a:rPr kumimoji="1" lang="en-US" altLang="ja-JP" sz="2400" b="0" i="1" smtClean="0">
+                                  <a:latin typeface="Cambria Math" panose="02040503050406030204" pitchFamily="18" charset="0"/>
+                                </a:rPr>
+                              </m:ctrlPr>
+                            </m:sSupPr>
+                            <m:e>
+                              <m:r>
+                                <a:rPr kumimoji="1" lang="en-US" altLang="ja-JP" sz="2400" b="0" i="1" smtClean="0">
+                                  <a:latin typeface="Cambria Math" panose="02040503050406030204" pitchFamily="18" charset="0"/>
+                                </a:rPr>
+                                <m:t>10</m:t>
+                              </m:r>
+                            </m:e>
+                            <m:sup>
+                              <m:r>
+                                <a:rPr kumimoji="1" lang="en-US" altLang="ja-JP" sz="2400" b="0" i="1" smtClean="0">
+                                  <a:latin typeface="Cambria Math" panose="02040503050406030204" pitchFamily="18" charset="0"/>
+                                </a:rPr>
+                                <m:t>−3</m:t>
+                              </m:r>
+                            </m:sup>
+                          </m:sSup>
+                          <m:r>
+                            <a:rPr kumimoji="1" lang="en-US" altLang="ja-JP" sz="2400" b="0" i="1" smtClean="0">
+                              <a:latin typeface="Cambria Math" panose="02040503050406030204" pitchFamily="18" charset="0"/>
+                            </a:rPr>
+                            <m:t>⋅0.54×</m:t>
+                          </m:r>
+                          <m:sSup>
+                            <m:sSupPr>
+                              <m:ctrlPr>
+                                <a:rPr kumimoji="1" lang="en-US" altLang="ja-JP" sz="2400" b="0" i="1" smtClean="0">
+                                  <a:latin typeface="Cambria Math" panose="02040503050406030204" pitchFamily="18" charset="0"/>
+                                </a:rPr>
+                              </m:ctrlPr>
+                            </m:sSupPr>
+                            <m:e>
+                              <m:r>
+                                <a:rPr kumimoji="1" lang="en-US" altLang="ja-JP" sz="2400" b="0" i="1" smtClean="0">
+                                  <a:latin typeface="Cambria Math" panose="02040503050406030204" pitchFamily="18" charset="0"/>
+                                </a:rPr>
+                                <m:t>10</m:t>
+                              </m:r>
+                            </m:e>
+                            <m:sup>
+                              <m:r>
+                                <a:rPr kumimoji="1" lang="en-US" altLang="ja-JP" sz="2400" b="0" i="1" smtClean="0">
+                                  <a:latin typeface="Cambria Math" panose="02040503050406030204" pitchFamily="18" charset="0"/>
+                                </a:rPr>
+                                <m:t>−6</m:t>
+                              </m:r>
+                            </m:sup>
+                          </m:sSup>
+                        </m:num>
+                        <m:den>
+                          <m:r>
+                            <a:rPr kumimoji="1" lang="en-US" altLang="ja-JP" sz="2400" b="0" i="1" smtClean="0">
+                              <a:latin typeface="Cambria Math" panose="02040503050406030204" pitchFamily="18" charset="0"/>
+                            </a:rPr>
+                            <m:t>112×</m:t>
+                          </m:r>
+                          <m:sSup>
+                            <m:sSupPr>
+                              <m:ctrlPr>
+                                <a:rPr kumimoji="1" lang="en-US" altLang="ja-JP" sz="2400" b="0" i="1" smtClean="0">
+                                  <a:latin typeface="Cambria Math" panose="02040503050406030204" pitchFamily="18" charset="0"/>
+                                </a:rPr>
+                              </m:ctrlPr>
+                            </m:sSupPr>
+                            <m:e>
+                              <m:r>
+                                <a:rPr kumimoji="1" lang="en-US" altLang="ja-JP" sz="2400" b="0" i="1" smtClean="0">
+                                  <a:latin typeface="Cambria Math" panose="02040503050406030204" pitchFamily="18" charset="0"/>
+                                </a:rPr>
+                                <m:t>10</m:t>
+                              </m:r>
+                            </m:e>
+                            <m:sup>
+                              <m:r>
+                                <a:rPr kumimoji="1" lang="en-US" altLang="ja-JP" sz="2400" b="0" i="1" smtClean="0">
+                                  <a:latin typeface="Cambria Math" panose="02040503050406030204" pitchFamily="18" charset="0"/>
+                                </a:rPr>
+                                <m:t>−6</m:t>
+                              </m:r>
+                            </m:sup>
+                          </m:sSup>
+                          <m:r>
+                            <a:rPr kumimoji="1" lang="en-US" altLang="ja-JP" sz="2400" b="0" i="1" smtClean="0">
+                              <a:latin typeface="Cambria Math" panose="02040503050406030204" pitchFamily="18" charset="0"/>
+                            </a:rPr>
+                            <m:t>⋅</m:t>
+                          </m:r>
+                          <m:sSup>
+                            <m:sSupPr>
+                              <m:ctrlPr>
+                                <a:rPr kumimoji="1" lang="en-US" altLang="ja-JP" sz="2400" b="0" i="1" smtClean="0">
+                                  <a:latin typeface="Cambria Math" panose="02040503050406030204" pitchFamily="18" charset="0"/>
+                                </a:rPr>
+                              </m:ctrlPr>
+                            </m:sSupPr>
+                            <m:e>
+                              <m:d>
+                                <m:dPr>
+                                  <m:ctrlPr>
+                                    <a:rPr kumimoji="1" lang="en-US" altLang="ja-JP" sz="2400" b="0" i="1" smtClean="0">
+                                      <a:latin typeface="Cambria Math" panose="02040503050406030204" pitchFamily="18" charset="0"/>
+                                    </a:rPr>
+                                  </m:ctrlPr>
+                                </m:dPr>
+                                <m:e>
+                                  <m:r>
+                                    <a:rPr kumimoji="1" lang="en-US" altLang="ja-JP" sz="2400" b="0" i="1" smtClean="0">
+                                      <a:latin typeface="Cambria Math" panose="02040503050406030204" pitchFamily="18" charset="0"/>
+                                    </a:rPr>
+                                    <m:t>0.7−0.4</m:t>
+                                  </m:r>
+                                </m:e>
+                              </m:d>
+                            </m:e>
+                            <m:sup>
+                              <m:r>
+                                <a:rPr kumimoji="1" lang="en-US" altLang="ja-JP" sz="2400" b="0" i="1" smtClean="0">
+                                  <a:latin typeface="Cambria Math" panose="02040503050406030204" pitchFamily="18" charset="0"/>
+                                </a:rPr>
+                                <m:t>2</m:t>
+                              </m:r>
+                            </m:sup>
+                          </m:sSup>
+                        </m:den>
+                      </m:f>
+                      <m:r>
+                        <a:rPr kumimoji="1" lang="en-US" altLang="ja-JP" sz="2400" b="0" i="1" smtClean="0">
+                          <a:latin typeface="Cambria Math" panose="02040503050406030204" pitchFamily="18" charset="0"/>
+                        </a:rPr>
+                        <m:t>=53.571⋯×</m:t>
+                      </m:r>
+                      <m:sSup>
+                        <m:sSupPr>
+                          <m:ctrlPr>
+                            <a:rPr kumimoji="1" lang="en-US" altLang="ja-JP" sz="2400" b="0" i="1" smtClean="0">
+                              <a:latin typeface="Cambria Math" panose="02040503050406030204" pitchFamily="18" charset="0"/>
+                            </a:rPr>
+                          </m:ctrlPr>
+                        </m:sSupPr>
+                        <m:e>
+                          <m:r>
+                            <a:rPr kumimoji="1" lang="en-US" altLang="ja-JP" sz="2400" b="0" i="1" smtClean="0">
+                              <a:latin typeface="Cambria Math" panose="02040503050406030204" pitchFamily="18" charset="0"/>
+                            </a:rPr>
+                            <m:t>10</m:t>
+                          </m:r>
+                        </m:e>
+                        <m:sup>
+                          <m:r>
+                            <a:rPr kumimoji="1" lang="en-US" altLang="ja-JP" sz="2400" b="0" i="1" smtClean="0">
+                              <a:latin typeface="Cambria Math" panose="02040503050406030204" pitchFamily="18" charset="0"/>
+                            </a:rPr>
+                            <m:t>−6</m:t>
+                          </m:r>
+                        </m:sup>
+                      </m:sSup>
+                    </m:oMath>
+                  </m:oMathPara>
+                </a14:m>
+                <a:endParaRPr kumimoji="1" lang="en-US" altLang="ja-JP" sz="2400" b="0" dirty="0"/>
+              </a:p>
+              <a:p>
+                <a:pPr algn="l"/>
+                <a14:m>
+                  <m:oMathPara xmlns:m="http://schemas.openxmlformats.org/officeDocument/2006/math">
+                    <m:oMathParaPr>
+                      <m:jc m:val="centerGroup"/>
+                    </m:oMathParaPr>
+                    <m:oMath xmlns:m="http://schemas.openxmlformats.org/officeDocument/2006/math">
+                      <m:r>
+                        <a:rPr kumimoji="1" lang="en-US" altLang="ja-JP" sz="2400" b="0" i="1" smtClean="0">
+                          <a:latin typeface="Cambria Math" panose="02040503050406030204" pitchFamily="18" charset="0"/>
+                        </a:rPr>
+                        <m:t>≈54×</m:t>
+                      </m:r>
+                      <m:sSup>
+                        <m:sSupPr>
+                          <m:ctrlPr>
+                            <a:rPr kumimoji="1" lang="en-US" altLang="ja-JP" sz="2400" b="0" i="1" smtClean="0">
+                              <a:latin typeface="Cambria Math" panose="02040503050406030204" pitchFamily="18" charset="0"/>
+                            </a:rPr>
+                          </m:ctrlPr>
+                        </m:sSupPr>
+                        <m:e>
+                          <m:r>
+                            <a:rPr kumimoji="1" lang="en-US" altLang="ja-JP" sz="2400" b="0" i="1" smtClean="0">
+                              <a:latin typeface="Cambria Math" panose="02040503050406030204" pitchFamily="18" charset="0"/>
+                            </a:rPr>
+                            <m:t>10</m:t>
+                          </m:r>
+                        </m:e>
+                        <m:sup>
+                          <m:r>
+                            <a:rPr kumimoji="1" lang="en-US" altLang="ja-JP" sz="2400" b="0" i="1" smtClean="0">
+                              <a:latin typeface="Cambria Math" panose="02040503050406030204" pitchFamily="18" charset="0"/>
+                            </a:rPr>
+                            <m:t>−6</m:t>
+                          </m:r>
+                        </m:sup>
+                      </m:sSup>
+                      <m:r>
+                        <a:rPr kumimoji="1" lang="en-US" altLang="ja-JP" sz="2400" b="0" i="1" smtClean="0">
+                          <a:latin typeface="Cambria Math" panose="02040503050406030204" pitchFamily="18" charset="0"/>
+                        </a:rPr>
+                        <m:t>=15×20 </m:t>
+                      </m:r>
+                      <m:r>
+                        <m:rPr>
+                          <m:sty m:val="p"/>
+                        </m:rPr>
+                        <a:rPr kumimoji="1" lang="en-US" altLang="ja-JP" sz="2400" b="0" i="0" smtClean="0">
+                          <a:latin typeface="Cambria Math" panose="02040503050406030204" pitchFamily="18" charset="0"/>
+                        </a:rPr>
+                        <m:t>μm</m:t>
+                      </m:r>
+                    </m:oMath>
+                  </m:oMathPara>
+                </a14:m>
+                <a:endParaRPr kumimoji="1" lang="en-US" altLang="ja-JP" sz="2400" b="0" dirty="0"/>
+              </a:p>
+              <a:p>
+                <a:pPr algn="l"/>
+                <a:r>
+                  <a:rPr lang="ja-JP" altLang="en-US" sz="2400" dirty="0"/>
+                  <a:t>と求められた。</a:t>
+                </a:r>
+                <a:endParaRPr kumimoji="1" lang="en-US" altLang="ja-JP" sz="2400" b="0" dirty="0"/>
+              </a:p>
+              <a:p>
+                <a:pPr algn="l"/>
+                <a:endParaRPr kumimoji="1" lang="ja-JP" altLang="en-US" sz="2400" dirty="0"/>
+              </a:p>
+            </p:txBody>
+          </p:sp>
+        </mc:Choice>
+        <mc:Fallback>
+          <p:sp>
+            <p:nvSpPr>
+              <p:cNvPr id="4" name="テキスト ボックス 3">
+                <a:extLst>
+                  <a:ext uri="{FF2B5EF4-FFF2-40B4-BE49-F238E27FC236}">
+                    <a16:creationId xmlns:a16="http://schemas.microsoft.com/office/drawing/2014/main" id="{C82CDE56-18BF-4378-ABC8-E4D5F8CA6F94}"/>
+                  </a:ext>
+                </a:extLst>
+              </p:cNvPr>
+              <p:cNvSpPr txBox="1">
+                <a:spLocks noRot="1" noChangeAspect="1" noMove="1" noResize="1" noEditPoints="1" noAdjustHandles="1" noChangeArrowheads="1" noChangeShapeType="1" noTextEdit="1"/>
+              </p:cNvSpPr>
+              <p:nvPr/>
+            </p:nvSpPr>
+            <p:spPr>
+              <a:xfrm>
+                <a:off x="679655" y="2295597"/>
+                <a:ext cx="10832690" cy="3062633"/>
+              </a:xfrm>
+              <a:prstGeom prst="rect">
+                <a:avLst/>
+              </a:prstGeom>
+              <a:blipFill>
+                <a:blip r:embed="rId2"/>
+                <a:stretch>
+                  <a:fillRect l="-844" t="-1594" r="-56"/>
+                </a:stretch>
+              </a:blipFill>
+            </p:spPr>
+            <p:txBody>
+              <a:bodyPr/>
+              <a:lstStyle/>
+              <a:p>
+                <a:r>
+                  <a:rPr lang="ja-JP" altLang="en-US">
+                    <a:noFill/>
+                  </a:rPr>
+                  <a:t> </a:t>
+                </a:r>
+              </a:p>
+            </p:txBody>
+          </p:sp>
+        </mc:Fallback>
+      </mc:AlternateContent>
+    </p:spTree>
+    <p:extLst>
+      <p:ext uri="{BB962C8B-B14F-4D97-AF65-F5344CB8AC3E}">
+        <p14:creationId xmlns:p14="http://schemas.microsoft.com/office/powerpoint/2010/main" val="3081321988"/>
       </p:ext>
     </p:extLst>
   </p:cSld>

--- a/folded_gilbert/20230703/進捗報告 ギルバートセルの設計.pptx
+++ b/folded_gilbert/20230703/進捗報告 ギルバートセルの設計.pptx
@@ -11130,8 +11130,8 @@
           </p:sp>
         </mc:Fallback>
       </mc:AlternateContent>
-      <mc:AlternateContent xmlns:mc="http://schemas.openxmlformats.org/markup-compatibility/2006">
-        <mc:Choice xmlns:a14="http://schemas.microsoft.com/office/drawing/2010/main" Requires="a14">
+      <mc:AlternateContent xmlns:mc="http://schemas.openxmlformats.org/markup-compatibility/2006" xmlns:a14="http://schemas.microsoft.com/office/drawing/2010/main">
+        <mc:Choice Requires="a14">
           <p:sp>
             <p:nvSpPr>
               <p:cNvPr id="7" name="テキスト ボックス 6">
@@ -11219,7 +11219,7 @@
             </p:txBody>
           </p:sp>
         </mc:Choice>
-        <mc:Fallback>
+        <mc:Fallback xmlns="">
           <p:sp>
             <p:nvSpPr>
               <p:cNvPr id="7" name="テキスト ボックス 6">
@@ -11802,8 +11802,8 @@
           </a:prstGeom>
         </p:spPr>
       </p:pic>
-      <mc:AlternateContent xmlns:mc="http://schemas.openxmlformats.org/markup-compatibility/2006">
-        <mc:Choice xmlns:a14="http://schemas.microsoft.com/office/drawing/2010/main" Requires="a14">
+      <mc:AlternateContent xmlns:mc="http://schemas.openxmlformats.org/markup-compatibility/2006" xmlns:a14="http://schemas.microsoft.com/office/drawing/2010/main">
+        <mc:Choice Requires="a14">
           <p:sp>
             <p:nvSpPr>
               <p:cNvPr id="7" name="テキスト ボックス 6">
@@ -11964,7 +11964,7 @@
             </p:txBody>
           </p:sp>
         </mc:Choice>
-        <mc:Fallback>
+        <mc:Fallback xmlns="">
           <p:sp>
             <p:nvSpPr>
               <p:cNvPr id="7" name="テキスト ボックス 6">
@@ -12139,8 +12139,8 @@
           </a:prstGeom>
         </p:spPr>
       </p:pic>
-      <mc:AlternateContent xmlns:mc="http://schemas.openxmlformats.org/markup-compatibility/2006">
-        <mc:Choice xmlns:a14="http://schemas.microsoft.com/office/drawing/2010/main" Requires="a14">
+      <mc:AlternateContent xmlns:mc="http://schemas.openxmlformats.org/markup-compatibility/2006" xmlns:a14="http://schemas.microsoft.com/office/drawing/2010/main">
+        <mc:Choice Requires="a14">
           <p:sp>
             <p:nvSpPr>
               <p:cNvPr id="6" name="テキスト ボックス 5">
@@ -12541,6 +12541,7 @@
                 <a:endParaRPr kumimoji="1" lang="en-US" altLang="ja-JP" sz="2400" dirty="0"/>
               </a:p>
               <a:p>
+                <a:pPr/>
                 <a14:m>
                   <m:oMathPara xmlns:m="http://schemas.openxmlformats.org/officeDocument/2006/math">
                     <m:oMathParaPr>
@@ -12703,6 +12704,7 @@
                 <a:endParaRPr lang="en-US" altLang="ja-JP" sz="2400" dirty="0"/>
               </a:p>
               <a:p>
+                <a:pPr/>
                 <a14:m>
                   <m:oMathPara xmlns:m="http://schemas.openxmlformats.org/officeDocument/2006/math">
                     <m:oMathParaPr>
@@ -12915,7 +12917,7 @@
             </p:txBody>
           </p:sp>
         </mc:Choice>
-        <mc:Fallback>
+        <mc:Fallback xmlns="">
           <p:sp>
             <p:nvSpPr>
               <p:cNvPr id="6" name="テキスト ボックス 5">
@@ -13063,8 +13065,8 @@
             </p:nvSpPr>
             <p:spPr>
               <a:xfrm>
-                <a:off x="679655" y="2295597"/>
-                <a:ext cx="10832690" cy="3062633"/>
+                <a:off x="679655" y="1897683"/>
+                <a:ext cx="10832690" cy="3431965"/>
               </a:xfrm>
               <a:prstGeom prst="rect">
                 <a:avLst/>
@@ -13576,13 +13578,7 @@
                             <a:rPr kumimoji="1" lang="en-US" altLang="ja-JP" sz="2400" b="0" i="1" smtClean="0">
                               <a:latin typeface="Cambria Math" panose="02040503050406030204" pitchFamily="18" charset="0"/>
                             </a:rPr>
-                            <m:t>1</m:t>
-                          </m:r>
-                          <m:r>
-                            <a:rPr kumimoji="1" lang="en-US" altLang="ja-JP" sz="2400" b="0" i="1" smtClean="0">
-                              <a:latin typeface="Cambria Math" panose="02040503050406030204" pitchFamily="18" charset="0"/>
-                            </a:rPr>
-                            <m:t>×</m:t>
+                            <m:t>1×</m:t>
                           </m:r>
                           <m:sSup>
                             <m:sSupPr>
@@ -13792,21 +13788,6 @@
                           </m:r>
                         </m:sup>
                       </m:sSup>
-                      <m:r>
-                        <a:rPr kumimoji="1" lang="en-US" altLang="ja-JP" sz="2400" b="0" i="1" smtClean="0">
-                          <a:latin typeface="Cambria Math" panose="02040503050406030204" pitchFamily="18" charset="0"/>
-                        </a:rPr>
-                        <m:t>=15×20 </m:t>
-                      </m:r>
-                      <m:r>
-                        <m:rPr>
-                          <m:sty m:val="p"/>
-                        </m:rPr>
-                        <a:rPr kumimoji="1" lang="en-US" altLang="ja-JP" sz="2400" b="0" i="0" smtClean="0">
-                          <a:latin typeface="Cambria Math" panose="02040503050406030204" pitchFamily="18" charset="0"/>
-                        </a:rPr>
-                        <m:t>μm</m:t>
-                      </m:r>
                     </m:oMath>
                   </m:oMathPara>
                 </a14:m>
@@ -13822,7 +13803,202 @@
               </a:p>
               <a:p>
                 <a:pPr algn="l"/>
-                <a:endParaRPr kumimoji="1" lang="ja-JP" altLang="en-US" sz="2400" dirty="0"/>
+                <a14:m>
+                  <m:oMath xmlns:m="http://schemas.openxmlformats.org/officeDocument/2006/math">
+                    <m:sSub>
+                      <m:sSubPr>
+                        <m:ctrlPr>
+                          <a:rPr kumimoji="1" lang="en-US" altLang="ja-JP" sz="2400" b="0" i="1" smtClean="0">
+                            <a:latin typeface="Cambria Math" panose="02040503050406030204" pitchFamily="18" charset="0"/>
+                          </a:rPr>
+                        </m:ctrlPr>
+                      </m:sSubPr>
+                      <m:e>
+                        <m:r>
+                          <a:rPr kumimoji="1" lang="en-US" altLang="ja-JP" sz="2400" b="0" i="1" smtClean="0">
+                            <a:latin typeface="Cambria Math" panose="02040503050406030204" pitchFamily="18" charset="0"/>
+                          </a:rPr>
+                          <m:t>𝑀</m:t>
+                        </m:r>
+                      </m:e>
+                      <m:sub>
+                        <m:r>
+                          <a:rPr kumimoji="1" lang="en-US" altLang="ja-JP" sz="2400" b="0" i="1" smtClean="0">
+                            <a:latin typeface="Cambria Math" panose="02040503050406030204" pitchFamily="18" charset="0"/>
+                          </a:rPr>
+                          <m:t>𝐴</m:t>
+                        </m:r>
+                      </m:sub>
+                    </m:sSub>
+                    <m:r>
+                      <a:rPr kumimoji="1" lang="en-US" altLang="ja-JP" sz="2400" b="0" i="1" smtClean="0">
+                        <a:latin typeface="Cambria Math" panose="02040503050406030204" pitchFamily="18" charset="0"/>
+                      </a:rPr>
+                      <m:t>,</m:t>
+                    </m:r>
+                    <m:sSub>
+                      <m:sSubPr>
+                        <m:ctrlPr>
+                          <a:rPr kumimoji="1" lang="en-US" altLang="ja-JP" sz="2400" b="0" i="1" smtClean="0">
+                            <a:latin typeface="Cambria Math" panose="02040503050406030204" pitchFamily="18" charset="0"/>
+                          </a:rPr>
+                        </m:ctrlPr>
+                      </m:sSubPr>
+                      <m:e>
+                        <m:r>
+                          <a:rPr kumimoji="1" lang="en-US" altLang="ja-JP" sz="2400" b="0" i="1" smtClean="0">
+                            <a:latin typeface="Cambria Math" panose="02040503050406030204" pitchFamily="18" charset="0"/>
+                          </a:rPr>
+                          <m:t>𝑀</m:t>
+                        </m:r>
+                      </m:e>
+                      <m:sub>
+                        <m:r>
+                          <a:rPr kumimoji="1" lang="en-US" altLang="ja-JP" sz="2400" b="0" i="1" smtClean="0">
+                            <a:latin typeface="Cambria Math" panose="02040503050406030204" pitchFamily="18" charset="0"/>
+                          </a:rPr>
+                          <m:t>𝐵</m:t>
+                        </m:r>
+                      </m:sub>
+                    </m:sSub>
+                  </m:oMath>
+                </a14:m>
+                <a:r>
+                  <a:rPr kumimoji="1" lang="ja-JP" altLang="en-US" sz="2400" dirty="0"/>
+                  <a:t>はそれぞれ</a:t>
+                </a:r>
+                <a14:m>
+                  <m:oMath xmlns:m="http://schemas.openxmlformats.org/officeDocument/2006/math">
+                    <m:sSub>
+                      <m:sSubPr>
+                        <m:ctrlPr>
+                          <a:rPr kumimoji="1" lang="en-US" altLang="ja-JP" sz="2400" b="0" i="1" smtClean="0">
+                            <a:latin typeface="Cambria Math" panose="02040503050406030204" pitchFamily="18" charset="0"/>
+                          </a:rPr>
+                        </m:ctrlPr>
+                      </m:sSubPr>
+                      <m:e>
+                        <m:r>
+                          <a:rPr kumimoji="1" lang="en-US" altLang="ja-JP" sz="2400" b="0" i="1" smtClean="0">
+                            <a:latin typeface="Cambria Math" panose="02040503050406030204" pitchFamily="18" charset="0"/>
+                          </a:rPr>
+                          <m:t>𝑀</m:t>
+                        </m:r>
+                      </m:e>
+                      <m:sub>
+                        <m:r>
+                          <a:rPr kumimoji="1" lang="en-US" altLang="ja-JP" sz="2400" b="0" i="1" smtClean="0">
+                            <a:latin typeface="Cambria Math" panose="02040503050406030204" pitchFamily="18" charset="0"/>
+                          </a:rPr>
+                          <m:t>𝐶</m:t>
+                        </m:r>
+                      </m:sub>
+                    </m:sSub>
+                  </m:oMath>
+                </a14:m>
+                <a:r>
+                  <a:rPr kumimoji="1" lang="ja-JP" altLang="en-US" sz="2400" dirty="0"/>
+                  <a:t>の</a:t>
+                </a:r>
+                <a14:m>
+                  <m:oMath xmlns:m="http://schemas.openxmlformats.org/officeDocument/2006/math">
+                    <m:r>
+                      <a:rPr kumimoji="1" lang="en-US" altLang="ja-JP" sz="2400" b="0" i="1" dirty="0" smtClean="0">
+                        <a:latin typeface="Cambria Math" panose="02040503050406030204" pitchFamily="18" charset="0"/>
+                      </a:rPr>
+                      <m:t>1/4</m:t>
+                    </m:r>
+                  </m:oMath>
+                </a14:m>
+                <a:r>
+                  <a:rPr kumimoji="1" lang="ja-JP" altLang="en-US" sz="2400" dirty="0"/>
+                  <a:t>倍、</a:t>
+                </a:r>
+                <a14:m>
+                  <m:oMath xmlns:m="http://schemas.openxmlformats.org/officeDocument/2006/math">
+                    <m:r>
+                      <a:rPr kumimoji="1" lang="en-US" altLang="ja-JP" sz="2400" b="0" i="1" smtClean="0">
+                        <a:latin typeface="Cambria Math" panose="02040503050406030204" pitchFamily="18" charset="0"/>
+                      </a:rPr>
+                      <m:t>1/2</m:t>
+                    </m:r>
+                  </m:oMath>
+                </a14:m>
+                <a:r>
+                  <a:rPr kumimoji="1" lang="ja-JP" altLang="en-US" sz="2400" dirty="0"/>
+                  <a:t>倍なのでチャネル幅は</a:t>
+                </a:r>
+                <a14:m>
+                  <m:oMath xmlns:m="http://schemas.openxmlformats.org/officeDocument/2006/math">
+                    <m:r>
+                      <a:rPr kumimoji="1" lang="en-US" altLang="ja-JP" sz="2400" b="0" i="1" smtClean="0">
+                        <a:latin typeface="Cambria Math" panose="02040503050406030204" pitchFamily="18" charset="0"/>
+                      </a:rPr>
+                      <m:t>15 </m:t>
+                    </m:r>
+                    <m:r>
+                      <m:rPr>
+                        <m:sty m:val="p"/>
+                      </m:rPr>
+                      <a:rPr kumimoji="1" lang="en-US" altLang="ja-JP" sz="2400" b="0" i="0" smtClean="0">
+                        <a:latin typeface="Cambria Math" panose="02040503050406030204" pitchFamily="18" charset="0"/>
+                      </a:rPr>
+                      <m:t>μm</m:t>
+                    </m:r>
+                  </m:oMath>
+                </a14:m>
+                <a:r>
+                  <a:rPr kumimoji="1" lang="ja-JP" altLang="en-US" sz="2400" b="0" dirty="0"/>
+                  <a:t>、</a:t>
+                </a:r>
+                <a14:m>
+                  <m:oMath xmlns:m="http://schemas.openxmlformats.org/officeDocument/2006/math">
+                    <m:sSub>
+                      <m:sSubPr>
+                        <m:ctrlPr>
+                          <a:rPr kumimoji="1" lang="en-US" altLang="ja-JP" sz="2400" b="0" i="1" smtClean="0">
+                            <a:latin typeface="Cambria Math" panose="02040503050406030204" pitchFamily="18" charset="0"/>
+                          </a:rPr>
+                        </m:ctrlPr>
+                      </m:sSubPr>
+                      <m:e>
+                        <m:r>
+                          <a:rPr kumimoji="1" lang="en-US" altLang="ja-JP" sz="2400" b="0" i="1" smtClean="0">
+                            <a:latin typeface="Cambria Math" panose="02040503050406030204" pitchFamily="18" charset="0"/>
+                          </a:rPr>
+                          <m:t>𝑀</m:t>
+                        </m:r>
+                      </m:e>
+                      <m:sub>
+                        <m:r>
+                          <a:rPr kumimoji="1" lang="en-US" altLang="ja-JP" sz="2400" b="0" i="1" smtClean="0">
+                            <a:latin typeface="Cambria Math" panose="02040503050406030204" pitchFamily="18" charset="0"/>
+                          </a:rPr>
+                          <m:t>𝐴</m:t>
+                        </m:r>
+                      </m:sub>
+                    </m:sSub>
+                  </m:oMath>
+                </a14:m>
+                <a:r>
+                  <a:rPr kumimoji="1" lang="ja-JP" altLang="en-US" sz="2400" b="0" dirty="0"/>
+                  <a:t>の並列数は</a:t>
+                </a:r>
+                <a14:m>
+                  <m:oMath xmlns:m="http://schemas.openxmlformats.org/officeDocument/2006/math">
+                    <m:r>
+                      <a:rPr kumimoji="1" lang="en-US" altLang="ja-JP" sz="2400" b="0" i="1" smtClean="0">
+                        <a:latin typeface="Cambria Math" panose="02040503050406030204" pitchFamily="18" charset="0"/>
+                      </a:rPr>
+                      <m:t>5</m:t>
+                    </m:r>
+                  </m:oMath>
+                </a14:m>
+                <a:r>
+                  <a:rPr kumimoji="1" lang="ja-JP" altLang="en-US" sz="2400" b="0" dirty="0"/>
+                  <a:t>、</a:t>
+                </a:r>
+                <a:endParaRPr kumimoji="1" lang="en-US" altLang="ja-JP" sz="2400" b="0" dirty="0"/>
               </a:p>
             </p:txBody>
           </p:sp>
@@ -13844,8 +14020,8 @@
             </p:nvSpPr>
             <p:spPr>
               <a:xfrm>
-                <a:off x="679655" y="2295597"/>
-                <a:ext cx="10832690" cy="3062633"/>
+                <a:off x="679655" y="1897683"/>
+                <a:ext cx="10832690" cy="3431965"/>
               </a:xfrm>
               <a:prstGeom prst="rect">
                 <a:avLst/>
@@ -13853,7 +14029,7 @@
               <a:blipFill>
                 <a:blip r:embed="rId2"/>
                 <a:stretch>
-                  <a:fillRect l="-844" t="-1594" r="-56"/>
+                  <a:fillRect l="-844" t="-1421" r="-56" b="-3197"/>
                 </a:stretch>
               </a:blipFill>
             </p:spPr>

--- a/folded_gilbert/20230703/進捗報告 ギルバートセルの設計.pptx
+++ b/folded_gilbert/20230703/進捗報告 ギルバートセルの設計.pptx
@@ -5,7 +5,7 @@
     <p:sldMasterId id="2147483648" r:id="rId1"/>
   </p:sldMasterIdLst>
   <p:notesMasterIdLst>
-    <p:notesMasterId r:id="rId18"/>
+    <p:notesMasterId r:id="rId19"/>
   </p:notesMasterIdLst>
   <p:sldIdLst>
     <p:sldId id="256" r:id="rId2"/>
@@ -24,6 +24,7 @@
     <p:sldId id="272" r:id="rId15"/>
     <p:sldId id="273" r:id="rId16"/>
     <p:sldId id="274" r:id="rId17"/>
+    <p:sldId id="275" r:id="rId18"/>
   </p:sldIdLst>
   <p:sldSz cx="12192000" cy="6858000"/>
   <p:notesSz cx="6858000" cy="9144000"/>
@@ -130,6 +131,151 @@
 </p:presentation>
 </file>
 
+<file path=ppt/revisionInfo.xml><?xml version="1.0" encoding="utf-8"?>
+<p1510:revInfo xmlns:a="http://schemas.openxmlformats.org/drawingml/2006/main" xmlns:r="http://schemas.openxmlformats.org/officeDocument/2006/relationships" xmlns:p1510="http://schemas.microsoft.com/office/powerpoint/2015/10/main">
+  <p1510:revLst>
+    <p1510:client id="{1F5B545F-BC0A-49D3-BDE7-186D3E400711}" v="287" dt="2023-07-02T06:08:11.432"/>
+  </p1510:revLst>
+</p1510:revInfo>
+</file>
+
+<file path=ppt/changesInfos/changesInfo1.xml><?xml version="1.0" encoding="utf-8"?>
+<pc:chgInfo xmlns:a="http://schemas.openxmlformats.org/drawingml/2006/main" xmlns:r="http://schemas.openxmlformats.org/officeDocument/2006/relationships" xmlns:ac="http://schemas.microsoft.com/office/drawing/2013/main/command" xmlns:pc="http://schemas.microsoft.com/office/powerpoint/2013/main/command">
+  <pc:docChgLst>
+    <pc:chgData name="Kojima Hikaru" userId="46d0e59221d47790" providerId="LiveId" clId="{1F5B545F-BC0A-49D3-BDE7-186D3E400711}"/>
+    <pc:docChg chg="custSel addSld modSld">
+      <pc:chgData name="Kojima Hikaru" userId="46d0e59221d47790" providerId="LiveId" clId="{1F5B545F-BC0A-49D3-BDE7-186D3E400711}" dt="2023-07-02T06:12:41.910" v="734" actId="1076"/>
+      <pc:docMkLst>
+        <pc:docMk/>
+      </pc:docMkLst>
+      <pc:sldChg chg="modSp mod">
+        <pc:chgData name="Kojima Hikaru" userId="46d0e59221d47790" providerId="LiveId" clId="{1F5B545F-BC0A-49D3-BDE7-186D3E400711}" dt="2023-07-02T06:11:45.477" v="687"/>
+        <pc:sldMkLst>
+          <pc:docMk/>
+          <pc:sldMk cId="3228795123" sldId="268"/>
+        </pc:sldMkLst>
+        <pc:spChg chg="mod">
+          <ac:chgData name="Kojima Hikaru" userId="46d0e59221d47790" providerId="LiveId" clId="{1F5B545F-BC0A-49D3-BDE7-186D3E400711}" dt="2023-07-02T06:11:45.477" v="687"/>
+          <ac:spMkLst>
+            <pc:docMk/>
+            <pc:sldMk cId="3228795123" sldId="268"/>
+            <ac:spMk id="4" creationId="{663778A5-7B4F-83C8-B897-B573A8C71708}"/>
+          </ac:spMkLst>
+        </pc:spChg>
+      </pc:sldChg>
+      <pc:sldChg chg="addSp delSp modSp mod">
+        <pc:chgData name="Kojima Hikaru" userId="46d0e59221d47790" providerId="LiveId" clId="{1F5B545F-BC0A-49D3-BDE7-186D3E400711}" dt="2023-07-02T05:59:49.384" v="103" actId="14100"/>
+        <pc:sldMkLst>
+          <pc:docMk/>
+          <pc:sldMk cId="3109164432" sldId="272"/>
+        </pc:sldMkLst>
+        <pc:spChg chg="mod">
+          <ac:chgData name="Kojima Hikaru" userId="46d0e59221d47790" providerId="LiveId" clId="{1F5B545F-BC0A-49D3-BDE7-186D3E400711}" dt="2023-07-02T05:42:45.424" v="92" actId="20577"/>
+          <ac:spMkLst>
+            <pc:docMk/>
+            <pc:sldMk cId="3109164432" sldId="272"/>
+            <ac:spMk id="7" creationId="{A97921DC-EF2F-D982-4283-44C84DFBA9B0}"/>
+          </ac:spMkLst>
+        </pc:spChg>
+        <pc:graphicFrameChg chg="add del mod">
+          <ac:chgData name="Kojima Hikaru" userId="46d0e59221d47790" providerId="LiveId" clId="{1F5B545F-BC0A-49D3-BDE7-186D3E400711}" dt="2023-07-02T05:59:27.197" v="94"/>
+          <ac:graphicFrameMkLst>
+            <pc:docMk/>
+            <pc:sldMk cId="3109164432" sldId="272"/>
+            <ac:graphicFrameMk id="4" creationId="{51C0A54C-EFD9-B4B4-CEBA-1B9629834C73}"/>
+          </ac:graphicFrameMkLst>
+        </pc:graphicFrameChg>
+        <pc:picChg chg="del">
+          <ac:chgData name="Kojima Hikaru" userId="46d0e59221d47790" providerId="LiveId" clId="{1F5B545F-BC0A-49D3-BDE7-186D3E400711}" dt="2023-07-02T05:42:34.371" v="82" actId="478"/>
+          <ac:picMkLst>
+            <pc:docMk/>
+            <pc:sldMk cId="3109164432" sldId="272"/>
+            <ac:picMk id="6" creationId="{21E8ABBB-A753-31F6-0947-908EEAED58EA}"/>
+          </ac:picMkLst>
+        </pc:picChg>
+        <pc:picChg chg="add mod modCrop">
+          <ac:chgData name="Kojima Hikaru" userId="46d0e59221d47790" providerId="LiveId" clId="{1F5B545F-BC0A-49D3-BDE7-186D3E400711}" dt="2023-07-02T05:59:49.384" v="103" actId="14100"/>
+          <ac:picMkLst>
+            <pc:docMk/>
+            <pc:sldMk cId="3109164432" sldId="272"/>
+            <ac:picMk id="8" creationId="{CD4327F3-E747-3550-F9B7-12C60667BCE3}"/>
+          </ac:picMkLst>
+        </pc:picChg>
+      </pc:sldChg>
+      <pc:sldChg chg="addSp delSp modSp mod">
+        <pc:chgData name="Kojima Hikaru" userId="46d0e59221d47790" providerId="LiveId" clId="{1F5B545F-BC0A-49D3-BDE7-186D3E400711}" dt="2023-07-02T06:03:15.712" v="173" actId="20577"/>
+        <pc:sldMkLst>
+          <pc:docMk/>
+          <pc:sldMk cId="1701094569" sldId="273"/>
+        </pc:sldMkLst>
+        <pc:spChg chg="mod">
+          <ac:chgData name="Kojima Hikaru" userId="46d0e59221d47790" providerId="LiveId" clId="{1F5B545F-BC0A-49D3-BDE7-186D3E400711}" dt="2023-07-02T06:03:15.712" v="173" actId="20577"/>
+          <ac:spMkLst>
+            <pc:docMk/>
+            <pc:sldMk cId="1701094569" sldId="273"/>
+            <ac:spMk id="6" creationId="{E2E0C66F-236D-E089-E9F2-8ABD4B78E0C0}"/>
+          </ac:spMkLst>
+        </pc:spChg>
+        <pc:picChg chg="del">
+          <ac:chgData name="Kojima Hikaru" userId="46d0e59221d47790" providerId="LiveId" clId="{1F5B545F-BC0A-49D3-BDE7-186D3E400711}" dt="2023-07-02T05:59:58.432" v="104" actId="478"/>
+          <ac:picMkLst>
+            <pc:docMk/>
+            <pc:sldMk cId="1701094569" sldId="273"/>
+            <ac:picMk id="5" creationId="{09F70D8C-3090-1690-0DC1-E32940654434}"/>
+          </ac:picMkLst>
+        </pc:picChg>
+        <pc:picChg chg="add mod ord modCrop">
+          <ac:chgData name="Kojima Hikaru" userId="46d0e59221d47790" providerId="LiveId" clId="{1F5B545F-BC0A-49D3-BDE7-186D3E400711}" dt="2023-07-02T06:00:19.588" v="112" actId="167"/>
+          <ac:picMkLst>
+            <pc:docMk/>
+            <pc:sldMk cId="1701094569" sldId="273"/>
+            <ac:picMk id="7" creationId="{48F47C8D-52ED-C509-4167-88E57F534F31}"/>
+          </ac:picMkLst>
+        </pc:picChg>
+      </pc:sldChg>
+      <pc:sldChg chg="modSp mod">
+        <pc:chgData name="Kojima Hikaru" userId="46d0e59221d47790" providerId="LiveId" clId="{1F5B545F-BC0A-49D3-BDE7-186D3E400711}" dt="2023-07-02T06:08:13.876" v="325" actId="1076"/>
+        <pc:sldMkLst>
+          <pc:docMk/>
+          <pc:sldMk cId="3081321988" sldId="274"/>
+        </pc:sldMkLst>
+        <pc:spChg chg="mod">
+          <ac:chgData name="Kojima Hikaru" userId="46d0e59221d47790" providerId="LiveId" clId="{1F5B545F-BC0A-49D3-BDE7-186D3E400711}" dt="2023-07-02T06:08:13.876" v="325" actId="1076"/>
+          <ac:spMkLst>
+            <pc:docMk/>
+            <pc:sldMk cId="3081321988" sldId="274"/>
+            <ac:spMk id="4" creationId="{C82CDE56-18BF-4378-ABC8-E4D5F8CA6F94}"/>
+          </ac:spMkLst>
+        </pc:spChg>
+      </pc:sldChg>
+      <pc:sldChg chg="addSp modSp new mod">
+        <pc:chgData name="Kojima Hikaru" userId="46d0e59221d47790" providerId="LiveId" clId="{1F5B545F-BC0A-49D3-BDE7-186D3E400711}" dt="2023-07-02T06:12:41.910" v="734" actId="1076"/>
+        <pc:sldMkLst>
+          <pc:docMk/>
+          <pc:sldMk cId="733481459" sldId="275"/>
+        </pc:sldMkLst>
+        <pc:spChg chg="mod">
+          <ac:chgData name="Kojima Hikaru" userId="46d0e59221d47790" providerId="LiveId" clId="{1F5B545F-BC0A-49D3-BDE7-186D3E400711}" dt="2023-07-02T06:08:25.362" v="355"/>
+          <ac:spMkLst>
+            <pc:docMk/>
+            <pc:sldMk cId="733481459" sldId="275"/>
+            <ac:spMk id="2" creationId="{E096282C-0D93-8090-EAC3-2DAF857D9DE5}"/>
+          </ac:spMkLst>
+        </pc:spChg>
+        <pc:spChg chg="add mod">
+          <ac:chgData name="Kojima Hikaru" userId="46d0e59221d47790" providerId="LiveId" clId="{1F5B545F-BC0A-49D3-BDE7-186D3E400711}" dt="2023-07-02T06:12:41.910" v="734" actId="1076"/>
+          <ac:spMkLst>
+            <pc:docMk/>
+            <pc:sldMk cId="733481459" sldId="275"/>
+            <ac:spMk id="4" creationId="{FEDF649C-20E3-7517-9795-95B5B7CFC763}"/>
+          </ac:spMkLst>
+        </pc:spChg>
+      </pc:sldChg>
+    </pc:docChg>
+  </pc:docChgLst>
+</pc:chgInfo>
+</file>
+
 <file path=ppt/notesMasters/notesMaster1.xml><?xml version="1.0" encoding="utf-8"?>
 <p:notesMaster xmlns:a="http://schemas.openxmlformats.org/drawingml/2006/main" xmlns:r="http://schemas.openxmlformats.org/officeDocument/2006/relationships" xmlns:p="http://schemas.openxmlformats.org/presentationml/2006/main">
   <p:cSld>
@@ -212,7 +358,7 @@
           <a:p>
             <a:fld id="{549807DF-6D6B-4FBB-BCC0-A02F811705A5}" type="datetimeFigureOut">
               <a:rPr kumimoji="1" lang="ja-JP" altLang="en-US" smtClean="0"/>
-              <a:t>2023/7/1</a:t>
+              <a:t>2023/7/2</a:t>
             </a:fld>
             <a:endParaRPr kumimoji="1" lang="ja-JP" altLang="en-US"/>
           </a:p>
@@ -742,7 +888,7 @@
           <a:p>
             <a:fld id="{60A54C10-CBFD-4E35-B4EB-B0193AB6CB57}" type="datetime1">
               <a:rPr kumimoji="1" lang="ja-JP" altLang="en-US" smtClean="0"/>
-              <a:t>2023/7/1</a:t>
+              <a:t>2023/7/2</a:t>
             </a:fld>
             <a:endParaRPr kumimoji="1" lang="ja-JP" altLang="en-US"/>
           </a:p>
@@ -972,7 +1118,7 @@
           <a:p>
             <a:fld id="{F4BA7B89-9BB0-41B5-AC4C-45D3785AA4DD}" type="datetime1">
               <a:rPr kumimoji="1" lang="ja-JP" altLang="en-US" smtClean="0"/>
-              <a:t>2023/7/1</a:t>
+              <a:t>2023/7/2</a:t>
             </a:fld>
             <a:endParaRPr kumimoji="1" lang="ja-JP" altLang="en-US"/>
           </a:p>
@@ -1212,7 +1358,7 @@
           <a:p>
             <a:fld id="{C221166A-4E1E-4742-BF44-64DF0ACE26D3}" type="datetime1">
               <a:rPr kumimoji="1" lang="ja-JP" altLang="en-US" smtClean="0"/>
-              <a:t>2023/7/1</a:t>
+              <a:t>2023/7/2</a:t>
             </a:fld>
             <a:endParaRPr kumimoji="1" lang="ja-JP" altLang="en-US"/>
           </a:p>
@@ -1442,7 +1588,7 @@
           <a:p>
             <a:fld id="{E6642667-7995-4F90-8DE1-F95B66B6815A}" type="datetime1">
               <a:rPr kumimoji="1" lang="ja-JP" altLang="en-US" smtClean="0"/>
-              <a:t>2023/7/1</a:t>
+              <a:t>2023/7/2</a:t>
             </a:fld>
             <a:endParaRPr kumimoji="1" lang="ja-JP" altLang="en-US"/>
           </a:p>
@@ -1717,7 +1863,7 @@
           <a:p>
             <a:fld id="{F59E1B56-6A81-4DDE-9157-49C87FB4AB2E}" type="datetime1">
               <a:rPr kumimoji="1" lang="ja-JP" altLang="en-US" smtClean="0"/>
-              <a:t>2023/7/1</a:t>
+              <a:t>2023/7/2</a:t>
             </a:fld>
             <a:endParaRPr kumimoji="1" lang="ja-JP" altLang="en-US"/>
           </a:p>
@@ -2046,7 +2192,7 @@
           <a:p>
             <a:fld id="{3DF7C465-4206-412B-8A2E-12EFD38C787C}" type="datetime1">
               <a:rPr kumimoji="1" lang="ja-JP" altLang="en-US" smtClean="0"/>
-              <a:t>2023/7/1</a:t>
+              <a:t>2023/7/2</a:t>
             </a:fld>
             <a:endParaRPr kumimoji="1" lang="ja-JP" altLang="en-US"/>
           </a:p>
@@ -2522,7 +2668,7 @@
           <a:p>
             <a:fld id="{23AE4571-AB7E-416B-A85F-9EF4309F6F2D}" type="datetime1">
               <a:rPr kumimoji="1" lang="ja-JP" altLang="en-US" smtClean="0"/>
-              <a:t>2023/7/1</a:t>
+              <a:t>2023/7/2</a:t>
             </a:fld>
             <a:endParaRPr kumimoji="1" lang="ja-JP" altLang="en-US"/>
           </a:p>
@@ -2663,7 +2809,7 @@
           <a:p>
             <a:fld id="{5459F62E-E864-4737-BE9B-33263A3B3110}" type="datetime1">
               <a:rPr kumimoji="1" lang="ja-JP" altLang="en-US" smtClean="0"/>
-              <a:t>2023/7/1</a:t>
+              <a:t>2023/7/2</a:t>
             </a:fld>
             <a:endParaRPr kumimoji="1" lang="ja-JP" altLang="en-US"/>
           </a:p>
@@ -2776,7 +2922,7 @@
           <a:p>
             <a:fld id="{76F1A348-4091-4F0A-98E5-EF5430A56439}" type="datetime1">
               <a:rPr kumimoji="1" lang="ja-JP" altLang="en-US" smtClean="0"/>
-              <a:t>2023/7/1</a:t>
+              <a:t>2023/7/2</a:t>
             </a:fld>
             <a:endParaRPr kumimoji="1" lang="ja-JP" altLang="en-US"/>
           </a:p>
@@ -3119,7 +3265,7 @@
           <a:p>
             <a:fld id="{5E9D62C4-A752-4BD5-9785-6C0169035F55}" type="datetime1">
               <a:rPr kumimoji="1" lang="ja-JP" altLang="en-US" smtClean="0"/>
-              <a:t>2023/7/1</a:t>
+              <a:t>2023/7/2</a:t>
             </a:fld>
             <a:endParaRPr kumimoji="1" lang="ja-JP" altLang="en-US"/>
           </a:p>
@@ -3407,7 +3553,7 @@
           <a:p>
             <a:fld id="{76D4538D-E277-4A45-AC68-072B6C08A6B8}" type="datetime1">
               <a:rPr kumimoji="1" lang="ja-JP" altLang="en-US" smtClean="0"/>
-              <a:t>2023/7/1</a:t>
+              <a:t>2023/7/2</a:t>
             </a:fld>
             <a:endParaRPr kumimoji="1" lang="ja-JP" altLang="en-US"/>
           </a:p>
@@ -3680,7 +3826,7 @@
           <a:p>
             <a:fld id="{AFF092D2-E1EF-4E13-8843-11675777E9C2}" type="datetime1">
               <a:rPr kumimoji="1" lang="ja-JP" altLang="en-US" smtClean="0"/>
-              <a:t>2023/7/1</a:t>
+              <a:t>2023/7/2</a:t>
             </a:fld>
             <a:endParaRPr kumimoji="1" lang="ja-JP" altLang="en-US"/>
           </a:p>
@@ -11357,8 +11503,8 @@
           </a:p>
         </p:txBody>
       </p:sp>
-      <mc:AlternateContent xmlns:mc="http://schemas.openxmlformats.org/markup-compatibility/2006" xmlns:a14="http://schemas.microsoft.com/office/drawing/2010/main">
-        <mc:Choice Requires="a14">
+      <mc:AlternateContent xmlns:mc="http://schemas.openxmlformats.org/markup-compatibility/2006">
+        <mc:Choice xmlns:a14="http://schemas.microsoft.com/office/drawing/2010/main" Requires="a14">
           <p:sp>
             <p:nvSpPr>
               <p:cNvPr id="4" name="テキスト ボックス 3">
@@ -11374,7 +11520,7 @@
             <p:spPr>
               <a:xfrm>
                 <a:off x="1162976" y="1534832"/>
-                <a:ext cx="10190824" cy="4524315"/>
+                <a:ext cx="10190824" cy="5262979"/>
               </a:xfrm>
               <a:prstGeom prst="rect">
                 <a:avLst/>
@@ -11561,6 +11707,71 @@
                 <a:r>
                   <a:rPr lang="ja-JP" altLang="en-US" sz="2400" b="0" dirty="0"/>
                   <a:t>の形状比を決定</a:t>
+                </a:r>
+                <a:endParaRPr lang="en-US" altLang="ja-JP" sz="2400" b="0" dirty="0"/>
+              </a:p>
+              <a:p>
+                <a:pPr marL="342900" indent="-342900" algn="l">
+                  <a:buFont typeface="Arial" panose="020B0604020202020204" pitchFamily="34" charset="0"/>
+                  <a:buChar char="•"/>
+                </a:pPr>
+                <a14:m>
+                  <m:oMath xmlns:m="http://schemas.openxmlformats.org/officeDocument/2006/math">
+                    <m:sSub>
+                      <m:sSubPr>
+                        <m:ctrlPr>
+                          <a:rPr lang="en-US" altLang="ja-JP" sz="2400" b="0" i="1" smtClean="0">
+                            <a:latin typeface="Cambria Math" panose="02040503050406030204" pitchFamily="18" charset="0"/>
+                          </a:rPr>
+                        </m:ctrlPr>
+                      </m:sSubPr>
+                      <m:e>
+                        <m:r>
+                          <a:rPr lang="en-US" altLang="ja-JP" sz="2400" b="0" i="1" smtClean="0">
+                            <a:latin typeface="Cambria Math" panose="02040503050406030204" pitchFamily="18" charset="0"/>
+                          </a:rPr>
+                          <m:t>𝑀</m:t>
+                        </m:r>
+                      </m:e>
+                      <m:sub>
+                        <m:r>
+                          <a:rPr lang="en-US" altLang="ja-JP" sz="2400" b="0" i="1" smtClean="0">
+                            <a:latin typeface="Cambria Math" panose="02040503050406030204" pitchFamily="18" charset="0"/>
+                          </a:rPr>
+                          <m:t>𝐶</m:t>
+                        </m:r>
+                      </m:sub>
+                    </m:sSub>
+                  </m:oMath>
+                </a14:m>
+                <a:r>
+                  <a:rPr lang="ja-JP" altLang="en-US" sz="2400" b="0" dirty="0"/>
+                  <a:t>の並列数を</a:t>
+                </a:r>
+                <a14:m>
+                  <m:oMath xmlns:m="http://schemas.openxmlformats.org/officeDocument/2006/math">
+                    <m:r>
+                      <a:rPr lang="en-US" altLang="ja-JP" sz="2400" b="0" i="1" smtClean="0">
+                        <a:latin typeface="Cambria Math" panose="02040503050406030204" pitchFamily="18" charset="0"/>
+                      </a:rPr>
+                      <m:t>4</m:t>
+                    </m:r>
+                  </m:oMath>
+                </a14:m>
+                <a:r>
+                  <a:rPr lang="ja-JP" altLang="en-US" sz="2400" b="0" dirty="0"/>
+                  <a:t>の整数倍になるようにする</a:t>
+                </a:r>
+                <a:endParaRPr lang="en-US" altLang="ja-JP" sz="2400" b="0" dirty="0"/>
+              </a:p>
+              <a:p>
+                <a:pPr marL="342900" indent="-342900" algn="l">
+                  <a:buFont typeface="Arial" panose="020B0604020202020204" pitchFamily="34" charset="0"/>
+                  <a:buChar char="•"/>
+                </a:pPr>
+                <a:r>
+                  <a:rPr lang="ja-JP" altLang="en-US" sz="2400" b="0" dirty="0"/>
+                  <a:t>バルクはすべて最低電位に固定する</a:t>
                 </a:r>
                 <a:endParaRPr lang="en-US" altLang="ja-JP" sz="2400" b="0" dirty="0"/>
               </a:p>
@@ -11616,7 +11827,7 @@
                 <a:pPr algn="l"/>
                 <a:r>
                   <a:rPr lang="ja-JP" altLang="en-US" sz="2400" b="0" dirty="0"/>
-                  <a:t>以上で再度設計を行う</a:t>
+                  <a:t>以上のように再度設計を行う</a:t>
                 </a:r>
                 <a:endParaRPr lang="en-US" altLang="ja-JP" sz="2400" b="0" dirty="0"/>
               </a:p>
@@ -11627,7 +11838,7 @@
             </p:txBody>
           </p:sp>
         </mc:Choice>
-        <mc:Fallback xmlns="">
+        <mc:Fallback>
           <p:sp>
             <p:nvSpPr>
               <p:cNvPr id="4" name="テキスト ボックス 3">
@@ -11645,7 +11856,7 @@
             <p:spPr>
               <a:xfrm>
                 <a:off x="1162976" y="1534832"/>
-                <a:ext cx="10190824" cy="4524315"/>
+                <a:ext cx="10190824" cy="5262979"/>
               </a:xfrm>
               <a:prstGeom prst="rect">
                 <a:avLst/>
@@ -11653,7 +11864,7 @@
               <a:blipFill>
                 <a:blip r:embed="rId2"/>
                 <a:stretch>
-                  <a:fillRect l="-957" t="-1078"/>
+                  <a:fillRect l="-957" t="-927"/>
                 </a:stretch>
               </a:blipFill>
             </p:spPr>
@@ -11767,43 +11978,8 @@
           </a:p>
         </p:txBody>
       </p:sp>
-      <p:pic>
-        <p:nvPicPr>
-          <p:cNvPr id="6" name="図 5" descr="グラフ, 折れ線グラフ&#10;&#10;自動的に生成された説明">
-            <a:extLst>
-              <a:ext uri="{FF2B5EF4-FFF2-40B4-BE49-F238E27FC236}">
-                <a16:creationId xmlns:a16="http://schemas.microsoft.com/office/drawing/2014/main" id="{21E8ABBB-A753-31F6-0947-908EEAED58EA}"/>
-              </a:ext>
-            </a:extLst>
-          </p:cNvPr>
-          <p:cNvPicPr>
-            <a:picLocks noChangeAspect="1"/>
-          </p:cNvPicPr>
-          <p:nvPr/>
-        </p:nvPicPr>
-        <p:blipFill rotWithShape="1">
-          <a:blip r:embed="rId2">
-            <a:extLst>
-              <a:ext uri="{28A0092B-C50C-407E-A947-70E740481C1C}">
-                <a14:useLocalDpi xmlns:a14="http://schemas.microsoft.com/office/drawing/2010/main" val="0"/>
-              </a:ext>
-            </a:extLst>
-          </a:blip>
-          <a:srcRect l="1101" r="15422"/>
-          <a:stretch/>
-        </p:blipFill>
-        <p:spPr>
-          <a:xfrm>
-            <a:off x="0" y="1523538"/>
-            <a:ext cx="6361472" cy="5334462"/>
-          </a:xfrm>
-          <a:prstGeom prst="rect">
-            <a:avLst/>
-          </a:prstGeom>
-        </p:spPr>
-      </p:pic>
-      <mc:AlternateContent xmlns:mc="http://schemas.openxmlformats.org/markup-compatibility/2006" xmlns:a14="http://schemas.microsoft.com/office/drawing/2010/main">
-        <mc:Choice Requires="a14">
+      <mc:AlternateContent xmlns:mc="http://schemas.openxmlformats.org/markup-compatibility/2006">
+        <mc:Choice xmlns:a14="http://schemas.microsoft.com/office/drawing/2010/main" Requires="a14">
           <p:sp>
             <p:nvSpPr>
               <p:cNvPr id="7" name="テキスト ボックス 6">
@@ -11852,10 +12028,16 @@
                 <a14:m>
                   <m:oMath xmlns:m="http://schemas.openxmlformats.org/officeDocument/2006/math">
                     <m:r>
+                      <a:rPr kumimoji="1" lang="en-US" altLang="ja-JP" sz="2400" b="0" i="0" smtClean="0">
+                        <a:latin typeface="Cambria Math" panose="02040503050406030204" pitchFamily="18" charset="0"/>
+                      </a:rPr>
+                      <m:t>5</m:t>
+                    </m:r>
+                    <m:r>
                       <a:rPr kumimoji="1" lang="en-US" altLang="ja-JP" sz="2400" b="0" i="1" smtClean="0">
                         <a:latin typeface="Cambria Math" panose="02040503050406030204" pitchFamily="18" charset="0"/>
                       </a:rPr>
-                      <m:t>20 </m:t>
+                      <m:t> </m:t>
                     </m:r>
                     <m:r>
                       <m:rPr>
@@ -11886,7 +12068,19 @@
                       <a:rPr kumimoji="1" lang="en-US" altLang="ja-JP" sz="2400" b="0" i="1" smtClean="0">
                         <a:latin typeface="Cambria Math" panose="02040503050406030204" pitchFamily="18" charset="0"/>
                       </a:rPr>
-                      <m:t>0.54 </m:t>
+                      <m:t>0.</m:t>
+                    </m:r>
+                    <m:r>
+                      <a:rPr kumimoji="1" lang="en-US" altLang="ja-JP" sz="2400" b="0" i="1" smtClean="0">
+                        <a:latin typeface="Cambria Math" panose="02040503050406030204" pitchFamily="18" charset="0"/>
+                      </a:rPr>
+                      <m:t>72</m:t>
+                    </m:r>
+                    <m:r>
+                      <a:rPr kumimoji="1" lang="en-US" altLang="ja-JP" sz="2400" b="0" i="1" smtClean="0">
+                        <a:latin typeface="Cambria Math" panose="02040503050406030204" pitchFamily="18" charset="0"/>
+                      </a:rPr>
+                      <m:t> </m:t>
                     </m:r>
                     <m:r>
                       <a:rPr kumimoji="1" lang="en-US" altLang="ja-JP" sz="2400" b="0" i="1" smtClean="0">
@@ -11917,10 +12111,10 @@
                 <a14:m>
                   <m:oMath xmlns:m="http://schemas.openxmlformats.org/officeDocument/2006/math">
                     <m:r>
-                      <a:rPr kumimoji="1" lang="en-US" altLang="ja-JP" sz="2400" b="0" i="1" smtClean="0">
+                      <a:rPr lang="en-US" altLang="ja-JP" sz="2400" b="0" i="1" smtClean="0">
                         <a:latin typeface="Cambria Math" panose="02040503050406030204" pitchFamily="18" charset="0"/>
                       </a:rPr>
-                      <m:t>1</m:t>
+                      <m:t>16</m:t>
                     </m:r>
                   </m:oMath>
                 </a14:m>
@@ -11964,7 +12158,7 @@
             </p:txBody>
           </p:sp>
         </mc:Choice>
-        <mc:Fallback xmlns="">
+        <mc:Fallback>
           <p:sp>
             <p:nvSpPr>
               <p:cNvPr id="7" name="テキスト ボックス 6">
@@ -11988,7 +12182,7 @@
                 <a:avLst/>
               </a:prstGeom>
               <a:blipFill>
-                <a:blip r:embed="rId3"/>
+                <a:blip r:embed="rId2"/>
                 <a:stretch>
                   <a:fillRect l="-1835" t="-2116"/>
                 </a:stretch>
@@ -12009,6 +12203,41 @@
           </p:sp>
         </mc:Fallback>
       </mc:AlternateContent>
+      <p:pic>
+        <p:nvPicPr>
+          <p:cNvPr id="8" name="図 7" descr="グラフ, 折れ線グラフ&#10;&#10;自動的に生成された説明">
+            <a:extLst>
+              <a:ext uri="{FF2B5EF4-FFF2-40B4-BE49-F238E27FC236}">
+                <a16:creationId xmlns:a16="http://schemas.microsoft.com/office/drawing/2014/main" id="{CD4327F3-E747-3550-F9B7-12C60667BCE3}"/>
+              </a:ext>
+            </a:extLst>
+          </p:cNvPr>
+          <p:cNvPicPr>
+            <a:picLocks noChangeAspect="1"/>
+          </p:cNvPicPr>
+          <p:nvPr/>
+        </p:nvPicPr>
+        <p:blipFill rotWithShape="1">
+          <a:blip r:embed="rId3">
+            <a:extLst>
+              <a:ext uri="{28A0092B-C50C-407E-A947-70E740481C1C}">
+                <a14:useLocalDpi xmlns:a14="http://schemas.microsoft.com/office/drawing/2010/main" val="0"/>
+              </a:ext>
+            </a:extLst>
+          </a:blip>
+          <a:srcRect l="1907" r="14777"/>
+          <a:stretch/>
+        </p:blipFill>
+        <p:spPr>
+          <a:xfrm>
+            <a:off x="0" y="1297858"/>
+            <a:ext cx="6617790" cy="5560142"/>
+          </a:xfrm>
+          <a:prstGeom prst="rect">
+            <a:avLst/>
+          </a:prstGeom>
+        </p:spPr>
+      </p:pic>
     </p:spTree>
     <p:extLst>
       <p:ext uri="{BB962C8B-B14F-4D97-AF65-F5344CB8AC3E}">
@@ -12039,6 +12268,41 @@
           <a:chExt cx="0" cy="0"/>
         </a:xfrm>
       </p:grpSpPr>
+      <p:pic>
+        <p:nvPicPr>
+          <p:cNvPr id="7" name="図 6" descr="グラフ, 折れ線グラフ&#10;&#10;自動的に生成された説明">
+            <a:extLst>
+              <a:ext uri="{FF2B5EF4-FFF2-40B4-BE49-F238E27FC236}">
+                <a16:creationId xmlns:a16="http://schemas.microsoft.com/office/drawing/2014/main" id="{48F47C8D-52ED-C509-4167-88E57F534F31}"/>
+              </a:ext>
+            </a:extLst>
+          </p:cNvPr>
+          <p:cNvPicPr>
+            <a:picLocks noChangeAspect="1"/>
+          </p:cNvPicPr>
+          <p:nvPr/>
+        </p:nvPicPr>
+        <p:blipFill rotWithShape="1">
+          <a:blip r:embed="rId2">
+            <a:extLst>
+              <a:ext uri="{28A0092B-C50C-407E-A947-70E740481C1C}">
+                <a14:useLocalDpi xmlns:a14="http://schemas.microsoft.com/office/drawing/2010/main" val="0"/>
+              </a:ext>
+            </a:extLst>
+          </a:blip>
+          <a:srcRect l="2520" r="15164"/>
+          <a:stretch/>
+        </p:blipFill>
+        <p:spPr>
+          <a:xfrm>
+            <a:off x="-1" y="1307690"/>
+            <a:ext cx="6526805" cy="5550310"/>
+          </a:xfrm>
+          <a:prstGeom prst="rect">
+            <a:avLst/>
+          </a:prstGeom>
+        </p:spPr>
+      </p:pic>
       <p:sp>
         <p:nvSpPr>
           <p:cNvPr id="2" name="タイトル 1">
@@ -12104,43 +12368,8 @@
           </a:p>
         </p:txBody>
       </p:sp>
-      <p:pic>
-        <p:nvPicPr>
-          <p:cNvPr id="5" name="図 4" descr="グラフ, 折れ線グラフ&#10;&#10;自動的に生成された説明">
-            <a:extLst>
-              <a:ext uri="{FF2B5EF4-FFF2-40B4-BE49-F238E27FC236}">
-                <a16:creationId xmlns:a16="http://schemas.microsoft.com/office/drawing/2014/main" id="{09F70D8C-3090-1690-0DC1-E32940654434}"/>
-              </a:ext>
-            </a:extLst>
-          </p:cNvPr>
-          <p:cNvPicPr>
-            <a:picLocks noChangeAspect="1"/>
-          </p:cNvPicPr>
-          <p:nvPr/>
-        </p:nvPicPr>
-        <p:blipFill rotWithShape="1">
-          <a:blip r:embed="rId2">
-            <a:extLst>
-              <a:ext uri="{28A0092B-C50C-407E-A947-70E740481C1C}">
-                <a14:useLocalDpi xmlns:a14="http://schemas.microsoft.com/office/drawing/2010/main" val="0"/>
-              </a:ext>
-            </a:extLst>
-          </a:blip>
-          <a:srcRect l="1774" r="14750"/>
-          <a:stretch/>
-        </p:blipFill>
-        <p:spPr>
-          <a:xfrm>
-            <a:off x="0" y="1523538"/>
-            <a:ext cx="6361471" cy="5334462"/>
-          </a:xfrm>
-          <a:prstGeom prst="rect">
-            <a:avLst/>
-          </a:prstGeom>
-        </p:spPr>
-      </p:pic>
-      <mc:AlternateContent xmlns:mc="http://schemas.openxmlformats.org/markup-compatibility/2006" xmlns:a14="http://schemas.microsoft.com/office/drawing/2010/main">
-        <mc:Choice Requires="a14">
+      <mc:AlternateContent xmlns:mc="http://schemas.openxmlformats.org/markup-compatibility/2006">
+        <mc:Choice xmlns:a14="http://schemas.microsoft.com/office/drawing/2010/main" Requires="a14">
           <p:sp>
             <p:nvSpPr>
               <p:cNvPr id="6" name="テキスト ボックス 5">
@@ -12155,7 +12384,7 @@
             </p:nvSpPr>
             <p:spPr>
               <a:xfrm>
-                <a:off x="6361471" y="1404032"/>
+                <a:off x="6459794" y="1404032"/>
                 <a:ext cx="5732206" cy="4952318"/>
               </a:xfrm>
               <a:prstGeom prst="rect">
@@ -12388,7 +12617,13 @@
                       <a:rPr lang="en-US" altLang="ja-JP" sz="2400" i="1">
                         <a:latin typeface="Cambria Math" panose="02040503050406030204" pitchFamily="18" charset="0"/>
                       </a:rPr>
-                      <m:t>=0.00828514</m:t>
+                      <m:t>=0</m:t>
+                    </m:r>
+                    <m:r>
+                      <a:rPr lang="en-US" altLang="ja-JP" sz="2400" b="0" i="1" smtClean="0">
+                        <a:latin typeface="Cambria Math" panose="02040503050406030204" pitchFamily="18" charset="0"/>
+                      </a:rPr>
+                      <m:t>.027120</m:t>
                     </m:r>
                   </m:oMath>
                 </a14:m>
@@ -12423,13 +12658,31 @@
                       <a:rPr lang="en-US" altLang="ja-JP" sz="2400" i="1">
                         <a:latin typeface="Cambria Math" panose="02040503050406030204" pitchFamily="18" charset="0"/>
                       </a:rPr>
-                      <m:t>0.396</m:t>
+                      <m:t>0.</m:t>
                     </m:r>
                     <m:r>
                       <a:rPr lang="en-US" altLang="ja-JP" sz="2400" b="0" i="1" smtClean="0">
                         <a:latin typeface="Cambria Math" panose="02040503050406030204" pitchFamily="18" charset="0"/>
                       </a:rPr>
-                      <m:t>≈0.4 </m:t>
+                      <m:t>428006</m:t>
+                    </m:r>
+                    <m:r>
+                      <a:rPr lang="en-US" altLang="ja-JP" sz="2400" b="0" i="1" smtClean="0">
+                        <a:latin typeface="Cambria Math" panose="02040503050406030204" pitchFamily="18" charset="0"/>
+                      </a:rPr>
+                      <m:t>≈0.4</m:t>
+                    </m:r>
+                    <m:r>
+                      <a:rPr lang="en-US" altLang="ja-JP" sz="2400" b="0" i="1" smtClean="0">
+                        <a:latin typeface="Cambria Math" panose="02040503050406030204" pitchFamily="18" charset="0"/>
+                      </a:rPr>
+                      <m:t>3</m:t>
+                    </m:r>
+                    <m:r>
+                      <a:rPr lang="en-US" altLang="ja-JP" sz="2400" b="0" i="1" smtClean="0">
+                        <a:latin typeface="Cambria Math" panose="02040503050406030204" pitchFamily="18" charset="0"/>
+                      </a:rPr>
+                      <m:t> </m:t>
                     </m:r>
                     <m:r>
                       <m:rPr>
@@ -12691,6 +12944,18 @@
                           </m:r>
                         </m:den>
                       </m:f>
+                      <m:r>
+                        <a:rPr lang="en-US" altLang="ja-JP" sz="2400" b="0" i="1" smtClean="0">
+                          <a:latin typeface="Cambria Math" panose="02040503050406030204" pitchFamily="18" charset="0"/>
+                        </a:rPr>
+                        <m:t>⋅</m:t>
+                      </m:r>
+                      <m:r>
+                        <a:rPr lang="en-US" altLang="ja-JP" sz="2400" b="0" i="1" smtClean="0">
+                          <a:latin typeface="Cambria Math" panose="02040503050406030204" pitchFamily="18" charset="0"/>
+                        </a:rPr>
+                        <m:t>𝑀</m:t>
+                      </m:r>
                     </m:oMath>
                   </m:oMathPara>
                 </a14:m>
@@ -12877,13 +13142,37 @@
                             </a:rPr>
                             <m:t>𝑊</m:t>
                           </m:r>
+                          <m:r>
+                            <a:rPr lang="en-US" altLang="ja-JP" sz="2400" b="0" i="1" smtClean="0">
+                              <a:latin typeface="Cambria Math" panose="02040503050406030204" pitchFamily="18" charset="0"/>
+                            </a:rPr>
+                            <m:t>⋅</m:t>
+                          </m:r>
+                          <m:r>
+                            <a:rPr lang="en-US" altLang="ja-JP" sz="2400" b="0" i="1" smtClean="0">
+                              <a:latin typeface="Cambria Math" panose="02040503050406030204" pitchFamily="18" charset="0"/>
+                            </a:rPr>
+                            <m:t>𝑀</m:t>
+                          </m:r>
                         </m:den>
                       </m:f>
                       <m:r>
                         <a:rPr lang="en-US" altLang="ja-JP" sz="2400" b="0" i="1" smtClean="0">
                           <a:latin typeface="Cambria Math" panose="02040503050406030204" pitchFamily="18" charset="0"/>
                         </a:rPr>
-                        <m:t>≈112 </m:t>
+                        <m:t>≈</m:t>
+                      </m:r>
+                      <m:r>
+                        <a:rPr lang="en-US" altLang="ja-JP" sz="2400" b="0" i="1" smtClean="0">
+                          <a:latin typeface="Cambria Math" panose="02040503050406030204" pitchFamily="18" charset="0"/>
+                        </a:rPr>
+                        <m:t>122</m:t>
+                      </m:r>
+                      <m:r>
+                        <a:rPr lang="en-US" altLang="ja-JP" sz="2400" b="0" i="1" smtClean="0">
+                          <a:latin typeface="Cambria Math" panose="02040503050406030204" pitchFamily="18" charset="0"/>
+                        </a:rPr>
+                        <m:t> </m:t>
                       </m:r>
                       <m:r>
                         <m:rPr>
@@ -12917,7 +13206,7 @@
             </p:txBody>
           </p:sp>
         </mc:Choice>
-        <mc:Fallback xmlns="">
+        <mc:Fallback>
           <p:sp>
             <p:nvSpPr>
               <p:cNvPr id="6" name="テキスト ボックス 5">
@@ -12934,7 +13223,7 @@
             </p:nvSpPr>
             <p:spPr>
               <a:xfrm>
-                <a:off x="6361471" y="1404032"/>
+                <a:off x="6459794" y="1404032"/>
                 <a:ext cx="5732206" cy="4952318"/>
               </a:xfrm>
               <a:prstGeom prst="rect">
@@ -12943,7 +13232,7 @@
               <a:blipFill>
                 <a:blip r:embed="rId3"/>
                 <a:stretch>
-                  <a:fillRect l="-1702" t="-984" r="-426"/>
+                  <a:fillRect l="-1702" t="-984" r="-6915"/>
                 </a:stretch>
               </a:blipFill>
             </p:spPr>
@@ -13065,7 +13354,7 @@
             </p:nvSpPr>
             <p:spPr>
               <a:xfrm>
-                <a:off x="679655" y="1897683"/>
+                <a:off x="679655" y="2064831"/>
                 <a:ext cx="10832690" cy="3431965"/>
               </a:xfrm>
               <a:prstGeom prst="rect">
@@ -13245,6 +13534,18 @@
                               <a:latin typeface="Cambria Math" panose="02040503050406030204" pitchFamily="18" charset="0"/>
                             </a:rPr>
                             <m:t>𝑊</m:t>
+                          </m:r>
+                          <m:r>
+                            <a:rPr kumimoji="1" lang="en-US" altLang="ja-JP" sz="2400" b="0" i="1" smtClean="0">
+                              <a:latin typeface="Cambria Math" panose="02040503050406030204" pitchFamily="18" charset="0"/>
+                            </a:rPr>
+                            <m:t>⋅</m:t>
+                          </m:r>
+                          <m:r>
+                            <a:rPr kumimoji="1" lang="en-US" altLang="ja-JP" sz="2400" b="0" i="1" smtClean="0">
+                              <a:latin typeface="Cambria Math" panose="02040503050406030204" pitchFamily="18" charset="0"/>
+                            </a:rPr>
+                            <m:t>𝑀</m:t>
                           </m:r>
                         </m:num>
                         <m:den>
@@ -13465,6 +13766,18 @@
                               </m:r>
                             </m:sub>
                           </m:sSub>
+                          <m:r>
+                            <a:rPr kumimoji="1" lang="en-US" altLang="ja-JP" sz="2400" b="0" i="1" smtClean="0">
+                              <a:latin typeface="Cambria Math" panose="02040503050406030204" pitchFamily="18" charset="0"/>
+                            </a:rPr>
+                            <m:t>⋅</m:t>
+                          </m:r>
+                          <m:r>
+                            <a:rPr kumimoji="1" lang="en-US" altLang="ja-JP" sz="2400" b="0" i="1" smtClean="0">
+                              <a:latin typeface="Cambria Math" panose="02040503050406030204" pitchFamily="18" charset="0"/>
+                            </a:rPr>
+                            <m:t>𝑀</m:t>
+                          </m:r>
                           <m:r>
                             <a:rPr kumimoji="1" lang="en-US" altLang="ja-JP" sz="2400" b="0" i="1" smtClean="0">
                               <a:latin typeface="Cambria Math" panose="02040503050406030204" pitchFamily="18" charset="0"/>
@@ -13609,7 +13922,19 @@
                             <a:rPr kumimoji="1" lang="en-US" altLang="ja-JP" sz="2400" b="0" i="1" smtClean="0">
                               <a:latin typeface="Cambria Math" panose="02040503050406030204" pitchFamily="18" charset="0"/>
                             </a:rPr>
-                            <m:t>⋅0.54×</m:t>
+                            <m:t>⋅0.</m:t>
+                          </m:r>
+                          <m:r>
+                            <a:rPr kumimoji="1" lang="en-US" altLang="ja-JP" sz="2400" b="0" i="1" smtClean="0">
+                              <a:latin typeface="Cambria Math" panose="02040503050406030204" pitchFamily="18" charset="0"/>
+                            </a:rPr>
+                            <m:t>72</m:t>
+                          </m:r>
+                          <m:r>
+                            <a:rPr kumimoji="1" lang="en-US" altLang="ja-JP" sz="2400" b="0" i="1" smtClean="0">
+                              <a:latin typeface="Cambria Math" panose="02040503050406030204" pitchFamily="18" charset="0"/>
+                            </a:rPr>
+                            <m:t>×</m:t>
                           </m:r>
                           <m:sSup>
                             <m:sSupPr>
@@ -13642,7 +13967,13 @@
                             <a:rPr kumimoji="1" lang="en-US" altLang="ja-JP" sz="2400" b="0" i="1" smtClean="0">
                               <a:latin typeface="Cambria Math" panose="02040503050406030204" pitchFamily="18" charset="0"/>
                             </a:rPr>
-                            <m:t>112×</m:t>
+                            <m:t>122</m:t>
+                          </m:r>
+                          <m:r>
+                            <a:rPr kumimoji="1" lang="en-US" altLang="ja-JP" sz="2400" b="0" i="1" smtClean="0">
+                              <a:latin typeface="Cambria Math" panose="02040503050406030204" pitchFamily="18" charset="0"/>
+                            </a:rPr>
+                            <m:t>×</m:t>
                           </m:r>
                           <m:sSup>
                             <m:sSupPr>
@@ -13673,6 +14004,12 @@
                             <a:rPr kumimoji="1" lang="en-US" altLang="ja-JP" sz="2400" b="0" i="1" smtClean="0">
                               <a:latin typeface="Cambria Math" panose="02040503050406030204" pitchFamily="18" charset="0"/>
                             </a:rPr>
+                            <m:t>⋅16</m:t>
+                          </m:r>
+                          <m:r>
+                            <a:rPr kumimoji="1" lang="en-US" altLang="ja-JP" sz="2400" b="0" i="1" smtClean="0">
+                              <a:latin typeface="Cambria Math" panose="02040503050406030204" pitchFamily="18" charset="0"/>
+                            </a:rPr>
                             <m:t>⋅</m:t>
                           </m:r>
                           <m:sSup>
@@ -13699,6 +14036,12 @@
                                     </a:rPr>
                                     <m:t>0.7−0.4</m:t>
                                   </m:r>
+                                  <m:r>
+                                    <a:rPr kumimoji="1" lang="en-US" altLang="ja-JP" sz="2400" b="0" i="1" smtClean="0">
+                                      <a:latin typeface="Cambria Math" panose="02040503050406030204" pitchFamily="18" charset="0"/>
+                                    </a:rPr>
+                                    <m:t>2</m:t>
+                                  </m:r>
                                 </m:e>
                               </m:d>
                             </m:e>
@@ -13717,7 +14060,19 @@
                         <a:rPr kumimoji="1" lang="en-US" altLang="ja-JP" sz="2400" b="0" i="1" smtClean="0">
                           <a:latin typeface="Cambria Math" panose="02040503050406030204" pitchFamily="18" charset="0"/>
                         </a:rPr>
-                        <m:t>=53.571⋯×</m:t>
+                        <m:t>=</m:t>
+                      </m:r>
+                      <m:r>
+                        <a:rPr kumimoji="1" lang="en-US" altLang="ja-JP" sz="2400" b="0" i="1" smtClean="0">
+                          <a:latin typeface="Cambria Math" panose="02040503050406030204" pitchFamily="18" charset="0"/>
+                        </a:rPr>
+                        <m:t>4.70</m:t>
+                      </m:r>
+                      <m:r>
+                        <a:rPr kumimoji="1" lang="en-US" altLang="ja-JP" sz="2400" b="0" i="1" smtClean="0">
+                          <a:latin typeface="Cambria Math" panose="02040503050406030204" pitchFamily="18" charset="0"/>
+                        </a:rPr>
+                        <m:t>⋯×</m:t>
                       </m:r>
                       <m:sSup>
                         <m:sSupPr>
@@ -13761,7 +14116,19 @@
                         <a:rPr kumimoji="1" lang="en-US" altLang="ja-JP" sz="2400" b="0" i="1" smtClean="0">
                           <a:latin typeface="Cambria Math" panose="02040503050406030204" pitchFamily="18" charset="0"/>
                         </a:rPr>
-                        <m:t>≈54×</m:t>
+                        <m:t>≈</m:t>
+                      </m:r>
+                      <m:r>
+                        <a:rPr kumimoji="1" lang="en-US" altLang="ja-JP" sz="2400" b="0" i="1" smtClean="0">
+                          <a:latin typeface="Cambria Math" panose="02040503050406030204" pitchFamily="18" charset="0"/>
+                        </a:rPr>
+                        <m:t>4.7</m:t>
+                      </m:r>
+                      <m:r>
+                        <a:rPr kumimoji="1" lang="en-US" altLang="ja-JP" sz="2400" b="0" i="1" smtClean="0">
+                          <a:latin typeface="Cambria Math" panose="02040503050406030204" pitchFamily="18" charset="0"/>
+                        </a:rPr>
+                        <m:t>×</m:t>
                       </m:r>
                       <m:sSup>
                         <m:sSupPr>
@@ -13797,7 +14164,21 @@
                 <a:pPr algn="l"/>
                 <a:r>
                   <a:rPr lang="ja-JP" altLang="en-US" sz="2400" dirty="0"/>
-                  <a:t>と求められた。</a:t>
+                  <a:t>と求められた。ここで並列数を</a:t>
+                </a:r>
+                <a14:m>
+                  <m:oMath xmlns:m="http://schemas.openxmlformats.org/officeDocument/2006/math">
+                    <m:r>
+                      <a:rPr lang="en-US" altLang="ja-JP" sz="2400" b="0" i="1" smtClean="0">
+                        <a:latin typeface="Cambria Math" panose="02040503050406030204" pitchFamily="18" charset="0"/>
+                      </a:rPr>
+                      <m:t>16</m:t>
+                    </m:r>
+                  </m:oMath>
+                </a14:m>
+                <a:r>
+                  <a:rPr kumimoji="1" lang="ja-JP" altLang="en-US" sz="2400" b="0" dirty="0"/>
+                  <a:t>と決めてあるので、</a:t>
                 </a:r>
                 <a:endParaRPr kumimoji="1" lang="en-US" altLang="ja-JP" sz="2400" b="0" dirty="0"/>
               </a:p>
@@ -13931,10 +14312,22 @@
                 <a14:m>
                   <m:oMath xmlns:m="http://schemas.openxmlformats.org/officeDocument/2006/math">
                     <m:r>
+                      <a:rPr lang="en-US" altLang="ja-JP" sz="2400" i="1">
+                        <a:latin typeface="Cambria Math" panose="02040503050406030204" pitchFamily="18" charset="0"/>
+                      </a:rPr>
+                      <m:t>4</m:t>
+                    </m:r>
+                    <m:r>
+                      <a:rPr lang="en-US" altLang="ja-JP" sz="2400" b="0" i="1" smtClean="0">
+                        <a:latin typeface="Cambria Math" panose="02040503050406030204" pitchFamily="18" charset="0"/>
+                      </a:rPr>
+                      <m:t>.7</m:t>
+                    </m:r>
+                    <m:r>
                       <a:rPr kumimoji="1" lang="en-US" altLang="ja-JP" sz="2400" b="0" i="1" smtClean="0">
                         <a:latin typeface="Cambria Math" panose="02040503050406030204" pitchFamily="18" charset="0"/>
                       </a:rPr>
-                      <m:t>15 </m:t>
+                      <m:t> </m:t>
                     </m:r>
                     <m:r>
                       <m:rPr>
@@ -13990,13 +14383,60 @@
                       <a:rPr kumimoji="1" lang="en-US" altLang="ja-JP" sz="2400" b="0" i="1" smtClean="0">
                         <a:latin typeface="Cambria Math" panose="02040503050406030204" pitchFamily="18" charset="0"/>
                       </a:rPr>
-                      <m:t>5</m:t>
+                      <m:t>4</m:t>
                     </m:r>
                   </m:oMath>
                 </a14:m>
                 <a:r>
                   <a:rPr kumimoji="1" lang="ja-JP" altLang="en-US" sz="2400" b="0" dirty="0"/>
                   <a:t>、</a:t>
+                </a:r>
+                <a14:m>
+                  <m:oMath xmlns:m="http://schemas.openxmlformats.org/officeDocument/2006/math">
+                    <m:sSub>
+                      <m:sSubPr>
+                        <m:ctrlPr>
+                          <a:rPr kumimoji="1" lang="en-US" altLang="ja-JP" sz="2400" b="0" i="1" dirty="0" smtClean="0">
+                            <a:latin typeface="Cambria Math" panose="02040503050406030204" pitchFamily="18" charset="0"/>
+                          </a:rPr>
+                        </m:ctrlPr>
+                      </m:sSubPr>
+                      <m:e>
+                        <m:r>
+                          <a:rPr kumimoji="1" lang="en-US" altLang="ja-JP" sz="2400" b="0" i="1" dirty="0" smtClean="0">
+                            <a:latin typeface="Cambria Math" panose="02040503050406030204" pitchFamily="18" charset="0"/>
+                          </a:rPr>
+                          <m:t>𝑀</m:t>
+                        </m:r>
+                      </m:e>
+                      <m:sub>
+                        <m:r>
+                          <a:rPr kumimoji="1" lang="en-US" altLang="ja-JP" sz="2400" b="0" i="1" dirty="0" smtClean="0">
+                            <a:latin typeface="Cambria Math" panose="02040503050406030204" pitchFamily="18" charset="0"/>
+                          </a:rPr>
+                          <m:t>𝐵</m:t>
+                        </m:r>
+                      </m:sub>
+                    </m:sSub>
+                  </m:oMath>
+                </a14:m>
+                <a:r>
+                  <a:rPr kumimoji="1" lang="ja-JP" altLang="en-US" sz="2400" b="0" dirty="0"/>
+                  <a:t>の並列数は</a:t>
+                </a:r>
+                <a14:m>
+                  <m:oMath xmlns:m="http://schemas.openxmlformats.org/officeDocument/2006/math">
+                    <m:r>
+                      <a:rPr kumimoji="1" lang="en-US" altLang="ja-JP" sz="2400" b="0" i="1" smtClean="0">
+                        <a:latin typeface="Cambria Math" panose="02040503050406030204" pitchFamily="18" charset="0"/>
+                      </a:rPr>
+                      <m:t>8</m:t>
+                    </m:r>
+                  </m:oMath>
+                </a14:m>
+                <a:r>
+                  <a:rPr kumimoji="1" lang="ja-JP" altLang="en-US" sz="2400" b="0" dirty="0"/>
+                  <a:t>とすればよい。</a:t>
                 </a:r>
                 <a:endParaRPr kumimoji="1" lang="en-US" altLang="ja-JP" sz="2400" b="0" dirty="0"/>
               </a:p>
@@ -14020,7 +14460,7 @@
             </p:nvSpPr>
             <p:spPr>
               <a:xfrm>
-                <a:off x="679655" y="1897683"/>
+                <a:off x="679655" y="2064831"/>
                 <a:ext cx="10832690" cy="3431965"/>
               </a:xfrm>
               <a:prstGeom prst="rect">
@@ -14052,6 +14492,425 @@
     <p:extLst>
       <p:ext uri="{BB962C8B-B14F-4D97-AF65-F5344CB8AC3E}">
         <p14:creationId xmlns:p14="http://schemas.microsoft.com/office/powerpoint/2010/main" val="3081321988"/>
+      </p:ext>
+    </p:extLst>
+  </p:cSld>
+  <p:clrMapOvr>
+    <a:masterClrMapping/>
+  </p:clrMapOvr>
+</p:sld>
+</file>
+
+<file path=ppt/slides/slide17.xml><?xml version="1.0" encoding="utf-8"?>
+<p:sld xmlns:a="http://schemas.openxmlformats.org/drawingml/2006/main" xmlns:r="http://schemas.openxmlformats.org/officeDocument/2006/relationships" xmlns:p="http://schemas.openxmlformats.org/presentationml/2006/main">
+  <p:cSld>
+    <p:spTree>
+      <p:nvGrpSpPr>
+        <p:cNvPr id="1" name=""/>
+        <p:cNvGrpSpPr/>
+        <p:nvPr/>
+      </p:nvGrpSpPr>
+      <p:grpSpPr>
+        <a:xfrm>
+          <a:off x="0" y="0"/>
+          <a:ext cx="0" cy="0"/>
+          <a:chOff x="0" y="0"/>
+          <a:chExt cx="0" cy="0"/>
+        </a:xfrm>
+      </p:grpSpPr>
+      <p:sp>
+        <p:nvSpPr>
+          <p:cNvPr id="2" name="タイトル 1">
+            <a:extLst>
+              <a:ext uri="{FF2B5EF4-FFF2-40B4-BE49-F238E27FC236}">
+                <a16:creationId xmlns:a16="http://schemas.microsoft.com/office/drawing/2014/main" id="{E096282C-0D93-8090-EAC3-2DAF857D9DE5}"/>
+              </a:ext>
+            </a:extLst>
+          </p:cNvPr>
+          <p:cNvSpPr>
+            <a:spLocks noGrp="1"/>
+          </p:cNvSpPr>
+          <p:nvPr>
+            <p:ph type="title"/>
+          </p:nvPr>
+        </p:nvSpPr>
+        <p:spPr/>
+        <p:txBody>
+          <a:bodyPr/>
+          <a:lstStyle/>
+          <a:p>
+            <a:r>
+              <a:rPr kumimoji="1" lang="ja-JP" altLang="en-US" dirty="0"/>
+              <a:t>閾電圧の推定</a:t>
+            </a:r>
+          </a:p>
+        </p:txBody>
+      </p:sp>
+      <p:sp>
+        <p:nvSpPr>
+          <p:cNvPr id="3" name="スライド番号プレースホルダー 2">
+            <a:extLst>
+              <a:ext uri="{FF2B5EF4-FFF2-40B4-BE49-F238E27FC236}">
+                <a16:creationId xmlns:a16="http://schemas.microsoft.com/office/drawing/2014/main" id="{9857D444-6511-CA24-69DB-EBB163E866BC}"/>
+              </a:ext>
+            </a:extLst>
+          </p:cNvPr>
+          <p:cNvSpPr>
+            <a:spLocks noGrp="1"/>
+          </p:cNvSpPr>
+          <p:nvPr>
+            <p:ph type="sldNum" sz="quarter" idx="12"/>
+          </p:nvPr>
+        </p:nvSpPr>
+        <p:spPr/>
+        <p:txBody>
+          <a:bodyPr/>
+          <a:lstStyle/>
+          <a:p>
+            <a:fld id="{BAC09C9C-7DB0-444B-A568-405A39CC84C0}" type="slidenum">
+              <a:rPr kumimoji="1" lang="ja-JP" altLang="en-US" smtClean="0"/>
+              <a:t>17</a:t>
+            </a:fld>
+            <a:endParaRPr kumimoji="1" lang="ja-JP" altLang="en-US"/>
+          </a:p>
+        </p:txBody>
+      </p:sp>
+      <mc:AlternateContent xmlns:mc="http://schemas.openxmlformats.org/markup-compatibility/2006">
+        <mc:Choice xmlns:a14="http://schemas.microsoft.com/office/drawing/2010/main" Requires="a14">
+          <p:sp>
+            <p:nvSpPr>
+              <p:cNvPr id="4" name="テキスト ボックス 3">
+                <a:extLst>
+                  <a:ext uri="{FF2B5EF4-FFF2-40B4-BE49-F238E27FC236}">
+                    <a16:creationId xmlns:a16="http://schemas.microsoft.com/office/drawing/2014/main" id="{FEDF649C-20E3-7517-9795-95B5B7CFC763}"/>
+                  </a:ext>
+                </a:extLst>
+              </p:cNvPr>
+              <p:cNvSpPr txBox="1"/>
+              <p:nvPr/>
+            </p:nvSpPr>
+            <p:spPr>
+              <a:xfrm>
+                <a:off x="6096000" y="2035277"/>
+                <a:ext cx="5624051" cy="3124894"/>
+              </a:xfrm>
+              <a:prstGeom prst="rect">
+                <a:avLst/>
+              </a:prstGeom>
+              <a:noFill/>
+            </p:spPr>
+            <p:txBody>
+              <a:bodyPr wrap="square" rtlCol="0">
+                <a:spAutoFit/>
+              </a:bodyPr>
+              <a:lstStyle/>
+              <a:p>
+                <a:pPr algn="l"/>
+                <a:r>
+                  <a:rPr kumimoji="1" lang="ja-JP" altLang="en-US" sz="2400" dirty="0"/>
+                  <a:t>チャネル形状は変化させないので、各ソース電位においてゲートソース間電圧をスイープさせ、</a:t>
+                </a:r>
+                <a14:m>
+                  <m:oMath xmlns:m="http://schemas.openxmlformats.org/officeDocument/2006/math">
+                    <m:r>
+                      <a:rPr kumimoji="1" lang="en-US" altLang="ja-JP" sz="2400" b="0" i="1" smtClean="0">
+                        <a:latin typeface="Cambria Math" panose="02040503050406030204" pitchFamily="18" charset="0"/>
+                      </a:rPr>
+                      <m:t>0.7 </m:t>
+                    </m:r>
+                    <m:r>
+                      <m:rPr>
+                        <m:sty m:val="p"/>
+                      </m:rPr>
+                      <a:rPr kumimoji="1" lang="en-US" altLang="ja-JP" sz="2400" b="0" i="0" smtClean="0">
+                        <a:latin typeface="Cambria Math" panose="02040503050406030204" pitchFamily="18" charset="0"/>
+                      </a:rPr>
+                      <m:t>V</m:t>
+                    </m:r>
+                  </m:oMath>
+                </a14:m>
+                <a:r>
+                  <a:rPr kumimoji="1" lang="ja-JP" altLang="en-US" sz="2400" dirty="0"/>
+                  <a:t>付近で</a:t>
+                </a:r>
+                <a14:m>
+                  <m:oMath xmlns:m="http://schemas.openxmlformats.org/officeDocument/2006/math">
+                    <m:rad>
+                      <m:radPr>
+                        <m:degHide m:val="on"/>
+                        <m:ctrlPr>
+                          <a:rPr kumimoji="1" lang="en-US" altLang="ja-JP" sz="2400" b="0" i="1" smtClean="0">
+                            <a:latin typeface="Cambria Math" panose="02040503050406030204" pitchFamily="18" charset="0"/>
+                          </a:rPr>
+                        </m:ctrlPr>
+                      </m:radPr>
+                      <m:deg/>
+                      <m:e>
+                        <m:sSub>
+                          <m:sSubPr>
+                            <m:ctrlPr>
+                              <a:rPr kumimoji="1" lang="en-US" altLang="ja-JP" sz="2400" b="0" i="1" smtClean="0">
+                                <a:latin typeface="Cambria Math" panose="02040503050406030204" pitchFamily="18" charset="0"/>
+                              </a:rPr>
+                            </m:ctrlPr>
+                          </m:sSubPr>
+                          <m:e>
+                            <m:r>
+                              <a:rPr kumimoji="1" lang="en-US" altLang="ja-JP" sz="2400" b="0" i="1" smtClean="0">
+                                <a:latin typeface="Cambria Math" panose="02040503050406030204" pitchFamily="18" charset="0"/>
+                              </a:rPr>
+                              <m:t>𝐼</m:t>
+                            </m:r>
+                          </m:e>
+                          <m:sub>
+                            <m:r>
+                              <a:rPr kumimoji="1" lang="en-US" altLang="ja-JP" sz="2400" b="0" i="1" smtClean="0">
+                                <a:latin typeface="Cambria Math" panose="02040503050406030204" pitchFamily="18" charset="0"/>
+                              </a:rPr>
+                              <m:t>𝐷</m:t>
+                            </m:r>
+                          </m:sub>
+                        </m:sSub>
+                      </m:e>
+                    </m:rad>
+                    <m:r>
+                      <a:rPr kumimoji="1" lang="en-US" altLang="ja-JP" sz="2400" b="0" i="1" smtClean="0">
+                        <a:latin typeface="Cambria Math" panose="02040503050406030204" pitchFamily="18" charset="0"/>
+                      </a:rPr>
+                      <m:t>−</m:t>
+                    </m:r>
+                    <m:sSub>
+                      <m:sSubPr>
+                        <m:ctrlPr>
+                          <a:rPr kumimoji="1" lang="en-US" altLang="ja-JP" sz="2400" b="0" i="1" smtClean="0">
+                            <a:latin typeface="Cambria Math" panose="02040503050406030204" pitchFamily="18" charset="0"/>
+                          </a:rPr>
+                        </m:ctrlPr>
+                      </m:sSubPr>
+                      <m:e>
+                        <m:r>
+                          <a:rPr kumimoji="1" lang="en-US" altLang="ja-JP" sz="2400" b="0" i="1" smtClean="0">
+                            <a:latin typeface="Cambria Math" panose="02040503050406030204" pitchFamily="18" charset="0"/>
+                          </a:rPr>
+                          <m:t>𝑉</m:t>
+                        </m:r>
+                      </m:e>
+                      <m:sub>
+                        <m:r>
+                          <a:rPr kumimoji="1" lang="en-US" altLang="ja-JP" sz="2400" b="0" i="1" smtClean="0">
+                            <a:latin typeface="Cambria Math" panose="02040503050406030204" pitchFamily="18" charset="0"/>
+                          </a:rPr>
+                          <m:t>𝐺𝑆</m:t>
+                        </m:r>
+                      </m:sub>
+                    </m:sSub>
+                  </m:oMath>
+                </a14:m>
+                <a:r>
+                  <a:rPr kumimoji="1" lang="ja-JP" altLang="en-US" sz="2400" dirty="0"/>
+                  <a:t>特性を線形近似し、</a:t>
+                </a:r>
+                <a14:m>
+                  <m:oMath xmlns:m="http://schemas.openxmlformats.org/officeDocument/2006/math">
+                    <m:r>
+                      <a:rPr kumimoji="1" lang="en-US" altLang="ja-JP" sz="2400" b="0" i="1" smtClean="0">
+                        <a:latin typeface="Cambria Math" panose="02040503050406030204" pitchFamily="18" charset="0"/>
+                      </a:rPr>
+                      <m:t>𝑥</m:t>
+                    </m:r>
+                  </m:oMath>
+                </a14:m>
+                <a:r>
+                  <a:rPr kumimoji="1" lang="ja-JP" altLang="en-US" sz="2400" dirty="0"/>
+                  <a:t>切片を閾電圧とした。</a:t>
+                </a:r>
+                <a:endParaRPr kumimoji="1" lang="en-US" altLang="ja-JP" sz="2400" dirty="0"/>
+              </a:p>
+              <a:p>
+                <a:pPr algn="l"/>
+                <a:endParaRPr lang="en-US" altLang="ja-JP" sz="2400" dirty="0"/>
+              </a:p>
+              <a:p>
+                <a:r>
+                  <a:rPr kumimoji="1" lang="ja-JP" altLang="en-US" sz="2400" dirty="0"/>
+                  <a:t>左はソース電位が</a:t>
+                </a:r>
+                <a14:m>
+                  <m:oMath xmlns:m="http://schemas.openxmlformats.org/officeDocument/2006/math">
+                    <m:r>
+                      <a:rPr kumimoji="1" lang="en-US" altLang="ja-JP" sz="2400" b="0" i="1" smtClean="0">
+                        <a:latin typeface="Cambria Math" panose="02040503050406030204" pitchFamily="18" charset="0"/>
+                      </a:rPr>
+                      <m:t>0 </m:t>
+                    </m:r>
+                    <m:r>
+                      <m:rPr>
+                        <m:sty m:val="p"/>
+                      </m:rPr>
+                      <a:rPr kumimoji="1" lang="en-US" altLang="ja-JP" sz="2400" b="0" i="0" smtClean="0">
+                        <a:latin typeface="Cambria Math" panose="02040503050406030204" pitchFamily="18" charset="0"/>
+                      </a:rPr>
+                      <m:t>V</m:t>
+                    </m:r>
+                    <m:r>
+                      <a:rPr kumimoji="1" lang="en-US" altLang="ja-JP" sz="2400" b="0" i="1" smtClean="0">
+                        <a:latin typeface="Cambria Math" panose="02040503050406030204" pitchFamily="18" charset="0"/>
+                      </a:rPr>
+                      <m:t>,0.2 </m:t>
+                    </m:r>
+                    <m:r>
+                      <m:rPr>
+                        <m:sty m:val="p"/>
+                      </m:rPr>
+                      <a:rPr kumimoji="1" lang="en-US" altLang="ja-JP" sz="2400" b="0" i="0" smtClean="0">
+                        <a:latin typeface="Cambria Math" panose="02040503050406030204" pitchFamily="18" charset="0"/>
+                      </a:rPr>
+                      <m:t>V</m:t>
+                    </m:r>
+                    <m:r>
+                      <a:rPr kumimoji="1" lang="en-US" altLang="ja-JP" sz="2400" b="0" i="1" smtClean="0">
+                        <a:latin typeface="Cambria Math" panose="02040503050406030204" pitchFamily="18" charset="0"/>
+                      </a:rPr>
+                      <m:t>,0.7 </m:t>
+                    </m:r>
+                    <m:r>
+                      <m:rPr>
+                        <m:sty m:val="p"/>
+                      </m:rPr>
+                      <a:rPr kumimoji="1" lang="en-US" altLang="ja-JP" sz="2400" b="0" i="0" smtClean="0">
+                        <a:latin typeface="Cambria Math" panose="02040503050406030204" pitchFamily="18" charset="0"/>
+                      </a:rPr>
+                      <m:t>V</m:t>
+                    </m:r>
+                  </m:oMath>
+                </a14:m>
+                <a:r>
+                  <a:rPr kumimoji="1" lang="ja-JP" altLang="en-US" sz="2400" dirty="0"/>
+                  <a:t>での</a:t>
+                </a:r>
+                <a14:m>
+                  <m:oMath xmlns:m="http://schemas.openxmlformats.org/officeDocument/2006/math">
+                    <m:sSub>
+                      <m:sSubPr>
+                        <m:ctrlPr>
+                          <a:rPr lang="en-US" altLang="ja-JP" sz="2400" b="0" i="0" smtClean="0">
+                            <a:latin typeface="Cambria Math" panose="02040503050406030204" pitchFamily="18" charset="0"/>
+                          </a:rPr>
+                        </m:ctrlPr>
+                      </m:sSubPr>
+                      <m:e>
+                        <m:r>
+                          <m:rPr>
+                            <m:sty m:val="p"/>
+                          </m:rPr>
+                          <a:rPr lang="en-US" altLang="ja-JP" sz="2400" b="0" i="0" smtClean="0">
+                            <a:latin typeface="Cambria Math" panose="02040503050406030204" pitchFamily="18" charset="0"/>
+                          </a:rPr>
+                          <m:t>I</m:t>
+                        </m:r>
+                      </m:e>
+                      <m:sub>
+                        <m:r>
+                          <m:rPr>
+                            <m:sty m:val="p"/>
+                          </m:rPr>
+                          <a:rPr lang="en-US" altLang="ja-JP" sz="2400" b="0" i="0" smtClean="0">
+                            <a:latin typeface="Cambria Math" panose="02040503050406030204" pitchFamily="18" charset="0"/>
+                          </a:rPr>
+                          <m:t>D</m:t>
+                        </m:r>
+                      </m:sub>
+                    </m:sSub>
+                    <m:r>
+                      <a:rPr lang="en-US" altLang="ja-JP" sz="2400" i="1">
+                        <a:latin typeface="Cambria Math" panose="02040503050406030204" pitchFamily="18" charset="0"/>
+                      </a:rPr>
+                      <m:t>−</m:t>
+                    </m:r>
+                    <m:sSub>
+                      <m:sSubPr>
+                        <m:ctrlPr>
+                          <a:rPr lang="en-US" altLang="ja-JP" sz="2400" i="1">
+                            <a:latin typeface="Cambria Math" panose="02040503050406030204" pitchFamily="18" charset="0"/>
+                          </a:rPr>
+                        </m:ctrlPr>
+                      </m:sSubPr>
+                      <m:e>
+                        <m:r>
+                          <a:rPr lang="en-US" altLang="ja-JP" sz="2400" i="1">
+                            <a:latin typeface="Cambria Math" panose="02040503050406030204" pitchFamily="18" charset="0"/>
+                          </a:rPr>
+                          <m:t>𝑉</m:t>
+                        </m:r>
+                      </m:e>
+                      <m:sub>
+                        <m:r>
+                          <a:rPr lang="en-US" altLang="ja-JP" sz="2400" i="1">
+                            <a:latin typeface="Cambria Math" panose="02040503050406030204" pitchFamily="18" charset="0"/>
+                          </a:rPr>
+                          <m:t>𝐺𝑆</m:t>
+                        </m:r>
+                      </m:sub>
+                    </m:sSub>
+                  </m:oMath>
+                </a14:m>
+                <a:r>
+                  <a:rPr lang="ja-JP" altLang="en-US" sz="2400" dirty="0"/>
+                  <a:t>特性である。</a:t>
+                </a:r>
+              </a:p>
+            </p:txBody>
+          </p:sp>
+        </mc:Choice>
+        <mc:Fallback>
+          <p:sp>
+            <p:nvSpPr>
+              <p:cNvPr id="4" name="テキスト ボックス 3">
+                <a:extLst>
+                  <a:ext uri="{FF2B5EF4-FFF2-40B4-BE49-F238E27FC236}">
+                    <a16:creationId xmlns:a16="http://schemas.microsoft.com/office/drawing/2014/main" id="{FEDF649C-20E3-7517-9795-95B5B7CFC763}"/>
+                  </a:ext>
+                </a:extLst>
+              </p:cNvPr>
+              <p:cNvSpPr txBox="1">
+                <a:spLocks noRot="1" noChangeAspect="1" noMove="1" noResize="1" noEditPoints="1" noAdjustHandles="1" noChangeArrowheads="1" noChangeShapeType="1" noTextEdit="1"/>
+              </p:cNvSpPr>
+              <p:nvPr/>
+            </p:nvSpPr>
+            <p:spPr>
+              <a:xfrm>
+                <a:off x="6096000" y="2035277"/>
+                <a:ext cx="5624051" cy="3124894"/>
+              </a:xfrm>
+              <a:prstGeom prst="rect">
+                <a:avLst/>
+              </a:prstGeom>
+              <a:blipFill>
+                <a:blip r:embed="rId2"/>
+                <a:stretch>
+                  <a:fillRect l="-1625" t="-1563" b="-3711"/>
+                </a:stretch>
+              </a:blipFill>
+            </p:spPr>
+            <p:txBody>
+              <a:bodyPr/>
+              <a:lstStyle/>
+              <a:p>
+                <a:r>
+                  <a:rPr lang="ja-JP" altLang="en-US">
+                    <a:noFill/>
+                  </a:rPr>
+                  <a:t> </a:t>
+                </a:r>
+              </a:p>
+            </p:txBody>
+          </p:sp>
+        </mc:Fallback>
+      </mc:AlternateContent>
+    </p:spTree>
+    <p:extLst>
+      <p:ext uri="{BB962C8B-B14F-4D97-AF65-F5344CB8AC3E}">
+        <p14:creationId xmlns:p14="http://schemas.microsoft.com/office/powerpoint/2010/main" val="733481459"/>
       </p:ext>
     </p:extLst>
   </p:cSld>

--- a/folded_gilbert/20230703/進捗報告 ギルバートセルの設計.pptx
+++ b/folded_gilbert/20230703/進捗報告 ギルバートセルの設計.pptx
@@ -5,7 +5,7 @@
     <p:sldMasterId id="2147483648" r:id="rId1"/>
   </p:sldMasterIdLst>
   <p:notesMasterIdLst>
-    <p:notesMasterId r:id="rId19"/>
+    <p:notesMasterId r:id="rId20"/>
   </p:notesMasterIdLst>
   <p:sldIdLst>
     <p:sldId id="256" r:id="rId2"/>
@@ -13,18 +13,19 @@
     <p:sldId id="260" r:id="rId4"/>
     <p:sldId id="257" r:id="rId5"/>
     <p:sldId id="263" r:id="rId6"/>
-    <p:sldId id="264" r:id="rId7"/>
-    <p:sldId id="265" r:id="rId8"/>
-    <p:sldId id="266" r:id="rId9"/>
-    <p:sldId id="267" r:id="rId10"/>
-    <p:sldId id="271" r:id="rId11"/>
-    <p:sldId id="269" r:id="rId12"/>
-    <p:sldId id="270" r:id="rId13"/>
-    <p:sldId id="268" r:id="rId14"/>
-    <p:sldId id="272" r:id="rId15"/>
-    <p:sldId id="273" r:id="rId16"/>
-    <p:sldId id="274" r:id="rId17"/>
-    <p:sldId id="275" r:id="rId18"/>
+    <p:sldId id="276" r:id="rId7"/>
+    <p:sldId id="277" r:id="rId8"/>
+    <p:sldId id="265" r:id="rId9"/>
+    <p:sldId id="266" r:id="rId10"/>
+    <p:sldId id="267" r:id="rId11"/>
+    <p:sldId id="271" r:id="rId12"/>
+    <p:sldId id="269" r:id="rId13"/>
+    <p:sldId id="270" r:id="rId14"/>
+    <p:sldId id="268" r:id="rId15"/>
+    <p:sldId id="272" r:id="rId16"/>
+    <p:sldId id="273" r:id="rId17"/>
+    <p:sldId id="274" r:id="rId18"/>
+    <p:sldId id="275" r:id="rId19"/>
   </p:sldIdLst>
   <p:sldSz cx="12192000" cy="6858000"/>
   <p:notesSz cx="6858000" cy="9144000"/>
@@ -124,6 +125,32 @@
     </a:lvl9pPr>
   </p:defaultTextStyle>
   <p:extLst>
+    <p:ext uri="{521415D9-36F7-43E2-AB2F-B90AF26B5E84}">
+      <p14:sectionLst xmlns:p14="http://schemas.microsoft.com/office/powerpoint/2010/main">
+        <p14:section name="既定のセクション" id="{31B30C2B-1CD9-4A3F-AACA-187D0F9E7044}">
+          <p14:sldIdLst>
+            <p14:sldId id="256"/>
+            <p14:sldId id="259"/>
+            <p14:sldId id="260"/>
+            <p14:sldId id="257"/>
+            <p14:sldId id="263"/>
+            <p14:sldId id="276"/>
+            <p14:sldId id="277"/>
+            <p14:sldId id="265"/>
+            <p14:sldId id="266"/>
+            <p14:sldId id="267"/>
+            <p14:sldId id="271"/>
+            <p14:sldId id="269"/>
+            <p14:sldId id="270"/>
+            <p14:sldId id="268"/>
+            <p14:sldId id="272"/>
+            <p14:sldId id="273"/>
+            <p14:sldId id="274"/>
+            <p14:sldId id="275"/>
+          </p14:sldIdLst>
+        </p14:section>
+      </p14:sectionLst>
+    </p:ext>
     <p:ext uri="{EFAFB233-063F-42B5-8137-9DF3F51BA10A}">
       <p15:sldGuideLst xmlns:p15="http://schemas.microsoft.com/office/powerpoint/2012/main"/>
     </p:ext>
@@ -722,7 +749,7 @@
           <a:p>
             <a:fld id="{E76CE91C-0327-48DE-84F2-3453F9CC8E8D}" type="slidenum">
               <a:rPr kumimoji="1" lang="ja-JP" altLang="en-US" smtClean="0"/>
-              <a:t>11</a:t>
+              <a:t>12</a:t>
             </a:fld>
             <a:endParaRPr kumimoji="1" lang="ja-JP" altLang="en-US"/>
           </a:p>
@@ -4376,6 +4403,1503 @@
           <p:cNvPr id="2" name="タイトル 1">
             <a:extLst>
               <a:ext uri="{FF2B5EF4-FFF2-40B4-BE49-F238E27FC236}">
+                <a16:creationId xmlns:a16="http://schemas.microsoft.com/office/drawing/2014/main" id="{31B2943F-5BF2-E5C8-E087-58FB702DA8C9}"/>
+              </a:ext>
+            </a:extLst>
+          </p:cNvPr>
+          <p:cNvSpPr>
+            <a:spLocks noGrp="1"/>
+          </p:cNvSpPr>
+          <p:nvPr>
+            <p:ph type="title"/>
+          </p:nvPr>
+        </p:nvSpPr>
+        <p:spPr/>
+        <p:txBody>
+          <a:bodyPr/>
+          <a:lstStyle/>
+          <a:p>
+            <a:r>
+              <a:rPr lang="ja-JP" altLang="en-US" dirty="0"/>
+              <a:t>直流設計 </a:t>
+            </a:r>
+            <a:r>
+              <a:rPr lang="en-US" altLang="ja-JP" dirty="0"/>
+              <a:t>– </a:t>
+            </a:r>
+            <a:r>
+              <a:rPr lang="ja-JP" altLang="en-US" dirty="0"/>
+              <a:t>電圧値</a:t>
+            </a:r>
+          </a:p>
+        </p:txBody>
+      </p:sp>
+      <p:sp>
+        <p:nvSpPr>
+          <p:cNvPr id="3" name="スライド番号プレースホルダー 2">
+            <a:extLst>
+              <a:ext uri="{FF2B5EF4-FFF2-40B4-BE49-F238E27FC236}">
+                <a16:creationId xmlns:a16="http://schemas.microsoft.com/office/drawing/2014/main" id="{F6906DFE-F0E2-9E6D-9FDA-EAA817281D39}"/>
+              </a:ext>
+            </a:extLst>
+          </p:cNvPr>
+          <p:cNvSpPr>
+            <a:spLocks noGrp="1"/>
+          </p:cNvSpPr>
+          <p:nvPr>
+            <p:ph type="sldNum" sz="quarter" idx="12"/>
+          </p:nvPr>
+        </p:nvSpPr>
+        <p:spPr/>
+        <p:txBody>
+          <a:bodyPr/>
+          <a:lstStyle/>
+          <a:p>
+            <a:fld id="{BAC09C9C-7DB0-444B-A568-405A39CC84C0}" type="slidenum">
+              <a:rPr kumimoji="1" lang="ja-JP" altLang="en-US" smtClean="0"/>
+              <a:t>10</a:t>
+            </a:fld>
+            <a:endParaRPr kumimoji="1" lang="ja-JP" altLang="en-US"/>
+          </a:p>
+        </p:txBody>
+      </p:sp>
+      <p:pic>
+        <p:nvPicPr>
+          <p:cNvPr id="4" name="図 3" descr="星のマーク&#10;&#10;中程度の精度で自動的に生成された説明">
+            <a:extLst>
+              <a:ext uri="{FF2B5EF4-FFF2-40B4-BE49-F238E27FC236}">
+                <a16:creationId xmlns:a16="http://schemas.microsoft.com/office/drawing/2014/main" id="{F65043F3-84B5-4FC9-84EC-62316BBFA026}"/>
+              </a:ext>
+            </a:extLst>
+          </p:cNvPr>
+          <p:cNvPicPr>
+            <a:picLocks noChangeAspect="1"/>
+          </p:cNvPicPr>
+          <p:nvPr/>
+        </p:nvPicPr>
+        <p:blipFill>
+          <a:blip r:embed="rId2">
+            <a:extLst>
+              <a:ext uri="{28A0092B-C50C-407E-A947-70E740481C1C}">
+                <a14:useLocalDpi xmlns:a14="http://schemas.microsoft.com/office/drawing/2010/main" val="0"/>
+              </a:ext>
+            </a:extLst>
+          </a:blip>
+          <a:stretch>
+            <a:fillRect/>
+          </a:stretch>
+        </p:blipFill>
+        <p:spPr>
+          <a:xfrm>
+            <a:off x="-380172" y="1192271"/>
+            <a:ext cx="7288621" cy="5576170"/>
+          </a:xfrm>
+          <a:prstGeom prst="rect">
+            <a:avLst/>
+          </a:prstGeom>
+        </p:spPr>
+      </p:pic>
+      <mc:AlternateContent xmlns:mc="http://schemas.openxmlformats.org/markup-compatibility/2006" xmlns:a14="http://schemas.microsoft.com/office/drawing/2010/main">
+        <mc:Choice Requires="a14">
+          <p:graphicFrame>
+            <p:nvGraphicFramePr>
+              <p:cNvPr id="5" name="表 5">
+                <a:extLst>
+                  <a:ext uri="{FF2B5EF4-FFF2-40B4-BE49-F238E27FC236}">
+                    <a16:creationId xmlns:a16="http://schemas.microsoft.com/office/drawing/2014/main" id="{E11DF7B4-A9E5-3F71-9700-02E5CFE547B2}"/>
+                  </a:ext>
+                </a:extLst>
+              </p:cNvPr>
+              <p:cNvGraphicFramePr>
+                <a:graphicFrameLocks noGrp="1"/>
+              </p:cNvGraphicFramePr>
+              <p:nvPr>
+                <p:extLst>
+                  <p:ext uri="{D42A27DB-BD31-4B8C-83A1-F6EECF244321}">
+                    <p14:modId xmlns:p14="http://schemas.microsoft.com/office/powerpoint/2010/main" val="355353991"/>
+                  </p:ext>
+                </p:extLst>
+              </p:nvPr>
+            </p:nvGraphicFramePr>
+            <p:xfrm>
+              <a:off x="6908449" y="1403245"/>
+              <a:ext cx="4751876" cy="1549868"/>
+            </p:xfrm>
+            <a:graphic>
+              <a:graphicData uri="http://schemas.openxmlformats.org/drawingml/2006/table">
+                <a:tbl>
+                  <a:tblPr bandRow="1">
+                    <a:tableStyleId>{7DF18680-E054-41AD-8BC1-D1AEF772440D}</a:tableStyleId>
+                  </a:tblPr>
+                  <a:tblGrid>
+                    <a:gridCol w="1187969">
+                      <a:extLst>
+                        <a:ext uri="{9D8B030D-6E8A-4147-A177-3AD203B41FA5}">
+                          <a16:colId xmlns:a16="http://schemas.microsoft.com/office/drawing/2014/main" val="313841952"/>
+                        </a:ext>
+                      </a:extLst>
+                    </a:gridCol>
+                    <a:gridCol w="1187969">
+                      <a:extLst>
+                        <a:ext uri="{9D8B030D-6E8A-4147-A177-3AD203B41FA5}">
+                          <a16:colId xmlns:a16="http://schemas.microsoft.com/office/drawing/2014/main" val="3311747053"/>
+                        </a:ext>
+                      </a:extLst>
+                    </a:gridCol>
+                    <a:gridCol w="1187969">
+                      <a:extLst>
+                        <a:ext uri="{9D8B030D-6E8A-4147-A177-3AD203B41FA5}">
+                          <a16:colId xmlns:a16="http://schemas.microsoft.com/office/drawing/2014/main" val="1512227238"/>
+                        </a:ext>
+                      </a:extLst>
+                    </a:gridCol>
+                    <a:gridCol w="1187969">
+                      <a:extLst>
+                        <a:ext uri="{9D8B030D-6E8A-4147-A177-3AD203B41FA5}">
+                          <a16:colId xmlns:a16="http://schemas.microsoft.com/office/drawing/2014/main" val="1269662841"/>
+                        </a:ext>
+                      </a:extLst>
+                    </a:gridCol>
+                  </a:tblGrid>
+                  <a:tr h="387467">
+                    <a:tc gridSpan="4">
+                      <a:txBody>
+                        <a:bodyPr/>
+                        <a:lstStyle/>
+                        <a:p>
+                          <a:pPr algn="ctr"/>
+                          <a14:m>
+                            <m:oMathPara xmlns:m="http://schemas.openxmlformats.org/officeDocument/2006/math">
+                              <m:oMathParaPr>
+                                <m:jc m:val="centerGroup"/>
+                              </m:oMathParaPr>
+                              <m:oMath xmlns:m="http://schemas.openxmlformats.org/officeDocument/2006/math">
+                                <m:r>
+                                  <a:rPr kumimoji="1" lang="ja-JP" altLang="en-US" b="0" i="1" smtClean="0">
+                                    <a:latin typeface="Cambria Math" panose="02040503050406030204" pitchFamily="18" charset="0"/>
+                                  </a:rPr>
+                                  <m:t>直流電位</m:t>
+                                </m:r>
+                                <m:r>
+                                  <a:rPr kumimoji="1" lang="en-US" altLang="ja-JP" b="0" i="0" smtClean="0">
+                                    <a:latin typeface="Cambria Math" panose="02040503050406030204" pitchFamily="18" charset="0"/>
+                                  </a:rPr>
+                                  <m:t> [</m:t>
+                                </m:r>
+                                <m:r>
+                                  <m:rPr>
+                                    <m:sty m:val="p"/>
+                                  </m:rPr>
+                                  <a:rPr kumimoji="1" lang="en-US" altLang="ja-JP" b="0" i="0" smtClean="0">
+                                    <a:latin typeface="Cambria Math" panose="02040503050406030204" pitchFamily="18" charset="0"/>
+                                  </a:rPr>
+                                  <m:t>V</m:t>
+                                </m:r>
+                                <m:r>
+                                  <a:rPr kumimoji="1" lang="en-US" altLang="ja-JP" b="0" i="1" smtClean="0">
+                                    <a:latin typeface="Cambria Math" panose="02040503050406030204" pitchFamily="18" charset="0"/>
+                                  </a:rPr>
+                                  <m:t>]</m:t>
+                                </m:r>
+                              </m:oMath>
+                            </m:oMathPara>
+                          </a14:m>
+                          <a:endParaRPr kumimoji="1" lang="ja-JP" altLang="en-US" dirty="0"/>
+                        </a:p>
+                      </a:txBody>
+                      <a:tcPr/>
+                    </a:tc>
+                    <a:tc hMerge="1">
+                      <a:txBody>
+                        <a:bodyPr/>
+                        <a:lstStyle/>
+                        <a:p>
+                          <a:pPr algn="ctr"/>
+                          <a:endParaRPr kumimoji="1" lang="ja-JP" altLang="en-US" dirty="0"/>
+                        </a:p>
+                      </a:txBody>
+                      <a:tcPr/>
+                    </a:tc>
+                    <a:tc hMerge="1">
+                      <a:txBody>
+                        <a:bodyPr/>
+                        <a:lstStyle/>
+                        <a:p>
+                          <a:pPr algn="ctr"/>
+                          <a:endParaRPr kumimoji="1" lang="ja-JP" altLang="en-US" dirty="0"/>
+                        </a:p>
+                      </a:txBody>
+                      <a:tcPr/>
+                    </a:tc>
+                    <a:tc hMerge="1">
+                      <a:txBody>
+                        <a:bodyPr/>
+                        <a:lstStyle/>
+                        <a:p>
+                          <a:pPr algn="ctr"/>
+                          <a:endParaRPr kumimoji="1" lang="ja-JP" altLang="en-US" dirty="0"/>
+                        </a:p>
+                      </a:txBody>
+                      <a:tcPr/>
+                    </a:tc>
+                    <a:extLst>
+                      <a:ext uri="{0D108BD9-81ED-4DB2-BD59-A6C34878D82A}">
+                        <a16:rowId xmlns:a16="http://schemas.microsoft.com/office/drawing/2014/main" val="3562636491"/>
+                      </a:ext>
+                    </a:extLst>
+                  </a:tr>
+                  <a:tr h="387467">
+                    <a:tc>
+                      <a:txBody>
+                        <a:bodyPr/>
+                        <a:lstStyle/>
+                        <a:p>
+                          <a:pPr algn="ctr"/>
+                          <a14:m>
+                            <m:oMathPara xmlns:m="http://schemas.openxmlformats.org/officeDocument/2006/math">
+                              <m:oMathParaPr>
+                                <m:jc m:val="centerGroup"/>
+                              </m:oMathParaPr>
+                              <m:oMath xmlns:m="http://schemas.openxmlformats.org/officeDocument/2006/math">
+                                <m:sSub>
+                                  <m:sSubPr>
+                                    <m:ctrlPr>
+                                      <a:rPr kumimoji="1" lang="en-US" altLang="ja-JP" b="0" i="1" smtClean="0">
+                                        <a:latin typeface="Cambria Math" panose="02040503050406030204" pitchFamily="18" charset="0"/>
+                                      </a:rPr>
+                                    </m:ctrlPr>
+                                  </m:sSubPr>
+                                  <m:e>
+                                    <m:r>
+                                      <a:rPr kumimoji="1" lang="en-US" altLang="ja-JP" b="0" i="1" smtClean="0">
+                                        <a:latin typeface="Cambria Math" panose="02040503050406030204" pitchFamily="18" charset="0"/>
+                                      </a:rPr>
+                                      <m:t>𝑉</m:t>
+                                    </m:r>
+                                  </m:e>
+                                  <m:sub>
+                                    <m:r>
+                                      <a:rPr kumimoji="1" lang="en-US" altLang="ja-JP" b="0" i="1" smtClean="0">
+                                        <a:latin typeface="Cambria Math" panose="02040503050406030204" pitchFamily="18" charset="0"/>
+                                      </a:rPr>
+                                      <m:t>𝑜𝑢𝑡</m:t>
+                                    </m:r>
+                                  </m:sub>
+                                </m:sSub>
+                              </m:oMath>
+                            </m:oMathPara>
+                          </a14:m>
+                          <a:endParaRPr kumimoji="1" lang="ja-JP" altLang="en-US" dirty="0"/>
+                        </a:p>
+                      </a:txBody>
+                      <a:tcPr/>
+                    </a:tc>
+                    <a:tc>
+                      <a:txBody>
+                        <a:bodyPr/>
+                        <a:lstStyle/>
+                        <a:p>
+                          <a:pPr algn="ctr"/>
+                          <a14:m>
+                            <m:oMathPara xmlns:m="http://schemas.openxmlformats.org/officeDocument/2006/math">
+                              <m:oMathParaPr>
+                                <m:jc m:val="centerGroup"/>
+                              </m:oMathParaPr>
+                              <m:oMath xmlns:m="http://schemas.openxmlformats.org/officeDocument/2006/math">
+                                <m:r>
+                                  <a:rPr kumimoji="1" lang="en-US" altLang="ja-JP" b="0" i="1" smtClean="0">
+                                    <a:latin typeface="Cambria Math" panose="02040503050406030204" pitchFamily="18" charset="0"/>
+                                  </a:rPr>
+                                  <m:t>1.5</m:t>
+                                </m:r>
+                              </m:oMath>
+                            </m:oMathPara>
+                          </a14:m>
+                          <a:endParaRPr kumimoji="1" lang="ja-JP" altLang="en-US" dirty="0"/>
+                        </a:p>
+                      </a:txBody>
+                      <a:tcPr/>
+                    </a:tc>
+                    <a:tc>
+                      <a:txBody>
+                        <a:bodyPr/>
+                        <a:lstStyle/>
+                        <a:p>
+                          <a:pPr algn="ctr"/>
+                          <a14:m>
+                            <m:oMathPara xmlns:m="http://schemas.openxmlformats.org/officeDocument/2006/math">
+                              <m:oMathParaPr>
+                                <m:jc m:val="centerGroup"/>
+                              </m:oMathParaPr>
+                              <m:oMath xmlns:m="http://schemas.openxmlformats.org/officeDocument/2006/math">
+                                <m:sSub>
+                                  <m:sSubPr>
+                                    <m:ctrlPr>
+                                      <a:rPr kumimoji="1" lang="en-US" altLang="ja-JP" b="0" i="1" smtClean="0">
+                                        <a:latin typeface="Cambria Math" panose="02040503050406030204" pitchFamily="18" charset="0"/>
+                                      </a:rPr>
+                                    </m:ctrlPr>
+                                  </m:sSubPr>
+                                  <m:e>
+                                    <m:r>
+                                      <a:rPr kumimoji="1" lang="en-US" altLang="ja-JP" b="0" i="1" smtClean="0">
+                                        <a:latin typeface="Cambria Math" panose="02040503050406030204" pitchFamily="18" charset="0"/>
+                                      </a:rPr>
+                                      <m:t>𝑉</m:t>
+                                    </m:r>
+                                  </m:e>
+                                  <m:sub>
+                                    <m:r>
+                                      <a:rPr kumimoji="1" lang="en-US" altLang="ja-JP" b="0" i="1" smtClean="0">
+                                        <a:latin typeface="Cambria Math" panose="02040503050406030204" pitchFamily="18" charset="0"/>
+                                      </a:rPr>
+                                      <m:t>𝐴</m:t>
+                                    </m:r>
+                                  </m:sub>
+                                </m:sSub>
+                              </m:oMath>
+                            </m:oMathPara>
+                          </a14:m>
+                          <a:endParaRPr kumimoji="1" lang="ja-JP" altLang="en-US" dirty="0"/>
+                        </a:p>
+                      </a:txBody>
+                      <a:tcPr/>
+                    </a:tc>
+                    <a:tc>
+                      <a:txBody>
+                        <a:bodyPr/>
+                        <a:lstStyle/>
+                        <a:p>
+                          <a:pPr algn="ctr"/>
+                          <a14:m>
+                            <m:oMathPara xmlns:m="http://schemas.openxmlformats.org/officeDocument/2006/math">
+                              <m:oMathParaPr>
+                                <m:jc m:val="centerGroup"/>
+                              </m:oMathParaPr>
+                              <m:oMath xmlns:m="http://schemas.openxmlformats.org/officeDocument/2006/math">
+                                <m:r>
+                                  <a:rPr kumimoji="1" lang="en-US" altLang="ja-JP" b="0" i="1" smtClean="0">
+                                    <a:latin typeface="Cambria Math" panose="02040503050406030204" pitchFamily="18" charset="0"/>
+                                  </a:rPr>
+                                  <m:t>1.4</m:t>
+                                </m:r>
+                              </m:oMath>
+                            </m:oMathPara>
+                          </a14:m>
+                          <a:endParaRPr kumimoji="1" lang="ja-JP" altLang="en-US" dirty="0"/>
+                        </a:p>
+                      </a:txBody>
+                      <a:tcPr/>
+                    </a:tc>
+                    <a:extLst>
+                      <a:ext uri="{0D108BD9-81ED-4DB2-BD59-A6C34878D82A}">
+                        <a16:rowId xmlns:a16="http://schemas.microsoft.com/office/drawing/2014/main" val="3003863472"/>
+                      </a:ext>
+                    </a:extLst>
+                  </a:tr>
+                  <a:tr h="387467">
+                    <a:tc>
+                      <a:txBody>
+                        <a:bodyPr/>
+                        <a:lstStyle/>
+                        <a:p>
+                          <a:pPr algn="ctr"/>
+                          <a14:m>
+                            <m:oMathPara xmlns:m="http://schemas.openxmlformats.org/officeDocument/2006/math">
+                              <m:oMathParaPr>
+                                <m:jc m:val="centerGroup"/>
+                              </m:oMathParaPr>
+                              <m:oMath xmlns:m="http://schemas.openxmlformats.org/officeDocument/2006/math">
+                                <m:sSub>
+                                  <m:sSubPr>
+                                    <m:ctrlPr>
+                                      <a:rPr kumimoji="1" lang="en-US" altLang="ja-JP" b="0" i="1" smtClean="0">
+                                        <a:latin typeface="Cambria Math" panose="02040503050406030204" pitchFamily="18" charset="0"/>
+                                      </a:rPr>
+                                    </m:ctrlPr>
+                                  </m:sSubPr>
+                                  <m:e>
+                                    <m:r>
+                                      <a:rPr kumimoji="1" lang="en-US" altLang="ja-JP" b="0" i="1" smtClean="0">
+                                        <a:latin typeface="Cambria Math" panose="02040503050406030204" pitchFamily="18" charset="0"/>
+                                      </a:rPr>
+                                      <m:t>𝑉</m:t>
+                                    </m:r>
+                                  </m:e>
+                                  <m:sub>
+                                    <m:r>
+                                      <a:rPr kumimoji="1" lang="en-US" altLang="ja-JP" b="0" i="1" smtClean="0">
+                                        <a:latin typeface="Cambria Math" panose="02040503050406030204" pitchFamily="18" charset="0"/>
+                                      </a:rPr>
+                                      <m:t>𝐴𝐵</m:t>
+                                    </m:r>
+                                  </m:sub>
+                                </m:sSub>
+                              </m:oMath>
+                            </m:oMathPara>
+                          </a14:m>
+                          <a:endParaRPr kumimoji="1" lang="ja-JP" altLang="en-US" dirty="0"/>
+                        </a:p>
+                      </a:txBody>
+                      <a:tcPr/>
+                    </a:tc>
+                    <a:tc>
+                      <a:txBody>
+                        <a:bodyPr/>
+                        <a:lstStyle/>
+                        <a:p>
+                          <a:pPr algn="ctr"/>
+                          <a14:m>
+                            <m:oMathPara xmlns:m="http://schemas.openxmlformats.org/officeDocument/2006/math">
+                              <m:oMathParaPr>
+                                <m:jc m:val="centerGroup"/>
+                              </m:oMathParaPr>
+                              <m:oMath xmlns:m="http://schemas.openxmlformats.org/officeDocument/2006/math">
+                                <m:r>
+                                  <a:rPr kumimoji="1" lang="en-US" altLang="ja-JP" b="0" i="1" smtClean="0">
+                                    <a:latin typeface="Cambria Math" panose="02040503050406030204" pitchFamily="18" charset="0"/>
+                                  </a:rPr>
+                                  <m:t>0.7</m:t>
+                                </m:r>
+                              </m:oMath>
+                            </m:oMathPara>
+                          </a14:m>
+                          <a:endParaRPr kumimoji="1" lang="ja-JP" altLang="en-US" dirty="0"/>
+                        </a:p>
+                      </a:txBody>
+                      <a:tcPr/>
+                    </a:tc>
+                    <a:tc>
+                      <a:txBody>
+                        <a:bodyPr/>
+                        <a:lstStyle/>
+                        <a:p>
+                          <a:pPr algn="ctr"/>
+                          <a14:m>
+                            <m:oMathPara xmlns:m="http://schemas.openxmlformats.org/officeDocument/2006/math">
+                              <m:oMathParaPr>
+                                <m:jc m:val="centerGroup"/>
+                              </m:oMathParaPr>
+                              <m:oMath xmlns:m="http://schemas.openxmlformats.org/officeDocument/2006/math">
+                                <m:sSub>
+                                  <m:sSubPr>
+                                    <m:ctrlPr>
+                                      <a:rPr kumimoji="1" lang="en-US" altLang="ja-JP" b="0" i="1" smtClean="0">
+                                        <a:latin typeface="Cambria Math" panose="02040503050406030204" pitchFamily="18" charset="0"/>
+                                      </a:rPr>
+                                    </m:ctrlPr>
+                                  </m:sSubPr>
+                                  <m:e>
+                                    <m:r>
+                                      <a:rPr kumimoji="1" lang="en-US" altLang="ja-JP" b="0" i="1" smtClean="0">
+                                        <a:latin typeface="Cambria Math" panose="02040503050406030204" pitchFamily="18" charset="0"/>
+                                      </a:rPr>
+                                      <m:t>𝑉</m:t>
+                                    </m:r>
+                                  </m:e>
+                                  <m:sub>
+                                    <m:r>
+                                      <a:rPr kumimoji="1" lang="en-US" altLang="ja-JP" b="0" i="1" smtClean="0">
+                                        <a:latin typeface="Cambria Math" panose="02040503050406030204" pitchFamily="18" charset="0"/>
+                                      </a:rPr>
+                                      <m:t>𝐵</m:t>
+                                    </m:r>
+                                  </m:sub>
+                                </m:sSub>
+                              </m:oMath>
+                            </m:oMathPara>
+                          </a14:m>
+                          <a:endParaRPr kumimoji="1" lang="ja-JP" altLang="en-US" dirty="0"/>
+                        </a:p>
+                      </a:txBody>
+                      <a:tcPr/>
+                    </a:tc>
+                    <a:tc>
+                      <a:txBody>
+                        <a:bodyPr/>
+                        <a:lstStyle/>
+                        <a:p>
+                          <a:pPr algn="ctr"/>
+                          <a14:m>
+                            <m:oMathPara xmlns:m="http://schemas.openxmlformats.org/officeDocument/2006/math">
+                              <m:oMathParaPr>
+                                <m:jc m:val="centerGroup"/>
+                              </m:oMathParaPr>
+                              <m:oMath xmlns:m="http://schemas.openxmlformats.org/officeDocument/2006/math">
+                                <m:r>
+                                  <a:rPr kumimoji="1" lang="en-US" altLang="ja-JP" b="0" i="1" smtClean="0">
+                                    <a:latin typeface="Cambria Math" panose="02040503050406030204" pitchFamily="18" charset="0"/>
+                                  </a:rPr>
+                                  <m:t>0.9</m:t>
+                                </m:r>
+                              </m:oMath>
+                            </m:oMathPara>
+                          </a14:m>
+                          <a:endParaRPr kumimoji="1" lang="ja-JP" altLang="en-US" dirty="0"/>
+                        </a:p>
+                      </a:txBody>
+                      <a:tcPr/>
+                    </a:tc>
+                    <a:extLst>
+                      <a:ext uri="{0D108BD9-81ED-4DB2-BD59-A6C34878D82A}">
+                        <a16:rowId xmlns:a16="http://schemas.microsoft.com/office/drawing/2014/main" val="1203789361"/>
+                      </a:ext>
+                    </a:extLst>
+                  </a:tr>
+                  <a:tr h="387467">
+                    <a:tc>
+                      <a:txBody>
+                        <a:bodyPr/>
+                        <a:lstStyle/>
+                        <a:p>
+                          <a:pPr algn="ctr"/>
+                          <a14:m>
+                            <m:oMathPara xmlns:m="http://schemas.openxmlformats.org/officeDocument/2006/math">
+                              <m:oMathParaPr>
+                                <m:jc m:val="centerGroup"/>
+                              </m:oMathParaPr>
+                              <m:oMath xmlns:m="http://schemas.openxmlformats.org/officeDocument/2006/math">
+                                <m:sSub>
+                                  <m:sSubPr>
+                                    <m:ctrlPr>
+                                      <a:rPr kumimoji="1" lang="en-US" altLang="ja-JP" b="0" i="1" smtClean="0">
+                                        <a:latin typeface="Cambria Math" panose="02040503050406030204" pitchFamily="18" charset="0"/>
+                                      </a:rPr>
+                                    </m:ctrlPr>
+                                  </m:sSubPr>
+                                  <m:e>
+                                    <m:r>
+                                      <a:rPr kumimoji="1" lang="en-US" altLang="ja-JP" b="0" i="1" smtClean="0">
+                                        <a:latin typeface="Cambria Math" panose="02040503050406030204" pitchFamily="18" charset="0"/>
+                                      </a:rPr>
+                                      <m:t>𝑉</m:t>
+                                    </m:r>
+                                  </m:e>
+                                  <m:sub>
+                                    <m:r>
+                                      <a:rPr kumimoji="1" lang="en-US" altLang="ja-JP" b="0" i="1" smtClean="0">
+                                        <a:latin typeface="Cambria Math" panose="02040503050406030204" pitchFamily="18" charset="0"/>
+                                      </a:rPr>
+                                      <m:t>𝑆</m:t>
+                                    </m:r>
+                                  </m:sub>
+                                </m:sSub>
+                              </m:oMath>
+                            </m:oMathPara>
+                          </a14:m>
+                          <a:endParaRPr kumimoji="1" lang="ja-JP" altLang="en-US" dirty="0"/>
+                        </a:p>
+                      </a:txBody>
+                      <a:tcPr/>
+                    </a:tc>
+                    <a:tc>
+                      <a:txBody>
+                        <a:bodyPr/>
+                        <a:lstStyle/>
+                        <a:p>
+                          <a:pPr algn="ctr"/>
+                          <a14:m>
+                            <m:oMathPara xmlns:m="http://schemas.openxmlformats.org/officeDocument/2006/math">
+                              <m:oMathParaPr>
+                                <m:jc m:val="centerGroup"/>
+                              </m:oMathParaPr>
+                              <m:oMath xmlns:m="http://schemas.openxmlformats.org/officeDocument/2006/math">
+                                <m:r>
+                                  <a:rPr kumimoji="1" lang="en-US" altLang="ja-JP" b="0" i="1" smtClean="0">
+                                    <a:latin typeface="Cambria Math" panose="02040503050406030204" pitchFamily="18" charset="0"/>
+                                  </a:rPr>
+                                  <m:t>0.2</m:t>
+                                </m:r>
+                              </m:oMath>
+                            </m:oMathPara>
+                          </a14:m>
+                          <a:endParaRPr kumimoji="1" lang="ja-JP" altLang="en-US" dirty="0"/>
+                        </a:p>
+                      </a:txBody>
+                      <a:tcPr/>
+                    </a:tc>
+                    <a:tc>
+                      <a:txBody>
+                        <a:bodyPr/>
+                        <a:lstStyle/>
+                        <a:p>
+                          <a:pPr algn="ctr"/>
+                          <a14:m>
+                            <m:oMathPara xmlns:m="http://schemas.openxmlformats.org/officeDocument/2006/math">
+                              <m:oMathParaPr>
+                                <m:jc m:val="centerGroup"/>
+                              </m:oMathParaPr>
+                              <m:oMath xmlns:m="http://schemas.openxmlformats.org/officeDocument/2006/math">
+                                <m:sSub>
+                                  <m:sSubPr>
+                                    <m:ctrlPr>
+                                      <a:rPr kumimoji="1" lang="en-US" altLang="ja-JP" b="0" i="1" smtClean="0">
+                                        <a:latin typeface="Cambria Math" panose="02040503050406030204" pitchFamily="18" charset="0"/>
+                                      </a:rPr>
+                                    </m:ctrlPr>
+                                  </m:sSubPr>
+                                  <m:e>
+                                    <m:r>
+                                      <a:rPr kumimoji="1" lang="en-US" altLang="ja-JP" b="0" i="1" smtClean="0">
+                                        <a:latin typeface="Cambria Math" panose="02040503050406030204" pitchFamily="18" charset="0"/>
+                                      </a:rPr>
+                                      <m:t>𝑉</m:t>
+                                    </m:r>
+                                  </m:e>
+                                  <m:sub>
+                                    <m:r>
+                                      <a:rPr kumimoji="1" lang="en-US" altLang="ja-JP" b="0" i="1" smtClean="0">
+                                        <a:latin typeface="Cambria Math" panose="02040503050406030204" pitchFamily="18" charset="0"/>
+                                      </a:rPr>
+                                      <m:t>𝐶</m:t>
+                                    </m:r>
+                                  </m:sub>
+                                </m:sSub>
+                              </m:oMath>
+                            </m:oMathPara>
+                          </a14:m>
+                          <a:endParaRPr kumimoji="1" lang="ja-JP" altLang="en-US" dirty="0"/>
+                        </a:p>
+                      </a:txBody>
+                      <a:tcPr/>
+                    </a:tc>
+                    <a:tc>
+                      <a:txBody>
+                        <a:bodyPr/>
+                        <a:lstStyle/>
+                        <a:p>
+                          <a:pPr algn="ctr"/>
+                          <a14:m>
+                            <m:oMathPara xmlns:m="http://schemas.openxmlformats.org/officeDocument/2006/math">
+                              <m:oMathParaPr>
+                                <m:jc m:val="centerGroup"/>
+                              </m:oMathParaPr>
+                              <m:oMath xmlns:m="http://schemas.openxmlformats.org/officeDocument/2006/math">
+                                <m:r>
+                                  <a:rPr kumimoji="1" lang="en-US" altLang="ja-JP" b="0" i="1" smtClean="0">
+                                    <a:latin typeface="Cambria Math" panose="02040503050406030204" pitchFamily="18" charset="0"/>
+                                  </a:rPr>
+                                  <m:t>0.7</m:t>
+                                </m:r>
+                              </m:oMath>
+                            </m:oMathPara>
+                          </a14:m>
+                          <a:endParaRPr kumimoji="1" lang="ja-JP" altLang="en-US" dirty="0"/>
+                        </a:p>
+                      </a:txBody>
+                      <a:tcPr/>
+                    </a:tc>
+                    <a:extLst>
+                      <a:ext uri="{0D108BD9-81ED-4DB2-BD59-A6C34878D82A}">
+                        <a16:rowId xmlns:a16="http://schemas.microsoft.com/office/drawing/2014/main" val="3407156366"/>
+                      </a:ext>
+                    </a:extLst>
+                  </a:tr>
+                </a:tbl>
+              </a:graphicData>
+            </a:graphic>
+          </p:graphicFrame>
+        </mc:Choice>
+        <mc:Fallback xmlns="">
+          <p:graphicFrame>
+            <p:nvGraphicFramePr>
+              <p:cNvPr id="5" name="表 5">
+                <a:extLst>
+                  <a:ext uri="{FF2B5EF4-FFF2-40B4-BE49-F238E27FC236}">
+                    <a16:creationId xmlns:a16="http://schemas.microsoft.com/office/drawing/2014/main" id="{E11DF7B4-A9E5-3F71-9700-02E5CFE547B2}"/>
+                  </a:ext>
+                </a:extLst>
+              </p:cNvPr>
+              <p:cNvGraphicFramePr>
+                <a:graphicFrameLocks noGrp="1"/>
+              </p:cNvGraphicFramePr>
+              <p:nvPr>
+                <p:extLst>
+                  <p:ext uri="{D42A27DB-BD31-4B8C-83A1-F6EECF244321}">
+                    <p14:modId xmlns:p14="http://schemas.microsoft.com/office/powerpoint/2010/main" val="355353991"/>
+                  </p:ext>
+                </p:extLst>
+              </p:nvPr>
+            </p:nvGraphicFramePr>
+            <p:xfrm>
+              <a:off x="6908449" y="1403245"/>
+              <a:ext cx="4751876" cy="1549868"/>
+            </p:xfrm>
+            <a:graphic>
+              <a:graphicData uri="http://schemas.openxmlformats.org/drawingml/2006/table">
+                <a:tbl>
+                  <a:tblPr bandRow="1">
+                    <a:tableStyleId>{7DF18680-E054-41AD-8BC1-D1AEF772440D}</a:tableStyleId>
+                  </a:tblPr>
+                  <a:tblGrid>
+                    <a:gridCol w="1187969">
+                      <a:extLst>
+                        <a:ext uri="{9D8B030D-6E8A-4147-A177-3AD203B41FA5}">
+                          <a16:colId xmlns:a16="http://schemas.microsoft.com/office/drawing/2014/main" val="313841952"/>
+                        </a:ext>
+                      </a:extLst>
+                    </a:gridCol>
+                    <a:gridCol w="1187969">
+                      <a:extLst>
+                        <a:ext uri="{9D8B030D-6E8A-4147-A177-3AD203B41FA5}">
+                          <a16:colId xmlns:a16="http://schemas.microsoft.com/office/drawing/2014/main" val="3311747053"/>
+                        </a:ext>
+                      </a:extLst>
+                    </a:gridCol>
+                    <a:gridCol w="1187969">
+                      <a:extLst>
+                        <a:ext uri="{9D8B030D-6E8A-4147-A177-3AD203B41FA5}">
+                          <a16:colId xmlns:a16="http://schemas.microsoft.com/office/drawing/2014/main" val="1512227238"/>
+                        </a:ext>
+                      </a:extLst>
+                    </a:gridCol>
+                    <a:gridCol w="1187969">
+                      <a:extLst>
+                        <a:ext uri="{9D8B030D-6E8A-4147-A177-3AD203B41FA5}">
+                          <a16:colId xmlns:a16="http://schemas.microsoft.com/office/drawing/2014/main" val="1269662841"/>
+                        </a:ext>
+                      </a:extLst>
+                    </a:gridCol>
+                  </a:tblGrid>
+                  <a:tr h="387467">
+                    <a:tc gridSpan="4">
+                      <a:txBody>
+                        <a:bodyPr/>
+                        <a:lstStyle/>
+                        <a:p>
+                          <a:endParaRPr lang="ja-JP"/>
+                        </a:p>
+                      </a:txBody>
+                      <a:tcPr>
+                        <a:blipFill>
+                          <a:blip r:embed="rId3"/>
+                          <a:stretch>
+                            <a:fillRect l="-128" t="-1563" r="-256" b="-301563"/>
+                          </a:stretch>
+                        </a:blipFill>
+                      </a:tcPr>
+                    </a:tc>
+                    <a:tc hMerge="1">
+                      <a:txBody>
+                        <a:bodyPr/>
+                        <a:lstStyle/>
+                        <a:p>
+                          <a:pPr algn="ctr"/>
+                          <a:endParaRPr kumimoji="1" lang="ja-JP" altLang="en-US" dirty="0"/>
+                        </a:p>
+                      </a:txBody>
+                      <a:tcPr/>
+                    </a:tc>
+                    <a:tc hMerge="1">
+                      <a:txBody>
+                        <a:bodyPr/>
+                        <a:lstStyle/>
+                        <a:p>
+                          <a:pPr algn="ctr"/>
+                          <a:endParaRPr kumimoji="1" lang="ja-JP" altLang="en-US" dirty="0"/>
+                        </a:p>
+                      </a:txBody>
+                      <a:tcPr/>
+                    </a:tc>
+                    <a:tc hMerge="1">
+                      <a:txBody>
+                        <a:bodyPr/>
+                        <a:lstStyle/>
+                        <a:p>
+                          <a:pPr algn="ctr"/>
+                          <a:endParaRPr kumimoji="1" lang="ja-JP" altLang="en-US" dirty="0"/>
+                        </a:p>
+                      </a:txBody>
+                      <a:tcPr/>
+                    </a:tc>
+                    <a:extLst>
+                      <a:ext uri="{0D108BD9-81ED-4DB2-BD59-A6C34878D82A}">
+                        <a16:rowId xmlns:a16="http://schemas.microsoft.com/office/drawing/2014/main" val="3562636491"/>
+                      </a:ext>
+                    </a:extLst>
+                  </a:tr>
+                  <a:tr h="387467">
+                    <a:tc>
+                      <a:txBody>
+                        <a:bodyPr/>
+                        <a:lstStyle/>
+                        <a:p>
+                          <a:endParaRPr lang="ja-JP"/>
+                        </a:p>
+                      </a:txBody>
+                      <a:tcPr>
+                        <a:blipFill>
+                          <a:blip r:embed="rId3"/>
+                          <a:stretch>
+                            <a:fillRect l="-513" t="-101563" r="-301026" b="-201563"/>
+                          </a:stretch>
+                        </a:blipFill>
+                      </a:tcPr>
+                    </a:tc>
+                    <a:tc>
+                      <a:txBody>
+                        <a:bodyPr/>
+                        <a:lstStyle/>
+                        <a:p>
+                          <a:endParaRPr lang="ja-JP"/>
+                        </a:p>
+                      </a:txBody>
+                      <a:tcPr>
+                        <a:blipFill>
+                          <a:blip r:embed="rId3"/>
+                          <a:stretch>
+                            <a:fillRect l="-100513" t="-101563" r="-201026" b="-201563"/>
+                          </a:stretch>
+                        </a:blipFill>
+                      </a:tcPr>
+                    </a:tc>
+                    <a:tc>
+                      <a:txBody>
+                        <a:bodyPr/>
+                        <a:lstStyle/>
+                        <a:p>
+                          <a:endParaRPr lang="ja-JP"/>
+                        </a:p>
+                      </a:txBody>
+                      <a:tcPr>
+                        <a:blipFill>
+                          <a:blip r:embed="rId3"/>
+                          <a:stretch>
+                            <a:fillRect l="-200513" t="-101563" r="-101026" b="-201563"/>
+                          </a:stretch>
+                        </a:blipFill>
+                      </a:tcPr>
+                    </a:tc>
+                    <a:tc>
+                      <a:txBody>
+                        <a:bodyPr/>
+                        <a:lstStyle/>
+                        <a:p>
+                          <a:endParaRPr lang="ja-JP"/>
+                        </a:p>
+                      </a:txBody>
+                      <a:tcPr>
+                        <a:blipFill>
+                          <a:blip r:embed="rId3"/>
+                          <a:stretch>
+                            <a:fillRect l="-300513" t="-101563" r="-1026" b="-201563"/>
+                          </a:stretch>
+                        </a:blipFill>
+                      </a:tcPr>
+                    </a:tc>
+                    <a:extLst>
+                      <a:ext uri="{0D108BD9-81ED-4DB2-BD59-A6C34878D82A}">
+                        <a16:rowId xmlns:a16="http://schemas.microsoft.com/office/drawing/2014/main" val="3003863472"/>
+                      </a:ext>
+                    </a:extLst>
+                  </a:tr>
+                  <a:tr h="387467">
+                    <a:tc>
+                      <a:txBody>
+                        <a:bodyPr/>
+                        <a:lstStyle/>
+                        <a:p>
+                          <a:endParaRPr lang="ja-JP"/>
+                        </a:p>
+                      </a:txBody>
+                      <a:tcPr>
+                        <a:blipFill>
+                          <a:blip r:embed="rId3"/>
+                          <a:stretch>
+                            <a:fillRect l="-513" t="-204762" r="-301026" b="-104762"/>
+                          </a:stretch>
+                        </a:blipFill>
+                      </a:tcPr>
+                    </a:tc>
+                    <a:tc>
+                      <a:txBody>
+                        <a:bodyPr/>
+                        <a:lstStyle/>
+                        <a:p>
+                          <a:endParaRPr lang="ja-JP"/>
+                        </a:p>
+                      </a:txBody>
+                      <a:tcPr>
+                        <a:blipFill>
+                          <a:blip r:embed="rId3"/>
+                          <a:stretch>
+                            <a:fillRect l="-100513" t="-204762" r="-201026" b="-104762"/>
+                          </a:stretch>
+                        </a:blipFill>
+                      </a:tcPr>
+                    </a:tc>
+                    <a:tc>
+                      <a:txBody>
+                        <a:bodyPr/>
+                        <a:lstStyle/>
+                        <a:p>
+                          <a:endParaRPr lang="ja-JP"/>
+                        </a:p>
+                      </a:txBody>
+                      <a:tcPr>
+                        <a:blipFill>
+                          <a:blip r:embed="rId3"/>
+                          <a:stretch>
+                            <a:fillRect l="-200513" t="-204762" r="-101026" b="-104762"/>
+                          </a:stretch>
+                        </a:blipFill>
+                      </a:tcPr>
+                    </a:tc>
+                    <a:tc>
+                      <a:txBody>
+                        <a:bodyPr/>
+                        <a:lstStyle/>
+                        <a:p>
+                          <a:endParaRPr lang="ja-JP"/>
+                        </a:p>
+                      </a:txBody>
+                      <a:tcPr>
+                        <a:blipFill>
+                          <a:blip r:embed="rId3"/>
+                          <a:stretch>
+                            <a:fillRect l="-300513" t="-204762" r="-1026" b="-104762"/>
+                          </a:stretch>
+                        </a:blipFill>
+                      </a:tcPr>
+                    </a:tc>
+                    <a:extLst>
+                      <a:ext uri="{0D108BD9-81ED-4DB2-BD59-A6C34878D82A}">
+                        <a16:rowId xmlns:a16="http://schemas.microsoft.com/office/drawing/2014/main" val="1203789361"/>
+                      </a:ext>
+                    </a:extLst>
+                  </a:tr>
+                  <a:tr h="387467">
+                    <a:tc>
+                      <a:txBody>
+                        <a:bodyPr/>
+                        <a:lstStyle/>
+                        <a:p>
+                          <a:endParaRPr lang="ja-JP"/>
+                        </a:p>
+                      </a:txBody>
+                      <a:tcPr>
+                        <a:blipFill>
+                          <a:blip r:embed="rId3"/>
+                          <a:stretch>
+                            <a:fillRect l="-513" t="-300000" r="-301026" b="-3125"/>
+                          </a:stretch>
+                        </a:blipFill>
+                      </a:tcPr>
+                    </a:tc>
+                    <a:tc>
+                      <a:txBody>
+                        <a:bodyPr/>
+                        <a:lstStyle/>
+                        <a:p>
+                          <a:endParaRPr lang="ja-JP"/>
+                        </a:p>
+                      </a:txBody>
+                      <a:tcPr>
+                        <a:blipFill>
+                          <a:blip r:embed="rId3"/>
+                          <a:stretch>
+                            <a:fillRect l="-100513" t="-300000" r="-201026" b="-3125"/>
+                          </a:stretch>
+                        </a:blipFill>
+                      </a:tcPr>
+                    </a:tc>
+                    <a:tc>
+                      <a:txBody>
+                        <a:bodyPr/>
+                        <a:lstStyle/>
+                        <a:p>
+                          <a:endParaRPr lang="ja-JP"/>
+                        </a:p>
+                      </a:txBody>
+                      <a:tcPr>
+                        <a:blipFill>
+                          <a:blip r:embed="rId3"/>
+                          <a:stretch>
+                            <a:fillRect l="-200513" t="-300000" r="-101026" b="-3125"/>
+                          </a:stretch>
+                        </a:blipFill>
+                      </a:tcPr>
+                    </a:tc>
+                    <a:tc>
+                      <a:txBody>
+                        <a:bodyPr/>
+                        <a:lstStyle/>
+                        <a:p>
+                          <a:endParaRPr lang="ja-JP"/>
+                        </a:p>
+                      </a:txBody>
+                      <a:tcPr>
+                        <a:blipFill>
+                          <a:blip r:embed="rId3"/>
+                          <a:stretch>
+                            <a:fillRect l="-300513" t="-300000" r="-1026" b="-3125"/>
+                          </a:stretch>
+                        </a:blipFill>
+                      </a:tcPr>
+                    </a:tc>
+                    <a:extLst>
+                      <a:ext uri="{0D108BD9-81ED-4DB2-BD59-A6C34878D82A}">
+                        <a16:rowId xmlns:a16="http://schemas.microsoft.com/office/drawing/2014/main" val="3407156366"/>
+                      </a:ext>
+                    </a:extLst>
+                  </a:tr>
+                </a:tbl>
+              </a:graphicData>
+            </a:graphic>
+          </p:graphicFrame>
+        </mc:Fallback>
+      </mc:AlternateContent>
+      <mc:AlternateContent xmlns:mc="http://schemas.openxmlformats.org/markup-compatibility/2006" xmlns:a14="http://schemas.microsoft.com/office/drawing/2010/main">
+        <mc:Choice Requires="a14">
+          <p:sp>
+            <p:nvSpPr>
+              <p:cNvPr id="6" name="テキスト ボックス 5">
+                <a:extLst>
+                  <a:ext uri="{FF2B5EF4-FFF2-40B4-BE49-F238E27FC236}">
+                    <a16:creationId xmlns:a16="http://schemas.microsoft.com/office/drawing/2014/main" id="{D07C95C8-63FD-4F39-A58D-FB38ABA807FB}"/>
+                  </a:ext>
+                </a:extLst>
+              </p:cNvPr>
+              <p:cNvSpPr txBox="1"/>
+              <p:nvPr/>
+            </p:nvSpPr>
+            <p:spPr>
+              <a:xfrm>
+                <a:off x="6908449" y="3309362"/>
+                <a:ext cx="4751876" cy="3046988"/>
+              </a:xfrm>
+              <a:prstGeom prst="rect">
+                <a:avLst/>
+              </a:prstGeom>
+              <a:noFill/>
+            </p:spPr>
+            <p:txBody>
+              <a:bodyPr wrap="square" rtlCol="0">
+                <a:spAutoFit/>
+              </a:bodyPr>
+              <a:lstStyle/>
+              <a:p>
+                <a:pPr algn="l"/>
+                <a14:m>
+                  <m:oMath xmlns:m="http://schemas.openxmlformats.org/officeDocument/2006/math">
+                    <m:sSub>
+                      <m:sSubPr>
+                        <m:ctrlPr>
+                          <a:rPr kumimoji="1" lang="en-US" altLang="ja-JP" sz="2400" b="0" i="1" smtClean="0">
+                            <a:latin typeface="Cambria Math" panose="02040503050406030204" pitchFamily="18" charset="0"/>
+                          </a:rPr>
+                        </m:ctrlPr>
+                      </m:sSubPr>
+                      <m:e>
+                        <m:r>
+                          <a:rPr kumimoji="1" lang="en-US" altLang="ja-JP" sz="2400" b="0" i="1" smtClean="0">
+                            <a:latin typeface="Cambria Math" panose="02040503050406030204" pitchFamily="18" charset="0"/>
+                          </a:rPr>
+                          <m:t>𝐾</m:t>
+                        </m:r>
+                      </m:e>
+                      <m:sub>
+                        <m:r>
+                          <a:rPr kumimoji="1" lang="en-US" altLang="ja-JP" sz="2400" b="0" i="1" smtClean="0">
+                            <a:latin typeface="Cambria Math" panose="02040503050406030204" pitchFamily="18" charset="0"/>
+                          </a:rPr>
+                          <m:t>𝐵</m:t>
+                        </m:r>
+                      </m:sub>
+                    </m:sSub>
+                    <m:r>
+                      <a:rPr kumimoji="1" lang="en-US" altLang="ja-JP" sz="2400" b="0" i="1" smtClean="0">
+                        <a:latin typeface="Cambria Math" panose="02040503050406030204" pitchFamily="18" charset="0"/>
+                      </a:rPr>
+                      <m:t>=2</m:t>
+                    </m:r>
+                    <m:sSub>
+                      <m:sSubPr>
+                        <m:ctrlPr>
+                          <a:rPr kumimoji="1" lang="en-US" altLang="ja-JP" sz="2400" b="0" i="1" smtClean="0">
+                            <a:latin typeface="Cambria Math" panose="02040503050406030204" pitchFamily="18" charset="0"/>
+                          </a:rPr>
+                        </m:ctrlPr>
+                      </m:sSubPr>
+                      <m:e>
+                        <m:r>
+                          <a:rPr kumimoji="1" lang="en-US" altLang="ja-JP" sz="2400" b="0" i="1" smtClean="0">
+                            <a:latin typeface="Cambria Math" panose="02040503050406030204" pitchFamily="18" charset="0"/>
+                          </a:rPr>
+                          <m:t>𝐾</m:t>
+                        </m:r>
+                      </m:e>
+                      <m:sub>
+                        <m:r>
+                          <a:rPr kumimoji="1" lang="en-US" altLang="ja-JP" sz="2400" b="0" i="1" smtClean="0">
+                            <a:latin typeface="Cambria Math" panose="02040503050406030204" pitchFamily="18" charset="0"/>
+                          </a:rPr>
+                          <m:t>𝐴</m:t>
+                        </m:r>
+                      </m:sub>
+                    </m:sSub>
+                  </m:oMath>
+                </a14:m>
+                <a:r>
+                  <a:rPr kumimoji="1" lang="ja-JP" altLang="en-US" sz="2400" dirty="0"/>
+                  <a:t>を仮定したので</a:t>
+                </a:r>
+                <a14:m>
+                  <m:oMath xmlns:m="http://schemas.openxmlformats.org/officeDocument/2006/math">
+                    <m:sSub>
+                      <m:sSubPr>
+                        <m:ctrlPr>
+                          <a:rPr kumimoji="1" lang="en-US" altLang="ja-JP" sz="2400" b="0" i="1" smtClean="0">
+                            <a:latin typeface="Cambria Math" panose="02040503050406030204" pitchFamily="18" charset="0"/>
+                          </a:rPr>
+                        </m:ctrlPr>
+                      </m:sSubPr>
+                      <m:e>
+                        <m:r>
+                          <a:rPr kumimoji="1" lang="en-US" altLang="ja-JP" sz="2400" b="0" i="1" smtClean="0">
+                            <a:latin typeface="Cambria Math" panose="02040503050406030204" pitchFamily="18" charset="0"/>
+                          </a:rPr>
+                          <m:t>𝑀</m:t>
+                        </m:r>
+                      </m:e>
+                      <m:sub>
+                        <m:r>
+                          <a:rPr kumimoji="1" lang="en-US" altLang="ja-JP" sz="2400" b="0" i="1" smtClean="0">
+                            <a:latin typeface="Cambria Math" panose="02040503050406030204" pitchFamily="18" charset="0"/>
+                          </a:rPr>
+                          <m:t>𝐴</m:t>
+                        </m:r>
+                      </m:sub>
+                    </m:sSub>
+                    <m:r>
+                      <a:rPr kumimoji="1" lang="en-US" altLang="ja-JP" sz="2400" b="0" i="1" smtClean="0">
+                        <a:latin typeface="Cambria Math" panose="02040503050406030204" pitchFamily="18" charset="0"/>
+                      </a:rPr>
+                      <m:t>,</m:t>
+                    </m:r>
+                    <m:sSub>
+                      <m:sSubPr>
+                        <m:ctrlPr>
+                          <a:rPr kumimoji="1" lang="en-US" altLang="ja-JP" sz="2400" b="0" i="1" smtClean="0">
+                            <a:latin typeface="Cambria Math" panose="02040503050406030204" pitchFamily="18" charset="0"/>
+                          </a:rPr>
+                        </m:ctrlPr>
+                      </m:sSubPr>
+                      <m:e>
+                        <m:r>
+                          <a:rPr kumimoji="1" lang="en-US" altLang="ja-JP" sz="2400" b="0" i="1" smtClean="0">
+                            <a:latin typeface="Cambria Math" panose="02040503050406030204" pitchFamily="18" charset="0"/>
+                          </a:rPr>
+                          <m:t>𝑀</m:t>
+                        </m:r>
+                      </m:e>
+                      <m:sub>
+                        <m:r>
+                          <a:rPr kumimoji="1" lang="en-US" altLang="ja-JP" sz="2400" b="0" i="1" smtClean="0">
+                            <a:latin typeface="Cambria Math" panose="02040503050406030204" pitchFamily="18" charset="0"/>
+                          </a:rPr>
+                          <m:t>𝐵</m:t>
+                        </m:r>
+                      </m:sub>
+                    </m:sSub>
+                  </m:oMath>
+                </a14:m>
+                <a:r>
+                  <a:rPr kumimoji="1" lang="ja-JP" altLang="en-US" sz="2400" dirty="0"/>
+                  <a:t>の形状比は</a:t>
+                </a:r>
+                <a14:m>
+                  <m:oMath xmlns:m="http://schemas.openxmlformats.org/officeDocument/2006/math">
+                    <m:r>
+                      <a:rPr kumimoji="1" lang="en-US" altLang="ja-JP" sz="2400" b="0" i="1" smtClean="0">
+                        <a:latin typeface="Cambria Math" panose="02040503050406030204" pitchFamily="18" charset="0"/>
+                      </a:rPr>
+                      <m:t>1 :2</m:t>
+                    </m:r>
+                  </m:oMath>
+                </a14:m>
+                <a:r>
+                  <a:rPr kumimoji="1" lang="ja-JP" altLang="en-US" sz="2400" dirty="0"/>
+                  <a:t>とする。</a:t>
+                </a:r>
+                <a:endParaRPr kumimoji="1" lang="en-US" altLang="ja-JP" sz="2400" dirty="0"/>
+              </a:p>
+              <a:p>
+                <a:pPr algn="l"/>
+                <a14:m>
+                  <m:oMath xmlns:m="http://schemas.openxmlformats.org/officeDocument/2006/math">
+                    <m:sSub>
+                      <m:sSubPr>
+                        <m:ctrlPr>
+                          <a:rPr kumimoji="1" lang="en-US" altLang="ja-JP" sz="2400" b="0" i="1" smtClean="0">
+                            <a:latin typeface="Cambria Math" panose="02040503050406030204" pitchFamily="18" charset="0"/>
+                          </a:rPr>
+                        </m:ctrlPr>
+                      </m:sSubPr>
+                      <m:e>
+                        <m:r>
+                          <a:rPr kumimoji="1" lang="en-US" altLang="ja-JP" sz="2400" b="0" i="1" smtClean="0">
+                            <a:latin typeface="Cambria Math" panose="02040503050406030204" pitchFamily="18" charset="0"/>
+                          </a:rPr>
+                          <m:t>𝑀</m:t>
+                        </m:r>
+                      </m:e>
+                      <m:sub>
+                        <m:r>
+                          <a:rPr kumimoji="1" lang="en-US" altLang="ja-JP" sz="2400" b="0" i="1" smtClean="0">
+                            <a:latin typeface="Cambria Math" panose="02040503050406030204" pitchFamily="18" charset="0"/>
+                          </a:rPr>
+                          <m:t>𝐶</m:t>
+                        </m:r>
+                      </m:sub>
+                    </m:sSub>
+                  </m:oMath>
+                </a14:m>
+                <a:r>
+                  <a:rPr kumimoji="1" lang="ja-JP" altLang="en-US" sz="2400" dirty="0"/>
+                  <a:t>に</a:t>
+                </a:r>
+                <a14:m>
+                  <m:oMath xmlns:m="http://schemas.openxmlformats.org/officeDocument/2006/math">
+                    <m:r>
+                      <a:rPr kumimoji="1" lang="en-US" altLang="ja-JP" sz="2400" b="0" i="1" dirty="0" smtClean="0">
+                        <a:latin typeface="Cambria Math" panose="02040503050406030204" pitchFamily="18" charset="0"/>
+                      </a:rPr>
+                      <m:t>1 </m:t>
+                    </m:r>
+                    <m:r>
+                      <m:rPr>
+                        <m:sty m:val="p"/>
+                      </m:rPr>
+                      <a:rPr kumimoji="1" lang="en-US" altLang="ja-JP" sz="2400" b="0" i="0" dirty="0" smtClean="0">
+                        <a:latin typeface="Cambria Math" panose="02040503050406030204" pitchFamily="18" charset="0"/>
+                      </a:rPr>
+                      <m:t>mA</m:t>
+                    </m:r>
+                  </m:oMath>
+                </a14:m>
+                <a:r>
+                  <a:rPr kumimoji="1" lang="ja-JP" altLang="en-US" sz="2400" dirty="0"/>
+                  <a:t>流すという条件で考えることにする。</a:t>
+                </a:r>
+                <a:endParaRPr kumimoji="1" lang="en-US" altLang="ja-JP" sz="2400" dirty="0"/>
+              </a:p>
+              <a:p>
+                <a:pPr algn="l"/>
+                <a:r>
+                  <a:rPr lang="ja-JP" altLang="en-US" sz="2400" dirty="0"/>
+                  <a:t>また、とりあえず</a:t>
+                </a:r>
+                <a14:m>
+                  <m:oMath xmlns:m="http://schemas.openxmlformats.org/officeDocument/2006/math">
+                    <m:sSub>
+                      <m:sSubPr>
+                        <m:ctrlPr>
+                          <a:rPr lang="en-US" altLang="ja-JP" sz="2400" b="0" i="1" smtClean="0">
+                            <a:latin typeface="Cambria Math" panose="02040503050406030204" pitchFamily="18" charset="0"/>
+                          </a:rPr>
+                        </m:ctrlPr>
+                      </m:sSubPr>
+                      <m:e>
+                        <m:r>
+                          <a:rPr lang="en-US" altLang="ja-JP" sz="2400" b="0" i="1" smtClean="0">
+                            <a:latin typeface="Cambria Math" panose="02040503050406030204" pitchFamily="18" charset="0"/>
+                          </a:rPr>
+                          <m:t>𝐾</m:t>
+                        </m:r>
+                      </m:e>
+                      <m:sub>
+                        <m:r>
+                          <a:rPr lang="en-US" altLang="ja-JP" sz="2400" b="0" i="1" smtClean="0">
+                            <a:latin typeface="Cambria Math" panose="02040503050406030204" pitchFamily="18" charset="0"/>
+                          </a:rPr>
+                          <m:t>0</m:t>
+                        </m:r>
+                      </m:sub>
+                    </m:sSub>
+                    <m:r>
+                      <a:rPr lang="en-US" altLang="ja-JP" sz="2400" b="0" i="1" smtClean="0">
+                        <a:latin typeface="Cambria Math" panose="02040503050406030204" pitchFamily="18" charset="0"/>
+                      </a:rPr>
+                      <m:t>=100 </m:t>
+                    </m:r>
+                    <m:r>
+                      <m:rPr>
+                        <m:sty m:val="p"/>
+                      </m:rPr>
+                      <a:rPr lang="en-US" altLang="ja-JP" sz="2400" b="0" i="0" smtClean="0">
+                        <a:latin typeface="Cambria Math" panose="02040503050406030204" pitchFamily="18" charset="0"/>
+                      </a:rPr>
+                      <m:t>μS</m:t>
+                    </m:r>
+                    <m:r>
+                      <a:rPr lang="en-US" altLang="ja-JP" sz="2400" b="0" i="0" smtClean="0">
+                        <a:latin typeface="Cambria Math" panose="02040503050406030204" pitchFamily="18" charset="0"/>
+                      </a:rPr>
+                      <m:t>/</m:t>
+                    </m:r>
+                    <m:r>
+                      <m:rPr>
+                        <m:sty m:val="p"/>
+                      </m:rPr>
+                      <a:rPr lang="en-US" altLang="ja-JP" sz="2400" b="0" i="0" smtClean="0">
+                        <a:latin typeface="Cambria Math" panose="02040503050406030204" pitchFamily="18" charset="0"/>
+                      </a:rPr>
+                      <m:t>V</m:t>
+                    </m:r>
+                  </m:oMath>
+                </a14:m>
+                <a:endParaRPr lang="en-US" altLang="ja-JP" sz="2400" b="0" dirty="0"/>
+              </a:p>
+              <a:p>
+                <a:pPr algn="l"/>
+                <a14:m>
+                  <m:oMath xmlns:m="http://schemas.openxmlformats.org/officeDocument/2006/math">
+                    <m:r>
+                      <a:rPr kumimoji="1" lang="en-US" altLang="ja-JP" sz="2400" b="0" i="1" smtClean="0">
+                        <a:latin typeface="Cambria Math" panose="02040503050406030204" pitchFamily="18" charset="0"/>
+                      </a:rPr>
+                      <m:t>𝐿</m:t>
+                    </m:r>
+                    <m:r>
+                      <a:rPr kumimoji="1" lang="en-US" altLang="ja-JP" sz="2400" b="0" i="1" smtClean="0">
+                        <a:latin typeface="Cambria Math" panose="02040503050406030204" pitchFamily="18" charset="0"/>
+                      </a:rPr>
+                      <m:t>=0.54 </m:t>
+                    </m:r>
+                    <m:r>
+                      <m:rPr>
+                        <m:sty m:val="p"/>
+                      </m:rPr>
+                      <a:rPr kumimoji="1" lang="en-US" altLang="ja-JP" sz="2400" b="0" i="0" smtClean="0">
+                        <a:latin typeface="Cambria Math" panose="02040503050406030204" pitchFamily="18" charset="0"/>
+                      </a:rPr>
+                      <m:t>μm</m:t>
+                    </m:r>
+                  </m:oMath>
+                </a14:m>
+                <a:r>
+                  <a:rPr kumimoji="1" lang="ja-JP" altLang="en-US" sz="2400" dirty="0"/>
+                  <a:t>として計算し、シミュレーションとの差が大きければ再度</a:t>
+                </a:r>
+                <a14:m>
+                  <m:oMath xmlns:m="http://schemas.openxmlformats.org/officeDocument/2006/math">
+                    <m:sSub>
+                      <m:sSubPr>
+                        <m:ctrlPr>
+                          <a:rPr kumimoji="1" lang="en-US" altLang="ja-JP" sz="2400" b="0" i="1" smtClean="0">
+                            <a:latin typeface="Cambria Math" panose="02040503050406030204" pitchFamily="18" charset="0"/>
+                          </a:rPr>
+                        </m:ctrlPr>
+                      </m:sSubPr>
+                      <m:e>
+                        <m:r>
+                          <a:rPr kumimoji="1" lang="en-US" altLang="ja-JP" sz="2400" b="0" i="1" smtClean="0">
+                            <a:latin typeface="Cambria Math" panose="02040503050406030204" pitchFamily="18" charset="0"/>
+                          </a:rPr>
+                          <m:t>𝐾</m:t>
+                        </m:r>
+                      </m:e>
+                      <m:sub>
+                        <m:r>
+                          <a:rPr kumimoji="1" lang="en-US" altLang="ja-JP" sz="2400" b="0" i="1" smtClean="0">
+                            <a:latin typeface="Cambria Math" panose="02040503050406030204" pitchFamily="18" charset="0"/>
+                          </a:rPr>
+                          <m:t>0</m:t>
+                        </m:r>
+                      </m:sub>
+                    </m:sSub>
+                  </m:oMath>
+                </a14:m>
+                <a:r>
+                  <a:rPr kumimoji="1" lang="ja-JP" altLang="en-US" sz="2400" dirty="0"/>
+                  <a:t>の推定などを行う。</a:t>
+                </a:r>
+                <a:endParaRPr kumimoji="1" lang="en-US" altLang="ja-JP" sz="2400" dirty="0"/>
+              </a:p>
+            </p:txBody>
+          </p:sp>
+        </mc:Choice>
+        <mc:Fallback xmlns="">
+          <p:sp>
+            <p:nvSpPr>
+              <p:cNvPr id="6" name="テキスト ボックス 5">
+                <a:extLst>
+                  <a:ext uri="{FF2B5EF4-FFF2-40B4-BE49-F238E27FC236}">
+                    <a16:creationId xmlns:a16="http://schemas.microsoft.com/office/drawing/2014/main" id="{D07C95C8-63FD-4F39-A58D-FB38ABA807FB}"/>
+                  </a:ext>
+                </a:extLst>
+              </p:cNvPr>
+              <p:cNvSpPr txBox="1">
+                <a:spLocks noRot="1" noChangeAspect="1" noMove="1" noResize="1" noEditPoints="1" noAdjustHandles="1" noChangeArrowheads="1" noChangeShapeType="1" noTextEdit="1"/>
+              </p:cNvSpPr>
+              <p:nvPr/>
+            </p:nvSpPr>
+            <p:spPr>
+              <a:xfrm>
+                <a:off x="6908449" y="3309362"/>
+                <a:ext cx="4751876" cy="3046988"/>
+              </a:xfrm>
+              <a:prstGeom prst="rect">
+                <a:avLst/>
+              </a:prstGeom>
+              <a:blipFill>
+                <a:blip r:embed="rId4"/>
+                <a:stretch>
+                  <a:fillRect l="-1923" t="-1600" b="-3600"/>
+                </a:stretch>
+              </a:blipFill>
+            </p:spPr>
+            <p:txBody>
+              <a:bodyPr/>
+              <a:lstStyle/>
+              <a:p>
+                <a:r>
+                  <a:rPr lang="ja-JP" altLang="en-US">
+                    <a:noFill/>
+                  </a:rPr>
+                  <a:t> </a:t>
+                </a:r>
+              </a:p>
+            </p:txBody>
+          </p:sp>
+        </mc:Fallback>
+      </mc:AlternateContent>
+    </p:spTree>
+    <p:extLst>
+      <p:ext uri="{BB962C8B-B14F-4D97-AF65-F5344CB8AC3E}">
+        <p14:creationId xmlns:p14="http://schemas.microsoft.com/office/powerpoint/2010/main" val="1517370342"/>
+      </p:ext>
+    </p:extLst>
+  </p:cSld>
+  <p:clrMapOvr>
+    <a:masterClrMapping/>
+  </p:clrMapOvr>
+</p:sld>
+</file>
+
+<file path=ppt/slides/slide11.xml><?xml version="1.0" encoding="utf-8"?>
+<p:sld xmlns:a="http://schemas.openxmlformats.org/drawingml/2006/main" xmlns:r="http://schemas.openxmlformats.org/officeDocument/2006/relationships" xmlns:p="http://schemas.openxmlformats.org/presentationml/2006/main">
+  <p:cSld>
+    <p:spTree>
+      <p:nvGrpSpPr>
+        <p:cNvPr id="1" name=""/>
+        <p:cNvGrpSpPr/>
+        <p:nvPr/>
+      </p:nvGrpSpPr>
+      <p:grpSpPr>
+        <a:xfrm>
+          <a:off x="0" y="0"/>
+          <a:ext cx="0" cy="0"/>
+          <a:chOff x="0" y="0"/>
+          <a:chExt cx="0" cy="0"/>
+        </a:xfrm>
+      </p:grpSpPr>
+      <p:sp>
+        <p:nvSpPr>
+          <p:cNvPr id="2" name="タイトル 1">
+            <a:extLst>
+              <a:ext uri="{FF2B5EF4-FFF2-40B4-BE49-F238E27FC236}">
                 <a16:creationId xmlns:a16="http://schemas.microsoft.com/office/drawing/2014/main" id="{308F4609-7A35-14B7-CBF5-C886ECA3E9FC}"/>
               </a:ext>
             </a:extLst>
@@ -4431,7 +5955,7 @@
           <a:p>
             <a:fld id="{BAC09C9C-7DB0-444B-A568-405A39CC84C0}" type="slidenum">
               <a:rPr kumimoji="1" lang="ja-JP" altLang="en-US" smtClean="0"/>
-              <a:t>10</a:t>
+              <a:t>11</a:t>
             </a:fld>
             <a:endParaRPr kumimoji="1" lang="ja-JP" altLang="en-US"/>
           </a:p>
@@ -5399,7 +6923,7 @@
 </p:sld>
 </file>
 
-<file path=ppt/slides/slide11.xml><?xml version="1.0" encoding="utf-8"?>
+<file path=ppt/slides/slide12.xml><?xml version="1.0" encoding="utf-8"?>
 <p:sld xmlns:a="http://schemas.openxmlformats.org/drawingml/2006/main" xmlns:r="http://schemas.openxmlformats.org/officeDocument/2006/relationships" xmlns:p="http://schemas.openxmlformats.org/presentationml/2006/main">
   <p:cSld>
     <p:spTree>
@@ -5476,7 +7000,7 @@
           <a:p>
             <a:fld id="{BAC09C9C-7DB0-444B-A568-405A39CC84C0}" type="slidenum">
               <a:rPr kumimoji="1" lang="ja-JP" altLang="en-US" smtClean="0"/>
-              <a:t>11</a:t>
+              <a:t>12</a:t>
             </a:fld>
             <a:endParaRPr kumimoji="1" lang="ja-JP" altLang="en-US"/>
           </a:p>
@@ -7998,6 +9522,454 @@
           </p:sp>
         </mc:Fallback>
       </mc:AlternateContent>
+      <mc:AlternateContent xmlns:mc="http://schemas.openxmlformats.org/markup-compatibility/2006">
+        <mc:Choice xmlns:a14="http://schemas.microsoft.com/office/drawing/2010/main" Requires="a14">
+          <p:sp>
+            <p:nvSpPr>
+              <p:cNvPr id="8" name="テキスト ボックス 7">
+                <a:extLst>
+                  <a:ext uri="{FF2B5EF4-FFF2-40B4-BE49-F238E27FC236}">
+                    <a16:creationId xmlns:a16="http://schemas.microsoft.com/office/drawing/2014/main" id="{F87EEBD5-693E-3149-C7AE-9BF8CBE3B7CE}"/>
+                  </a:ext>
+                </a:extLst>
+              </p:cNvPr>
+              <p:cNvSpPr txBox="1"/>
+              <p:nvPr/>
+            </p:nvSpPr>
+            <p:spPr>
+              <a:xfrm>
+                <a:off x="6083125" y="259526"/>
+                <a:ext cx="6096000" cy="1200329"/>
+              </a:xfrm>
+              <a:prstGeom prst="rect">
+                <a:avLst/>
+              </a:prstGeom>
+              <a:noFill/>
+            </p:spPr>
+            <p:txBody>
+              <a:bodyPr wrap="square">
+                <a:spAutoFit/>
+              </a:bodyPr>
+              <a:lstStyle/>
+              <a:p>
+                <a:pPr algn="ctr"/>
+                <a14:m>
+                  <m:oMath xmlns:m="http://schemas.openxmlformats.org/officeDocument/2006/math">
+                    <m:sSub>
+                      <m:sSubPr>
+                        <m:ctrlPr>
+                          <a:rPr kumimoji="1" lang="en-US" altLang="ja-JP" sz="1800" b="0" i="1" smtClean="0">
+                            <a:latin typeface="Cambria Math" panose="02040503050406030204" pitchFamily="18" charset="0"/>
+                          </a:rPr>
+                        </m:ctrlPr>
+                      </m:sSubPr>
+                      <m:e>
+                        <m:r>
+                          <a:rPr kumimoji="1" lang="en-US" altLang="ja-JP" sz="1800" b="0" i="1" smtClean="0">
+                            <a:latin typeface="Cambria Math" panose="02040503050406030204" pitchFamily="18" charset="0"/>
+                          </a:rPr>
+                          <m:t>𝑉</m:t>
+                        </m:r>
+                      </m:e>
+                      <m:sub>
+                        <m:r>
+                          <a:rPr kumimoji="1" lang="en-US" altLang="ja-JP" sz="1800" b="0" i="1" smtClean="0">
+                            <a:latin typeface="Cambria Math" panose="02040503050406030204" pitchFamily="18" charset="0"/>
+                          </a:rPr>
+                          <m:t>𝑆</m:t>
+                        </m:r>
+                      </m:sub>
+                    </m:sSub>
+                    <m:r>
+                      <a:rPr kumimoji="1" lang="en-US" altLang="ja-JP" sz="1800" b="0" i="1" smtClean="0">
+                        <a:latin typeface="Cambria Math" panose="02040503050406030204" pitchFamily="18" charset="0"/>
+                      </a:rPr>
+                      <m:t>&lt;0.5</m:t>
+                    </m:r>
+                  </m:oMath>
+                </a14:m>
+                <a:r>
+                  <a:rPr kumimoji="1" lang="en-US" altLang="ja-JP" sz="1800" dirty="0"/>
+                  <a:t>	</a:t>
+                </a:r>
+                <a:r>
+                  <a:rPr kumimoji="1" lang="ja-JP" altLang="en-US" sz="1800" dirty="0"/>
+                  <a:t>　　　</a:t>
+                </a:r>
+                <a:r>
+                  <a:rPr kumimoji="1" lang="en-US" altLang="ja-JP" sz="1800" dirty="0"/>
+                  <a:t>	</a:t>
+                </a:r>
+                <a14:m>
+                  <m:oMath xmlns:m="http://schemas.openxmlformats.org/officeDocument/2006/math">
+                    <m:d>
+                      <m:dPr>
+                        <m:ctrlPr>
+                          <a:rPr kumimoji="1" lang="en-US" altLang="ja-JP" sz="1800" b="0" i="1" smtClean="0">
+                            <a:latin typeface="Cambria Math" panose="02040503050406030204" pitchFamily="18" charset="0"/>
+                          </a:rPr>
+                        </m:ctrlPr>
+                      </m:dPr>
+                      <m:e>
+                        <m:r>
+                          <a:rPr kumimoji="1" lang="en-US" altLang="ja-JP" sz="1800" b="0" i="1" smtClean="0">
+                            <a:latin typeface="Cambria Math" panose="02040503050406030204" pitchFamily="18" charset="0"/>
+                          </a:rPr>
+                          <m:t>10</m:t>
+                        </m:r>
+                      </m:e>
+                    </m:d>
+                  </m:oMath>
+                </a14:m>
+                <a:endParaRPr kumimoji="1" lang="en-US" altLang="ja-JP" sz="1800" dirty="0"/>
+              </a:p>
+              <a:p>
+                <a:pPr algn="ctr"/>
+                <a14:m>
+                  <m:oMath xmlns:m="http://schemas.openxmlformats.org/officeDocument/2006/math">
+                    <m:sSub>
+                      <m:sSubPr>
+                        <m:ctrlPr>
+                          <a:rPr lang="en-US" altLang="ja-JP" sz="1800" b="0" i="1" smtClean="0">
+                            <a:latin typeface="Cambria Math" panose="02040503050406030204" pitchFamily="18" charset="0"/>
+                          </a:rPr>
+                        </m:ctrlPr>
+                      </m:sSubPr>
+                      <m:e>
+                        <m:r>
+                          <a:rPr lang="en-US" altLang="ja-JP" sz="1800" b="0" i="1" smtClean="0">
+                            <a:latin typeface="Cambria Math" panose="02040503050406030204" pitchFamily="18" charset="0"/>
+                          </a:rPr>
+                          <m:t>𝑉</m:t>
+                        </m:r>
+                      </m:e>
+                      <m:sub>
+                        <m:r>
+                          <a:rPr lang="en-US" altLang="ja-JP" sz="1800" b="0" i="1" smtClean="0">
+                            <a:latin typeface="Cambria Math" panose="02040503050406030204" pitchFamily="18" charset="0"/>
+                          </a:rPr>
+                          <m:t>𝑆</m:t>
+                        </m:r>
+                      </m:sub>
+                    </m:sSub>
+                    <m:r>
+                      <a:rPr lang="en-US" altLang="ja-JP" sz="1800" b="0" i="1" smtClean="0">
+                        <a:latin typeface="Cambria Math" panose="02040503050406030204" pitchFamily="18" charset="0"/>
+                      </a:rPr>
+                      <m:t>+0.7&lt;</m:t>
+                    </m:r>
+                    <m:sSub>
+                      <m:sSubPr>
+                        <m:ctrlPr>
+                          <a:rPr lang="en-US" altLang="ja-JP" sz="1800" b="0" i="1" smtClean="0">
+                            <a:latin typeface="Cambria Math" panose="02040503050406030204" pitchFamily="18" charset="0"/>
+                          </a:rPr>
+                        </m:ctrlPr>
+                      </m:sSubPr>
+                      <m:e>
+                        <m:r>
+                          <a:rPr lang="en-US" altLang="ja-JP" sz="1800" b="0" i="1" smtClean="0">
+                            <a:latin typeface="Cambria Math" panose="02040503050406030204" pitchFamily="18" charset="0"/>
+                          </a:rPr>
+                          <m:t>𝑉</m:t>
+                        </m:r>
+                      </m:e>
+                      <m:sub>
+                        <m:r>
+                          <a:rPr lang="en-US" altLang="ja-JP" sz="1800" b="0" i="1" smtClean="0">
+                            <a:latin typeface="Cambria Math" panose="02040503050406030204" pitchFamily="18" charset="0"/>
+                          </a:rPr>
+                          <m:t>𝐵</m:t>
+                        </m:r>
+                      </m:sub>
+                    </m:sSub>
+                  </m:oMath>
+                </a14:m>
+                <a:r>
+                  <a:rPr lang="en-US" altLang="ja-JP" sz="1800" dirty="0"/>
+                  <a:t> </a:t>
+                </a:r>
+                <a14:m>
+                  <m:oMath xmlns:m="http://schemas.openxmlformats.org/officeDocument/2006/math">
+                    <m:r>
+                      <a:rPr lang="en-US" altLang="ja-JP" sz="1800">
+                        <a:latin typeface="Cambria Math" panose="02040503050406030204" pitchFamily="18" charset="0"/>
+                      </a:rPr>
+                      <m:t>&lt;1.2</m:t>
+                    </m:r>
+                    <m:r>
+                      <a:rPr lang="en-US" altLang="ja-JP" sz="1800" i="1">
+                        <a:latin typeface="Cambria Math" panose="02040503050406030204" pitchFamily="18" charset="0"/>
+                      </a:rPr>
+                      <m:t> </m:t>
+                    </m:r>
+                  </m:oMath>
+                </a14:m>
+                <a:r>
+                  <a:rPr lang="en-US" altLang="ja-JP" sz="1800" dirty="0"/>
+                  <a:t>		</a:t>
+                </a:r>
+                <a14:m>
+                  <m:oMath xmlns:m="http://schemas.openxmlformats.org/officeDocument/2006/math">
+                    <m:d>
+                      <m:dPr>
+                        <m:ctrlPr>
+                          <a:rPr lang="en-US" altLang="ja-JP" sz="1800" b="0" i="1" smtClean="0">
+                            <a:latin typeface="Cambria Math" panose="02040503050406030204" pitchFamily="18" charset="0"/>
+                          </a:rPr>
+                        </m:ctrlPr>
+                      </m:dPr>
+                      <m:e>
+                        <m:r>
+                          <a:rPr lang="en-US" altLang="ja-JP" sz="1800" b="0" i="1" smtClean="0">
+                            <a:latin typeface="Cambria Math" panose="02040503050406030204" pitchFamily="18" charset="0"/>
+                          </a:rPr>
+                          <m:t>11</m:t>
+                        </m:r>
+                      </m:e>
+                    </m:d>
+                  </m:oMath>
+                </a14:m>
+                <a:endParaRPr kumimoji="1" lang="en-US" altLang="ja-JP" sz="1800" dirty="0"/>
+              </a:p>
+              <a:p>
+                <a:pPr algn="ctr"/>
+                <a14:m>
+                  <m:oMath xmlns:m="http://schemas.openxmlformats.org/officeDocument/2006/math">
+                    <m:sSub>
+                      <m:sSubPr>
+                        <m:ctrlPr>
+                          <a:rPr lang="en-US" altLang="ja-JP" sz="1800" b="0" i="1" smtClean="0">
+                            <a:latin typeface="Cambria Math" panose="02040503050406030204" pitchFamily="18" charset="0"/>
+                          </a:rPr>
+                        </m:ctrlPr>
+                      </m:sSubPr>
+                      <m:e>
+                        <m:r>
+                          <a:rPr lang="en-US" altLang="ja-JP" sz="1800" b="0" i="1" smtClean="0">
+                            <a:latin typeface="Cambria Math" panose="02040503050406030204" pitchFamily="18" charset="0"/>
+                          </a:rPr>
+                          <m:t>𝑉</m:t>
+                        </m:r>
+                      </m:e>
+                      <m:sub>
+                        <m:r>
+                          <a:rPr lang="en-US" altLang="ja-JP" sz="1800" b="0" i="1" smtClean="0">
+                            <a:latin typeface="Cambria Math" panose="02040503050406030204" pitchFamily="18" charset="0"/>
+                          </a:rPr>
+                          <m:t>𝑆</m:t>
+                        </m:r>
+                      </m:sub>
+                    </m:sSub>
+                    <m:r>
+                      <a:rPr lang="en-US" altLang="ja-JP" sz="1800" b="0" i="1" smtClean="0">
+                        <a:latin typeface="Cambria Math" panose="02040503050406030204" pitchFamily="18" charset="0"/>
+                      </a:rPr>
+                      <m:t>+0.4&lt;</m:t>
+                    </m:r>
+                    <m:sSub>
+                      <m:sSubPr>
+                        <m:ctrlPr>
+                          <a:rPr lang="en-US" altLang="ja-JP" sz="1800" b="0" i="1" smtClean="0">
+                            <a:latin typeface="Cambria Math" panose="02040503050406030204" pitchFamily="18" charset="0"/>
+                          </a:rPr>
+                        </m:ctrlPr>
+                      </m:sSubPr>
+                      <m:e>
+                        <m:r>
+                          <a:rPr lang="en-US" altLang="ja-JP" sz="1800" b="0" i="1" smtClean="0">
+                            <a:latin typeface="Cambria Math" panose="02040503050406030204" pitchFamily="18" charset="0"/>
+                          </a:rPr>
+                          <m:t>𝑉</m:t>
+                        </m:r>
+                      </m:e>
+                      <m:sub>
+                        <m:r>
+                          <a:rPr lang="en-US" altLang="ja-JP" sz="1800" b="0" i="1" smtClean="0">
+                            <a:latin typeface="Cambria Math" panose="02040503050406030204" pitchFamily="18" charset="0"/>
+                          </a:rPr>
+                          <m:t>𝐴𝐵</m:t>
+                        </m:r>
+                      </m:sub>
+                    </m:sSub>
+                    <m:r>
+                      <a:rPr lang="en-US" altLang="ja-JP" sz="1800" i="1">
+                        <a:latin typeface="Cambria Math" panose="02040503050406030204" pitchFamily="18" charset="0"/>
+                      </a:rPr>
+                      <m:t>&lt;0.9</m:t>
+                    </m:r>
+                  </m:oMath>
+                </a14:m>
+                <a:r>
+                  <a:rPr lang="en-US" altLang="ja-JP" sz="1800" dirty="0"/>
+                  <a:t>		</a:t>
+                </a:r>
+                <a14:m>
+                  <m:oMath xmlns:m="http://schemas.openxmlformats.org/officeDocument/2006/math">
+                    <m:d>
+                      <m:dPr>
+                        <m:ctrlPr>
+                          <a:rPr lang="en-US" altLang="ja-JP" sz="1800" b="0" i="1" smtClean="0">
+                            <a:latin typeface="Cambria Math" panose="02040503050406030204" pitchFamily="18" charset="0"/>
+                          </a:rPr>
+                        </m:ctrlPr>
+                      </m:dPr>
+                      <m:e>
+                        <m:r>
+                          <a:rPr lang="en-US" altLang="ja-JP" sz="1800" b="0" i="1" smtClean="0">
+                            <a:latin typeface="Cambria Math" panose="02040503050406030204" pitchFamily="18" charset="0"/>
+                          </a:rPr>
+                          <m:t>12</m:t>
+                        </m:r>
+                      </m:e>
+                    </m:d>
+                  </m:oMath>
+                </a14:m>
+                <a:endParaRPr lang="en-US" altLang="ja-JP" sz="1800" dirty="0"/>
+              </a:p>
+              <a:p>
+                <a:pPr algn="ctr"/>
+                <a14:m>
+                  <m:oMath xmlns:m="http://schemas.openxmlformats.org/officeDocument/2006/math">
+                    <m:sSub>
+                      <m:sSubPr>
+                        <m:ctrlPr>
+                          <a:rPr lang="en-US" altLang="ja-JP" sz="1800" b="0" i="1" smtClean="0">
+                            <a:latin typeface="Cambria Math" panose="02040503050406030204" pitchFamily="18" charset="0"/>
+                          </a:rPr>
+                        </m:ctrlPr>
+                      </m:sSubPr>
+                      <m:e>
+                        <m:r>
+                          <a:rPr lang="en-US" altLang="ja-JP" sz="1800" b="0" i="1" smtClean="0">
+                            <a:latin typeface="Cambria Math" panose="02040503050406030204" pitchFamily="18" charset="0"/>
+                          </a:rPr>
+                          <m:t>𝑉</m:t>
+                        </m:r>
+                      </m:e>
+                      <m:sub>
+                        <m:r>
+                          <a:rPr lang="en-US" altLang="ja-JP" sz="1800" b="0" i="1" smtClean="0">
+                            <a:latin typeface="Cambria Math" panose="02040503050406030204" pitchFamily="18" charset="0"/>
+                          </a:rPr>
+                          <m:t>𝑆</m:t>
+                        </m:r>
+                      </m:sub>
+                    </m:sSub>
+                    <m:r>
+                      <a:rPr lang="en-US" altLang="ja-JP" sz="1800" b="0" i="1" smtClean="0">
+                        <a:latin typeface="Cambria Math" panose="02040503050406030204" pitchFamily="18" charset="0"/>
+                      </a:rPr>
+                      <m:t>+1.1&lt;</m:t>
+                    </m:r>
+                    <m:sSub>
+                      <m:sSubPr>
+                        <m:ctrlPr>
+                          <a:rPr lang="en-US" altLang="ja-JP" sz="1800" b="0" i="1" smtClean="0">
+                            <a:latin typeface="Cambria Math" panose="02040503050406030204" pitchFamily="18" charset="0"/>
+                          </a:rPr>
+                        </m:ctrlPr>
+                      </m:sSubPr>
+                      <m:e>
+                        <m:r>
+                          <a:rPr lang="en-US" altLang="ja-JP" sz="1800" b="0" i="1" smtClean="0">
+                            <a:latin typeface="Cambria Math" panose="02040503050406030204" pitchFamily="18" charset="0"/>
+                          </a:rPr>
+                          <m:t>𝑉</m:t>
+                        </m:r>
+                      </m:e>
+                      <m:sub>
+                        <m:r>
+                          <a:rPr lang="en-US" altLang="ja-JP" sz="1800" b="0" i="1" smtClean="0">
+                            <a:latin typeface="Cambria Math" panose="02040503050406030204" pitchFamily="18" charset="0"/>
+                          </a:rPr>
+                          <m:t>𝐴</m:t>
+                        </m:r>
+                      </m:sub>
+                    </m:sSub>
+                    <m:r>
+                      <a:rPr lang="en-US" altLang="ja-JP" sz="1800" i="1">
+                        <a:latin typeface="Cambria Math" panose="02040503050406030204" pitchFamily="18" charset="0"/>
+                      </a:rPr>
+                      <m:t>&lt;1.6</m:t>
+                    </m:r>
+                  </m:oMath>
+                </a14:m>
+                <a:r>
+                  <a:rPr lang="en-US" altLang="ja-JP" sz="1800" dirty="0"/>
+                  <a:t>		</a:t>
+                </a:r>
+                <a14:m>
+                  <m:oMath xmlns:m="http://schemas.openxmlformats.org/officeDocument/2006/math">
+                    <m:d>
+                      <m:dPr>
+                        <m:ctrlPr>
+                          <a:rPr lang="en-US" altLang="ja-JP" sz="1800" b="0" i="1" smtClean="0">
+                            <a:latin typeface="Cambria Math" panose="02040503050406030204" pitchFamily="18" charset="0"/>
+                          </a:rPr>
+                        </m:ctrlPr>
+                      </m:dPr>
+                      <m:e>
+                        <m:r>
+                          <a:rPr lang="en-US" altLang="ja-JP" sz="1800" b="0" i="1" smtClean="0">
+                            <a:latin typeface="Cambria Math" panose="02040503050406030204" pitchFamily="18" charset="0"/>
+                          </a:rPr>
+                          <m:t>13</m:t>
+                        </m:r>
+                      </m:e>
+                    </m:d>
+                  </m:oMath>
+                </a14:m>
+                <a:endParaRPr lang="en-US" altLang="ja-JP" sz="1800" b="0" dirty="0"/>
+              </a:p>
+            </p:txBody>
+          </p:sp>
+        </mc:Choice>
+        <mc:Fallback>
+          <p:sp>
+            <p:nvSpPr>
+              <p:cNvPr id="8" name="テキスト ボックス 7">
+                <a:extLst>
+                  <a:ext uri="{FF2B5EF4-FFF2-40B4-BE49-F238E27FC236}">
+                    <a16:creationId xmlns:a16="http://schemas.microsoft.com/office/drawing/2014/main" id="{F87EEBD5-693E-3149-C7AE-9BF8CBE3B7CE}"/>
+                  </a:ext>
+                </a:extLst>
+              </p:cNvPr>
+              <p:cNvSpPr txBox="1">
+                <a:spLocks noRot="1" noChangeAspect="1" noMove="1" noResize="1" noEditPoints="1" noAdjustHandles="1" noChangeArrowheads="1" noChangeShapeType="1" noTextEdit="1"/>
+              </p:cNvSpPr>
+              <p:nvPr/>
+            </p:nvSpPr>
+            <p:spPr>
+              <a:xfrm>
+                <a:off x="6083125" y="259526"/>
+                <a:ext cx="6096000" cy="1200329"/>
+              </a:xfrm>
+              <a:prstGeom prst="rect">
+                <a:avLst/>
+              </a:prstGeom>
+              <a:blipFill>
+                <a:blip r:embed="rId6"/>
+                <a:stretch>
+                  <a:fillRect/>
+                </a:stretch>
+              </a:blipFill>
+            </p:spPr>
+            <p:txBody>
+              <a:bodyPr/>
+              <a:lstStyle/>
+              <a:p>
+                <a:r>
+                  <a:rPr lang="ja-JP" altLang="en-US">
+                    <a:noFill/>
+                  </a:rPr>
+                  <a:t> </a:t>
+                </a:r>
+              </a:p>
+            </p:txBody>
+          </p:sp>
+        </mc:Fallback>
+      </mc:AlternateContent>
     </p:spTree>
     <p:extLst>
       <p:ext uri="{BB962C8B-B14F-4D97-AF65-F5344CB8AC3E}">
@@ -8011,7 +9983,7 @@
 </p:sld>
 </file>
 
-<file path=ppt/slides/slide12.xml><?xml version="1.0" encoding="utf-8"?>
+<file path=ppt/slides/slide13.xml><?xml version="1.0" encoding="utf-8"?>
 <p:sld xmlns:a="http://schemas.openxmlformats.org/drawingml/2006/main" xmlns:r="http://schemas.openxmlformats.org/officeDocument/2006/relationships" xmlns:p="http://schemas.openxmlformats.org/presentationml/2006/main">
   <p:cSld>
     <p:spTree>
@@ -8079,7 +10051,7 @@
           <a:p>
             <a:fld id="{BAC09C9C-7DB0-444B-A568-405A39CC84C0}" type="slidenum">
               <a:rPr kumimoji="1" lang="ja-JP" altLang="en-US" smtClean="0"/>
-              <a:t>12</a:t>
+              <a:t>13</a:t>
             </a:fld>
             <a:endParaRPr kumimoji="1" lang="ja-JP" altLang="en-US"/>
           </a:p>
@@ -11428,7 +13400,7 @@
 </p:sld>
 </file>
 
-<file path=ppt/slides/slide13.xml><?xml version="1.0" encoding="utf-8"?>
+<file path=ppt/slides/slide14.xml><?xml version="1.0" encoding="utf-8"?>
 <p:sld xmlns:a="http://schemas.openxmlformats.org/drawingml/2006/main" xmlns:r="http://schemas.openxmlformats.org/officeDocument/2006/relationships" xmlns:p="http://schemas.openxmlformats.org/presentationml/2006/main">
   <p:cSld>
     <p:spTree>
@@ -11497,14 +13469,14 @@
           <a:p>
             <a:fld id="{BAC09C9C-7DB0-444B-A568-405A39CC84C0}" type="slidenum">
               <a:rPr kumimoji="1" lang="ja-JP" altLang="en-US" smtClean="0"/>
-              <a:t>13</a:t>
+              <a:t>14</a:t>
             </a:fld>
             <a:endParaRPr kumimoji="1" lang="ja-JP" altLang="en-US"/>
           </a:p>
         </p:txBody>
       </p:sp>
-      <mc:AlternateContent xmlns:mc="http://schemas.openxmlformats.org/markup-compatibility/2006">
-        <mc:Choice xmlns:a14="http://schemas.microsoft.com/office/drawing/2010/main" Requires="a14">
+      <mc:AlternateContent xmlns:mc="http://schemas.openxmlformats.org/markup-compatibility/2006" xmlns:a14="http://schemas.microsoft.com/office/drawing/2010/main">
+        <mc:Choice Requires="a14">
           <p:sp>
             <p:nvSpPr>
               <p:cNvPr id="4" name="テキスト ボックス 3">
@@ -11838,7 +13810,7 @@
             </p:txBody>
           </p:sp>
         </mc:Choice>
-        <mc:Fallback>
+        <mc:Fallback xmlns="">
           <p:sp>
             <p:nvSpPr>
               <p:cNvPr id="4" name="テキスト ボックス 3">
@@ -11883,6 +13855,42 @@
           </p:sp>
         </mc:Fallback>
       </mc:AlternateContent>
+      <p:pic>
+        <p:nvPicPr>
+          <p:cNvPr id="6" name="図 5" descr="黒い背景に白い文字がある&#10;&#10;低い精度で自動的に生成された説明">
+            <a:extLst>
+              <a:ext uri="{FF2B5EF4-FFF2-40B4-BE49-F238E27FC236}">
+                <a16:creationId xmlns:a16="http://schemas.microsoft.com/office/drawing/2014/main" id="{E112D17F-97F3-BEDB-AE4F-E0998266260A}"/>
+              </a:ext>
+            </a:extLst>
+          </p:cNvPr>
+          <p:cNvPicPr>
+            <a:picLocks noChangeAspect="1"/>
+          </p:cNvPicPr>
+          <p:nvPr/>
+        </p:nvPicPr>
+        <p:blipFill>
+          <a:blip r:embed="rId3">
+            <a:extLst>
+              <a:ext uri="{28A0092B-C50C-407E-A947-70E740481C1C}">
+                <a14:useLocalDpi xmlns:a14="http://schemas.microsoft.com/office/drawing/2010/main" val="0"/>
+              </a:ext>
+            </a:extLst>
+          </a:blip>
+          <a:stretch>
+            <a:fillRect/>
+          </a:stretch>
+        </p:blipFill>
+        <p:spPr>
+          <a:xfrm>
+            <a:off x="8828709" y="2791432"/>
+            <a:ext cx="2970612" cy="2792598"/>
+          </a:xfrm>
+          <a:prstGeom prst="rect">
+            <a:avLst/>
+          </a:prstGeom>
+        </p:spPr>
+      </p:pic>
     </p:spTree>
     <p:extLst>
       <p:ext uri="{BB962C8B-B14F-4D97-AF65-F5344CB8AC3E}">
@@ -11896,7 +13904,7 @@
 </p:sld>
 </file>
 
-<file path=ppt/slides/slide14.xml><?xml version="1.0" encoding="utf-8"?>
+<file path=ppt/slides/slide15.xml><?xml version="1.0" encoding="utf-8"?>
 <p:sld xmlns:a="http://schemas.openxmlformats.org/drawingml/2006/main" xmlns:r="http://schemas.openxmlformats.org/officeDocument/2006/relationships" xmlns:p="http://schemas.openxmlformats.org/presentationml/2006/main">
   <p:cSld>
     <p:spTree>
@@ -11972,14 +13980,14 @@
           <a:p>
             <a:fld id="{BAC09C9C-7DB0-444B-A568-405A39CC84C0}" type="slidenum">
               <a:rPr kumimoji="1" lang="ja-JP" altLang="en-US" smtClean="0"/>
-              <a:t>14</a:t>
+              <a:t>15</a:t>
             </a:fld>
             <a:endParaRPr kumimoji="1" lang="ja-JP" altLang="en-US"/>
           </a:p>
         </p:txBody>
       </p:sp>
-      <mc:AlternateContent xmlns:mc="http://schemas.openxmlformats.org/markup-compatibility/2006">
-        <mc:Choice xmlns:a14="http://schemas.microsoft.com/office/drawing/2010/main" Requires="a14">
+      <mc:AlternateContent xmlns:mc="http://schemas.openxmlformats.org/markup-compatibility/2006" xmlns:a14="http://schemas.microsoft.com/office/drawing/2010/main">
+        <mc:Choice Requires="a14">
           <p:sp>
             <p:nvSpPr>
               <p:cNvPr id="7" name="テキスト ボックス 6">
@@ -12068,19 +14076,7 @@
                       <a:rPr kumimoji="1" lang="en-US" altLang="ja-JP" sz="2400" b="0" i="1" smtClean="0">
                         <a:latin typeface="Cambria Math" panose="02040503050406030204" pitchFamily="18" charset="0"/>
                       </a:rPr>
-                      <m:t>0.</m:t>
-                    </m:r>
-                    <m:r>
-                      <a:rPr kumimoji="1" lang="en-US" altLang="ja-JP" sz="2400" b="0" i="1" smtClean="0">
-                        <a:latin typeface="Cambria Math" panose="02040503050406030204" pitchFamily="18" charset="0"/>
-                      </a:rPr>
-                      <m:t>72</m:t>
-                    </m:r>
-                    <m:r>
-                      <a:rPr kumimoji="1" lang="en-US" altLang="ja-JP" sz="2400" b="0" i="1" smtClean="0">
-                        <a:latin typeface="Cambria Math" panose="02040503050406030204" pitchFamily="18" charset="0"/>
-                      </a:rPr>
-                      <m:t> </m:t>
+                      <m:t>0.72 </m:t>
                     </m:r>
                     <m:r>
                       <a:rPr kumimoji="1" lang="en-US" altLang="ja-JP" sz="2400" b="0" i="1" smtClean="0">
@@ -12158,7 +14154,7 @@
             </p:txBody>
           </p:sp>
         </mc:Choice>
-        <mc:Fallback>
+        <mc:Fallback xmlns="">
           <p:sp>
             <p:nvSpPr>
               <p:cNvPr id="7" name="テキスト ボックス 6">
@@ -12251,7 +14247,7 @@
 </p:sld>
 </file>
 
-<file path=ppt/slides/slide15.xml><?xml version="1.0" encoding="utf-8"?>
+<file path=ppt/slides/slide16.xml><?xml version="1.0" encoding="utf-8"?>
 <p:sld xmlns:a="http://schemas.openxmlformats.org/drawingml/2006/main" xmlns:r="http://schemas.openxmlformats.org/officeDocument/2006/relationships" xmlns:p="http://schemas.openxmlformats.org/presentationml/2006/main">
   <p:cSld>
     <p:spTree>
@@ -12362,14 +14358,14 @@
           <a:p>
             <a:fld id="{BAC09C9C-7DB0-444B-A568-405A39CC84C0}" type="slidenum">
               <a:rPr kumimoji="1" lang="ja-JP" altLang="en-US" smtClean="0"/>
-              <a:t>15</a:t>
+              <a:t>16</a:t>
             </a:fld>
             <a:endParaRPr kumimoji="1" lang="ja-JP" altLang="en-US"/>
           </a:p>
         </p:txBody>
       </p:sp>
-      <mc:AlternateContent xmlns:mc="http://schemas.openxmlformats.org/markup-compatibility/2006">
-        <mc:Choice xmlns:a14="http://schemas.microsoft.com/office/drawing/2010/main" Requires="a14">
+      <mc:AlternateContent xmlns:mc="http://schemas.openxmlformats.org/markup-compatibility/2006" xmlns:a14="http://schemas.microsoft.com/office/drawing/2010/main">
+        <mc:Choice Requires="a14">
           <p:sp>
             <p:nvSpPr>
               <p:cNvPr id="6" name="テキスト ボックス 5">
@@ -12664,25 +14660,7 @@
                       <a:rPr lang="en-US" altLang="ja-JP" sz="2400" b="0" i="1" smtClean="0">
                         <a:latin typeface="Cambria Math" panose="02040503050406030204" pitchFamily="18" charset="0"/>
                       </a:rPr>
-                      <m:t>428006</m:t>
-                    </m:r>
-                    <m:r>
-                      <a:rPr lang="en-US" altLang="ja-JP" sz="2400" b="0" i="1" smtClean="0">
-                        <a:latin typeface="Cambria Math" panose="02040503050406030204" pitchFamily="18" charset="0"/>
-                      </a:rPr>
-                      <m:t>≈0.4</m:t>
-                    </m:r>
-                    <m:r>
-                      <a:rPr lang="en-US" altLang="ja-JP" sz="2400" b="0" i="1" smtClean="0">
-                        <a:latin typeface="Cambria Math" panose="02040503050406030204" pitchFamily="18" charset="0"/>
-                      </a:rPr>
-                      <m:t>3</m:t>
-                    </m:r>
-                    <m:r>
-                      <a:rPr lang="en-US" altLang="ja-JP" sz="2400" b="0" i="1" smtClean="0">
-                        <a:latin typeface="Cambria Math" panose="02040503050406030204" pitchFamily="18" charset="0"/>
-                      </a:rPr>
-                      <m:t> </m:t>
+                      <m:t>428006≈0.43 </m:t>
                     </m:r>
                     <m:r>
                       <m:rPr>
@@ -13160,19 +15138,7 @@
                         <a:rPr lang="en-US" altLang="ja-JP" sz="2400" b="0" i="1" smtClean="0">
                           <a:latin typeface="Cambria Math" panose="02040503050406030204" pitchFamily="18" charset="0"/>
                         </a:rPr>
-                        <m:t>≈</m:t>
-                      </m:r>
-                      <m:r>
-                        <a:rPr lang="en-US" altLang="ja-JP" sz="2400" b="0" i="1" smtClean="0">
-                          <a:latin typeface="Cambria Math" panose="02040503050406030204" pitchFamily="18" charset="0"/>
-                        </a:rPr>
-                        <m:t>122</m:t>
-                      </m:r>
-                      <m:r>
-                        <a:rPr lang="en-US" altLang="ja-JP" sz="2400" b="0" i="1" smtClean="0">
-                          <a:latin typeface="Cambria Math" panose="02040503050406030204" pitchFamily="18" charset="0"/>
-                        </a:rPr>
-                        <m:t> </m:t>
+                        <m:t>≈122 </m:t>
                       </m:r>
                       <m:r>
                         <m:rPr>
@@ -13206,7 +15172,7 @@
             </p:txBody>
           </p:sp>
         </mc:Choice>
-        <mc:Fallback>
+        <mc:Fallback xmlns="">
           <p:sp>
             <p:nvSpPr>
               <p:cNvPr id="6" name="テキスト ボックス 5">
@@ -13264,7 +15230,7 @@
 </p:sld>
 </file>
 
-<file path=ppt/slides/slide16.xml><?xml version="1.0" encoding="utf-8"?>
+<file path=ppt/slides/slide17.xml><?xml version="1.0" encoding="utf-8"?>
 <p:sld xmlns:a="http://schemas.openxmlformats.org/drawingml/2006/main" xmlns:r="http://schemas.openxmlformats.org/officeDocument/2006/relationships" xmlns:p="http://schemas.openxmlformats.org/presentationml/2006/main">
   <p:cSld>
     <p:spTree>
@@ -13332,14 +15298,14 @@
           <a:p>
             <a:fld id="{BAC09C9C-7DB0-444B-A568-405A39CC84C0}" type="slidenum">
               <a:rPr kumimoji="1" lang="ja-JP" altLang="en-US" smtClean="0"/>
-              <a:t>16</a:t>
+              <a:t>17</a:t>
             </a:fld>
             <a:endParaRPr kumimoji="1" lang="ja-JP" altLang="en-US"/>
           </a:p>
         </p:txBody>
       </p:sp>
-      <mc:AlternateContent xmlns:mc="http://schemas.openxmlformats.org/markup-compatibility/2006">
-        <mc:Choice xmlns:a14="http://schemas.microsoft.com/office/drawing/2010/main" Requires="a14">
+      <mc:AlternateContent xmlns:mc="http://schemas.openxmlformats.org/markup-compatibility/2006" xmlns:a14="http://schemas.microsoft.com/office/drawing/2010/main">
+        <mc:Choice Requires="a14">
           <p:sp>
             <p:nvSpPr>
               <p:cNvPr id="4" name="テキスト ボックス 3">
@@ -13922,19 +15888,7 @@
                             <a:rPr kumimoji="1" lang="en-US" altLang="ja-JP" sz="2400" b="0" i="1" smtClean="0">
                               <a:latin typeface="Cambria Math" panose="02040503050406030204" pitchFamily="18" charset="0"/>
                             </a:rPr>
-                            <m:t>⋅0.</m:t>
-                          </m:r>
-                          <m:r>
-                            <a:rPr kumimoji="1" lang="en-US" altLang="ja-JP" sz="2400" b="0" i="1" smtClean="0">
-                              <a:latin typeface="Cambria Math" panose="02040503050406030204" pitchFamily="18" charset="0"/>
-                            </a:rPr>
-                            <m:t>72</m:t>
-                          </m:r>
-                          <m:r>
-                            <a:rPr kumimoji="1" lang="en-US" altLang="ja-JP" sz="2400" b="0" i="1" smtClean="0">
-                              <a:latin typeface="Cambria Math" panose="02040503050406030204" pitchFamily="18" charset="0"/>
-                            </a:rPr>
-                            <m:t>×</m:t>
+                            <m:t>⋅0.72×</m:t>
                           </m:r>
                           <m:sSup>
                             <m:sSupPr>
@@ -13967,13 +15921,7 @@
                             <a:rPr kumimoji="1" lang="en-US" altLang="ja-JP" sz="2400" b="0" i="1" smtClean="0">
                               <a:latin typeface="Cambria Math" panose="02040503050406030204" pitchFamily="18" charset="0"/>
                             </a:rPr>
-                            <m:t>122</m:t>
-                          </m:r>
-                          <m:r>
-                            <a:rPr kumimoji="1" lang="en-US" altLang="ja-JP" sz="2400" b="0" i="1" smtClean="0">
-                              <a:latin typeface="Cambria Math" panose="02040503050406030204" pitchFamily="18" charset="0"/>
-                            </a:rPr>
-                            <m:t>×</m:t>
+                            <m:t>122×</m:t>
                           </m:r>
                           <m:sSup>
                             <m:sSupPr>
@@ -14004,13 +15952,7 @@
                             <a:rPr kumimoji="1" lang="en-US" altLang="ja-JP" sz="2400" b="0" i="1" smtClean="0">
                               <a:latin typeface="Cambria Math" panose="02040503050406030204" pitchFamily="18" charset="0"/>
                             </a:rPr>
-                            <m:t>⋅16</m:t>
-                          </m:r>
-                          <m:r>
-                            <a:rPr kumimoji="1" lang="en-US" altLang="ja-JP" sz="2400" b="0" i="1" smtClean="0">
-                              <a:latin typeface="Cambria Math" panose="02040503050406030204" pitchFamily="18" charset="0"/>
-                            </a:rPr>
-                            <m:t>⋅</m:t>
+                            <m:t>⋅16⋅</m:t>
                           </m:r>
                           <m:sSup>
                             <m:sSupPr>
@@ -14034,13 +15976,7 @@
                                     <a:rPr kumimoji="1" lang="en-US" altLang="ja-JP" sz="2400" b="0" i="1" smtClean="0">
                                       <a:latin typeface="Cambria Math" panose="02040503050406030204" pitchFamily="18" charset="0"/>
                                     </a:rPr>
-                                    <m:t>0.7−0.4</m:t>
-                                  </m:r>
-                                  <m:r>
-                                    <a:rPr kumimoji="1" lang="en-US" altLang="ja-JP" sz="2400" b="0" i="1" smtClean="0">
-                                      <a:latin typeface="Cambria Math" panose="02040503050406030204" pitchFamily="18" charset="0"/>
-                                    </a:rPr>
-                                    <m:t>2</m:t>
+                                    <m:t>0.7−0.42</m:t>
                                   </m:r>
                                 </m:e>
                               </m:d>
@@ -14060,19 +15996,7 @@
                         <a:rPr kumimoji="1" lang="en-US" altLang="ja-JP" sz="2400" b="0" i="1" smtClean="0">
                           <a:latin typeface="Cambria Math" panose="02040503050406030204" pitchFamily="18" charset="0"/>
                         </a:rPr>
-                        <m:t>=</m:t>
-                      </m:r>
-                      <m:r>
-                        <a:rPr kumimoji="1" lang="en-US" altLang="ja-JP" sz="2400" b="0" i="1" smtClean="0">
-                          <a:latin typeface="Cambria Math" panose="02040503050406030204" pitchFamily="18" charset="0"/>
-                        </a:rPr>
-                        <m:t>4.70</m:t>
-                      </m:r>
-                      <m:r>
-                        <a:rPr kumimoji="1" lang="en-US" altLang="ja-JP" sz="2400" b="0" i="1" smtClean="0">
-                          <a:latin typeface="Cambria Math" panose="02040503050406030204" pitchFamily="18" charset="0"/>
-                        </a:rPr>
-                        <m:t>⋯×</m:t>
+                        <m:t>=4.70⋯×</m:t>
                       </m:r>
                       <m:sSup>
                         <m:sSupPr>
@@ -14116,19 +16040,7 @@
                         <a:rPr kumimoji="1" lang="en-US" altLang="ja-JP" sz="2400" b="0" i="1" smtClean="0">
                           <a:latin typeface="Cambria Math" panose="02040503050406030204" pitchFamily="18" charset="0"/>
                         </a:rPr>
-                        <m:t>≈</m:t>
-                      </m:r>
-                      <m:r>
-                        <a:rPr kumimoji="1" lang="en-US" altLang="ja-JP" sz="2400" b="0" i="1" smtClean="0">
-                          <a:latin typeface="Cambria Math" panose="02040503050406030204" pitchFamily="18" charset="0"/>
-                        </a:rPr>
-                        <m:t>4.7</m:t>
-                      </m:r>
-                      <m:r>
-                        <a:rPr kumimoji="1" lang="en-US" altLang="ja-JP" sz="2400" b="0" i="1" smtClean="0">
-                          <a:latin typeface="Cambria Math" panose="02040503050406030204" pitchFamily="18" charset="0"/>
-                        </a:rPr>
-                        <m:t>×</m:t>
+                        <m:t>≈4.7×</m:t>
                       </m:r>
                       <m:sSup>
                         <m:sSupPr>
@@ -14443,7 +16355,7 @@
             </p:txBody>
           </p:sp>
         </mc:Choice>
-        <mc:Fallback>
+        <mc:Fallback xmlns="">
           <p:sp>
             <p:nvSpPr>
               <p:cNvPr id="4" name="テキスト ボックス 3">
@@ -14501,7 +16413,7 @@
 </p:sld>
 </file>
 
-<file path=ppt/slides/slide17.xml><?xml version="1.0" encoding="utf-8"?>
+<file path=ppt/slides/slide18.xml><?xml version="1.0" encoding="utf-8"?>
 <p:sld xmlns:a="http://schemas.openxmlformats.org/drawingml/2006/main" xmlns:r="http://schemas.openxmlformats.org/officeDocument/2006/relationships" xmlns:p="http://schemas.openxmlformats.org/presentationml/2006/main">
   <p:cSld>
     <p:spTree>
@@ -14569,7 +16481,7 @@
           <a:p>
             <a:fld id="{BAC09C9C-7DB0-444B-A568-405A39CC84C0}" type="slidenum">
               <a:rPr kumimoji="1" lang="ja-JP" altLang="en-US" smtClean="0"/>
-              <a:t>17</a:t>
+              <a:t>18</a:t>
             </a:fld>
             <a:endParaRPr kumimoji="1" lang="ja-JP" altLang="en-US"/>
           </a:p>
@@ -14591,7 +16503,7 @@
             </p:nvSpPr>
             <p:spPr>
               <a:xfrm>
-                <a:off x="6096000" y="2035277"/>
+                <a:off x="6567949" y="2261000"/>
                 <a:ext cx="5624051" cy="3124894"/>
               </a:xfrm>
               <a:prstGeom prst="rect">
@@ -14793,7 +16705,7 @@
                     <m:sSub>
                       <m:sSubPr>
                         <m:ctrlPr>
-                          <a:rPr lang="en-US" altLang="ja-JP" sz="2400" b="0" i="0" smtClean="0">
+                          <a:rPr lang="en-US" altLang="ja-JP" sz="2400" b="0" i="1" smtClean="0">
                             <a:latin typeface="Cambria Math" panose="02040503050406030204" pitchFamily="18" charset="0"/>
                           </a:rPr>
                         </m:ctrlPr>
@@ -14879,7 +16791,7 @@
             </p:nvSpPr>
             <p:spPr>
               <a:xfrm>
-                <a:off x="6096000" y="2035277"/>
+                <a:off x="6567949" y="2261000"/>
                 <a:ext cx="5624051" cy="3124894"/>
               </a:xfrm>
               <a:prstGeom prst="rect">
@@ -14888,7 +16800,7 @@
               <a:blipFill>
                 <a:blip r:embed="rId2"/>
                 <a:stretch>
-                  <a:fillRect l="-1625" t="-1563" b="-3711"/>
+                  <a:fillRect l="-1625" t="-1559" b="-3509"/>
                 </a:stretch>
               </a:blipFill>
             </p:spPr>
@@ -14907,6 +16819,41 @@
           </p:sp>
         </mc:Fallback>
       </mc:AlternateContent>
+      <p:pic>
+        <p:nvPicPr>
+          <p:cNvPr id="6" name="図 5" descr="グラフ&#10;&#10;自動的に生成された説明">
+            <a:extLst>
+              <a:ext uri="{FF2B5EF4-FFF2-40B4-BE49-F238E27FC236}">
+                <a16:creationId xmlns:a16="http://schemas.microsoft.com/office/drawing/2014/main" id="{BF7B9CE5-EED0-E955-B96F-64D4B0293DC5}"/>
+              </a:ext>
+            </a:extLst>
+          </p:cNvPr>
+          <p:cNvPicPr>
+            <a:picLocks noChangeAspect="1"/>
+          </p:cNvPicPr>
+          <p:nvPr/>
+        </p:nvPicPr>
+        <p:blipFill rotWithShape="1">
+          <a:blip r:embed="rId3">
+            <a:extLst>
+              <a:ext uri="{28A0092B-C50C-407E-A947-70E740481C1C}">
+                <a14:useLocalDpi xmlns:a14="http://schemas.microsoft.com/office/drawing/2010/main" val="0"/>
+              </a:ext>
+            </a:extLst>
+          </a:blip>
+          <a:srcRect l="972" r="11888"/>
+          <a:stretch/>
+        </p:blipFill>
+        <p:spPr>
+          <a:xfrm>
+            <a:off x="0" y="1557821"/>
+            <a:ext cx="6598024" cy="5300179"/>
+          </a:xfrm>
+          <a:prstGeom prst="rect">
+            <a:avLst/>
+          </a:prstGeom>
+        </p:spPr>
+      </p:pic>
     </p:spTree>
     <p:extLst>
       <p:ext uri="{BB962C8B-B14F-4D97-AF65-F5344CB8AC3E}">
@@ -14973,8 +16920,8 @@
           </a:p>
         </p:txBody>
       </p:sp>
-      <mc:AlternateContent xmlns:mc="http://schemas.openxmlformats.org/markup-compatibility/2006" xmlns:a14="http://schemas.microsoft.com/office/drawing/2010/main">
-        <mc:Choice Requires="a14">
+      <mc:AlternateContent xmlns:mc="http://schemas.openxmlformats.org/markup-compatibility/2006">
+        <mc:Choice xmlns:a14="http://schemas.microsoft.com/office/drawing/2010/main" Requires="a14">
           <p:sp>
             <p:nvSpPr>
               <p:cNvPr id="4" name="テキスト ボックス 3">
@@ -15006,7 +16953,7 @@
                 <a:pPr algn="l"/>
                 <a:r>
                   <a:rPr lang="ja-JP" altLang="en-US" sz="2400" dirty="0"/>
-                  <a:t>適切に動作させるには、すべての</a:t>
+                  <a:t>すべての</a:t>
                 </a:r>
                 <a:r>
                   <a:rPr lang="en-US" altLang="ja-JP" sz="2400" dirty="0"/>
@@ -15179,7 +17126,7 @@
                           <a:rPr kumimoji="1" lang="en-US" altLang="ja-JP" sz="2400" b="0" i="1" smtClean="0">
                             <a:latin typeface="Cambria Math" panose="02040503050406030204" pitchFamily="18" charset="0"/>
                           </a:rPr>
-                          <m:t>𝑇𝐻</m:t>
+                          <m:t>𝑡h</m:t>
                         </m:r>
                       </m:sub>
                     </m:sSub>
@@ -15738,7 +17685,7 @@
                       </m:e>
                     </m:d>
                     <m:r>
-                      <a:rPr kumimoji="1" lang="en-US" altLang="ja-JP" sz="2400" b="0" i="1" smtClean="0">
+                      <a:rPr lang="en-US" altLang="ja-JP" sz="2400" i="1">
                         <a:latin typeface="Cambria Math" panose="02040503050406030204" pitchFamily="18" charset="0"/>
                       </a:rPr>
                       <m:t>−</m:t>
@@ -15746,14 +17693,14 @@
                     <m:sSub>
                       <m:sSubPr>
                         <m:ctrlPr>
-                          <a:rPr kumimoji="1" lang="en-US" altLang="ja-JP" sz="2400" b="0" i="1" smtClean="0">
+                          <a:rPr lang="en-US" altLang="ja-JP" sz="2400" i="1">
                             <a:latin typeface="Cambria Math" panose="02040503050406030204" pitchFamily="18" charset="0"/>
                           </a:rPr>
                         </m:ctrlPr>
                       </m:sSubPr>
                       <m:e>
                         <m:r>
-                          <a:rPr kumimoji="1" lang="en-US" altLang="ja-JP" sz="2400" b="0" i="1" smtClean="0">
+                          <a:rPr lang="en-US" altLang="ja-JP" sz="2400" i="1">
                             <a:latin typeface="Cambria Math" panose="02040503050406030204" pitchFamily="18" charset="0"/>
                           </a:rPr>
                           <m:t>𝑉</m:t>
@@ -15761,10 +17708,10 @@
                       </m:e>
                       <m:sub>
                         <m:r>
-                          <a:rPr kumimoji="1" lang="en-US" altLang="ja-JP" sz="2400" b="0" i="1" smtClean="0">
-                            <a:latin typeface="Cambria Math" panose="02040503050406030204" pitchFamily="18" charset="0"/>
-                          </a:rPr>
-                          <m:t>𝑡h</m:t>
+                          <a:rPr lang="en-US" altLang="ja-JP" sz="2400" i="1">
+                            <a:latin typeface="Cambria Math" panose="02040503050406030204" pitchFamily="18" charset="0"/>
+                          </a:rPr>
+                          <m:t>𝑆</m:t>
                         </m:r>
                       </m:sub>
                     </m:sSub>
@@ -15795,7 +17742,7 @@
                           <a:rPr kumimoji="1" lang="en-US" altLang="ja-JP" sz="2400" b="0" i="1" smtClean="0">
                             <a:latin typeface="Cambria Math" panose="02040503050406030204" pitchFamily="18" charset="0"/>
                           </a:rPr>
-                          <m:t>𝑆</m:t>
+                          <m:t>𝑡h</m:t>
                         </m:r>
                       </m:sub>
                     </m:sSub>
@@ -15923,7 +17870,7 @@
             </p:txBody>
           </p:sp>
         </mc:Choice>
-        <mc:Fallback xmlns="">
+        <mc:Fallback>
           <p:sp>
             <p:nvSpPr>
               <p:cNvPr id="4" name="テキスト ボックス 3">
@@ -15947,7 +17894,7 @@
                 <a:avLst/>
               </a:prstGeom>
               <a:blipFill>
-                <a:blip r:embed="rId3"/>
+                <a:blip r:embed="rId2"/>
                 <a:stretch>
                   <a:fillRect l="-1615" t="-1067" b="-2133"/>
                 </a:stretch>
@@ -16012,7 +17959,7 @@
           <p:nvPr/>
         </p:nvPicPr>
         <p:blipFill>
-          <a:blip r:embed="rId4">
+          <a:blip r:embed="rId3">
             <a:extLst>
               <a:ext uri="{28A0092B-C50C-407E-A947-70E740481C1C}">
                 <a14:useLocalDpi xmlns:a14="http://schemas.microsoft.com/office/drawing/2010/main" val="0"/>
@@ -16124,8 +18071,8 @@
           </a:p>
         </p:txBody>
       </p:sp>
-      <mc:AlternateContent xmlns:mc="http://schemas.openxmlformats.org/markup-compatibility/2006" xmlns:a14="http://schemas.microsoft.com/office/drawing/2010/main">
-        <mc:Choice Requires="a14">
+      <mc:AlternateContent xmlns:mc="http://schemas.openxmlformats.org/markup-compatibility/2006">
+        <mc:Choice xmlns:a14="http://schemas.microsoft.com/office/drawing/2010/main" Requires="a14">
           <p:sp>
             <p:nvSpPr>
               <p:cNvPr id="4" name="テキスト ボックス 3">
@@ -18224,37 +20171,6 @@
                       <m:t>𝑣</m:t>
                     </m:r>
                     <m:r>
-                      <a:rPr lang="en-US" altLang="ja-JP" sz="2400" i="1">
-                        <a:latin typeface="Cambria Math" panose="02040503050406030204" pitchFamily="18" charset="0"/>
-                      </a:rPr>
-                      <m:t>+</m:t>
-                    </m:r>
-                    <m:sSub>
-                      <m:sSubPr>
-                        <m:ctrlPr>
-                          <a:rPr kumimoji="1" lang="en-US" altLang="ja-JP" sz="2400" b="0" i="1" smtClean="0">
-                            <a:latin typeface="Cambria Math" panose="02040503050406030204" pitchFamily="18" charset="0"/>
-                          </a:rPr>
-                        </m:ctrlPr>
-                      </m:sSubPr>
-                      <m:e>
-                        <m:r>
-                          <a:rPr kumimoji="1" lang="en-US" altLang="ja-JP" sz="2400" b="0" i="1" smtClean="0">
-                            <a:latin typeface="Cambria Math" panose="02040503050406030204" pitchFamily="18" charset="0"/>
-                          </a:rPr>
-                          <m:t>𝑉</m:t>
-                        </m:r>
-                      </m:e>
-                      <m:sub>
-                        <m:r>
-                          <a:rPr kumimoji="1" lang="en-US" altLang="ja-JP" sz="2400" b="0" i="1" smtClean="0">
-                            <a:latin typeface="Cambria Math" panose="02040503050406030204" pitchFamily="18" charset="0"/>
-                          </a:rPr>
-                          <m:t>𝐴𝐵</m:t>
-                        </m:r>
-                      </m:sub>
-                    </m:sSub>
-                    <m:r>
                       <a:rPr kumimoji="1" lang="en-US" altLang="ja-JP" sz="2400" b="0" i="1" smtClean="0">
                         <a:latin typeface="Cambria Math" panose="02040503050406030204" pitchFamily="18" charset="0"/>
                       </a:rPr>
@@ -18282,6 +20198,68 @@
                             <a:latin typeface="Cambria Math" panose="02040503050406030204" pitchFamily="18" charset="0"/>
                           </a:rPr>
                           <m:t>𝐶𝑇𝑅𝐿</m:t>
+                        </m:r>
+                      </m:sub>
+                    </m:sSub>
+                    <m:r>
+                      <a:rPr lang="en-US" altLang="ja-JP" sz="2400" i="1">
+                        <a:latin typeface="Cambria Math" panose="02040503050406030204" pitchFamily="18" charset="0"/>
+                      </a:rPr>
+                      <m:t>+</m:t>
+                    </m:r>
+                    <m:sSub>
+                      <m:sSubPr>
+                        <m:ctrlPr>
+                          <a:rPr lang="en-US" altLang="ja-JP" sz="2400" i="1">
+                            <a:latin typeface="Cambria Math" panose="02040503050406030204" pitchFamily="18" charset="0"/>
+                          </a:rPr>
+                        </m:ctrlPr>
+                      </m:sSubPr>
+                      <m:e>
+                        <m:r>
+                          <a:rPr lang="en-US" altLang="ja-JP" sz="2400" i="1">
+                            <a:latin typeface="Cambria Math" panose="02040503050406030204" pitchFamily="18" charset="0"/>
+                          </a:rPr>
+                          <m:t>𝑉</m:t>
+                        </m:r>
+                      </m:e>
+                      <m:sub>
+                        <m:r>
+                          <a:rPr lang="en-US" altLang="ja-JP" sz="2400" i="1">
+                            <a:latin typeface="Cambria Math" panose="02040503050406030204" pitchFamily="18" charset="0"/>
+                          </a:rPr>
+                          <m:t>𝐴𝐵</m:t>
+                        </m:r>
+                      </m:sub>
+                    </m:sSub>
+                    <m:r>
+                      <a:rPr kumimoji="1" lang="en-US" altLang="ja-JP" sz="2400" b="0" i="1" smtClean="0">
+                        <a:latin typeface="Cambria Math" panose="02040503050406030204" pitchFamily="18" charset="0"/>
+                      </a:rPr>
+                      <m:t>+</m:t>
+                    </m:r>
+                    <m:sSub>
+                      <m:sSubPr>
+                        <m:ctrlPr>
+                          <a:rPr lang="en-US" altLang="ja-JP" sz="2400" i="1">
+                            <a:latin typeface="Cambria Math" panose="02040503050406030204" pitchFamily="18" charset="0"/>
+                          </a:rPr>
+                        </m:ctrlPr>
+                      </m:sSubPr>
+                      <m:e>
+                        <m:r>
+                          <a:rPr lang="en-US" altLang="ja-JP" sz="2400" i="1">
+                            <a:latin typeface="Cambria Math" panose="02040503050406030204" pitchFamily="18" charset="0"/>
+                          </a:rPr>
+                          <m:t>𝑉</m:t>
+                        </m:r>
+                      </m:e>
+                      <m:sub>
+                        <m:r>
+                          <a:rPr lang="en-US" altLang="ja-JP" sz="2400" i="1">
+                            <a:latin typeface="Cambria Math" panose="02040503050406030204" pitchFamily="18" charset="0"/>
+                          </a:rPr>
+                          <m:t>𝑡h</m:t>
                         </m:r>
                       </m:sub>
                     </m:sSub>
@@ -18437,7 +20415,7 @@
                       </m:sub>
                     </m:sSub>
                     <m:r>
-                      <a:rPr lang="en-US" altLang="ja-JP" sz="2400" i="1">
+                      <a:rPr lang="en-US" altLang="ja-JP" sz="2400" i="1" smtClean="0">
                         <a:latin typeface="Cambria Math" panose="02040503050406030204" pitchFamily="18" charset="0"/>
                       </a:rPr>
                       <m:t>−</m:t>
@@ -18446,7 +20424,7 @@
                       <m:rPr>
                         <m:sty m:val="p"/>
                       </m:rPr>
-                      <a:rPr lang="en-US" altLang="ja-JP" sz="2400">
+                      <a:rPr lang="en-US" altLang="ja-JP" sz="2400" smtClean="0">
                         <a:latin typeface="Cambria Math" panose="02040503050406030204" pitchFamily="18" charset="0"/>
                       </a:rPr>
                       <m:t>Δ</m:t>
@@ -18489,7 +20467,7 @@
             </p:txBody>
           </p:sp>
         </mc:Choice>
-        <mc:Fallback xmlns="">
+        <mc:Fallback>
           <p:sp>
             <p:nvSpPr>
               <p:cNvPr id="4" name="テキスト ボックス 3">
@@ -18629,8 +20607,8 @@
           </a:p>
         </p:txBody>
       </p:sp>
-      <mc:AlternateContent xmlns:mc="http://schemas.openxmlformats.org/markup-compatibility/2006" xmlns:a14="http://schemas.microsoft.com/office/drawing/2010/main">
-        <mc:Choice Requires="a14">
+      <mc:AlternateContent xmlns:mc="http://schemas.openxmlformats.org/markup-compatibility/2006">
+        <mc:Choice xmlns:a14="http://schemas.microsoft.com/office/drawing/2010/main" Requires="a14">
           <p:sp>
             <p:nvSpPr>
               <p:cNvPr id="8" name="テキスト ボックス 7">
@@ -18646,7 +20624,7 @@
             <p:spPr>
               <a:xfrm>
                 <a:off x="6096000" y="1634964"/>
-                <a:ext cx="6184490" cy="4339650"/>
+                <a:ext cx="6184490" cy="4578754"/>
               </a:xfrm>
               <a:prstGeom prst="rect">
                 <a:avLst/>
@@ -19170,125 +21148,140 @@
               <a:p>
                 <a:pPr algn="ctr"/>
                 <a14:m>
+                  <m:oMathPara xmlns:m="http://schemas.openxmlformats.org/officeDocument/2006/math">
+                    <m:oMathParaPr>
+                      <m:jc m:val="centerGroup"/>
+                    </m:oMathParaPr>
+                    <m:oMath xmlns:m="http://schemas.openxmlformats.org/officeDocument/2006/math">
+                      <m:sSub>
+                        <m:sSubPr>
+                          <m:ctrlPr>
+                            <a:rPr kumimoji="1" lang="en-US" altLang="ja-JP" sz="2000" b="0" i="1" smtClean="0">
+                              <a:latin typeface="Cambria Math" panose="02040503050406030204" pitchFamily="18" charset="0"/>
+                            </a:rPr>
+                          </m:ctrlPr>
+                        </m:sSubPr>
+                        <m:e>
+                          <m:r>
+                            <a:rPr kumimoji="1" lang="en-US" altLang="ja-JP" sz="2000" b="0" i="1" smtClean="0">
+                              <a:latin typeface="Cambria Math" panose="02040503050406030204" pitchFamily="18" charset="0"/>
+                            </a:rPr>
+                            <m:t>𝑉</m:t>
+                          </m:r>
+                        </m:e>
+                        <m:sub>
+                          <m:r>
+                            <a:rPr kumimoji="1" lang="en-US" altLang="ja-JP" sz="2000" b="0" i="1" smtClean="0">
+                              <a:latin typeface="Cambria Math" panose="02040503050406030204" pitchFamily="18" charset="0"/>
+                            </a:rPr>
+                            <m:t>𝑡h</m:t>
+                          </m:r>
+                        </m:sub>
+                      </m:sSub>
+                      <m:r>
+                        <a:rPr kumimoji="1" lang="en-US" altLang="ja-JP" sz="2000" b="0" i="1" smtClean="0">
+                          <a:latin typeface="Cambria Math" panose="02040503050406030204" pitchFamily="18" charset="0"/>
+                        </a:rPr>
+                        <m:t>+</m:t>
+                      </m:r>
+                      <m:sSub>
+                        <m:sSubPr>
+                          <m:ctrlPr>
+                            <a:rPr kumimoji="1" lang="en-US" altLang="ja-JP" sz="2000" b="0" i="1" smtClean="0">
+                              <a:latin typeface="Cambria Math" panose="02040503050406030204" pitchFamily="18" charset="0"/>
+                            </a:rPr>
+                          </m:ctrlPr>
+                        </m:sSubPr>
+                        <m:e>
+                          <m:r>
+                            <a:rPr kumimoji="1" lang="en-US" altLang="ja-JP" sz="2000" b="0" i="1" smtClean="0">
+                              <a:latin typeface="Cambria Math" panose="02040503050406030204" pitchFamily="18" charset="0"/>
+                            </a:rPr>
+                            <m:t>𝑉</m:t>
+                          </m:r>
+                        </m:e>
+                        <m:sub>
+                          <m:r>
+                            <a:rPr kumimoji="1" lang="en-US" altLang="ja-JP" sz="2000" b="0" i="1" smtClean="0">
+                              <a:latin typeface="Cambria Math" panose="02040503050406030204" pitchFamily="18" charset="0"/>
+                            </a:rPr>
+                            <m:t>𝐴𝐵</m:t>
+                          </m:r>
+                        </m:sub>
+                      </m:sSub>
+                      <m:r>
+                        <a:rPr kumimoji="1" lang="en-US" altLang="ja-JP" sz="2000" b="0" i="1" smtClean="0">
+                          <a:latin typeface="Cambria Math" panose="02040503050406030204" pitchFamily="18" charset="0"/>
+                        </a:rPr>
+                        <m:t>+</m:t>
+                      </m:r>
+                      <m:sSub>
+                        <m:sSubPr>
+                          <m:ctrlPr>
+                            <a:rPr kumimoji="1" lang="en-US" altLang="ja-JP" sz="2000" b="0" i="1" smtClean="0">
+                              <a:latin typeface="Cambria Math" panose="02040503050406030204" pitchFamily="18" charset="0"/>
+                            </a:rPr>
+                          </m:ctrlPr>
+                        </m:sSubPr>
+                        <m:e>
+                          <m:r>
+                            <a:rPr kumimoji="1" lang="en-US" altLang="ja-JP" sz="2000" b="0" i="1" smtClean="0">
+                              <a:latin typeface="Cambria Math" panose="02040503050406030204" pitchFamily="18" charset="0"/>
+                            </a:rPr>
+                            <m:t>𝑉</m:t>
+                          </m:r>
+                        </m:e>
+                        <m:sub>
+                          <m:r>
+                            <a:rPr kumimoji="1" lang="en-US" altLang="ja-JP" sz="2000" b="0" i="1" smtClean="0">
+                              <a:latin typeface="Cambria Math" panose="02040503050406030204" pitchFamily="18" charset="0"/>
+                            </a:rPr>
+                            <m:t>𝐶𝑇𝑅𝐿</m:t>
+                          </m:r>
+                        </m:sub>
+                      </m:sSub>
+                      <m:r>
+                        <a:rPr kumimoji="1" lang="en-US" altLang="ja-JP" sz="2000" b="0" i="1" smtClean="0">
+                          <a:latin typeface="Cambria Math" panose="02040503050406030204" pitchFamily="18" charset="0"/>
+                        </a:rPr>
+                        <m:t>&lt;</m:t>
+                      </m:r>
+                      <m:sSub>
+                        <m:sSubPr>
+                          <m:ctrlPr>
+                            <a:rPr kumimoji="1" lang="en-US" altLang="ja-JP" sz="2000" b="0" i="1" smtClean="0">
+                              <a:latin typeface="Cambria Math" panose="02040503050406030204" pitchFamily="18" charset="0"/>
+                            </a:rPr>
+                          </m:ctrlPr>
+                        </m:sSubPr>
+                        <m:e>
+                          <m:r>
+                            <a:rPr kumimoji="1" lang="en-US" altLang="ja-JP" sz="2000" b="0" i="1" smtClean="0">
+                              <a:latin typeface="Cambria Math" panose="02040503050406030204" pitchFamily="18" charset="0"/>
+                            </a:rPr>
+                            <m:t>𝑉</m:t>
+                          </m:r>
+                        </m:e>
+                        <m:sub>
+                          <m:r>
+                            <a:rPr kumimoji="1" lang="en-US" altLang="ja-JP" sz="2000" b="0" i="1" smtClean="0">
+                              <a:latin typeface="Cambria Math" panose="02040503050406030204" pitchFamily="18" charset="0"/>
+                            </a:rPr>
+                            <m:t>𝐴</m:t>
+                          </m:r>
+                        </m:sub>
+                      </m:sSub>
+                    </m:oMath>
+                  </m:oMathPara>
+                </a14:m>
+                <a:endParaRPr kumimoji="1" lang="en-US" altLang="ja-JP" sz="2000" b="0" i="1" dirty="0">
+                  <a:latin typeface="Cambria Math" panose="02040503050406030204" pitchFamily="18" charset="0"/>
+                </a:endParaRPr>
+              </a:p>
+              <a:p>
+                <a:pPr algn="ctr"/>
+                <a14:m>
                   <m:oMath xmlns:m="http://schemas.openxmlformats.org/officeDocument/2006/math">
-                    <m:sSub>
-                      <m:sSubPr>
-                        <m:ctrlPr>
-                          <a:rPr kumimoji="1" lang="en-US" altLang="ja-JP" sz="2000" b="0" i="1" smtClean="0">
-                            <a:latin typeface="Cambria Math" panose="02040503050406030204" pitchFamily="18" charset="0"/>
-                          </a:rPr>
-                        </m:ctrlPr>
-                      </m:sSubPr>
-                      <m:e>
-                        <m:r>
-                          <a:rPr kumimoji="1" lang="en-US" altLang="ja-JP" sz="2000" b="0" i="1" smtClean="0">
-                            <a:latin typeface="Cambria Math" panose="02040503050406030204" pitchFamily="18" charset="0"/>
-                          </a:rPr>
-                          <m:t>𝑉</m:t>
-                        </m:r>
-                      </m:e>
-                      <m:sub>
-                        <m:r>
-                          <a:rPr kumimoji="1" lang="en-US" altLang="ja-JP" sz="2000" b="0" i="1" smtClean="0">
-                            <a:latin typeface="Cambria Math" panose="02040503050406030204" pitchFamily="18" charset="0"/>
-                          </a:rPr>
-                          <m:t>𝑡h</m:t>
-                        </m:r>
-                      </m:sub>
-                    </m:sSub>
-                    <m:r>
-                      <a:rPr kumimoji="1" lang="en-US" altLang="ja-JP" sz="2000" b="0" i="1" smtClean="0">
-                        <a:latin typeface="Cambria Math" panose="02040503050406030204" pitchFamily="18" charset="0"/>
-                      </a:rPr>
-                      <m:t>+</m:t>
-                    </m:r>
-                    <m:sSub>
-                      <m:sSubPr>
-                        <m:ctrlPr>
-                          <a:rPr kumimoji="1" lang="en-US" altLang="ja-JP" sz="2000" b="0" i="1" smtClean="0">
-                            <a:latin typeface="Cambria Math" panose="02040503050406030204" pitchFamily="18" charset="0"/>
-                          </a:rPr>
-                        </m:ctrlPr>
-                      </m:sSubPr>
-                      <m:e>
-                        <m:r>
-                          <a:rPr kumimoji="1" lang="en-US" altLang="ja-JP" sz="2000" b="0" i="1" smtClean="0">
-                            <a:latin typeface="Cambria Math" panose="02040503050406030204" pitchFamily="18" charset="0"/>
-                          </a:rPr>
-                          <m:t>𝑉</m:t>
-                        </m:r>
-                      </m:e>
-                      <m:sub>
-                        <m:r>
-                          <a:rPr kumimoji="1" lang="en-US" altLang="ja-JP" sz="2000" b="0" i="1" smtClean="0">
-                            <a:latin typeface="Cambria Math" panose="02040503050406030204" pitchFamily="18" charset="0"/>
-                          </a:rPr>
-                          <m:t>𝐴𝐵</m:t>
-                        </m:r>
-                      </m:sub>
-                    </m:sSub>
-                    <m:r>
-                      <a:rPr kumimoji="1" lang="en-US" altLang="ja-JP" sz="2000" b="0" i="1" smtClean="0">
-                        <a:latin typeface="Cambria Math" panose="02040503050406030204" pitchFamily="18" charset="0"/>
-                      </a:rPr>
-                      <m:t>+</m:t>
-                    </m:r>
-                    <m:sSub>
-                      <m:sSubPr>
-                        <m:ctrlPr>
-                          <a:rPr kumimoji="1" lang="en-US" altLang="ja-JP" sz="2000" b="0" i="1" smtClean="0">
-                            <a:latin typeface="Cambria Math" panose="02040503050406030204" pitchFamily="18" charset="0"/>
-                          </a:rPr>
-                        </m:ctrlPr>
-                      </m:sSubPr>
-                      <m:e>
-                        <m:r>
-                          <a:rPr kumimoji="1" lang="en-US" altLang="ja-JP" sz="2000" b="0" i="1" smtClean="0">
-                            <a:latin typeface="Cambria Math" panose="02040503050406030204" pitchFamily="18" charset="0"/>
-                          </a:rPr>
-                          <m:t>𝑉</m:t>
-                        </m:r>
-                      </m:e>
-                      <m:sub>
-                        <m:r>
-                          <a:rPr kumimoji="1" lang="en-US" altLang="ja-JP" sz="2000" b="0" i="1" smtClean="0">
-                            <a:latin typeface="Cambria Math" panose="02040503050406030204" pitchFamily="18" charset="0"/>
-                          </a:rPr>
-                          <m:t>𝐶𝑇𝑅𝐿</m:t>
-                        </m:r>
-                      </m:sub>
-                    </m:sSub>
-                    <m:r>
-                      <a:rPr kumimoji="1" lang="en-US" altLang="ja-JP" sz="2000" b="0" i="1" smtClean="0">
-                        <a:latin typeface="Cambria Math" panose="02040503050406030204" pitchFamily="18" charset="0"/>
-                      </a:rPr>
-                      <m:t>&lt;</m:t>
-                    </m:r>
-                    <m:sSub>
-                      <m:sSubPr>
-                        <m:ctrlPr>
-                          <a:rPr kumimoji="1" lang="en-US" altLang="ja-JP" sz="2000" b="0" i="1" smtClean="0">
-                            <a:latin typeface="Cambria Math" panose="02040503050406030204" pitchFamily="18" charset="0"/>
-                          </a:rPr>
-                        </m:ctrlPr>
-                      </m:sSubPr>
-                      <m:e>
-                        <m:r>
-                          <a:rPr kumimoji="1" lang="en-US" altLang="ja-JP" sz="2000" b="0" i="1" smtClean="0">
-                            <a:latin typeface="Cambria Math" panose="02040503050406030204" pitchFamily="18" charset="0"/>
-                          </a:rPr>
-                          <m:t>𝑉</m:t>
-                        </m:r>
-                      </m:e>
-                      <m:sub>
-                        <m:r>
-                          <a:rPr kumimoji="1" lang="en-US" altLang="ja-JP" sz="2000" b="0" i="1" smtClean="0">
-                            <a:latin typeface="Cambria Math" panose="02040503050406030204" pitchFamily="18" charset="0"/>
-                          </a:rPr>
-                          <m:t>𝐴</m:t>
-                        </m:r>
-                      </m:sub>
-                    </m:sSub>
                     <m:r>
                       <a:rPr kumimoji="1" lang="en-US" altLang="ja-JP" sz="2000" b="0" i="1" smtClean="0">
                         <a:latin typeface="Cambria Math" panose="02040503050406030204" pitchFamily="18" charset="0"/>
@@ -19400,6 +21393,37 @@
                             <a:latin typeface="Cambria Math" panose="02040503050406030204" pitchFamily="18" charset="0"/>
                           </a:rPr>
                           <m:t>𝐶𝑇𝑅𝐿</m:t>
+                        </m:r>
+                      </m:sub>
+                    </m:sSub>
+                    <m:r>
+                      <a:rPr kumimoji="1" lang="en-US" altLang="ja-JP" sz="2000" b="0" i="1" smtClean="0">
+                        <a:latin typeface="Cambria Math" panose="02040503050406030204" pitchFamily="18" charset="0"/>
+                      </a:rPr>
+                      <m:t>+</m:t>
+                    </m:r>
+                    <m:sSub>
+                      <m:sSubPr>
+                        <m:ctrlPr>
+                          <a:rPr lang="en-US" altLang="ja-JP" sz="2000" i="1">
+                            <a:latin typeface="Cambria Math" panose="02040503050406030204" pitchFamily="18" charset="0"/>
+                          </a:rPr>
+                        </m:ctrlPr>
+                      </m:sSubPr>
+                      <m:e>
+                        <m:r>
+                          <a:rPr lang="en-US" altLang="ja-JP" sz="2000" i="1">
+                            <a:latin typeface="Cambria Math" panose="02040503050406030204" pitchFamily="18" charset="0"/>
+                          </a:rPr>
+                          <m:t>𝑉</m:t>
+                        </m:r>
+                      </m:e>
+                      <m:sub>
+                        <m:r>
+                          <a:rPr lang="en-US" altLang="ja-JP" sz="2000" i="1">
+                            <a:latin typeface="Cambria Math" panose="02040503050406030204" pitchFamily="18" charset="0"/>
+                          </a:rPr>
+                          <m:t>𝑡h</m:t>
                         </m:r>
                       </m:sub>
                     </m:sSub>
@@ -19788,7 +21812,7 @@
             </p:txBody>
           </p:sp>
         </mc:Choice>
-        <mc:Fallback xmlns="">
+        <mc:Fallback>
           <p:sp>
             <p:nvSpPr>
               <p:cNvPr id="8" name="テキスト ボックス 7">
@@ -19806,7 +21830,7 @@
             <p:spPr>
               <a:xfrm>
                 <a:off x="6096000" y="1634964"/>
-                <a:ext cx="6184490" cy="4339650"/>
+                <a:ext cx="6184490" cy="4578754"/>
               </a:xfrm>
               <a:prstGeom prst="rect">
                 <a:avLst/>
@@ -19814,7 +21838,7 @@
               <a:blipFill>
                 <a:blip r:embed="rId2"/>
                 <a:stretch>
-                  <a:fillRect l="-1478" t="-1124" b="-843"/>
+                  <a:fillRect l="-1478" t="-1065" b="-2264"/>
                 </a:stretch>
               </a:blipFill>
             </p:spPr>
@@ -19847,8 +21871,8 @@
         </p:nvSpPr>
         <p:spPr>
           <a:xfrm>
-            <a:off x="6096000" y="3036163"/>
-            <a:ext cx="6096000" cy="1464816"/>
+            <a:off x="6096000" y="3036162"/>
+            <a:ext cx="6096000" cy="1688237"/>
           </a:xfrm>
           <a:prstGeom prst="rect">
             <a:avLst/>
@@ -20070,8 +22094,8 @@
           </a:p>
         </p:txBody>
       </p:sp>
-      <mc:AlternateContent xmlns:mc="http://schemas.openxmlformats.org/markup-compatibility/2006" xmlns:a14="http://schemas.microsoft.com/office/drawing/2010/main">
-        <mc:Choice Requires="a14">
+      <mc:AlternateContent xmlns:mc="http://schemas.openxmlformats.org/markup-compatibility/2006">
+        <mc:Choice xmlns:a14="http://schemas.microsoft.com/office/drawing/2010/main" Requires="a14">
           <p:sp>
             <p:nvSpPr>
               <p:cNvPr id="5" name="テキスト ボックス 4">
@@ -20086,8 +22110,8 @@
             </p:nvSpPr>
             <p:spPr>
               <a:xfrm>
-                <a:off x="501445" y="1258529"/>
-                <a:ext cx="11189110" cy="4893647"/>
+                <a:off x="501445" y="1027906"/>
+                <a:ext cx="11189110" cy="5632311"/>
               </a:xfrm>
               <a:prstGeom prst="rect">
                 <a:avLst/>
@@ -20197,7 +22221,6 @@
                 <a:endParaRPr kumimoji="1" lang="en-US" altLang="ja-JP" sz="2400" dirty="0"/>
               </a:p>
               <a:p>
-                <a:pPr/>
                 <a14:m>
                   <m:oMathPara xmlns:m="http://schemas.openxmlformats.org/officeDocument/2006/math">
                     <m:oMathParaPr>
@@ -20207,14 +22230,14 @@
                       <m:sSub>
                         <m:sSubPr>
                           <m:ctrlPr>
-                            <a:rPr kumimoji="1" lang="en-US" altLang="ja-JP" sz="2400" b="0" i="1" smtClean="0">
+                            <a:rPr lang="en-US" altLang="ja-JP" sz="2400" i="1">
                               <a:latin typeface="Cambria Math" panose="02040503050406030204" pitchFamily="18" charset="0"/>
                             </a:rPr>
                           </m:ctrlPr>
                         </m:sSubPr>
                         <m:e>
                           <m:r>
-                            <a:rPr kumimoji="1" lang="en-US" altLang="ja-JP" sz="2400" b="0" i="1" smtClean="0">
+                            <a:rPr lang="en-US" altLang="ja-JP" sz="2400" i="1">
                               <a:latin typeface="Cambria Math" panose="02040503050406030204" pitchFamily="18" charset="0"/>
                             </a:rPr>
                             <m:t>𝑉</m:t>
@@ -20222,13 +22245,113 @@
                         </m:e>
                         <m:sub>
                           <m:r>
-                            <a:rPr kumimoji="1" lang="en-US" altLang="ja-JP" sz="2400" b="0" i="1" smtClean="0">
+                            <a:rPr lang="en-US" altLang="ja-JP" sz="2400" i="1">
+                              <a:latin typeface="Cambria Math" panose="02040503050406030204" pitchFamily="18" charset="0"/>
+                            </a:rPr>
+                            <m:t>𝐴</m:t>
+                          </m:r>
+                        </m:sub>
+                      </m:sSub>
+                      <m:r>
+                        <a:rPr lang="en-US" altLang="ja-JP" sz="2400" i="1">
+                          <a:latin typeface="Cambria Math" panose="02040503050406030204" pitchFamily="18" charset="0"/>
+                        </a:rPr>
+                        <m:t>+</m:t>
+                      </m:r>
+                      <m:sSub>
+                        <m:sSubPr>
+                          <m:ctrlPr>
+                            <a:rPr lang="en-US" altLang="ja-JP" sz="2400" i="1">
+                              <a:latin typeface="Cambria Math" panose="02040503050406030204" pitchFamily="18" charset="0"/>
+                            </a:rPr>
+                          </m:ctrlPr>
+                        </m:sSubPr>
+                        <m:e>
+                          <m:r>
+                            <a:rPr lang="en-US" altLang="ja-JP" sz="2400" i="1">
+                              <a:latin typeface="Cambria Math" panose="02040503050406030204" pitchFamily="18" charset="0"/>
+                            </a:rPr>
+                            <m:t>𝑉</m:t>
+                          </m:r>
+                        </m:e>
+                        <m:sub>
+                          <m:r>
+                            <a:rPr lang="en-US" altLang="ja-JP" sz="2400" i="1">
+                              <a:latin typeface="Cambria Math" panose="02040503050406030204" pitchFamily="18" charset="0"/>
+                            </a:rPr>
+                            <m:t>𝐶𝑇𝑅𝐿</m:t>
+                          </m:r>
+                        </m:sub>
+                      </m:sSub>
+                      <m:r>
+                        <a:rPr lang="en-US" altLang="ja-JP" sz="2400" i="1">
+                          <a:latin typeface="Cambria Math" panose="02040503050406030204" pitchFamily="18" charset="0"/>
+                        </a:rPr>
+                        <m:t>−</m:t>
+                      </m:r>
+                      <m:sSub>
+                        <m:sSubPr>
+                          <m:ctrlPr>
+                            <a:rPr lang="en-US" altLang="ja-JP" sz="2400" i="1">
+                              <a:latin typeface="Cambria Math" panose="02040503050406030204" pitchFamily="18" charset="0"/>
+                            </a:rPr>
+                          </m:ctrlPr>
+                        </m:sSubPr>
+                        <m:e>
+                          <m:r>
+                            <a:rPr lang="en-US" altLang="ja-JP" sz="2400" i="1">
+                              <a:latin typeface="Cambria Math" panose="02040503050406030204" pitchFamily="18" charset="0"/>
+                            </a:rPr>
+                            <m:t>𝑉</m:t>
+                          </m:r>
+                        </m:e>
+                        <m:sub>
+                          <m:r>
+                            <a:rPr lang="en-US" altLang="ja-JP" sz="2400" i="1">
+                              <a:latin typeface="Cambria Math" panose="02040503050406030204" pitchFamily="18" charset="0"/>
+                            </a:rPr>
+                            <m:t>𝑡h</m:t>
+                          </m:r>
+                        </m:sub>
+                      </m:sSub>
+                      <m:r>
+                        <a:rPr lang="en-US" altLang="ja-JP" sz="2400" i="1">
+                          <a:latin typeface="Cambria Math" panose="02040503050406030204" pitchFamily="18" charset="0"/>
+                        </a:rPr>
+                        <m:t>&lt;</m:t>
+                      </m:r>
+                      <m:sSub>
+                        <m:sSubPr>
+                          <m:ctrlPr>
+                            <a:rPr lang="en-US" altLang="ja-JP" sz="2400" i="1">
+                              <a:latin typeface="Cambria Math" panose="02040503050406030204" pitchFamily="18" charset="0"/>
+                            </a:rPr>
+                          </m:ctrlPr>
+                        </m:sSubPr>
+                        <m:e>
+                          <m:r>
+                            <a:rPr lang="en-US" altLang="ja-JP" sz="2400" i="1">
+                              <a:latin typeface="Cambria Math" panose="02040503050406030204" pitchFamily="18" charset="0"/>
+                            </a:rPr>
+                            <m:t>𝑉</m:t>
+                          </m:r>
+                        </m:e>
+                        <m:sub>
+                          <m:r>
+                            <a:rPr lang="en-US" altLang="ja-JP" sz="2400" i="1">
                               <a:latin typeface="Cambria Math" panose="02040503050406030204" pitchFamily="18" charset="0"/>
                             </a:rPr>
                             <m:t>𝑜𝑢𝑡</m:t>
                           </m:r>
                         </m:sub>
                       </m:sSub>
+                      <m:r>
+                        <m:rPr>
+                          <m:nor/>
+                        </m:rPr>
+                        <a:rPr lang="en-US" altLang="ja-JP" sz="2400" dirty="0"/>
+                        <m:t> </m:t>
+                      </m:r>
                       <m:r>
                         <a:rPr lang="en-US" altLang="ja-JP" sz="2400" i="1">
                           <a:latin typeface="Cambria Math" panose="02040503050406030204" pitchFamily="18" charset="0"/>
@@ -20250,118 +22373,20 @@
                         </a:rPr>
                         <m:t>𝑣</m:t>
                       </m:r>
-                      <m:r>
-                        <a:rPr lang="en-US" altLang="ja-JP" sz="2400" i="1">
-                          <a:latin typeface="Cambria Math" panose="02040503050406030204" pitchFamily="18" charset="0"/>
-                        </a:rPr>
-                        <m:t>=1.5−0.3&gt;</m:t>
-                      </m:r>
-                      <m:sSub>
-                        <m:sSubPr>
-                          <m:ctrlPr>
-                            <a:rPr lang="en-US" altLang="ja-JP" sz="2400" i="1">
-                              <a:latin typeface="Cambria Math" panose="02040503050406030204" pitchFamily="18" charset="0"/>
-                            </a:rPr>
-                          </m:ctrlPr>
-                        </m:sSubPr>
-                        <m:e>
-                          <m:r>
-                            <a:rPr lang="en-US" altLang="ja-JP" sz="2400" i="1">
-                              <a:latin typeface="Cambria Math" panose="02040503050406030204" pitchFamily="18" charset="0"/>
-                            </a:rPr>
-                            <m:t>𝑉</m:t>
-                          </m:r>
-                        </m:e>
-                        <m:sub>
-                          <m:r>
-                            <a:rPr lang="en-US" altLang="ja-JP" sz="2400" i="1">
-                              <a:latin typeface="Cambria Math" panose="02040503050406030204" pitchFamily="18" charset="0"/>
-                            </a:rPr>
-                            <m:t>𝐴</m:t>
-                          </m:r>
-                        </m:sub>
-                      </m:sSub>
-                      <m:r>
-                        <a:rPr lang="en-US" altLang="ja-JP" sz="2400" i="1">
-                          <a:latin typeface="Cambria Math" panose="02040503050406030204" pitchFamily="18" charset="0"/>
-                        </a:rPr>
-                        <m:t>+</m:t>
-                      </m:r>
-                      <m:sSub>
-                        <m:sSubPr>
-                          <m:ctrlPr>
-                            <a:rPr lang="en-US" altLang="ja-JP" sz="2400" i="1">
-                              <a:latin typeface="Cambria Math" panose="02040503050406030204" pitchFamily="18" charset="0"/>
-                            </a:rPr>
-                          </m:ctrlPr>
-                        </m:sSubPr>
-                        <m:e>
-                          <m:r>
-                            <a:rPr lang="en-US" altLang="ja-JP" sz="2400" i="1">
-                              <a:latin typeface="Cambria Math" panose="02040503050406030204" pitchFamily="18" charset="0"/>
-                            </a:rPr>
-                            <m:t>𝑉</m:t>
-                          </m:r>
-                        </m:e>
-                        <m:sub>
-                          <m:r>
-                            <a:rPr lang="en-US" altLang="ja-JP" sz="2400" i="1">
-                              <a:latin typeface="Cambria Math" panose="02040503050406030204" pitchFamily="18" charset="0"/>
-                            </a:rPr>
-                            <m:t>𝐶𝑇𝑅𝐿</m:t>
-                          </m:r>
-                        </m:sub>
-                      </m:sSub>
-                      <m:r>
-                        <a:rPr lang="en-US" altLang="ja-JP" sz="2400" i="1">
-                          <a:latin typeface="Cambria Math" panose="02040503050406030204" pitchFamily="18" charset="0"/>
-                        </a:rPr>
-                        <m:t>−</m:t>
-                      </m:r>
-                      <m:sSub>
-                        <m:sSubPr>
-                          <m:ctrlPr>
-                            <a:rPr lang="en-US" altLang="ja-JP" sz="2400" i="1">
-                              <a:latin typeface="Cambria Math" panose="02040503050406030204" pitchFamily="18" charset="0"/>
-                            </a:rPr>
-                          </m:ctrlPr>
-                        </m:sSubPr>
-                        <m:e>
-                          <m:r>
-                            <a:rPr lang="en-US" altLang="ja-JP" sz="2400" i="1">
-                              <a:latin typeface="Cambria Math" panose="02040503050406030204" pitchFamily="18" charset="0"/>
-                            </a:rPr>
-                            <m:t>𝑉</m:t>
-                          </m:r>
-                        </m:e>
-                        <m:sub>
-                          <m:r>
-                            <a:rPr lang="en-US" altLang="ja-JP" sz="2400" i="1">
-                              <a:latin typeface="Cambria Math" panose="02040503050406030204" pitchFamily="18" charset="0"/>
-                            </a:rPr>
-                            <m:t>𝑡h</m:t>
-                          </m:r>
-                        </m:sub>
-                      </m:sSub>
                     </m:oMath>
                   </m:oMathPara>
                 </a14:m>
-                <a:endParaRPr lang="en-US" altLang="ja-JP" sz="2400" dirty="0"/>
+                <a:endParaRPr kumimoji="1" lang="en-US" altLang="ja-JP" sz="2400" b="0" i="1" dirty="0">
+                  <a:latin typeface="Cambria Math" panose="02040503050406030204" pitchFamily="18" charset="0"/>
+                </a:endParaRPr>
               </a:p>
               <a:p>
-                <a:pPr/>
                 <a14:m>
                   <m:oMathPara xmlns:m="http://schemas.openxmlformats.org/officeDocument/2006/math">
                     <m:oMathParaPr>
                       <m:jc m:val="centerGroup"/>
                     </m:oMathParaPr>
                     <m:oMath xmlns:m="http://schemas.openxmlformats.org/officeDocument/2006/math">
-                      <m:r>
-                        <a:rPr kumimoji="1" lang="en-US" altLang="ja-JP" sz="2400" b="0" i="1" smtClean="0">
-                          <a:latin typeface="Cambria Math" panose="02040503050406030204" pitchFamily="18" charset="0"/>
-                        </a:rPr>
-                        <m:t>1.2&gt;</m:t>
-                      </m:r>
                       <m:sSub>
                         <m:sSubPr>
                           <m:ctrlPr>
@@ -20391,26 +22416,7 @@
                         <a:rPr kumimoji="1" lang="en-US" altLang="ja-JP" sz="2400" b="0" i="1" smtClean="0">
                           <a:latin typeface="Cambria Math" panose="02040503050406030204" pitchFamily="18" charset="0"/>
                         </a:rPr>
-                        <m:t>+0.2−0.5</m:t>
-                      </m:r>
-                    </m:oMath>
-                  </m:oMathPara>
-                </a14:m>
-                <a:endParaRPr kumimoji="1" lang="en-US" altLang="ja-JP" sz="2400" b="0" dirty="0"/>
-              </a:p>
-              <a:p>
-                <a:pPr/>
-                <a14:m>
-                  <m:oMathPara xmlns:m="http://schemas.openxmlformats.org/officeDocument/2006/math">
-                    <m:oMathParaPr>
-                      <m:jc m:val="centerGroup"/>
-                    </m:oMathParaPr>
-                    <m:oMath xmlns:m="http://schemas.openxmlformats.org/officeDocument/2006/math">
-                      <m:r>
-                        <a:rPr kumimoji="1" lang="en-US" altLang="ja-JP" sz="2400" b="0" i="1" smtClean="0">
-                          <a:latin typeface="Cambria Math" panose="02040503050406030204" pitchFamily="18" charset="0"/>
-                        </a:rPr>
-                        <m:t>1.6&gt;</m:t>
+                        <m:t>&lt;</m:t>
                       </m:r>
                       <m:sSub>
                         <m:sSubPr>
@@ -20433,14 +22439,179 @@
                             <a:rPr kumimoji="1" lang="en-US" altLang="ja-JP" sz="2400" b="0" i="1" smtClean="0">
                               <a:latin typeface="Cambria Math" panose="02040503050406030204" pitchFamily="18" charset="0"/>
                             </a:rPr>
-                            <m:t>𝐴</m:t>
+                            <m:t>𝑜𝑢𝑡</m:t>
                           </m:r>
                         </m:sub>
                       </m:sSub>
+                      <m:r>
+                        <a:rPr kumimoji="1" lang="en-US" altLang="ja-JP" sz="2400" b="0" i="1" smtClean="0">
+                          <a:latin typeface="Cambria Math" panose="02040503050406030204" pitchFamily="18" charset="0"/>
+                        </a:rPr>
+                        <m:t>−</m:t>
+                      </m:r>
+                      <m:sSub>
+                        <m:sSubPr>
+                          <m:ctrlPr>
+                            <a:rPr kumimoji="1" lang="en-US" altLang="ja-JP" sz="2400" b="0" i="1" smtClean="0">
+                              <a:latin typeface="Cambria Math" panose="02040503050406030204" pitchFamily="18" charset="0"/>
+                            </a:rPr>
+                          </m:ctrlPr>
+                        </m:sSubPr>
+                        <m:e>
+                          <m:r>
+                            <a:rPr kumimoji="1" lang="en-US" altLang="ja-JP" sz="2400" b="0" i="1" smtClean="0">
+                              <a:latin typeface="Cambria Math" panose="02040503050406030204" pitchFamily="18" charset="0"/>
+                            </a:rPr>
+                            <m:t>𝑉</m:t>
+                          </m:r>
+                        </m:e>
+                        <m:sub>
+                          <m:r>
+                            <a:rPr kumimoji="1" lang="en-US" altLang="ja-JP" sz="2400" b="0" i="1" smtClean="0">
+                              <a:latin typeface="Cambria Math" panose="02040503050406030204" pitchFamily="18" charset="0"/>
+                            </a:rPr>
+                            <m:t>𝐶𝑇𝑅𝐿</m:t>
+                          </m:r>
+                        </m:sub>
+                      </m:sSub>
+                      <m:r>
+                        <a:rPr kumimoji="1" lang="en-US" altLang="ja-JP" sz="2400" b="0" i="1" smtClean="0">
+                          <a:latin typeface="Cambria Math" panose="02040503050406030204" pitchFamily="18" charset="0"/>
+                        </a:rPr>
+                        <m:t>+</m:t>
+                      </m:r>
+                      <m:sSub>
+                        <m:sSubPr>
+                          <m:ctrlPr>
+                            <a:rPr kumimoji="1" lang="en-US" altLang="ja-JP" sz="2400" b="0" i="1" smtClean="0">
+                              <a:latin typeface="Cambria Math" panose="02040503050406030204" pitchFamily="18" charset="0"/>
+                            </a:rPr>
+                          </m:ctrlPr>
+                        </m:sSubPr>
+                        <m:e>
+                          <m:r>
+                            <a:rPr kumimoji="1" lang="en-US" altLang="ja-JP" sz="2400" b="0" i="1" smtClean="0">
+                              <a:latin typeface="Cambria Math" panose="02040503050406030204" pitchFamily="18" charset="0"/>
+                            </a:rPr>
+                            <m:t>𝑉</m:t>
+                          </m:r>
+                        </m:e>
+                        <m:sub>
+                          <m:r>
+                            <a:rPr kumimoji="1" lang="en-US" altLang="ja-JP" sz="2400" b="0" i="1" smtClean="0">
+                              <a:latin typeface="Cambria Math" panose="02040503050406030204" pitchFamily="18" charset="0"/>
+                            </a:rPr>
+                            <m:t>𝑡h</m:t>
+                          </m:r>
+                        </m:sub>
+                      </m:sSub>
+                      <m:r>
+                        <a:rPr kumimoji="1" lang="en-US" altLang="ja-JP" sz="2400" b="0" i="1" smtClean="0">
+                          <a:latin typeface="Cambria Math" panose="02040503050406030204" pitchFamily="18" charset="0"/>
+                        </a:rPr>
+                        <m:t>−</m:t>
+                      </m:r>
+                      <m:r>
+                        <m:rPr>
+                          <m:sty m:val="p"/>
+                        </m:rPr>
+                        <a:rPr kumimoji="1" lang="en-US" altLang="ja-JP" sz="2400" b="0" i="0" smtClean="0">
+                          <a:latin typeface="Cambria Math" panose="02040503050406030204" pitchFamily="18" charset="0"/>
+                        </a:rPr>
+                        <m:t>Δ</m:t>
+                      </m:r>
+                      <m:r>
+                        <a:rPr kumimoji="1" lang="en-US" altLang="ja-JP" sz="2400" b="0" i="1" smtClean="0">
+                          <a:latin typeface="Cambria Math" panose="02040503050406030204" pitchFamily="18" charset="0"/>
+                        </a:rPr>
+                        <m:t>𝑣</m:t>
+                      </m:r>
+                      <m:r>
+                        <a:rPr kumimoji="1" lang="en-US" altLang="ja-JP" sz="2400" b="0" i="1" smtClean="0">
+                          <a:latin typeface="Cambria Math" panose="02040503050406030204" pitchFamily="18" charset="0"/>
+                        </a:rPr>
+                        <m:t>=1.5−0.2+0.5−0.2=1.6</m:t>
+                      </m:r>
                     </m:oMath>
                   </m:oMathPara>
                 </a14:m>
-                <a:endParaRPr kumimoji="1" lang="en-US" altLang="ja-JP" sz="2400" dirty="0"/>
+                <a:endParaRPr kumimoji="1" lang="en-US" altLang="ja-JP" sz="2400" b="0" i="1" dirty="0">
+                  <a:latin typeface="Cambria Math" panose="02040503050406030204" pitchFamily="18" charset="0"/>
+                </a:endParaRPr>
+              </a:p>
+              <a:p>
+                <a:pPr algn="ctr"/>
+                <a14:m>
+                  <m:oMath xmlns:m="http://schemas.openxmlformats.org/officeDocument/2006/math">
+                    <m:r>
+                      <a:rPr kumimoji="1" lang="en-US" altLang="ja-JP" sz="2400" b="0" i="1" smtClean="0">
+                        <a:latin typeface="Cambria Math" panose="02040503050406030204" pitchFamily="18" charset="0"/>
+                      </a:rPr>
+                      <m:t>∴</m:t>
+                    </m:r>
+                    <m:sSub>
+                      <m:sSubPr>
+                        <m:ctrlPr>
+                          <a:rPr kumimoji="1" lang="en-US" altLang="ja-JP" sz="2400" b="0" i="1" smtClean="0">
+                            <a:latin typeface="Cambria Math" panose="02040503050406030204" pitchFamily="18" charset="0"/>
+                          </a:rPr>
+                        </m:ctrlPr>
+                      </m:sSubPr>
+                      <m:e>
+                        <m:r>
+                          <a:rPr kumimoji="1" lang="en-US" altLang="ja-JP" sz="2400" b="0" i="1" smtClean="0">
+                            <a:latin typeface="Cambria Math" panose="02040503050406030204" pitchFamily="18" charset="0"/>
+                          </a:rPr>
+                          <m:t>𝑉</m:t>
+                        </m:r>
+                      </m:e>
+                      <m:sub>
+                        <m:r>
+                          <a:rPr kumimoji="1" lang="en-US" altLang="ja-JP" sz="2400" b="0" i="1" smtClean="0">
+                            <a:latin typeface="Cambria Math" panose="02040503050406030204" pitchFamily="18" charset="0"/>
+                          </a:rPr>
+                          <m:t>𝐴</m:t>
+                        </m:r>
+                      </m:sub>
+                    </m:sSub>
+                    <m:r>
+                      <a:rPr kumimoji="1" lang="en-US" altLang="ja-JP" sz="2400" b="0" i="1" smtClean="0">
+                        <a:latin typeface="Cambria Math" panose="02040503050406030204" pitchFamily="18" charset="0"/>
+                      </a:rPr>
+                      <m:t>&lt;1.6</m:t>
+                    </m:r>
+                  </m:oMath>
+                </a14:m>
+                <a:r>
+                  <a:rPr kumimoji="1" lang="en-US" altLang="ja-JP" sz="2400" b="0" i="1" dirty="0">
+                    <a:latin typeface="Cambria Math" panose="02040503050406030204" pitchFamily="18" charset="0"/>
+                  </a:rPr>
+                  <a:t>	</a:t>
+                </a:r>
+                <a14:m>
+                  <m:oMath xmlns:m="http://schemas.openxmlformats.org/officeDocument/2006/math">
+                    <m:d>
+                      <m:dPr>
+                        <m:ctrlPr>
+                          <a:rPr kumimoji="1" lang="en-US" altLang="ja-JP" sz="2400" b="0" i="1" smtClean="0">
+                            <a:latin typeface="Cambria Math" panose="02040503050406030204" pitchFamily="18" charset="0"/>
+                          </a:rPr>
+                        </m:ctrlPr>
+                      </m:dPr>
+                      <m:e>
+                        <m:r>
+                          <a:rPr kumimoji="1" lang="en-US" altLang="ja-JP" sz="2400" b="0" i="1" smtClean="0">
+                            <a:latin typeface="Cambria Math" panose="02040503050406030204" pitchFamily="18" charset="0"/>
+                          </a:rPr>
+                          <m:t>7</m:t>
+                        </m:r>
+                      </m:e>
+                    </m:d>
+                  </m:oMath>
+                </a14:m>
+                <a:endParaRPr kumimoji="1" lang="en-US" altLang="ja-JP" sz="2400" b="0" i="1" dirty="0">
+                  <a:latin typeface="Cambria Math" panose="02040503050406030204" pitchFamily="18" charset="0"/>
+                </a:endParaRPr>
               </a:p>
               <a:p>
                 <a14:m>
@@ -20459,6 +22630,31 @@
                             <a:latin typeface="Cambria Math" panose="02040503050406030204" pitchFamily="18" charset="0"/>
                           </a:rPr>
                           <m:t>5</m:t>
+                        </m:r>
+                      </m:e>
+                    </m:d>
+                  </m:oMath>
+                </a14:m>
+                <a:r>
+                  <a:rPr kumimoji="1" lang="ja-JP" altLang="en-US" sz="2400" dirty="0"/>
+                  <a:t>式、</a:t>
+                </a:r>
+                <a14:m>
+                  <m:oMath xmlns:m="http://schemas.openxmlformats.org/officeDocument/2006/math">
+                    <m:d>
+                      <m:dPr>
+                        <m:ctrlPr>
+                          <a:rPr kumimoji="1" lang="en-US" altLang="ja-JP" sz="2400" b="0" i="1" smtClean="0">
+                            <a:latin typeface="Cambria Math" panose="02040503050406030204" pitchFamily="18" charset="0"/>
+                          </a:rPr>
+                        </m:ctrlPr>
+                      </m:dPr>
+                      <m:e>
+                        <m:r>
+                          <a:rPr kumimoji="1" lang="en-US" altLang="ja-JP" sz="2400" b="0" i="1" smtClean="0">
+                            <a:latin typeface="Cambria Math" panose="02040503050406030204" pitchFamily="18" charset="0"/>
+                          </a:rPr>
+                          <m:t>7</m:t>
                         </m:r>
                       </m:e>
                     </m:d>
@@ -20602,6 +22798,25 @@
                         </a:rPr>
                         <m:t>&lt;</m:t>
                       </m:r>
+                      <m:r>
+                        <a:rPr lang="en-US" altLang="ja-JP" sz="2400" b="0" i="1" smtClean="0">
+                          <a:latin typeface="Cambria Math" panose="02040503050406030204" pitchFamily="18" charset="0"/>
+                        </a:rPr>
+                        <m:t>1.6</m:t>
+                      </m:r>
+                    </m:oMath>
+                  </m:oMathPara>
+                </a14:m>
+                <a:endParaRPr lang="en-US" altLang="ja-JP" sz="2400" b="0" dirty="0"/>
+              </a:p>
+              <a:p>
+                <a:pPr/>
+                <a14:m>
+                  <m:oMathPara xmlns:m="http://schemas.openxmlformats.org/officeDocument/2006/math">
+                    <m:oMathParaPr>
+                      <m:jc m:val="centerGroup"/>
+                    </m:oMathParaPr>
+                    <m:oMath xmlns:m="http://schemas.openxmlformats.org/officeDocument/2006/math">
                       <m:sSub>
                         <m:sSubPr>
                           <m:ctrlPr>
@@ -20623,7 +22838,7 @@
                             <a:rPr lang="en-US" altLang="ja-JP" sz="2400" i="1">
                               <a:latin typeface="Cambria Math" panose="02040503050406030204" pitchFamily="18" charset="0"/>
                             </a:rPr>
-                            <m:t>𝑜𝑢𝑡</m:t>
+                            <m:t>𝑡h</m:t>
                           </m:r>
                         </m:sub>
                       </m:sSub>
@@ -20662,7 +22877,7 @@
                         <a:rPr lang="en-US" altLang="ja-JP" sz="2400" i="1">
                           <a:latin typeface="Cambria Math" panose="02040503050406030204" pitchFamily="18" charset="0"/>
                         </a:rPr>
-                        <m:t>−</m:t>
+                        <m:t>+</m:t>
                       </m:r>
                       <m:sSub>
                         <m:sSubPr>
@@ -20689,10 +22904,16 @@
                           </m:r>
                         </m:sub>
                       </m:sSub>
+                      <m:r>
+                        <a:rPr lang="en-US" altLang="ja-JP" sz="2400" b="0" i="0" smtClean="0">
+                          <a:latin typeface="Cambria Math" panose="02040503050406030204" pitchFamily="18" charset="0"/>
+                        </a:rPr>
+                        <m:t>&lt;1.6</m:t>
+                      </m:r>
                     </m:oMath>
                   </m:oMathPara>
                 </a14:m>
-                <a:endParaRPr kumimoji="1" lang="en-US" altLang="ja-JP" sz="2400" dirty="0"/>
+                <a:endParaRPr lang="en-US" altLang="ja-JP" sz="2400" b="0" dirty="0"/>
               </a:p>
               <a:p>
                 <a:pPr/>
@@ -20702,12 +22923,6 @@
                       <m:jc m:val="centerGroup"/>
                     </m:oMathParaPr>
                     <m:oMath xmlns:m="http://schemas.openxmlformats.org/officeDocument/2006/math">
-                      <m:r>
-                        <a:rPr kumimoji="1" lang="en-US" altLang="ja-JP" sz="2400" b="0" i="1" smtClean="0">
-                          <a:latin typeface="Cambria Math" panose="02040503050406030204" pitchFamily="18" charset="0"/>
-                        </a:rPr>
-                        <m:t>0.5+</m:t>
-                      </m:r>
                       <m:sSub>
                         <m:sSubPr>
                           <m:ctrlPr>
@@ -20737,7 +22952,7 @@
                         <a:rPr kumimoji="1" lang="en-US" altLang="ja-JP" sz="2400" b="0" i="1" smtClean="0">
                           <a:latin typeface="Cambria Math" panose="02040503050406030204" pitchFamily="18" charset="0"/>
                         </a:rPr>
-                        <m:t>+0.2&lt;1.6&lt;1.2+</m:t>
+                        <m:t>&lt;1.6−</m:t>
                       </m:r>
                       <m:sSub>
                         <m:sSubPr>
@@ -20760,7 +22975,7 @@
                             <a:rPr kumimoji="1" lang="en-US" altLang="ja-JP" sz="2400" b="0" i="1" smtClean="0">
                               <a:latin typeface="Cambria Math" panose="02040503050406030204" pitchFamily="18" charset="0"/>
                             </a:rPr>
-                            <m:t>𝐴𝐵</m:t>
+                            <m:t>𝑡h</m:t>
                           </m:r>
                         </m:sub>
                       </m:sSub>
@@ -20768,7 +22983,38 @@
                         <a:rPr kumimoji="1" lang="en-US" altLang="ja-JP" sz="2400" b="0" i="1" smtClean="0">
                           <a:latin typeface="Cambria Math" panose="02040503050406030204" pitchFamily="18" charset="0"/>
                         </a:rPr>
-                        <m:t>−0.2</m:t>
+                        <m:t>−</m:t>
+                      </m:r>
+                      <m:sSub>
+                        <m:sSubPr>
+                          <m:ctrlPr>
+                            <a:rPr kumimoji="1" lang="en-US" altLang="ja-JP" sz="2400" b="0" i="1" smtClean="0">
+                              <a:latin typeface="Cambria Math" panose="02040503050406030204" pitchFamily="18" charset="0"/>
+                            </a:rPr>
+                          </m:ctrlPr>
+                        </m:sSubPr>
+                        <m:e>
+                          <m:r>
+                            <a:rPr kumimoji="1" lang="en-US" altLang="ja-JP" sz="2400" b="0" i="1" smtClean="0">
+                              <a:latin typeface="Cambria Math" panose="02040503050406030204" pitchFamily="18" charset="0"/>
+                            </a:rPr>
+                            <m:t>𝑉</m:t>
+                          </m:r>
+                        </m:e>
+                        <m:sub>
+                          <m:r>
+                            <a:rPr kumimoji="1" lang="en-US" altLang="ja-JP" sz="2400" b="0" i="1" smtClean="0">
+                              <a:latin typeface="Cambria Math" panose="02040503050406030204" pitchFamily="18" charset="0"/>
+                            </a:rPr>
+                            <m:t>𝐶𝑇𝑅𝐿</m:t>
+                          </m:r>
+                        </m:sub>
+                      </m:sSub>
+                      <m:r>
+                        <a:rPr kumimoji="1" lang="en-US" altLang="ja-JP" sz="2400" b="0" i="1" smtClean="0">
+                          <a:latin typeface="Cambria Math" panose="02040503050406030204" pitchFamily="18" charset="0"/>
+                        </a:rPr>
+                        <m:t>=1.6−0.5−0.2=0.9</m:t>
                       </m:r>
                     </m:oMath>
                   </m:oMathPara>
@@ -20783,7 +23029,7 @@
                       <a:rPr kumimoji="1" lang="en-US" altLang="ja-JP" sz="2400" b="0" i="1" smtClean="0">
                         <a:latin typeface="Cambria Math" panose="02040503050406030204" pitchFamily="18" charset="0"/>
                       </a:rPr>
-                      <m:t>0.6&lt;</m:t>
+                      <m:t>∴</m:t>
                     </m:r>
                     <m:sSub>
                       <m:sSubPr>
@@ -20814,7 +23060,7 @@
                       <a:rPr kumimoji="1" lang="en-US" altLang="ja-JP" sz="2400" b="0" i="1" smtClean="0">
                         <a:latin typeface="Cambria Math" panose="02040503050406030204" pitchFamily="18" charset="0"/>
                       </a:rPr>
-                      <m:t>&lt;1.1</m:t>
+                      <m:t>&lt;0.9</m:t>
                     </m:r>
                   </m:oMath>
                 </a14:m>
@@ -20837,12 +23083,66 @@
                           <a:rPr kumimoji="1" lang="en-US" altLang="ja-JP" sz="2400" b="0" i="1" smtClean="0">
                             <a:latin typeface="Cambria Math" panose="02040503050406030204" pitchFamily="18" charset="0"/>
                           </a:rPr>
-                          <m:t>7</m:t>
+                          <m:t>8</m:t>
                         </m:r>
                       </m:e>
                     </m:d>
                   </m:oMath>
                 </a14:m>
+                <a:endParaRPr kumimoji="1" lang="en-US" altLang="ja-JP" sz="2400" dirty="0"/>
+              </a:p>
+              <a:p>
+                <a:pPr/>
+                <a14:m>
+                  <m:oMath xmlns:m="http://schemas.openxmlformats.org/officeDocument/2006/math">
+                    <m:d>
+                      <m:dPr>
+                        <m:ctrlPr>
+                          <a:rPr kumimoji="1" lang="en-US" altLang="ja-JP" sz="2400" b="0" i="1" smtClean="0">
+                            <a:latin typeface="Cambria Math" panose="02040503050406030204" pitchFamily="18" charset="0"/>
+                          </a:rPr>
+                        </m:ctrlPr>
+                      </m:dPr>
+                      <m:e>
+                        <m:r>
+                          <a:rPr kumimoji="1" lang="en-US" altLang="ja-JP" sz="2400" b="0" i="1" smtClean="0">
+                            <a:latin typeface="Cambria Math" panose="02040503050406030204" pitchFamily="18" charset="0"/>
+                          </a:rPr>
+                          <m:t>4</m:t>
+                        </m:r>
+                      </m:e>
+                    </m:d>
+                  </m:oMath>
+                </a14:m>
+                <a:r>
+                  <a:rPr kumimoji="1" lang="ja-JP" altLang="en-US" sz="2400" dirty="0"/>
+                  <a:t>式、</a:t>
+                </a:r>
+                <a14:m>
+                  <m:oMath xmlns:m="http://schemas.openxmlformats.org/officeDocument/2006/math">
+                    <m:d>
+                      <m:dPr>
+                        <m:ctrlPr>
+                          <a:rPr kumimoji="1" lang="en-US" altLang="ja-JP" sz="2400" b="0" i="1" smtClean="0">
+                            <a:latin typeface="Cambria Math" panose="02040503050406030204" pitchFamily="18" charset="0"/>
+                          </a:rPr>
+                        </m:ctrlPr>
+                      </m:dPr>
+                      <m:e>
+                        <m:r>
+                          <a:rPr kumimoji="1" lang="en-US" altLang="ja-JP" sz="2400" b="0" i="1" smtClean="0">
+                            <a:latin typeface="Cambria Math" panose="02040503050406030204" pitchFamily="18" charset="0"/>
+                          </a:rPr>
+                          <m:t>8</m:t>
+                        </m:r>
+                      </m:e>
+                    </m:d>
+                  </m:oMath>
+                </a14:m>
+                <a:r>
+                  <a:rPr kumimoji="1" lang="ja-JP" altLang="en-US" sz="2400" dirty="0"/>
+                  <a:t>式より</a:t>
+                </a:r>
                 <a:endParaRPr kumimoji="1" lang="en-US" altLang="ja-JP" sz="2400" dirty="0"/>
               </a:p>
               <a:p>
@@ -20874,7 +23174,7 @@
                             <a:rPr kumimoji="1" lang="en-US" altLang="ja-JP" sz="2400" b="0" i="1" smtClean="0">
                               <a:latin typeface="Cambria Math" panose="02040503050406030204" pitchFamily="18" charset="0"/>
                             </a:rPr>
-                            <m:t>𝑡h</m:t>
+                            <m:t>𝐵</m:t>
                           </m:r>
                         </m:sub>
                       </m:sSub>
@@ -20897,6 +23197,37 @@
                             <a:rPr kumimoji="1" lang="en-US" altLang="ja-JP" sz="2400" b="0" i="1" smtClean="0">
                               <a:latin typeface="Cambria Math" panose="02040503050406030204" pitchFamily="18" charset="0"/>
                             </a:rPr>
+                            <m:t>𝑣</m:t>
+                          </m:r>
+                        </m:e>
+                        <m:sub>
+                          <m:r>
+                            <a:rPr kumimoji="1" lang="en-US" altLang="ja-JP" sz="2400" b="0" i="1" smtClean="0">
+                              <a:latin typeface="Cambria Math" panose="02040503050406030204" pitchFamily="18" charset="0"/>
+                            </a:rPr>
+                            <m:t>𝑖𝑛</m:t>
+                          </m:r>
+                        </m:sub>
+                      </m:sSub>
+                      <m:r>
+                        <a:rPr kumimoji="1" lang="en-US" altLang="ja-JP" sz="2400" b="0" i="1" smtClean="0">
+                          <a:latin typeface="Cambria Math" panose="02040503050406030204" pitchFamily="18" charset="0"/>
+                        </a:rPr>
+                        <m:t>−</m:t>
+                      </m:r>
+                      <m:sSub>
+                        <m:sSubPr>
+                          <m:ctrlPr>
+                            <a:rPr kumimoji="1" lang="en-US" altLang="ja-JP" sz="2400" b="0" i="1" smtClean="0">
+                              <a:latin typeface="Cambria Math" panose="02040503050406030204" pitchFamily="18" charset="0"/>
+                            </a:rPr>
+                          </m:ctrlPr>
+                        </m:sSubPr>
+                        <m:e>
+                          <m:r>
+                            <a:rPr kumimoji="1" lang="en-US" altLang="ja-JP" sz="2400" b="0" i="1" smtClean="0">
+                              <a:latin typeface="Cambria Math" panose="02040503050406030204" pitchFamily="18" charset="0"/>
+                            </a:rPr>
                             <m:t>𝑉</m:t>
                           </m:r>
                         </m:e>
@@ -20905,7 +23236,119 @@
                             <a:rPr kumimoji="1" lang="en-US" altLang="ja-JP" sz="2400" b="0" i="1" smtClean="0">
                               <a:latin typeface="Cambria Math" panose="02040503050406030204" pitchFamily="18" charset="0"/>
                             </a:rPr>
+                            <m:t>𝑡h</m:t>
+                          </m:r>
+                        </m:sub>
+                      </m:sSub>
+                      <m:r>
+                        <a:rPr kumimoji="1" lang="en-US" altLang="ja-JP" sz="2400" b="0" i="1" smtClean="0">
+                          <a:latin typeface="Cambria Math" panose="02040503050406030204" pitchFamily="18" charset="0"/>
+                        </a:rPr>
+                        <m:t>&lt;</m:t>
+                      </m:r>
+                      <m:sSub>
+                        <m:sSubPr>
+                          <m:ctrlPr>
+                            <a:rPr kumimoji="1" lang="en-US" altLang="ja-JP" sz="2400" b="0" i="1" smtClean="0">
+                              <a:latin typeface="Cambria Math" panose="02040503050406030204" pitchFamily="18" charset="0"/>
+                            </a:rPr>
+                          </m:ctrlPr>
+                        </m:sSubPr>
+                        <m:e>
+                          <m:r>
+                            <a:rPr kumimoji="1" lang="en-US" altLang="ja-JP" sz="2400" b="0" i="1" smtClean="0">
+                              <a:latin typeface="Cambria Math" panose="02040503050406030204" pitchFamily="18" charset="0"/>
+                            </a:rPr>
+                            <m:t>𝑉</m:t>
+                          </m:r>
+                        </m:e>
+                        <m:sub>
+                          <m:r>
+                            <a:rPr kumimoji="1" lang="en-US" altLang="ja-JP" sz="2400" b="0" i="1" smtClean="0">
+                              <a:latin typeface="Cambria Math" panose="02040503050406030204" pitchFamily="18" charset="0"/>
+                            </a:rPr>
                             <m:t>𝐴𝐵</m:t>
+                          </m:r>
+                        </m:sub>
+                      </m:sSub>
+                      <m:r>
+                        <a:rPr kumimoji="1" lang="en-US" altLang="ja-JP" sz="2400" b="0" i="1" smtClean="0">
+                          <a:latin typeface="Cambria Math" panose="02040503050406030204" pitchFamily="18" charset="0"/>
+                        </a:rPr>
+                        <m:t>&lt;0.</m:t>
+                      </m:r>
+                      <m:r>
+                        <a:rPr kumimoji="1" lang="en-US" altLang="ja-JP" sz="2400" b="0" i="0" smtClean="0">
+                          <a:latin typeface="Cambria Math" panose="02040503050406030204" pitchFamily="18" charset="0"/>
+                        </a:rPr>
+                        <m:t>9</m:t>
+                      </m:r>
+                    </m:oMath>
+                  </m:oMathPara>
+                </a14:m>
+                <a:endParaRPr kumimoji="1" lang="en-US" altLang="ja-JP" sz="2400" b="0" dirty="0"/>
+              </a:p>
+              <a:p>
+                <a:pPr/>
+                <a14:m>
+                  <m:oMathPara xmlns:m="http://schemas.openxmlformats.org/officeDocument/2006/math">
+                    <m:oMathParaPr>
+                      <m:jc m:val="centerGroup"/>
+                    </m:oMathParaPr>
+                    <m:oMath xmlns:m="http://schemas.openxmlformats.org/officeDocument/2006/math">
+                      <m:sSub>
+                        <m:sSubPr>
+                          <m:ctrlPr>
+                            <a:rPr kumimoji="1" lang="en-US" altLang="ja-JP" sz="2400" b="0" i="1" smtClean="0">
+                              <a:latin typeface="Cambria Math" panose="02040503050406030204" pitchFamily="18" charset="0"/>
+                            </a:rPr>
+                          </m:ctrlPr>
+                        </m:sSubPr>
+                        <m:e>
+                          <m:r>
+                            <a:rPr kumimoji="1" lang="en-US" altLang="ja-JP" sz="2400" b="0" i="1" smtClean="0">
+                              <a:latin typeface="Cambria Math" panose="02040503050406030204" pitchFamily="18" charset="0"/>
+                            </a:rPr>
+                            <m:t>𝑉</m:t>
+                          </m:r>
+                        </m:e>
+                        <m:sub>
+                          <m:r>
+                            <a:rPr kumimoji="1" lang="en-US" altLang="ja-JP" sz="2400" b="0" i="1" smtClean="0">
+                              <a:latin typeface="Cambria Math" panose="02040503050406030204" pitchFamily="18" charset="0"/>
+                            </a:rPr>
+                            <m:t>𝐵</m:t>
+                          </m:r>
+                        </m:sub>
+                      </m:sSub>
+                      <m:r>
+                        <a:rPr kumimoji="1" lang="en-US" altLang="ja-JP" sz="2400" b="0" i="1" smtClean="0">
+                          <a:latin typeface="Cambria Math" panose="02040503050406030204" pitchFamily="18" charset="0"/>
+                        </a:rPr>
+                        <m:t>&lt;0.9−</m:t>
+                      </m:r>
+                      <m:sSub>
+                        <m:sSubPr>
+                          <m:ctrlPr>
+                            <a:rPr kumimoji="1" lang="en-US" altLang="ja-JP" sz="2400" b="0" i="1" smtClean="0">
+                              <a:latin typeface="Cambria Math" panose="02040503050406030204" pitchFamily="18" charset="0"/>
+                            </a:rPr>
+                          </m:ctrlPr>
+                        </m:sSubPr>
+                        <m:e>
+                          <m:r>
+                            <a:rPr kumimoji="1" lang="en-US" altLang="ja-JP" sz="2400" b="0" i="1" smtClean="0">
+                              <a:latin typeface="Cambria Math" panose="02040503050406030204" pitchFamily="18" charset="0"/>
+                            </a:rPr>
+                            <m:t>𝑣</m:t>
+                          </m:r>
+                        </m:e>
+                        <m:sub>
+                          <m:r>
+                            <a:rPr kumimoji="1" lang="en-US" altLang="ja-JP" sz="2400" b="0" i="1" smtClean="0">
+                              <a:latin typeface="Cambria Math" panose="02040503050406030204" pitchFamily="18" charset="0"/>
+                            </a:rPr>
+                            <m:t>𝑖𝑛</m:t>
                           </m:r>
                         </m:sub>
                       </m:sSub>
@@ -20936,7 +23379,7 @@
                             <a:rPr kumimoji="1" lang="en-US" altLang="ja-JP" sz="2400" b="0" i="1" smtClean="0">
                               <a:latin typeface="Cambria Math" panose="02040503050406030204" pitchFamily="18" charset="0"/>
                             </a:rPr>
-                            <m:t>𝐶𝑇𝑅𝐿</m:t>
+                            <m:t>𝑡h</m:t>
                           </m:r>
                         </m:sub>
                       </m:sSub>
@@ -20944,77 +23387,8 @@
                         <a:rPr kumimoji="1" lang="en-US" altLang="ja-JP" sz="2400" b="0" i="1" smtClean="0">
                           <a:latin typeface="Cambria Math" panose="02040503050406030204" pitchFamily="18" charset="0"/>
                         </a:rPr>
-                        <m:t>&lt;</m:t>
+                        <m:t>=0.9−0.2+0.5=1.2</m:t>
                       </m:r>
-                      <m:sSub>
-                        <m:sSubPr>
-                          <m:ctrlPr>
-                            <a:rPr kumimoji="1" lang="en-US" altLang="ja-JP" sz="2400" b="0" i="1" smtClean="0">
-                              <a:latin typeface="Cambria Math" panose="02040503050406030204" pitchFamily="18" charset="0"/>
-                            </a:rPr>
-                          </m:ctrlPr>
-                        </m:sSubPr>
-                        <m:e>
-                          <m:r>
-                            <a:rPr kumimoji="1" lang="en-US" altLang="ja-JP" sz="2400" b="0" i="1" smtClean="0">
-                              <a:latin typeface="Cambria Math" panose="02040503050406030204" pitchFamily="18" charset="0"/>
-                            </a:rPr>
-                            <m:t>𝑉</m:t>
-                          </m:r>
-                        </m:e>
-                        <m:sub>
-                          <m:r>
-                            <a:rPr kumimoji="1" lang="en-US" altLang="ja-JP" sz="2400" b="0" i="1" smtClean="0">
-                              <a:latin typeface="Cambria Math" panose="02040503050406030204" pitchFamily="18" charset="0"/>
-                            </a:rPr>
-                            <m:t>𝐴</m:t>
-                          </m:r>
-                        </m:sub>
-                      </m:sSub>
-                    </m:oMath>
-                  </m:oMathPara>
-                </a14:m>
-                <a:endParaRPr kumimoji="1" lang="en-US" altLang="ja-JP" sz="2400" dirty="0"/>
-              </a:p>
-              <a:p>
-                <a:pPr/>
-                <a14:m>
-                  <m:oMathPara xmlns:m="http://schemas.openxmlformats.org/officeDocument/2006/math">
-                    <m:oMathParaPr>
-                      <m:jc m:val="centerGroup"/>
-                    </m:oMathParaPr>
-                    <m:oMath xmlns:m="http://schemas.openxmlformats.org/officeDocument/2006/math">
-                      <m:r>
-                        <a:rPr kumimoji="1" lang="en-US" altLang="ja-JP" sz="2400" b="0" i="1" smtClean="0">
-                          <a:latin typeface="Cambria Math" panose="02040503050406030204" pitchFamily="18" charset="0"/>
-                        </a:rPr>
-                        <m:t>0.5+0.6+0.2&lt;</m:t>
-                      </m:r>
-                      <m:sSub>
-                        <m:sSubPr>
-                          <m:ctrlPr>
-                            <a:rPr kumimoji="1" lang="en-US" altLang="ja-JP" sz="2400" b="0" i="1" smtClean="0">
-                              <a:latin typeface="Cambria Math" panose="02040503050406030204" pitchFamily="18" charset="0"/>
-                            </a:rPr>
-                          </m:ctrlPr>
-                        </m:sSubPr>
-                        <m:e>
-                          <m:r>
-                            <a:rPr kumimoji="1" lang="en-US" altLang="ja-JP" sz="2400" b="0" i="1" smtClean="0">
-                              <a:latin typeface="Cambria Math" panose="02040503050406030204" pitchFamily="18" charset="0"/>
-                            </a:rPr>
-                            <m:t>𝑉</m:t>
-                          </m:r>
-                        </m:e>
-                        <m:sub>
-                          <m:r>
-                            <a:rPr kumimoji="1" lang="en-US" altLang="ja-JP" sz="2400" b="0" i="1" smtClean="0">
-                              <a:latin typeface="Cambria Math" panose="02040503050406030204" pitchFamily="18" charset="0"/>
-                            </a:rPr>
-                            <m:t>𝐴</m:t>
-                          </m:r>
-                        </m:sub>
-                      </m:sSub>
                     </m:oMath>
                   </m:oMathPara>
                 </a14:m>
@@ -21028,7 +23402,7 @@
                       <a:rPr kumimoji="1" lang="en-US" altLang="ja-JP" sz="2400" b="0" i="1" smtClean="0">
                         <a:latin typeface="Cambria Math" panose="02040503050406030204" pitchFamily="18" charset="0"/>
                       </a:rPr>
-                      <m:t>1.3&lt;</m:t>
+                      <m:t>∴</m:t>
                     </m:r>
                     <m:sSub>
                       <m:sSubPr>
@@ -21051,7 +23425,7 @@
                           <a:rPr kumimoji="1" lang="en-US" altLang="ja-JP" sz="2400" b="0" i="1" smtClean="0">
                             <a:latin typeface="Cambria Math" panose="02040503050406030204" pitchFamily="18" charset="0"/>
                           </a:rPr>
-                          <m:t>𝐴</m:t>
+                          <m:t>𝐵</m:t>
                         </m:r>
                       </m:sub>
                     </m:sSub>
@@ -21059,7 +23433,7 @@
                       <a:rPr kumimoji="1" lang="en-US" altLang="ja-JP" sz="2400" b="0" i="1" smtClean="0">
                         <a:latin typeface="Cambria Math" panose="02040503050406030204" pitchFamily="18" charset="0"/>
                       </a:rPr>
-                      <m:t>&lt;1.6</m:t>
+                      <m:t>&lt;1.2</m:t>
                     </m:r>
                   </m:oMath>
                 </a14:m>
@@ -21082,7 +23456,7 @@
                           <a:rPr kumimoji="1" lang="en-US" altLang="ja-JP" sz="2400" b="0" i="1" smtClean="0">
                             <a:latin typeface="Cambria Math" panose="02040503050406030204" pitchFamily="18" charset="0"/>
                           </a:rPr>
-                          <m:t>8</m:t>
+                          <m:t>9</m:t>
                         </m:r>
                       </m:e>
                     </m:d>
@@ -21093,7 +23467,7 @@
             </p:txBody>
           </p:sp>
         </mc:Choice>
-        <mc:Fallback xmlns="">
+        <mc:Fallback>
           <p:sp>
             <p:nvSpPr>
               <p:cNvPr id="5" name="テキスト ボックス 4">
@@ -21110,8 +23484,8 @@
             </p:nvSpPr>
             <p:spPr>
               <a:xfrm>
-                <a:off x="501445" y="1258529"/>
-                <a:ext cx="11189110" cy="4893647"/>
+                <a:off x="501445" y="1027906"/>
+                <a:ext cx="11189110" cy="5632311"/>
               </a:xfrm>
               <a:prstGeom prst="rect">
                 <a:avLst/>
@@ -21119,7 +23493,7 @@
               <a:blipFill>
                 <a:blip r:embed="rId2"/>
                 <a:stretch>
-                  <a:fillRect l="-817" t="-872"/>
+                  <a:fillRect l="-817" t="-758"/>
                 </a:stretch>
               </a:blipFill>
             </p:spPr>
@@ -21170,10 +23544,46 @@
       </p:grpSpPr>
       <p:sp>
         <p:nvSpPr>
-          <p:cNvPr id="2" name="スライド番号プレースホルダー 1">
+          <p:cNvPr id="2" name="タイトル 1">
             <a:extLst>
               <a:ext uri="{FF2B5EF4-FFF2-40B4-BE49-F238E27FC236}">
-                <a16:creationId xmlns:a16="http://schemas.microsoft.com/office/drawing/2014/main" id="{F2B5F8A4-F835-95C0-8A00-BACF786F3855}"/>
+                <a16:creationId xmlns:a16="http://schemas.microsoft.com/office/drawing/2014/main" id="{EB5DAA81-5B05-C79B-5F5E-F78A773EC31B}"/>
+              </a:ext>
+            </a:extLst>
+          </p:cNvPr>
+          <p:cNvSpPr>
+            <a:spLocks noGrp="1"/>
+          </p:cNvSpPr>
+          <p:nvPr>
+            <p:ph type="title"/>
+          </p:nvPr>
+        </p:nvSpPr>
+        <p:spPr/>
+        <p:txBody>
+          <a:bodyPr/>
+          <a:lstStyle/>
+          <a:p>
+            <a:r>
+              <a:rPr kumimoji="1" lang="ja-JP" altLang="en-US" dirty="0"/>
+              <a:t>直流設計 </a:t>
+            </a:r>
+            <a:r>
+              <a:rPr kumimoji="1" lang="en-US" altLang="ja-JP" dirty="0"/>
+              <a:t>– </a:t>
+            </a:r>
+            <a:r>
+              <a:rPr kumimoji="1" lang="ja-JP" altLang="en-US" dirty="0"/>
+              <a:t>電圧範囲</a:t>
+            </a:r>
+          </a:p>
+        </p:txBody>
+      </p:sp>
+      <p:sp>
+        <p:nvSpPr>
+          <p:cNvPr id="3" name="スライド番号プレースホルダー 2">
+            <a:extLst>
+              <a:ext uri="{FF2B5EF4-FFF2-40B4-BE49-F238E27FC236}">
+                <a16:creationId xmlns:a16="http://schemas.microsoft.com/office/drawing/2014/main" id="{B3E0CA05-6043-2C1D-4B77-847F2C07C2FC}"/>
               </a:ext>
             </a:extLst>
           </p:cNvPr>
@@ -21197,75 +23607,14 @@
           </a:p>
         </p:txBody>
       </p:sp>
-      <p:sp>
-        <p:nvSpPr>
-          <p:cNvPr id="3" name="タイトル 1">
-            <a:extLst>
-              <a:ext uri="{FF2B5EF4-FFF2-40B4-BE49-F238E27FC236}">
-                <a16:creationId xmlns:a16="http://schemas.microsoft.com/office/drawing/2014/main" id="{88701DC8-5263-8EB9-CEED-DAF7A5D7A8BE}"/>
-              </a:ext>
-            </a:extLst>
-          </p:cNvPr>
-          <p:cNvSpPr txBox="1">
-            <a:spLocks/>
-          </p:cNvSpPr>
-          <p:nvPr/>
-        </p:nvSpPr>
-        <p:spPr>
-          <a:xfrm>
-            <a:off x="838200" y="365125"/>
-            <a:ext cx="10515600" cy="1325563"/>
-          </a:xfrm>
-          <a:prstGeom prst="rect">
-            <a:avLst/>
-          </a:prstGeom>
-        </p:spPr>
-        <p:txBody>
-          <a:bodyPr/>
-          <a:lstStyle>
-            <a:lvl1pPr algn="l" defTabSz="914400" rtl="0" eaLnBrk="1" latinLnBrk="0" hangingPunct="1">
-              <a:lnSpc>
-                <a:spcPct val="90000"/>
-              </a:lnSpc>
-              <a:spcBef>
-                <a:spcPct val="0"/>
-              </a:spcBef>
-              <a:buNone/>
-              <a:defRPr kumimoji="1" sz="4400" kern="1200">
-                <a:solidFill>
-                  <a:schemeClr val="tx1"/>
-                </a:solidFill>
-                <a:latin typeface="+mj-lt"/>
-                <a:ea typeface="+mj-ea"/>
-                <a:cs typeface="+mj-cs"/>
-              </a:defRPr>
-            </a:lvl1pPr>
-          </a:lstStyle>
-          <a:p>
-            <a:r>
-              <a:rPr kumimoji="1" lang="ja-JP" altLang="en-US" dirty="0"/>
-              <a:t>直流設計 </a:t>
-            </a:r>
-            <a:r>
-              <a:rPr kumimoji="1" lang="en-US" altLang="ja-JP" dirty="0"/>
-              <a:t>– </a:t>
-            </a:r>
-            <a:r>
-              <a:rPr kumimoji="1" lang="ja-JP" altLang="en-US" dirty="0"/>
-              <a:t>電圧範囲</a:t>
-            </a:r>
-            <a:endParaRPr lang="ja-JP" altLang="en-US" dirty="0"/>
-          </a:p>
-        </p:txBody>
-      </p:sp>
-      <mc:AlternateContent xmlns:mc="http://schemas.openxmlformats.org/markup-compatibility/2006" xmlns:a14="http://schemas.microsoft.com/office/drawing/2010/main">
-        <mc:Choice Requires="a14">
+      <mc:AlternateContent xmlns:mc="http://schemas.openxmlformats.org/markup-compatibility/2006">
+        <mc:Choice xmlns:a14="http://schemas.microsoft.com/office/drawing/2010/main" Requires="a14">
           <p:sp>
             <p:nvSpPr>
-              <p:cNvPr id="5" name="テキスト ボックス 4">
+              <p:cNvPr id="6" name="テキスト ボックス 5">
                 <a:extLst>
                   <a:ext uri="{FF2B5EF4-FFF2-40B4-BE49-F238E27FC236}">
-                    <a16:creationId xmlns:a16="http://schemas.microsoft.com/office/drawing/2014/main" id="{777DF0F3-E4B3-C6C4-0689-E543146C3788}"/>
+                    <a16:creationId xmlns:a16="http://schemas.microsoft.com/office/drawing/2014/main" id="{667943DB-B3E2-AC49-FA77-7947748FEF11}"/>
                   </a:ext>
                 </a:extLst>
               </p:cNvPr>
@@ -21274,8 +23623,8 @@
             </p:nvSpPr>
             <p:spPr>
               <a:xfrm>
-                <a:off x="334297" y="1793684"/>
-                <a:ext cx="11523406" cy="4154984"/>
+                <a:off x="569258" y="1462703"/>
+                <a:ext cx="11053483" cy="4893647"/>
               </a:xfrm>
               <a:prstGeom prst="rect">
                 <a:avLst/>
@@ -21304,7 +23653,32 @@
                           <a:rPr kumimoji="1" lang="en-US" altLang="ja-JP" sz="2400" b="0" i="1" smtClean="0">
                             <a:latin typeface="Cambria Math" panose="02040503050406030204" pitchFamily="18" charset="0"/>
                           </a:rPr>
-                          <m:t>4</m:t>
+                          <m:t>3</m:t>
+                        </m:r>
+                      </m:e>
+                    </m:d>
+                  </m:oMath>
+                </a14:m>
+                <a:r>
+                  <a:rPr kumimoji="1" lang="ja-JP" altLang="en-US" sz="2400" dirty="0"/>
+                  <a:t>式、</a:t>
+                </a:r>
+                <a14:m>
+                  <m:oMath xmlns:m="http://schemas.openxmlformats.org/officeDocument/2006/math">
+                    <m:d>
+                      <m:dPr>
+                        <m:ctrlPr>
+                          <a:rPr kumimoji="1" lang="en-US" altLang="ja-JP" sz="2400" b="0" i="1" dirty="0" smtClean="0">
+                            <a:latin typeface="Cambria Math" panose="02040503050406030204" pitchFamily="18" charset="0"/>
+                          </a:rPr>
+                        </m:ctrlPr>
+                      </m:dPr>
+                      <m:e>
+                        <m:r>
+                          <a:rPr kumimoji="1" lang="en-US" altLang="ja-JP" sz="2400" b="0" i="1" dirty="0" smtClean="0">
+                            <a:latin typeface="Cambria Math" panose="02040503050406030204" pitchFamily="18" charset="0"/>
+                          </a:rPr>
+                          <m:t>9</m:t>
                         </m:r>
                       </m:e>
                     </m:d>
@@ -21317,255 +23691,6 @@
                 <a:endParaRPr kumimoji="1" lang="en-US" altLang="ja-JP" sz="2400" dirty="0"/>
               </a:p>
               <a:p>
-                <a:pPr algn="l"/>
-                <a14:m>
-                  <m:oMathPara xmlns:m="http://schemas.openxmlformats.org/officeDocument/2006/math">
-                    <m:oMathParaPr>
-                      <m:jc m:val="centerGroup"/>
-                    </m:oMathParaPr>
-                    <m:oMath xmlns:m="http://schemas.openxmlformats.org/officeDocument/2006/math">
-                      <m:sSub>
-                        <m:sSubPr>
-                          <m:ctrlPr>
-                            <a:rPr lang="en-US" altLang="ja-JP" sz="2400" b="0" i="1" smtClean="0">
-                              <a:latin typeface="Cambria Math" panose="02040503050406030204" pitchFamily="18" charset="0"/>
-                            </a:rPr>
-                          </m:ctrlPr>
-                        </m:sSubPr>
-                        <m:e>
-                          <m:r>
-                            <a:rPr lang="en-US" altLang="ja-JP" sz="2400" b="0" i="1" smtClean="0">
-                              <a:latin typeface="Cambria Math" panose="02040503050406030204" pitchFamily="18" charset="0"/>
-                            </a:rPr>
-                            <m:t>𝑉</m:t>
-                          </m:r>
-                        </m:e>
-                        <m:sub>
-                          <m:r>
-                            <a:rPr lang="en-US" altLang="ja-JP" sz="2400" b="0" i="1" smtClean="0">
-                              <a:latin typeface="Cambria Math" panose="02040503050406030204" pitchFamily="18" charset="0"/>
-                            </a:rPr>
-                            <m:t>𝐵</m:t>
-                          </m:r>
-                        </m:sub>
-                      </m:sSub>
-                      <m:r>
-                        <a:rPr lang="en-US" altLang="ja-JP" sz="2400" b="0" i="1" smtClean="0">
-                          <a:latin typeface="Cambria Math" panose="02040503050406030204" pitchFamily="18" charset="0"/>
-                        </a:rPr>
-                        <m:t>+</m:t>
-                      </m:r>
-                      <m:sSub>
-                        <m:sSubPr>
-                          <m:ctrlPr>
-                            <a:rPr lang="en-US" altLang="ja-JP" sz="2400" b="0" i="1" smtClean="0">
-                              <a:latin typeface="Cambria Math" panose="02040503050406030204" pitchFamily="18" charset="0"/>
-                            </a:rPr>
-                          </m:ctrlPr>
-                        </m:sSubPr>
-                        <m:e>
-                          <m:r>
-                            <a:rPr lang="en-US" altLang="ja-JP" sz="2400" b="0" i="1" smtClean="0">
-                              <a:latin typeface="Cambria Math" panose="02040503050406030204" pitchFamily="18" charset="0"/>
-                            </a:rPr>
-                            <m:t>𝑣</m:t>
-                          </m:r>
-                        </m:e>
-                        <m:sub>
-                          <m:r>
-                            <a:rPr lang="en-US" altLang="ja-JP" sz="2400" b="0" i="1" smtClean="0">
-                              <a:latin typeface="Cambria Math" panose="02040503050406030204" pitchFamily="18" charset="0"/>
-                            </a:rPr>
-                            <m:t>𝑖𝑛</m:t>
-                          </m:r>
-                        </m:sub>
-                      </m:sSub>
-                      <m:r>
-                        <a:rPr lang="en-US" altLang="ja-JP" sz="2400" b="0" i="1" smtClean="0">
-                          <a:latin typeface="Cambria Math" panose="02040503050406030204" pitchFamily="18" charset="0"/>
-                        </a:rPr>
-                        <m:t>−</m:t>
-                      </m:r>
-                      <m:sSub>
-                        <m:sSubPr>
-                          <m:ctrlPr>
-                            <a:rPr lang="en-US" altLang="ja-JP" sz="2400" b="0" i="1" smtClean="0">
-                              <a:latin typeface="Cambria Math" panose="02040503050406030204" pitchFamily="18" charset="0"/>
-                            </a:rPr>
-                          </m:ctrlPr>
-                        </m:sSubPr>
-                        <m:e>
-                          <m:r>
-                            <a:rPr lang="en-US" altLang="ja-JP" sz="2400" b="0" i="1" smtClean="0">
-                              <a:latin typeface="Cambria Math" panose="02040503050406030204" pitchFamily="18" charset="0"/>
-                            </a:rPr>
-                            <m:t>𝑉</m:t>
-                          </m:r>
-                        </m:e>
-                        <m:sub>
-                          <m:r>
-                            <a:rPr lang="en-US" altLang="ja-JP" sz="2400" b="0" i="1" smtClean="0">
-                              <a:latin typeface="Cambria Math" panose="02040503050406030204" pitchFamily="18" charset="0"/>
-                            </a:rPr>
-                            <m:t>𝑡h</m:t>
-                          </m:r>
-                        </m:sub>
-                      </m:sSub>
-                      <m:r>
-                        <a:rPr lang="en-US" altLang="ja-JP" sz="2400" b="0" i="1" smtClean="0">
-                          <a:latin typeface="Cambria Math" panose="02040503050406030204" pitchFamily="18" charset="0"/>
-                        </a:rPr>
-                        <m:t>&lt;</m:t>
-                      </m:r>
-                      <m:sSub>
-                        <m:sSubPr>
-                          <m:ctrlPr>
-                            <a:rPr lang="en-US" altLang="ja-JP" sz="2400" b="0" i="1" smtClean="0">
-                              <a:latin typeface="Cambria Math" panose="02040503050406030204" pitchFamily="18" charset="0"/>
-                            </a:rPr>
-                          </m:ctrlPr>
-                        </m:sSubPr>
-                        <m:e>
-                          <m:r>
-                            <a:rPr lang="en-US" altLang="ja-JP" sz="2400" b="0" i="1" smtClean="0">
-                              <a:latin typeface="Cambria Math" panose="02040503050406030204" pitchFamily="18" charset="0"/>
-                            </a:rPr>
-                            <m:t>𝑉</m:t>
-                          </m:r>
-                        </m:e>
-                        <m:sub>
-                          <m:r>
-                            <a:rPr lang="en-US" altLang="ja-JP" sz="2400" b="0" i="1" smtClean="0">
-                              <a:latin typeface="Cambria Math" panose="02040503050406030204" pitchFamily="18" charset="0"/>
-                            </a:rPr>
-                            <m:t>𝐴𝐵</m:t>
-                          </m:r>
-                        </m:sub>
-                      </m:sSub>
-                    </m:oMath>
-                  </m:oMathPara>
-                </a14:m>
-                <a:endParaRPr kumimoji="1" lang="en-US" altLang="ja-JP" sz="2400" dirty="0"/>
-              </a:p>
-              <a:p>
-                <a:pPr algn="l"/>
-                <a14:m>
-                  <m:oMathPara xmlns:m="http://schemas.openxmlformats.org/officeDocument/2006/math">
-                    <m:oMathParaPr>
-                      <m:jc m:val="centerGroup"/>
-                    </m:oMathParaPr>
-                    <m:oMath xmlns:m="http://schemas.openxmlformats.org/officeDocument/2006/math">
-                      <m:sSub>
-                        <m:sSubPr>
-                          <m:ctrlPr>
-                            <a:rPr kumimoji="1" lang="en-US" altLang="ja-JP" sz="2400" b="0" i="1" smtClean="0">
-                              <a:latin typeface="Cambria Math" panose="02040503050406030204" pitchFamily="18" charset="0"/>
-                            </a:rPr>
-                          </m:ctrlPr>
-                        </m:sSubPr>
-                        <m:e>
-                          <m:r>
-                            <a:rPr kumimoji="1" lang="en-US" altLang="ja-JP" sz="2400" b="0" i="1" smtClean="0">
-                              <a:latin typeface="Cambria Math" panose="02040503050406030204" pitchFamily="18" charset="0"/>
-                            </a:rPr>
-                            <m:t>𝑉</m:t>
-                          </m:r>
-                        </m:e>
-                        <m:sub>
-                          <m:r>
-                            <a:rPr kumimoji="1" lang="en-US" altLang="ja-JP" sz="2400" b="0" i="1" smtClean="0">
-                              <a:latin typeface="Cambria Math" panose="02040503050406030204" pitchFamily="18" charset="0"/>
-                            </a:rPr>
-                            <m:t>𝐵</m:t>
-                          </m:r>
-                        </m:sub>
-                      </m:sSub>
-                      <m:r>
-                        <a:rPr kumimoji="1" lang="en-US" altLang="ja-JP" sz="2400" b="0" i="1" smtClean="0">
-                          <a:latin typeface="Cambria Math" panose="02040503050406030204" pitchFamily="18" charset="0"/>
-                        </a:rPr>
-                        <m:t>+0.2−0.5&lt;0.6</m:t>
-                      </m:r>
-                    </m:oMath>
-                  </m:oMathPara>
-                </a14:m>
-                <a:endParaRPr kumimoji="1" lang="en-US" altLang="ja-JP" sz="2400" b="0" dirty="0"/>
-              </a:p>
-              <a:p>
-                <a:pPr algn="l"/>
-                <a14:m>
-                  <m:oMathPara xmlns:m="http://schemas.openxmlformats.org/officeDocument/2006/math">
-                    <m:oMathParaPr>
-                      <m:jc m:val="centerGroup"/>
-                    </m:oMathParaPr>
-                    <m:oMath xmlns:m="http://schemas.openxmlformats.org/officeDocument/2006/math">
-                      <m:sSub>
-                        <m:sSubPr>
-                          <m:ctrlPr>
-                            <a:rPr kumimoji="1" lang="en-US" altLang="ja-JP" sz="2400" b="0" i="1" smtClean="0">
-                              <a:latin typeface="Cambria Math" panose="02040503050406030204" pitchFamily="18" charset="0"/>
-                            </a:rPr>
-                          </m:ctrlPr>
-                        </m:sSubPr>
-                        <m:e>
-                          <m:r>
-                            <a:rPr kumimoji="1" lang="en-US" altLang="ja-JP" sz="2400" b="0" i="1" smtClean="0">
-                              <a:latin typeface="Cambria Math" panose="02040503050406030204" pitchFamily="18" charset="0"/>
-                            </a:rPr>
-                            <m:t>𝑉</m:t>
-                          </m:r>
-                        </m:e>
-                        <m:sub>
-                          <m:r>
-                            <a:rPr kumimoji="1" lang="en-US" altLang="ja-JP" sz="2400" b="0" i="1" smtClean="0">
-                              <a:latin typeface="Cambria Math" panose="02040503050406030204" pitchFamily="18" charset="0"/>
-                            </a:rPr>
-                            <m:t>𝐵</m:t>
-                          </m:r>
-                        </m:sub>
-                      </m:sSub>
-                      <m:r>
-                        <a:rPr kumimoji="1" lang="en-US" altLang="ja-JP" sz="2400" b="0" i="1" smtClean="0">
-                          <a:latin typeface="Cambria Math" panose="02040503050406030204" pitchFamily="18" charset="0"/>
-                        </a:rPr>
-                        <m:t>&lt;0.9</m:t>
-                      </m:r>
-                    </m:oMath>
-                  </m:oMathPara>
-                </a14:m>
-                <a:endParaRPr kumimoji="1" lang="en-US" altLang="ja-JP" sz="2400" dirty="0"/>
-              </a:p>
-              <a:p>
-                <a:pPr algn="l"/>
-                <a14:m>
-                  <m:oMath xmlns:m="http://schemas.openxmlformats.org/officeDocument/2006/math">
-                    <m:d>
-                      <m:dPr>
-                        <m:ctrlPr>
-                          <a:rPr lang="en-US" altLang="ja-JP" sz="2400" b="0" i="1" smtClean="0">
-                            <a:latin typeface="Cambria Math" panose="02040503050406030204" pitchFamily="18" charset="0"/>
-                          </a:rPr>
-                        </m:ctrlPr>
-                      </m:dPr>
-                      <m:e>
-                        <m:r>
-                          <a:rPr lang="en-US" altLang="ja-JP" sz="2400" b="0" i="1" smtClean="0">
-                            <a:latin typeface="Cambria Math" panose="02040503050406030204" pitchFamily="18" charset="0"/>
-                          </a:rPr>
-                          <m:t>3</m:t>
-                        </m:r>
-                      </m:e>
-                    </m:d>
-                  </m:oMath>
-                </a14:m>
-                <a:r>
-                  <a:rPr lang="ja-JP" altLang="en-US" sz="2400" dirty="0"/>
-                  <a:t>式より</a:t>
-                </a:r>
-                <a:endParaRPr lang="en-US" altLang="ja-JP" sz="2400" dirty="0"/>
-              </a:p>
-              <a:p>
-                <a:pPr/>
                 <a14:m>
                   <m:oMathPara xmlns:m="http://schemas.openxmlformats.org/officeDocument/2006/math">
                     <m:oMathParaPr>
@@ -21691,11 +23816,260 @@
                         </m:sub>
                       </m:sSub>
                       <m:r>
-                        <a:rPr lang="en-US" altLang="ja-JP" sz="2400" i="1">
+                        <a:rPr lang="en-US" altLang="ja-JP" sz="2400" b="0" i="1" smtClean="0">
                           <a:latin typeface="Cambria Math" panose="02040503050406030204" pitchFamily="18" charset="0"/>
                         </a:rPr>
-                        <m:t>&lt;</m:t>
+                        <m:t>&lt;1.2</m:t>
                       </m:r>
+                    </m:oMath>
+                  </m:oMathPara>
+                </a14:m>
+                <a:endParaRPr lang="en-US" altLang="ja-JP" sz="2400" b="0" dirty="0"/>
+              </a:p>
+              <a:p>
+                <a14:m>
+                  <m:oMathPara xmlns:m="http://schemas.openxmlformats.org/officeDocument/2006/math">
+                    <m:oMathParaPr>
+                      <m:jc m:val="centerGroup"/>
+                    </m:oMathParaPr>
+                    <m:oMath xmlns:m="http://schemas.openxmlformats.org/officeDocument/2006/math">
+                      <m:sSub>
+                        <m:sSubPr>
+                          <m:ctrlPr>
+                            <a:rPr kumimoji="1" lang="en-US" altLang="ja-JP" sz="2400" b="0" i="1" smtClean="0">
+                              <a:latin typeface="Cambria Math" panose="02040503050406030204" pitchFamily="18" charset="0"/>
+                            </a:rPr>
+                          </m:ctrlPr>
+                        </m:sSubPr>
+                        <m:e>
+                          <m:r>
+                            <a:rPr kumimoji="1" lang="en-US" altLang="ja-JP" sz="2400" b="0" i="1" smtClean="0">
+                              <a:latin typeface="Cambria Math" panose="02040503050406030204" pitchFamily="18" charset="0"/>
+                            </a:rPr>
+                            <m:t>𝑉</m:t>
+                          </m:r>
+                        </m:e>
+                        <m:sub>
+                          <m:r>
+                            <a:rPr kumimoji="1" lang="en-US" altLang="ja-JP" sz="2400" b="0" i="1" smtClean="0">
+                              <a:latin typeface="Cambria Math" panose="02040503050406030204" pitchFamily="18" charset="0"/>
+                            </a:rPr>
+                            <m:t>𝑆</m:t>
+                          </m:r>
+                        </m:sub>
+                      </m:sSub>
+                      <m:r>
+                        <a:rPr kumimoji="1" lang="en-US" altLang="ja-JP" sz="2400" b="0" i="1" smtClean="0">
+                          <a:latin typeface="Cambria Math" panose="02040503050406030204" pitchFamily="18" charset="0"/>
+                        </a:rPr>
+                        <m:t>&lt;1.2−</m:t>
+                      </m:r>
+                      <m:sSub>
+                        <m:sSubPr>
+                          <m:ctrlPr>
+                            <a:rPr kumimoji="1" lang="en-US" altLang="ja-JP" sz="2400" b="0" i="1" smtClean="0">
+                              <a:latin typeface="Cambria Math" panose="02040503050406030204" pitchFamily="18" charset="0"/>
+                            </a:rPr>
+                          </m:ctrlPr>
+                        </m:sSubPr>
+                        <m:e>
+                          <m:r>
+                            <a:rPr kumimoji="1" lang="en-US" altLang="ja-JP" sz="2400" b="0" i="1" smtClean="0">
+                              <a:latin typeface="Cambria Math" panose="02040503050406030204" pitchFamily="18" charset="0"/>
+                            </a:rPr>
+                            <m:t>𝑉</m:t>
+                          </m:r>
+                        </m:e>
+                        <m:sub>
+                          <m:r>
+                            <a:rPr kumimoji="1" lang="en-US" altLang="ja-JP" sz="2400" b="0" i="1" smtClean="0">
+                              <a:latin typeface="Cambria Math" panose="02040503050406030204" pitchFamily="18" charset="0"/>
+                            </a:rPr>
+                            <m:t>𝑡h</m:t>
+                          </m:r>
+                        </m:sub>
+                      </m:sSub>
+                      <m:r>
+                        <a:rPr kumimoji="1" lang="en-US" altLang="ja-JP" sz="2400" b="0" i="1" smtClean="0">
+                          <a:latin typeface="Cambria Math" panose="02040503050406030204" pitchFamily="18" charset="0"/>
+                        </a:rPr>
+                        <m:t>−</m:t>
+                      </m:r>
+                      <m:sSub>
+                        <m:sSubPr>
+                          <m:ctrlPr>
+                            <a:rPr kumimoji="1" lang="en-US" altLang="ja-JP" sz="2400" b="0" i="1" smtClean="0">
+                              <a:latin typeface="Cambria Math" panose="02040503050406030204" pitchFamily="18" charset="0"/>
+                            </a:rPr>
+                          </m:ctrlPr>
+                        </m:sSubPr>
+                        <m:e>
+                          <m:r>
+                            <a:rPr kumimoji="1" lang="en-US" altLang="ja-JP" sz="2400" b="0" i="1" smtClean="0">
+                              <a:latin typeface="Cambria Math" panose="02040503050406030204" pitchFamily="18" charset="0"/>
+                            </a:rPr>
+                            <m:t>𝑣</m:t>
+                          </m:r>
+                        </m:e>
+                        <m:sub>
+                          <m:r>
+                            <a:rPr kumimoji="1" lang="en-US" altLang="ja-JP" sz="2400" b="0" i="1" smtClean="0">
+                              <a:latin typeface="Cambria Math" panose="02040503050406030204" pitchFamily="18" charset="0"/>
+                            </a:rPr>
+                            <m:t>𝑖𝑛</m:t>
+                          </m:r>
+                        </m:sub>
+                      </m:sSub>
+                      <m:r>
+                        <a:rPr kumimoji="1" lang="en-US" altLang="ja-JP" sz="2400" b="0" i="1" smtClean="0">
+                          <a:latin typeface="Cambria Math" panose="02040503050406030204" pitchFamily="18" charset="0"/>
+                        </a:rPr>
+                        <m:t>=1.2−0.5−0.2=0.5</m:t>
+                      </m:r>
+                    </m:oMath>
+                  </m:oMathPara>
+                </a14:m>
+                <a:endParaRPr kumimoji="1" lang="en-US" altLang="ja-JP" sz="2400" b="0" dirty="0"/>
+              </a:p>
+              <a:p>
+                <a:pPr algn="ctr"/>
+                <a14:m>
+                  <m:oMath xmlns:m="http://schemas.openxmlformats.org/officeDocument/2006/math">
+                    <m:r>
+                      <a:rPr kumimoji="1" lang="en-US" altLang="ja-JP" sz="2400" b="0" i="1" smtClean="0">
+                        <a:latin typeface="Cambria Math" panose="02040503050406030204" pitchFamily="18" charset="0"/>
+                      </a:rPr>
+                      <m:t>∴</m:t>
+                    </m:r>
+                    <m:sSub>
+                      <m:sSubPr>
+                        <m:ctrlPr>
+                          <a:rPr kumimoji="1" lang="en-US" altLang="ja-JP" sz="2400" b="0" i="1" smtClean="0">
+                            <a:latin typeface="Cambria Math" panose="02040503050406030204" pitchFamily="18" charset="0"/>
+                          </a:rPr>
+                        </m:ctrlPr>
+                      </m:sSubPr>
+                      <m:e>
+                        <m:r>
+                          <a:rPr kumimoji="1" lang="en-US" altLang="ja-JP" sz="2400" b="0" i="1" smtClean="0">
+                            <a:latin typeface="Cambria Math" panose="02040503050406030204" pitchFamily="18" charset="0"/>
+                          </a:rPr>
+                          <m:t>𝑉</m:t>
+                        </m:r>
+                      </m:e>
+                      <m:sub>
+                        <m:r>
+                          <a:rPr kumimoji="1" lang="en-US" altLang="ja-JP" sz="2400" b="0" i="1" smtClean="0">
+                            <a:latin typeface="Cambria Math" panose="02040503050406030204" pitchFamily="18" charset="0"/>
+                          </a:rPr>
+                          <m:t>𝑆</m:t>
+                        </m:r>
+                      </m:sub>
+                    </m:sSub>
+                    <m:r>
+                      <a:rPr kumimoji="1" lang="en-US" altLang="ja-JP" sz="2400" b="0" i="1" smtClean="0">
+                        <a:latin typeface="Cambria Math" panose="02040503050406030204" pitchFamily="18" charset="0"/>
+                      </a:rPr>
+                      <m:t>&lt;0.5</m:t>
+                    </m:r>
+                  </m:oMath>
+                </a14:m>
+                <a:r>
+                  <a:rPr kumimoji="1" lang="en-US" altLang="ja-JP" sz="2400" dirty="0"/>
+                  <a:t>	</a:t>
+                </a:r>
+                <a14:m>
+                  <m:oMath xmlns:m="http://schemas.openxmlformats.org/officeDocument/2006/math">
+                    <m:d>
+                      <m:dPr>
+                        <m:ctrlPr>
+                          <a:rPr kumimoji="1" lang="en-US" altLang="ja-JP" sz="2400" b="0" i="1" smtClean="0">
+                            <a:latin typeface="Cambria Math" panose="02040503050406030204" pitchFamily="18" charset="0"/>
+                          </a:rPr>
+                        </m:ctrlPr>
+                      </m:dPr>
+                      <m:e>
+                        <m:r>
+                          <a:rPr kumimoji="1" lang="en-US" altLang="ja-JP" sz="2400" b="0" i="1" smtClean="0">
+                            <a:latin typeface="Cambria Math" panose="02040503050406030204" pitchFamily="18" charset="0"/>
+                          </a:rPr>
+                          <m:t>10</m:t>
+                        </m:r>
+                      </m:e>
+                    </m:d>
+                  </m:oMath>
+                </a14:m>
+                <a:endParaRPr kumimoji="1" lang="en-US" altLang="ja-JP" sz="2400" dirty="0"/>
+              </a:p>
+              <a:p>
+                <a:pPr algn="l"/>
+                <a14:m>
+                  <m:oMath xmlns:m="http://schemas.openxmlformats.org/officeDocument/2006/math">
+                    <m:sSub>
+                      <m:sSubPr>
+                        <m:ctrlPr>
+                          <a:rPr lang="en-US" altLang="ja-JP" sz="2400" b="0" i="1" smtClean="0">
+                            <a:latin typeface="Cambria Math" panose="02040503050406030204" pitchFamily="18" charset="0"/>
+                          </a:rPr>
+                        </m:ctrlPr>
+                      </m:sSubPr>
+                      <m:e>
+                        <m:r>
+                          <a:rPr lang="en-US" altLang="ja-JP" sz="2400" b="0" i="1" smtClean="0">
+                            <a:latin typeface="Cambria Math" panose="02040503050406030204" pitchFamily="18" charset="0"/>
+                          </a:rPr>
+                          <m:t>𝑉</m:t>
+                        </m:r>
+                      </m:e>
+                      <m:sub>
+                        <m:r>
+                          <a:rPr lang="en-US" altLang="ja-JP" sz="2400" b="0" i="1" smtClean="0">
+                            <a:latin typeface="Cambria Math" panose="02040503050406030204" pitchFamily="18" charset="0"/>
+                          </a:rPr>
+                          <m:t>𝑆</m:t>
+                        </m:r>
+                      </m:sub>
+                    </m:sSub>
+                  </m:oMath>
+                </a14:m>
+                <a:r>
+                  <a:rPr lang="ja-JP" altLang="en-US" sz="2400" dirty="0"/>
+                  <a:t>を定数と考えると、</a:t>
+                </a:r>
+                <a14:m>
+                  <m:oMath xmlns:m="http://schemas.openxmlformats.org/officeDocument/2006/math">
+                    <m:d>
+                      <m:dPr>
+                        <m:ctrlPr>
+                          <a:rPr lang="en-US" altLang="ja-JP" sz="2400" b="0" i="1" smtClean="0">
+                            <a:latin typeface="Cambria Math" panose="02040503050406030204" pitchFamily="18" charset="0"/>
+                          </a:rPr>
+                        </m:ctrlPr>
+                      </m:dPr>
+                      <m:e>
+                        <m:r>
+                          <a:rPr lang="en-US" altLang="ja-JP" sz="2400" b="0" i="1" smtClean="0">
+                            <a:latin typeface="Cambria Math" panose="02040503050406030204" pitchFamily="18" charset="0"/>
+                          </a:rPr>
+                          <m:t>3</m:t>
+                        </m:r>
+                      </m:e>
+                    </m:d>
+                  </m:oMath>
+                </a14:m>
+                <a:r>
+                  <a:rPr lang="ja-JP" altLang="en-US" sz="2400" dirty="0"/>
+                  <a:t>式より</a:t>
+                </a:r>
+                <a:endParaRPr lang="en-US" altLang="ja-JP" sz="2400" dirty="0"/>
+              </a:p>
+              <a:p>
+                <a14:m>
+                  <m:oMathPara xmlns:m="http://schemas.openxmlformats.org/officeDocument/2006/math">
+                    <m:oMathParaPr>
+                      <m:jc m:val="centerGroup"/>
+                    </m:oMathParaPr>
+                    <m:oMath xmlns:m="http://schemas.openxmlformats.org/officeDocument/2006/math">
                       <m:sSub>
                         <m:sSubPr>
                           <m:ctrlPr>
@@ -21717,7 +24091,7 @@
                             <a:rPr lang="en-US" altLang="ja-JP" sz="2400" i="1">
                               <a:latin typeface="Cambria Math" panose="02040503050406030204" pitchFamily="18" charset="0"/>
                             </a:rPr>
-                            <m:t>𝐴𝐵</m:t>
+                            <m:t>𝑡h</m:t>
                           </m:r>
                         </m:sub>
                       </m:sSub>
@@ -21748,7 +24122,7 @@
                             <a:rPr lang="en-US" altLang="ja-JP" sz="2400" i="1">
                               <a:latin typeface="Cambria Math" panose="02040503050406030204" pitchFamily="18" charset="0"/>
                             </a:rPr>
-                            <m:t>𝑡h</m:t>
+                            <m:t>𝑆</m:t>
                           </m:r>
                         </m:sub>
                       </m:sSub>
@@ -21756,7 +24130,7 @@
                         <a:rPr lang="en-US" altLang="ja-JP" sz="2400" i="1">
                           <a:latin typeface="Cambria Math" panose="02040503050406030204" pitchFamily="18" charset="0"/>
                         </a:rPr>
-                        <m:t>−</m:t>
+                        <m:t>+</m:t>
                       </m:r>
                       <m:sSub>
                         <m:sSubPr>
@@ -21783,13 +24157,49 @@
                           </m:r>
                         </m:sub>
                       </m:sSub>
+                      <m:r>
+                        <a:rPr lang="en-US" altLang="ja-JP" sz="2400" i="1">
+                          <a:latin typeface="Cambria Math" panose="02040503050406030204" pitchFamily="18" charset="0"/>
+                        </a:rPr>
+                        <m:t>&lt;</m:t>
+                      </m:r>
+                      <m:sSub>
+                        <m:sSubPr>
+                          <m:ctrlPr>
+                            <a:rPr lang="en-US" altLang="ja-JP" sz="2400" i="1">
+                              <a:latin typeface="Cambria Math" panose="02040503050406030204" pitchFamily="18" charset="0"/>
+                            </a:rPr>
+                          </m:ctrlPr>
+                        </m:sSubPr>
+                        <m:e>
+                          <m:r>
+                            <a:rPr lang="en-US" altLang="ja-JP" sz="2400" i="1">
+                              <a:latin typeface="Cambria Math" panose="02040503050406030204" pitchFamily="18" charset="0"/>
+                            </a:rPr>
+                            <m:t>𝑉</m:t>
+                          </m:r>
+                        </m:e>
+                        <m:sub>
+                          <m:r>
+                            <a:rPr lang="en-US" altLang="ja-JP" sz="2400" i="1">
+                              <a:latin typeface="Cambria Math" panose="02040503050406030204" pitchFamily="18" charset="0"/>
+                            </a:rPr>
+                            <m:t>𝐵</m:t>
+                          </m:r>
+                        </m:sub>
+                      </m:sSub>
+                      <m:r>
+                        <a:rPr lang="en-US" altLang="ja-JP" sz="2400" b="0" i="0" smtClean="0">
+                          <a:latin typeface="Cambria Math" panose="02040503050406030204" pitchFamily="18" charset="0"/>
+                        </a:rPr>
+                        <m:t>&lt;1.2</m:t>
+                      </m:r>
                     </m:oMath>
                   </m:oMathPara>
                 </a14:m>
                 <a:endParaRPr lang="en-US" altLang="ja-JP" sz="2400" dirty="0"/>
               </a:p>
               <a:p>
-                <a:pPr/>
                 <a14:m>
                   <m:oMathPara xmlns:m="http://schemas.openxmlformats.org/officeDocument/2006/math">
                     <m:oMathParaPr>
@@ -21923,8 +24333,505 @@
                         </m:r>
                       </m:sub>
                     </m:sSub>
+                  </m:oMath>
+                </a14:m>
+                <a:r>
+                  <a:rPr lang="en-US" altLang="ja-JP" sz="2400" dirty="0"/>
+                  <a:t> </a:t>
+                </a:r>
+                <a14:m>
+                  <m:oMath xmlns:m="http://schemas.openxmlformats.org/officeDocument/2006/math">
+                    <m:r>
+                      <a:rPr lang="en-US" altLang="ja-JP" sz="2400">
+                        <a:latin typeface="Cambria Math" panose="02040503050406030204" pitchFamily="18" charset="0"/>
+                      </a:rPr>
+                      <m:t>&lt;1.2</m:t>
+                    </m:r>
+                    <m:r>
+                      <a:rPr lang="en-US" altLang="ja-JP" sz="2400" i="1">
+                        <a:latin typeface="Cambria Math" panose="02040503050406030204" pitchFamily="18" charset="0"/>
+                      </a:rPr>
+                      <m:t> </m:t>
+                    </m:r>
+                  </m:oMath>
+                </a14:m>
+                <a:r>
+                  <a:rPr lang="en-US" altLang="ja-JP" sz="2400" dirty="0"/>
+                  <a:t>		</a:t>
+                </a:r>
+                <a14:m>
+                  <m:oMath xmlns:m="http://schemas.openxmlformats.org/officeDocument/2006/math">
+                    <m:d>
+                      <m:dPr>
+                        <m:ctrlPr>
+                          <a:rPr lang="en-US" altLang="ja-JP" sz="2400" b="0" i="1" smtClean="0">
+                            <a:latin typeface="Cambria Math" panose="02040503050406030204" pitchFamily="18" charset="0"/>
+                          </a:rPr>
+                        </m:ctrlPr>
+                      </m:dPr>
+                      <m:e>
+                        <m:r>
+                          <a:rPr lang="en-US" altLang="ja-JP" sz="2400" b="0" i="1" smtClean="0">
+                            <a:latin typeface="Cambria Math" panose="02040503050406030204" pitchFamily="18" charset="0"/>
+                          </a:rPr>
+                          <m:t>11</m:t>
+                        </m:r>
+                      </m:e>
+                    </m:d>
+                  </m:oMath>
+                </a14:m>
+                <a:endParaRPr lang="en-US" altLang="ja-JP" sz="2400" dirty="0"/>
+              </a:p>
+              <a:p>
+                <a:pPr algn="l"/>
+                <a14:m>
+                  <m:oMath xmlns:m="http://schemas.openxmlformats.org/officeDocument/2006/math">
+                    <m:d>
+                      <m:dPr>
+                        <m:ctrlPr>
+                          <a:rPr lang="en-US" altLang="ja-JP" sz="2400" b="0" i="1" smtClean="0">
+                            <a:latin typeface="Cambria Math" panose="02040503050406030204" pitchFamily="18" charset="0"/>
+                          </a:rPr>
+                        </m:ctrlPr>
+                      </m:dPr>
+                      <m:e>
+                        <m:r>
+                          <a:rPr lang="en-US" altLang="ja-JP" sz="2400" b="0" i="1" smtClean="0">
+                            <a:latin typeface="Cambria Math" panose="02040503050406030204" pitchFamily="18" charset="0"/>
+                          </a:rPr>
+                          <m:t>4</m:t>
+                        </m:r>
+                      </m:e>
+                    </m:d>
+                  </m:oMath>
+                </a14:m>
+                <a:r>
+                  <a:rPr lang="ja-JP" altLang="en-US" sz="2400" dirty="0"/>
+                  <a:t>式、</a:t>
+                </a:r>
+                <a14:m>
+                  <m:oMath xmlns:m="http://schemas.openxmlformats.org/officeDocument/2006/math">
+                    <m:d>
+                      <m:dPr>
+                        <m:ctrlPr>
+                          <a:rPr lang="en-US" altLang="ja-JP" sz="2400" b="0" i="1" smtClean="0">
+                            <a:latin typeface="Cambria Math" panose="02040503050406030204" pitchFamily="18" charset="0"/>
+                          </a:rPr>
+                        </m:ctrlPr>
+                      </m:dPr>
+                      <m:e>
+                        <m:r>
+                          <a:rPr lang="en-US" altLang="ja-JP" sz="2400" b="0" i="1" smtClean="0">
+                            <a:latin typeface="Cambria Math" panose="02040503050406030204" pitchFamily="18" charset="0"/>
+                          </a:rPr>
+                          <m:t>11</m:t>
+                        </m:r>
+                      </m:e>
+                    </m:d>
+                  </m:oMath>
+                </a14:m>
+                <a:r>
+                  <a:rPr lang="ja-JP" altLang="en-US" sz="2400" dirty="0"/>
+                  <a:t>式より</a:t>
+                </a:r>
+                <a:endParaRPr lang="en-US" altLang="ja-JP" sz="2400" dirty="0"/>
+              </a:p>
+              <a:p>
+                <a14:m>
+                  <m:oMathPara xmlns:m="http://schemas.openxmlformats.org/officeDocument/2006/math">
+                    <m:oMathParaPr>
+                      <m:jc m:val="centerGroup"/>
+                    </m:oMathParaPr>
+                    <m:oMath xmlns:m="http://schemas.openxmlformats.org/officeDocument/2006/math">
+                      <m:sSub>
+                        <m:sSubPr>
+                          <m:ctrlPr>
+                            <a:rPr lang="en-US" altLang="ja-JP" sz="2400" i="1">
+                              <a:latin typeface="Cambria Math" panose="02040503050406030204" pitchFamily="18" charset="0"/>
+                            </a:rPr>
+                          </m:ctrlPr>
+                        </m:sSubPr>
+                        <m:e>
+                          <m:r>
+                            <a:rPr lang="en-US" altLang="ja-JP" sz="2400" i="1">
+                              <a:latin typeface="Cambria Math" panose="02040503050406030204" pitchFamily="18" charset="0"/>
+                            </a:rPr>
+                            <m:t>𝑉</m:t>
+                          </m:r>
+                        </m:e>
+                        <m:sub>
+                          <m:r>
+                            <a:rPr lang="en-US" altLang="ja-JP" sz="2400" i="1">
+                              <a:latin typeface="Cambria Math" panose="02040503050406030204" pitchFamily="18" charset="0"/>
+                            </a:rPr>
+                            <m:t>𝐵</m:t>
+                          </m:r>
+                        </m:sub>
+                      </m:sSub>
+                      <m:r>
+                        <a:rPr lang="en-US" altLang="ja-JP" sz="2400" i="1">
+                          <a:latin typeface="Cambria Math" panose="02040503050406030204" pitchFamily="18" charset="0"/>
+                        </a:rPr>
+                        <m:t>+</m:t>
+                      </m:r>
+                      <m:sSub>
+                        <m:sSubPr>
+                          <m:ctrlPr>
+                            <a:rPr lang="en-US" altLang="ja-JP" sz="2400" i="1">
+                              <a:latin typeface="Cambria Math" panose="02040503050406030204" pitchFamily="18" charset="0"/>
+                            </a:rPr>
+                          </m:ctrlPr>
+                        </m:sSubPr>
+                        <m:e>
+                          <m:r>
+                            <a:rPr lang="en-US" altLang="ja-JP" sz="2400" i="1">
+                              <a:latin typeface="Cambria Math" panose="02040503050406030204" pitchFamily="18" charset="0"/>
+                            </a:rPr>
+                            <m:t>𝑣</m:t>
+                          </m:r>
+                        </m:e>
+                        <m:sub>
+                          <m:r>
+                            <a:rPr lang="en-US" altLang="ja-JP" sz="2400" i="1">
+                              <a:latin typeface="Cambria Math" panose="02040503050406030204" pitchFamily="18" charset="0"/>
+                            </a:rPr>
+                            <m:t>𝑖𝑛</m:t>
+                          </m:r>
+                        </m:sub>
+                      </m:sSub>
+                      <m:r>
+                        <a:rPr lang="en-US" altLang="ja-JP" sz="2400" i="1">
+                          <a:latin typeface="Cambria Math" panose="02040503050406030204" pitchFamily="18" charset="0"/>
+                        </a:rPr>
+                        <m:t>−</m:t>
+                      </m:r>
+                      <m:sSub>
+                        <m:sSubPr>
+                          <m:ctrlPr>
+                            <a:rPr lang="en-US" altLang="ja-JP" sz="2400" i="1">
+                              <a:latin typeface="Cambria Math" panose="02040503050406030204" pitchFamily="18" charset="0"/>
+                            </a:rPr>
+                          </m:ctrlPr>
+                        </m:sSubPr>
+                        <m:e>
+                          <m:r>
+                            <a:rPr lang="en-US" altLang="ja-JP" sz="2400" i="1">
+                              <a:latin typeface="Cambria Math" panose="02040503050406030204" pitchFamily="18" charset="0"/>
+                            </a:rPr>
+                            <m:t>𝑉</m:t>
+                          </m:r>
+                        </m:e>
+                        <m:sub>
+                          <m:r>
+                            <a:rPr lang="en-US" altLang="ja-JP" sz="2400" i="1">
+                              <a:latin typeface="Cambria Math" panose="02040503050406030204" pitchFamily="18" charset="0"/>
+                            </a:rPr>
+                            <m:t>𝑡h</m:t>
+                          </m:r>
+                        </m:sub>
+                      </m:sSub>
+                      <m:r>
+                        <a:rPr lang="en-US" altLang="ja-JP" sz="2400" i="1">
+                          <a:latin typeface="Cambria Math" panose="02040503050406030204" pitchFamily="18" charset="0"/>
+                        </a:rPr>
+                        <m:t>&lt;</m:t>
+                      </m:r>
+                      <m:sSub>
+                        <m:sSubPr>
+                          <m:ctrlPr>
+                            <a:rPr lang="en-US" altLang="ja-JP" sz="2400" i="1">
+                              <a:latin typeface="Cambria Math" panose="02040503050406030204" pitchFamily="18" charset="0"/>
+                            </a:rPr>
+                          </m:ctrlPr>
+                        </m:sSubPr>
+                        <m:e>
+                          <m:r>
+                            <a:rPr lang="en-US" altLang="ja-JP" sz="2400" i="1">
+                              <a:latin typeface="Cambria Math" panose="02040503050406030204" pitchFamily="18" charset="0"/>
+                            </a:rPr>
+                            <m:t>𝑉</m:t>
+                          </m:r>
+                        </m:e>
+                        <m:sub>
+                          <m:r>
+                            <a:rPr lang="en-US" altLang="ja-JP" sz="2400" i="1">
+                              <a:latin typeface="Cambria Math" panose="02040503050406030204" pitchFamily="18" charset="0"/>
+                            </a:rPr>
+                            <m:t>𝐴𝐵</m:t>
+                          </m:r>
+                        </m:sub>
+                      </m:sSub>
+                      <m:r>
+                        <a:rPr lang="en-US" altLang="ja-JP" sz="2400" i="1">
+                          <a:latin typeface="Cambria Math" panose="02040503050406030204" pitchFamily="18" charset="0"/>
+                        </a:rPr>
+                        <m:t>&lt;0.9</m:t>
+                      </m:r>
+                    </m:oMath>
+                  </m:oMathPara>
+                </a14:m>
+                <a:endParaRPr lang="en-US" altLang="ja-JP" sz="2400" dirty="0"/>
+              </a:p>
+              <a:p>
+                <a14:m>
+                  <m:oMathPara xmlns:m="http://schemas.openxmlformats.org/officeDocument/2006/math">
+                    <m:oMathParaPr>
+                      <m:jc m:val="centerGroup"/>
+                    </m:oMathParaPr>
+                    <m:oMath xmlns:m="http://schemas.openxmlformats.org/officeDocument/2006/math">
+                      <m:sSub>
+                        <m:sSubPr>
+                          <m:ctrlPr>
+                            <a:rPr lang="en-US" altLang="ja-JP" sz="2400" b="0" i="1" smtClean="0">
+                              <a:latin typeface="Cambria Math" panose="02040503050406030204" pitchFamily="18" charset="0"/>
+                            </a:rPr>
+                          </m:ctrlPr>
+                        </m:sSubPr>
+                        <m:e>
+                          <m:r>
+                            <a:rPr lang="en-US" altLang="ja-JP" sz="2400" b="0" i="1" smtClean="0">
+                              <a:latin typeface="Cambria Math" panose="02040503050406030204" pitchFamily="18" charset="0"/>
+                            </a:rPr>
+                            <m:t>𝑉</m:t>
+                          </m:r>
+                        </m:e>
+                        <m:sub>
+                          <m:r>
+                            <a:rPr lang="en-US" altLang="ja-JP" sz="2400" b="0" i="1" smtClean="0">
+                              <a:latin typeface="Cambria Math" panose="02040503050406030204" pitchFamily="18" charset="0"/>
+                            </a:rPr>
+                            <m:t>𝑆</m:t>
+                          </m:r>
+                        </m:sub>
+                      </m:sSub>
+                      <m:r>
+                        <a:rPr lang="en-US" altLang="ja-JP" sz="2400" b="0" i="1" smtClean="0">
+                          <a:latin typeface="Cambria Math" panose="02040503050406030204" pitchFamily="18" charset="0"/>
+                        </a:rPr>
+                        <m:t>+0.7+</m:t>
+                      </m:r>
+                      <m:sSub>
+                        <m:sSubPr>
+                          <m:ctrlPr>
+                            <a:rPr lang="en-US" altLang="ja-JP" sz="2400" b="0" i="1" smtClean="0">
+                              <a:latin typeface="Cambria Math" panose="02040503050406030204" pitchFamily="18" charset="0"/>
+                            </a:rPr>
+                          </m:ctrlPr>
+                        </m:sSubPr>
+                        <m:e>
+                          <m:r>
+                            <a:rPr lang="en-US" altLang="ja-JP" sz="2400" b="0" i="1" smtClean="0">
+                              <a:latin typeface="Cambria Math" panose="02040503050406030204" pitchFamily="18" charset="0"/>
+                            </a:rPr>
+                            <m:t>𝑣</m:t>
+                          </m:r>
+                        </m:e>
+                        <m:sub>
+                          <m:r>
+                            <a:rPr lang="en-US" altLang="ja-JP" sz="2400" b="0" i="1" smtClean="0">
+                              <a:latin typeface="Cambria Math" panose="02040503050406030204" pitchFamily="18" charset="0"/>
+                            </a:rPr>
+                            <m:t>𝑖𝑛</m:t>
+                          </m:r>
+                        </m:sub>
+                      </m:sSub>
+                      <m:r>
+                        <a:rPr lang="en-US" altLang="ja-JP" sz="2400" b="0" i="1" smtClean="0">
+                          <a:latin typeface="Cambria Math" panose="02040503050406030204" pitchFamily="18" charset="0"/>
+                        </a:rPr>
+                        <m:t>−</m:t>
+                      </m:r>
+                      <m:sSub>
+                        <m:sSubPr>
+                          <m:ctrlPr>
+                            <a:rPr lang="en-US" altLang="ja-JP" sz="2400" b="0" i="1" smtClean="0">
+                              <a:latin typeface="Cambria Math" panose="02040503050406030204" pitchFamily="18" charset="0"/>
+                            </a:rPr>
+                          </m:ctrlPr>
+                        </m:sSubPr>
+                        <m:e>
+                          <m:r>
+                            <a:rPr lang="en-US" altLang="ja-JP" sz="2400" b="0" i="1" smtClean="0">
+                              <a:latin typeface="Cambria Math" panose="02040503050406030204" pitchFamily="18" charset="0"/>
+                            </a:rPr>
+                            <m:t>𝑉</m:t>
+                          </m:r>
+                        </m:e>
+                        <m:sub>
+                          <m:r>
+                            <a:rPr lang="en-US" altLang="ja-JP" sz="2400" b="0" i="1" smtClean="0">
+                              <a:latin typeface="Cambria Math" panose="02040503050406030204" pitchFamily="18" charset="0"/>
+                            </a:rPr>
+                            <m:t>𝑡h</m:t>
+                          </m:r>
+                        </m:sub>
+                      </m:sSub>
+                      <m:r>
+                        <a:rPr lang="en-US" altLang="ja-JP" sz="2400" b="0" i="1" smtClean="0">
+                          <a:latin typeface="Cambria Math" panose="02040503050406030204" pitchFamily="18" charset="0"/>
+                        </a:rPr>
+                        <m:t>&lt;</m:t>
+                      </m:r>
+                      <m:sSub>
+                        <m:sSubPr>
+                          <m:ctrlPr>
+                            <a:rPr lang="en-US" altLang="ja-JP" sz="2400" b="0" i="1" smtClean="0">
+                              <a:latin typeface="Cambria Math" panose="02040503050406030204" pitchFamily="18" charset="0"/>
+                            </a:rPr>
+                          </m:ctrlPr>
+                        </m:sSubPr>
+                        <m:e>
+                          <m:r>
+                            <a:rPr lang="en-US" altLang="ja-JP" sz="2400" b="0" i="1" smtClean="0">
+                              <a:latin typeface="Cambria Math" panose="02040503050406030204" pitchFamily="18" charset="0"/>
+                            </a:rPr>
+                            <m:t>𝑉</m:t>
+                          </m:r>
+                        </m:e>
+                        <m:sub>
+                          <m:r>
+                            <a:rPr lang="en-US" altLang="ja-JP" sz="2400" b="0" i="1" smtClean="0">
+                              <a:latin typeface="Cambria Math" panose="02040503050406030204" pitchFamily="18" charset="0"/>
+                            </a:rPr>
+                            <m:t>𝐴𝐵</m:t>
+                          </m:r>
+                        </m:sub>
+                      </m:sSub>
+                    </m:oMath>
+                  </m:oMathPara>
+                </a14:m>
+                <a:endParaRPr lang="en-US" altLang="ja-JP" sz="2400" b="0" dirty="0"/>
+              </a:p>
+              <a:p>
+                <a14:m>
+                  <m:oMathPara xmlns:m="http://schemas.openxmlformats.org/officeDocument/2006/math">
+                    <m:oMathParaPr>
+                      <m:jc m:val="centerGroup"/>
+                    </m:oMathParaPr>
+                    <m:oMath xmlns:m="http://schemas.openxmlformats.org/officeDocument/2006/math">
+                      <m:sSub>
+                        <m:sSubPr>
+                          <m:ctrlPr>
+                            <a:rPr lang="en-US" altLang="ja-JP" sz="2400" b="0" i="1" smtClean="0">
+                              <a:latin typeface="Cambria Math" panose="02040503050406030204" pitchFamily="18" charset="0"/>
+                            </a:rPr>
+                          </m:ctrlPr>
+                        </m:sSubPr>
+                        <m:e>
+                          <m:r>
+                            <a:rPr lang="en-US" altLang="ja-JP" sz="2400" b="0" i="1" smtClean="0">
+                              <a:latin typeface="Cambria Math" panose="02040503050406030204" pitchFamily="18" charset="0"/>
+                            </a:rPr>
+                            <m:t>𝑉</m:t>
+                          </m:r>
+                        </m:e>
+                        <m:sub>
+                          <m:r>
+                            <a:rPr lang="en-US" altLang="ja-JP" sz="2400" b="0" i="1" smtClean="0">
+                              <a:latin typeface="Cambria Math" panose="02040503050406030204" pitchFamily="18" charset="0"/>
+                            </a:rPr>
+                            <m:t>𝑆</m:t>
+                          </m:r>
+                        </m:sub>
+                      </m:sSub>
+                      <m:r>
+                        <a:rPr lang="en-US" altLang="ja-JP" sz="2400" b="0" i="1" smtClean="0">
+                          <a:latin typeface="Cambria Math" panose="02040503050406030204" pitchFamily="18" charset="0"/>
+                        </a:rPr>
+                        <m:t>+0.7+0.2−0.5&lt;</m:t>
+                      </m:r>
+                      <m:sSub>
+                        <m:sSubPr>
+                          <m:ctrlPr>
+                            <a:rPr lang="en-US" altLang="ja-JP" sz="2400" b="0" i="1" smtClean="0">
+                              <a:latin typeface="Cambria Math" panose="02040503050406030204" pitchFamily="18" charset="0"/>
+                            </a:rPr>
+                          </m:ctrlPr>
+                        </m:sSubPr>
+                        <m:e>
+                          <m:r>
+                            <a:rPr lang="en-US" altLang="ja-JP" sz="2400" b="0" i="1" smtClean="0">
+                              <a:latin typeface="Cambria Math" panose="02040503050406030204" pitchFamily="18" charset="0"/>
+                            </a:rPr>
+                            <m:t>𝑉</m:t>
+                          </m:r>
+                        </m:e>
+                        <m:sub>
+                          <m:r>
+                            <a:rPr lang="en-US" altLang="ja-JP" sz="2400" b="0" i="1" smtClean="0">
+                              <a:latin typeface="Cambria Math" panose="02040503050406030204" pitchFamily="18" charset="0"/>
+                            </a:rPr>
+                            <m:t>𝐴𝐵</m:t>
+                          </m:r>
+                        </m:sub>
+                      </m:sSub>
+                    </m:oMath>
+                  </m:oMathPara>
+                </a14:m>
+                <a:endParaRPr lang="en-US" altLang="ja-JP" sz="2400" b="0" dirty="0"/>
+              </a:p>
+              <a:p>
+                <a:pPr algn="ctr"/>
+                <a14:m>
+                  <m:oMath xmlns:m="http://schemas.openxmlformats.org/officeDocument/2006/math">
+                    <m:sSub>
+                      <m:sSubPr>
+                        <m:ctrlPr>
+                          <a:rPr lang="en-US" altLang="ja-JP" sz="2400" b="0" i="1" smtClean="0">
+                            <a:latin typeface="Cambria Math" panose="02040503050406030204" pitchFamily="18" charset="0"/>
+                          </a:rPr>
+                        </m:ctrlPr>
+                      </m:sSubPr>
+                      <m:e>
+                        <m:r>
+                          <a:rPr lang="en-US" altLang="ja-JP" sz="2400" b="0" i="1" smtClean="0">
+                            <a:latin typeface="Cambria Math" panose="02040503050406030204" pitchFamily="18" charset="0"/>
+                          </a:rPr>
+                          <m:t>𝑉</m:t>
+                        </m:r>
+                      </m:e>
+                      <m:sub>
+                        <m:r>
+                          <a:rPr lang="en-US" altLang="ja-JP" sz="2400" b="0" i="1" smtClean="0">
+                            <a:latin typeface="Cambria Math" panose="02040503050406030204" pitchFamily="18" charset="0"/>
+                          </a:rPr>
+                          <m:t>𝑆</m:t>
+                        </m:r>
+                      </m:sub>
+                    </m:sSub>
                     <m:r>
                       <a:rPr lang="en-US" altLang="ja-JP" sz="2400" b="0" i="1" smtClean="0">
+                        <a:latin typeface="Cambria Math" panose="02040503050406030204" pitchFamily="18" charset="0"/>
+                      </a:rPr>
+                      <m:t>+0.4&lt;</m:t>
+                    </m:r>
+                    <m:sSub>
+                      <m:sSubPr>
+                        <m:ctrlPr>
+                          <a:rPr lang="en-US" altLang="ja-JP" sz="2400" b="0" i="1" smtClean="0">
+                            <a:latin typeface="Cambria Math" panose="02040503050406030204" pitchFamily="18" charset="0"/>
+                          </a:rPr>
+                        </m:ctrlPr>
+                      </m:sSubPr>
+                      <m:e>
+                        <m:r>
+                          <a:rPr lang="en-US" altLang="ja-JP" sz="2400" b="0" i="1" smtClean="0">
+                            <a:latin typeface="Cambria Math" panose="02040503050406030204" pitchFamily="18" charset="0"/>
+                          </a:rPr>
+                          <m:t>𝑉</m:t>
+                        </m:r>
+                      </m:e>
+                      <m:sub>
+                        <m:r>
+                          <a:rPr lang="en-US" altLang="ja-JP" sz="2400" b="0" i="1" smtClean="0">
+                            <a:latin typeface="Cambria Math" panose="02040503050406030204" pitchFamily="18" charset="0"/>
+                          </a:rPr>
+                          <m:t>𝐴𝐵</m:t>
+                        </m:r>
+                      </m:sub>
+                    </m:sSub>
+                    <m:r>
+                      <a:rPr lang="en-US" altLang="ja-JP" sz="2400" i="1">
                         <a:latin typeface="Cambria Math" panose="02040503050406030204" pitchFamily="18" charset="0"/>
                       </a:rPr>
                       <m:t>&lt;0.9</m:t>
@@ -21950,40 +24857,24 @@
                           <a:rPr lang="en-US" altLang="ja-JP" sz="2400" b="0" i="1" smtClean="0">
                             <a:latin typeface="Cambria Math" panose="02040503050406030204" pitchFamily="18" charset="0"/>
                           </a:rPr>
-                          <m:t>9</m:t>
+                          <m:t>12</m:t>
                         </m:r>
                       </m:e>
                     </m:d>
                   </m:oMath>
                 </a14:m>
-                <a:endParaRPr lang="en-US" altLang="ja-JP" sz="2400" dirty="0"/>
-              </a:p>
-              <a:p>
-                <a:pPr algn="l"/>
-                <a:r>
-                  <a:rPr kumimoji="1" lang="ja-JP" altLang="en-US" sz="2400" dirty="0"/>
-                  <a:t>と各電位の上限、下限が求められた。</a:t>
-                </a:r>
-                <a:endParaRPr kumimoji="1" lang="en-US" altLang="ja-JP" sz="2400" dirty="0"/>
-              </a:p>
-              <a:p>
-                <a:pPr algn="l"/>
-                <a:endParaRPr lang="en-US" altLang="ja-JP" sz="2400" dirty="0"/>
-              </a:p>
-              <a:p>
-                <a:pPr algn="l"/>
                 <a:endParaRPr kumimoji="1" lang="ja-JP" altLang="en-US" sz="2400" dirty="0"/>
               </a:p>
             </p:txBody>
           </p:sp>
         </mc:Choice>
-        <mc:Fallback xmlns="">
+        <mc:Fallback>
           <p:sp>
             <p:nvSpPr>
-              <p:cNvPr id="5" name="テキスト ボックス 4">
+              <p:cNvPr id="6" name="テキスト ボックス 5">
                 <a:extLst>
                   <a:ext uri="{FF2B5EF4-FFF2-40B4-BE49-F238E27FC236}">
-                    <a16:creationId xmlns:a16="http://schemas.microsoft.com/office/drawing/2014/main" id="{777DF0F3-E4B3-C6C4-0689-E543146C3788}"/>
+                    <a16:creationId xmlns:a16="http://schemas.microsoft.com/office/drawing/2014/main" id="{667943DB-B3E2-AC49-FA77-7947748FEF11}"/>
                   </a:ext>
                 </a:extLst>
               </p:cNvPr>
@@ -21994,8 +24885,8 @@
             </p:nvSpPr>
             <p:spPr>
               <a:xfrm>
-                <a:off x="334297" y="1793684"/>
-                <a:ext cx="11523406" cy="4154984"/>
+                <a:off x="569258" y="1462703"/>
+                <a:ext cx="11053483" cy="4893647"/>
               </a:xfrm>
               <a:prstGeom prst="rect">
                 <a:avLst/>
@@ -22003,7 +24894,7 @@
               <a:blipFill>
                 <a:blip r:embed="rId2"/>
                 <a:stretch>
-                  <a:fillRect l="-847" t="-1173"/>
+                  <a:fillRect l="-110" t="-996"/>
                 </a:stretch>
               </a:blipFill>
             </p:spPr>
@@ -22025,7 +24916,7 @@
     </p:spTree>
     <p:extLst>
       <p:ext uri="{BB962C8B-B14F-4D97-AF65-F5344CB8AC3E}">
-        <p14:creationId xmlns:p14="http://schemas.microsoft.com/office/powerpoint/2010/main" val="2232352582"/>
+        <p14:creationId xmlns:p14="http://schemas.microsoft.com/office/powerpoint/2010/main" val="3275898367"/>
       </p:ext>
     </p:extLst>
   </p:cSld>
@@ -22036,6 +24927,1056 @@
 </file>
 
 <file path=ppt/slides/slide7.xml><?xml version="1.0" encoding="utf-8"?>
+<p:sld xmlns:a="http://schemas.openxmlformats.org/drawingml/2006/main" xmlns:r="http://schemas.openxmlformats.org/officeDocument/2006/relationships" xmlns:p="http://schemas.openxmlformats.org/presentationml/2006/main">
+  <p:cSld>
+    <p:spTree>
+      <p:nvGrpSpPr>
+        <p:cNvPr id="1" name=""/>
+        <p:cNvGrpSpPr/>
+        <p:nvPr/>
+      </p:nvGrpSpPr>
+      <p:grpSpPr>
+        <a:xfrm>
+          <a:off x="0" y="0"/>
+          <a:ext cx="0" cy="0"/>
+          <a:chOff x="0" y="0"/>
+          <a:chExt cx="0" cy="0"/>
+        </a:xfrm>
+      </p:grpSpPr>
+      <p:sp>
+        <p:nvSpPr>
+          <p:cNvPr id="2" name="タイトル 1">
+            <a:extLst>
+              <a:ext uri="{FF2B5EF4-FFF2-40B4-BE49-F238E27FC236}">
+                <a16:creationId xmlns:a16="http://schemas.microsoft.com/office/drawing/2014/main" id="{9A72BE0F-E340-0674-8009-7D5F47362093}"/>
+              </a:ext>
+            </a:extLst>
+          </p:cNvPr>
+          <p:cNvSpPr>
+            <a:spLocks noGrp="1"/>
+          </p:cNvSpPr>
+          <p:nvPr>
+            <p:ph type="title"/>
+          </p:nvPr>
+        </p:nvSpPr>
+        <p:spPr/>
+        <p:txBody>
+          <a:bodyPr/>
+          <a:lstStyle/>
+          <a:p>
+            <a:r>
+              <a:rPr kumimoji="1" lang="ja-JP" altLang="en-US" dirty="0"/>
+              <a:t>直流設計 </a:t>
+            </a:r>
+            <a:r>
+              <a:rPr kumimoji="1" lang="en-US" altLang="ja-JP" dirty="0"/>
+              <a:t>– </a:t>
+            </a:r>
+            <a:r>
+              <a:rPr kumimoji="1" lang="ja-JP" altLang="en-US" dirty="0"/>
+              <a:t>電圧範囲</a:t>
+            </a:r>
+          </a:p>
+        </p:txBody>
+      </p:sp>
+      <p:sp>
+        <p:nvSpPr>
+          <p:cNvPr id="3" name="スライド番号プレースホルダー 2">
+            <a:extLst>
+              <a:ext uri="{FF2B5EF4-FFF2-40B4-BE49-F238E27FC236}">
+                <a16:creationId xmlns:a16="http://schemas.microsoft.com/office/drawing/2014/main" id="{CCC66B7E-0C63-340B-D81E-D3562F356555}"/>
+              </a:ext>
+            </a:extLst>
+          </p:cNvPr>
+          <p:cNvSpPr>
+            <a:spLocks noGrp="1"/>
+          </p:cNvSpPr>
+          <p:nvPr>
+            <p:ph type="sldNum" sz="quarter" idx="12"/>
+          </p:nvPr>
+        </p:nvSpPr>
+        <p:spPr/>
+        <p:txBody>
+          <a:bodyPr/>
+          <a:lstStyle/>
+          <a:p>
+            <a:fld id="{BAC09C9C-7DB0-444B-A568-405A39CC84C0}" type="slidenum">
+              <a:rPr kumimoji="1" lang="ja-JP" altLang="en-US" smtClean="0"/>
+              <a:t>7</a:t>
+            </a:fld>
+            <a:endParaRPr kumimoji="1" lang="ja-JP" altLang="en-US" dirty="0"/>
+          </a:p>
+        </p:txBody>
+      </p:sp>
+      <mc:AlternateContent xmlns:mc="http://schemas.openxmlformats.org/markup-compatibility/2006">
+        <mc:Choice xmlns:a14="http://schemas.microsoft.com/office/drawing/2010/main" Requires="a14">
+          <p:sp>
+            <p:nvSpPr>
+              <p:cNvPr id="4" name="テキスト ボックス 3">
+                <a:extLst>
+                  <a:ext uri="{FF2B5EF4-FFF2-40B4-BE49-F238E27FC236}">
+                    <a16:creationId xmlns:a16="http://schemas.microsoft.com/office/drawing/2014/main" id="{65E0AABF-16F0-7CA2-809A-CB277E86A9F3}"/>
+                  </a:ext>
+                </a:extLst>
+              </p:cNvPr>
+              <p:cNvSpPr txBox="1"/>
+              <p:nvPr/>
+            </p:nvSpPr>
+            <p:spPr>
+              <a:xfrm>
+                <a:off x="493059" y="1400922"/>
+                <a:ext cx="11205882" cy="4524315"/>
+              </a:xfrm>
+              <a:prstGeom prst="rect">
+                <a:avLst/>
+              </a:prstGeom>
+              <a:noFill/>
+            </p:spPr>
+            <p:txBody>
+              <a:bodyPr wrap="square" rtlCol="0">
+                <a:spAutoFit/>
+              </a:bodyPr>
+              <a:lstStyle/>
+              <a:p>
+                <a:pPr algn="l"/>
+                <a14:m>
+                  <m:oMath xmlns:m="http://schemas.openxmlformats.org/officeDocument/2006/math">
+                    <m:d>
+                      <m:dPr>
+                        <m:ctrlPr>
+                          <a:rPr kumimoji="1" lang="en-US" altLang="ja-JP" sz="2400" b="0" i="1" smtClean="0">
+                            <a:latin typeface="Cambria Math" panose="02040503050406030204" pitchFamily="18" charset="0"/>
+                          </a:rPr>
+                        </m:ctrlPr>
+                      </m:dPr>
+                      <m:e>
+                        <m:r>
+                          <a:rPr kumimoji="1" lang="en-US" altLang="ja-JP" sz="2400" b="0" i="1" smtClean="0">
+                            <a:latin typeface="Cambria Math" panose="02040503050406030204" pitchFamily="18" charset="0"/>
+                          </a:rPr>
+                          <m:t>5</m:t>
+                        </m:r>
+                      </m:e>
+                    </m:d>
+                  </m:oMath>
+                </a14:m>
+                <a:r>
+                  <a:rPr kumimoji="1" lang="ja-JP" altLang="en-US" sz="2400" dirty="0"/>
+                  <a:t>式、</a:t>
+                </a:r>
+                <a14:m>
+                  <m:oMath xmlns:m="http://schemas.openxmlformats.org/officeDocument/2006/math">
+                    <m:d>
+                      <m:dPr>
+                        <m:ctrlPr>
+                          <a:rPr kumimoji="1" lang="en-US" altLang="ja-JP" sz="2400" b="0" i="1" dirty="0" smtClean="0">
+                            <a:latin typeface="Cambria Math" panose="02040503050406030204" pitchFamily="18" charset="0"/>
+                          </a:rPr>
+                        </m:ctrlPr>
+                      </m:dPr>
+                      <m:e>
+                        <m:r>
+                          <a:rPr kumimoji="1" lang="en-US" altLang="ja-JP" sz="2400" b="0" i="1" dirty="0" smtClean="0">
+                            <a:latin typeface="Cambria Math" panose="02040503050406030204" pitchFamily="18" charset="0"/>
+                          </a:rPr>
+                          <m:t>12</m:t>
+                        </m:r>
+                      </m:e>
+                    </m:d>
+                  </m:oMath>
+                </a14:m>
+                <a:r>
+                  <a:rPr kumimoji="1" lang="ja-JP" altLang="en-US" sz="2400" dirty="0"/>
+                  <a:t>式より</a:t>
+                </a:r>
+                <a:endParaRPr kumimoji="1" lang="en-US" altLang="ja-JP" sz="2400" dirty="0"/>
+              </a:p>
+              <a:p>
+                <a:pPr algn="ctr"/>
+                <a14:m>
+                  <m:oMathPara xmlns:m="http://schemas.openxmlformats.org/officeDocument/2006/math">
+                    <m:oMathParaPr>
+                      <m:jc m:val="centerGroup"/>
+                    </m:oMathParaPr>
+                    <m:oMath xmlns:m="http://schemas.openxmlformats.org/officeDocument/2006/math">
+                      <m:sSub>
+                        <m:sSubPr>
+                          <m:ctrlPr>
+                            <a:rPr lang="en-US" altLang="ja-JP" sz="2400" i="1">
+                              <a:latin typeface="Cambria Math" panose="02040503050406030204" pitchFamily="18" charset="0"/>
+                            </a:rPr>
+                          </m:ctrlPr>
+                        </m:sSubPr>
+                        <m:e>
+                          <m:r>
+                            <a:rPr lang="en-US" altLang="ja-JP" sz="2400" i="1">
+                              <a:latin typeface="Cambria Math" panose="02040503050406030204" pitchFamily="18" charset="0"/>
+                            </a:rPr>
+                            <m:t>𝑉</m:t>
+                          </m:r>
+                        </m:e>
+                        <m:sub>
+                          <m:r>
+                            <a:rPr lang="en-US" altLang="ja-JP" sz="2400" i="1">
+                              <a:latin typeface="Cambria Math" panose="02040503050406030204" pitchFamily="18" charset="0"/>
+                            </a:rPr>
+                            <m:t>𝑡h</m:t>
+                          </m:r>
+                        </m:sub>
+                      </m:sSub>
+                      <m:r>
+                        <a:rPr lang="en-US" altLang="ja-JP" sz="2400" i="1">
+                          <a:latin typeface="Cambria Math" panose="02040503050406030204" pitchFamily="18" charset="0"/>
+                        </a:rPr>
+                        <m:t>+</m:t>
+                      </m:r>
+                      <m:sSub>
+                        <m:sSubPr>
+                          <m:ctrlPr>
+                            <a:rPr lang="en-US" altLang="ja-JP" sz="2400" i="1">
+                              <a:latin typeface="Cambria Math" panose="02040503050406030204" pitchFamily="18" charset="0"/>
+                            </a:rPr>
+                          </m:ctrlPr>
+                        </m:sSubPr>
+                        <m:e>
+                          <m:r>
+                            <a:rPr lang="en-US" altLang="ja-JP" sz="2400" i="1">
+                              <a:latin typeface="Cambria Math" panose="02040503050406030204" pitchFamily="18" charset="0"/>
+                            </a:rPr>
+                            <m:t>𝑉</m:t>
+                          </m:r>
+                        </m:e>
+                        <m:sub>
+                          <m:r>
+                            <a:rPr lang="en-US" altLang="ja-JP" sz="2400" i="1">
+                              <a:latin typeface="Cambria Math" panose="02040503050406030204" pitchFamily="18" charset="0"/>
+                            </a:rPr>
+                            <m:t>𝐴𝐵</m:t>
+                          </m:r>
+                        </m:sub>
+                      </m:sSub>
+                      <m:r>
+                        <a:rPr lang="en-US" altLang="ja-JP" sz="2400" i="1">
+                          <a:latin typeface="Cambria Math" panose="02040503050406030204" pitchFamily="18" charset="0"/>
+                        </a:rPr>
+                        <m:t>+</m:t>
+                      </m:r>
+                      <m:sSub>
+                        <m:sSubPr>
+                          <m:ctrlPr>
+                            <a:rPr lang="en-US" altLang="ja-JP" sz="2400" i="1">
+                              <a:latin typeface="Cambria Math" panose="02040503050406030204" pitchFamily="18" charset="0"/>
+                            </a:rPr>
+                          </m:ctrlPr>
+                        </m:sSubPr>
+                        <m:e>
+                          <m:r>
+                            <a:rPr lang="en-US" altLang="ja-JP" sz="2400" i="1">
+                              <a:latin typeface="Cambria Math" panose="02040503050406030204" pitchFamily="18" charset="0"/>
+                            </a:rPr>
+                            <m:t>𝑉</m:t>
+                          </m:r>
+                        </m:e>
+                        <m:sub>
+                          <m:r>
+                            <a:rPr lang="en-US" altLang="ja-JP" sz="2400" i="1">
+                              <a:latin typeface="Cambria Math" panose="02040503050406030204" pitchFamily="18" charset="0"/>
+                            </a:rPr>
+                            <m:t>𝐶𝑇𝑅𝐿</m:t>
+                          </m:r>
+                        </m:sub>
+                      </m:sSub>
+                      <m:r>
+                        <a:rPr lang="en-US" altLang="ja-JP" sz="2400" i="1">
+                          <a:latin typeface="Cambria Math" panose="02040503050406030204" pitchFamily="18" charset="0"/>
+                        </a:rPr>
+                        <m:t>&lt;</m:t>
+                      </m:r>
+                      <m:sSub>
+                        <m:sSubPr>
+                          <m:ctrlPr>
+                            <a:rPr lang="en-US" altLang="ja-JP" sz="2400" i="1">
+                              <a:latin typeface="Cambria Math" panose="02040503050406030204" pitchFamily="18" charset="0"/>
+                            </a:rPr>
+                          </m:ctrlPr>
+                        </m:sSubPr>
+                        <m:e>
+                          <m:r>
+                            <a:rPr lang="en-US" altLang="ja-JP" sz="2400" i="1">
+                              <a:latin typeface="Cambria Math" panose="02040503050406030204" pitchFamily="18" charset="0"/>
+                            </a:rPr>
+                            <m:t>𝑉</m:t>
+                          </m:r>
+                        </m:e>
+                        <m:sub>
+                          <m:r>
+                            <a:rPr lang="en-US" altLang="ja-JP" sz="2400" i="1">
+                              <a:latin typeface="Cambria Math" panose="02040503050406030204" pitchFamily="18" charset="0"/>
+                            </a:rPr>
+                            <m:t>𝐴</m:t>
+                          </m:r>
+                        </m:sub>
+                      </m:sSub>
+                      <m:r>
+                        <a:rPr lang="en-US" altLang="ja-JP" sz="2400" i="1">
+                          <a:latin typeface="Cambria Math" panose="02040503050406030204" pitchFamily="18" charset="0"/>
+                        </a:rPr>
+                        <m:t>&lt;1.6</m:t>
+                      </m:r>
+                    </m:oMath>
+                  </m:oMathPara>
+                </a14:m>
+                <a:endParaRPr lang="en-US" altLang="ja-JP" sz="2400" dirty="0"/>
+              </a:p>
+              <a:p>
+                <a:pPr algn="ctr"/>
+                <a14:m>
+                  <m:oMathPara xmlns:m="http://schemas.openxmlformats.org/officeDocument/2006/math">
+                    <m:oMathParaPr>
+                      <m:jc m:val="centerGroup"/>
+                    </m:oMathParaPr>
+                    <m:oMath xmlns:m="http://schemas.openxmlformats.org/officeDocument/2006/math">
+                      <m:sSub>
+                        <m:sSubPr>
+                          <m:ctrlPr>
+                            <a:rPr lang="en-US" altLang="ja-JP" sz="2400" b="0" i="1" smtClean="0">
+                              <a:latin typeface="Cambria Math" panose="02040503050406030204" pitchFamily="18" charset="0"/>
+                            </a:rPr>
+                          </m:ctrlPr>
+                        </m:sSubPr>
+                        <m:e>
+                          <m:r>
+                            <a:rPr lang="en-US" altLang="ja-JP" sz="2400" b="0" i="1" smtClean="0">
+                              <a:latin typeface="Cambria Math" panose="02040503050406030204" pitchFamily="18" charset="0"/>
+                            </a:rPr>
+                            <m:t>𝑉</m:t>
+                          </m:r>
+                        </m:e>
+                        <m:sub>
+                          <m:r>
+                            <a:rPr lang="en-US" altLang="ja-JP" sz="2400" b="0" i="1" smtClean="0">
+                              <a:latin typeface="Cambria Math" panose="02040503050406030204" pitchFamily="18" charset="0"/>
+                            </a:rPr>
+                            <m:t>𝑡h</m:t>
+                          </m:r>
+                        </m:sub>
+                      </m:sSub>
+                      <m:r>
+                        <a:rPr lang="en-US" altLang="ja-JP" sz="2400" b="0" i="1" smtClean="0">
+                          <a:latin typeface="Cambria Math" panose="02040503050406030204" pitchFamily="18" charset="0"/>
+                        </a:rPr>
+                        <m:t>+</m:t>
+                      </m:r>
+                      <m:sSub>
+                        <m:sSubPr>
+                          <m:ctrlPr>
+                            <a:rPr lang="en-US" altLang="ja-JP" sz="2400" b="0" i="1" smtClean="0">
+                              <a:latin typeface="Cambria Math" panose="02040503050406030204" pitchFamily="18" charset="0"/>
+                            </a:rPr>
+                          </m:ctrlPr>
+                        </m:sSubPr>
+                        <m:e>
+                          <m:r>
+                            <a:rPr lang="en-US" altLang="ja-JP" sz="2400" b="0" i="1" smtClean="0">
+                              <a:latin typeface="Cambria Math" panose="02040503050406030204" pitchFamily="18" charset="0"/>
+                            </a:rPr>
+                            <m:t>𝑉</m:t>
+                          </m:r>
+                        </m:e>
+                        <m:sub>
+                          <m:r>
+                            <a:rPr lang="en-US" altLang="ja-JP" sz="2400" b="0" i="1" smtClean="0">
+                              <a:latin typeface="Cambria Math" panose="02040503050406030204" pitchFamily="18" charset="0"/>
+                            </a:rPr>
+                            <m:t>𝑆</m:t>
+                          </m:r>
+                        </m:sub>
+                      </m:sSub>
+                      <m:r>
+                        <a:rPr lang="en-US" altLang="ja-JP" sz="2400" b="0" i="1" smtClean="0">
+                          <a:latin typeface="Cambria Math" panose="02040503050406030204" pitchFamily="18" charset="0"/>
+                        </a:rPr>
+                        <m:t>+0.4+</m:t>
+                      </m:r>
+                      <m:sSub>
+                        <m:sSubPr>
+                          <m:ctrlPr>
+                            <a:rPr lang="en-US" altLang="ja-JP" sz="2400" b="0" i="1" smtClean="0">
+                              <a:latin typeface="Cambria Math" panose="02040503050406030204" pitchFamily="18" charset="0"/>
+                            </a:rPr>
+                          </m:ctrlPr>
+                        </m:sSubPr>
+                        <m:e>
+                          <m:r>
+                            <a:rPr lang="en-US" altLang="ja-JP" sz="2400" b="0" i="1" smtClean="0">
+                              <a:latin typeface="Cambria Math" panose="02040503050406030204" pitchFamily="18" charset="0"/>
+                            </a:rPr>
+                            <m:t>𝑉</m:t>
+                          </m:r>
+                        </m:e>
+                        <m:sub>
+                          <m:r>
+                            <a:rPr lang="en-US" altLang="ja-JP" sz="2400" b="0" i="1" smtClean="0">
+                              <a:latin typeface="Cambria Math" panose="02040503050406030204" pitchFamily="18" charset="0"/>
+                            </a:rPr>
+                            <m:t>𝐶𝑇𝑅𝐿</m:t>
+                          </m:r>
+                        </m:sub>
+                      </m:sSub>
+                      <m:r>
+                        <a:rPr lang="en-US" altLang="ja-JP" sz="2400" b="0" i="1" smtClean="0">
+                          <a:latin typeface="Cambria Math" panose="02040503050406030204" pitchFamily="18" charset="0"/>
+                        </a:rPr>
+                        <m:t>&lt;</m:t>
+                      </m:r>
+                      <m:sSub>
+                        <m:sSubPr>
+                          <m:ctrlPr>
+                            <a:rPr lang="en-US" altLang="ja-JP" sz="2400" b="0" i="1" smtClean="0">
+                              <a:latin typeface="Cambria Math" panose="02040503050406030204" pitchFamily="18" charset="0"/>
+                            </a:rPr>
+                          </m:ctrlPr>
+                        </m:sSubPr>
+                        <m:e>
+                          <m:r>
+                            <a:rPr lang="en-US" altLang="ja-JP" sz="2400" b="0" i="1" smtClean="0">
+                              <a:latin typeface="Cambria Math" panose="02040503050406030204" pitchFamily="18" charset="0"/>
+                            </a:rPr>
+                            <m:t>𝑉</m:t>
+                          </m:r>
+                        </m:e>
+                        <m:sub>
+                          <m:r>
+                            <a:rPr lang="en-US" altLang="ja-JP" sz="2400" b="0" i="1" smtClean="0">
+                              <a:latin typeface="Cambria Math" panose="02040503050406030204" pitchFamily="18" charset="0"/>
+                            </a:rPr>
+                            <m:t>𝐴</m:t>
+                          </m:r>
+                        </m:sub>
+                      </m:sSub>
+                    </m:oMath>
+                  </m:oMathPara>
+                </a14:m>
+                <a:endParaRPr lang="en-US" altLang="ja-JP" sz="2400" b="0" dirty="0"/>
+              </a:p>
+              <a:p>
+                <a:pPr algn="ctr"/>
+                <a14:m>
+                  <m:oMathPara xmlns:m="http://schemas.openxmlformats.org/officeDocument/2006/math">
+                    <m:oMathParaPr>
+                      <m:jc m:val="centerGroup"/>
+                    </m:oMathParaPr>
+                    <m:oMath xmlns:m="http://schemas.openxmlformats.org/officeDocument/2006/math">
+                      <m:r>
+                        <a:rPr lang="en-US" altLang="ja-JP" sz="2400" b="0" i="1" smtClean="0">
+                          <a:latin typeface="Cambria Math" panose="02040503050406030204" pitchFamily="18" charset="0"/>
+                        </a:rPr>
+                        <m:t>0.5+</m:t>
+                      </m:r>
+                      <m:sSub>
+                        <m:sSubPr>
+                          <m:ctrlPr>
+                            <a:rPr lang="en-US" altLang="ja-JP" sz="2400" b="0" i="1" smtClean="0">
+                              <a:latin typeface="Cambria Math" panose="02040503050406030204" pitchFamily="18" charset="0"/>
+                            </a:rPr>
+                          </m:ctrlPr>
+                        </m:sSubPr>
+                        <m:e>
+                          <m:r>
+                            <a:rPr lang="en-US" altLang="ja-JP" sz="2400" b="0" i="1" smtClean="0">
+                              <a:latin typeface="Cambria Math" panose="02040503050406030204" pitchFamily="18" charset="0"/>
+                            </a:rPr>
+                            <m:t>𝑉</m:t>
+                          </m:r>
+                        </m:e>
+                        <m:sub>
+                          <m:r>
+                            <a:rPr lang="en-US" altLang="ja-JP" sz="2400" b="0" i="1" smtClean="0">
+                              <a:latin typeface="Cambria Math" panose="02040503050406030204" pitchFamily="18" charset="0"/>
+                            </a:rPr>
+                            <m:t>𝑆</m:t>
+                          </m:r>
+                        </m:sub>
+                      </m:sSub>
+                      <m:r>
+                        <a:rPr lang="en-US" altLang="ja-JP" sz="2400" b="0" i="1" smtClean="0">
+                          <a:latin typeface="Cambria Math" panose="02040503050406030204" pitchFamily="18" charset="0"/>
+                        </a:rPr>
+                        <m:t>+0.4+0.2&lt;</m:t>
+                      </m:r>
+                      <m:sSub>
+                        <m:sSubPr>
+                          <m:ctrlPr>
+                            <a:rPr lang="en-US" altLang="ja-JP" sz="2400" b="0" i="1" smtClean="0">
+                              <a:latin typeface="Cambria Math" panose="02040503050406030204" pitchFamily="18" charset="0"/>
+                            </a:rPr>
+                          </m:ctrlPr>
+                        </m:sSubPr>
+                        <m:e>
+                          <m:r>
+                            <a:rPr lang="en-US" altLang="ja-JP" sz="2400" b="0" i="1" smtClean="0">
+                              <a:latin typeface="Cambria Math" panose="02040503050406030204" pitchFamily="18" charset="0"/>
+                            </a:rPr>
+                            <m:t>𝑉</m:t>
+                          </m:r>
+                        </m:e>
+                        <m:sub>
+                          <m:r>
+                            <a:rPr lang="en-US" altLang="ja-JP" sz="2400" b="0" i="1" smtClean="0">
+                              <a:latin typeface="Cambria Math" panose="02040503050406030204" pitchFamily="18" charset="0"/>
+                            </a:rPr>
+                            <m:t>𝐴</m:t>
+                          </m:r>
+                        </m:sub>
+                      </m:sSub>
+                    </m:oMath>
+                  </m:oMathPara>
+                </a14:m>
+                <a:endParaRPr lang="en-US" altLang="ja-JP" sz="2400" b="0" dirty="0"/>
+              </a:p>
+              <a:p>
+                <a:pPr algn="ctr"/>
+                <a14:m>
+                  <m:oMath xmlns:m="http://schemas.openxmlformats.org/officeDocument/2006/math">
+                    <m:sSub>
+                      <m:sSubPr>
+                        <m:ctrlPr>
+                          <a:rPr lang="en-US" altLang="ja-JP" sz="2400" b="0" i="1" smtClean="0">
+                            <a:latin typeface="Cambria Math" panose="02040503050406030204" pitchFamily="18" charset="0"/>
+                          </a:rPr>
+                        </m:ctrlPr>
+                      </m:sSubPr>
+                      <m:e>
+                        <m:r>
+                          <a:rPr lang="en-US" altLang="ja-JP" sz="2400" b="0" i="1" smtClean="0">
+                            <a:latin typeface="Cambria Math" panose="02040503050406030204" pitchFamily="18" charset="0"/>
+                          </a:rPr>
+                          <m:t>𝑉</m:t>
+                        </m:r>
+                      </m:e>
+                      <m:sub>
+                        <m:r>
+                          <a:rPr lang="en-US" altLang="ja-JP" sz="2400" b="0" i="1" smtClean="0">
+                            <a:latin typeface="Cambria Math" panose="02040503050406030204" pitchFamily="18" charset="0"/>
+                          </a:rPr>
+                          <m:t>𝑆</m:t>
+                        </m:r>
+                      </m:sub>
+                    </m:sSub>
+                    <m:r>
+                      <a:rPr lang="en-US" altLang="ja-JP" sz="2400" b="0" i="1" smtClean="0">
+                        <a:latin typeface="Cambria Math" panose="02040503050406030204" pitchFamily="18" charset="0"/>
+                      </a:rPr>
+                      <m:t>+1.1&lt;</m:t>
+                    </m:r>
+                    <m:sSub>
+                      <m:sSubPr>
+                        <m:ctrlPr>
+                          <a:rPr lang="en-US" altLang="ja-JP" sz="2400" b="0" i="1" smtClean="0">
+                            <a:latin typeface="Cambria Math" panose="02040503050406030204" pitchFamily="18" charset="0"/>
+                          </a:rPr>
+                        </m:ctrlPr>
+                      </m:sSubPr>
+                      <m:e>
+                        <m:r>
+                          <a:rPr lang="en-US" altLang="ja-JP" sz="2400" b="0" i="1" smtClean="0">
+                            <a:latin typeface="Cambria Math" panose="02040503050406030204" pitchFamily="18" charset="0"/>
+                          </a:rPr>
+                          <m:t>𝑉</m:t>
+                        </m:r>
+                      </m:e>
+                      <m:sub>
+                        <m:r>
+                          <a:rPr lang="en-US" altLang="ja-JP" sz="2400" b="0" i="1" smtClean="0">
+                            <a:latin typeface="Cambria Math" panose="02040503050406030204" pitchFamily="18" charset="0"/>
+                          </a:rPr>
+                          <m:t>𝐴</m:t>
+                        </m:r>
+                      </m:sub>
+                    </m:sSub>
+                    <m:r>
+                      <a:rPr lang="en-US" altLang="ja-JP" sz="2400" i="1">
+                        <a:latin typeface="Cambria Math" panose="02040503050406030204" pitchFamily="18" charset="0"/>
+                      </a:rPr>
+                      <m:t>&lt;1.6</m:t>
+                    </m:r>
+                  </m:oMath>
+                </a14:m>
+                <a:r>
+                  <a:rPr lang="en-US" altLang="ja-JP" sz="2400" dirty="0"/>
+                  <a:t>		</a:t>
+                </a:r>
+                <a14:m>
+                  <m:oMath xmlns:m="http://schemas.openxmlformats.org/officeDocument/2006/math">
+                    <m:d>
+                      <m:dPr>
+                        <m:ctrlPr>
+                          <a:rPr lang="en-US" altLang="ja-JP" sz="2400" b="0" i="1" smtClean="0">
+                            <a:latin typeface="Cambria Math" panose="02040503050406030204" pitchFamily="18" charset="0"/>
+                          </a:rPr>
+                        </m:ctrlPr>
+                      </m:dPr>
+                      <m:e>
+                        <m:r>
+                          <a:rPr lang="en-US" altLang="ja-JP" sz="2400" b="0" i="1" smtClean="0">
+                            <a:latin typeface="Cambria Math" panose="02040503050406030204" pitchFamily="18" charset="0"/>
+                          </a:rPr>
+                          <m:t>13</m:t>
+                        </m:r>
+                      </m:e>
+                    </m:d>
+                  </m:oMath>
+                </a14:m>
+                <a:endParaRPr lang="en-US" altLang="ja-JP" sz="2400" b="0" dirty="0"/>
+              </a:p>
+              <a:p>
+                <a:pPr/>
+                <a:endParaRPr lang="en-US" altLang="ja-JP" sz="2400" dirty="0"/>
+              </a:p>
+              <a:p>
+                <a:pPr algn="l"/>
+                <a:r>
+                  <a:rPr lang="ja-JP" altLang="en-US" sz="2400" dirty="0"/>
+                  <a:t>以上をまとめると</a:t>
+                </a:r>
+                <a:endParaRPr lang="en-US" altLang="ja-JP" sz="2400" dirty="0"/>
+              </a:p>
+              <a:p>
+                <a:pPr algn="ctr"/>
+                <a14:m>
+                  <m:oMath xmlns:m="http://schemas.openxmlformats.org/officeDocument/2006/math">
+                    <m:sSub>
+                      <m:sSubPr>
+                        <m:ctrlPr>
+                          <a:rPr kumimoji="1" lang="en-US" altLang="ja-JP" sz="2400" b="0" i="1" smtClean="0">
+                            <a:latin typeface="Cambria Math" panose="02040503050406030204" pitchFamily="18" charset="0"/>
+                          </a:rPr>
+                        </m:ctrlPr>
+                      </m:sSubPr>
+                      <m:e>
+                        <m:r>
+                          <a:rPr kumimoji="1" lang="en-US" altLang="ja-JP" sz="2400" b="0" i="1" smtClean="0">
+                            <a:latin typeface="Cambria Math" panose="02040503050406030204" pitchFamily="18" charset="0"/>
+                          </a:rPr>
+                          <m:t>𝑉</m:t>
+                        </m:r>
+                      </m:e>
+                      <m:sub>
+                        <m:r>
+                          <a:rPr kumimoji="1" lang="en-US" altLang="ja-JP" sz="2400" b="0" i="1" smtClean="0">
+                            <a:latin typeface="Cambria Math" panose="02040503050406030204" pitchFamily="18" charset="0"/>
+                          </a:rPr>
+                          <m:t>𝑆</m:t>
+                        </m:r>
+                      </m:sub>
+                    </m:sSub>
+                    <m:r>
+                      <a:rPr kumimoji="1" lang="en-US" altLang="ja-JP" sz="2400" b="0" i="1" smtClean="0">
+                        <a:latin typeface="Cambria Math" panose="02040503050406030204" pitchFamily="18" charset="0"/>
+                      </a:rPr>
+                      <m:t>&lt;0.5</m:t>
+                    </m:r>
+                  </m:oMath>
+                </a14:m>
+                <a:r>
+                  <a:rPr kumimoji="1" lang="en-US" altLang="ja-JP" sz="2400" dirty="0"/>
+                  <a:t>	</a:t>
+                </a:r>
+                <a:r>
+                  <a:rPr kumimoji="1" lang="ja-JP" altLang="en-US" sz="2400" dirty="0"/>
+                  <a:t>　　　</a:t>
+                </a:r>
+                <a:r>
+                  <a:rPr kumimoji="1" lang="en-US" altLang="ja-JP" sz="2400" dirty="0"/>
+                  <a:t>	</a:t>
+                </a:r>
+                <a14:m>
+                  <m:oMath xmlns:m="http://schemas.openxmlformats.org/officeDocument/2006/math">
+                    <m:d>
+                      <m:dPr>
+                        <m:ctrlPr>
+                          <a:rPr kumimoji="1" lang="en-US" altLang="ja-JP" sz="2400" b="0" i="1" smtClean="0">
+                            <a:latin typeface="Cambria Math" panose="02040503050406030204" pitchFamily="18" charset="0"/>
+                          </a:rPr>
+                        </m:ctrlPr>
+                      </m:dPr>
+                      <m:e>
+                        <m:r>
+                          <a:rPr kumimoji="1" lang="en-US" altLang="ja-JP" sz="2400" b="0" i="1" smtClean="0">
+                            <a:latin typeface="Cambria Math" panose="02040503050406030204" pitchFamily="18" charset="0"/>
+                          </a:rPr>
+                          <m:t>10</m:t>
+                        </m:r>
+                      </m:e>
+                    </m:d>
+                  </m:oMath>
+                </a14:m>
+                <a:endParaRPr kumimoji="1" lang="en-US" altLang="ja-JP" sz="2400" dirty="0"/>
+              </a:p>
+              <a:p>
+                <a:pPr algn="ctr"/>
+                <a14:m>
+                  <m:oMath xmlns:m="http://schemas.openxmlformats.org/officeDocument/2006/math">
+                    <m:sSub>
+                      <m:sSubPr>
+                        <m:ctrlPr>
+                          <a:rPr lang="en-US" altLang="ja-JP" sz="2400" b="0" i="1" smtClean="0">
+                            <a:latin typeface="Cambria Math" panose="02040503050406030204" pitchFamily="18" charset="0"/>
+                          </a:rPr>
+                        </m:ctrlPr>
+                      </m:sSubPr>
+                      <m:e>
+                        <m:r>
+                          <a:rPr lang="en-US" altLang="ja-JP" sz="2400" b="0" i="1" smtClean="0">
+                            <a:latin typeface="Cambria Math" panose="02040503050406030204" pitchFamily="18" charset="0"/>
+                          </a:rPr>
+                          <m:t>𝑉</m:t>
+                        </m:r>
+                      </m:e>
+                      <m:sub>
+                        <m:r>
+                          <a:rPr lang="en-US" altLang="ja-JP" sz="2400" b="0" i="1" smtClean="0">
+                            <a:latin typeface="Cambria Math" panose="02040503050406030204" pitchFamily="18" charset="0"/>
+                          </a:rPr>
+                          <m:t>𝑆</m:t>
+                        </m:r>
+                      </m:sub>
+                    </m:sSub>
+                    <m:r>
+                      <a:rPr lang="en-US" altLang="ja-JP" sz="2400" b="0" i="1" smtClean="0">
+                        <a:latin typeface="Cambria Math" panose="02040503050406030204" pitchFamily="18" charset="0"/>
+                      </a:rPr>
+                      <m:t>+0.7&lt;</m:t>
+                    </m:r>
+                    <m:sSub>
+                      <m:sSubPr>
+                        <m:ctrlPr>
+                          <a:rPr lang="en-US" altLang="ja-JP" sz="2400" b="0" i="1" smtClean="0">
+                            <a:latin typeface="Cambria Math" panose="02040503050406030204" pitchFamily="18" charset="0"/>
+                          </a:rPr>
+                        </m:ctrlPr>
+                      </m:sSubPr>
+                      <m:e>
+                        <m:r>
+                          <a:rPr lang="en-US" altLang="ja-JP" sz="2400" b="0" i="1" smtClean="0">
+                            <a:latin typeface="Cambria Math" panose="02040503050406030204" pitchFamily="18" charset="0"/>
+                          </a:rPr>
+                          <m:t>𝑉</m:t>
+                        </m:r>
+                      </m:e>
+                      <m:sub>
+                        <m:r>
+                          <a:rPr lang="en-US" altLang="ja-JP" sz="2400" b="0" i="1" smtClean="0">
+                            <a:latin typeface="Cambria Math" panose="02040503050406030204" pitchFamily="18" charset="0"/>
+                          </a:rPr>
+                          <m:t>𝐵</m:t>
+                        </m:r>
+                      </m:sub>
+                    </m:sSub>
+                  </m:oMath>
+                </a14:m>
+                <a:r>
+                  <a:rPr lang="en-US" altLang="ja-JP" sz="2400" dirty="0"/>
+                  <a:t> </a:t>
+                </a:r>
+                <a14:m>
+                  <m:oMath xmlns:m="http://schemas.openxmlformats.org/officeDocument/2006/math">
+                    <m:r>
+                      <a:rPr lang="en-US" altLang="ja-JP" sz="2400">
+                        <a:latin typeface="Cambria Math" panose="02040503050406030204" pitchFamily="18" charset="0"/>
+                      </a:rPr>
+                      <m:t>&lt;1.2</m:t>
+                    </m:r>
+                    <m:r>
+                      <a:rPr lang="en-US" altLang="ja-JP" sz="2400" i="1">
+                        <a:latin typeface="Cambria Math" panose="02040503050406030204" pitchFamily="18" charset="0"/>
+                      </a:rPr>
+                      <m:t> </m:t>
+                    </m:r>
+                  </m:oMath>
+                </a14:m>
+                <a:r>
+                  <a:rPr lang="en-US" altLang="ja-JP" sz="2400" dirty="0"/>
+                  <a:t>		</a:t>
+                </a:r>
+                <a14:m>
+                  <m:oMath xmlns:m="http://schemas.openxmlformats.org/officeDocument/2006/math">
+                    <m:d>
+                      <m:dPr>
+                        <m:ctrlPr>
+                          <a:rPr lang="en-US" altLang="ja-JP" sz="2400" b="0" i="1" smtClean="0">
+                            <a:latin typeface="Cambria Math" panose="02040503050406030204" pitchFamily="18" charset="0"/>
+                          </a:rPr>
+                        </m:ctrlPr>
+                      </m:dPr>
+                      <m:e>
+                        <m:r>
+                          <a:rPr lang="en-US" altLang="ja-JP" sz="2400" b="0" i="1" smtClean="0">
+                            <a:latin typeface="Cambria Math" panose="02040503050406030204" pitchFamily="18" charset="0"/>
+                          </a:rPr>
+                          <m:t>11</m:t>
+                        </m:r>
+                      </m:e>
+                    </m:d>
+                  </m:oMath>
+                </a14:m>
+                <a:endParaRPr kumimoji="1" lang="en-US" altLang="ja-JP" sz="2400" dirty="0"/>
+              </a:p>
+              <a:p>
+                <a:pPr algn="ctr"/>
+                <a14:m>
+                  <m:oMath xmlns:m="http://schemas.openxmlformats.org/officeDocument/2006/math">
+                    <m:sSub>
+                      <m:sSubPr>
+                        <m:ctrlPr>
+                          <a:rPr lang="en-US" altLang="ja-JP" sz="2400" b="0" i="1" smtClean="0">
+                            <a:latin typeface="Cambria Math" panose="02040503050406030204" pitchFamily="18" charset="0"/>
+                          </a:rPr>
+                        </m:ctrlPr>
+                      </m:sSubPr>
+                      <m:e>
+                        <m:r>
+                          <a:rPr lang="en-US" altLang="ja-JP" sz="2400" b="0" i="1" smtClean="0">
+                            <a:latin typeface="Cambria Math" panose="02040503050406030204" pitchFamily="18" charset="0"/>
+                          </a:rPr>
+                          <m:t>𝑉</m:t>
+                        </m:r>
+                      </m:e>
+                      <m:sub>
+                        <m:r>
+                          <a:rPr lang="en-US" altLang="ja-JP" sz="2400" b="0" i="1" smtClean="0">
+                            <a:latin typeface="Cambria Math" panose="02040503050406030204" pitchFamily="18" charset="0"/>
+                          </a:rPr>
+                          <m:t>𝑆</m:t>
+                        </m:r>
+                      </m:sub>
+                    </m:sSub>
+                    <m:r>
+                      <a:rPr lang="en-US" altLang="ja-JP" sz="2400" b="0" i="1" smtClean="0">
+                        <a:latin typeface="Cambria Math" panose="02040503050406030204" pitchFamily="18" charset="0"/>
+                      </a:rPr>
+                      <m:t>+0.4&lt;</m:t>
+                    </m:r>
+                    <m:sSub>
+                      <m:sSubPr>
+                        <m:ctrlPr>
+                          <a:rPr lang="en-US" altLang="ja-JP" sz="2400" b="0" i="1" smtClean="0">
+                            <a:latin typeface="Cambria Math" panose="02040503050406030204" pitchFamily="18" charset="0"/>
+                          </a:rPr>
+                        </m:ctrlPr>
+                      </m:sSubPr>
+                      <m:e>
+                        <m:r>
+                          <a:rPr lang="en-US" altLang="ja-JP" sz="2400" b="0" i="1" smtClean="0">
+                            <a:latin typeface="Cambria Math" panose="02040503050406030204" pitchFamily="18" charset="0"/>
+                          </a:rPr>
+                          <m:t>𝑉</m:t>
+                        </m:r>
+                      </m:e>
+                      <m:sub>
+                        <m:r>
+                          <a:rPr lang="en-US" altLang="ja-JP" sz="2400" b="0" i="1" smtClean="0">
+                            <a:latin typeface="Cambria Math" panose="02040503050406030204" pitchFamily="18" charset="0"/>
+                          </a:rPr>
+                          <m:t>𝐴𝐵</m:t>
+                        </m:r>
+                      </m:sub>
+                    </m:sSub>
+                    <m:r>
+                      <a:rPr lang="en-US" altLang="ja-JP" sz="2400" i="1">
+                        <a:latin typeface="Cambria Math" panose="02040503050406030204" pitchFamily="18" charset="0"/>
+                      </a:rPr>
+                      <m:t>&lt;0.9</m:t>
+                    </m:r>
+                  </m:oMath>
+                </a14:m>
+                <a:r>
+                  <a:rPr lang="en-US" altLang="ja-JP" sz="2400" dirty="0"/>
+                  <a:t>		</a:t>
+                </a:r>
+                <a14:m>
+                  <m:oMath xmlns:m="http://schemas.openxmlformats.org/officeDocument/2006/math">
+                    <m:d>
+                      <m:dPr>
+                        <m:ctrlPr>
+                          <a:rPr lang="en-US" altLang="ja-JP" sz="2400" b="0" i="1" smtClean="0">
+                            <a:latin typeface="Cambria Math" panose="02040503050406030204" pitchFamily="18" charset="0"/>
+                          </a:rPr>
+                        </m:ctrlPr>
+                      </m:dPr>
+                      <m:e>
+                        <m:r>
+                          <a:rPr lang="en-US" altLang="ja-JP" sz="2400" b="0" i="1" smtClean="0">
+                            <a:latin typeface="Cambria Math" panose="02040503050406030204" pitchFamily="18" charset="0"/>
+                          </a:rPr>
+                          <m:t>12</m:t>
+                        </m:r>
+                      </m:e>
+                    </m:d>
+                  </m:oMath>
+                </a14:m>
+                <a:endParaRPr lang="en-US" altLang="ja-JP" sz="2400" dirty="0"/>
+              </a:p>
+              <a:p>
+                <a:pPr algn="ctr"/>
+                <a14:m>
+                  <m:oMath xmlns:m="http://schemas.openxmlformats.org/officeDocument/2006/math">
+                    <m:sSub>
+                      <m:sSubPr>
+                        <m:ctrlPr>
+                          <a:rPr lang="en-US" altLang="ja-JP" sz="2400" b="0" i="1" smtClean="0">
+                            <a:latin typeface="Cambria Math" panose="02040503050406030204" pitchFamily="18" charset="0"/>
+                          </a:rPr>
+                        </m:ctrlPr>
+                      </m:sSubPr>
+                      <m:e>
+                        <m:r>
+                          <a:rPr lang="en-US" altLang="ja-JP" sz="2400" b="0" i="1" smtClean="0">
+                            <a:latin typeface="Cambria Math" panose="02040503050406030204" pitchFamily="18" charset="0"/>
+                          </a:rPr>
+                          <m:t>𝑉</m:t>
+                        </m:r>
+                      </m:e>
+                      <m:sub>
+                        <m:r>
+                          <a:rPr lang="en-US" altLang="ja-JP" sz="2400" b="0" i="1" smtClean="0">
+                            <a:latin typeface="Cambria Math" panose="02040503050406030204" pitchFamily="18" charset="0"/>
+                          </a:rPr>
+                          <m:t>𝑆</m:t>
+                        </m:r>
+                      </m:sub>
+                    </m:sSub>
+                    <m:r>
+                      <a:rPr lang="en-US" altLang="ja-JP" sz="2400" b="0" i="1" smtClean="0">
+                        <a:latin typeface="Cambria Math" panose="02040503050406030204" pitchFamily="18" charset="0"/>
+                      </a:rPr>
+                      <m:t>+1.1&lt;</m:t>
+                    </m:r>
+                    <m:sSub>
+                      <m:sSubPr>
+                        <m:ctrlPr>
+                          <a:rPr lang="en-US" altLang="ja-JP" sz="2400" b="0" i="1" smtClean="0">
+                            <a:latin typeface="Cambria Math" panose="02040503050406030204" pitchFamily="18" charset="0"/>
+                          </a:rPr>
+                        </m:ctrlPr>
+                      </m:sSubPr>
+                      <m:e>
+                        <m:r>
+                          <a:rPr lang="en-US" altLang="ja-JP" sz="2400" b="0" i="1" smtClean="0">
+                            <a:latin typeface="Cambria Math" panose="02040503050406030204" pitchFamily="18" charset="0"/>
+                          </a:rPr>
+                          <m:t>𝑉</m:t>
+                        </m:r>
+                      </m:e>
+                      <m:sub>
+                        <m:r>
+                          <a:rPr lang="en-US" altLang="ja-JP" sz="2400" b="0" i="1" smtClean="0">
+                            <a:latin typeface="Cambria Math" panose="02040503050406030204" pitchFamily="18" charset="0"/>
+                          </a:rPr>
+                          <m:t>𝐴</m:t>
+                        </m:r>
+                      </m:sub>
+                    </m:sSub>
+                    <m:r>
+                      <a:rPr lang="en-US" altLang="ja-JP" sz="2400" i="1">
+                        <a:latin typeface="Cambria Math" panose="02040503050406030204" pitchFamily="18" charset="0"/>
+                      </a:rPr>
+                      <m:t>&lt;1.6</m:t>
+                    </m:r>
+                  </m:oMath>
+                </a14:m>
+                <a:r>
+                  <a:rPr lang="en-US" altLang="ja-JP" sz="2400" dirty="0"/>
+                  <a:t>		</a:t>
+                </a:r>
+                <a14:m>
+                  <m:oMath xmlns:m="http://schemas.openxmlformats.org/officeDocument/2006/math">
+                    <m:d>
+                      <m:dPr>
+                        <m:ctrlPr>
+                          <a:rPr lang="en-US" altLang="ja-JP" sz="2400" b="0" i="1" smtClean="0">
+                            <a:latin typeface="Cambria Math" panose="02040503050406030204" pitchFamily="18" charset="0"/>
+                          </a:rPr>
+                        </m:ctrlPr>
+                      </m:dPr>
+                      <m:e>
+                        <m:r>
+                          <a:rPr lang="en-US" altLang="ja-JP" sz="2400" b="0" i="1" smtClean="0">
+                            <a:latin typeface="Cambria Math" panose="02040503050406030204" pitchFamily="18" charset="0"/>
+                          </a:rPr>
+                          <m:t>13</m:t>
+                        </m:r>
+                      </m:e>
+                    </m:d>
+                  </m:oMath>
+                </a14:m>
+                <a:endParaRPr lang="en-US" altLang="ja-JP" sz="2400" b="0" dirty="0"/>
+              </a:p>
+              <a:p>
+                <a:endParaRPr lang="en-US" altLang="ja-JP" sz="2400" b="0" dirty="0"/>
+              </a:p>
+            </p:txBody>
+          </p:sp>
+        </mc:Choice>
+        <mc:Fallback>
+          <p:sp>
+            <p:nvSpPr>
+              <p:cNvPr id="4" name="テキスト ボックス 3">
+                <a:extLst>
+                  <a:ext uri="{FF2B5EF4-FFF2-40B4-BE49-F238E27FC236}">
+                    <a16:creationId xmlns:a16="http://schemas.microsoft.com/office/drawing/2014/main" id="{65E0AABF-16F0-7CA2-809A-CB277E86A9F3}"/>
+                  </a:ext>
+                </a:extLst>
+              </p:cNvPr>
+              <p:cNvSpPr txBox="1">
+                <a:spLocks noRot="1" noChangeAspect="1" noMove="1" noResize="1" noEditPoints="1" noAdjustHandles="1" noChangeArrowheads="1" noChangeShapeType="1" noTextEdit="1"/>
+              </p:cNvSpPr>
+              <p:nvPr/>
+            </p:nvSpPr>
+            <p:spPr>
+              <a:xfrm>
+                <a:off x="493059" y="1400922"/>
+                <a:ext cx="11205882" cy="4524315"/>
+              </a:xfrm>
+              <a:prstGeom prst="rect">
+                <a:avLst/>
+              </a:prstGeom>
+              <a:blipFill>
+                <a:blip r:embed="rId2"/>
+                <a:stretch>
+                  <a:fillRect l="-871" t="-1078"/>
+                </a:stretch>
+              </a:blipFill>
+            </p:spPr>
+            <p:txBody>
+              <a:bodyPr/>
+              <a:lstStyle/>
+              <a:p>
+                <a:r>
+                  <a:rPr lang="ja-JP" altLang="en-US">
+                    <a:noFill/>
+                  </a:rPr>
+                  <a:t> </a:t>
+                </a:r>
+              </a:p>
+            </p:txBody>
+          </p:sp>
+        </mc:Fallback>
+      </mc:AlternateContent>
+    </p:spTree>
+    <p:extLst>
+      <p:ext uri="{BB962C8B-B14F-4D97-AF65-F5344CB8AC3E}">
+        <p14:creationId xmlns:p14="http://schemas.microsoft.com/office/powerpoint/2010/main" val="384668764"/>
+      </p:ext>
+    </p:extLst>
+  </p:cSld>
+  <p:clrMapOvr>
+    <a:masterClrMapping/>
+  </p:clrMapOvr>
+</p:sld>
+</file>
+
+<file path=ppt/slides/slide8.xml><?xml version="1.0" encoding="utf-8"?>
 <p:sld xmlns:a="http://schemas.openxmlformats.org/drawingml/2006/main" xmlns:r="http://schemas.openxmlformats.org/officeDocument/2006/relationships" xmlns:p="http://schemas.openxmlformats.org/presentationml/2006/main">
   <p:cSld>
     <p:spTree>
@@ -22075,14 +26016,14 @@
           <a:p>
             <a:fld id="{BAC09C9C-7DB0-444B-A568-405A39CC84C0}" type="slidenum">
               <a:rPr kumimoji="1" lang="ja-JP" altLang="en-US" smtClean="0"/>
-              <a:t>7</a:t>
+              <a:t>8</a:t>
             </a:fld>
             <a:endParaRPr kumimoji="1" lang="ja-JP" altLang="en-US"/>
           </a:p>
         </p:txBody>
       </p:sp>
-      <mc:AlternateContent xmlns:mc="http://schemas.openxmlformats.org/markup-compatibility/2006" xmlns:a14="http://schemas.microsoft.com/office/drawing/2010/main">
-        <mc:Choice Requires="a14">
+      <mc:AlternateContent xmlns:mc="http://schemas.openxmlformats.org/markup-compatibility/2006">
+        <mc:Choice xmlns:a14="http://schemas.microsoft.com/office/drawing/2010/main" Requires="a14">
           <p:sp>
             <p:nvSpPr>
               <p:cNvPr id="3" name="テキスト ボックス 2">
@@ -22097,8 +26038,8 @@
             </p:nvSpPr>
             <p:spPr>
               <a:xfrm>
-                <a:off x="6577779" y="627359"/>
-                <a:ext cx="5702711" cy="5865516"/>
+                <a:off x="6559850" y="1554588"/>
+                <a:ext cx="5702711" cy="4388189"/>
               </a:xfrm>
               <a:prstGeom prst="rect">
                 <a:avLst/>
@@ -22110,244 +26051,6 @@
                 <a:spAutoFit/>
               </a:bodyPr>
               <a:lstStyle/>
-              <a:p>
-                <a:pPr algn="ctr"/>
-                <a14:m>
-                  <m:oMath xmlns:m="http://schemas.openxmlformats.org/officeDocument/2006/math">
-                    <m:r>
-                      <a:rPr kumimoji="1" lang="en-US" altLang="ja-JP" sz="2400" b="0" i="1" smtClean="0">
-                        <a:latin typeface="Cambria Math" panose="02040503050406030204" pitchFamily="18" charset="0"/>
-                      </a:rPr>
-                      <m:t>0.6&lt;</m:t>
-                    </m:r>
-                    <m:sSub>
-                      <m:sSubPr>
-                        <m:ctrlPr>
-                          <a:rPr kumimoji="1" lang="en-US" altLang="ja-JP" sz="2400" b="0" i="1" smtClean="0">
-                            <a:latin typeface="Cambria Math" panose="02040503050406030204" pitchFamily="18" charset="0"/>
-                          </a:rPr>
-                        </m:ctrlPr>
-                      </m:sSubPr>
-                      <m:e>
-                        <m:r>
-                          <a:rPr kumimoji="1" lang="en-US" altLang="ja-JP" sz="2400" b="0" i="1" smtClean="0">
-                            <a:latin typeface="Cambria Math" panose="02040503050406030204" pitchFamily="18" charset="0"/>
-                          </a:rPr>
-                          <m:t>𝑉</m:t>
-                        </m:r>
-                      </m:e>
-                      <m:sub>
-                        <m:r>
-                          <a:rPr kumimoji="1" lang="en-US" altLang="ja-JP" sz="2400" b="0" i="1" smtClean="0">
-                            <a:latin typeface="Cambria Math" panose="02040503050406030204" pitchFamily="18" charset="0"/>
-                          </a:rPr>
-                          <m:t>𝐴𝐵</m:t>
-                        </m:r>
-                      </m:sub>
-                    </m:sSub>
-                    <m:r>
-                      <a:rPr kumimoji="1" lang="en-US" altLang="ja-JP" sz="2400" b="0" i="1" smtClean="0">
-                        <a:latin typeface="Cambria Math" panose="02040503050406030204" pitchFamily="18" charset="0"/>
-                      </a:rPr>
-                      <m:t>&lt;1.1</m:t>
-                    </m:r>
-                  </m:oMath>
-                </a14:m>
-                <a:r>
-                  <a:rPr kumimoji="1" lang="en-US" altLang="ja-JP" sz="2400" dirty="0"/>
-                  <a:t>	</a:t>
-                </a:r>
-                <a14:m>
-                  <m:oMath xmlns:m="http://schemas.openxmlformats.org/officeDocument/2006/math">
-                    <m:d>
-                      <m:dPr>
-                        <m:ctrlPr>
-                          <a:rPr kumimoji="1" lang="en-US" altLang="ja-JP" sz="2400" b="0" i="1" smtClean="0">
-                            <a:latin typeface="Cambria Math" panose="02040503050406030204" pitchFamily="18" charset="0"/>
-                          </a:rPr>
-                        </m:ctrlPr>
-                      </m:dPr>
-                      <m:e>
-                        <m:r>
-                          <a:rPr kumimoji="1" lang="en-US" altLang="ja-JP" sz="2400" b="0" i="1" smtClean="0">
-                            <a:latin typeface="Cambria Math" panose="02040503050406030204" pitchFamily="18" charset="0"/>
-                          </a:rPr>
-                          <m:t>7</m:t>
-                        </m:r>
-                      </m:e>
-                    </m:d>
-                  </m:oMath>
-                </a14:m>
-                <a:endParaRPr kumimoji="1" lang="en-US" altLang="ja-JP" sz="2400" dirty="0"/>
-              </a:p>
-              <a:p>
-                <a:pPr algn="ctr"/>
-                <a14:m>
-                  <m:oMath xmlns:m="http://schemas.openxmlformats.org/officeDocument/2006/math">
-                    <m:r>
-                      <a:rPr kumimoji="1" lang="en-US" altLang="ja-JP" sz="2400" b="0" i="1" smtClean="0">
-                        <a:latin typeface="Cambria Math" panose="02040503050406030204" pitchFamily="18" charset="0"/>
-                      </a:rPr>
-                      <m:t>1.3&lt;</m:t>
-                    </m:r>
-                    <m:sSub>
-                      <m:sSubPr>
-                        <m:ctrlPr>
-                          <a:rPr kumimoji="1" lang="en-US" altLang="ja-JP" sz="2400" b="0" i="1" smtClean="0">
-                            <a:latin typeface="Cambria Math" panose="02040503050406030204" pitchFamily="18" charset="0"/>
-                          </a:rPr>
-                        </m:ctrlPr>
-                      </m:sSubPr>
-                      <m:e>
-                        <m:r>
-                          <a:rPr kumimoji="1" lang="en-US" altLang="ja-JP" sz="2400" b="0" i="1" smtClean="0">
-                            <a:latin typeface="Cambria Math" panose="02040503050406030204" pitchFamily="18" charset="0"/>
-                          </a:rPr>
-                          <m:t>𝑉</m:t>
-                        </m:r>
-                      </m:e>
-                      <m:sub>
-                        <m:r>
-                          <a:rPr kumimoji="1" lang="en-US" altLang="ja-JP" sz="2400" b="0" i="1" smtClean="0">
-                            <a:latin typeface="Cambria Math" panose="02040503050406030204" pitchFamily="18" charset="0"/>
-                          </a:rPr>
-                          <m:t>𝐴</m:t>
-                        </m:r>
-                      </m:sub>
-                    </m:sSub>
-                    <m:r>
-                      <a:rPr kumimoji="1" lang="en-US" altLang="ja-JP" sz="2400" b="0" i="1" smtClean="0">
-                        <a:latin typeface="Cambria Math" panose="02040503050406030204" pitchFamily="18" charset="0"/>
-                      </a:rPr>
-                      <m:t>&lt;1.6</m:t>
-                    </m:r>
-                  </m:oMath>
-                </a14:m>
-                <a:r>
-                  <a:rPr kumimoji="1" lang="en-US" altLang="ja-JP" sz="2400" dirty="0"/>
-                  <a:t>	</a:t>
-                </a:r>
-                <a14:m>
-                  <m:oMath xmlns:m="http://schemas.openxmlformats.org/officeDocument/2006/math">
-                    <m:d>
-                      <m:dPr>
-                        <m:ctrlPr>
-                          <a:rPr kumimoji="1" lang="en-US" altLang="ja-JP" sz="2400" b="0" i="1" smtClean="0">
-                            <a:latin typeface="Cambria Math" panose="02040503050406030204" pitchFamily="18" charset="0"/>
-                          </a:rPr>
-                        </m:ctrlPr>
-                      </m:dPr>
-                      <m:e>
-                        <m:r>
-                          <a:rPr kumimoji="1" lang="en-US" altLang="ja-JP" sz="2400" b="0" i="1" smtClean="0">
-                            <a:latin typeface="Cambria Math" panose="02040503050406030204" pitchFamily="18" charset="0"/>
-                          </a:rPr>
-                          <m:t>8</m:t>
-                        </m:r>
-                      </m:e>
-                    </m:d>
-                  </m:oMath>
-                </a14:m>
-                <a:endParaRPr kumimoji="1" lang="ja-JP" altLang="en-US" sz="2400" dirty="0"/>
-              </a:p>
-              <a:p>
-                <a:pPr algn="ctr"/>
-                <a14:m>
-                  <m:oMath xmlns:m="http://schemas.openxmlformats.org/officeDocument/2006/math">
-                    <m:sSub>
-                      <m:sSubPr>
-                        <m:ctrlPr>
-                          <a:rPr lang="en-US" altLang="ja-JP" sz="2400" b="0" i="1" smtClean="0">
-                            <a:latin typeface="Cambria Math" panose="02040503050406030204" pitchFamily="18" charset="0"/>
-                          </a:rPr>
-                        </m:ctrlPr>
-                      </m:sSubPr>
-                      <m:e>
-                        <m:r>
-                          <a:rPr lang="en-US" altLang="ja-JP" sz="2400" b="0" i="1" smtClean="0">
-                            <a:latin typeface="Cambria Math" panose="02040503050406030204" pitchFamily="18" charset="0"/>
-                          </a:rPr>
-                          <m:t>𝑉</m:t>
-                        </m:r>
-                      </m:e>
-                      <m:sub>
-                        <m:r>
-                          <a:rPr lang="en-US" altLang="ja-JP" sz="2400" b="0" i="1" smtClean="0">
-                            <a:latin typeface="Cambria Math" panose="02040503050406030204" pitchFamily="18" charset="0"/>
-                          </a:rPr>
-                          <m:t>𝑆</m:t>
-                        </m:r>
-                      </m:sub>
-                    </m:sSub>
-                    <m:r>
-                      <a:rPr lang="en-US" altLang="ja-JP" sz="2400" b="0" i="1" smtClean="0">
-                        <a:latin typeface="Cambria Math" panose="02040503050406030204" pitchFamily="18" charset="0"/>
-                      </a:rPr>
-                      <m:t>+0.7&lt;</m:t>
-                    </m:r>
-                    <m:sSub>
-                      <m:sSubPr>
-                        <m:ctrlPr>
-                          <a:rPr lang="en-US" altLang="ja-JP" sz="2400" b="0" i="1" smtClean="0">
-                            <a:latin typeface="Cambria Math" panose="02040503050406030204" pitchFamily="18" charset="0"/>
-                          </a:rPr>
-                        </m:ctrlPr>
-                      </m:sSubPr>
-                      <m:e>
-                        <m:r>
-                          <a:rPr lang="en-US" altLang="ja-JP" sz="2400" b="0" i="1" smtClean="0">
-                            <a:latin typeface="Cambria Math" panose="02040503050406030204" pitchFamily="18" charset="0"/>
-                          </a:rPr>
-                          <m:t>𝑉</m:t>
-                        </m:r>
-                      </m:e>
-                      <m:sub>
-                        <m:r>
-                          <a:rPr lang="en-US" altLang="ja-JP" sz="2400" b="0" i="1" smtClean="0">
-                            <a:latin typeface="Cambria Math" panose="02040503050406030204" pitchFamily="18" charset="0"/>
-                          </a:rPr>
-                          <m:t>𝐵</m:t>
-                        </m:r>
-                      </m:sub>
-                    </m:sSub>
-                    <m:r>
-                      <a:rPr lang="en-US" altLang="ja-JP" sz="2400" b="0" i="1" smtClean="0">
-                        <a:latin typeface="Cambria Math" panose="02040503050406030204" pitchFamily="18" charset="0"/>
-                      </a:rPr>
-                      <m:t>&lt;0.9</m:t>
-                    </m:r>
-                  </m:oMath>
-                </a14:m>
-                <a:r>
-                  <a:rPr lang="en-US" altLang="ja-JP" sz="2400" dirty="0"/>
-                  <a:t>		</a:t>
-                </a:r>
-                <a14:m>
-                  <m:oMath xmlns:m="http://schemas.openxmlformats.org/officeDocument/2006/math">
-                    <m:d>
-                      <m:dPr>
-                        <m:ctrlPr>
-                          <a:rPr lang="en-US" altLang="ja-JP" sz="2400" b="0" i="1" smtClean="0">
-                            <a:latin typeface="Cambria Math" panose="02040503050406030204" pitchFamily="18" charset="0"/>
-                          </a:rPr>
-                        </m:ctrlPr>
-                      </m:dPr>
-                      <m:e>
-                        <m:r>
-                          <a:rPr lang="en-US" altLang="ja-JP" sz="2400" b="0" i="1" smtClean="0">
-                            <a:latin typeface="Cambria Math" panose="02040503050406030204" pitchFamily="18" charset="0"/>
-                          </a:rPr>
-                          <m:t>9</m:t>
-                        </m:r>
-                      </m:e>
-                    </m:d>
-                  </m:oMath>
-                </a14:m>
-                <a:endParaRPr kumimoji="1" lang="en-US" altLang="ja-JP" sz="2400" dirty="0"/>
-              </a:p>
-              <a:p>
-                <a:endParaRPr kumimoji="1" lang="en-US" altLang="ja-JP" sz="2400" dirty="0"/>
-              </a:p>
               <a:p>
                 <a:r>
                   <a:rPr kumimoji="1" lang="ja-JP" altLang="en-US" sz="2400" dirty="0"/>
@@ -23031,8 +26734,39 @@
                       <m:jc m:val="centerGroup"/>
                     </m:oMathParaPr>
                     <m:oMath xmlns:m="http://schemas.openxmlformats.org/officeDocument/2006/math">
+                      <m:sSub>
+                        <m:sSubPr>
+                          <m:ctrlPr>
+                            <a:rPr lang="en-US" altLang="ja-JP" sz="2400" i="1">
+                              <a:latin typeface="Cambria Math" panose="02040503050406030204" pitchFamily="18" charset="0"/>
+                            </a:rPr>
+                          </m:ctrlPr>
+                        </m:sSubPr>
+                        <m:e>
+                          <m:r>
+                            <a:rPr lang="en-US" altLang="ja-JP" sz="2400" i="1">
+                              <a:latin typeface="Cambria Math" panose="02040503050406030204" pitchFamily="18" charset="0"/>
+                            </a:rPr>
+                            <m:t>𝑣</m:t>
+                          </m:r>
+                        </m:e>
+                        <m:sub>
+                          <m:r>
+                            <a:rPr lang="en-US" altLang="ja-JP" sz="2400" i="1">
+                              <a:latin typeface="Cambria Math" panose="02040503050406030204" pitchFamily="18" charset="0"/>
+                            </a:rPr>
+                            <m:t>𝑜𝑢𝑡</m:t>
+                          </m:r>
+                        </m:sub>
+                      </m:sSub>
                       <m:r>
-                        <a:rPr kumimoji="1" lang="en-US" altLang="ja-JP" sz="2400" b="0" i="1" smtClean="0">
+                        <a:rPr lang="en-US" altLang="ja-JP" sz="2400" b="0" i="1" smtClean="0">
+                          <a:latin typeface="Cambria Math" panose="02040503050406030204" pitchFamily="18" charset="0"/>
+                        </a:rPr>
+                        <m:t>=</m:t>
+                      </m:r>
+                      <m:r>
+                        <a:rPr lang="en-US" altLang="ja-JP" sz="2400" i="1">
                           <a:latin typeface="Cambria Math" panose="02040503050406030204" pitchFamily="18" charset="0"/>
                         </a:rPr>
                         <m:t>8</m:t>
@@ -23131,15 +26865,15 @@
               </a:p>
               <a:p>
                 <a:r>
-                  <a:rPr lang="ja-JP" altLang="en-US" sz="2400" dirty="0"/>
-                  <a:t>である。</a:t>
+                  <a:rPr kumimoji="1" lang="ja-JP" altLang="en-US" sz="2400" dirty="0"/>
+                  <a:t>と書ける。</a:t>
                 </a:r>
                 <a:endParaRPr kumimoji="1" lang="en-US" altLang="ja-JP" sz="2400" dirty="0"/>
               </a:p>
             </p:txBody>
           </p:sp>
         </mc:Choice>
-        <mc:Fallback xmlns="">
+        <mc:Fallback>
           <p:sp>
             <p:nvSpPr>
               <p:cNvPr id="3" name="テキスト ボックス 2">
@@ -23156,8 +26890,8 @@
             </p:nvSpPr>
             <p:spPr>
               <a:xfrm>
-                <a:off x="6577779" y="627359"/>
-                <a:ext cx="5702711" cy="5865516"/>
+                <a:off x="6559850" y="1554588"/>
+                <a:ext cx="5702711" cy="4388189"/>
               </a:xfrm>
               <a:prstGeom prst="rect">
                 <a:avLst/>
@@ -23165,7 +26899,7 @@
               <a:blipFill>
                 <a:blip r:embed="rId2"/>
                 <a:stretch>
-                  <a:fillRect l="-1603" b="-1455"/>
+                  <a:fillRect l="-1603" t="-1111" b="-2222"/>
                 </a:stretch>
               </a:blipFill>
             </p:spPr>
@@ -23294,7 +27028,7 @@
 </p:sld>
 </file>
 
-<file path=ppt/slides/slide8.xml><?xml version="1.0" encoding="utf-8"?>
+<file path=ppt/slides/slide9.xml><?xml version="1.0" encoding="utf-8"?>
 <p:sld xmlns:a="http://schemas.openxmlformats.org/drawingml/2006/main" xmlns:r="http://schemas.openxmlformats.org/officeDocument/2006/relationships" xmlns:p="http://schemas.openxmlformats.org/presentationml/2006/main">
   <p:cSld>
     <p:spTree>
@@ -23334,7 +27068,7 @@
           <a:p>
             <a:fld id="{BAC09C9C-7DB0-444B-A568-405A39CC84C0}" type="slidenum">
               <a:rPr kumimoji="1" lang="ja-JP" altLang="en-US" smtClean="0"/>
-              <a:t>8</a:t>
+              <a:t>9</a:t>
             </a:fld>
             <a:endParaRPr kumimoji="1" lang="ja-JP" altLang="en-US"/>
           </a:p>
@@ -24769,1503 +28503,6 @@
     <p:extLst>
       <p:ext uri="{BB962C8B-B14F-4D97-AF65-F5344CB8AC3E}">
         <p14:creationId xmlns:p14="http://schemas.microsoft.com/office/powerpoint/2010/main" val="1754570413"/>
-      </p:ext>
-    </p:extLst>
-  </p:cSld>
-  <p:clrMapOvr>
-    <a:masterClrMapping/>
-  </p:clrMapOvr>
-</p:sld>
-</file>
-
-<file path=ppt/slides/slide9.xml><?xml version="1.0" encoding="utf-8"?>
-<p:sld xmlns:a="http://schemas.openxmlformats.org/drawingml/2006/main" xmlns:r="http://schemas.openxmlformats.org/officeDocument/2006/relationships" xmlns:p="http://schemas.openxmlformats.org/presentationml/2006/main">
-  <p:cSld>
-    <p:spTree>
-      <p:nvGrpSpPr>
-        <p:cNvPr id="1" name=""/>
-        <p:cNvGrpSpPr/>
-        <p:nvPr/>
-      </p:nvGrpSpPr>
-      <p:grpSpPr>
-        <a:xfrm>
-          <a:off x="0" y="0"/>
-          <a:ext cx="0" cy="0"/>
-          <a:chOff x="0" y="0"/>
-          <a:chExt cx="0" cy="0"/>
-        </a:xfrm>
-      </p:grpSpPr>
-      <p:sp>
-        <p:nvSpPr>
-          <p:cNvPr id="2" name="タイトル 1">
-            <a:extLst>
-              <a:ext uri="{FF2B5EF4-FFF2-40B4-BE49-F238E27FC236}">
-                <a16:creationId xmlns:a16="http://schemas.microsoft.com/office/drawing/2014/main" id="{31B2943F-5BF2-E5C8-E087-58FB702DA8C9}"/>
-              </a:ext>
-            </a:extLst>
-          </p:cNvPr>
-          <p:cNvSpPr>
-            <a:spLocks noGrp="1"/>
-          </p:cNvSpPr>
-          <p:nvPr>
-            <p:ph type="title"/>
-          </p:nvPr>
-        </p:nvSpPr>
-        <p:spPr/>
-        <p:txBody>
-          <a:bodyPr/>
-          <a:lstStyle/>
-          <a:p>
-            <a:r>
-              <a:rPr lang="ja-JP" altLang="en-US" dirty="0"/>
-              <a:t>直流設計 </a:t>
-            </a:r>
-            <a:r>
-              <a:rPr lang="en-US" altLang="ja-JP" dirty="0"/>
-              <a:t>– </a:t>
-            </a:r>
-            <a:r>
-              <a:rPr lang="ja-JP" altLang="en-US" dirty="0"/>
-              <a:t>電圧値</a:t>
-            </a:r>
-          </a:p>
-        </p:txBody>
-      </p:sp>
-      <p:sp>
-        <p:nvSpPr>
-          <p:cNvPr id="3" name="スライド番号プレースホルダー 2">
-            <a:extLst>
-              <a:ext uri="{FF2B5EF4-FFF2-40B4-BE49-F238E27FC236}">
-                <a16:creationId xmlns:a16="http://schemas.microsoft.com/office/drawing/2014/main" id="{F6906DFE-F0E2-9E6D-9FDA-EAA817281D39}"/>
-              </a:ext>
-            </a:extLst>
-          </p:cNvPr>
-          <p:cNvSpPr>
-            <a:spLocks noGrp="1"/>
-          </p:cNvSpPr>
-          <p:nvPr>
-            <p:ph type="sldNum" sz="quarter" idx="12"/>
-          </p:nvPr>
-        </p:nvSpPr>
-        <p:spPr/>
-        <p:txBody>
-          <a:bodyPr/>
-          <a:lstStyle/>
-          <a:p>
-            <a:fld id="{BAC09C9C-7DB0-444B-A568-405A39CC84C0}" type="slidenum">
-              <a:rPr kumimoji="1" lang="ja-JP" altLang="en-US" smtClean="0"/>
-              <a:t>9</a:t>
-            </a:fld>
-            <a:endParaRPr kumimoji="1" lang="ja-JP" altLang="en-US"/>
-          </a:p>
-        </p:txBody>
-      </p:sp>
-      <p:pic>
-        <p:nvPicPr>
-          <p:cNvPr id="4" name="図 3" descr="星のマーク&#10;&#10;中程度の精度で自動的に生成された説明">
-            <a:extLst>
-              <a:ext uri="{FF2B5EF4-FFF2-40B4-BE49-F238E27FC236}">
-                <a16:creationId xmlns:a16="http://schemas.microsoft.com/office/drawing/2014/main" id="{F65043F3-84B5-4FC9-84EC-62316BBFA026}"/>
-              </a:ext>
-            </a:extLst>
-          </p:cNvPr>
-          <p:cNvPicPr>
-            <a:picLocks noChangeAspect="1"/>
-          </p:cNvPicPr>
-          <p:nvPr/>
-        </p:nvPicPr>
-        <p:blipFill>
-          <a:blip r:embed="rId2">
-            <a:extLst>
-              <a:ext uri="{28A0092B-C50C-407E-A947-70E740481C1C}">
-                <a14:useLocalDpi xmlns:a14="http://schemas.microsoft.com/office/drawing/2010/main" val="0"/>
-              </a:ext>
-            </a:extLst>
-          </a:blip>
-          <a:stretch>
-            <a:fillRect/>
-          </a:stretch>
-        </p:blipFill>
-        <p:spPr>
-          <a:xfrm>
-            <a:off x="-380172" y="1192271"/>
-            <a:ext cx="7288621" cy="5576170"/>
-          </a:xfrm>
-          <a:prstGeom prst="rect">
-            <a:avLst/>
-          </a:prstGeom>
-        </p:spPr>
-      </p:pic>
-      <mc:AlternateContent xmlns:mc="http://schemas.openxmlformats.org/markup-compatibility/2006" xmlns:a14="http://schemas.microsoft.com/office/drawing/2010/main">
-        <mc:Choice Requires="a14">
-          <p:graphicFrame>
-            <p:nvGraphicFramePr>
-              <p:cNvPr id="5" name="表 5">
-                <a:extLst>
-                  <a:ext uri="{FF2B5EF4-FFF2-40B4-BE49-F238E27FC236}">
-                    <a16:creationId xmlns:a16="http://schemas.microsoft.com/office/drawing/2014/main" id="{E11DF7B4-A9E5-3F71-9700-02E5CFE547B2}"/>
-                  </a:ext>
-                </a:extLst>
-              </p:cNvPr>
-              <p:cNvGraphicFramePr>
-                <a:graphicFrameLocks noGrp="1"/>
-              </p:cNvGraphicFramePr>
-              <p:nvPr>
-                <p:extLst>
-                  <p:ext uri="{D42A27DB-BD31-4B8C-83A1-F6EECF244321}">
-                    <p14:modId xmlns:p14="http://schemas.microsoft.com/office/powerpoint/2010/main" val="355353991"/>
-                  </p:ext>
-                </p:extLst>
-              </p:nvPr>
-            </p:nvGraphicFramePr>
-            <p:xfrm>
-              <a:off x="6908449" y="1403245"/>
-              <a:ext cx="4751876" cy="1549868"/>
-            </p:xfrm>
-            <a:graphic>
-              <a:graphicData uri="http://schemas.openxmlformats.org/drawingml/2006/table">
-                <a:tbl>
-                  <a:tblPr bandRow="1">
-                    <a:tableStyleId>{7DF18680-E054-41AD-8BC1-D1AEF772440D}</a:tableStyleId>
-                  </a:tblPr>
-                  <a:tblGrid>
-                    <a:gridCol w="1187969">
-                      <a:extLst>
-                        <a:ext uri="{9D8B030D-6E8A-4147-A177-3AD203B41FA5}">
-                          <a16:colId xmlns:a16="http://schemas.microsoft.com/office/drawing/2014/main" val="313841952"/>
-                        </a:ext>
-                      </a:extLst>
-                    </a:gridCol>
-                    <a:gridCol w="1187969">
-                      <a:extLst>
-                        <a:ext uri="{9D8B030D-6E8A-4147-A177-3AD203B41FA5}">
-                          <a16:colId xmlns:a16="http://schemas.microsoft.com/office/drawing/2014/main" val="3311747053"/>
-                        </a:ext>
-                      </a:extLst>
-                    </a:gridCol>
-                    <a:gridCol w="1187969">
-                      <a:extLst>
-                        <a:ext uri="{9D8B030D-6E8A-4147-A177-3AD203B41FA5}">
-                          <a16:colId xmlns:a16="http://schemas.microsoft.com/office/drawing/2014/main" val="1512227238"/>
-                        </a:ext>
-                      </a:extLst>
-                    </a:gridCol>
-                    <a:gridCol w="1187969">
-                      <a:extLst>
-                        <a:ext uri="{9D8B030D-6E8A-4147-A177-3AD203B41FA5}">
-                          <a16:colId xmlns:a16="http://schemas.microsoft.com/office/drawing/2014/main" val="1269662841"/>
-                        </a:ext>
-                      </a:extLst>
-                    </a:gridCol>
-                  </a:tblGrid>
-                  <a:tr h="387467">
-                    <a:tc gridSpan="4">
-                      <a:txBody>
-                        <a:bodyPr/>
-                        <a:lstStyle/>
-                        <a:p>
-                          <a:pPr algn="ctr"/>
-                          <a14:m>
-                            <m:oMathPara xmlns:m="http://schemas.openxmlformats.org/officeDocument/2006/math">
-                              <m:oMathParaPr>
-                                <m:jc m:val="centerGroup"/>
-                              </m:oMathParaPr>
-                              <m:oMath xmlns:m="http://schemas.openxmlformats.org/officeDocument/2006/math">
-                                <m:r>
-                                  <a:rPr kumimoji="1" lang="ja-JP" altLang="en-US" b="0" i="1" smtClean="0">
-                                    <a:latin typeface="Cambria Math" panose="02040503050406030204" pitchFamily="18" charset="0"/>
-                                  </a:rPr>
-                                  <m:t>直流電位</m:t>
-                                </m:r>
-                                <m:r>
-                                  <a:rPr kumimoji="1" lang="en-US" altLang="ja-JP" b="0" i="0" smtClean="0">
-                                    <a:latin typeface="Cambria Math" panose="02040503050406030204" pitchFamily="18" charset="0"/>
-                                  </a:rPr>
-                                  <m:t> [</m:t>
-                                </m:r>
-                                <m:r>
-                                  <m:rPr>
-                                    <m:sty m:val="p"/>
-                                  </m:rPr>
-                                  <a:rPr kumimoji="1" lang="en-US" altLang="ja-JP" b="0" i="0" smtClean="0">
-                                    <a:latin typeface="Cambria Math" panose="02040503050406030204" pitchFamily="18" charset="0"/>
-                                  </a:rPr>
-                                  <m:t>V</m:t>
-                                </m:r>
-                                <m:r>
-                                  <a:rPr kumimoji="1" lang="en-US" altLang="ja-JP" b="0" i="1" smtClean="0">
-                                    <a:latin typeface="Cambria Math" panose="02040503050406030204" pitchFamily="18" charset="0"/>
-                                  </a:rPr>
-                                  <m:t>]</m:t>
-                                </m:r>
-                              </m:oMath>
-                            </m:oMathPara>
-                          </a14:m>
-                          <a:endParaRPr kumimoji="1" lang="ja-JP" altLang="en-US" dirty="0"/>
-                        </a:p>
-                      </a:txBody>
-                      <a:tcPr/>
-                    </a:tc>
-                    <a:tc hMerge="1">
-                      <a:txBody>
-                        <a:bodyPr/>
-                        <a:lstStyle/>
-                        <a:p>
-                          <a:pPr algn="ctr"/>
-                          <a:endParaRPr kumimoji="1" lang="ja-JP" altLang="en-US" dirty="0"/>
-                        </a:p>
-                      </a:txBody>
-                      <a:tcPr/>
-                    </a:tc>
-                    <a:tc hMerge="1">
-                      <a:txBody>
-                        <a:bodyPr/>
-                        <a:lstStyle/>
-                        <a:p>
-                          <a:pPr algn="ctr"/>
-                          <a:endParaRPr kumimoji="1" lang="ja-JP" altLang="en-US" dirty="0"/>
-                        </a:p>
-                      </a:txBody>
-                      <a:tcPr/>
-                    </a:tc>
-                    <a:tc hMerge="1">
-                      <a:txBody>
-                        <a:bodyPr/>
-                        <a:lstStyle/>
-                        <a:p>
-                          <a:pPr algn="ctr"/>
-                          <a:endParaRPr kumimoji="1" lang="ja-JP" altLang="en-US" dirty="0"/>
-                        </a:p>
-                      </a:txBody>
-                      <a:tcPr/>
-                    </a:tc>
-                    <a:extLst>
-                      <a:ext uri="{0D108BD9-81ED-4DB2-BD59-A6C34878D82A}">
-                        <a16:rowId xmlns:a16="http://schemas.microsoft.com/office/drawing/2014/main" val="3562636491"/>
-                      </a:ext>
-                    </a:extLst>
-                  </a:tr>
-                  <a:tr h="387467">
-                    <a:tc>
-                      <a:txBody>
-                        <a:bodyPr/>
-                        <a:lstStyle/>
-                        <a:p>
-                          <a:pPr algn="ctr"/>
-                          <a14:m>
-                            <m:oMathPara xmlns:m="http://schemas.openxmlformats.org/officeDocument/2006/math">
-                              <m:oMathParaPr>
-                                <m:jc m:val="centerGroup"/>
-                              </m:oMathParaPr>
-                              <m:oMath xmlns:m="http://schemas.openxmlformats.org/officeDocument/2006/math">
-                                <m:sSub>
-                                  <m:sSubPr>
-                                    <m:ctrlPr>
-                                      <a:rPr kumimoji="1" lang="en-US" altLang="ja-JP" b="0" i="1" smtClean="0">
-                                        <a:latin typeface="Cambria Math" panose="02040503050406030204" pitchFamily="18" charset="0"/>
-                                      </a:rPr>
-                                    </m:ctrlPr>
-                                  </m:sSubPr>
-                                  <m:e>
-                                    <m:r>
-                                      <a:rPr kumimoji="1" lang="en-US" altLang="ja-JP" b="0" i="1" smtClean="0">
-                                        <a:latin typeface="Cambria Math" panose="02040503050406030204" pitchFamily="18" charset="0"/>
-                                      </a:rPr>
-                                      <m:t>𝑉</m:t>
-                                    </m:r>
-                                  </m:e>
-                                  <m:sub>
-                                    <m:r>
-                                      <a:rPr kumimoji="1" lang="en-US" altLang="ja-JP" b="0" i="1" smtClean="0">
-                                        <a:latin typeface="Cambria Math" panose="02040503050406030204" pitchFamily="18" charset="0"/>
-                                      </a:rPr>
-                                      <m:t>𝑜𝑢𝑡</m:t>
-                                    </m:r>
-                                  </m:sub>
-                                </m:sSub>
-                              </m:oMath>
-                            </m:oMathPara>
-                          </a14:m>
-                          <a:endParaRPr kumimoji="1" lang="ja-JP" altLang="en-US" dirty="0"/>
-                        </a:p>
-                      </a:txBody>
-                      <a:tcPr/>
-                    </a:tc>
-                    <a:tc>
-                      <a:txBody>
-                        <a:bodyPr/>
-                        <a:lstStyle/>
-                        <a:p>
-                          <a:pPr algn="ctr"/>
-                          <a14:m>
-                            <m:oMathPara xmlns:m="http://schemas.openxmlformats.org/officeDocument/2006/math">
-                              <m:oMathParaPr>
-                                <m:jc m:val="centerGroup"/>
-                              </m:oMathParaPr>
-                              <m:oMath xmlns:m="http://schemas.openxmlformats.org/officeDocument/2006/math">
-                                <m:r>
-                                  <a:rPr kumimoji="1" lang="en-US" altLang="ja-JP" b="0" i="1" smtClean="0">
-                                    <a:latin typeface="Cambria Math" panose="02040503050406030204" pitchFamily="18" charset="0"/>
-                                  </a:rPr>
-                                  <m:t>1.5</m:t>
-                                </m:r>
-                              </m:oMath>
-                            </m:oMathPara>
-                          </a14:m>
-                          <a:endParaRPr kumimoji="1" lang="ja-JP" altLang="en-US" dirty="0"/>
-                        </a:p>
-                      </a:txBody>
-                      <a:tcPr/>
-                    </a:tc>
-                    <a:tc>
-                      <a:txBody>
-                        <a:bodyPr/>
-                        <a:lstStyle/>
-                        <a:p>
-                          <a:pPr algn="ctr"/>
-                          <a14:m>
-                            <m:oMathPara xmlns:m="http://schemas.openxmlformats.org/officeDocument/2006/math">
-                              <m:oMathParaPr>
-                                <m:jc m:val="centerGroup"/>
-                              </m:oMathParaPr>
-                              <m:oMath xmlns:m="http://schemas.openxmlformats.org/officeDocument/2006/math">
-                                <m:sSub>
-                                  <m:sSubPr>
-                                    <m:ctrlPr>
-                                      <a:rPr kumimoji="1" lang="en-US" altLang="ja-JP" b="0" i="1" smtClean="0">
-                                        <a:latin typeface="Cambria Math" panose="02040503050406030204" pitchFamily="18" charset="0"/>
-                                      </a:rPr>
-                                    </m:ctrlPr>
-                                  </m:sSubPr>
-                                  <m:e>
-                                    <m:r>
-                                      <a:rPr kumimoji="1" lang="en-US" altLang="ja-JP" b="0" i="1" smtClean="0">
-                                        <a:latin typeface="Cambria Math" panose="02040503050406030204" pitchFamily="18" charset="0"/>
-                                      </a:rPr>
-                                      <m:t>𝑉</m:t>
-                                    </m:r>
-                                  </m:e>
-                                  <m:sub>
-                                    <m:r>
-                                      <a:rPr kumimoji="1" lang="en-US" altLang="ja-JP" b="0" i="1" smtClean="0">
-                                        <a:latin typeface="Cambria Math" panose="02040503050406030204" pitchFamily="18" charset="0"/>
-                                      </a:rPr>
-                                      <m:t>𝐴</m:t>
-                                    </m:r>
-                                  </m:sub>
-                                </m:sSub>
-                              </m:oMath>
-                            </m:oMathPara>
-                          </a14:m>
-                          <a:endParaRPr kumimoji="1" lang="ja-JP" altLang="en-US" dirty="0"/>
-                        </a:p>
-                      </a:txBody>
-                      <a:tcPr/>
-                    </a:tc>
-                    <a:tc>
-                      <a:txBody>
-                        <a:bodyPr/>
-                        <a:lstStyle/>
-                        <a:p>
-                          <a:pPr algn="ctr"/>
-                          <a14:m>
-                            <m:oMathPara xmlns:m="http://schemas.openxmlformats.org/officeDocument/2006/math">
-                              <m:oMathParaPr>
-                                <m:jc m:val="centerGroup"/>
-                              </m:oMathParaPr>
-                              <m:oMath xmlns:m="http://schemas.openxmlformats.org/officeDocument/2006/math">
-                                <m:r>
-                                  <a:rPr kumimoji="1" lang="en-US" altLang="ja-JP" b="0" i="1" smtClean="0">
-                                    <a:latin typeface="Cambria Math" panose="02040503050406030204" pitchFamily="18" charset="0"/>
-                                  </a:rPr>
-                                  <m:t>1.4</m:t>
-                                </m:r>
-                              </m:oMath>
-                            </m:oMathPara>
-                          </a14:m>
-                          <a:endParaRPr kumimoji="1" lang="ja-JP" altLang="en-US" dirty="0"/>
-                        </a:p>
-                      </a:txBody>
-                      <a:tcPr/>
-                    </a:tc>
-                    <a:extLst>
-                      <a:ext uri="{0D108BD9-81ED-4DB2-BD59-A6C34878D82A}">
-                        <a16:rowId xmlns:a16="http://schemas.microsoft.com/office/drawing/2014/main" val="3003863472"/>
-                      </a:ext>
-                    </a:extLst>
-                  </a:tr>
-                  <a:tr h="387467">
-                    <a:tc>
-                      <a:txBody>
-                        <a:bodyPr/>
-                        <a:lstStyle/>
-                        <a:p>
-                          <a:pPr algn="ctr"/>
-                          <a14:m>
-                            <m:oMathPara xmlns:m="http://schemas.openxmlformats.org/officeDocument/2006/math">
-                              <m:oMathParaPr>
-                                <m:jc m:val="centerGroup"/>
-                              </m:oMathParaPr>
-                              <m:oMath xmlns:m="http://schemas.openxmlformats.org/officeDocument/2006/math">
-                                <m:sSub>
-                                  <m:sSubPr>
-                                    <m:ctrlPr>
-                                      <a:rPr kumimoji="1" lang="en-US" altLang="ja-JP" b="0" i="1" smtClean="0">
-                                        <a:latin typeface="Cambria Math" panose="02040503050406030204" pitchFamily="18" charset="0"/>
-                                      </a:rPr>
-                                    </m:ctrlPr>
-                                  </m:sSubPr>
-                                  <m:e>
-                                    <m:r>
-                                      <a:rPr kumimoji="1" lang="en-US" altLang="ja-JP" b="0" i="1" smtClean="0">
-                                        <a:latin typeface="Cambria Math" panose="02040503050406030204" pitchFamily="18" charset="0"/>
-                                      </a:rPr>
-                                      <m:t>𝑉</m:t>
-                                    </m:r>
-                                  </m:e>
-                                  <m:sub>
-                                    <m:r>
-                                      <a:rPr kumimoji="1" lang="en-US" altLang="ja-JP" b="0" i="1" smtClean="0">
-                                        <a:latin typeface="Cambria Math" panose="02040503050406030204" pitchFamily="18" charset="0"/>
-                                      </a:rPr>
-                                      <m:t>𝐴𝐵</m:t>
-                                    </m:r>
-                                  </m:sub>
-                                </m:sSub>
-                              </m:oMath>
-                            </m:oMathPara>
-                          </a14:m>
-                          <a:endParaRPr kumimoji="1" lang="ja-JP" altLang="en-US" dirty="0"/>
-                        </a:p>
-                      </a:txBody>
-                      <a:tcPr/>
-                    </a:tc>
-                    <a:tc>
-                      <a:txBody>
-                        <a:bodyPr/>
-                        <a:lstStyle/>
-                        <a:p>
-                          <a:pPr algn="ctr"/>
-                          <a14:m>
-                            <m:oMathPara xmlns:m="http://schemas.openxmlformats.org/officeDocument/2006/math">
-                              <m:oMathParaPr>
-                                <m:jc m:val="centerGroup"/>
-                              </m:oMathParaPr>
-                              <m:oMath xmlns:m="http://schemas.openxmlformats.org/officeDocument/2006/math">
-                                <m:r>
-                                  <a:rPr kumimoji="1" lang="en-US" altLang="ja-JP" b="0" i="1" smtClean="0">
-                                    <a:latin typeface="Cambria Math" panose="02040503050406030204" pitchFamily="18" charset="0"/>
-                                  </a:rPr>
-                                  <m:t>0.7</m:t>
-                                </m:r>
-                              </m:oMath>
-                            </m:oMathPara>
-                          </a14:m>
-                          <a:endParaRPr kumimoji="1" lang="ja-JP" altLang="en-US" dirty="0"/>
-                        </a:p>
-                      </a:txBody>
-                      <a:tcPr/>
-                    </a:tc>
-                    <a:tc>
-                      <a:txBody>
-                        <a:bodyPr/>
-                        <a:lstStyle/>
-                        <a:p>
-                          <a:pPr algn="ctr"/>
-                          <a14:m>
-                            <m:oMathPara xmlns:m="http://schemas.openxmlformats.org/officeDocument/2006/math">
-                              <m:oMathParaPr>
-                                <m:jc m:val="centerGroup"/>
-                              </m:oMathParaPr>
-                              <m:oMath xmlns:m="http://schemas.openxmlformats.org/officeDocument/2006/math">
-                                <m:sSub>
-                                  <m:sSubPr>
-                                    <m:ctrlPr>
-                                      <a:rPr kumimoji="1" lang="en-US" altLang="ja-JP" b="0" i="1" smtClean="0">
-                                        <a:latin typeface="Cambria Math" panose="02040503050406030204" pitchFamily="18" charset="0"/>
-                                      </a:rPr>
-                                    </m:ctrlPr>
-                                  </m:sSubPr>
-                                  <m:e>
-                                    <m:r>
-                                      <a:rPr kumimoji="1" lang="en-US" altLang="ja-JP" b="0" i="1" smtClean="0">
-                                        <a:latin typeface="Cambria Math" panose="02040503050406030204" pitchFamily="18" charset="0"/>
-                                      </a:rPr>
-                                      <m:t>𝑉</m:t>
-                                    </m:r>
-                                  </m:e>
-                                  <m:sub>
-                                    <m:r>
-                                      <a:rPr kumimoji="1" lang="en-US" altLang="ja-JP" b="0" i="1" smtClean="0">
-                                        <a:latin typeface="Cambria Math" panose="02040503050406030204" pitchFamily="18" charset="0"/>
-                                      </a:rPr>
-                                      <m:t>𝐵</m:t>
-                                    </m:r>
-                                  </m:sub>
-                                </m:sSub>
-                              </m:oMath>
-                            </m:oMathPara>
-                          </a14:m>
-                          <a:endParaRPr kumimoji="1" lang="ja-JP" altLang="en-US" dirty="0"/>
-                        </a:p>
-                      </a:txBody>
-                      <a:tcPr/>
-                    </a:tc>
-                    <a:tc>
-                      <a:txBody>
-                        <a:bodyPr/>
-                        <a:lstStyle/>
-                        <a:p>
-                          <a:pPr algn="ctr"/>
-                          <a14:m>
-                            <m:oMathPara xmlns:m="http://schemas.openxmlformats.org/officeDocument/2006/math">
-                              <m:oMathParaPr>
-                                <m:jc m:val="centerGroup"/>
-                              </m:oMathParaPr>
-                              <m:oMath xmlns:m="http://schemas.openxmlformats.org/officeDocument/2006/math">
-                                <m:r>
-                                  <a:rPr kumimoji="1" lang="en-US" altLang="ja-JP" b="0" i="1" smtClean="0">
-                                    <a:latin typeface="Cambria Math" panose="02040503050406030204" pitchFamily="18" charset="0"/>
-                                  </a:rPr>
-                                  <m:t>0.9</m:t>
-                                </m:r>
-                              </m:oMath>
-                            </m:oMathPara>
-                          </a14:m>
-                          <a:endParaRPr kumimoji="1" lang="ja-JP" altLang="en-US" dirty="0"/>
-                        </a:p>
-                      </a:txBody>
-                      <a:tcPr/>
-                    </a:tc>
-                    <a:extLst>
-                      <a:ext uri="{0D108BD9-81ED-4DB2-BD59-A6C34878D82A}">
-                        <a16:rowId xmlns:a16="http://schemas.microsoft.com/office/drawing/2014/main" val="1203789361"/>
-                      </a:ext>
-                    </a:extLst>
-                  </a:tr>
-                  <a:tr h="387467">
-                    <a:tc>
-                      <a:txBody>
-                        <a:bodyPr/>
-                        <a:lstStyle/>
-                        <a:p>
-                          <a:pPr algn="ctr"/>
-                          <a14:m>
-                            <m:oMathPara xmlns:m="http://schemas.openxmlformats.org/officeDocument/2006/math">
-                              <m:oMathParaPr>
-                                <m:jc m:val="centerGroup"/>
-                              </m:oMathParaPr>
-                              <m:oMath xmlns:m="http://schemas.openxmlformats.org/officeDocument/2006/math">
-                                <m:sSub>
-                                  <m:sSubPr>
-                                    <m:ctrlPr>
-                                      <a:rPr kumimoji="1" lang="en-US" altLang="ja-JP" b="0" i="1" smtClean="0">
-                                        <a:latin typeface="Cambria Math" panose="02040503050406030204" pitchFamily="18" charset="0"/>
-                                      </a:rPr>
-                                    </m:ctrlPr>
-                                  </m:sSubPr>
-                                  <m:e>
-                                    <m:r>
-                                      <a:rPr kumimoji="1" lang="en-US" altLang="ja-JP" b="0" i="1" smtClean="0">
-                                        <a:latin typeface="Cambria Math" panose="02040503050406030204" pitchFamily="18" charset="0"/>
-                                      </a:rPr>
-                                      <m:t>𝑉</m:t>
-                                    </m:r>
-                                  </m:e>
-                                  <m:sub>
-                                    <m:r>
-                                      <a:rPr kumimoji="1" lang="en-US" altLang="ja-JP" b="0" i="1" smtClean="0">
-                                        <a:latin typeface="Cambria Math" panose="02040503050406030204" pitchFamily="18" charset="0"/>
-                                      </a:rPr>
-                                      <m:t>𝑆</m:t>
-                                    </m:r>
-                                  </m:sub>
-                                </m:sSub>
-                              </m:oMath>
-                            </m:oMathPara>
-                          </a14:m>
-                          <a:endParaRPr kumimoji="1" lang="ja-JP" altLang="en-US" dirty="0"/>
-                        </a:p>
-                      </a:txBody>
-                      <a:tcPr/>
-                    </a:tc>
-                    <a:tc>
-                      <a:txBody>
-                        <a:bodyPr/>
-                        <a:lstStyle/>
-                        <a:p>
-                          <a:pPr algn="ctr"/>
-                          <a14:m>
-                            <m:oMathPara xmlns:m="http://schemas.openxmlformats.org/officeDocument/2006/math">
-                              <m:oMathParaPr>
-                                <m:jc m:val="centerGroup"/>
-                              </m:oMathParaPr>
-                              <m:oMath xmlns:m="http://schemas.openxmlformats.org/officeDocument/2006/math">
-                                <m:r>
-                                  <a:rPr kumimoji="1" lang="en-US" altLang="ja-JP" b="0" i="1" smtClean="0">
-                                    <a:latin typeface="Cambria Math" panose="02040503050406030204" pitchFamily="18" charset="0"/>
-                                  </a:rPr>
-                                  <m:t>0.2</m:t>
-                                </m:r>
-                              </m:oMath>
-                            </m:oMathPara>
-                          </a14:m>
-                          <a:endParaRPr kumimoji="1" lang="ja-JP" altLang="en-US" dirty="0"/>
-                        </a:p>
-                      </a:txBody>
-                      <a:tcPr/>
-                    </a:tc>
-                    <a:tc>
-                      <a:txBody>
-                        <a:bodyPr/>
-                        <a:lstStyle/>
-                        <a:p>
-                          <a:pPr algn="ctr"/>
-                          <a14:m>
-                            <m:oMathPara xmlns:m="http://schemas.openxmlformats.org/officeDocument/2006/math">
-                              <m:oMathParaPr>
-                                <m:jc m:val="centerGroup"/>
-                              </m:oMathParaPr>
-                              <m:oMath xmlns:m="http://schemas.openxmlformats.org/officeDocument/2006/math">
-                                <m:sSub>
-                                  <m:sSubPr>
-                                    <m:ctrlPr>
-                                      <a:rPr kumimoji="1" lang="en-US" altLang="ja-JP" b="0" i="1" smtClean="0">
-                                        <a:latin typeface="Cambria Math" panose="02040503050406030204" pitchFamily="18" charset="0"/>
-                                      </a:rPr>
-                                    </m:ctrlPr>
-                                  </m:sSubPr>
-                                  <m:e>
-                                    <m:r>
-                                      <a:rPr kumimoji="1" lang="en-US" altLang="ja-JP" b="0" i="1" smtClean="0">
-                                        <a:latin typeface="Cambria Math" panose="02040503050406030204" pitchFamily="18" charset="0"/>
-                                      </a:rPr>
-                                      <m:t>𝑉</m:t>
-                                    </m:r>
-                                  </m:e>
-                                  <m:sub>
-                                    <m:r>
-                                      <a:rPr kumimoji="1" lang="en-US" altLang="ja-JP" b="0" i="1" smtClean="0">
-                                        <a:latin typeface="Cambria Math" panose="02040503050406030204" pitchFamily="18" charset="0"/>
-                                      </a:rPr>
-                                      <m:t>𝐶</m:t>
-                                    </m:r>
-                                  </m:sub>
-                                </m:sSub>
-                              </m:oMath>
-                            </m:oMathPara>
-                          </a14:m>
-                          <a:endParaRPr kumimoji="1" lang="ja-JP" altLang="en-US" dirty="0"/>
-                        </a:p>
-                      </a:txBody>
-                      <a:tcPr/>
-                    </a:tc>
-                    <a:tc>
-                      <a:txBody>
-                        <a:bodyPr/>
-                        <a:lstStyle/>
-                        <a:p>
-                          <a:pPr algn="ctr"/>
-                          <a14:m>
-                            <m:oMathPara xmlns:m="http://schemas.openxmlformats.org/officeDocument/2006/math">
-                              <m:oMathParaPr>
-                                <m:jc m:val="centerGroup"/>
-                              </m:oMathParaPr>
-                              <m:oMath xmlns:m="http://schemas.openxmlformats.org/officeDocument/2006/math">
-                                <m:r>
-                                  <a:rPr kumimoji="1" lang="en-US" altLang="ja-JP" b="0" i="1" smtClean="0">
-                                    <a:latin typeface="Cambria Math" panose="02040503050406030204" pitchFamily="18" charset="0"/>
-                                  </a:rPr>
-                                  <m:t>0.7</m:t>
-                                </m:r>
-                              </m:oMath>
-                            </m:oMathPara>
-                          </a14:m>
-                          <a:endParaRPr kumimoji="1" lang="ja-JP" altLang="en-US" dirty="0"/>
-                        </a:p>
-                      </a:txBody>
-                      <a:tcPr/>
-                    </a:tc>
-                    <a:extLst>
-                      <a:ext uri="{0D108BD9-81ED-4DB2-BD59-A6C34878D82A}">
-                        <a16:rowId xmlns:a16="http://schemas.microsoft.com/office/drawing/2014/main" val="3407156366"/>
-                      </a:ext>
-                    </a:extLst>
-                  </a:tr>
-                </a:tbl>
-              </a:graphicData>
-            </a:graphic>
-          </p:graphicFrame>
-        </mc:Choice>
-        <mc:Fallback xmlns="">
-          <p:graphicFrame>
-            <p:nvGraphicFramePr>
-              <p:cNvPr id="5" name="表 5">
-                <a:extLst>
-                  <a:ext uri="{FF2B5EF4-FFF2-40B4-BE49-F238E27FC236}">
-                    <a16:creationId xmlns:a16="http://schemas.microsoft.com/office/drawing/2014/main" id="{E11DF7B4-A9E5-3F71-9700-02E5CFE547B2}"/>
-                  </a:ext>
-                </a:extLst>
-              </p:cNvPr>
-              <p:cNvGraphicFramePr>
-                <a:graphicFrameLocks noGrp="1"/>
-              </p:cNvGraphicFramePr>
-              <p:nvPr>
-                <p:extLst>
-                  <p:ext uri="{D42A27DB-BD31-4B8C-83A1-F6EECF244321}">
-                    <p14:modId xmlns:p14="http://schemas.microsoft.com/office/powerpoint/2010/main" val="355353991"/>
-                  </p:ext>
-                </p:extLst>
-              </p:nvPr>
-            </p:nvGraphicFramePr>
-            <p:xfrm>
-              <a:off x="6908449" y="1403245"/>
-              <a:ext cx="4751876" cy="1549868"/>
-            </p:xfrm>
-            <a:graphic>
-              <a:graphicData uri="http://schemas.openxmlformats.org/drawingml/2006/table">
-                <a:tbl>
-                  <a:tblPr bandRow="1">
-                    <a:tableStyleId>{7DF18680-E054-41AD-8BC1-D1AEF772440D}</a:tableStyleId>
-                  </a:tblPr>
-                  <a:tblGrid>
-                    <a:gridCol w="1187969">
-                      <a:extLst>
-                        <a:ext uri="{9D8B030D-6E8A-4147-A177-3AD203B41FA5}">
-                          <a16:colId xmlns:a16="http://schemas.microsoft.com/office/drawing/2014/main" val="313841952"/>
-                        </a:ext>
-                      </a:extLst>
-                    </a:gridCol>
-                    <a:gridCol w="1187969">
-                      <a:extLst>
-                        <a:ext uri="{9D8B030D-6E8A-4147-A177-3AD203B41FA5}">
-                          <a16:colId xmlns:a16="http://schemas.microsoft.com/office/drawing/2014/main" val="3311747053"/>
-                        </a:ext>
-                      </a:extLst>
-                    </a:gridCol>
-                    <a:gridCol w="1187969">
-                      <a:extLst>
-                        <a:ext uri="{9D8B030D-6E8A-4147-A177-3AD203B41FA5}">
-                          <a16:colId xmlns:a16="http://schemas.microsoft.com/office/drawing/2014/main" val="1512227238"/>
-                        </a:ext>
-                      </a:extLst>
-                    </a:gridCol>
-                    <a:gridCol w="1187969">
-                      <a:extLst>
-                        <a:ext uri="{9D8B030D-6E8A-4147-A177-3AD203B41FA5}">
-                          <a16:colId xmlns:a16="http://schemas.microsoft.com/office/drawing/2014/main" val="1269662841"/>
-                        </a:ext>
-                      </a:extLst>
-                    </a:gridCol>
-                  </a:tblGrid>
-                  <a:tr h="387467">
-                    <a:tc gridSpan="4">
-                      <a:txBody>
-                        <a:bodyPr/>
-                        <a:lstStyle/>
-                        <a:p>
-                          <a:endParaRPr lang="ja-JP"/>
-                        </a:p>
-                      </a:txBody>
-                      <a:tcPr>
-                        <a:blipFill>
-                          <a:blip r:embed="rId3"/>
-                          <a:stretch>
-                            <a:fillRect l="-128" t="-1563" r="-256" b="-301563"/>
-                          </a:stretch>
-                        </a:blipFill>
-                      </a:tcPr>
-                    </a:tc>
-                    <a:tc hMerge="1">
-                      <a:txBody>
-                        <a:bodyPr/>
-                        <a:lstStyle/>
-                        <a:p>
-                          <a:pPr algn="ctr"/>
-                          <a:endParaRPr kumimoji="1" lang="ja-JP" altLang="en-US" dirty="0"/>
-                        </a:p>
-                      </a:txBody>
-                      <a:tcPr/>
-                    </a:tc>
-                    <a:tc hMerge="1">
-                      <a:txBody>
-                        <a:bodyPr/>
-                        <a:lstStyle/>
-                        <a:p>
-                          <a:pPr algn="ctr"/>
-                          <a:endParaRPr kumimoji="1" lang="ja-JP" altLang="en-US" dirty="0"/>
-                        </a:p>
-                      </a:txBody>
-                      <a:tcPr/>
-                    </a:tc>
-                    <a:tc hMerge="1">
-                      <a:txBody>
-                        <a:bodyPr/>
-                        <a:lstStyle/>
-                        <a:p>
-                          <a:pPr algn="ctr"/>
-                          <a:endParaRPr kumimoji="1" lang="ja-JP" altLang="en-US" dirty="0"/>
-                        </a:p>
-                      </a:txBody>
-                      <a:tcPr/>
-                    </a:tc>
-                    <a:extLst>
-                      <a:ext uri="{0D108BD9-81ED-4DB2-BD59-A6C34878D82A}">
-                        <a16:rowId xmlns:a16="http://schemas.microsoft.com/office/drawing/2014/main" val="3562636491"/>
-                      </a:ext>
-                    </a:extLst>
-                  </a:tr>
-                  <a:tr h="387467">
-                    <a:tc>
-                      <a:txBody>
-                        <a:bodyPr/>
-                        <a:lstStyle/>
-                        <a:p>
-                          <a:endParaRPr lang="ja-JP"/>
-                        </a:p>
-                      </a:txBody>
-                      <a:tcPr>
-                        <a:blipFill>
-                          <a:blip r:embed="rId3"/>
-                          <a:stretch>
-                            <a:fillRect l="-513" t="-101563" r="-301026" b="-201563"/>
-                          </a:stretch>
-                        </a:blipFill>
-                      </a:tcPr>
-                    </a:tc>
-                    <a:tc>
-                      <a:txBody>
-                        <a:bodyPr/>
-                        <a:lstStyle/>
-                        <a:p>
-                          <a:endParaRPr lang="ja-JP"/>
-                        </a:p>
-                      </a:txBody>
-                      <a:tcPr>
-                        <a:blipFill>
-                          <a:blip r:embed="rId3"/>
-                          <a:stretch>
-                            <a:fillRect l="-100513" t="-101563" r="-201026" b="-201563"/>
-                          </a:stretch>
-                        </a:blipFill>
-                      </a:tcPr>
-                    </a:tc>
-                    <a:tc>
-                      <a:txBody>
-                        <a:bodyPr/>
-                        <a:lstStyle/>
-                        <a:p>
-                          <a:endParaRPr lang="ja-JP"/>
-                        </a:p>
-                      </a:txBody>
-                      <a:tcPr>
-                        <a:blipFill>
-                          <a:blip r:embed="rId3"/>
-                          <a:stretch>
-                            <a:fillRect l="-200513" t="-101563" r="-101026" b="-201563"/>
-                          </a:stretch>
-                        </a:blipFill>
-                      </a:tcPr>
-                    </a:tc>
-                    <a:tc>
-                      <a:txBody>
-                        <a:bodyPr/>
-                        <a:lstStyle/>
-                        <a:p>
-                          <a:endParaRPr lang="ja-JP"/>
-                        </a:p>
-                      </a:txBody>
-                      <a:tcPr>
-                        <a:blipFill>
-                          <a:blip r:embed="rId3"/>
-                          <a:stretch>
-                            <a:fillRect l="-300513" t="-101563" r="-1026" b="-201563"/>
-                          </a:stretch>
-                        </a:blipFill>
-                      </a:tcPr>
-                    </a:tc>
-                    <a:extLst>
-                      <a:ext uri="{0D108BD9-81ED-4DB2-BD59-A6C34878D82A}">
-                        <a16:rowId xmlns:a16="http://schemas.microsoft.com/office/drawing/2014/main" val="3003863472"/>
-                      </a:ext>
-                    </a:extLst>
-                  </a:tr>
-                  <a:tr h="387467">
-                    <a:tc>
-                      <a:txBody>
-                        <a:bodyPr/>
-                        <a:lstStyle/>
-                        <a:p>
-                          <a:endParaRPr lang="ja-JP"/>
-                        </a:p>
-                      </a:txBody>
-                      <a:tcPr>
-                        <a:blipFill>
-                          <a:blip r:embed="rId3"/>
-                          <a:stretch>
-                            <a:fillRect l="-513" t="-204762" r="-301026" b="-104762"/>
-                          </a:stretch>
-                        </a:blipFill>
-                      </a:tcPr>
-                    </a:tc>
-                    <a:tc>
-                      <a:txBody>
-                        <a:bodyPr/>
-                        <a:lstStyle/>
-                        <a:p>
-                          <a:endParaRPr lang="ja-JP"/>
-                        </a:p>
-                      </a:txBody>
-                      <a:tcPr>
-                        <a:blipFill>
-                          <a:blip r:embed="rId3"/>
-                          <a:stretch>
-                            <a:fillRect l="-100513" t="-204762" r="-201026" b="-104762"/>
-                          </a:stretch>
-                        </a:blipFill>
-                      </a:tcPr>
-                    </a:tc>
-                    <a:tc>
-                      <a:txBody>
-                        <a:bodyPr/>
-                        <a:lstStyle/>
-                        <a:p>
-                          <a:endParaRPr lang="ja-JP"/>
-                        </a:p>
-                      </a:txBody>
-                      <a:tcPr>
-                        <a:blipFill>
-                          <a:blip r:embed="rId3"/>
-                          <a:stretch>
-                            <a:fillRect l="-200513" t="-204762" r="-101026" b="-104762"/>
-                          </a:stretch>
-                        </a:blipFill>
-                      </a:tcPr>
-                    </a:tc>
-                    <a:tc>
-                      <a:txBody>
-                        <a:bodyPr/>
-                        <a:lstStyle/>
-                        <a:p>
-                          <a:endParaRPr lang="ja-JP"/>
-                        </a:p>
-                      </a:txBody>
-                      <a:tcPr>
-                        <a:blipFill>
-                          <a:blip r:embed="rId3"/>
-                          <a:stretch>
-                            <a:fillRect l="-300513" t="-204762" r="-1026" b="-104762"/>
-                          </a:stretch>
-                        </a:blipFill>
-                      </a:tcPr>
-                    </a:tc>
-                    <a:extLst>
-                      <a:ext uri="{0D108BD9-81ED-4DB2-BD59-A6C34878D82A}">
-                        <a16:rowId xmlns:a16="http://schemas.microsoft.com/office/drawing/2014/main" val="1203789361"/>
-                      </a:ext>
-                    </a:extLst>
-                  </a:tr>
-                  <a:tr h="387467">
-                    <a:tc>
-                      <a:txBody>
-                        <a:bodyPr/>
-                        <a:lstStyle/>
-                        <a:p>
-                          <a:endParaRPr lang="ja-JP"/>
-                        </a:p>
-                      </a:txBody>
-                      <a:tcPr>
-                        <a:blipFill>
-                          <a:blip r:embed="rId3"/>
-                          <a:stretch>
-                            <a:fillRect l="-513" t="-300000" r="-301026" b="-3125"/>
-                          </a:stretch>
-                        </a:blipFill>
-                      </a:tcPr>
-                    </a:tc>
-                    <a:tc>
-                      <a:txBody>
-                        <a:bodyPr/>
-                        <a:lstStyle/>
-                        <a:p>
-                          <a:endParaRPr lang="ja-JP"/>
-                        </a:p>
-                      </a:txBody>
-                      <a:tcPr>
-                        <a:blipFill>
-                          <a:blip r:embed="rId3"/>
-                          <a:stretch>
-                            <a:fillRect l="-100513" t="-300000" r="-201026" b="-3125"/>
-                          </a:stretch>
-                        </a:blipFill>
-                      </a:tcPr>
-                    </a:tc>
-                    <a:tc>
-                      <a:txBody>
-                        <a:bodyPr/>
-                        <a:lstStyle/>
-                        <a:p>
-                          <a:endParaRPr lang="ja-JP"/>
-                        </a:p>
-                      </a:txBody>
-                      <a:tcPr>
-                        <a:blipFill>
-                          <a:blip r:embed="rId3"/>
-                          <a:stretch>
-                            <a:fillRect l="-200513" t="-300000" r="-101026" b="-3125"/>
-                          </a:stretch>
-                        </a:blipFill>
-                      </a:tcPr>
-                    </a:tc>
-                    <a:tc>
-                      <a:txBody>
-                        <a:bodyPr/>
-                        <a:lstStyle/>
-                        <a:p>
-                          <a:endParaRPr lang="ja-JP"/>
-                        </a:p>
-                      </a:txBody>
-                      <a:tcPr>
-                        <a:blipFill>
-                          <a:blip r:embed="rId3"/>
-                          <a:stretch>
-                            <a:fillRect l="-300513" t="-300000" r="-1026" b="-3125"/>
-                          </a:stretch>
-                        </a:blipFill>
-                      </a:tcPr>
-                    </a:tc>
-                    <a:extLst>
-                      <a:ext uri="{0D108BD9-81ED-4DB2-BD59-A6C34878D82A}">
-                        <a16:rowId xmlns:a16="http://schemas.microsoft.com/office/drawing/2014/main" val="3407156366"/>
-                      </a:ext>
-                    </a:extLst>
-                  </a:tr>
-                </a:tbl>
-              </a:graphicData>
-            </a:graphic>
-          </p:graphicFrame>
-        </mc:Fallback>
-      </mc:AlternateContent>
-      <mc:AlternateContent xmlns:mc="http://schemas.openxmlformats.org/markup-compatibility/2006" xmlns:a14="http://schemas.microsoft.com/office/drawing/2010/main">
-        <mc:Choice Requires="a14">
-          <p:sp>
-            <p:nvSpPr>
-              <p:cNvPr id="6" name="テキスト ボックス 5">
-                <a:extLst>
-                  <a:ext uri="{FF2B5EF4-FFF2-40B4-BE49-F238E27FC236}">
-                    <a16:creationId xmlns:a16="http://schemas.microsoft.com/office/drawing/2014/main" id="{D07C95C8-63FD-4F39-A58D-FB38ABA807FB}"/>
-                  </a:ext>
-                </a:extLst>
-              </p:cNvPr>
-              <p:cNvSpPr txBox="1"/>
-              <p:nvPr/>
-            </p:nvSpPr>
-            <p:spPr>
-              <a:xfrm>
-                <a:off x="6908449" y="3309362"/>
-                <a:ext cx="4751876" cy="3046988"/>
-              </a:xfrm>
-              <a:prstGeom prst="rect">
-                <a:avLst/>
-              </a:prstGeom>
-              <a:noFill/>
-            </p:spPr>
-            <p:txBody>
-              <a:bodyPr wrap="square" rtlCol="0">
-                <a:spAutoFit/>
-              </a:bodyPr>
-              <a:lstStyle/>
-              <a:p>
-                <a:pPr algn="l"/>
-                <a14:m>
-                  <m:oMath xmlns:m="http://schemas.openxmlformats.org/officeDocument/2006/math">
-                    <m:sSub>
-                      <m:sSubPr>
-                        <m:ctrlPr>
-                          <a:rPr kumimoji="1" lang="en-US" altLang="ja-JP" sz="2400" b="0" i="1" smtClean="0">
-                            <a:latin typeface="Cambria Math" panose="02040503050406030204" pitchFamily="18" charset="0"/>
-                          </a:rPr>
-                        </m:ctrlPr>
-                      </m:sSubPr>
-                      <m:e>
-                        <m:r>
-                          <a:rPr kumimoji="1" lang="en-US" altLang="ja-JP" sz="2400" b="0" i="1" smtClean="0">
-                            <a:latin typeface="Cambria Math" panose="02040503050406030204" pitchFamily="18" charset="0"/>
-                          </a:rPr>
-                          <m:t>𝐾</m:t>
-                        </m:r>
-                      </m:e>
-                      <m:sub>
-                        <m:r>
-                          <a:rPr kumimoji="1" lang="en-US" altLang="ja-JP" sz="2400" b="0" i="1" smtClean="0">
-                            <a:latin typeface="Cambria Math" panose="02040503050406030204" pitchFamily="18" charset="0"/>
-                          </a:rPr>
-                          <m:t>𝐵</m:t>
-                        </m:r>
-                      </m:sub>
-                    </m:sSub>
-                    <m:r>
-                      <a:rPr kumimoji="1" lang="en-US" altLang="ja-JP" sz="2400" b="0" i="1" smtClean="0">
-                        <a:latin typeface="Cambria Math" panose="02040503050406030204" pitchFamily="18" charset="0"/>
-                      </a:rPr>
-                      <m:t>=2</m:t>
-                    </m:r>
-                    <m:sSub>
-                      <m:sSubPr>
-                        <m:ctrlPr>
-                          <a:rPr kumimoji="1" lang="en-US" altLang="ja-JP" sz="2400" b="0" i="1" smtClean="0">
-                            <a:latin typeface="Cambria Math" panose="02040503050406030204" pitchFamily="18" charset="0"/>
-                          </a:rPr>
-                        </m:ctrlPr>
-                      </m:sSubPr>
-                      <m:e>
-                        <m:r>
-                          <a:rPr kumimoji="1" lang="en-US" altLang="ja-JP" sz="2400" b="0" i="1" smtClean="0">
-                            <a:latin typeface="Cambria Math" panose="02040503050406030204" pitchFamily="18" charset="0"/>
-                          </a:rPr>
-                          <m:t>𝐾</m:t>
-                        </m:r>
-                      </m:e>
-                      <m:sub>
-                        <m:r>
-                          <a:rPr kumimoji="1" lang="en-US" altLang="ja-JP" sz="2400" b="0" i="1" smtClean="0">
-                            <a:latin typeface="Cambria Math" panose="02040503050406030204" pitchFamily="18" charset="0"/>
-                          </a:rPr>
-                          <m:t>𝐴</m:t>
-                        </m:r>
-                      </m:sub>
-                    </m:sSub>
-                  </m:oMath>
-                </a14:m>
-                <a:r>
-                  <a:rPr kumimoji="1" lang="ja-JP" altLang="en-US" sz="2400" dirty="0"/>
-                  <a:t>を仮定したので</a:t>
-                </a:r>
-                <a14:m>
-                  <m:oMath xmlns:m="http://schemas.openxmlformats.org/officeDocument/2006/math">
-                    <m:sSub>
-                      <m:sSubPr>
-                        <m:ctrlPr>
-                          <a:rPr kumimoji="1" lang="en-US" altLang="ja-JP" sz="2400" b="0" i="1" smtClean="0">
-                            <a:latin typeface="Cambria Math" panose="02040503050406030204" pitchFamily="18" charset="0"/>
-                          </a:rPr>
-                        </m:ctrlPr>
-                      </m:sSubPr>
-                      <m:e>
-                        <m:r>
-                          <a:rPr kumimoji="1" lang="en-US" altLang="ja-JP" sz="2400" b="0" i="1" smtClean="0">
-                            <a:latin typeface="Cambria Math" panose="02040503050406030204" pitchFamily="18" charset="0"/>
-                          </a:rPr>
-                          <m:t>𝑀</m:t>
-                        </m:r>
-                      </m:e>
-                      <m:sub>
-                        <m:r>
-                          <a:rPr kumimoji="1" lang="en-US" altLang="ja-JP" sz="2400" b="0" i="1" smtClean="0">
-                            <a:latin typeface="Cambria Math" panose="02040503050406030204" pitchFamily="18" charset="0"/>
-                          </a:rPr>
-                          <m:t>𝐴</m:t>
-                        </m:r>
-                      </m:sub>
-                    </m:sSub>
-                    <m:r>
-                      <a:rPr kumimoji="1" lang="en-US" altLang="ja-JP" sz="2400" b="0" i="1" smtClean="0">
-                        <a:latin typeface="Cambria Math" panose="02040503050406030204" pitchFamily="18" charset="0"/>
-                      </a:rPr>
-                      <m:t>,</m:t>
-                    </m:r>
-                    <m:sSub>
-                      <m:sSubPr>
-                        <m:ctrlPr>
-                          <a:rPr kumimoji="1" lang="en-US" altLang="ja-JP" sz="2400" b="0" i="1" smtClean="0">
-                            <a:latin typeface="Cambria Math" panose="02040503050406030204" pitchFamily="18" charset="0"/>
-                          </a:rPr>
-                        </m:ctrlPr>
-                      </m:sSubPr>
-                      <m:e>
-                        <m:r>
-                          <a:rPr kumimoji="1" lang="en-US" altLang="ja-JP" sz="2400" b="0" i="1" smtClean="0">
-                            <a:latin typeface="Cambria Math" panose="02040503050406030204" pitchFamily="18" charset="0"/>
-                          </a:rPr>
-                          <m:t>𝑀</m:t>
-                        </m:r>
-                      </m:e>
-                      <m:sub>
-                        <m:r>
-                          <a:rPr kumimoji="1" lang="en-US" altLang="ja-JP" sz="2400" b="0" i="1" smtClean="0">
-                            <a:latin typeface="Cambria Math" panose="02040503050406030204" pitchFamily="18" charset="0"/>
-                          </a:rPr>
-                          <m:t>𝐵</m:t>
-                        </m:r>
-                      </m:sub>
-                    </m:sSub>
-                  </m:oMath>
-                </a14:m>
-                <a:r>
-                  <a:rPr kumimoji="1" lang="ja-JP" altLang="en-US" sz="2400" dirty="0"/>
-                  <a:t>の形状比は</a:t>
-                </a:r>
-                <a14:m>
-                  <m:oMath xmlns:m="http://schemas.openxmlformats.org/officeDocument/2006/math">
-                    <m:r>
-                      <a:rPr kumimoji="1" lang="en-US" altLang="ja-JP" sz="2400" b="0" i="1" smtClean="0">
-                        <a:latin typeface="Cambria Math" panose="02040503050406030204" pitchFamily="18" charset="0"/>
-                      </a:rPr>
-                      <m:t>1 :2</m:t>
-                    </m:r>
-                  </m:oMath>
-                </a14:m>
-                <a:r>
-                  <a:rPr kumimoji="1" lang="ja-JP" altLang="en-US" sz="2400" dirty="0"/>
-                  <a:t>とする。</a:t>
-                </a:r>
-                <a:endParaRPr kumimoji="1" lang="en-US" altLang="ja-JP" sz="2400" dirty="0"/>
-              </a:p>
-              <a:p>
-                <a:pPr algn="l"/>
-                <a14:m>
-                  <m:oMath xmlns:m="http://schemas.openxmlformats.org/officeDocument/2006/math">
-                    <m:sSub>
-                      <m:sSubPr>
-                        <m:ctrlPr>
-                          <a:rPr kumimoji="1" lang="en-US" altLang="ja-JP" sz="2400" b="0" i="1" smtClean="0">
-                            <a:latin typeface="Cambria Math" panose="02040503050406030204" pitchFamily="18" charset="0"/>
-                          </a:rPr>
-                        </m:ctrlPr>
-                      </m:sSubPr>
-                      <m:e>
-                        <m:r>
-                          <a:rPr kumimoji="1" lang="en-US" altLang="ja-JP" sz="2400" b="0" i="1" smtClean="0">
-                            <a:latin typeface="Cambria Math" panose="02040503050406030204" pitchFamily="18" charset="0"/>
-                          </a:rPr>
-                          <m:t>𝑀</m:t>
-                        </m:r>
-                      </m:e>
-                      <m:sub>
-                        <m:r>
-                          <a:rPr kumimoji="1" lang="en-US" altLang="ja-JP" sz="2400" b="0" i="1" smtClean="0">
-                            <a:latin typeface="Cambria Math" panose="02040503050406030204" pitchFamily="18" charset="0"/>
-                          </a:rPr>
-                          <m:t>𝐶</m:t>
-                        </m:r>
-                      </m:sub>
-                    </m:sSub>
-                  </m:oMath>
-                </a14:m>
-                <a:r>
-                  <a:rPr kumimoji="1" lang="ja-JP" altLang="en-US" sz="2400" dirty="0"/>
-                  <a:t>に</a:t>
-                </a:r>
-                <a14:m>
-                  <m:oMath xmlns:m="http://schemas.openxmlformats.org/officeDocument/2006/math">
-                    <m:r>
-                      <a:rPr kumimoji="1" lang="en-US" altLang="ja-JP" sz="2400" b="0" i="1" dirty="0" smtClean="0">
-                        <a:latin typeface="Cambria Math" panose="02040503050406030204" pitchFamily="18" charset="0"/>
-                      </a:rPr>
-                      <m:t>1 </m:t>
-                    </m:r>
-                    <m:r>
-                      <m:rPr>
-                        <m:sty m:val="p"/>
-                      </m:rPr>
-                      <a:rPr kumimoji="1" lang="en-US" altLang="ja-JP" sz="2400" b="0" i="0" dirty="0" smtClean="0">
-                        <a:latin typeface="Cambria Math" panose="02040503050406030204" pitchFamily="18" charset="0"/>
-                      </a:rPr>
-                      <m:t>mA</m:t>
-                    </m:r>
-                  </m:oMath>
-                </a14:m>
-                <a:r>
-                  <a:rPr kumimoji="1" lang="ja-JP" altLang="en-US" sz="2400" dirty="0"/>
-                  <a:t>流すという条件で考えることにする。</a:t>
-                </a:r>
-                <a:endParaRPr kumimoji="1" lang="en-US" altLang="ja-JP" sz="2400" dirty="0"/>
-              </a:p>
-              <a:p>
-                <a:pPr algn="l"/>
-                <a:r>
-                  <a:rPr lang="ja-JP" altLang="en-US" sz="2400" dirty="0"/>
-                  <a:t>また、とりあえず</a:t>
-                </a:r>
-                <a14:m>
-                  <m:oMath xmlns:m="http://schemas.openxmlformats.org/officeDocument/2006/math">
-                    <m:sSub>
-                      <m:sSubPr>
-                        <m:ctrlPr>
-                          <a:rPr lang="en-US" altLang="ja-JP" sz="2400" b="0" i="1" smtClean="0">
-                            <a:latin typeface="Cambria Math" panose="02040503050406030204" pitchFamily="18" charset="0"/>
-                          </a:rPr>
-                        </m:ctrlPr>
-                      </m:sSubPr>
-                      <m:e>
-                        <m:r>
-                          <a:rPr lang="en-US" altLang="ja-JP" sz="2400" b="0" i="1" smtClean="0">
-                            <a:latin typeface="Cambria Math" panose="02040503050406030204" pitchFamily="18" charset="0"/>
-                          </a:rPr>
-                          <m:t>𝐾</m:t>
-                        </m:r>
-                      </m:e>
-                      <m:sub>
-                        <m:r>
-                          <a:rPr lang="en-US" altLang="ja-JP" sz="2400" b="0" i="1" smtClean="0">
-                            <a:latin typeface="Cambria Math" panose="02040503050406030204" pitchFamily="18" charset="0"/>
-                          </a:rPr>
-                          <m:t>0</m:t>
-                        </m:r>
-                      </m:sub>
-                    </m:sSub>
-                    <m:r>
-                      <a:rPr lang="en-US" altLang="ja-JP" sz="2400" b="0" i="1" smtClean="0">
-                        <a:latin typeface="Cambria Math" panose="02040503050406030204" pitchFamily="18" charset="0"/>
-                      </a:rPr>
-                      <m:t>=100 </m:t>
-                    </m:r>
-                    <m:r>
-                      <m:rPr>
-                        <m:sty m:val="p"/>
-                      </m:rPr>
-                      <a:rPr lang="en-US" altLang="ja-JP" sz="2400" b="0" i="0" smtClean="0">
-                        <a:latin typeface="Cambria Math" panose="02040503050406030204" pitchFamily="18" charset="0"/>
-                      </a:rPr>
-                      <m:t>μS</m:t>
-                    </m:r>
-                    <m:r>
-                      <a:rPr lang="en-US" altLang="ja-JP" sz="2400" b="0" i="0" smtClean="0">
-                        <a:latin typeface="Cambria Math" panose="02040503050406030204" pitchFamily="18" charset="0"/>
-                      </a:rPr>
-                      <m:t>/</m:t>
-                    </m:r>
-                    <m:r>
-                      <m:rPr>
-                        <m:sty m:val="p"/>
-                      </m:rPr>
-                      <a:rPr lang="en-US" altLang="ja-JP" sz="2400" b="0" i="0" smtClean="0">
-                        <a:latin typeface="Cambria Math" panose="02040503050406030204" pitchFamily="18" charset="0"/>
-                      </a:rPr>
-                      <m:t>V</m:t>
-                    </m:r>
-                  </m:oMath>
-                </a14:m>
-                <a:endParaRPr lang="en-US" altLang="ja-JP" sz="2400" b="0" dirty="0"/>
-              </a:p>
-              <a:p>
-                <a:pPr algn="l"/>
-                <a14:m>
-                  <m:oMath xmlns:m="http://schemas.openxmlformats.org/officeDocument/2006/math">
-                    <m:r>
-                      <a:rPr kumimoji="1" lang="en-US" altLang="ja-JP" sz="2400" b="0" i="1" smtClean="0">
-                        <a:latin typeface="Cambria Math" panose="02040503050406030204" pitchFamily="18" charset="0"/>
-                      </a:rPr>
-                      <m:t>𝐿</m:t>
-                    </m:r>
-                    <m:r>
-                      <a:rPr kumimoji="1" lang="en-US" altLang="ja-JP" sz="2400" b="0" i="1" smtClean="0">
-                        <a:latin typeface="Cambria Math" panose="02040503050406030204" pitchFamily="18" charset="0"/>
-                      </a:rPr>
-                      <m:t>=0.54 </m:t>
-                    </m:r>
-                    <m:r>
-                      <m:rPr>
-                        <m:sty m:val="p"/>
-                      </m:rPr>
-                      <a:rPr kumimoji="1" lang="en-US" altLang="ja-JP" sz="2400" b="0" i="0" smtClean="0">
-                        <a:latin typeface="Cambria Math" panose="02040503050406030204" pitchFamily="18" charset="0"/>
-                      </a:rPr>
-                      <m:t>μm</m:t>
-                    </m:r>
-                  </m:oMath>
-                </a14:m>
-                <a:r>
-                  <a:rPr kumimoji="1" lang="ja-JP" altLang="en-US" sz="2400" dirty="0"/>
-                  <a:t>として計算し、シミュレーションとの差が大きければ再度</a:t>
-                </a:r>
-                <a14:m>
-                  <m:oMath xmlns:m="http://schemas.openxmlformats.org/officeDocument/2006/math">
-                    <m:sSub>
-                      <m:sSubPr>
-                        <m:ctrlPr>
-                          <a:rPr kumimoji="1" lang="en-US" altLang="ja-JP" sz="2400" b="0" i="1" smtClean="0">
-                            <a:latin typeface="Cambria Math" panose="02040503050406030204" pitchFamily="18" charset="0"/>
-                          </a:rPr>
-                        </m:ctrlPr>
-                      </m:sSubPr>
-                      <m:e>
-                        <m:r>
-                          <a:rPr kumimoji="1" lang="en-US" altLang="ja-JP" sz="2400" b="0" i="1" smtClean="0">
-                            <a:latin typeface="Cambria Math" panose="02040503050406030204" pitchFamily="18" charset="0"/>
-                          </a:rPr>
-                          <m:t>𝐾</m:t>
-                        </m:r>
-                      </m:e>
-                      <m:sub>
-                        <m:r>
-                          <a:rPr kumimoji="1" lang="en-US" altLang="ja-JP" sz="2400" b="0" i="1" smtClean="0">
-                            <a:latin typeface="Cambria Math" panose="02040503050406030204" pitchFamily="18" charset="0"/>
-                          </a:rPr>
-                          <m:t>0</m:t>
-                        </m:r>
-                      </m:sub>
-                    </m:sSub>
-                  </m:oMath>
-                </a14:m>
-                <a:r>
-                  <a:rPr kumimoji="1" lang="ja-JP" altLang="en-US" sz="2400" dirty="0"/>
-                  <a:t>の推定などを行う。</a:t>
-                </a:r>
-                <a:endParaRPr kumimoji="1" lang="en-US" altLang="ja-JP" sz="2400" dirty="0"/>
-              </a:p>
-            </p:txBody>
-          </p:sp>
-        </mc:Choice>
-        <mc:Fallback xmlns="">
-          <p:sp>
-            <p:nvSpPr>
-              <p:cNvPr id="6" name="テキスト ボックス 5">
-                <a:extLst>
-                  <a:ext uri="{FF2B5EF4-FFF2-40B4-BE49-F238E27FC236}">
-                    <a16:creationId xmlns:a16="http://schemas.microsoft.com/office/drawing/2014/main" id="{D07C95C8-63FD-4F39-A58D-FB38ABA807FB}"/>
-                  </a:ext>
-                </a:extLst>
-              </p:cNvPr>
-              <p:cNvSpPr txBox="1">
-                <a:spLocks noRot="1" noChangeAspect="1" noMove="1" noResize="1" noEditPoints="1" noAdjustHandles="1" noChangeArrowheads="1" noChangeShapeType="1" noTextEdit="1"/>
-              </p:cNvSpPr>
-              <p:nvPr/>
-            </p:nvSpPr>
-            <p:spPr>
-              <a:xfrm>
-                <a:off x="6908449" y="3309362"/>
-                <a:ext cx="4751876" cy="3046988"/>
-              </a:xfrm>
-              <a:prstGeom prst="rect">
-                <a:avLst/>
-              </a:prstGeom>
-              <a:blipFill>
-                <a:blip r:embed="rId4"/>
-                <a:stretch>
-                  <a:fillRect l="-1923" t="-1600" b="-3600"/>
-                </a:stretch>
-              </a:blipFill>
-            </p:spPr>
-            <p:txBody>
-              <a:bodyPr/>
-              <a:lstStyle/>
-              <a:p>
-                <a:r>
-                  <a:rPr lang="ja-JP" altLang="en-US">
-                    <a:noFill/>
-                  </a:rPr>
-                  <a:t> </a:t>
-                </a:r>
-              </a:p>
-            </p:txBody>
-          </p:sp>
-        </mc:Fallback>
-      </mc:AlternateContent>
-    </p:spTree>
-    <p:extLst>
-      <p:ext uri="{BB962C8B-B14F-4D97-AF65-F5344CB8AC3E}">
-        <p14:creationId xmlns:p14="http://schemas.microsoft.com/office/powerpoint/2010/main" val="1517370342"/>
       </p:ext>
     </p:extLst>
   </p:cSld>

--- a/folded_gilbert/20230703/進捗報告 ギルバートセルの設計.pptx
+++ b/folded_gilbert/20230703/進捗報告 ギルバートセルの設計.pptx
@@ -13439,6 +13439,41 @@
           <a:chExt cx="0" cy="0"/>
         </a:xfrm>
       </p:grpSpPr>
+      <p:pic>
+        <p:nvPicPr>
+          <p:cNvPr id="7" name="図 6" descr="グラフ&#10;&#10;自動的に生成された説明">
+            <a:extLst>
+              <a:ext uri="{FF2B5EF4-FFF2-40B4-BE49-F238E27FC236}">
+                <a16:creationId xmlns:a16="http://schemas.microsoft.com/office/drawing/2014/main" id="{F8EDBCE4-518E-D8E5-738F-53BE6E061B44}"/>
+              </a:ext>
+            </a:extLst>
+          </p:cNvPr>
+          <p:cNvPicPr>
+            <a:picLocks noChangeAspect="1"/>
+          </p:cNvPicPr>
+          <p:nvPr/>
+        </p:nvPicPr>
+        <p:blipFill rotWithShape="1">
+          <a:blip r:embed="rId2">
+            <a:extLst>
+              <a:ext uri="{28A0092B-C50C-407E-A947-70E740481C1C}">
+                <a14:useLocalDpi xmlns:a14="http://schemas.microsoft.com/office/drawing/2010/main" val="0"/>
+              </a:ext>
+            </a:extLst>
+          </a:blip>
+          <a:srcRect l="1106" r="9804"/>
+          <a:stretch/>
+        </p:blipFill>
+        <p:spPr>
+          <a:xfrm>
+            <a:off x="0" y="1326550"/>
+            <a:ext cx="7039992" cy="5531449"/>
+          </a:xfrm>
+          <a:prstGeom prst="rect">
+            <a:avLst/>
+          </a:prstGeom>
+        </p:spPr>
+      </p:pic>
       <p:sp>
         <p:nvSpPr>
           <p:cNvPr id="2" name="タイトル 1">
@@ -13500,42 +13535,6 @@
           </a:p>
         </p:txBody>
       </p:sp>
-      <p:pic>
-        <p:nvPicPr>
-          <p:cNvPr id="5" name="図 4" descr="グラフ&#10;&#10;自動的に生成された説明">
-            <a:extLst>
-              <a:ext uri="{FF2B5EF4-FFF2-40B4-BE49-F238E27FC236}">
-                <a16:creationId xmlns:a16="http://schemas.microsoft.com/office/drawing/2014/main" id="{95A03437-4B91-680D-3976-C1D293E6CDC8}"/>
-              </a:ext>
-            </a:extLst>
-          </p:cNvPr>
-          <p:cNvPicPr>
-            <a:picLocks noChangeAspect="1"/>
-          </p:cNvPicPr>
-          <p:nvPr/>
-        </p:nvPicPr>
-        <p:blipFill>
-          <a:blip r:embed="rId2">
-            <a:extLst>
-              <a:ext uri="{28A0092B-C50C-407E-A947-70E740481C1C}">
-                <a14:useLocalDpi xmlns:a14="http://schemas.microsoft.com/office/drawing/2010/main" val="0"/>
-              </a:ext>
-            </a:extLst>
-          </a:blip>
-          <a:stretch>
-            <a:fillRect/>
-          </a:stretch>
-        </p:blipFill>
-        <p:spPr>
-          <a:xfrm>
-            <a:off x="255495" y="1476302"/>
-            <a:ext cx="7277763" cy="5094435"/>
-          </a:xfrm>
-          <a:prstGeom prst="rect">
-            <a:avLst/>
-          </a:prstGeom>
-        </p:spPr>
-      </p:pic>
       <mc:AlternateContent xmlns:mc="http://schemas.openxmlformats.org/markup-compatibility/2006" xmlns:a14="http://schemas.microsoft.com/office/drawing/2010/main">
         <mc:Choice Requires="a14">
           <p:sp>
